--- a/scratch.pptx
+++ b/scratch.pptx
@@ -2368,167 +2368,85 @@
 </file>
 
 <file path=ppt/diagrams/colors4.xml><?xml version="1.0" encoding="utf-8"?>
-<dgm:colorsDef xmlns:dgm="http://schemas.openxmlformats.org/drawingml/2006/diagram" xmlns:a="http://schemas.openxmlformats.org/drawingml/2006/main" uniqueId="urn:microsoft.com/office/officeart/2005/8/colors/accent1_2">
+<dgm:colorsDef xmlns:dgm="http://schemas.openxmlformats.org/drawingml/2006/diagram" xmlns:a="http://schemas.openxmlformats.org/drawingml/2006/main" uniqueId="urn:microsoft.com/office/officeart/2005/8/colors/accent0_1">
   <dgm:title val=""/>
   <dgm:desc val=""/>
   <dgm:catLst>
-    <dgm:cat type="accent1" pri="11200"/>
+    <dgm:cat type="mainScheme" pri="10100"/>
   </dgm:catLst>
   <dgm:styleLbl name="node0">
     <dgm:fillClrLst meth="repeat">
-      <a:schemeClr val="accent1"/>
+      <a:schemeClr val="lt1"/>
     </dgm:fillClrLst>
     <dgm:linClrLst meth="repeat">
-      <a:schemeClr val="lt1"/>
+      <a:schemeClr val="dk1">
+        <a:shade val="80000"/>
+      </a:schemeClr>
     </dgm:linClrLst>
     <dgm:effectClrLst/>
     <dgm:txLinClrLst/>
-    <dgm:txFillClrLst/>
+    <dgm:txFillClrLst meth="repeat">
+      <a:schemeClr val="dk1"/>
+    </dgm:txFillClrLst>
     <dgm:txEffectClrLst/>
   </dgm:styleLbl>
-  <dgm:styleLbl name="alignNode1">
+  <dgm:styleLbl name="node1">
     <dgm:fillClrLst meth="repeat">
-      <a:schemeClr val="accent1"/>
+      <a:schemeClr val="lt1"/>
     </dgm:fillClrLst>
     <dgm:linClrLst meth="repeat">
-      <a:schemeClr val="accent1"/>
+      <a:schemeClr val="dk1">
+        <a:shade val="80000"/>
+      </a:schemeClr>
     </dgm:linClrLst>
     <dgm:effectClrLst/>
     <dgm:txLinClrLst/>
-    <dgm:txFillClrLst/>
+    <dgm:txFillClrLst meth="repeat">
+      <a:schemeClr val="dk1"/>
+    </dgm:txFillClrLst>
     <dgm:txEffectClrLst/>
   </dgm:styleLbl>
-  <dgm:styleLbl name="node1">
+  <dgm:styleLbl name="alignNode1">
     <dgm:fillClrLst meth="repeat">
-      <a:schemeClr val="accent1"/>
+      <a:schemeClr val="lt1"/>
     </dgm:fillClrLst>
     <dgm:linClrLst meth="repeat">
-      <a:schemeClr val="lt1"/>
+      <a:schemeClr val="dk1">
+        <a:shade val="80000"/>
+      </a:schemeClr>
     </dgm:linClrLst>
     <dgm:effectClrLst/>
     <dgm:txLinClrLst/>
-    <dgm:txFillClrLst/>
+    <dgm:txFillClrLst meth="repeat">
+      <a:schemeClr val="dk1"/>
+    </dgm:txFillClrLst>
     <dgm:txEffectClrLst/>
   </dgm:styleLbl>
   <dgm:styleLbl name="lnNode1">
     <dgm:fillClrLst meth="repeat">
-      <a:schemeClr val="accent1"/>
+      <a:schemeClr val="lt1"/>
     </dgm:fillClrLst>
     <dgm:linClrLst meth="repeat">
-      <a:schemeClr val="lt1"/>
+      <a:schemeClr val="dk1">
+        <a:shade val="80000"/>
+      </a:schemeClr>
     </dgm:linClrLst>
     <dgm:effectClrLst/>
     <dgm:txLinClrLst/>
-    <dgm:txFillClrLst/>
+    <dgm:txFillClrLst meth="repeat">
+      <a:schemeClr val="dk1"/>
+    </dgm:txFillClrLst>
     <dgm:txEffectClrLst/>
   </dgm:styleLbl>
   <dgm:styleLbl name="vennNode1">
     <dgm:fillClrLst meth="repeat">
-      <a:schemeClr val="accent1">
+      <a:schemeClr val="lt1">
         <a:alpha val="50000"/>
       </a:schemeClr>
     </dgm:fillClrLst>
     <dgm:linClrLst meth="repeat">
-      <a:schemeClr val="lt1"/>
-    </dgm:linClrLst>
-    <dgm:effectClrLst/>
-    <dgm:txLinClrLst/>
-    <dgm:txFillClrLst/>
-    <dgm:txEffectClrLst/>
-  </dgm:styleLbl>
-  <dgm:styleLbl name="node2">
-    <dgm:fillClrLst meth="repeat">
-      <a:schemeClr val="accent1"/>
-    </dgm:fillClrLst>
-    <dgm:linClrLst meth="repeat">
-      <a:schemeClr val="lt1"/>
-    </dgm:linClrLst>
-    <dgm:effectClrLst/>
-    <dgm:txLinClrLst/>
-    <dgm:txFillClrLst/>
-    <dgm:txEffectClrLst/>
-  </dgm:styleLbl>
-  <dgm:styleLbl name="node3">
-    <dgm:fillClrLst meth="repeat">
-      <a:schemeClr val="accent1"/>
-    </dgm:fillClrLst>
-    <dgm:linClrLst meth="repeat">
-      <a:schemeClr val="lt1"/>
-    </dgm:linClrLst>
-    <dgm:effectClrLst/>
-    <dgm:txLinClrLst/>
-    <dgm:txFillClrLst/>
-    <dgm:txEffectClrLst/>
-  </dgm:styleLbl>
-  <dgm:styleLbl name="node4">
-    <dgm:fillClrLst meth="repeat">
-      <a:schemeClr val="accent1"/>
-    </dgm:fillClrLst>
-    <dgm:linClrLst meth="repeat">
-      <a:schemeClr val="lt1"/>
-    </dgm:linClrLst>
-    <dgm:effectClrLst/>
-    <dgm:txLinClrLst/>
-    <dgm:txFillClrLst/>
-    <dgm:txEffectClrLst/>
-  </dgm:styleLbl>
-  <dgm:styleLbl name="fgImgPlace1">
-    <dgm:fillClrLst meth="repeat">
-      <a:schemeClr val="accent1">
-        <a:tint val="50000"/>
-      </a:schemeClr>
-    </dgm:fillClrLst>
-    <dgm:linClrLst meth="repeat">
-      <a:schemeClr val="lt1"/>
-    </dgm:linClrLst>
-    <dgm:effectClrLst/>
-    <dgm:txLinClrLst/>
-    <dgm:txFillClrLst meth="repeat">
-      <a:schemeClr val="lt1"/>
-    </dgm:txFillClrLst>
-    <dgm:txEffectClrLst/>
-  </dgm:styleLbl>
-  <dgm:styleLbl name="alignImgPlace1">
-    <dgm:fillClrLst meth="repeat">
-      <a:schemeClr val="accent1">
-        <a:tint val="50000"/>
-      </a:schemeClr>
-    </dgm:fillClrLst>
-    <dgm:linClrLst meth="repeat">
-      <a:schemeClr val="lt1"/>
-    </dgm:linClrLst>
-    <dgm:effectClrLst/>
-    <dgm:txLinClrLst/>
-    <dgm:txFillClrLst meth="repeat">
-      <a:schemeClr val="lt1"/>
-    </dgm:txFillClrLst>
-    <dgm:txEffectClrLst/>
-  </dgm:styleLbl>
-  <dgm:styleLbl name="bgImgPlace1">
-    <dgm:fillClrLst meth="repeat">
-      <a:schemeClr val="accent1">
-        <a:tint val="50000"/>
-      </a:schemeClr>
-    </dgm:fillClrLst>
-    <dgm:linClrLst meth="repeat">
-      <a:schemeClr val="lt1"/>
-    </dgm:linClrLst>
-    <dgm:effectClrLst/>
-    <dgm:txLinClrLst/>
-    <dgm:txFillClrLst meth="repeat">
-      <a:schemeClr val="lt1"/>
-    </dgm:txFillClrLst>
-    <dgm:txEffectClrLst/>
-  </dgm:styleLbl>
-  <dgm:styleLbl name="sibTrans2D1">
-    <dgm:fillClrLst meth="repeat">
-      <a:schemeClr val="accent1">
-        <a:tint val="60000"/>
-      </a:schemeClr>
-    </dgm:fillClrLst>
-    <dgm:linClrLst meth="repeat">
-      <a:schemeClr val="accent1">
-        <a:tint val="60000"/>
+      <a:schemeClr val="dk1">
+        <a:shade val="80000"/>
       </a:schemeClr>
     </dgm:linClrLst>
     <dgm:effectClrLst/>
@@ -2536,137 +2454,63 @@
     <dgm:txFillClrLst/>
     <dgm:txEffectClrLst/>
   </dgm:styleLbl>
-  <dgm:styleLbl name="fgSibTrans2D1">
+  <dgm:styleLbl name="node2">
     <dgm:fillClrLst meth="repeat">
-      <a:schemeClr val="accent1">
-        <a:tint val="60000"/>
-      </a:schemeClr>
+      <a:schemeClr val="lt1"/>
     </dgm:fillClrLst>
     <dgm:linClrLst meth="repeat">
-      <a:schemeClr val="accent1">
-        <a:tint val="60000"/>
-      </a:schemeClr>
-    </dgm:linClrLst>
-    <dgm:effectClrLst/>
-    <dgm:txLinClrLst/>
-    <dgm:txFillClrLst/>
-    <dgm:txEffectClrLst/>
-  </dgm:styleLbl>
-  <dgm:styleLbl name="bgSibTrans2D1">
-    <dgm:fillClrLst meth="repeat">
-      <a:schemeClr val="accent1">
-        <a:tint val="60000"/>
-      </a:schemeClr>
-    </dgm:fillClrLst>
-    <dgm:linClrLst meth="repeat">
-      <a:schemeClr val="accent1">
-        <a:tint val="60000"/>
-      </a:schemeClr>
-    </dgm:linClrLst>
-    <dgm:effectClrLst/>
-    <dgm:txLinClrLst/>
-    <dgm:txFillClrLst/>
-    <dgm:txEffectClrLst/>
-  </dgm:styleLbl>
-  <dgm:styleLbl name="sibTrans1D1">
-    <dgm:fillClrLst meth="repeat">
-      <a:schemeClr val="accent1"/>
-    </dgm:fillClrLst>
-    <dgm:linClrLst meth="repeat">
-      <a:schemeClr val="accent1"/>
-    </dgm:linClrLst>
-    <dgm:effectClrLst/>
-    <dgm:txLinClrLst/>
-    <dgm:txFillClrLst meth="repeat">
-      <a:schemeClr val="tx1"/>
-    </dgm:txFillClrLst>
-    <dgm:txEffectClrLst/>
-  </dgm:styleLbl>
-  <dgm:styleLbl name="callout">
-    <dgm:fillClrLst meth="repeat">
-      <a:schemeClr val="accent1"/>
-    </dgm:fillClrLst>
-    <dgm:linClrLst meth="repeat">
-      <a:schemeClr val="accent1">
-        <a:tint val="50000"/>
+      <a:schemeClr val="dk1">
+        <a:shade val="80000"/>
       </a:schemeClr>
     </dgm:linClrLst>
     <dgm:effectClrLst/>
     <dgm:txLinClrLst/>
     <dgm:txFillClrLst meth="repeat">
-      <a:schemeClr val="tx1"/>
+      <a:schemeClr val="dk1"/>
     </dgm:txFillClrLst>
     <dgm:txEffectClrLst/>
   </dgm:styleLbl>
-  <dgm:styleLbl name="asst0">
+  <dgm:styleLbl name="node3">
     <dgm:fillClrLst meth="repeat">
-      <a:schemeClr val="accent1"/>
+      <a:schemeClr val="lt1"/>
     </dgm:fillClrLst>
     <dgm:linClrLst meth="repeat">
-      <a:schemeClr val="lt1"/>
+      <a:schemeClr val="dk1">
+        <a:shade val="80000"/>
+      </a:schemeClr>
     </dgm:linClrLst>
     <dgm:effectClrLst/>
     <dgm:txLinClrLst/>
-    <dgm:txFillClrLst/>
+    <dgm:txFillClrLst meth="repeat">
+      <a:schemeClr val="dk1"/>
+    </dgm:txFillClrLst>
     <dgm:txEffectClrLst/>
   </dgm:styleLbl>
-  <dgm:styleLbl name="asst1">
+  <dgm:styleLbl name="node4">
     <dgm:fillClrLst meth="repeat">
-      <a:schemeClr val="accent1"/>
+      <a:schemeClr val="lt1"/>
     </dgm:fillClrLst>
     <dgm:linClrLst meth="repeat">
-      <a:schemeClr val="lt1"/>
+      <a:schemeClr val="dk1">
+        <a:shade val="80000"/>
+      </a:schemeClr>
     </dgm:linClrLst>
     <dgm:effectClrLst/>
     <dgm:txLinClrLst/>
-    <dgm:txFillClrLst/>
+    <dgm:txFillClrLst meth="repeat">
+      <a:schemeClr val="dk1"/>
+    </dgm:txFillClrLst>
     <dgm:txEffectClrLst/>
   </dgm:styleLbl>
-  <dgm:styleLbl name="asst2">
+  <dgm:styleLbl name="fgImgPlace1">
     <dgm:fillClrLst meth="repeat">
-      <a:schemeClr val="accent1"/>
-    </dgm:fillClrLst>
-    <dgm:linClrLst meth="repeat">
-      <a:schemeClr val="lt1"/>
-    </dgm:linClrLst>
-    <dgm:effectClrLst/>
-    <dgm:txLinClrLst/>
-    <dgm:txFillClrLst/>
-    <dgm:txEffectClrLst/>
-  </dgm:styleLbl>
-  <dgm:styleLbl name="asst3">
-    <dgm:fillClrLst meth="repeat">
-      <a:schemeClr val="accent1"/>
-    </dgm:fillClrLst>
-    <dgm:linClrLst meth="repeat">
-      <a:schemeClr val="lt1"/>
-    </dgm:linClrLst>
-    <dgm:effectClrLst/>
-    <dgm:txLinClrLst/>
-    <dgm:txFillClrLst/>
-    <dgm:txEffectClrLst/>
-  </dgm:styleLbl>
-  <dgm:styleLbl name="asst4">
-    <dgm:fillClrLst meth="repeat">
-      <a:schemeClr val="accent1"/>
-    </dgm:fillClrLst>
-    <dgm:linClrLst meth="repeat">
-      <a:schemeClr val="lt1"/>
-    </dgm:linClrLst>
-    <dgm:effectClrLst/>
-    <dgm:txLinClrLst/>
-    <dgm:txFillClrLst/>
-    <dgm:txEffectClrLst/>
-  </dgm:styleLbl>
-  <dgm:styleLbl name="parChTrans2D1">
-    <dgm:fillClrLst meth="repeat">
-      <a:schemeClr val="accent1">
-        <a:tint val="60000"/>
+      <a:schemeClr val="dk1">
+        <a:tint val="40000"/>
       </a:schemeClr>
     </dgm:fillClrLst>
     <dgm:linClrLst meth="repeat">
-      <a:schemeClr val="accent1">
-        <a:tint val="60000"/>
+      <a:schemeClr val="dk1">
+        <a:shade val="80000"/>
       </a:schemeClr>
     </dgm:linClrLst>
     <dgm:effectClrLst/>
@@ -2676,12 +2520,16 @@
     </dgm:txFillClrLst>
     <dgm:txEffectClrLst/>
   </dgm:styleLbl>
-  <dgm:styleLbl name="parChTrans2D2">
+  <dgm:styleLbl name="alignImgPlace1">
     <dgm:fillClrLst meth="repeat">
-      <a:schemeClr val="accent1"/>
+      <a:schemeClr val="dk1">
+        <a:tint val="40000"/>
+      </a:schemeClr>
     </dgm:fillClrLst>
     <dgm:linClrLst meth="repeat">
-      <a:schemeClr val="accent1"/>
+      <a:schemeClr val="dk1">
+        <a:shade val="80000"/>
+      </a:schemeClr>
     </dgm:linClrLst>
     <dgm:effectClrLst/>
     <dgm:txLinClrLst/>
@@ -2690,12 +2538,16 @@
     </dgm:txFillClrLst>
     <dgm:txEffectClrLst/>
   </dgm:styleLbl>
-  <dgm:styleLbl name="parChTrans2D3">
+  <dgm:styleLbl name="bgImgPlace1">
     <dgm:fillClrLst meth="repeat">
-      <a:schemeClr val="accent1"/>
+      <a:schemeClr val="dk1">
+        <a:tint val="40000"/>
+      </a:schemeClr>
     </dgm:fillClrLst>
     <dgm:linClrLst meth="repeat">
-      <a:schemeClr val="accent1"/>
+      <a:schemeClr val="dk1">
+        <a:shade val="80000"/>
+      </a:schemeClr>
     </dgm:linClrLst>
     <dgm:effectClrLst/>
     <dgm:txLinClrLst/>
@@ -2704,12 +2556,214 @@
     </dgm:txFillClrLst>
     <dgm:txEffectClrLst/>
   </dgm:styleLbl>
+  <dgm:styleLbl name="sibTrans2D1">
+    <dgm:fillClrLst meth="repeat">
+      <a:schemeClr val="dk1">
+        <a:tint val="60000"/>
+      </a:schemeClr>
+    </dgm:fillClrLst>
+    <dgm:linClrLst meth="repeat">
+      <a:schemeClr val="dk1">
+        <a:tint val="60000"/>
+      </a:schemeClr>
+    </dgm:linClrLst>
+    <dgm:effectClrLst/>
+    <dgm:txLinClrLst/>
+    <dgm:txFillClrLst meth="repeat">
+      <a:schemeClr val="dk1"/>
+    </dgm:txFillClrLst>
+    <dgm:txEffectClrLst/>
+  </dgm:styleLbl>
+  <dgm:styleLbl name="fgSibTrans2D1">
+    <dgm:fillClrLst meth="repeat">
+      <a:schemeClr val="dk1">
+        <a:tint val="60000"/>
+      </a:schemeClr>
+    </dgm:fillClrLst>
+    <dgm:linClrLst meth="repeat">
+      <a:schemeClr val="dk1">
+        <a:tint val="60000"/>
+      </a:schemeClr>
+    </dgm:linClrLst>
+    <dgm:effectClrLst/>
+    <dgm:txLinClrLst/>
+    <dgm:txFillClrLst meth="repeat">
+      <a:schemeClr val="dk1"/>
+    </dgm:txFillClrLst>
+    <dgm:txEffectClrLst/>
+  </dgm:styleLbl>
+  <dgm:styleLbl name="bgSibTrans2D1">
+    <dgm:fillClrLst meth="repeat">
+      <a:schemeClr val="dk1">
+        <a:tint val="60000"/>
+      </a:schemeClr>
+    </dgm:fillClrLst>
+    <dgm:linClrLst meth="repeat">
+      <a:schemeClr val="dk1">
+        <a:tint val="60000"/>
+      </a:schemeClr>
+    </dgm:linClrLst>
+    <dgm:effectClrLst/>
+    <dgm:txLinClrLst/>
+    <dgm:txFillClrLst meth="repeat">
+      <a:schemeClr val="dk1"/>
+    </dgm:txFillClrLst>
+    <dgm:txEffectClrLst/>
+  </dgm:styleLbl>
+  <dgm:styleLbl name="sibTrans1D1">
+    <dgm:fillClrLst meth="repeat">
+      <a:schemeClr val="dk1"/>
+    </dgm:fillClrLst>
+    <dgm:linClrLst meth="repeat">
+      <a:schemeClr val="dk1"/>
+    </dgm:linClrLst>
+    <dgm:effectClrLst/>
+    <dgm:txLinClrLst/>
+    <dgm:txFillClrLst meth="repeat">
+      <a:schemeClr val="tx1"/>
+    </dgm:txFillClrLst>
+    <dgm:txEffectClrLst/>
+  </dgm:styleLbl>
+  <dgm:styleLbl name="callout">
+    <dgm:fillClrLst meth="repeat">
+      <a:schemeClr val="dk1"/>
+    </dgm:fillClrLst>
+    <dgm:linClrLst meth="repeat">
+      <a:schemeClr val="dk1"/>
+    </dgm:linClrLst>
+    <dgm:effectClrLst/>
+    <dgm:txLinClrLst/>
+    <dgm:txFillClrLst meth="repeat">
+      <a:schemeClr val="tx1"/>
+    </dgm:txFillClrLst>
+    <dgm:txEffectClrLst/>
+  </dgm:styleLbl>
+  <dgm:styleLbl name="asst0">
+    <dgm:fillClrLst meth="repeat">
+      <a:schemeClr val="lt1"/>
+    </dgm:fillClrLst>
+    <dgm:linClrLst meth="repeat">
+      <a:schemeClr val="dk1">
+        <a:shade val="80000"/>
+      </a:schemeClr>
+    </dgm:linClrLst>
+    <dgm:effectClrLst/>
+    <dgm:txLinClrLst/>
+    <dgm:txFillClrLst meth="repeat">
+      <a:schemeClr val="dk1"/>
+    </dgm:txFillClrLst>
+    <dgm:txEffectClrLst/>
+  </dgm:styleLbl>
+  <dgm:styleLbl name="asst1">
+    <dgm:fillClrLst meth="repeat">
+      <a:schemeClr val="lt1"/>
+    </dgm:fillClrLst>
+    <dgm:linClrLst meth="repeat">
+      <a:schemeClr val="dk1">
+        <a:shade val="80000"/>
+      </a:schemeClr>
+    </dgm:linClrLst>
+    <dgm:effectClrLst/>
+    <dgm:txLinClrLst/>
+    <dgm:txFillClrLst meth="repeat">
+      <a:schemeClr val="dk1"/>
+    </dgm:txFillClrLst>
+    <dgm:txEffectClrLst/>
+  </dgm:styleLbl>
+  <dgm:styleLbl name="asst2">
+    <dgm:fillClrLst meth="repeat">
+      <a:schemeClr val="lt1"/>
+    </dgm:fillClrLst>
+    <dgm:linClrLst meth="repeat">
+      <a:schemeClr val="dk1">
+        <a:shade val="80000"/>
+      </a:schemeClr>
+    </dgm:linClrLst>
+    <dgm:effectClrLst/>
+    <dgm:txLinClrLst/>
+    <dgm:txFillClrLst meth="repeat">
+      <a:schemeClr val="dk1"/>
+    </dgm:txFillClrLst>
+    <dgm:txEffectClrLst/>
+  </dgm:styleLbl>
+  <dgm:styleLbl name="asst3">
+    <dgm:fillClrLst meth="repeat">
+      <a:schemeClr val="lt1"/>
+    </dgm:fillClrLst>
+    <dgm:linClrLst meth="repeat">
+      <a:schemeClr val="dk1">
+        <a:shade val="80000"/>
+      </a:schemeClr>
+    </dgm:linClrLst>
+    <dgm:effectClrLst/>
+    <dgm:txLinClrLst/>
+    <dgm:txFillClrLst meth="repeat">
+      <a:schemeClr val="dk1"/>
+    </dgm:txFillClrLst>
+    <dgm:txEffectClrLst/>
+  </dgm:styleLbl>
+  <dgm:styleLbl name="asst4">
+    <dgm:fillClrLst meth="repeat">
+      <a:schemeClr val="lt1"/>
+    </dgm:fillClrLst>
+    <dgm:linClrLst meth="repeat">
+      <a:schemeClr val="dk1">
+        <a:shade val="80000"/>
+      </a:schemeClr>
+    </dgm:linClrLst>
+    <dgm:effectClrLst/>
+    <dgm:txLinClrLst/>
+    <dgm:txFillClrLst meth="repeat">
+      <a:schemeClr val="dk1"/>
+    </dgm:txFillClrLst>
+    <dgm:txEffectClrLst/>
+  </dgm:styleLbl>
+  <dgm:styleLbl name="parChTrans2D1">
+    <dgm:fillClrLst meth="repeat">
+      <a:schemeClr val="dk1">
+        <a:tint val="60000"/>
+      </a:schemeClr>
+    </dgm:fillClrLst>
+    <dgm:linClrLst meth="repeat">
+      <a:schemeClr val="dk1">
+        <a:tint val="60000"/>
+      </a:schemeClr>
+    </dgm:linClrLst>
+    <dgm:effectClrLst/>
+    <dgm:txLinClrLst/>
+    <dgm:txFillClrLst/>
+    <dgm:txEffectClrLst/>
+  </dgm:styleLbl>
+  <dgm:styleLbl name="parChTrans2D2">
+    <dgm:fillClrLst meth="repeat">
+      <a:schemeClr val="dk1"/>
+    </dgm:fillClrLst>
+    <dgm:linClrLst meth="repeat">
+      <a:schemeClr val="dk1"/>
+    </dgm:linClrLst>
+    <dgm:effectClrLst/>
+    <dgm:txLinClrLst/>
+    <dgm:txFillClrLst/>
+    <dgm:txEffectClrLst/>
+  </dgm:styleLbl>
+  <dgm:styleLbl name="parChTrans2D3">
+    <dgm:fillClrLst meth="repeat">
+      <a:schemeClr val="dk1"/>
+    </dgm:fillClrLst>
+    <dgm:linClrLst meth="repeat">
+      <a:schemeClr val="dk1"/>
+    </dgm:linClrLst>
+    <dgm:effectClrLst/>
+    <dgm:txLinClrLst/>
+    <dgm:txFillClrLst/>
+    <dgm:txEffectClrLst/>
+  </dgm:styleLbl>
   <dgm:styleLbl name="parChTrans2D4">
     <dgm:fillClrLst meth="repeat">
-      <a:schemeClr val="accent1"/>
+      <a:schemeClr val="dk1"/>
     </dgm:fillClrLst>
     <dgm:linClrLst meth="repeat">
-      <a:schemeClr val="accent1"/>
+      <a:schemeClr val="dk1"/>
     </dgm:linClrLst>
     <dgm:effectClrLst/>
     <dgm:txLinClrLst/>
@@ -2720,10 +2774,10 @@
   </dgm:styleLbl>
   <dgm:styleLbl name="parChTrans1D1">
     <dgm:fillClrLst meth="repeat">
-      <a:schemeClr val="accent1"/>
+      <a:schemeClr val="dk1"/>
     </dgm:fillClrLst>
     <dgm:linClrLst meth="repeat">
-      <a:schemeClr val="accent1">
+      <a:schemeClr val="dk1">
         <a:shade val="60000"/>
       </a:schemeClr>
     </dgm:linClrLst>
@@ -2736,10 +2790,10 @@
   </dgm:styleLbl>
   <dgm:styleLbl name="parChTrans1D2">
     <dgm:fillClrLst meth="repeat">
-      <a:schemeClr val="accent1"/>
+      <a:schemeClr val="dk1"/>
     </dgm:fillClrLst>
     <dgm:linClrLst meth="repeat">
-      <a:schemeClr val="accent1">
+      <a:schemeClr val="dk1">
         <a:shade val="60000"/>
       </a:schemeClr>
     </dgm:linClrLst>
@@ -2752,10 +2806,10 @@
   </dgm:styleLbl>
   <dgm:styleLbl name="parChTrans1D3">
     <dgm:fillClrLst meth="repeat">
-      <a:schemeClr val="accent1"/>
+      <a:schemeClr val="dk1"/>
     </dgm:fillClrLst>
     <dgm:linClrLst meth="repeat">
-      <a:schemeClr val="accent1">
+      <a:schemeClr val="dk1">
         <a:shade val="80000"/>
       </a:schemeClr>
     </dgm:linClrLst>
@@ -2768,10 +2822,10 @@
   </dgm:styleLbl>
   <dgm:styleLbl name="parChTrans1D4">
     <dgm:fillClrLst meth="repeat">
-      <a:schemeClr val="accent1"/>
+      <a:schemeClr val="dk1"/>
     </dgm:fillClrLst>
     <dgm:linClrLst meth="repeat">
-      <a:schemeClr val="accent1">
+      <a:schemeClr val="dk1">
         <a:shade val="80000"/>
       </a:schemeClr>
     </dgm:linClrLst>
@@ -2784,12 +2838,13 @@
   </dgm:styleLbl>
   <dgm:styleLbl name="fgAcc1">
     <dgm:fillClrLst meth="repeat">
-      <a:schemeClr val="lt1">
+      <a:schemeClr val="dk1">
         <a:alpha val="90000"/>
+        <a:tint val="40000"/>
       </a:schemeClr>
     </dgm:fillClrLst>
     <dgm:linClrLst meth="repeat">
-      <a:schemeClr val="accent1"/>
+      <a:schemeClr val="dk1"/>
     </dgm:linClrLst>
     <dgm:effectClrLst/>
     <dgm:txLinClrLst/>
@@ -2800,12 +2855,13 @@
   </dgm:styleLbl>
   <dgm:styleLbl name="conFgAcc1">
     <dgm:fillClrLst meth="repeat">
-      <a:schemeClr val="lt1">
+      <a:schemeClr val="dk1">
         <a:alpha val="90000"/>
+        <a:tint val="40000"/>
       </a:schemeClr>
     </dgm:fillClrLst>
     <dgm:linClrLst meth="repeat">
-      <a:schemeClr val="accent1"/>
+      <a:schemeClr val="dk1"/>
     </dgm:linClrLst>
     <dgm:effectClrLst/>
     <dgm:txLinClrLst/>
@@ -2816,12 +2872,13 @@
   </dgm:styleLbl>
   <dgm:styleLbl name="alignAcc1">
     <dgm:fillClrLst meth="repeat">
-      <a:schemeClr val="lt1">
+      <a:schemeClr val="dk1">
         <a:alpha val="90000"/>
+        <a:tint val="40000"/>
       </a:schemeClr>
     </dgm:fillClrLst>
     <dgm:linClrLst meth="repeat">
-      <a:schemeClr val="accent1"/>
+      <a:schemeClr val="dk1"/>
     </dgm:linClrLst>
     <dgm:effectClrLst/>
     <dgm:txLinClrLst/>
@@ -2832,12 +2889,13 @@
   </dgm:styleLbl>
   <dgm:styleLbl name="trAlignAcc1">
     <dgm:fillClrLst meth="repeat">
-      <a:schemeClr val="lt1">
+      <a:schemeClr val="dk1">
         <a:alpha val="40000"/>
+        <a:tint val="40000"/>
       </a:schemeClr>
     </dgm:fillClrLst>
     <dgm:linClrLst meth="repeat">
-      <a:schemeClr val="accent1"/>
+      <a:schemeClr val="dk1"/>
     </dgm:linClrLst>
     <dgm:effectClrLst/>
     <dgm:txLinClrLst/>
@@ -2848,12 +2906,13 @@
   </dgm:styleLbl>
   <dgm:styleLbl name="bgAcc1">
     <dgm:fillClrLst meth="repeat">
-      <a:schemeClr val="lt1">
+      <a:schemeClr val="dk1">
         <a:alpha val="90000"/>
+        <a:tint val="40000"/>
       </a:schemeClr>
     </dgm:fillClrLst>
     <dgm:linClrLst meth="repeat">
-      <a:schemeClr val="accent1"/>
+      <a:schemeClr val="dk1"/>
     </dgm:linClrLst>
     <dgm:effectClrLst/>
     <dgm:txLinClrLst/>
@@ -2867,7 +2926,7 @@
       <a:schemeClr val="lt1"/>
     </dgm:fillClrLst>
     <dgm:linClrLst meth="repeat">
-      <a:schemeClr val="accent1"/>
+      <a:schemeClr val="dk1"/>
     </dgm:linClrLst>
     <dgm:effectClrLst/>
     <dgm:txLinClrLst/>
@@ -2881,7 +2940,7 @@
       <a:schemeClr val="lt1"/>
     </dgm:fillClrLst>
     <dgm:linClrLst meth="repeat">
-      <a:schemeClr val="accent1"/>
+      <a:schemeClr val="dk1"/>
     </dgm:linClrLst>
     <dgm:effectClrLst/>
     <dgm:txLinClrLst/>
@@ -2895,7 +2954,7 @@
       <a:schemeClr val="lt1"/>
     </dgm:fillClrLst>
     <dgm:linClrLst meth="repeat">
-      <a:schemeClr val="accent1"/>
+      <a:schemeClr val="dk1"/>
     </dgm:linClrLst>
     <dgm:effectClrLst/>
     <dgm:txLinClrLst/>
@@ -2906,15 +2965,14 @@
   </dgm:styleLbl>
   <dgm:styleLbl name="fgAccFollowNode1">
     <dgm:fillClrLst meth="repeat">
-      <a:schemeClr val="accent1">
+      <a:schemeClr val="lt1">
         <a:alpha val="90000"/>
         <a:tint val="40000"/>
       </a:schemeClr>
     </dgm:fillClrLst>
     <dgm:linClrLst meth="repeat">
-      <a:schemeClr val="accent1">
+      <a:schemeClr val="dk1">
         <a:alpha val="90000"/>
-        <a:tint val="40000"/>
       </a:schemeClr>
     </dgm:linClrLst>
     <dgm:effectClrLst/>
@@ -2926,15 +2984,14 @@
   </dgm:styleLbl>
   <dgm:styleLbl name="alignAccFollowNode1">
     <dgm:fillClrLst meth="repeat">
-      <a:schemeClr val="accent1">
+      <a:schemeClr val="lt1">
         <a:alpha val="90000"/>
         <a:tint val="40000"/>
       </a:schemeClr>
     </dgm:fillClrLst>
     <dgm:linClrLst meth="repeat">
-      <a:schemeClr val="accent1">
+      <a:schemeClr val="dk1">
         <a:alpha val="90000"/>
-        <a:tint val="40000"/>
       </a:schemeClr>
     </dgm:linClrLst>
     <dgm:effectClrLst/>
@@ -2946,15 +3003,14 @@
   </dgm:styleLbl>
   <dgm:styleLbl name="bgAccFollowNode1">
     <dgm:fillClrLst meth="repeat">
-      <a:schemeClr val="accent1">
+      <a:schemeClr val="lt1">
         <a:alpha val="90000"/>
         <a:tint val="40000"/>
       </a:schemeClr>
     </dgm:fillClrLst>
     <dgm:linClrLst meth="repeat">
-      <a:schemeClr val="accent1">
+      <a:schemeClr val="dk1">
         <a:alpha val="90000"/>
-        <a:tint val="40000"/>
       </a:schemeClr>
     </dgm:linClrLst>
     <dgm:effectClrLst/>
@@ -2966,12 +3022,13 @@
   </dgm:styleLbl>
   <dgm:styleLbl name="fgAcc0">
     <dgm:fillClrLst meth="repeat">
-      <a:schemeClr val="lt1">
+      <a:schemeClr val="dk1">
         <a:alpha val="90000"/>
+        <a:tint val="40000"/>
       </a:schemeClr>
     </dgm:fillClrLst>
     <dgm:linClrLst meth="repeat">
-      <a:schemeClr val="accent1"/>
+      <a:schemeClr val="dk1"/>
     </dgm:linClrLst>
     <dgm:effectClrLst/>
     <dgm:txLinClrLst/>
@@ -2982,12 +3039,13 @@
   </dgm:styleLbl>
   <dgm:styleLbl name="fgAcc2">
     <dgm:fillClrLst meth="repeat">
-      <a:schemeClr val="lt1">
+      <a:schemeClr val="dk1">
         <a:alpha val="90000"/>
+        <a:tint val="40000"/>
       </a:schemeClr>
     </dgm:fillClrLst>
     <dgm:linClrLst meth="repeat">
-      <a:schemeClr val="accent1"/>
+      <a:schemeClr val="dk1"/>
     </dgm:linClrLst>
     <dgm:effectClrLst/>
     <dgm:txLinClrLst/>
@@ -2998,12 +3056,13 @@
   </dgm:styleLbl>
   <dgm:styleLbl name="fgAcc3">
     <dgm:fillClrLst meth="repeat">
-      <a:schemeClr val="lt1">
+      <a:schemeClr val="dk1">
         <a:alpha val="90000"/>
+        <a:tint val="40000"/>
       </a:schemeClr>
     </dgm:fillClrLst>
     <dgm:linClrLst meth="repeat">
-      <a:schemeClr val="accent1"/>
+      <a:schemeClr val="dk1"/>
     </dgm:linClrLst>
     <dgm:effectClrLst/>
     <dgm:txLinClrLst/>
@@ -3014,12 +3073,13 @@
   </dgm:styleLbl>
   <dgm:styleLbl name="fgAcc4">
     <dgm:fillClrLst meth="repeat">
-      <a:schemeClr val="lt1">
+      <a:schemeClr val="dk1">
         <a:alpha val="90000"/>
+        <a:tint val="40000"/>
       </a:schemeClr>
     </dgm:fillClrLst>
     <dgm:linClrLst meth="repeat">
-      <a:schemeClr val="accent1"/>
+      <a:schemeClr val="dk1"/>
     </dgm:linClrLst>
     <dgm:effectClrLst/>
     <dgm:txLinClrLst/>
@@ -3030,12 +3090,12 @@
   </dgm:styleLbl>
   <dgm:styleLbl name="bgShp">
     <dgm:fillClrLst meth="repeat">
-      <a:schemeClr val="accent1">
+      <a:schemeClr val="dk1">
         <a:tint val="40000"/>
       </a:schemeClr>
     </dgm:fillClrLst>
     <dgm:linClrLst meth="repeat">
-      <a:schemeClr val="accent1"/>
+      <a:schemeClr val="dk1"/>
     </dgm:linClrLst>
     <dgm:effectClrLst/>
     <dgm:txLinClrLst/>
@@ -3046,12 +3106,12 @@
   </dgm:styleLbl>
   <dgm:styleLbl name="dkBgShp">
     <dgm:fillClrLst meth="repeat">
-      <a:schemeClr val="accent1">
+      <a:schemeClr val="dk1">
         <a:shade val="80000"/>
       </a:schemeClr>
     </dgm:fillClrLst>
     <dgm:linClrLst meth="repeat">
-      <a:schemeClr val="accent1"/>
+      <a:schemeClr val="dk1"/>
     </dgm:linClrLst>
     <dgm:effectClrLst/>
     <dgm:txLinClrLst/>
@@ -3062,13 +3122,13 @@
   </dgm:styleLbl>
   <dgm:styleLbl name="trBgShp">
     <dgm:fillClrLst meth="repeat">
-      <a:schemeClr val="accent1">
+      <a:schemeClr val="dk1">
         <a:tint val="50000"/>
         <a:alpha val="40000"/>
       </a:schemeClr>
     </dgm:fillClrLst>
     <dgm:linClrLst meth="repeat">
-      <a:schemeClr val="accent1"/>
+      <a:schemeClr val="dk1"/>
     </dgm:linClrLst>
     <dgm:effectClrLst/>
     <dgm:txLinClrLst/>
@@ -3079,7 +3139,7 @@
   </dgm:styleLbl>
   <dgm:styleLbl name="fgShp">
     <dgm:fillClrLst meth="repeat">
-      <a:schemeClr val="accent1">
+      <a:schemeClr val="dk1">
         <a:tint val="60000"/>
       </a:schemeClr>
     </dgm:fillClrLst>
@@ -11660,7 +11720,7 @@
 <dgm:dataModel xmlns:dgm="http://schemas.openxmlformats.org/drawingml/2006/diagram" xmlns:a="http://schemas.openxmlformats.org/drawingml/2006/main">
   <dgm:ptLst>
     <dgm:pt modelId="{CE02CFE8-CA39-402B-B426-A91228F54F1C}" type="doc">
-      <dgm:prSet loTypeId="urn:microsoft.com/office/officeart/2005/8/layout/orgChart1" loCatId="hierarchy" qsTypeId="urn:microsoft.com/office/officeart/2005/8/quickstyle/simple1" qsCatId="simple" csTypeId="urn:microsoft.com/office/officeart/2005/8/colors/accent1_2" csCatId="accent1" phldr="1"/>
+      <dgm:prSet loTypeId="urn:microsoft.com/office/officeart/2005/8/layout/hierarchy6" loCatId="hierarchy" qsTypeId="urn:microsoft.com/office/officeart/2005/8/quickstyle/simple1" qsCatId="simple" csTypeId="urn:microsoft.com/office/officeart/2005/8/colors/accent0_1" csCatId="mainScheme" phldr="1"/>
       <dgm:spPr/>
       <dgm:t>
         <a:bodyPr/>
@@ -11790,10 +11850,7 @@
             <a:rPr lang="de-DE" dirty="0" err="1"/>
             <a:t>Component</a:t>
           </a:r>
-          <a:r>
-            <a:rPr lang="de-DE" dirty="0"/>
-            <a:t> 2</a:t>
-          </a:r>
+          <a:endParaRPr lang="de-DE" dirty="0"/>
         </a:p>
       </dgm:t>
     </dgm:pt>
@@ -11891,46 +11948,6 @@
         </a:p>
       </dgm:t>
     </dgm:pt>
-    <dgm:pt modelId="{84C58B69-2C65-44E0-AEF9-AAC3C28C580C}">
-      <dgm:prSet phldrT="[Text]"/>
-      <dgm:spPr/>
-      <dgm:t>
-        <a:bodyPr/>
-        <a:lstStyle/>
-        <a:p>
-          <a:r>
-            <a:rPr lang="de-DE" dirty="0" err="1"/>
-            <a:t>Component</a:t>
-          </a:r>
-          <a:r>
-            <a:rPr lang="de-DE" dirty="0"/>
-            <a:t> 1 (Tag)</a:t>
-          </a:r>
-        </a:p>
-      </dgm:t>
-    </dgm:pt>
-    <dgm:pt modelId="{1DD67FF6-CC55-4514-9689-506446CDB28A}" type="parTrans" cxnId="{DE19CB83-15DD-4B8C-9D55-1E908984917E}">
-      <dgm:prSet/>
-      <dgm:spPr/>
-      <dgm:t>
-        <a:bodyPr/>
-        <a:lstStyle/>
-        <a:p>
-          <a:endParaRPr lang="de-DE"/>
-        </a:p>
-      </dgm:t>
-    </dgm:pt>
-    <dgm:pt modelId="{C3C50D9F-50D2-4C29-BD02-A082816A564D}" type="sibTrans" cxnId="{DE19CB83-15DD-4B8C-9D55-1E908984917E}">
-      <dgm:prSet/>
-      <dgm:spPr/>
-      <dgm:t>
-        <a:bodyPr/>
-        <a:lstStyle/>
-        <a:p>
-          <a:endParaRPr lang="de-DE"/>
-        </a:p>
-      </dgm:t>
-    </dgm:pt>
     <dgm:pt modelId="{8CE0378C-5BFC-4F18-901E-A6F28F08A7B7}">
       <dgm:prSet phldrT="[Text]"/>
       <dgm:spPr/>
@@ -12004,439 +12021,402 @@
         </a:p>
       </dgm:t>
     </dgm:pt>
-    <dgm:pt modelId="{9338D69B-B454-4AB2-B571-0C577C7E583D}" type="pres">
-      <dgm:prSet presAssocID="{CE02CFE8-CA39-402B-B426-A91228F54F1C}" presName="hierChild1" presStyleCnt="0">
+    <dgm:pt modelId="{C7EB33C6-BEA9-44B0-BDA6-EF89125DE973}">
+      <dgm:prSet phldrT="[Text]"/>
+      <dgm:spPr/>
+      <dgm:t>
+        <a:bodyPr/>
+        <a:lstStyle/>
+        <a:p>
+          <a:r>
+            <a:rPr lang="de-DE" dirty="0"/>
+            <a:t>Tag</a:t>
+          </a:r>
+        </a:p>
+      </dgm:t>
+    </dgm:pt>
+    <dgm:pt modelId="{A152A006-C515-42AF-A180-2BE14619D4C9}" type="parTrans" cxnId="{396F3F2C-5520-48E1-A827-2906C95AAB24}">
+      <dgm:prSet/>
+      <dgm:spPr/>
+      <dgm:t>
+        <a:bodyPr/>
+        <a:lstStyle/>
+        <a:p>
+          <a:endParaRPr lang="de-DE"/>
+        </a:p>
+      </dgm:t>
+    </dgm:pt>
+    <dgm:pt modelId="{90AF9C36-4E05-4796-A600-C8913A864CBC}" type="sibTrans" cxnId="{396F3F2C-5520-48E1-A827-2906C95AAB24}">
+      <dgm:prSet/>
+      <dgm:spPr/>
+      <dgm:t>
+        <a:bodyPr/>
+        <a:lstStyle/>
+        <a:p>
+          <a:endParaRPr lang="de-DE"/>
+        </a:p>
+      </dgm:t>
+    </dgm:pt>
+    <dgm:pt modelId="{FAE69FEC-A0B0-4AE1-8D29-CE14C8C95B02}">
+      <dgm:prSet phldrT="[Text]"/>
+      <dgm:spPr/>
+      <dgm:t>
+        <a:bodyPr/>
+        <a:lstStyle/>
+        <a:p>
+          <a:r>
+            <a:rPr lang="de-DE" dirty="0"/>
+            <a:t>Reference</a:t>
+          </a:r>
+        </a:p>
+      </dgm:t>
+    </dgm:pt>
+    <dgm:pt modelId="{00974F69-3416-4DB5-A607-6CD3F946F929}" type="parTrans" cxnId="{3E35D038-3E10-4E22-B30F-5F8ED5173454}">
+      <dgm:prSet/>
+      <dgm:spPr/>
+      <dgm:t>
+        <a:bodyPr/>
+        <a:lstStyle/>
+        <a:p>
+          <a:endParaRPr lang="de-DE"/>
+        </a:p>
+      </dgm:t>
+    </dgm:pt>
+    <dgm:pt modelId="{BD57E40B-9433-490C-B5C5-AEA267A9A8DE}" type="sibTrans" cxnId="{3E35D038-3E10-4E22-B30F-5F8ED5173454}">
+      <dgm:prSet/>
+      <dgm:spPr/>
+      <dgm:t>
+        <a:bodyPr/>
+        <a:lstStyle/>
+        <a:p>
+          <a:endParaRPr lang="de-DE"/>
+        </a:p>
+      </dgm:t>
+    </dgm:pt>
+    <dgm:pt modelId="{FFC73A0B-5188-4A04-BECC-44B45B4F0A43}">
+      <dgm:prSet phldrT="[Text]"/>
+      <dgm:spPr/>
+      <dgm:t>
+        <a:bodyPr/>
+        <a:lstStyle/>
+        <a:p>
+          <a:r>
+            <a:rPr lang="de-DE" dirty="0" err="1"/>
+            <a:t>Function</a:t>
+          </a:r>
+          <a:endParaRPr lang="de-DE" dirty="0"/>
+        </a:p>
+      </dgm:t>
+    </dgm:pt>
+    <dgm:pt modelId="{DB33CE90-B6FD-4EBB-915A-C57DF9AE7215}" type="parTrans" cxnId="{6733DDA9-F4AA-4735-B21E-F2EE57DEEE56}">
+      <dgm:prSet/>
+      <dgm:spPr/>
+      <dgm:t>
+        <a:bodyPr/>
+        <a:lstStyle/>
+        <a:p>
+          <a:endParaRPr lang="de-DE"/>
+        </a:p>
+      </dgm:t>
+    </dgm:pt>
+    <dgm:pt modelId="{69522777-3890-4EA0-8216-6F3E6FED2B82}" type="sibTrans" cxnId="{6733DDA9-F4AA-4735-B21E-F2EE57DEEE56}">
+      <dgm:prSet/>
+      <dgm:spPr/>
+      <dgm:t>
+        <a:bodyPr/>
+        <a:lstStyle/>
+        <a:p>
+          <a:endParaRPr lang="de-DE"/>
+        </a:p>
+      </dgm:t>
+    </dgm:pt>
+    <dgm:pt modelId="{A8B4AD74-FEB7-45B5-96F1-0CA215FDF16E}" type="pres">
+      <dgm:prSet presAssocID="{CE02CFE8-CA39-402B-B426-A91228F54F1C}" presName="mainComposite" presStyleCnt="0">
         <dgm:presLayoutVars>
-          <dgm:orgChart val="1"/>
           <dgm:chPref val="1"/>
           <dgm:dir/>
           <dgm:animOne val="branch"/>
           <dgm:animLvl val="lvl"/>
-          <dgm:resizeHandles/>
+          <dgm:resizeHandles val="exact"/>
         </dgm:presLayoutVars>
       </dgm:prSet>
       <dgm:spPr/>
     </dgm:pt>
-    <dgm:pt modelId="{96232817-BA82-4387-8EDF-328ABD924933}" type="pres">
-      <dgm:prSet presAssocID="{56483AF1-C635-4A4B-A2C5-D80E534BADC5}" presName="hierRoot1" presStyleCnt="0">
+    <dgm:pt modelId="{F0B8296A-156B-4811-97A0-509CFF47D6DC}" type="pres">
+      <dgm:prSet presAssocID="{CE02CFE8-CA39-402B-B426-A91228F54F1C}" presName="hierFlow" presStyleCnt="0"/>
+      <dgm:spPr/>
+    </dgm:pt>
+    <dgm:pt modelId="{B0CCB1CE-D09D-43FD-A4AE-A5DA251DCC28}" type="pres">
+      <dgm:prSet presAssocID="{CE02CFE8-CA39-402B-B426-A91228F54F1C}" presName="hierChild1" presStyleCnt="0">
         <dgm:presLayoutVars>
-          <dgm:hierBranch/>
+          <dgm:chPref val="1"/>
+          <dgm:animOne val="branch"/>
+          <dgm:animLvl val="lvl"/>
         </dgm:presLayoutVars>
       </dgm:prSet>
       <dgm:spPr/>
     </dgm:pt>
-    <dgm:pt modelId="{E8C4BD90-AE6E-43B5-9B99-722F501E6B41}" type="pres">
-      <dgm:prSet presAssocID="{56483AF1-C635-4A4B-A2C5-D80E534BADC5}" presName="rootComposite1" presStyleCnt="0"/>
-      <dgm:spPr/>
-    </dgm:pt>
-    <dgm:pt modelId="{38C73456-D67D-4C4E-8D72-EC034ED8F7F8}" type="pres">
-      <dgm:prSet presAssocID="{56483AF1-C635-4A4B-A2C5-D80E534BADC5}" presName="rootText1" presStyleLbl="node0" presStyleIdx="0" presStyleCnt="1">
+    <dgm:pt modelId="{10FB0190-DD80-4FD5-9DAA-1CA066D2025A}" type="pres">
+      <dgm:prSet presAssocID="{56483AF1-C635-4A4B-A2C5-D80E534BADC5}" presName="Name14" presStyleCnt="0"/>
+      <dgm:spPr/>
+    </dgm:pt>
+    <dgm:pt modelId="{A0D6BC04-172F-4C40-8C56-B34AE3F795C5}" type="pres">
+      <dgm:prSet presAssocID="{56483AF1-C635-4A4B-A2C5-D80E534BADC5}" presName="level1Shape" presStyleLbl="node0" presStyleIdx="0" presStyleCnt="1">
         <dgm:presLayoutVars>
           <dgm:chPref val="3"/>
         </dgm:presLayoutVars>
       </dgm:prSet>
       <dgm:spPr/>
     </dgm:pt>
-    <dgm:pt modelId="{E44CA738-D2DA-44E9-BBF8-A8D200560342}" type="pres">
-      <dgm:prSet presAssocID="{56483AF1-C635-4A4B-A2C5-D80E534BADC5}" presName="rootConnector1" presStyleLbl="node1" presStyleIdx="0" presStyleCnt="0"/>
-      <dgm:spPr/>
-    </dgm:pt>
-    <dgm:pt modelId="{DB2BB38A-DC36-4E9C-B0A3-10EBC794467E}" type="pres">
+    <dgm:pt modelId="{3D4FD5A5-2371-4777-80F4-C5EAC4C7D98C}" type="pres">
       <dgm:prSet presAssocID="{56483AF1-C635-4A4B-A2C5-D80E534BADC5}" presName="hierChild2" presStyleCnt="0"/>
       <dgm:spPr/>
     </dgm:pt>
-    <dgm:pt modelId="{30120DA4-BBF0-4F1F-B7A9-5488743B14C3}" type="pres">
-      <dgm:prSet presAssocID="{5A42597E-7C44-431A-9CA8-9E2FBD09D033}" presName="Name35" presStyleLbl="parChTrans1D2" presStyleIdx="0" presStyleCnt="2"/>
-      <dgm:spPr/>
-    </dgm:pt>
-    <dgm:pt modelId="{C23A813E-87C5-4521-A76C-1676E1CA6E7B}" type="pres">
-      <dgm:prSet presAssocID="{D72453B6-1B40-48C3-A2D3-C6000198E162}" presName="hierRoot2" presStyleCnt="0">
-        <dgm:presLayoutVars>
-          <dgm:hierBranch/>
-        </dgm:presLayoutVars>
-      </dgm:prSet>
-      <dgm:spPr/>
-    </dgm:pt>
-    <dgm:pt modelId="{5F2C5D98-9956-4070-B99E-74D8AC173B33}" type="pres">
-      <dgm:prSet presAssocID="{D72453B6-1B40-48C3-A2D3-C6000198E162}" presName="rootComposite" presStyleCnt="0"/>
-      <dgm:spPr/>
-    </dgm:pt>
-    <dgm:pt modelId="{D4FD80F1-0115-4C60-A916-AD38FC20BF74}" type="pres">
-      <dgm:prSet presAssocID="{D72453B6-1B40-48C3-A2D3-C6000198E162}" presName="rootText" presStyleLbl="node2" presStyleIdx="0" presStyleCnt="2">
-        <dgm:presLayoutVars>
-          <dgm:chPref val="3"/>
-        </dgm:presLayoutVars>
-      </dgm:prSet>
-      <dgm:spPr/>
-    </dgm:pt>
-    <dgm:pt modelId="{A5A34036-CBBB-4C31-800A-9B44D09CD057}" type="pres">
-      <dgm:prSet presAssocID="{D72453B6-1B40-48C3-A2D3-C6000198E162}" presName="rootConnector" presStyleLbl="node2" presStyleIdx="0" presStyleCnt="2"/>
-      <dgm:spPr/>
-    </dgm:pt>
-    <dgm:pt modelId="{E8D8F15E-D91F-4D78-A396-93A9E7112FD7}" type="pres">
-      <dgm:prSet presAssocID="{D72453B6-1B40-48C3-A2D3-C6000198E162}" presName="hierChild4" presStyleCnt="0"/>
-      <dgm:spPr/>
-    </dgm:pt>
-    <dgm:pt modelId="{B40EF80D-37EF-4200-97CC-58C29E405FC0}" type="pres">
-      <dgm:prSet presAssocID="{D72453B6-1B40-48C3-A2D3-C6000198E162}" presName="hierChild5" presStyleCnt="0"/>
-      <dgm:spPr/>
-    </dgm:pt>
-    <dgm:pt modelId="{9540B85E-A4EF-41D4-8E0E-3151A162E97D}" type="pres">
-      <dgm:prSet presAssocID="{73B85369-6C0F-401B-95E3-5EE852952C3D}" presName="Name35" presStyleLbl="parChTrans1D2" presStyleIdx="1" presStyleCnt="2"/>
-      <dgm:spPr/>
-    </dgm:pt>
-    <dgm:pt modelId="{67A842CE-E9BF-4E4C-8D98-644579DBE50F}" type="pres">
-      <dgm:prSet presAssocID="{63A93EE4-34D3-4D82-836B-6E5AA8FED95F}" presName="hierRoot2" presStyleCnt="0">
-        <dgm:presLayoutVars>
-          <dgm:hierBranch/>
-        </dgm:presLayoutVars>
-      </dgm:prSet>
-      <dgm:spPr/>
-    </dgm:pt>
-    <dgm:pt modelId="{405272A9-7980-4A84-864F-7691585742A3}" type="pres">
-      <dgm:prSet presAssocID="{63A93EE4-34D3-4D82-836B-6E5AA8FED95F}" presName="rootComposite" presStyleCnt="0"/>
-      <dgm:spPr/>
-    </dgm:pt>
-    <dgm:pt modelId="{23B824FD-3512-4FF6-8321-6B2E024B3CB3}" type="pres">
-      <dgm:prSet presAssocID="{63A93EE4-34D3-4D82-836B-6E5AA8FED95F}" presName="rootText" presStyleLbl="node2" presStyleIdx="1" presStyleCnt="2">
-        <dgm:presLayoutVars>
-          <dgm:chPref val="3"/>
-        </dgm:presLayoutVars>
-      </dgm:prSet>
-      <dgm:spPr/>
-    </dgm:pt>
-    <dgm:pt modelId="{9D04C6CD-FBB2-40C2-9765-F8A46CE34353}" type="pres">
-      <dgm:prSet presAssocID="{63A93EE4-34D3-4D82-836B-6E5AA8FED95F}" presName="rootConnector" presStyleLbl="node2" presStyleIdx="1" presStyleCnt="2"/>
-      <dgm:spPr/>
-    </dgm:pt>
-    <dgm:pt modelId="{4A4ED6DF-2B07-4536-A315-A90161EFC4CC}" type="pres">
-      <dgm:prSet presAssocID="{63A93EE4-34D3-4D82-836B-6E5AA8FED95F}" presName="hierChild4" presStyleCnt="0"/>
-      <dgm:spPr/>
-    </dgm:pt>
-    <dgm:pt modelId="{0B253D4B-281F-45B6-B5E4-C0071B81BAC8}" type="pres">
-      <dgm:prSet presAssocID="{1DD67FF6-CC55-4514-9689-506446CDB28A}" presName="Name35" presStyleLbl="parChTrans1D3" presStyleIdx="0" presStyleCnt="2"/>
-      <dgm:spPr/>
-    </dgm:pt>
-    <dgm:pt modelId="{F342ECFC-FF85-4A11-915D-F52E2B3F8F88}" type="pres">
-      <dgm:prSet presAssocID="{84C58B69-2C65-44E0-AEF9-AAC3C28C580C}" presName="hierRoot2" presStyleCnt="0">
-        <dgm:presLayoutVars>
-          <dgm:hierBranch/>
-        </dgm:presLayoutVars>
-      </dgm:prSet>
-      <dgm:spPr/>
-    </dgm:pt>
-    <dgm:pt modelId="{4D8C46B8-E584-4523-AFCC-C039E7744B51}" type="pres">
-      <dgm:prSet presAssocID="{84C58B69-2C65-44E0-AEF9-AAC3C28C580C}" presName="rootComposite" presStyleCnt="0"/>
-      <dgm:spPr/>
-    </dgm:pt>
-    <dgm:pt modelId="{E2FF1EBB-5738-4C02-B319-CEFB56BD75EF}" type="pres">
-      <dgm:prSet presAssocID="{84C58B69-2C65-44E0-AEF9-AAC3C28C580C}" presName="rootText" presStyleLbl="node3" presStyleIdx="0" presStyleCnt="2">
-        <dgm:presLayoutVars>
-          <dgm:chPref val="3"/>
-        </dgm:presLayoutVars>
-      </dgm:prSet>
-      <dgm:spPr/>
-    </dgm:pt>
-    <dgm:pt modelId="{F21DA46F-9176-46C2-8606-0459787EBF36}" type="pres">
-      <dgm:prSet presAssocID="{84C58B69-2C65-44E0-AEF9-AAC3C28C580C}" presName="rootConnector" presStyleLbl="node3" presStyleIdx="0" presStyleCnt="2"/>
-      <dgm:spPr/>
-    </dgm:pt>
-    <dgm:pt modelId="{CED9D8F5-2002-4B51-A9BE-71B25E415299}" type="pres">
-      <dgm:prSet presAssocID="{84C58B69-2C65-44E0-AEF9-AAC3C28C580C}" presName="hierChild4" presStyleCnt="0"/>
-      <dgm:spPr/>
-    </dgm:pt>
-    <dgm:pt modelId="{D355210C-CDB2-4FD0-84B6-3C9A26401FAF}" type="pres">
-      <dgm:prSet presAssocID="{84C58B69-2C65-44E0-AEF9-AAC3C28C580C}" presName="hierChild5" presStyleCnt="0"/>
-      <dgm:spPr/>
-    </dgm:pt>
-    <dgm:pt modelId="{3F6785EA-6670-487A-8E8C-4D713762CAC8}" type="pres">
-      <dgm:prSet presAssocID="{36567181-7F90-4B9E-BE6F-7B941203BDDE}" presName="Name35" presStyleLbl="parChTrans1D3" presStyleIdx="1" presStyleCnt="2"/>
-      <dgm:spPr/>
-    </dgm:pt>
-    <dgm:pt modelId="{751017CF-68E2-4A7E-B4F6-8DB1091C1CB0}" type="pres">
-      <dgm:prSet presAssocID="{809044A5-1B37-4FA2-9465-C6F903AED917}" presName="hierRoot2" presStyleCnt="0">
-        <dgm:presLayoutVars>
-          <dgm:hierBranch/>
-        </dgm:presLayoutVars>
-      </dgm:prSet>
-      <dgm:spPr/>
-    </dgm:pt>
-    <dgm:pt modelId="{8DE0D729-79D8-487D-8B6F-8FC576A50DA4}" type="pres">
-      <dgm:prSet presAssocID="{809044A5-1B37-4FA2-9465-C6F903AED917}" presName="rootComposite" presStyleCnt="0"/>
-      <dgm:spPr/>
-    </dgm:pt>
-    <dgm:pt modelId="{5F907C20-201E-4433-A68D-28B8EE613CE7}" type="pres">
-      <dgm:prSet presAssocID="{809044A5-1B37-4FA2-9465-C6F903AED917}" presName="rootText" presStyleLbl="node3" presStyleIdx="1" presStyleCnt="2">
-        <dgm:presLayoutVars>
-          <dgm:chPref val="3"/>
-        </dgm:presLayoutVars>
-      </dgm:prSet>
-      <dgm:spPr/>
-    </dgm:pt>
-    <dgm:pt modelId="{377BDF44-513B-4A5F-AC2A-15E57B35F145}" type="pres">
-      <dgm:prSet presAssocID="{809044A5-1B37-4FA2-9465-C6F903AED917}" presName="rootConnector" presStyleLbl="node3" presStyleIdx="1" presStyleCnt="2"/>
-      <dgm:spPr/>
-    </dgm:pt>
-    <dgm:pt modelId="{CB13EC3E-67DF-4F14-95DB-7BB6D11DDB4C}" type="pres">
-      <dgm:prSet presAssocID="{809044A5-1B37-4FA2-9465-C6F903AED917}" presName="hierChild4" presStyleCnt="0"/>
-      <dgm:spPr/>
-    </dgm:pt>
-    <dgm:pt modelId="{3212303E-2E2A-48D1-963F-A947659BDF3C}" type="pres">
-      <dgm:prSet presAssocID="{89D72D49-719C-4938-BA25-54D992A69F2F}" presName="Name35" presStyleLbl="parChTrans1D4" presStyleIdx="0" presStyleCnt="4"/>
-      <dgm:spPr/>
-    </dgm:pt>
-    <dgm:pt modelId="{3EECD5C7-51BD-4CA7-8F1D-56B1DD80D382}" type="pres">
-      <dgm:prSet presAssocID="{8CE0378C-5BFC-4F18-901E-A6F28F08A7B7}" presName="hierRoot2" presStyleCnt="0">
-        <dgm:presLayoutVars>
-          <dgm:hierBranch/>
-        </dgm:presLayoutVars>
-      </dgm:prSet>
-      <dgm:spPr/>
-    </dgm:pt>
-    <dgm:pt modelId="{F37F0636-3BC6-4339-8D4C-8E2D146D219B}" type="pres">
-      <dgm:prSet presAssocID="{8CE0378C-5BFC-4F18-901E-A6F28F08A7B7}" presName="rootComposite" presStyleCnt="0"/>
-      <dgm:spPr/>
-    </dgm:pt>
-    <dgm:pt modelId="{4B15C515-2A82-449C-B2D0-D5D12BE85F52}" type="pres">
-      <dgm:prSet presAssocID="{8CE0378C-5BFC-4F18-901E-A6F28F08A7B7}" presName="rootText" presStyleLbl="node4" presStyleIdx="0" presStyleCnt="4">
-        <dgm:presLayoutVars>
-          <dgm:chPref val="3"/>
-        </dgm:presLayoutVars>
-      </dgm:prSet>
-      <dgm:spPr/>
-    </dgm:pt>
-    <dgm:pt modelId="{A2A39198-F021-4D5B-A5B7-7ACA2A5A936A}" type="pres">
-      <dgm:prSet presAssocID="{8CE0378C-5BFC-4F18-901E-A6F28F08A7B7}" presName="rootConnector" presStyleLbl="node4" presStyleIdx="0" presStyleCnt="4"/>
-      <dgm:spPr/>
-    </dgm:pt>
-    <dgm:pt modelId="{99407F54-1F74-465D-86D6-C31085C71AD1}" type="pres">
-      <dgm:prSet presAssocID="{8CE0378C-5BFC-4F18-901E-A6F28F08A7B7}" presName="hierChild4" presStyleCnt="0"/>
-      <dgm:spPr/>
-    </dgm:pt>
-    <dgm:pt modelId="{3B4B583A-5F37-446A-8A00-6BE699130C30}" type="pres">
-      <dgm:prSet presAssocID="{8CE0378C-5BFC-4F18-901E-A6F28F08A7B7}" presName="hierChild5" presStyleCnt="0"/>
-      <dgm:spPr/>
-    </dgm:pt>
-    <dgm:pt modelId="{3DD5C3D7-8417-47C3-9FCC-F2024B0F023C}" type="pres">
-      <dgm:prSet presAssocID="{4E3A8912-5672-4AFC-99D2-1CD4BC3C55B7}" presName="Name35" presStyleLbl="parChTrans1D4" presStyleIdx="1" presStyleCnt="4"/>
-      <dgm:spPr/>
-    </dgm:pt>
-    <dgm:pt modelId="{0CC2EDF8-23F1-453E-9FB3-95E48ECDF36E}" type="pres">
-      <dgm:prSet presAssocID="{F9E1A341-00B1-48B5-8E7E-21C4DA617546}" presName="hierRoot2" presStyleCnt="0">
-        <dgm:presLayoutVars>
-          <dgm:hierBranch/>
-        </dgm:presLayoutVars>
-      </dgm:prSet>
-      <dgm:spPr/>
-    </dgm:pt>
-    <dgm:pt modelId="{4FDB9CBF-7605-47B0-BB81-FA8AA0EA216F}" type="pres">
-      <dgm:prSet presAssocID="{F9E1A341-00B1-48B5-8E7E-21C4DA617546}" presName="rootComposite" presStyleCnt="0"/>
-      <dgm:spPr/>
-    </dgm:pt>
-    <dgm:pt modelId="{54990C5F-01B5-4079-99FE-B730F47A1E10}" type="pres">
-      <dgm:prSet presAssocID="{F9E1A341-00B1-48B5-8E7E-21C4DA617546}" presName="rootText" presStyleLbl="node4" presStyleIdx="1" presStyleCnt="4">
-        <dgm:presLayoutVars>
-          <dgm:chPref val="3"/>
-        </dgm:presLayoutVars>
-      </dgm:prSet>
-      <dgm:spPr/>
-    </dgm:pt>
-    <dgm:pt modelId="{33B3AF54-0B0E-439D-8369-90582CC497EB}" type="pres">
-      <dgm:prSet presAssocID="{F9E1A341-00B1-48B5-8E7E-21C4DA617546}" presName="rootConnector" presStyleLbl="node4" presStyleIdx="1" presStyleCnt="4"/>
-      <dgm:spPr/>
-    </dgm:pt>
-    <dgm:pt modelId="{9EA63A90-7BC8-4FA3-9ACC-BBFFDC3460E0}" type="pres">
-      <dgm:prSet presAssocID="{F9E1A341-00B1-48B5-8E7E-21C4DA617546}" presName="hierChild4" presStyleCnt="0"/>
-      <dgm:spPr/>
-    </dgm:pt>
-    <dgm:pt modelId="{75558B12-3DD9-426D-96B6-E97E524322EC}" type="pres">
-      <dgm:prSet presAssocID="{915143CF-6875-4889-A996-41FB2FBF8B05}" presName="Name35" presStyleLbl="parChTrans1D4" presStyleIdx="2" presStyleCnt="4"/>
-      <dgm:spPr/>
-    </dgm:pt>
-    <dgm:pt modelId="{35C857AB-A01D-408A-98E1-8701D3BAF9B5}" type="pres">
-      <dgm:prSet presAssocID="{AD4CA1C2-AA35-4EA0-813C-8A9E26596336}" presName="hierRoot2" presStyleCnt="0">
-        <dgm:presLayoutVars>
-          <dgm:hierBranch/>
-        </dgm:presLayoutVars>
-      </dgm:prSet>
-      <dgm:spPr/>
-    </dgm:pt>
-    <dgm:pt modelId="{823FD1CA-F04B-488E-A2C6-DCB5B025DC72}" type="pres">
-      <dgm:prSet presAssocID="{AD4CA1C2-AA35-4EA0-813C-8A9E26596336}" presName="rootComposite" presStyleCnt="0"/>
-      <dgm:spPr/>
-    </dgm:pt>
-    <dgm:pt modelId="{AC870754-F1E5-401B-86E5-52B2054C0277}" type="pres">
-      <dgm:prSet presAssocID="{AD4CA1C2-AA35-4EA0-813C-8A9E26596336}" presName="rootText" presStyleLbl="node4" presStyleIdx="2" presStyleCnt="4">
-        <dgm:presLayoutVars>
-          <dgm:chPref val="3"/>
-        </dgm:presLayoutVars>
-      </dgm:prSet>
-      <dgm:spPr/>
-    </dgm:pt>
-    <dgm:pt modelId="{C7FF83CA-C8C6-4B0E-B265-109385123C36}" type="pres">
-      <dgm:prSet presAssocID="{AD4CA1C2-AA35-4EA0-813C-8A9E26596336}" presName="rootConnector" presStyleLbl="node4" presStyleIdx="2" presStyleCnt="4"/>
-      <dgm:spPr/>
-    </dgm:pt>
-    <dgm:pt modelId="{C6098DC8-1751-4F4D-91B3-E392A6393CE6}" type="pres">
-      <dgm:prSet presAssocID="{AD4CA1C2-AA35-4EA0-813C-8A9E26596336}" presName="hierChild4" presStyleCnt="0"/>
-      <dgm:spPr/>
-    </dgm:pt>
-    <dgm:pt modelId="{64CBDE73-73B5-4C2E-AD08-CEFD2B7B589E}" type="pres">
-      <dgm:prSet presAssocID="{AD4CA1C2-AA35-4EA0-813C-8A9E26596336}" presName="hierChild5" presStyleCnt="0"/>
-      <dgm:spPr/>
-    </dgm:pt>
-    <dgm:pt modelId="{27A3536D-4E08-40A9-88FB-3846CAC90B4C}" type="pres">
-      <dgm:prSet presAssocID="{F926763A-9361-4F50-A257-16C2B4C2A5EF}" presName="Name35" presStyleLbl="parChTrans1D4" presStyleIdx="3" presStyleCnt="4"/>
-      <dgm:spPr/>
-    </dgm:pt>
-    <dgm:pt modelId="{F200A130-36B5-4AAE-ABAD-B7752178202C}" type="pres">
-      <dgm:prSet presAssocID="{2A4A8B3B-C540-409D-AD83-DE0DB893B79E}" presName="hierRoot2" presStyleCnt="0">
-        <dgm:presLayoutVars>
-          <dgm:hierBranch/>
-        </dgm:presLayoutVars>
-      </dgm:prSet>
-      <dgm:spPr/>
-    </dgm:pt>
-    <dgm:pt modelId="{7BDD4ABD-A3F9-410E-BA5C-ED5C26A45A5E}" type="pres">
-      <dgm:prSet presAssocID="{2A4A8B3B-C540-409D-AD83-DE0DB893B79E}" presName="rootComposite" presStyleCnt="0"/>
-      <dgm:spPr/>
-    </dgm:pt>
-    <dgm:pt modelId="{FA989B88-97A2-408D-A6E8-F03B512CDF30}" type="pres">
-      <dgm:prSet presAssocID="{2A4A8B3B-C540-409D-AD83-DE0DB893B79E}" presName="rootText" presStyleLbl="node4" presStyleIdx="3" presStyleCnt="4">
-        <dgm:presLayoutVars>
-          <dgm:chPref val="3"/>
-        </dgm:presLayoutVars>
-      </dgm:prSet>
-      <dgm:spPr/>
-    </dgm:pt>
-    <dgm:pt modelId="{9F3F8E88-5225-4181-8A82-50FD57D97466}" type="pres">
-      <dgm:prSet presAssocID="{2A4A8B3B-C540-409D-AD83-DE0DB893B79E}" presName="rootConnector" presStyleLbl="node4" presStyleIdx="3" presStyleCnt="4"/>
-      <dgm:spPr/>
-    </dgm:pt>
-    <dgm:pt modelId="{F0E86744-3E33-426C-811D-712372C56BF5}" type="pres">
-      <dgm:prSet presAssocID="{2A4A8B3B-C540-409D-AD83-DE0DB893B79E}" presName="hierChild4" presStyleCnt="0"/>
-      <dgm:spPr/>
-    </dgm:pt>
-    <dgm:pt modelId="{FFB24B82-4F7E-45EA-A925-B36AB76AA948}" type="pres">
-      <dgm:prSet presAssocID="{2A4A8B3B-C540-409D-AD83-DE0DB893B79E}" presName="hierChild5" presStyleCnt="0"/>
-      <dgm:spPr/>
-    </dgm:pt>
-    <dgm:pt modelId="{BCC1D76F-115C-4D3B-8EEB-E4328ECA8B5B}" type="pres">
-      <dgm:prSet presAssocID="{F9E1A341-00B1-48B5-8E7E-21C4DA617546}" presName="hierChild5" presStyleCnt="0"/>
-      <dgm:spPr/>
-    </dgm:pt>
-    <dgm:pt modelId="{58152210-F89F-49E9-A7DA-3AC0FE287B85}" type="pres">
-      <dgm:prSet presAssocID="{809044A5-1B37-4FA2-9465-C6F903AED917}" presName="hierChild5" presStyleCnt="0"/>
-      <dgm:spPr/>
-    </dgm:pt>
-    <dgm:pt modelId="{CCCE7CA3-B370-4D07-B480-A6CAED339B69}" type="pres">
-      <dgm:prSet presAssocID="{63A93EE4-34D3-4D82-836B-6E5AA8FED95F}" presName="hierChild5" presStyleCnt="0"/>
-      <dgm:spPr/>
-    </dgm:pt>
-    <dgm:pt modelId="{D93DE94D-AADC-4710-8AF0-8F906581DBFA}" type="pres">
-      <dgm:prSet presAssocID="{56483AF1-C635-4A4B-A2C5-D80E534BADC5}" presName="hierChild3" presStyleCnt="0"/>
+    <dgm:pt modelId="{53DA0C7F-A410-4F3A-A551-31BB8CEAAF35}" type="pres">
+      <dgm:prSet presAssocID="{5A42597E-7C44-431A-9CA8-9E2FBD09D033}" presName="Name19" presStyleLbl="parChTrans1D2" presStyleIdx="0" presStyleCnt="2"/>
+      <dgm:spPr/>
+    </dgm:pt>
+    <dgm:pt modelId="{B2ED7BAE-2987-4978-BF1C-7D3EF95880C8}" type="pres">
+      <dgm:prSet presAssocID="{D72453B6-1B40-48C3-A2D3-C6000198E162}" presName="Name21" presStyleCnt="0"/>
+      <dgm:spPr/>
+    </dgm:pt>
+    <dgm:pt modelId="{A8EDB877-DFB8-4595-8FB6-9818237BFD04}" type="pres">
+      <dgm:prSet presAssocID="{D72453B6-1B40-48C3-A2D3-C6000198E162}" presName="level2Shape" presStyleLbl="node2" presStyleIdx="0" presStyleCnt="2"/>
+      <dgm:spPr/>
+    </dgm:pt>
+    <dgm:pt modelId="{CADF14EF-3DC5-4B01-A196-115E3728D79A}" type="pres">
+      <dgm:prSet presAssocID="{D72453B6-1B40-48C3-A2D3-C6000198E162}" presName="hierChild3" presStyleCnt="0"/>
+      <dgm:spPr/>
+    </dgm:pt>
+    <dgm:pt modelId="{3A24F69E-B741-44C0-8D91-D2BC5A280F65}" type="pres">
+      <dgm:prSet presAssocID="{73B85369-6C0F-401B-95E3-5EE852952C3D}" presName="Name19" presStyleLbl="parChTrans1D2" presStyleIdx="1" presStyleCnt="2"/>
+      <dgm:spPr/>
+    </dgm:pt>
+    <dgm:pt modelId="{5156CD1D-5573-41CF-A1FF-817895C253C0}" type="pres">
+      <dgm:prSet presAssocID="{63A93EE4-34D3-4D82-836B-6E5AA8FED95F}" presName="Name21" presStyleCnt="0"/>
+      <dgm:spPr/>
+    </dgm:pt>
+    <dgm:pt modelId="{3DBEA836-034E-494E-9781-ADC9FC927960}" type="pres">
+      <dgm:prSet presAssocID="{63A93EE4-34D3-4D82-836B-6E5AA8FED95F}" presName="level2Shape" presStyleLbl="node2" presStyleIdx="1" presStyleCnt="2"/>
+      <dgm:spPr/>
+    </dgm:pt>
+    <dgm:pt modelId="{5E40462C-5609-4DDD-95F9-378D4B49C629}" type="pres">
+      <dgm:prSet presAssocID="{63A93EE4-34D3-4D82-836B-6E5AA8FED95F}" presName="hierChild3" presStyleCnt="0"/>
+      <dgm:spPr/>
+    </dgm:pt>
+    <dgm:pt modelId="{77247B8C-193F-484A-9C50-F6144B69E6D6}" type="pres">
+      <dgm:prSet presAssocID="{A152A006-C515-42AF-A180-2BE14619D4C9}" presName="Name19" presStyleLbl="parChTrans1D3" presStyleIdx="0" presStyleCnt="2"/>
+      <dgm:spPr/>
+    </dgm:pt>
+    <dgm:pt modelId="{94FAD579-B7B4-41A7-9B38-CA8C103A7DC4}" type="pres">
+      <dgm:prSet presAssocID="{C7EB33C6-BEA9-44B0-BDA6-EF89125DE973}" presName="Name21" presStyleCnt="0"/>
+      <dgm:spPr/>
+    </dgm:pt>
+    <dgm:pt modelId="{49D5B6DC-A7E8-4CF0-A361-8EB48FF52EE5}" type="pres">
+      <dgm:prSet presAssocID="{C7EB33C6-BEA9-44B0-BDA6-EF89125DE973}" presName="level2Shape" presStyleLbl="node3" presStyleIdx="0" presStyleCnt="2"/>
+      <dgm:spPr/>
+    </dgm:pt>
+    <dgm:pt modelId="{92ECBF28-129B-41C2-A74E-BFD3FBD1F976}" type="pres">
+      <dgm:prSet presAssocID="{C7EB33C6-BEA9-44B0-BDA6-EF89125DE973}" presName="hierChild3" presStyleCnt="0"/>
+      <dgm:spPr/>
+    </dgm:pt>
+    <dgm:pt modelId="{8BE9DD71-CFF1-44DC-9DA7-B0907FE20530}" type="pres">
+      <dgm:prSet presAssocID="{00974F69-3416-4DB5-A607-6CD3F946F929}" presName="Name19" presStyleLbl="parChTrans1D4" presStyleIdx="0" presStyleCnt="6"/>
+      <dgm:spPr/>
+    </dgm:pt>
+    <dgm:pt modelId="{757B9D6C-3D94-4ABD-AFE7-1FF1A9DB2773}" type="pres">
+      <dgm:prSet presAssocID="{FAE69FEC-A0B0-4AE1-8D29-CE14C8C95B02}" presName="Name21" presStyleCnt="0"/>
+      <dgm:spPr/>
+    </dgm:pt>
+    <dgm:pt modelId="{301333E1-22FF-4D9A-B494-BD3BDE501598}" type="pres">
+      <dgm:prSet presAssocID="{FAE69FEC-A0B0-4AE1-8D29-CE14C8C95B02}" presName="level2Shape" presStyleLbl="node4" presStyleIdx="0" presStyleCnt="6"/>
+      <dgm:spPr/>
+    </dgm:pt>
+    <dgm:pt modelId="{68E17586-C6C3-404C-9821-83D352119957}" type="pres">
+      <dgm:prSet presAssocID="{FAE69FEC-A0B0-4AE1-8D29-CE14C8C95B02}" presName="hierChild3" presStyleCnt="0"/>
+      <dgm:spPr/>
+    </dgm:pt>
+    <dgm:pt modelId="{4D1DCB21-D674-4BC0-9B75-E7E0FAFD2ED2}" type="pres">
+      <dgm:prSet presAssocID="{DB33CE90-B6FD-4EBB-915A-C57DF9AE7215}" presName="Name19" presStyleLbl="parChTrans1D4" presStyleIdx="1" presStyleCnt="6"/>
+      <dgm:spPr/>
+    </dgm:pt>
+    <dgm:pt modelId="{3594C6DB-AAE0-429E-83B5-C432C01C207D}" type="pres">
+      <dgm:prSet presAssocID="{FFC73A0B-5188-4A04-BECC-44B45B4F0A43}" presName="Name21" presStyleCnt="0"/>
+      <dgm:spPr/>
+    </dgm:pt>
+    <dgm:pt modelId="{14CE2F77-49F4-4DE3-8D51-CDAF84551E61}" type="pres">
+      <dgm:prSet presAssocID="{FFC73A0B-5188-4A04-BECC-44B45B4F0A43}" presName="level2Shape" presStyleLbl="node4" presStyleIdx="1" presStyleCnt="6"/>
+      <dgm:spPr/>
+    </dgm:pt>
+    <dgm:pt modelId="{2AE8C1BF-3E3D-431F-BA9D-ECAD984869D5}" type="pres">
+      <dgm:prSet presAssocID="{FFC73A0B-5188-4A04-BECC-44B45B4F0A43}" presName="hierChild3" presStyleCnt="0"/>
+      <dgm:spPr/>
+    </dgm:pt>
+    <dgm:pt modelId="{218FDDD4-1E68-4754-86AD-5CFD7F43C0C6}" type="pres">
+      <dgm:prSet presAssocID="{36567181-7F90-4B9E-BE6F-7B941203BDDE}" presName="Name19" presStyleLbl="parChTrans1D3" presStyleIdx="1" presStyleCnt="2"/>
+      <dgm:spPr/>
+    </dgm:pt>
+    <dgm:pt modelId="{18F9F06E-EE19-4721-8435-9E7C14A4F492}" type="pres">
+      <dgm:prSet presAssocID="{809044A5-1B37-4FA2-9465-C6F903AED917}" presName="Name21" presStyleCnt="0"/>
+      <dgm:spPr/>
+    </dgm:pt>
+    <dgm:pt modelId="{4311A214-8010-41A8-A2AC-1F575E448A95}" type="pres">
+      <dgm:prSet presAssocID="{809044A5-1B37-4FA2-9465-C6F903AED917}" presName="level2Shape" presStyleLbl="node3" presStyleIdx="1" presStyleCnt="2"/>
+      <dgm:spPr/>
+    </dgm:pt>
+    <dgm:pt modelId="{1ED6B6AF-7577-4C84-8D29-807AA7844ACA}" type="pres">
+      <dgm:prSet presAssocID="{809044A5-1B37-4FA2-9465-C6F903AED917}" presName="hierChild3" presStyleCnt="0"/>
+      <dgm:spPr/>
+    </dgm:pt>
+    <dgm:pt modelId="{FEC44A9A-21C9-4606-8051-78C812299206}" type="pres">
+      <dgm:prSet presAssocID="{89D72D49-719C-4938-BA25-54D992A69F2F}" presName="Name19" presStyleLbl="parChTrans1D4" presStyleIdx="2" presStyleCnt="6"/>
+      <dgm:spPr/>
+    </dgm:pt>
+    <dgm:pt modelId="{11BB9D16-A8B3-43E8-92CB-2C526AFA5114}" type="pres">
+      <dgm:prSet presAssocID="{8CE0378C-5BFC-4F18-901E-A6F28F08A7B7}" presName="Name21" presStyleCnt="0"/>
+      <dgm:spPr/>
+    </dgm:pt>
+    <dgm:pt modelId="{1550904D-9E76-4B81-B1F5-A9E14E2B453C}" type="pres">
+      <dgm:prSet presAssocID="{8CE0378C-5BFC-4F18-901E-A6F28F08A7B7}" presName="level2Shape" presStyleLbl="node4" presStyleIdx="2" presStyleCnt="6"/>
+      <dgm:spPr/>
+    </dgm:pt>
+    <dgm:pt modelId="{46871212-9B8D-4FBB-80FA-8AC0F5B45061}" type="pres">
+      <dgm:prSet presAssocID="{8CE0378C-5BFC-4F18-901E-A6F28F08A7B7}" presName="hierChild3" presStyleCnt="0"/>
+      <dgm:spPr/>
+    </dgm:pt>
+    <dgm:pt modelId="{6F91ACC4-26DE-449A-AFEC-5682DA880D48}" type="pres">
+      <dgm:prSet presAssocID="{4E3A8912-5672-4AFC-99D2-1CD4BC3C55B7}" presName="Name19" presStyleLbl="parChTrans1D4" presStyleIdx="3" presStyleCnt="6"/>
+      <dgm:spPr/>
+    </dgm:pt>
+    <dgm:pt modelId="{47ACA756-3EFE-4BEC-81BD-5FA7FD4661A6}" type="pres">
+      <dgm:prSet presAssocID="{F9E1A341-00B1-48B5-8E7E-21C4DA617546}" presName="Name21" presStyleCnt="0"/>
+      <dgm:spPr/>
+    </dgm:pt>
+    <dgm:pt modelId="{144127C2-2487-4A15-8713-339DCE036467}" type="pres">
+      <dgm:prSet presAssocID="{F9E1A341-00B1-48B5-8E7E-21C4DA617546}" presName="level2Shape" presStyleLbl="node4" presStyleIdx="3" presStyleCnt="6"/>
+      <dgm:spPr/>
+    </dgm:pt>
+    <dgm:pt modelId="{1E5A2432-A484-4C8A-A977-0A6A72162246}" type="pres">
+      <dgm:prSet presAssocID="{F9E1A341-00B1-48B5-8E7E-21C4DA617546}" presName="hierChild3" presStyleCnt="0"/>
+      <dgm:spPr/>
+    </dgm:pt>
+    <dgm:pt modelId="{563A516D-AEF8-4506-9C6E-50A5505BE890}" type="pres">
+      <dgm:prSet presAssocID="{915143CF-6875-4889-A996-41FB2FBF8B05}" presName="Name19" presStyleLbl="parChTrans1D4" presStyleIdx="4" presStyleCnt="6"/>
+      <dgm:spPr/>
+    </dgm:pt>
+    <dgm:pt modelId="{B441A33B-3FF3-48D7-8E18-CD0FBDB46AE5}" type="pres">
+      <dgm:prSet presAssocID="{AD4CA1C2-AA35-4EA0-813C-8A9E26596336}" presName="Name21" presStyleCnt="0"/>
+      <dgm:spPr/>
+    </dgm:pt>
+    <dgm:pt modelId="{ABD5F001-92E7-4072-85AC-07E59887CB15}" type="pres">
+      <dgm:prSet presAssocID="{AD4CA1C2-AA35-4EA0-813C-8A9E26596336}" presName="level2Shape" presStyleLbl="node4" presStyleIdx="4" presStyleCnt="6"/>
+      <dgm:spPr/>
+    </dgm:pt>
+    <dgm:pt modelId="{CD349B4C-DB9F-44C5-A18B-81FAD0C27737}" type="pres">
+      <dgm:prSet presAssocID="{AD4CA1C2-AA35-4EA0-813C-8A9E26596336}" presName="hierChild3" presStyleCnt="0"/>
+      <dgm:spPr/>
+    </dgm:pt>
+    <dgm:pt modelId="{2B52B1C9-E455-4241-9CB1-5CD51BB25F65}" type="pres">
+      <dgm:prSet presAssocID="{F926763A-9361-4F50-A257-16C2B4C2A5EF}" presName="Name19" presStyleLbl="parChTrans1D4" presStyleIdx="5" presStyleCnt="6"/>
+      <dgm:spPr/>
+    </dgm:pt>
+    <dgm:pt modelId="{C55250D8-FA36-4455-B54B-8125B9E92C49}" type="pres">
+      <dgm:prSet presAssocID="{2A4A8B3B-C540-409D-AD83-DE0DB893B79E}" presName="Name21" presStyleCnt="0"/>
+      <dgm:spPr/>
+    </dgm:pt>
+    <dgm:pt modelId="{F760E44B-F2B7-42C8-892D-C15058943036}" type="pres">
+      <dgm:prSet presAssocID="{2A4A8B3B-C540-409D-AD83-DE0DB893B79E}" presName="level2Shape" presStyleLbl="node4" presStyleIdx="5" presStyleCnt="6"/>
+      <dgm:spPr/>
+    </dgm:pt>
+    <dgm:pt modelId="{667BB839-46EB-4EDF-9B3B-367CF472CEE4}" type="pres">
+      <dgm:prSet presAssocID="{2A4A8B3B-C540-409D-AD83-DE0DB893B79E}" presName="hierChild3" presStyleCnt="0"/>
+      <dgm:spPr/>
+    </dgm:pt>
+    <dgm:pt modelId="{331E603D-A4E6-40D6-895A-AB2290E3C60C}" type="pres">
+      <dgm:prSet presAssocID="{CE02CFE8-CA39-402B-B426-A91228F54F1C}" presName="bgShapesFlow" presStyleCnt="0"/>
       <dgm:spPr/>
     </dgm:pt>
   </dgm:ptLst>
   <dgm:cxnLst>
-    <dgm:cxn modelId="{54166D05-D60D-4AC3-B287-DB8FEB6B0B6A}" type="presOf" srcId="{AD4CA1C2-AA35-4EA0-813C-8A9E26596336}" destId="{C7FF83CA-C8C6-4B0E-B265-109385123C36}" srcOrd="1" destOrd="0" presId="urn:microsoft.com/office/officeart/2005/8/layout/orgChart1"/>
     <dgm:cxn modelId="{9A9EE405-83B6-4577-9652-A6E28BF384B1}" srcId="{CE02CFE8-CA39-402B-B426-A91228F54F1C}" destId="{56483AF1-C635-4A4B-A2C5-D80E534BADC5}" srcOrd="0" destOrd="0" parTransId="{C3019227-1575-4642-94D6-DE3C9AA0990C}" sibTransId="{A03458F9-379C-4002-A831-A1983BC92E9E}"/>
     <dgm:cxn modelId="{3FF72706-099D-4FAB-BD00-149F95A045B9}" srcId="{F9E1A341-00B1-48B5-8E7E-21C4DA617546}" destId="{2A4A8B3B-C540-409D-AD83-DE0DB893B79E}" srcOrd="1" destOrd="0" parTransId="{F926763A-9361-4F50-A257-16C2B4C2A5EF}" sibTransId="{818B9B9E-5F40-40BC-AC48-87E54A599DC5}"/>
-    <dgm:cxn modelId="{B9D8D60A-B4F5-4959-8876-CA6026DADB00}" type="presOf" srcId="{2A4A8B3B-C540-409D-AD83-DE0DB893B79E}" destId="{FA989B88-97A2-408D-A6E8-F03B512CDF30}" srcOrd="0" destOrd="0" presId="urn:microsoft.com/office/officeart/2005/8/layout/orgChart1"/>
+    <dgm:cxn modelId="{6A3D1A0D-9FBE-4DB6-9166-4C67F4C6E5C3}" type="presOf" srcId="{A152A006-C515-42AF-A180-2BE14619D4C9}" destId="{77247B8C-193F-484A-9C50-F6144B69E6D6}" srcOrd="0" destOrd="0" presId="urn:microsoft.com/office/officeart/2005/8/layout/hierarchy6"/>
+    <dgm:cxn modelId="{827BF80F-2003-455A-86B4-EA7953A4E169}" type="presOf" srcId="{2A4A8B3B-C540-409D-AD83-DE0DB893B79E}" destId="{F760E44B-F2B7-42C8-892D-C15058943036}" srcOrd="0" destOrd="0" presId="urn:microsoft.com/office/officeart/2005/8/layout/hierarchy6"/>
     <dgm:cxn modelId="{519C8711-FBD3-4DDF-9620-A6130D7D762C}" srcId="{809044A5-1B37-4FA2-9465-C6F903AED917}" destId="{8CE0378C-5BFC-4F18-901E-A6F28F08A7B7}" srcOrd="0" destOrd="0" parTransId="{89D72D49-719C-4938-BA25-54D992A69F2F}" sibTransId="{42C32296-D23C-4F1C-87B5-C620AA7D4B46}"/>
-    <dgm:cxn modelId="{E1106816-1B6F-42FD-AC8D-5F7A7CB8C92B}" type="presOf" srcId="{63A93EE4-34D3-4D82-836B-6E5AA8FED95F}" destId="{9D04C6CD-FBB2-40C2-9765-F8A46CE34353}" srcOrd="1" destOrd="0" presId="urn:microsoft.com/office/officeart/2005/8/layout/orgChart1"/>
+    <dgm:cxn modelId="{61D75815-9175-437F-A676-3CBDA5B7B98C}" type="presOf" srcId="{8CE0378C-5BFC-4F18-901E-A6F28F08A7B7}" destId="{1550904D-9E76-4B81-B1F5-A9E14E2B453C}" srcOrd="0" destOrd="0" presId="urn:microsoft.com/office/officeart/2005/8/layout/hierarchy6"/>
     <dgm:cxn modelId="{0242CF17-BEF4-43BE-A3B9-476515D8C5E7}" srcId="{56483AF1-C635-4A4B-A2C5-D80E534BADC5}" destId="{D72453B6-1B40-48C3-A2D3-C6000198E162}" srcOrd="0" destOrd="0" parTransId="{5A42597E-7C44-431A-9CA8-9E2FBD09D033}" sibTransId="{DE5C86DB-C89D-4D69-BB38-40858F2862A3}"/>
-    <dgm:cxn modelId="{19874A27-A01F-4B4B-9F81-2CC5EAD94DAE}" type="presOf" srcId="{2A4A8B3B-C540-409D-AD83-DE0DB893B79E}" destId="{9F3F8E88-5225-4181-8A82-50FD57D97466}" srcOrd="1" destOrd="0" presId="urn:microsoft.com/office/officeart/2005/8/layout/orgChart1"/>
-    <dgm:cxn modelId="{3C64A729-8146-4969-9C0C-A3A8D9FBE735}" type="presOf" srcId="{F926763A-9361-4F50-A257-16C2B4C2A5EF}" destId="{27A3536D-4E08-40A9-88FB-3846CAC90B4C}" srcOrd="0" destOrd="0" presId="urn:microsoft.com/office/officeart/2005/8/layout/orgChart1"/>
-    <dgm:cxn modelId="{AE4E672D-EC7A-4C3E-BEDF-6F13CB1DC385}" type="presOf" srcId="{CE02CFE8-CA39-402B-B426-A91228F54F1C}" destId="{9338D69B-B454-4AB2-B571-0C577C7E583D}" srcOrd="0" destOrd="0" presId="urn:microsoft.com/office/officeart/2005/8/layout/orgChart1"/>
-    <dgm:cxn modelId="{F072393E-5A9C-4FE4-9EB0-9385769CCB97}" type="presOf" srcId="{1DD67FF6-CC55-4514-9689-506446CDB28A}" destId="{0B253D4B-281F-45B6-B5E4-C0071B81BAC8}" srcOrd="0" destOrd="0" presId="urn:microsoft.com/office/officeart/2005/8/layout/orgChart1"/>
-    <dgm:cxn modelId="{5DDECA62-3FE0-4C55-872E-F9FB8EA16E98}" type="presOf" srcId="{36567181-7F90-4B9E-BE6F-7B941203BDDE}" destId="{3F6785EA-6670-487A-8E8C-4D713762CAC8}" srcOrd="0" destOrd="0" presId="urn:microsoft.com/office/officeart/2005/8/layout/orgChart1"/>
-    <dgm:cxn modelId="{B3864C63-9802-48CE-884E-0118879104CE}" type="presOf" srcId="{63A93EE4-34D3-4D82-836B-6E5AA8FED95F}" destId="{23B824FD-3512-4FF6-8321-6B2E024B3CB3}" srcOrd="0" destOrd="0" presId="urn:microsoft.com/office/officeart/2005/8/layout/orgChart1"/>
-    <dgm:cxn modelId="{77BA9064-AC71-450E-A684-385182BE66F5}" type="presOf" srcId="{56483AF1-C635-4A4B-A2C5-D80E534BADC5}" destId="{38C73456-D67D-4C4E-8D72-EC034ED8F7F8}" srcOrd="0" destOrd="0" presId="urn:microsoft.com/office/officeart/2005/8/layout/orgChart1"/>
-    <dgm:cxn modelId="{00A2BF49-9F9C-4174-9E03-A75EAD252704}" type="presOf" srcId="{AD4CA1C2-AA35-4EA0-813C-8A9E26596336}" destId="{AC870754-F1E5-401B-86E5-52B2054C0277}" srcOrd="0" destOrd="0" presId="urn:microsoft.com/office/officeart/2005/8/layout/orgChart1"/>
+    <dgm:cxn modelId="{94016C19-3ADF-41F0-AEC6-898E3DD03668}" type="presOf" srcId="{5A42597E-7C44-431A-9CA8-9E2FBD09D033}" destId="{53DA0C7F-A410-4F3A-A551-31BB8CEAAF35}" srcOrd="0" destOrd="0" presId="urn:microsoft.com/office/officeart/2005/8/layout/hierarchy6"/>
+    <dgm:cxn modelId="{52447823-C4A3-4257-9A10-3ABA799AA497}" type="presOf" srcId="{C7EB33C6-BEA9-44B0-BDA6-EF89125DE973}" destId="{49D5B6DC-A7E8-4CF0-A361-8EB48FF52EE5}" srcOrd="0" destOrd="0" presId="urn:microsoft.com/office/officeart/2005/8/layout/hierarchy6"/>
+    <dgm:cxn modelId="{396F3F2C-5520-48E1-A827-2906C95AAB24}" srcId="{63A93EE4-34D3-4D82-836B-6E5AA8FED95F}" destId="{C7EB33C6-BEA9-44B0-BDA6-EF89125DE973}" srcOrd="0" destOrd="0" parTransId="{A152A006-C515-42AF-A180-2BE14619D4C9}" sibTransId="{90AF9C36-4E05-4796-A600-C8913A864CBC}"/>
+    <dgm:cxn modelId="{747AA331-A5C7-4784-B5BB-621004CC9FF5}" type="presOf" srcId="{CE02CFE8-CA39-402B-B426-A91228F54F1C}" destId="{A8B4AD74-FEB7-45B5-96F1-0CA215FDF16E}" srcOrd="0" destOrd="0" presId="urn:microsoft.com/office/officeart/2005/8/layout/hierarchy6"/>
+    <dgm:cxn modelId="{EDC40835-BCE0-4FC5-B428-5022FCD38255}" type="presOf" srcId="{36567181-7F90-4B9E-BE6F-7B941203BDDE}" destId="{218FDDD4-1E68-4754-86AD-5CFD7F43C0C6}" srcOrd="0" destOrd="0" presId="urn:microsoft.com/office/officeart/2005/8/layout/hierarchy6"/>
+    <dgm:cxn modelId="{19CFA636-F9CC-4324-AEF4-10D9D051CC1C}" type="presOf" srcId="{4E3A8912-5672-4AFC-99D2-1CD4BC3C55B7}" destId="{6F91ACC4-26DE-449A-AFEC-5682DA880D48}" srcOrd="0" destOrd="0" presId="urn:microsoft.com/office/officeart/2005/8/layout/hierarchy6"/>
+    <dgm:cxn modelId="{20676A38-3702-460F-AE99-0C1306733D9B}" type="presOf" srcId="{FFC73A0B-5188-4A04-BECC-44B45B4F0A43}" destId="{14CE2F77-49F4-4DE3-8D51-CDAF84551E61}" srcOrd="0" destOrd="0" presId="urn:microsoft.com/office/officeart/2005/8/layout/hierarchy6"/>
+    <dgm:cxn modelId="{3E35D038-3E10-4E22-B30F-5F8ED5173454}" srcId="{C7EB33C6-BEA9-44B0-BDA6-EF89125DE973}" destId="{FAE69FEC-A0B0-4AE1-8D29-CE14C8C95B02}" srcOrd="0" destOrd="0" parTransId="{00974F69-3416-4DB5-A607-6CD3F946F929}" sibTransId="{BD57E40B-9433-490C-B5C5-AEA267A9A8DE}"/>
+    <dgm:cxn modelId="{61136741-EB10-4979-8568-BD0A566FFF06}" type="presOf" srcId="{89D72D49-719C-4938-BA25-54D992A69F2F}" destId="{FEC44A9A-21C9-4606-8051-78C812299206}" srcOrd="0" destOrd="0" presId="urn:microsoft.com/office/officeart/2005/8/layout/hierarchy6"/>
+    <dgm:cxn modelId="{069C7066-D3A2-4F2B-9B61-9603ACEE1095}" type="presOf" srcId="{73B85369-6C0F-401B-95E3-5EE852952C3D}" destId="{3A24F69E-B741-44C0-8D91-D2BC5A280F65}" srcOrd="0" destOrd="0" presId="urn:microsoft.com/office/officeart/2005/8/layout/hierarchy6"/>
     <dgm:cxn modelId="{FE46F36A-5063-404E-AAD3-64F8E1916A87}" srcId="{63A93EE4-34D3-4D82-836B-6E5AA8FED95F}" destId="{809044A5-1B37-4FA2-9465-C6F903AED917}" srcOrd="1" destOrd="0" parTransId="{36567181-7F90-4B9E-BE6F-7B941203BDDE}" sibTransId="{467AC079-2EAB-4114-9CB6-0671052137A4}"/>
-    <dgm:cxn modelId="{C69F4B4E-EC84-411E-A74F-0B28853FC0E8}" type="presOf" srcId="{F9E1A341-00B1-48B5-8E7E-21C4DA617546}" destId="{54990C5F-01B5-4079-99FE-B730F47A1E10}" srcOrd="0" destOrd="0" presId="urn:microsoft.com/office/officeart/2005/8/layout/orgChart1"/>
-    <dgm:cxn modelId="{26D93673-F4F7-419A-9EC5-DFB1CEB7FAC0}" type="presOf" srcId="{56483AF1-C635-4A4B-A2C5-D80E534BADC5}" destId="{E44CA738-D2DA-44E9-BBF8-A8D200560342}" srcOrd="1" destOrd="0" presId="urn:microsoft.com/office/officeart/2005/8/layout/orgChart1"/>
-    <dgm:cxn modelId="{4E4E0A54-E618-4E09-A4F5-CFB07735AB71}" type="presOf" srcId="{D72453B6-1B40-48C3-A2D3-C6000198E162}" destId="{D4FD80F1-0115-4C60-A916-AD38FC20BF74}" srcOrd="0" destOrd="0" presId="urn:microsoft.com/office/officeart/2005/8/layout/orgChart1"/>
-    <dgm:cxn modelId="{B1B47A78-A37B-46A5-ACF7-C557A7B0C45E}" type="presOf" srcId="{D72453B6-1B40-48C3-A2D3-C6000198E162}" destId="{A5A34036-CBBB-4C31-800A-9B44D09CD057}" srcOrd="1" destOrd="0" presId="urn:microsoft.com/office/officeart/2005/8/layout/orgChart1"/>
-    <dgm:cxn modelId="{7BC88A7B-5EC6-4099-BC58-BB03C48E1C24}" type="presOf" srcId="{89D72D49-719C-4938-BA25-54D992A69F2F}" destId="{3212303E-2E2A-48D1-963F-A947659BDF3C}" srcOrd="0" destOrd="0" presId="urn:microsoft.com/office/officeart/2005/8/layout/orgChart1"/>
-    <dgm:cxn modelId="{DE19CB83-15DD-4B8C-9D55-1E908984917E}" srcId="{63A93EE4-34D3-4D82-836B-6E5AA8FED95F}" destId="{84C58B69-2C65-44E0-AEF9-AAC3C28C580C}" srcOrd="0" destOrd="0" parTransId="{1DD67FF6-CC55-4514-9689-506446CDB28A}" sibTransId="{C3C50D9F-50D2-4C29-BD02-A082816A564D}"/>
-    <dgm:cxn modelId="{DBE8FF83-E556-4D3E-B3A1-48290264D456}" type="presOf" srcId="{73B85369-6C0F-401B-95E3-5EE852952C3D}" destId="{9540B85E-A4EF-41D4-8E0E-3151A162E97D}" srcOrd="0" destOrd="0" presId="urn:microsoft.com/office/officeart/2005/8/layout/orgChart1"/>
+    <dgm:cxn modelId="{250D8C86-6EA5-40CF-8CD9-94D263E72E1F}" type="presOf" srcId="{915143CF-6875-4889-A996-41FB2FBF8B05}" destId="{563A516D-AEF8-4506-9C6E-50A5505BE890}" srcOrd="0" destOrd="0" presId="urn:microsoft.com/office/officeart/2005/8/layout/hierarchy6"/>
+    <dgm:cxn modelId="{CE519C86-3274-4B56-8890-89EC6462E43C}" type="presOf" srcId="{D72453B6-1B40-48C3-A2D3-C6000198E162}" destId="{A8EDB877-DFB8-4595-8FB6-9818237BFD04}" srcOrd="0" destOrd="0" presId="urn:microsoft.com/office/officeart/2005/8/layout/hierarchy6"/>
+    <dgm:cxn modelId="{DED7A487-104B-4721-B71F-69172EAAFAC1}" type="presOf" srcId="{63A93EE4-34D3-4D82-836B-6E5AA8FED95F}" destId="{3DBEA836-034E-494E-9781-ADC9FC927960}" srcOrd="0" destOrd="0" presId="urn:microsoft.com/office/officeart/2005/8/layout/hierarchy6"/>
     <dgm:cxn modelId="{7A9C1889-D9B5-4C8C-BDDC-B10A3B83637C}" srcId="{809044A5-1B37-4FA2-9465-C6F903AED917}" destId="{F9E1A341-00B1-48B5-8E7E-21C4DA617546}" srcOrd="1" destOrd="0" parTransId="{4E3A8912-5672-4AFC-99D2-1CD4BC3C55B7}" sibTransId="{7A44802E-31E9-402E-8634-D4B1AE85C9EF}"/>
-    <dgm:cxn modelId="{579A2F8F-2688-4BE4-85C0-5E18E95F1E77}" type="presOf" srcId="{4E3A8912-5672-4AFC-99D2-1CD4BC3C55B7}" destId="{3DD5C3D7-8417-47C3-9FCC-F2024B0F023C}" srcOrd="0" destOrd="0" presId="urn:microsoft.com/office/officeart/2005/8/layout/orgChart1"/>
-    <dgm:cxn modelId="{8AD8B494-F736-4DE0-AE81-6C4D14C61225}" type="presOf" srcId="{84C58B69-2C65-44E0-AEF9-AAC3C28C580C}" destId="{F21DA46F-9176-46C2-8606-0459787EBF36}" srcOrd="1" destOrd="0" presId="urn:microsoft.com/office/officeart/2005/8/layout/orgChart1"/>
-    <dgm:cxn modelId="{4356CEA4-C3FE-4AEF-9C7F-F8E458ABAAE1}" type="presOf" srcId="{809044A5-1B37-4FA2-9465-C6F903AED917}" destId="{377BDF44-513B-4A5F-AC2A-15E57B35F145}" srcOrd="1" destOrd="0" presId="urn:microsoft.com/office/officeart/2005/8/layout/orgChart1"/>
-    <dgm:cxn modelId="{B79BFDC1-C12E-408C-8D74-C9EA7D381662}" type="presOf" srcId="{809044A5-1B37-4FA2-9465-C6F903AED917}" destId="{5F907C20-201E-4433-A68D-28B8EE613CE7}" srcOrd="0" destOrd="0" presId="urn:microsoft.com/office/officeart/2005/8/layout/orgChart1"/>
+    <dgm:cxn modelId="{95474D96-B937-41CD-B234-37584DAE41E2}" type="presOf" srcId="{FAE69FEC-A0B0-4AE1-8D29-CE14C8C95B02}" destId="{301333E1-22FF-4D9A-B494-BD3BDE501598}" srcOrd="0" destOrd="0" presId="urn:microsoft.com/office/officeart/2005/8/layout/hierarchy6"/>
+    <dgm:cxn modelId="{943287A7-37BD-41F6-850C-50EEEBC2653B}" type="presOf" srcId="{DB33CE90-B6FD-4EBB-915A-C57DF9AE7215}" destId="{4D1DCB21-D674-4BC0-9B75-E7E0FAFD2ED2}" srcOrd="0" destOrd="0" presId="urn:microsoft.com/office/officeart/2005/8/layout/hierarchy6"/>
+    <dgm:cxn modelId="{6733DDA9-F4AA-4735-B21E-F2EE57DEEE56}" srcId="{C7EB33C6-BEA9-44B0-BDA6-EF89125DE973}" destId="{FFC73A0B-5188-4A04-BECC-44B45B4F0A43}" srcOrd="1" destOrd="0" parTransId="{DB33CE90-B6FD-4EBB-915A-C57DF9AE7215}" sibTransId="{69522777-3890-4EA0-8216-6F3E6FED2B82}"/>
+    <dgm:cxn modelId="{A0A8BEB1-99A7-4140-85E8-C7C8AEA97E81}" type="presOf" srcId="{AD4CA1C2-AA35-4EA0-813C-8A9E26596336}" destId="{ABD5F001-92E7-4072-85AC-07E59887CB15}" srcOrd="0" destOrd="0" presId="urn:microsoft.com/office/officeart/2005/8/layout/hierarchy6"/>
+    <dgm:cxn modelId="{1666DCB1-9A0D-4F76-B719-2BAD88B5608C}" type="presOf" srcId="{F926763A-9361-4F50-A257-16C2B4C2A5EF}" destId="{2B52B1C9-E455-4241-9CB1-5CD51BB25F65}" srcOrd="0" destOrd="0" presId="urn:microsoft.com/office/officeart/2005/8/layout/hierarchy6"/>
+    <dgm:cxn modelId="{256250B5-F29E-45B7-B4DE-A1C83F3F6909}" type="presOf" srcId="{56483AF1-C635-4A4B-A2C5-D80E534BADC5}" destId="{A0D6BC04-172F-4C40-8C56-B34AE3F795C5}" srcOrd="0" destOrd="0" presId="urn:microsoft.com/office/officeart/2005/8/layout/hierarchy6"/>
     <dgm:cxn modelId="{846A7EC6-D7C9-4DFF-AB9B-C7AAD4F42447}" srcId="{56483AF1-C635-4A4B-A2C5-D80E534BADC5}" destId="{63A93EE4-34D3-4D82-836B-6E5AA8FED95F}" srcOrd="1" destOrd="0" parTransId="{73B85369-6C0F-401B-95E3-5EE852952C3D}" sibTransId="{22A2FA2D-D7F8-4B4E-BAB3-65308F93F773}"/>
-    <dgm:cxn modelId="{AF3BE0D6-EE81-45AF-8B9D-D74743D7E4F1}" type="presOf" srcId="{5A42597E-7C44-431A-9CA8-9E2FBD09D033}" destId="{30120DA4-BBF0-4F1F-B7A9-5488743B14C3}" srcOrd="0" destOrd="0" presId="urn:microsoft.com/office/officeart/2005/8/layout/orgChart1"/>
-    <dgm:cxn modelId="{951CC9D7-B287-4601-93B6-55D044CD7ADA}" type="presOf" srcId="{8CE0378C-5BFC-4F18-901E-A6F28F08A7B7}" destId="{4B15C515-2A82-449C-B2D0-D5D12BE85F52}" srcOrd="0" destOrd="0" presId="urn:microsoft.com/office/officeart/2005/8/layout/orgChart1"/>
-    <dgm:cxn modelId="{CD28FADA-A86E-4890-8A13-AE064F7EBE80}" type="presOf" srcId="{F9E1A341-00B1-48B5-8E7E-21C4DA617546}" destId="{33B3AF54-0B0E-439D-8369-90582CC497EB}" srcOrd="1" destOrd="0" presId="urn:microsoft.com/office/officeart/2005/8/layout/orgChart1"/>
+    <dgm:cxn modelId="{EB6885C8-2837-4397-8FE7-A82222AF5AA6}" type="presOf" srcId="{809044A5-1B37-4FA2-9465-C6F903AED917}" destId="{4311A214-8010-41A8-A2AC-1F575E448A95}" srcOrd="0" destOrd="0" presId="urn:microsoft.com/office/officeart/2005/8/layout/hierarchy6"/>
+    <dgm:cxn modelId="{F1FB70E8-E805-460F-BE59-9103C868421F}" type="presOf" srcId="{00974F69-3416-4DB5-A607-6CD3F946F929}" destId="{8BE9DD71-CFF1-44DC-9DA7-B0907FE20530}" srcOrd="0" destOrd="0" presId="urn:microsoft.com/office/officeart/2005/8/layout/hierarchy6"/>
     <dgm:cxn modelId="{88BEE1E8-E3BA-4F0D-8735-75D83A14F4D1}" srcId="{F9E1A341-00B1-48B5-8E7E-21C4DA617546}" destId="{AD4CA1C2-AA35-4EA0-813C-8A9E26596336}" srcOrd="0" destOrd="0" parTransId="{915143CF-6875-4889-A996-41FB2FBF8B05}" sibTransId="{3181D4D4-169B-4705-B0BA-59C2DC6019F3}"/>
-    <dgm:cxn modelId="{95C6E1F6-2957-43B7-8192-4BE795941339}" type="presOf" srcId="{915143CF-6875-4889-A996-41FB2FBF8B05}" destId="{75558B12-3DD9-426D-96B6-E97E524322EC}" srcOrd="0" destOrd="0" presId="urn:microsoft.com/office/officeart/2005/8/layout/orgChart1"/>
-    <dgm:cxn modelId="{A95A39F8-5687-4CB6-9B50-1E75DB3AB0AA}" type="presOf" srcId="{8CE0378C-5BFC-4F18-901E-A6F28F08A7B7}" destId="{A2A39198-F021-4D5B-A5B7-7ACA2A5A936A}" srcOrd="1" destOrd="0" presId="urn:microsoft.com/office/officeart/2005/8/layout/orgChart1"/>
-    <dgm:cxn modelId="{4B22B5FD-0B97-42C1-8F00-602A9DE72104}" type="presOf" srcId="{84C58B69-2C65-44E0-AEF9-AAC3C28C580C}" destId="{E2FF1EBB-5738-4C02-B319-CEFB56BD75EF}" srcOrd="0" destOrd="0" presId="urn:microsoft.com/office/officeart/2005/8/layout/orgChart1"/>
-    <dgm:cxn modelId="{A9D36158-2C12-4CE0-83DC-E690E7378913}" type="presParOf" srcId="{9338D69B-B454-4AB2-B571-0C577C7E583D}" destId="{96232817-BA82-4387-8EDF-328ABD924933}" srcOrd="0" destOrd="0" presId="urn:microsoft.com/office/officeart/2005/8/layout/orgChart1"/>
-    <dgm:cxn modelId="{90778729-1D5B-4899-ABD8-95970DA10A49}" type="presParOf" srcId="{96232817-BA82-4387-8EDF-328ABD924933}" destId="{E8C4BD90-AE6E-43B5-9B99-722F501E6B41}" srcOrd="0" destOrd="0" presId="urn:microsoft.com/office/officeart/2005/8/layout/orgChart1"/>
-    <dgm:cxn modelId="{0D129F72-E912-4B5F-9877-C1E4466E9FAB}" type="presParOf" srcId="{E8C4BD90-AE6E-43B5-9B99-722F501E6B41}" destId="{38C73456-D67D-4C4E-8D72-EC034ED8F7F8}" srcOrd="0" destOrd="0" presId="urn:microsoft.com/office/officeart/2005/8/layout/orgChart1"/>
-    <dgm:cxn modelId="{E5E1A7D4-0068-4DC6-B022-66DC400BA7B5}" type="presParOf" srcId="{E8C4BD90-AE6E-43B5-9B99-722F501E6B41}" destId="{E44CA738-D2DA-44E9-BBF8-A8D200560342}" srcOrd="1" destOrd="0" presId="urn:microsoft.com/office/officeart/2005/8/layout/orgChart1"/>
-    <dgm:cxn modelId="{5F19285A-EE14-4731-80B8-FA1F55705A43}" type="presParOf" srcId="{96232817-BA82-4387-8EDF-328ABD924933}" destId="{DB2BB38A-DC36-4E9C-B0A3-10EBC794467E}" srcOrd="1" destOrd="0" presId="urn:microsoft.com/office/officeart/2005/8/layout/orgChart1"/>
-    <dgm:cxn modelId="{EA80B57D-D9B8-4E94-91F6-EF525E718D26}" type="presParOf" srcId="{DB2BB38A-DC36-4E9C-B0A3-10EBC794467E}" destId="{30120DA4-BBF0-4F1F-B7A9-5488743B14C3}" srcOrd="0" destOrd="0" presId="urn:microsoft.com/office/officeart/2005/8/layout/orgChart1"/>
-    <dgm:cxn modelId="{37D17651-0BE9-451D-8D74-C16FB166F584}" type="presParOf" srcId="{DB2BB38A-DC36-4E9C-B0A3-10EBC794467E}" destId="{C23A813E-87C5-4521-A76C-1676E1CA6E7B}" srcOrd="1" destOrd="0" presId="urn:microsoft.com/office/officeart/2005/8/layout/orgChart1"/>
-    <dgm:cxn modelId="{DD14F86C-011B-41C9-9045-38872EC05F9D}" type="presParOf" srcId="{C23A813E-87C5-4521-A76C-1676E1CA6E7B}" destId="{5F2C5D98-9956-4070-B99E-74D8AC173B33}" srcOrd="0" destOrd="0" presId="urn:microsoft.com/office/officeart/2005/8/layout/orgChart1"/>
-    <dgm:cxn modelId="{B9959580-C80F-4F55-BD79-112E37ACCF20}" type="presParOf" srcId="{5F2C5D98-9956-4070-B99E-74D8AC173B33}" destId="{D4FD80F1-0115-4C60-A916-AD38FC20BF74}" srcOrd="0" destOrd="0" presId="urn:microsoft.com/office/officeart/2005/8/layout/orgChart1"/>
-    <dgm:cxn modelId="{405BA596-42C0-47E5-BF36-75D405B5BCF8}" type="presParOf" srcId="{5F2C5D98-9956-4070-B99E-74D8AC173B33}" destId="{A5A34036-CBBB-4C31-800A-9B44D09CD057}" srcOrd="1" destOrd="0" presId="urn:microsoft.com/office/officeart/2005/8/layout/orgChart1"/>
-    <dgm:cxn modelId="{56CDDA5E-487D-4862-8A71-33F48F7DEB77}" type="presParOf" srcId="{C23A813E-87C5-4521-A76C-1676E1CA6E7B}" destId="{E8D8F15E-D91F-4D78-A396-93A9E7112FD7}" srcOrd="1" destOrd="0" presId="urn:microsoft.com/office/officeart/2005/8/layout/orgChart1"/>
-    <dgm:cxn modelId="{89511D44-3504-4A29-AFC7-C33C461677CC}" type="presParOf" srcId="{C23A813E-87C5-4521-A76C-1676E1CA6E7B}" destId="{B40EF80D-37EF-4200-97CC-58C29E405FC0}" srcOrd="2" destOrd="0" presId="urn:microsoft.com/office/officeart/2005/8/layout/orgChart1"/>
-    <dgm:cxn modelId="{CEE664A4-8A4E-49D3-9B17-6161B82FDDE7}" type="presParOf" srcId="{DB2BB38A-DC36-4E9C-B0A3-10EBC794467E}" destId="{9540B85E-A4EF-41D4-8E0E-3151A162E97D}" srcOrd="2" destOrd="0" presId="urn:microsoft.com/office/officeart/2005/8/layout/orgChart1"/>
-    <dgm:cxn modelId="{4ADA4FE5-D0D1-4384-9120-8E472E31AC59}" type="presParOf" srcId="{DB2BB38A-DC36-4E9C-B0A3-10EBC794467E}" destId="{67A842CE-E9BF-4E4C-8D98-644579DBE50F}" srcOrd="3" destOrd="0" presId="urn:microsoft.com/office/officeart/2005/8/layout/orgChart1"/>
-    <dgm:cxn modelId="{B0A14951-19EB-4C27-8F2A-65A96EEA20CD}" type="presParOf" srcId="{67A842CE-E9BF-4E4C-8D98-644579DBE50F}" destId="{405272A9-7980-4A84-864F-7691585742A3}" srcOrd="0" destOrd="0" presId="urn:microsoft.com/office/officeart/2005/8/layout/orgChart1"/>
-    <dgm:cxn modelId="{65071B12-B9BF-4449-AE83-55F86FB53F7D}" type="presParOf" srcId="{405272A9-7980-4A84-864F-7691585742A3}" destId="{23B824FD-3512-4FF6-8321-6B2E024B3CB3}" srcOrd="0" destOrd="0" presId="urn:microsoft.com/office/officeart/2005/8/layout/orgChart1"/>
-    <dgm:cxn modelId="{1FA13846-B19A-4F08-BD93-6826A669BA47}" type="presParOf" srcId="{405272A9-7980-4A84-864F-7691585742A3}" destId="{9D04C6CD-FBB2-40C2-9765-F8A46CE34353}" srcOrd="1" destOrd="0" presId="urn:microsoft.com/office/officeart/2005/8/layout/orgChart1"/>
-    <dgm:cxn modelId="{60A195E0-7872-422D-9880-F8E0538D6545}" type="presParOf" srcId="{67A842CE-E9BF-4E4C-8D98-644579DBE50F}" destId="{4A4ED6DF-2B07-4536-A315-A90161EFC4CC}" srcOrd="1" destOrd="0" presId="urn:microsoft.com/office/officeart/2005/8/layout/orgChart1"/>
-    <dgm:cxn modelId="{206851DB-4419-4020-82E6-490161988954}" type="presParOf" srcId="{4A4ED6DF-2B07-4536-A315-A90161EFC4CC}" destId="{0B253D4B-281F-45B6-B5E4-C0071B81BAC8}" srcOrd="0" destOrd="0" presId="urn:microsoft.com/office/officeart/2005/8/layout/orgChart1"/>
-    <dgm:cxn modelId="{72DC6D5A-037F-4125-B690-8FBF4A552B0B}" type="presParOf" srcId="{4A4ED6DF-2B07-4536-A315-A90161EFC4CC}" destId="{F342ECFC-FF85-4A11-915D-F52E2B3F8F88}" srcOrd="1" destOrd="0" presId="urn:microsoft.com/office/officeart/2005/8/layout/orgChart1"/>
-    <dgm:cxn modelId="{02A54EC4-40BF-46DC-8927-87C0BBDA6F91}" type="presParOf" srcId="{F342ECFC-FF85-4A11-915D-F52E2B3F8F88}" destId="{4D8C46B8-E584-4523-AFCC-C039E7744B51}" srcOrd="0" destOrd="0" presId="urn:microsoft.com/office/officeart/2005/8/layout/orgChart1"/>
-    <dgm:cxn modelId="{AB897845-AB2E-4EEB-BE3D-2D77E93DFB86}" type="presParOf" srcId="{4D8C46B8-E584-4523-AFCC-C039E7744B51}" destId="{E2FF1EBB-5738-4C02-B319-CEFB56BD75EF}" srcOrd="0" destOrd="0" presId="urn:microsoft.com/office/officeart/2005/8/layout/orgChart1"/>
-    <dgm:cxn modelId="{4439C44E-66E7-403A-8AA2-3A3E5B21F291}" type="presParOf" srcId="{4D8C46B8-E584-4523-AFCC-C039E7744B51}" destId="{F21DA46F-9176-46C2-8606-0459787EBF36}" srcOrd="1" destOrd="0" presId="urn:microsoft.com/office/officeart/2005/8/layout/orgChart1"/>
-    <dgm:cxn modelId="{7A855DC8-FE9C-4B28-9DE3-A12C116EF38D}" type="presParOf" srcId="{F342ECFC-FF85-4A11-915D-F52E2B3F8F88}" destId="{CED9D8F5-2002-4B51-A9BE-71B25E415299}" srcOrd="1" destOrd="0" presId="urn:microsoft.com/office/officeart/2005/8/layout/orgChart1"/>
-    <dgm:cxn modelId="{A71DD685-AE9E-4EE5-8E02-89DDFC490A0D}" type="presParOf" srcId="{F342ECFC-FF85-4A11-915D-F52E2B3F8F88}" destId="{D355210C-CDB2-4FD0-84B6-3C9A26401FAF}" srcOrd="2" destOrd="0" presId="urn:microsoft.com/office/officeart/2005/8/layout/orgChart1"/>
-    <dgm:cxn modelId="{DC3DB468-DA4E-487A-8B73-B31C24530389}" type="presParOf" srcId="{4A4ED6DF-2B07-4536-A315-A90161EFC4CC}" destId="{3F6785EA-6670-487A-8E8C-4D713762CAC8}" srcOrd="2" destOrd="0" presId="urn:microsoft.com/office/officeart/2005/8/layout/orgChart1"/>
-    <dgm:cxn modelId="{8F37CCE5-E0EE-4850-8101-8CCD10CD3A75}" type="presParOf" srcId="{4A4ED6DF-2B07-4536-A315-A90161EFC4CC}" destId="{751017CF-68E2-4A7E-B4F6-8DB1091C1CB0}" srcOrd="3" destOrd="0" presId="urn:microsoft.com/office/officeart/2005/8/layout/orgChart1"/>
-    <dgm:cxn modelId="{FFA3EBD6-2873-4E0D-ADDF-DB22BF0D0B3F}" type="presParOf" srcId="{751017CF-68E2-4A7E-B4F6-8DB1091C1CB0}" destId="{8DE0D729-79D8-487D-8B6F-8FC576A50DA4}" srcOrd="0" destOrd="0" presId="urn:microsoft.com/office/officeart/2005/8/layout/orgChart1"/>
-    <dgm:cxn modelId="{FFFEE959-686A-4A09-9A88-A512A148AF05}" type="presParOf" srcId="{8DE0D729-79D8-487D-8B6F-8FC576A50DA4}" destId="{5F907C20-201E-4433-A68D-28B8EE613CE7}" srcOrd="0" destOrd="0" presId="urn:microsoft.com/office/officeart/2005/8/layout/orgChart1"/>
-    <dgm:cxn modelId="{851AB2F4-1226-4F74-9A4B-E84A15DE2CE3}" type="presParOf" srcId="{8DE0D729-79D8-487D-8B6F-8FC576A50DA4}" destId="{377BDF44-513B-4A5F-AC2A-15E57B35F145}" srcOrd="1" destOrd="0" presId="urn:microsoft.com/office/officeart/2005/8/layout/orgChart1"/>
-    <dgm:cxn modelId="{F35D195E-BFAA-40AA-A58F-D588D00C70F3}" type="presParOf" srcId="{751017CF-68E2-4A7E-B4F6-8DB1091C1CB0}" destId="{CB13EC3E-67DF-4F14-95DB-7BB6D11DDB4C}" srcOrd="1" destOrd="0" presId="urn:microsoft.com/office/officeart/2005/8/layout/orgChart1"/>
-    <dgm:cxn modelId="{C958940E-BF27-4EDD-8FD8-85F83174B106}" type="presParOf" srcId="{CB13EC3E-67DF-4F14-95DB-7BB6D11DDB4C}" destId="{3212303E-2E2A-48D1-963F-A947659BDF3C}" srcOrd="0" destOrd="0" presId="urn:microsoft.com/office/officeart/2005/8/layout/orgChart1"/>
-    <dgm:cxn modelId="{F0A7446C-F0C3-4F3A-941B-A880852147AD}" type="presParOf" srcId="{CB13EC3E-67DF-4F14-95DB-7BB6D11DDB4C}" destId="{3EECD5C7-51BD-4CA7-8F1D-56B1DD80D382}" srcOrd="1" destOrd="0" presId="urn:microsoft.com/office/officeart/2005/8/layout/orgChart1"/>
-    <dgm:cxn modelId="{134BD349-2440-40CB-A75F-DA560AB5D1F7}" type="presParOf" srcId="{3EECD5C7-51BD-4CA7-8F1D-56B1DD80D382}" destId="{F37F0636-3BC6-4339-8D4C-8E2D146D219B}" srcOrd="0" destOrd="0" presId="urn:microsoft.com/office/officeart/2005/8/layout/orgChart1"/>
-    <dgm:cxn modelId="{D219EB90-CD77-4C88-A051-70BE07CF80EA}" type="presParOf" srcId="{F37F0636-3BC6-4339-8D4C-8E2D146D219B}" destId="{4B15C515-2A82-449C-B2D0-D5D12BE85F52}" srcOrd="0" destOrd="0" presId="urn:microsoft.com/office/officeart/2005/8/layout/orgChart1"/>
-    <dgm:cxn modelId="{0BB4B162-841C-4C55-9855-726A7353909E}" type="presParOf" srcId="{F37F0636-3BC6-4339-8D4C-8E2D146D219B}" destId="{A2A39198-F021-4D5B-A5B7-7ACA2A5A936A}" srcOrd="1" destOrd="0" presId="urn:microsoft.com/office/officeart/2005/8/layout/orgChart1"/>
-    <dgm:cxn modelId="{D1E1E65B-9443-455E-885D-D7E9B899BDDF}" type="presParOf" srcId="{3EECD5C7-51BD-4CA7-8F1D-56B1DD80D382}" destId="{99407F54-1F74-465D-86D6-C31085C71AD1}" srcOrd="1" destOrd="0" presId="urn:microsoft.com/office/officeart/2005/8/layout/orgChart1"/>
-    <dgm:cxn modelId="{CED0E451-0925-4F51-A71C-D5B4BF50829C}" type="presParOf" srcId="{3EECD5C7-51BD-4CA7-8F1D-56B1DD80D382}" destId="{3B4B583A-5F37-446A-8A00-6BE699130C30}" srcOrd="2" destOrd="0" presId="urn:microsoft.com/office/officeart/2005/8/layout/orgChart1"/>
-    <dgm:cxn modelId="{39142CBB-FD4D-4110-93BA-CC2E88860A8E}" type="presParOf" srcId="{CB13EC3E-67DF-4F14-95DB-7BB6D11DDB4C}" destId="{3DD5C3D7-8417-47C3-9FCC-F2024B0F023C}" srcOrd="2" destOrd="0" presId="urn:microsoft.com/office/officeart/2005/8/layout/orgChart1"/>
-    <dgm:cxn modelId="{BF38C690-BB32-4A40-B9C8-6218CBD4DB64}" type="presParOf" srcId="{CB13EC3E-67DF-4F14-95DB-7BB6D11DDB4C}" destId="{0CC2EDF8-23F1-453E-9FB3-95E48ECDF36E}" srcOrd="3" destOrd="0" presId="urn:microsoft.com/office/officeart/2005/8/layout/orgChart1"/>
-    <dgm:cxn modelId="{5D6BAA33-4B48-4403-AA97-0B1217B8BE57}" type="presParOf" srcId="{0CC2EDF8-23F1-453E-9FB3-95E48ECDF36E}" destId="{4FDB9CBF-7605-47B0-BB81-FA8AA0EA216F}" srcOrd="0" destOrd="0" presId="urn:microsoft.com/office/officeart/2005/8/layout/orgChart1"/>
-    <dgm:cxn modelId="{1C628ACC-2DDC-4451-9D85-3E1A24A7075D}" type="presParOf" srcId="{4FDB9CBF-7605-47B0-BB81-FA8AA0EA216F}" destId="{54990C5F-01B5-4079-99FE-B730F47A1E10}" srcOrd="0" destOrd="0" presId="urn:microsoft.com/office/officeart/2005/8/layout/orgChart1"/>
-    <dgm:cxn modelId="{38B361C3-C799-4E62-8BFE-4FF52E19A543}" type="presParOf" srcId="{4FDB9CBF-7605-47B0-BB81-FA8AA0EA216F}" destId="{33B3AF54-0B0E-439D-8369-90582CC497EB}" srcOrd="1" destOrd="0" presId="urn:microsoft.com/office/officeart/2005/8/layout/orgChart1"/>
-    <dgm:cxn modelId="{9C817FB4-5800-4F3B-90C4-6778BEA6EEC6}" type="presParOf" srcId="{0CC2EDF8-23F1-453E-9FB3-95E48ECDF36E}" destId="{9EA63A90-7BC8-4FA3-9ACC-BBFFDC3460E0}" srcOrd="1" destOrd="0" presId="urn:microsoft.com/office/officeart/2005/8/layout/orgChart1"/>
-    <dgm:cxn modelId="{C408373D-F2DA-4C3E-9FAB-049571BD2E6C}" type="presParOf" srcId="{9EA63A90-7BC8-4FA3-9ACC-BBFFDC3460E0}" destId="{75558B12-3DD9-426D-96B6-E97E524322EC}" srcOrd="0" destOrd="0" presId="urn:microsoft.com/office/officeart/2005/8/layout/orgChart1"/>
-    <dgm:cxn modelId="{9CAAD535-CEB4-4E38-ABDE-1FCA690CA450}" type="presParOf" srcId="{9EA63A90-7BC8-4FA3-9ACC-BBFFDC3460E0}" destId="{35C857AB-A01D-408A-98E1-8701D3BAF9B5}" srcOrd="1" destOrd="0" presId="urn:microsoft.com/office/officeart/2005/8/layout/orgChart1"/>
-    <dgm:cxn modelId="{02F3C521-2AD9-43A4-BFA4-5AB69022B724}" type="presParOf" srcId="{35C857AB-A01D-408A-98E1-8701D3BAF9B5}" destId="{823FD1CA-F04B-488E-A2C6-DCB5B025DC72}" srcOrd="0" destOrd="0" presId="urn:microsoft.com/office/officeart/2005/8/layout/orgChart1"/>
-    <dgm:cxn modelId="{A5C9BACF-7B3F-4D43-B6FC-43BCC25708CC}" type="presParOf" srcId="{823FD1CA-F04B-488E-A2C6-DCB5B025DC72}" destId="{AC870754-F1E5-401B-86E5-52B2054C0277}" srcOrd="0" destOrd="0" presId="urn:microsoft.com/office/officeart/2005/8/layout/orgChart1"/>
-    <dgm:cxn modelId="{0A1CBA87-C12B-4A2B-AE5E-24BE7AEA2CE7}" type="presParOf" srcId="{823FD1CA-F04B-488E-A2C6-DCB5B025DC72}" destId="{C7FF83CA-C8C6-4B0E-B265-109385123C36}" srcOrd="1" destOrd="0" presId="urn:microsoft.com/office/officeart/2005/8/layout/orgChart1"/>
-    <dgm:cxn modelId="{F20D9526-A0B2-4C05-AD55-0DB6F76266AC}" type="presParOf" srcId="{35C857AB-A01D-408A-98E1-8701D3BAF9B5}" destId="{C6098DC8-1751-4F4D-91B3-E392A6393CE6}" srcOrd="1" destOrd="0" presId="urn:microsoft.com/office/officeart/2005/8/layout/orgChart1"/>
-    <dgm:cxn modelId="{CCE26386-D7E1-4A64-8444-7A6B1D54D5D2}" type="presParOf" srcId="{35C857AB-A01D-408A-98E1-8701D3BAF9B5}" destId="{64CBDE73-73B5-4C2E-AD08-CEFD2B7B589E}" srcOrd="2" destOrd="0" presId="urn:microsoft.com/office/officeart/2005/8/layout/orgChart1"/>
-    <dgm:cxn modelId="{B8674EA1-6B8F-4915-A493-75166E275A56}" type="presParOf" srcId="{9EA63A90-7BC8-4FA3-9ACC-BBFFDC3460E0}" destId="{27A3536D-4E08-40A9-88FB-3846CAC90B4C}" srcOrd="2" destOrd="0" presId="urn:microsoft.com/office/officeart/2005/8/layout/orgChart1"/>
-    <dgm:cxn modelId="{B80B8BF2-22FA-40C5-8AB9-3CC5D1CE93C4}" type="presParOf" srcId="{9EA63A90-7BC8-4FA3-9ACC-BBFFDC3460E0}" destId="{F200A130-36B5-4AAE-ABAD-B7752178202C}" srcOrd="3" destOrd="0" presId="urn:microsoft.com/office/officeart/2005/8/layout/orgChart1"/>
-    <dgm:cxn modelId="{B8D6F927-78A5-4110-AB26-C4D00690555F}" type="presParOf" srcId="{F200A130-36B5-4AAE-ABAD-B7752178202C}" destId="{7BDD4ABD-A3F9-410E-BA5C-ED5C26A45A5E}" srcOrd="0" destOrd="0" presId="urn:microsoft.com/office/officeart/2005/8/layout/orgChart1"/>
-    <dgm:cxn modelId="{23FA0074-1C5A-441A-AF63-2B35F9F5B095}" type="presParOf" srcId="{7BDD4ABD-A3F9-410E-BA5C-ED5C26A45A5E}" destId="{FA989B88-97A2-408D-A6E8-F03B512CDF30}" srcOrd="0" destOrd="0" presId="urn:microsoft.com/office/officeart/2005/8/layout/orgChart1"/>
-    <dgm:cxn modelId="{B1ECB3E4-46F3-49B3-B799-6130A90E3856}" type="presParOf" srcId="{7BDD4ABD-A3F9-410E-BA5C-ED5C26A45A5E}" destId="{9F3F8E88-5225-4181-8A82-50FD57D97466}" srcOrd="1" destOrd="0" presId="urn:microsoft.com/office/officeart/2005/8/layout/orgChart1"/>
-    <dgm:cxn modelId="{5B6AE356-517B-4E56-AAD7-8B96BC2EABA0}" type="presParOf" srcId="{F200A130-36B5-4AAE-ABAD-B7752178202C}" destId="{F0E86744-3E33-426C-811D-712372C56BF5}" srcOrd="1" destOrd="0" presId="urn:microsoft.com/office/officeart/2005/8/layout/orgChart1"/>
-    <dgm:cxn modelId="{7C6EDE21-711F-4205-83D6-DF07E95D22CF}" type="presParOf" srcId="{F200A130-36B5-4AAE-ABAD-B7752178202C}" destId="{FFB24B82-4F7E-45EA-A925-B36AB76AA948}" srcOrd="2" destOrd="0" presId="urn:microsoft.com/office/officeart/2005/8/layout/orgChart1"/>
-    <dgm:cxn modelId="{D8976257-7A26-4E20-B3DD-F52818A2E735}" type="presParOf" srcId="{0CC2EDF8-23F1-453E-9FB3-95E48ECDF36E}" destId="{BCC1D76F-115C-4D3B-8EEB-E4328ECA8B5B}" srcOrd="2" destOrd="0" presId="urn:microsoft.com/office/officeart/2005/8/layout/orgChart1"/>
-    <dgm:cxn modelId="{CC2DFA77-CAD6-48F5-9ADD-AFB7C99C9A21}" type="presParOf" srcId="{751017CF-68E2-4A7E-B4F6-8DB1091C1CB0}" destId="{58152210-F89F-49E9-A7DA-3AC0FE287B85}" srcOrd="2" destOrd="0" presId="urn:microsoft.com/office/officeart/2005/8/layout/orgChart1"/>
-    <dgm:cxn modelId="{A4206EE9-F6B0-49D8-8FF6-889E12B86722}" type="presParOf" srcId="{67A842CE-E9BF-4E4C-8D98-644579DBE50F}" destId="{CCCE7CA3-B370-4D07-B480-A6CAED339B69}" srcOrd="2" destOrd="0" presId="urn:microsoft.com/office/officeart/2005/8/layout/orgChart1"/>
-    <dgm:cxn modelId="{EC83996E-6BF7-431E-BE0C-E6802027C69F}" type="presParOf" srcId="{96232817-BA82-4387-8EDF-328ABD924933}" destId="{D93DE94D-AADC-4710-8AF0-8F906581DBFA}" srcOrd="2" destOrd="0" presId="urn:microsoft.com/office/officeart/2005/8/layout/orgChart1"/>
+    <dgm:cxn modelId="{AAF2B7EF-36AC-48B7-81AF-6C6F74F35F3C}" type="presOf" srcId="{F9E1A341-00B1-48B5-8E7E-21C4DA617546}" destId="{144127C2-2487-4A15-8713-339DCE036467}" srcOrd="0" destOrd="0" presId="urn:microsoft.com/office/officeart/2005/8/layout/hierarchy6"/>
+    <dgm:cxn modelId="{8E1A49FB-4F63-47CE-9BEE-31A35B644C06}" type="presParOf" srcId="{A8B4AD74-FEB7-45B5-96F1-0CA215FDF16E}" destId="{F0B8296A-156B-4811-97A0-509CFF47D6DC}" srcOrd="0" destOrd="0" presId="urn:microsoft.com/office/officeart/2005/8/layout/hierarchy6"/>
+    <dgm:cxn modelId="{AA3F58BB-BBA7-44CA-9775-16397238260A}" type="presParOf" srcId="{F0B8296A-156B-4811-97A0-509CFF47D6DC}" destId="{B0CCB1CE-D09D-43FD-A4AE-A5DA251DCC28}" srcOrd="0" destOrd="0" presId="urn:microsoft.com/office/officeart/2005/8/layout/hierarchy6"/>
+    <dgm:cxn modelId="{C2E10947-93E5-41AE-96C0-FB13B0059ACF}" type="presParOf" srcId="{B0CCB1CE-D09D-43FD-A4AE-A5DA251DCC28}" destId="{10FB0190-DD80-4FD5-9DAA-1CA066D2025A}" srcOrd="0" destOrd="0" presId="urn:microsoft.com/office/officeart/2005/8/layout/hierarchy6"/>
+    <dgm:cxn modelId="{5A6B46F2-58F8-4B7C-9614-9168F027C462}" type="presParOf" srcId="{10FB0190-DD80-4FD5-9DAA-1CA066D2025A}" destId="{A0D6BC04-172F-4C40-8C56-B34AE3F795C5}" srcOrd="0" destOrd="0" presId="urn:microsoft.com/office/officeart/2005/8/layout/hierarchy6"/>
+    <dgm:cxn modelId="{C8D43AAC-FEE3-4088-AF8F-D3A2815F458F}" type="presParOf" srcId="{10FB0190-DD80-4FD5-9DAA-1CA066D2025A}" destId="{3D4FD5A5-2371-4777-80F4-C5EAC4C7D98C}" srcOrd="1" destOrd="0" presId="urn:microsoft.com/office/officeart/2005/8/layout/hierarchy6"/>
+    <dgm:cxn modelId="{B9DDA2C8-B3B0-4339-B88C-C9395A1E4CE4}" type="presParOf" srcId="{3D4FD5A5-2371-4777-80F4-C5EAC4C7D98C}" destId="{53DA0C7F-A410-4F3A-A551-31BB8CEAAF35}" srcOrd="0" destOrd="0" presId="urn:microsoft.com/office/officeart/2005/8/layout/hierarchy6"/>
+    <dgm:cxn modelId="{39720903-2C2D-41BB-BE34-EF6A95A90F4E}" type="presParOf" srcId="{3D4FD5A5-2371-4777-80F4-C5EAC4C7D98C}" destId="{B2ED7BAE-2987-4978-BF1C-7D3EF95880C8}" srcOrd="1" destOrd="0" presId="urn:microsoft.com/office/officeart/2005/8/layout/hierarchy6"/>
+    <dgm:cxn modelId="{CD8971D3-557F-4C54-ACEE-F0E71CC3285C}" type="presParOf" srcId="{B2ED7BAE-2987-4978-BF1C-7D3EF95880C8}" destId="{A8EDB877-DFB8-4595-8FB6-9818237BFD04}" srcOrd="0" destOrd="0" presId="urn:microsoft.com/office/officeart/2005/8/layout/hierarchy6"/>
+    <dgm:cxn modelId="{8071401A-5881-435F-82AE-599C2D9A216D}" type="presParOf" srcId="{B2ED7BAE-2987-4978-BF1C-7D3EF95880C8}" destId="{CADF14EF-3DC5-4B01-A196-115E3728D79A}" srcOrd="1" destOrd="0" presId="urn:microsoft.com/office/officeart/2005/8/layout/hierarchy6"/>
+    <dgm:cxn modelId="{E51716C5-6491-40C4-8E8C-852AF02D65A7}" type="presParOf" srcId="{3D4FD5A5-2371-4777-80F4-C5EAC4C7D98C}" destId="{3A24F69E-B741-44C0-8D91-D2BC5A280F65}" srcOrd="2" destOrd="0" presId="urn:microsoft.com/office/officeart/2005/8/layout/hierarchy6"/>
+    <dgm:cxn modelId="{3578E907-3AD1-42D7-8A2E-11F1C161FCFD}" type="presParOf" srcId="{3D4FD5A5-2371-4777-80F4-C5EAC4C7D98C}" destId="{5156CD1D-5573-41CF-A1FF-817895C253C0}" srcOrd="3" destOrd="0" presId="urn:microsoft.com/office/officeart/2005/8/layout/hierarchy6"/>
+    <dgm:cxn modelId="{FDB342C1-D326-48CE-A037-9FFFE0787179}" type="presParOf" srcId="{5156CD1D-5573-41CF-A1FF-817895C253C0}" destId="{3DBEA836-034E-494E-9781-ADC9FC927960}" srcOrd="0" destOrd="0" presId="urn:microsoft.com/office/officeart/2005/8/layout/hierarchy6"/>
+    <dgm:cxn modelId="{77F6C7DF-EF7C-470D-BF10-81221EAF9816}" type="presParOf" srcId="{5156CD1D-5573-41CF-A1FF-817895C253C0}" destId="{5E40462C-5609-4DDD-95F9-378D4B49C629}" srcOrd="1" destOrd="0" presId="urn:microsoft.com/office/officeart/2005/8/layout/hierarchy6"/>
+    <dgm:cxn modelId="{D67594C3-D464-4C18-A94E-0CEA9332A86B}" type="presParOf" srcId="{5E40462C-5609-4DDD-95F9-378D4B49C629}" destId="{77247B8C-193F-484A-9C50-F6144B69E6D6}" srcOrd="0" destOrd="0" presId="urn:microsoft.com/office/officeart/2005/8/layout/hierarchy6"/>
+    <dgm:cxn modelId="{EAC41CDF-2531-4B0E-8CF5-A81FD5316901}" type="presParOf" srcId="{5E40462C-5609-4DDD-95F9-378D4B49C629}" destId="{94FAD579-B7B4-41A7-9B38-CA8C103A7DC4}" srcOrd="1" destOrd="0" presId="urn:microsoft.com/office/officeart/2005/8/layout/hierarchy6"/>
+    <dgm:cxn modelId="{24627062-2F99-4740-A654-00783126B36F}" type="presParOf" srcId="{94FAD579-B7B4-41A7-9B38-CA8C103A7DC4}" destId="{49D5B6DC-A7E8-4CF0-A361-8EB48FF52EE5}" srcOrd="0" destOrd="0" presId="urn:microsoft.com/office/officeart/2005/8/layout/hierarchy6"/>
+    <dgm:cxn modelId="{6FAA5FF6-1041-4247-820E-879515F2115D}" type="presParOf" srcId="{94FAD579-B7B4-41A7-9B38-CA8C103A7DC4}" destId="{92ECBF28-129B-41C2-A74E-BFD3FBD1F976}" srcOrd="1" destOrd="0" presId="urn:microsoft.com/office/officeart/2005/8/layout/hierarchy6"/>
+    <dgm:cxn modelId="{83D92773-78EB-4F06-8539-C4BD52BF09D3}" type="presParOf" srcId="{92ECBF28-129B-41C2-A74E-BFD3FBD1F976}" destId="{8BE9DD71-CFF1-44DC-9DA7-B0907FE20530}" srcOrd="0" destOrd="0" presId="urn:microsoft.com/office/officeart/2005/8/layout/hierarchy6"/>
+    <dgm:cxn modelId="{E9CC1806-8E73-470F-A92D-81DD791F80F2}" type="presParOf" srcId="{92ECBF28-129B-41C2-A74E-BFD3FBD1F976}" destId="{757B9D6C-3D94-4ABD-AFE7-1FF1A9DB2773}" srcOrd="1" destOrd="0" presId="urn:microsoft.com/office/officeart/2005/8/layout/hierarchy6"/>
+    <dgm:cxn modelId="{69977573-927A-4278-AAE4-BB8CC559CAA9}" type="presParOf" srcId="{757B9D6C-3D94-4ABD-AFE7-1FF1A9DB2773}" destId="{301333E1-22FF-4D9A-B494-BD3BDE501598}" srcOrd="0" destOrd="0" presId="urn:microsoft.com/office/officeart/2005/8/layout/hierarchy6"/>
+    <dgm:cxn modelId="{DC991474-AB43-4AD0-9D4A-3CDB63BA088F}" type="presParOf" srcId="{757B9D6C-3D94-4ABD-AFE7-1FF1A9DB2773}" destId="{68E17586-C6C3-404C-9821-83D352119957}" srcOrd="1" destOrd="0" presId="urn:microsoft.com/office/officeart/2005/8/layout/hierarchy6"/>
+    <dgm:cxn modelId="{43F58E36-0DD1-4955-882A-314D66632FD9}" type="presParOf" srcId="{92ECBF28-129B-41C2-A74E-BFD3FBD1F976}" destId="{4D1DCB21-D674-4BC0-9B75-E7E0FAFD2ED2}" srcOrd="2" destOrd="0" presId="urn:microsoft.com/office/officeart/2005/8/layout/hierarchy6"/>
+    <dgm:cxn modelId="{326F1E75-286B-403C-82AC-F68BC40791ED}" type="presParOf" srcId="{92ECBF28-129B-41C2-A74E-BFD3FBD1F976}" destId="{3594C6DB-AAE0-429E-83B5-C432C01C207D}" srcOrd="3" destOrd="0" presId="urn:microsoft.com/office/officeart/2005/8/layout/hierarchy6"/>
+    <dgm:cxn modelId="{9DA07BB2-5293-4555-8E01-96B57E75FB31}" type="presParOf" srcId="{3594C6DB-AAE0-429E-83B5-C432C01C207D}" destId="{14CE2F77-49F4-4DE3-8D51-CDAF84551E61}" srcOrd="0" destOrd="0" presId="urn:microsoft.com/office/officeart/2005/8/layout/hierarchy6"/>
+    <dgm:cxn modelId="{BF785B75-AFCF-4C5D-905A-94662329F871}" type="presParOf" srcId="{3594C6DB-AAE0-429E-83B5-C432C01C207D}" destId="{2AE8C1BF-3E3D-431F-BA9D-ECAD984869D5}" srcOrd="1" destOrd="0" presId="urn:microsoft.com/office/officeart/2005/8/layout/hierarchy6"/>
+    <dgm:cxn modelId="{931F8F1A-139B-4F91-A457-731030B83CB7}" type="presParOf" srcId="{5E40462C-5609-4DDD-95F9-378D4B49C629}" destId="{218FDDD4-1E68-4754-86AD-5CFD7F43C0C6}" srcOrd="2" destOrd="0" presId="urn:microsoft.com/office/officeart/2005/8/layout/hierarchy6"/>
+    <dgm:cxn modelId="{C560E141-73A2-4447-B567-5F8D2520396C}" type="presParOf" srcId="{5E40462C-5609-4DDD-95F9-378D4B49C629}" destId="{18F9F06E-EE19-4721-8435-9E7C14A4F492}" srcOrd="3" destOrd="0" presId="urn:microsoft.com/office/officeart/2005/8/layout/hierarchy6"/>
+    <dgm:cxn modelId="{8149B1A5-12FF-4F2E-9BCE-731F6133AE7E}" type="presParOf" srcId="{18F9F06E-EE19-4721-8435-9E7C14A4F492}" destId="{4311A214-8010-41A8-A2AC-1F575E448A95}" srcOrd="0" destOrd="0" presId="urn:microsoft.com/office/officeart/2005/8/layout/hierarchy6"/>
+    <dgm:cxn modelId="{D85B26B2-AEEC-4E4B-8D5E-3828A901247E}" type="presParOf" srcId="{18F9F06E-EE19-4721-8435-9E7C14A4F492}" destId="{1ED6B6AF-7577-4C84-8D29-807AA7844ACA}" srcOrd="1" destOrd="0" presId="urn:microsoft.com/office/officeart/2005/8/layout/hierarchy6"/>
+    <dgm:cxn modelId="{7B11BF9B-43C6-4E17-A150-6BE5DD782A45}" type="presParOf" srcId="{1ED6B6AF-7577-4C84-8D29-807AA7844ACA}" destId="{FEC44A9A-21C9-4606-8051-78C812299206}" srcOrd="0" destOrd="0" presId="urn:microsoft.com/office/officeart/2005/8/layout/hierarchy6"/>
+    <dgm:cxn modelId="{1BFAF2C8-7C83-4CD6-A039-562424A928C2}" type="presParOf" srcId="{1ED6B6AF-7577-4C84-8D29-807AA7844ACA}" destId="{11BB9D16-A8B3-43E8-92CB-2C526AFA5114}" srcOrd="1" destOrd="0" presId="urn:microsoft.com/office/officeart/2005/8/layout/hierarchy6"/>
+    <dgm:cxn modelId="{85CD2877-E99A-4B90-BCFF-5B609906E1A7}" type="presParOf" srcId="{11BB9D16-A8B3-43E8-92CB-2C526AFA5114}" destId="{1550904D-9E76-4B81-B1F5-A9E14E2B453C}" srcOrd="0" destOrd="0" presId="urn:microsoft.com/office/officeart/2005/8/layout/hierarchy6"/>
+    <dgm:cxn modelId="{B97540B8-5486-4135-A402-2CDE45B65E07}" type="presParOf" srcId="{11BB9D16-A8B3-43E8-92CB-2C526AFA5114}" destId="{46871212-9B8D-4FBB-80FA-8AC0F5B45061}" srcOrd="1" destOrd="0" presId="urn:microsoft.com/office/officeart/2005/8/layout/hierarchy6"/>
+    <dgm:cxn modelId="{465D82DC-375F-40AB-AAEF-1FB667033E6B}" type="presParOf" srcId="{1ED6B6AF-7577-4C84-8D29-807AA7844ACA}" destId="{6F91ACC4-26DE-449A-AFEC-5682DA880D48}" srcOrd="2" destOrd="0" presId="urn:microsoft.com/office/officeart/2005/8/layout/hierarchy6"/>
+    <dgm:cxn modelId="{2E51A7D9-A700-451E-A30F-ED3FF547F217}" type="presParOf" srcId="{1ED6B6AF-7577-4C84-8D29-807AA7844ACA}" destId="{47ACA756-3EFE-4BEC-81BD-5FA7FD4661A6}" srcOrd="3" destOrd="0" presId="urn:microsoft.com/office/officeart/2005/8/layout/hierarchy6"/>
+    <dgm:cxn modelId="{980CE673-877F-43C7-9CF7-7C0D5DFBB591}" type="presParOf" srcId="{47ACA756-3EFE-4BEC-81BD-5FA7FD4661A6}" destId="{144127C2-2487-4A15-8713-339DCE036467}" srcOrd="0" destOrd="0" presId="urn:microsoft.com/office/officeart/2005/8/layout/hierarchy6"/>
+    <dgm:cxn modelId="{72D716F2-0464-4E02-97BF-AB8030CC95B4}" type="presParOf" srcId="{47ACA756-3EFE-4BEC-81BD-5FA7FD4661A6}" destId="{1E5A2432-A484-4C8A-A977-0A6A72162246}" srcOrd="1" destOrd="0" presId="urn:microsoft.com/office/officeart/2005/8/layout/hierarchy6"/>
+    <dgm:cxn modelId="{F424D339-8068-4B17-9E13-25B71204E147}" type="presParOf" srcId="{1E5A2432-A484-4C8A-A977-0A6A72162246}" destId="{563A516D-AEF8-4506-9C6E-50A5505BE890}" srcOrd="0" destOrd="0" presId="urn:microsoft.com/office/officeart/2005/8/layout/hierarchy6"/>
+    <dgm:cxn modelId="{79337818-3B0F-44A5-8ADC-109FAF16E62B}" type="presParOf" srcId="{1E5A2432-A484-4C8A-A977-0A6A72162246}" destId="{B441A33B-3FF3-48D7-8E18-CD0FBDB46AE5}" srcOrd="1" destOrd="0" presId="urn:microsoft.com/office/officeart/2005/8/layout/hierarchy6"/>
+    <dgm:cxn modelId="{A2F8E885-6C5C-49F1-96EF-BC5757A6D379}" type="presParOf" srcId="{B441A33B-3FF3-48D7-8E18-CD0FBDB46AE5}" destId="{ABD5F001-92E7-4072-85AC-07E59887CB15}" srcOrd="0" destOrd="0" presId="urn:microsoft.com/office/officeart/2005/8/layout/hierarchy6"/>
+    <dgm:cxn modelId="{7DFF5625-48C1-44CA-AD28-269A13EC97A3}" type="presParOf" srcId="{B441A33B-3FF3-48D7-8E18-CD0FBDB46AE5}" destId="{CD349B4C-DB9F-44C5-A18B-81FAD0C27737}" srcOrd="1" destOrd="0" presId="urn:microsoft.com/office/officeart/2005/8/layout/hierarchy6"/>
+    <dgm:cxn modelId="{6024D0CA-7E7B-4679-9576-055D92874D85}" type="presParOf" srcId="{1E5A2432-A484-4C8A-A977-0A6A72162246}" destId="{2B52B1C9-E455-4241-9CB1-5CD51BB25F65}" srcOrd="2" destOrd="0" presId="urn:microsoft.com/office/officeart/2005/8/layout/hierarchy6"/>
+    <dgm:cxn modelId="{A89E72BC-A375-4B65-93D8-204A0148F39D}" type="presParOf" srcId="{1E5A2432-A484-4C8A-A977-0A6A72162246}" destId="{C55250D8-FA36-4455-B54B-8125B9E92C49}" srcOrd="3" destOrd="0" presId="urn:microsoft.com/office/officeart/2005/8/layout/hierarchy6"/>
+    <dgm:cxn modelId="{1CF607D1-2E14-4F12-B8BE-E239BFEB8624}" type="presParOf" srcId="{C55250D8-FA36-4455-B54B-8125B9E92C49}" destId="{F760E44B-F2B7-42C8-892D-C15058943036}" srcOrd="0" destOrd="0" presId="urn:microsoft.com/office/officeart/2005/8/layout/hierarchy6"/>
+    <dgm:cxn modelId="{EC2348A5-A359-419E-8882-7C18F48587EE}" type="presParOf" srcId="{C55250D8-FA36-4455-B54B-8125B9E92C49}" destId="{667BB839-46EB-4EDF-9B3B-367CF472CEE4}" srcOrd="1" destOrd="0" presId="urn:microsoft.com/office/officeart/2005/8/layout/hierarchy6"/>
+    <dgm:cxn modelId="{78FAAE06-DE6A-461E-A51F-B79BF125DC85}" type="presParOf" srcId="{A8B4AD74-FEB7-45B5-96F1-0CA215FDF16E}" destId="{331E603D-A4E6-40D6-895A-AB2290E3C60C}" srcOrd="1" destOrd="0" presId="urn:microsoft.com/office/officeart/2005/8/layout/hierarchy6"/>
   </dgm:cxnLst>
   <dgm:bg/>
   <dgm:whole/>
@@ -23335,43 +23315,32 @@
       <dsp:cNvGrpSpPr/>
     </dsp:nvGrpSpPr>
     <dsp:grpSpPr/>
-    <dsp:sp modelId="{27A3536D-4E08-40A9-88FB-3846CAC90B4C}">
+    <dsp:sp modelId="{A0D6BC04-172F-4C40-8C56-B34AE3F795C5}">
       <dsp:nvSpPr>
         <dsp:cNvPr id="0" name=""/>
         <dsp:cNvSpPr/>
       </dsp:nvSpPr>
       <dsp:spPr>
         <a:xfrm>
-          <a:off x="6438723" y="3424909"/>
-          <a:ext cx="787282" cy="273271"/>
+          <a:off x="3799902" y="1178"/>
+          <a:ext cx="988404" cy="658936"/>
         </a:xfrm>
-        <a:custGeom>
-          <a:avLst/>
-          <a:gdLst/>
-          <a:ahLst/>
-          <a:cxnLst/>
-          <a:rect l="0" t="0" r="0" b="0"/>
-          <a:pathLst>
-            <a:path>
-              <a:moveTo>
-                <a:pt x="0" y="0"/>
-              </a:moveTo>
-              <a:lnTo>
-                <a:pt x="0" y="136635"/>
-              </a:lnTo>
-              <a:lnTo>
-                <a:pt x="787282" y="136635"/>
-              </a:lnTo>
-              <a:lnTo>
-                <a:pt x="787282" y="273271"/>
-              </a:lnTo>
-            </a:path>
-          </a:pathLst>
-        </a:custGeom>
-        <a:noFill/>
+        <a:prstGeom prst="roundRect">
+          <a:avLst>
+            <a:gd name="adj" fmla="val 10000"/>
+          </a:avLst>
+        </a:prstGeom>
+        <a:solidFill>
+          <a:schemeClr val="lt1">
+            <a:hueOff val="0"/>
+            <a:satOff val="0"/>
+            <a:lumOff val="0"/>
+            <a:alphaOff val="0"/>
+          </a:schemeClr>
+        </a:solidFill>
         <a:ln w="12700" cap="flat" cmpd="sng" algn="ctr">
           <a:solidFill>
-            <a:schemeClr val="accent1">
+            <a:schemeClr val="dk1">
               <a:shade val="80000"/>
               <a:hueOff val="0"/>
               <a:satOff val="0"/>
@@ -23388,24 +23357,54 @@
         <a:lnRef idx="2">
           <a:scrgbClr r="0" g="0" b="0"/>
         </a:lnRef>
-        <a:fillRef idx="0">
+        <a:fillRef idx="1">
           <a:scrgbClr r="0" g="0" b="0"/>
         </a:fillRef>
         <a:effectRef idx="0">
           <a:scrgbClr r="0" g="0" b="0"/>
         </a:effectRef>
-        <a:fontRef idx="minor"/>
+        <a:fontRef idx="minor">
+          <a:schemeClr val="lt1"/>
+        </a:fontRef>
       </dsp:style>
+      <dsp:txBody>
+        <a:bodyPr spcFirstLastPara="0" vert="horz" wrap="square" lIns="45720" tIns="45720" rIns="45720" bIns="45720" numCol="1" spcCol="1270" anchor="ctr" anchorCtr="0">
+          <a:noAutofit/>
+        </a:bodyPr>
+        <a:lstStyle/>
+        <a:p>
+          <a:pPr marL="0" lvl="0" indent="0" algn="ctr" defTabSz="533400">
+            <a:lnSpc>
+              <a:spcPct val="90000"/>
+            </a:lnSpc>
+            <a:spcBef>
+              <a:spcPct val="0"/>
+            </a:spcBef>
+            <a:spcAft>
+              <a:spcPct val="35000"/>
+            </a:spcAft>
+            <a:buNone/>
+          </a:pPr>
+          <a:r>
+            <a:rPr lang="de-DE" sz="1200" kern="1200" dirty="0"/>
+            <a:t>Element</a:t>
+          </a:r>
+        </a:p>
+      </dsp:txBody>
+      <dsp:txXfrm>
+        <a:off x="3819202" y="20478"/>
+        <a:ext cx="949804" cy="620336"/>
+      </dsp:txXfrm>
     </dsp:sp>
-    <dsp:sp modelId="{75558B12-3DD9-426D-96B6-E97E524322EC}">
+    <dsp:sp modelId="{53DA0C7F-A410-4F3A-A551-31BB8CEAAF35}">
       <dsp:nvSpPr>
         <dsp:cNvPr id="0" name=""/>
         <dsp:cNvSpPr/>
       </dsp:nvSpPr>
       <dsp:spPr>
         <a:xfrm>
-          <a:off x="5651441" y="3424909"/>
-          <a:ext cx="787282" cy="273271"/>
+          <a:off x="3651642" y="660114"/>
+          <a:ext cx="642463" cy="263574"/>
         </a:xfrm>
         <a:custGeom>
           <a:avLst/>
@@ -23416,16 +23415,16 @@
           <a:pathLst>
             <a:path>
               <a:moveTo>
-                <a:pt x="787282" y="0"/>
+                <a:pt x="642463" y="0"/>
               </a:moveTo>
               <a:lnTo>
-                <a:pt x="787282" y="136635"/>
+                <a:pt x="642463" y="131787"/>
               </a:lnTo>
               <a:lnTo>
-                <a:pt x="0" y="136635"/>
+                <a:pt x="0" y="131787"/>
               </a:lnTo>
               <a:lnTo>
-                <a:pt x="0" y="273271"/>
+                <a:pt x="0" y="263574"/>
               </a:lnTo>
             </a:path>
           </a:pathLst>
@@ -23433,7 +23432,58 @@
         <a:noFill/>
         <a:ln w="12700" cap="flat" cmpd="sng" algn="ctr">
           <a:solidFill>
-            <a:schemeClr val="accent1">
+            <a:schemeClr val="dk1">
+              <a:shade val="60000"/>
+              <a:hueOff val="0"/>
+              <a:satOff val="0"/>
+              <a:lumOff val="0"/>
+              <a:alphaOff val="0"/>
+            </a:schemeClr>
+          </a:solidFill>
+          <a:prstDash val="solid"/>
+          <a:miter lim="800000"/>
+        </a:ln>
+        <a:effectLst/>
+      </dsp:spPr>
+      <dsp:style>
+        <a:lnRef idx="2">
+          <a:scrgbClr r="0" g="0" b="0"/>
+        </a:lnRef>
+        <a:fillRef idx="0">
+          <a:scrgbClr r="0" g="0" b="0"/>
+        </a:fillRef>
+        <a:effectRef idx="0">
+          <a:scrgbClr r="0" g="0" b="0"/>
+        </a:effectRef>
+        <a:fontRef idx="minor"/>
+      </dsp:style>
+    </dsp:sp>
+    <dsp:sp modelId="{A8EDB877-DFB8-4595-8FB6-9818237BFD04}">
+      <dsp:nvSpPr>
+        <dsp:cNvPr id="0" name=""/>
+        <dsp:cNvSpPr/>
+      </dsp:nvSpPr>
+      <dsp:spPr>
+        <a:xfrm>
+          <a:off x="3157439" y="923689"/>
+          <a:ext cx="988404" cy="658936"/>
+        </a:xfrm>
+        <a:prstGeom prst="roundRect">
+          <a:avLst>
+            <a:gd name="adj" fmla="val 10000"/>
+          </a:avLst>
+        </a:prstGeom>
+        <a:solidFill>
+          <a:schemeClr val="lt1">
+            <a:hueOff val="0"/>
+            <a:satOff val="0"/>
+            <a:lumOff val="0"/>
+            <a:alphaOff val="0"/>
+          </a:schemeClr>
+        </a:solidFill>
+        <a:ln w="12700" cap="flat" cmpd="sng" algn="ctr">
+          <a:solidFill>
+            <a:schemeClr val="dk1">
               <a:shade val="80000"/>
               <a:hueOff val="0"/>
               <a:satOff val="0"/>
@@ -23450,24 +23500,55 @@
         <a:lnRef idx="2">
           <a:scrgbClr r="0" g="0" b="0"/>
         </a:lnRef>
-        <a:fillRef idx="0">
+        <a:fillRef idx="1">
           <a:scrgbClr r="0" g="0" b="0"/>
         </a:fillRef>
         <a:effectRef idx="0">
           <a:scrgbClr r="0" g="0" b="0"/>
         </a:effectRef>
-        <a:fontRef idx="minor"/>
+        <a:fontRef idx="minor">
+          <a:schemeClr val="lt1"/>
+        </a:fontRef>
       </dsp:style>
+      <dsp:txBody>
+        <a:bodyPr spcFirstLastPara="0" vert="horz" wrap="square" lIns="45720" tIns="45720" rIns="45720" bIns="45720" numCol="1" spcCol="1270" anchor="ctr" anchorCtr="0">
+          <a:noAutofit/>
+        </a:bodyPr>
+        <a:lstStyle/>
+        <a:p>
+          <a:pPr marL="0" lvl="0" indent="0" algn="ctr" defTabSz="533400">
+            <a:lnSpc>
+              <a:spcPct val="90000"/>
+            </a:lnSpc>
+            <a:spcBef>
+              <a:spcPct val="0"/>
+            </a:spcBef>
+            <a:spcAft>
+              <a:spcPct val="35000"/>
+            </a:spcAft>
+            <a:buNone/>
+          </a:pPr>
+          <a:r>
+            <a:rPr lang="de-DE" sz="1200" kern="1200" dirty="0" err="1"/>
+            <a:t>Function</a:t>
+          </a:r>
+          <a:endParaRPr lang="de-DE" sz="1200" kern="1200" dirty="0"/>
+        </a:p>
+      </dsp:txBody>
+      <dsp:txXfrm>
+        <a:off x="3176739" y="942989"/>
+        <a:ext cx="949804" cy="620336"/>
+      </dsp:txXfrm>
     </dsp:sp>
-    <dsp:sp modelId="{3DD5C3D7-8417-47C3-9FCC-F2024B0F023C}">
+    <dsp:sp modelId="{3A24F69E-B741-44C0-8D91-D2BC5A280F65}">
       <dsp:nvSpPr>
         <dsp:cNvPr id="0" name=""/>
         <dsp:cNvSpPr/>
       </dsp:nvSpPr>
       <dsp:spPr>
         <a:xfrm>
-          <a:off x="5651441" y="2500992"/>
-          <a:ext cx="787282" cy="273271"/>
+          <a:off x="4294105" y="660114"/>
+          <a:ext cx="642463" cy="263574"/>
         </a:xfrm>
         <a:custGeom>
           <a:avLst/>
@@ -23481,13 +23562,13 @@
                 <a:pt x="0" y="0"/>
               </a:moveTo>
               <a:lnTo>
-                <a:pt x="0" y="136635"/>
+                <a:pt x="0" y="131787"/>
               </a:lnTo>
               <a:lnTo>
-                <a:pt x="787282" y="136635"/>
+                <a:pt x="642463" y="131787"/>
               </a:lnTo>
               <a:lnTo>
-                <a:pt x="787282" y="273271"/>
+                <a:pt x="642463" y="263574"/>
               </a:lnTo>
             </a:path>
           </a:pathLst>
@@ -23495,7 +23576,58 @@
         <a:noFill/>
         <a:ln w="12700" cap="flat" cmpd="sng" algn="ctr">
           <a:solidFill>
-            <a:schemeClr val="accent1">
+            <a:schemeClr val="dk1">
+              <a:shade val="60000"/>
+              <a:hueOff val="0"/>
+              <a:satOff val="0"/>
+              <a:lumOff val="0"/>
+              <a:alphaOff val="0"/>
+            </a:schemeClr>
+          </a:solidFill>
+          <a:prstDash val="solid"/>
+          <a:miter lim="800000"/>
+        </a:ln>
+        <a:effectLst/>
+      </dsp:spPr>
+      <dsp:style>
+        <a:lnRef idx="2">
+          <a:scrgbClr r="0" g="0" b="0"/>
+        </a:lnRef>
+        <a:fillRef idx="0">
+          <a:scrgbClr r="0" g="0" b="0"/>
+        </a:fillRef>
+        <a:effectRef idx="0">
+          <a:scrgbClr r="0" g="0" b="0"/>
+        </a:effectRef>
+        <a:fontRef idx="minor"/>
+      </dsp:style>
+    </dsp:sp>
+    <dsp:sp modelId="{3DBEA836-034E-494E-9781-ADC9FC927960}">
+      <dsp:nvSpPr>
+        <dsp:cNvPr id="0" name=""/>
+        <dsp:cNvSpPr/>
+      </dsp:nvSpPr>
+      <dsp:spPr>
+        <a:xfrm>
+          <a:off x="4442366" y="923689"/>
+          <a:ext cx="988404" cy="658936"/>
+        </a:xfrm>
+        <a:prstGeom prst="roundRect">
+          <a:avLst>
+            <a:gd name="adj" fmla="val 10000"/>
+          </a:avLst>
+        </a:prstGeom>
+        <a:solidFill>
+          <a:schemeClr val="lt1">
+            <a:hueOff val="0"/>
+            <a:satOff val="0"/>
+            <a:lumOff val="0"/>
+            <a:alphaOff val="0"/>
+          </a:schemeClr>
+        </a:solidFill>
+        <a:ln w="12700" cap="flat" cmpd="sng" algn="ctr">
+          <a:solidFill>
+            <a:schemeClr val="dk1">
               <a:shade val="80000"/>
               <a:hueOff val="0"/>
               <a:satOff val="0"/>
@@ -23512,24 +23644,54 @@
         <a:lnRef idx="2">
           <a:scrgbClr r="0" g="0" b="0"/>
         </a:lnRef>
-        <a:fillRef idx="0">
+        <a:fillRef idx="1">
           <a:scrgbClr r="0" g="0" b="0"/>
         </a:fillRef>
         <a:effectRef idx="0">
           <a:scrgbClr r="0" g="0" b="0"/>
         </a:effectRef>
-        <a:fontRef idx="minor"/>
+        <a:fontRef idx="minor">
+          <a:schemeClr val="lt1"/>
+        </a:fontRef>
       </dsp:style>
+      <dsp:txBody>
+        <a:bodyPr spcFirstLastPara="0" vert="horz" wrap="square" lIns="45720" tIns="45720" rIns="45720" bIns="45720" numCol="1" spcCol="1270" anchor="ctr" anchorCtr="0">
+          <a:noAutofit/>
+        </a:bodyPr>
+        <a:lstStyle/>
+        <a:p>
+          <a:pPr marL="0" lvl="0" indent="0" algn="ctr" defTabSz="533400">
+            <a:lnSpc>
+              <a:spcPct val="90000"/>
+            </a:lnSpc>
+            <a:spcBef>
+              <a:spcPct val="0"/>
+            </a:spcBef>
+            <a:spcAft>
+              <a:spcPct val="35000"/>
+            </a:spcAft>
+            <a:buNone/>
+          </a:pPr>
+          <a:r>
+            <a:rPr lang="de-DE" sz="1200" kern="1200" dirty="0"/>
+            <a:t>Components</a:t>
+          </a:r>
+        </a:p>
+      </dsp:txBody>
+      <dsp:txXfrm>
+        <a:off x="4461666" y="942989"/>
+        <a:ext cx="949804" cy="620336"/>
+      </dsp:txXfrm>
     </dsp:sp>
-    <dsp:sp modelId="{3212303E-2E2A-48D1-963F-A947659BDF3C}">
+    <dsp:sp modelId="{77247B8C-193F-484A-9C50-F6144B69E6D6}">
       <dsp:nvSpPr>
         <dsp:cNvPr id="0" name=""/>
         <dsp:cNvSpPr/>
       </dsp:nvSpPr>
       <dsp:spPr>
         <a:xfrm>
-          <a:off x="4864158" y="2500992"/>
-          <a:ext cx="787282" cy="273271"/>
+          <a:off x="3651642" y="1582626"/>
+          <a:ext cx="1284926" cy="263574"/>
         </a:xfrm>
         <a:custGeom>
           <a:avLst/>
@@ -23540,16 +23702,16 @@
           <a:pathLst>
             <a:path>
               <a:moveTo>
-                <a:pt x="787282" y="0"/>
+                <a:pt x="1284926" y="0"/>
               </a:moveTo>
               <a:lnTo>
-                <a:pt x="787282" y="136635"/>
+                <a:pt x="1284926" y="131787"/>
               </a:lnTo>
               <a:lnTo>
-                <a:pt x="0" y="136635"/>
+                <a:pt x="0" y="131787"/>
               </a:lnTo>
               <a:lnTo>
-                <a:pt x="0" y="273271"/>
+                <a:pt x="0" y="263574"/>
               </a:lnTo>
             </a:path>
           </a:pathLst>
@@ -23557,7 +23719,7 @@
         <a:noFill/>
         <a:ln w="12700" cap="flat" cmpd="sng" algn="ctr">
           <a:solidFill>
-            <a:schemeClr val="accent1">
+            <a:schemeClr val="dk1">
               <a:shade val="80000"/>
               <a:hueOff val="0"/>
               <a:satOff val="0"/>
@@ -23583,43 +23745,32 @@
         <a:fontRef idx="minor"/>
       </dsp:style>
     </dsp:sp>
-    <dsp:sp modelId="{3F6785EA-6670-487A-8E8C-4D713762CAC8}">
+    <dsp:sp modelId="{49D5B6DC-A7E8-4CF0-A361-8EB48FF52EE5}">
       <dsp:nvSpPr>
         <dsp:cNvPr id="0" name=""/>
         <dsp:cNvSpPr/>
       </dsp:nvSpPr>
       <dsp:spPr>
         <a:xfrm>
-          <a:off x="4864158" y="1577074"/>
-          <a:ext cx="787282" cy="273271"/>
+          <a:off x="3157439" y="1846200"/>
+          <a:ext cx="988404" cy="658936"/>
         </a:xfrm>
-        <a:custGeom>
-          <a:avLst/>
-          <a:gdLst/>
-          <a:ahLst/>
-          <a:cxnLst/>
-          <a:rect l="0" t="0" r="0" b="0"/>
-          <a:pathLst>
-            <a:path>
-              <a:moveTo>
-                <a:pt x="0" y="0"/>
-              </a:moveTo>
-              <a:lnTo>
-                <a:pt x="0" y="136635"/>
-              </a:lnTo>
-              <a:lnTo>
-                <a:pt x="787282" y="136635"/>
-              </a:lnTo>
-              <a:lnTo>
-                <a:pt x="787282" y="273271"/>
-              </a:lnTo>
-            </a:path>
-          </a:pathLst>
-        </a:custGeom>
-        <a:noFill/>
+        <a:prstGeom prst="roundRect">
+          <a:avLst>
+            <a:gd name="adj" fmla="val 10000"/>
+          </a:avLst>
+        </a:prstGeom>
+        <a:solidFill>
+          <a:schemeClr val="lt1">
+            <a:hueOff val="0"/>
+            <a:satOff val="0"/>
+            <a:lumOff val="0"/>
+            <a:alphaOff val="0"/>
+          </a:schemeClr>
+        </a:solidFill>
         <a:ln w="12700" cap="flat" cmpd="sng" algn="ctr">
           <a:solidFill>
-            <a:schemeClr val="accent1">
+            <a:schemeClr val="dk1">
               <a:shade val="80000"/>
               <a:hueOff val="0"/>
               <a:satOff val="0"/>
@@ -23636,24 +23787,54 @@
         <a:lnRef idx="2">
           <a:scrgbClr r="0" g="0" b="0"/>
         </a:lnRef>
-        <a:fillRef idx="0">
+        <a:fillRef idx="1">
           <a:scrgbClr r="0" g="0" b="0"/>
         </a:fillRef>
         <a:effectRef idx="0">
           <a:scrgbClr r="0" g="0" b="0"/>
         </a:effectRef>
-        <a:fontRef idx="minor"/>
+        <a:fontRef idx="minor">
+          <a:schemeClr val="lt1"/>
+        </a:fontRef>
       </dsp:style>
+      <dsp:txBody>
+        <a:bodyPr spcFirstLastPara="0" vert="horz" wrap="square" lIns="45720" tIns="45720" rIns="45720" bIns="45720" numCol="1" spcCol="1270" anchor="ctr" anchorCtr="0">
+          <a:noAutofit/>
+        </a:bodyPr>
+        <a:lstStyle/>
+        <a:p>
+          <a:pPr marL="0" lvl="0" indent="0" algn="ctr" defTabSz="533400">
+            <a:lnSpc>
+              <a:spcPct val="90000"/>
+            </a:lnSpc>
+            <a:spcBef>
+              <a:spcPct val="0"/>
+            </a:spcBef>
+            <a:spcAft>
+              <a:spcPct val="35000"/>
+            </a:spcAft>
+            <a:buNone/>
+          </a:pPr>
+          <a:r>
+            <a:rPr lang="de-DE" sz="1200" kern="1200" dirty="0"/>
+            <a:t>Tag</a:t>
+          </a:r>
+        </a:p>
+      </dsp:txBody>
+      <dsp:txXfrm>
+        <a:off x="3176739" y="1865500"/>
+        <a:ext cx="949804" cy="620336"/>
+      </dsp:txXfrm>
     </dsp:sp>
-    <dsp:sp modelId="{0B253D4B-281F-45B6-B5E4-C0071B81BAC8}">
+    <dsp:sp modelId="{8BE9DD71-CFF1-44DC-9DA7-B0907FE20530}">
       <dsp:nvSpPr>
         <dsp:cNvPr id="0" name=""/>
         <dsp:cNvSpPr/>
       </dsp:nvSpPr>
       <dsp:spPr>
         <a:xfrm>
-          <a:off x="4076876" y="1577074"/>
-          <a:ext cx="787282" cy="273271"/>
+          <a:off x="3009179" y="2505137"/>
+          <a:ext cx="642463" cy="263574"/>
         </a:xfrm>
         <a:custGeom>
           <a:avLst/>
@@ -23664,16 +23845,16 @@
           <a:pathLst>
             <a:path>
               <a:moveTo>
-                <a:pt x="787282" y="0"/>
+                <a:pt x="642463" y="0"/>
               </a:moveTo>
               <a:lnTo>
-                <a:pt x="787282" y="136635"/>
+                <a:pt x="642463" y="131787"/>
               </a:lnTo>
               <a:lnTo>
-                <a:pt x="0" y="136635"/>
+                <a:pt x="0" y="131787"/>
               </a:lnTo>
               <a:lnTo>
-                <a:pt x="0" y="273271"/>
+                <a:pt x="0" y="263574"/>
               </a:lnTo>
             </a:path>
           </a:pathLst>
@@ -23681,7 +23862,7 @@
         <a:noFill/>
         <a:ln w="12700" cap="flat" cmpd="sng" algn="ctr">
           <a:solidFill>
-            <a:schemeClr val="accent1">
+            <a:schemeClr val="dk1">
               <a:shade val="80000"/>
               <a:hueOff val="0"/>
               <a:satOff val="0"/>
@@ -23707,15 +23888,96 @@
         <a:fontRef idx="minor"/>
       </dsp:style>
     </dsp:sp>
-    <dsp:sp modelId="{9540B85E-A4EF-41D4-8E0E-3151A162E97D}">
+    <dsp:sp modelId="{301333E1-22FF-4D9A-B494-BD3BDE501598}">
       <dsp:nvSpPr>
         <dsp:cNvPr id="0" name=""/>
         <dsp:cNvSpPr/>
       </dsp:nvSpPr>
       <dsp:spPr>
         <a:xfrm>
-          <a:off x="4076876" y="653156"/>
-          <a:ext cx="787282" cy="273271"/>
+          <a:off x="2514976" y="2768711"/>
+          <a:ext cx="988404" cy="658936"/>
+        </a:xfrm>
+        <a:prstGeom prst="roundRect">
+          <a:avLst>
+            <a:gd name="adj" fmla="val 10000"/>
+          </a:avLst>
+        </a:prstGeom>
+        <a:solidFill>
+          <a:schemeClr val="lt1">
+            <a:hueOff val="0"/>
+            <a:satOff val="0"/>
+            <a:lumOff val="0"/>
+            <a:alphaOff val="0"/>
+          </a:schemeClr>
+        </a:solidFill>
+        <a:ln w="12700" cap="flat" cmpd="sng" algn="ctr">
+          <a:solidFill>
+            <a:schemeClr val="dk1">
+              <a:shade val="80000"/>
+              <a:hueOff val="0"/>
+              <a:satOff val="0"/>
+              <a:lumOff val="0"/>
+              <a:alphaOff val="0"/>
+            </a:schemeClr>
+          </a:solidFill>
+          <a:prstDash val="solid"/>
+          <a:miter lim="800000"/>
+        </a:ln>
+        <a:effectLst/>
+      </dsp:spPr>
+      <dsp:style>
+        <a:lnRef idx="2">
+          <a:scrgbClr r="0" g="0" b="0"/>
+        </a:lnRef>
+        <a:fillRef idx="1">
+          <a:scrgbClr r="0" g="0" b="0"/>
+        </a:fillRef>
+        <a:effectRef idx="0">
+          <a:scrgbClr r="0" g="0" b="0"/>
+        </a:effectRef>
+        <a:fontRef idx="minor">
+          <a:schemeClr val="lt1"/>
+        </a:fontRef>
+      </dsp:style>
+      <dsp:txBody>
+        <a:bodyPr spcFirstLastPara="0" vert="horz" wrap="square" lIns="45720" tIns="45720" rIns="45720" bIns="45720" numCol="1" spcCol="1270" anchor="ctr" anchorCtr="0">
+          <a:noAutofit/>
+        </a:bodyPr>
+        <a:lstStyle/>
+        <a:p>
+          <a:pPr marL="0" lvl="0" indent="0" algn="ctr" defTabSz="533400">
+            <a:lnSpc>
+              <a:spcPct val="90000"/>
+            </a:lnSpc>
+            <a:spcBef>
+              <a:spcPct val="0"/>
+            </a:spcBef>
+            <a:spcAft>
+              <a:spcPct val="35000"/>
+            </a:spcAft>
+            <a:buNone/>
+          </a:pPr>
+          <a:r>
+            <a:rPr lang="de-DE" sz="1200" kern="1200" dirty="0"/>
+            <a:t>Reference</a:t>
+          </a:r>
+        </a:p>
+      </dsp:txBody>
+      <dsp:txXfrm>
+        <a:off x="2534276" y="2788011"/>
+        <a:ext cx="949804" cy="620336"/>
+      </dsp:txXfrm>
+    </dsp:sp>
+    <dsp:sp modelId="{4D1DCB21-D674-4BC0-9B75-E7E0FAFD2ED2}">
+      <dsp:nvSpPr>
+        <dsp:cNvPr id="0" name=""/>
+        <dsp:cNvSpPr/>
+      </dsp:nvSpPr>
+      <dsp:spPr>
+        <a:xfrm>
+          <a:off x="3651642" y="2505137"/>
+          <a:ext cx="642463" cy="263574"/>
         </a:xfrm>
         <a:custGeom>
           <a:avLst/>
@@ -23729,13 +23991,13 @@
                 <a:pt x="0" y="0"/>
               </a:moveTo>
               <a:lnTo>
-                <a:pt x="0" y="136635"/>
+                <a:pt x="0" y="131787"/>
               </a:lnTo>
               <a:lnTo>
-                <a:pt x="787282" y="136635"/>
+                <a:pt x="642463" y="131787"/>
               </a:lnTo>
               <a:lnTo>
-                <a:pt x="787282" y="273271"/>
+                <a:pt x="642463" y="263574"/>
               </a:lnTo>
             </a:path>
           </a:pathLst>
@@ -23743,8 +24005,8 @@
         <a:noFill/>
         <a:ln w="12700" cap="flat" cmpd="sng" algn="ctr">
           <a:solidFill>
-            <a:schemeClr val="accent1">
-              <a:shade val="60000"/>
+            <a:schemeClr val="dk1">
+              <a:shade val="80000"/>
               <a:hueOff val="0"/>
               <a:satOff val="0"/>
               <a:lumOff val="0"/>
@@ -23769,44 +24031,33 @@
         <a:fontRef idx="minor"/>
       </dsp:style>
     </dsp:sp>
-    <dsp:sp modelId="{30120DA4-BBF0-4F1F-B7A9-5488743B14C3}">
+    <dsp:sp modelId="{14CE2F77-49F4-4DE3-8D51-CDAF84551E61}">
       <dsp:nvSpPr>
         <dsp:cNvPr id="0" name=""/>
         <dsp:cNvSpPr/>
       </dsp:nvSpPr>
       <dsp:spPr>
         <a:xfrm>
-          <a:off x="3289594" y="653156"/>
-          <a:ext cx="787282" cy="273271"/>
+          <a:off x="3799902" y="2768711"/>
+          <a:ext cx="988404" cy="658936"/>
         </a:xfrm>
-        <a:custGeom>
-          <a:avLst/>
-          <a:gdLst/>
-          <a:ahLst/>
-          <a:cxnLst/>
-          <a:rect l="0" t="0" r="0" b="0"/>
-          <a:pathLst>
-            <a:path>
-              <a:moveTo>
-                <a:pt x="787282" y="0"/>
-              </a:moveTo>
-              <a:lnTo>
-                <a:pt x="787282" y="136635"/>
-              </a:lnTo>
-              <a:lnTo>
-                <a:pt x="0" y="136635"/>
-              </a:lnTo>
-              <a:lnTo>
-                <a:pt x="0" y="273271"/>
-              </a:lnTo>
-            </a:path>
-          </a:pathLst>
-        </a:custGeom>
-        <a:noFill/>
+        <a:prstGeom prst="roundRect">
+          <a:avLst>
+            <a:gd name="adj" fmla="val 10000"/>
+          </a:avLst>
+        </a:prstGeom>
+        <a:solidFill>
+          <a:schemeClr val="lt1">
+            <a:hueOff val="0"/>
+            <a:satOff val="0"/>
+            <a:lumOff val="0"/>
+            <a:alphaOff val="0"/>
+          </a:schemeClr>
+        </a:solidFill>
         <a:ln w="12700" cap="flat" cmpd="sng" algn="ctr">
           <a:solidFill>
-            <a:schemeClr val="accent1">
-              <a:shade val="60000"/>
+            <a:schemeClr val="dk1">
+              <a:shade val="80000"/>
               <a:hueOff val="0"/>
               <a:satOff val="0"/>
               <a:lumOff val="0"/>
@@ -23822,39 +24073,84 @@
         <a:lnRef idx="2">
           <a:scrgbClr r="0" g="0" b="0"/>
         </a:lnRef>
-        <a:fillRef idx="0">
+        <a:fillRef idx="1">
           <a:scrgbClr r="0" g="0" b="0"/>
         </a:fillRef>
         <a:effectRef idx="0">
           <a:scrgbClr r="0" g="0" b="0"/>
         </a:effectRef>
-        <a:fontRef idx="minor"/>
+        <a:fontRef idx="minor">
+          <a:schemeClr val="lt1"/>
+        </a:fontRef>
       </dsp:style>
+      <dsp:txBody>
+        <a:bodyPr spcFirstLastPara="0" vert="horz" wrap="square" lIns="45720" tIns="45720" rIns="45720" bIns="45720" numCol="1" spcCol="1270" anchor="ctr" anchorCtr="0">
+          <a:noAutofit/>
+        </a:bodyPr>
+        <a:lstStyle/>
+        <a:p>
+          <a:pPr marL="0" lvl="0" indent="0" algn="ctr" defTabSz="533400">
+            <a:lnSpc>
+              <a:spcPct val="90000"/>
+            </a:lnSpc>
+            <a:spcBef>
+              <a:spcPct val="0"/>
+            </a:spcBef>
+            <a:spcAft>
+              <a:spcPct val="35000"/>
+            </a:spcAft>
+            <a:buNone/>
+          </a:pPr>
+          <a:r>
+            <a:rPr lang="de-DE" sz="1200" kern="1200" dirty="0" err="1"/>
+            <a:t>Function</a:t>
+          </a:r>
+          <a:endParaRPr lang="de-DE" sz="1200" kern="1200" dirty="0"/>
+        </a:p>
+      </dsp:txBody>
+      <dsp:txXfrm>
+        <a:off x="3819202" y="2788011"/>
+        <a:ext cx="949804" cy="620336"/>
+      </dsp:txXfrm>
     </dsp:sp>
-    <dsp:sp modelId="{38C73456-D67D-4C4E-8D72-EC034ED8F7F8}">
+    <dsp:sp modelId="{218FDDD4-1E68-4754-86AD-5CFD7F43C0C6}">
       <dsp:nvSpPr>
         <dsp:cNvPr id="0" name=""/>
         <dsp:cNvSpPr/>
       </dsp:nvSpPr>
       <dsp:spPr>
         <a:xfrm>
-          <a:off x="3426230" y="2510"/>
-          <a:ext cx="1301292" cy="650646"/>
+          <a:off x="4936568" y="1582626"/>
+          <a:ext cx="1284926" cy="263574"/>
         </a:xfrm>
-        <a:prstGeom prst="rect">
+        <a:custGeom>
           <a:avLst/>
-        </a:prstGeom>
-        <a:solidFill>
-          <a:schemeClr val="accent1">
-            <a:hueOff val="0"/>
-            <a:satOff val="0"/>
-            <a:lumOff val="0"/>
-            <a:alphaOff val="0"/>
-          </a:schemeClr>
-        </a:solidFill>
+          <a:gdLst/>
+          <a:ahLst/>
+          <a:cxnLst/>
+          <a:rect l="0" t="0" r="0" b="0"/>
+          <a:pathLst>
+            <a:path>
+              <a:moveTo>
+                <a:pt x="0" y="0"/>
+              </a:moveTo>
+              <a:lnTo>
+                <a:pt x="0" y="131787"/>
+              </a:lnTo>
+              <a:lnTo>
+                <a:pt x="1284926" y="131787"/>
+              </a:lnTo>
+              <a:lnTo>
+                <a:pt x="1284926" y="263574"/>
+              </a:lnTo>
+            </a:path>
+          </a:pathLst>
+        </a:custGeom>
+        <a:noFill/>
         <a:ln w="12700" cap="flat" cmpd="sng" algn="ctr">
           <a:solidFill>
-            <a:schemeClr val="lt1">
+            <a:schemeClr val="dk1">
+              <a:shade val="80000"/>
               <a:hueOff val="0"/>
               <a:satOff val="0"/>
               <a:lumOff val="0"/>
@@ -23870,60 +24166,32 @@
         <a:lnRef idx="2">
           <a:scrgbClr r="0" g="0" b="0"/>
         </a:lnRef>
-        <a:fillRef idx="1">
+        <a:fillRef idx="0">
           <a:scrgbClr r="0" g="0" b="0"/>
         </a:fillRef>
         <a:effectRef idx="0">
           <a:scrgbClr r="0" g="0" b="0"/>
         </a:effectRef>
-        <a:fontRef idx="minor">
-          <a:schemeClr val="lt1"/>
-        </a:fontRef>
+        <a:fontRef idx="minor"/>
       </dsp:style>
-      <dsp:txBody>
-        <a:bodyPr spcFirstLastPara="0" vert="horz" wrap="square" lIns="12065" tIns="12065" rIns="12065" bIns="12065" numCol="1" spcCol="1270" anchor="ctr" anchorCtr="0">
-          <a:noAutofit/>
-        </a:bodyPr>
-        <a:lstStyle/>
-        <a:p>
-          <a:pPr marL="0" lvl="0" indent="0" algn="ctr" defTabSz="844550">
-            <a:lnSpc>
-              <a:spcPct val="90000"/>
-            </a:lnSpc>
-            <a:spcBef>
-              <a:spcPct val="0"/>
-            </a:spcBef>
-            <a:spcAft>
-              <a:spcPct val="35000"/>
-            </a:spcAft>
-            <a:buNone/>
-          </a:pPr>
-          <a:r>
-            <a:rPr lang="de-DE" sz="1900" kern="1200" dirty="0"/>
-            <a:t>Element</a:t>
-          </a:r>
-        </a:p>
-      </dsp:txBody>
-      <dsp:txXfrm>
-        <a:off x="3426230" y="2510"/>
-        <a:ext cx="1301292" cy="650646"/>
-      </dsp:txXfrm>
     </dsp:sp>
-    <dsp:sp modelId="{D4FD80F1-0115-4C60-A916-AD38FC20BF74}">
+    <dsp:sp modelId="{4311A214-8010-41A8-A2AC-1F575E448A95}">
       <dsp:nvSpPr>
         <dsp:cNvPr id="0" name=""/>
         <dsp:cNvSpPr/>
       </dsp:nvSpPr>
       <dsp:spPr>
         <a:xfrm>
-          <a:off x="2638948" y="926428"/>
-          <a:ext cx="1301292" cy="650646"/>
+          <a:off x="5727292" y="1846200"/>
+          <a:ext cx="988404" cy="658936"/>
         </a:xfrm>
-        <a:prstGeom prst="rect">
-          <a:avLst/>
+        <a:prstGeom prst="roundRect">
+          <a:avLst>
+            <a:gd name="adj" fmla="val 10000"/>
+          </a:avLst>
         </a:prstGeom>
         <a:solidFill>
-          <a:schemeClr val="accent1">
+          <a:schemeClr val="lt1">
             <a:hueOff val="0"/>
             <a:satOff val="0"/>
             <a:lumOff val="0"/>
@@ -23932,7 +24200,8 @@
         </a:solidFill>
         <a:ln w="12700" cap="flat" cmpd="sng" algn="ctr">
           <a:solidFill>
-            <a:schemeClr val="lt1">
+            <a:schemeClr val="dk1">
+              <a:shade val="80000"/>
               <a:hueOff val="0"/>
               <a:satOff val="0"/>
               <a:lumOff val="0"/>
@@ -23959,12 +24228,12 @@
         </a:fontRef>
       </dsp:style>
       <dsp:txBody>
-        <a:bodyPr spcFirstLastPara="0" vert="horz" wrap="square" lIns="12065" tIns="12065" rIns="12065" bIns="12065" numCol="1" spcCol="1270" anchor="ctr" anchorCtr="0">
+        <a:bodyPr spcFirstLastPara="0" vert="horz" wrap="square" lIns="45720" tIns="45720" rIns="45720" bIns="45720" numCol="1" spcCol="1270" anchor="ctr" anchorCtr="0">
           <a:noAutofit/>
         </a:bodyPr>
         <a:lstStyle/>
         <a:p>
-          <a:pPr marL="0" lvl="0" indent="0" algn="ctr" defTabSz="844550">
+          <a:pPr marL="0" lvl="0" indent="0" algn="ctr" defTabSz="533400">
             <a:lnSpc>
               <a:spcPct val="90000"/>
             </a:lnSpc>
@@ -23977,41 +24246,55 @@
             <a:buNone/>
           </a:pPr>
           <a:r>
-            <a:rPr lang="de-DE" sz="1900" kern="1200" dirty="0" err="1"/>
-            <a:t>Function</a:t>
-          </a:r>
-          <a:endParaRPr lang="de-DE" sz="1900" kern="1200" dirty="0"/>
+            <a:rPr lang="de-DE" sz="1200" kern="1200" dirty="0" err="1"/>
+            <a:t>Component</a:t>
+          </a:r>
+          <a:endParaRPr lang="de-DE" sz="1200" kern="1200" dirty="0"/>
         </a:p>
       </dsp:txBody>
       <dsp:txXfrm>
-        <a:off x="2638948" y="926428"/>
-        <a:ext cx="1301292" cy="650646"/>
+        <a:off x="5746592" y="1865500"/>
+        <a:ext cx="949804" cy="620336"/>
       </dsp:txXfrm>
     </dsp:sp>
-    <dsp:sp modelId="{23B824FD-3512-4FF6-8321-6B2E024B3CB3}">
+    <dsp:sp modelId="{FEC44A9A-21C9-4606-8051-78C812299206}">
       <dsp:nvSpPr>
         <dsp:cNvPr id="0" name=""/>
         <dsp:cNvSpPr/>
       </dsp:nvSpPr>
       <dsp:spPr>
         <a:xfrm>
-          <a:off x="4213512" y="926428"/>
-          <a:ext cx="1301292" cy="650646"/>
+          <a:off x="5579031" y="2505137"/>
+          <a:ext cx="642463" cy="263574"/>
         </a:xfrm>
-        <a:prstGeom prst="rect">
+        <a:custGeom>
           <a:avLst/>
-        </a:prstGeom>
-        <a:solidFill>
-          <a:schemeClr val="accent1">
-            <a:hueOff val="0"/>
-            <a:satOff val="0"/>
-            <a:lumOff val="0"/>
-            <a:alphaOff val="0"/>
-          </a:schemeClr>
-        </a:solidFill>
+          <a:gdLst/>
+          <a:ahLst/>
+          <a:cxnLst/>
+          <a:rect l="0" t="0" r="0" b="0"/>
+          <a:pathLst>
+            <a:path>
+              <a:moveTo>
+                <a:pt x="642463" y="0"/>
+              </a:moveTo>
+              <a:lnTo>
+                <a:pt x="642463" y="131787"/>
+              </a:lnTo>
+              <a:lnTo>
+                <a:pt x="0" y="131787"/>
+              </a:lnTo>
+              <a:lnTo>
+                <a:pt x="0" y="263574"/>
+              </a:lnTo>
+            </a:path>
+          </a:pathLst>
+        </a:custGeom>
+        <a:noFill/>
         <a:ln w="12700" cap="flat" cmpd="sng" algn="ctr">
           <a:solidFill>
-            <a:schemeClr val="lt1">
+            <a:schemeClr val="dk1">
+              <a:shade val="80000"/>
               <a:hueOff val="0"/>
               <a:satOff val="0"/>
               <a:lumOff val="0"/>
@@ -24027,60 +24310,32 @@
         <a:lnRef idx="2">
           <a:scrgbClr r="0" g="0" b="0"/>
         </a:lnRef>
-        <a:fillRef idx="1">
+        <a:fillRef idx="0">
           <a:scrgbClr r="0" g="0" b="0"/>
         </a:fillRef>
         <a:effectRef idx="0">
           <a:scrgbClr r="0" g="0" b="0"/>
         </a:effectRef>
-        <a:fontRef idx="minor">
-          <a:schemeClr val="lt1"/>
-        </a:fontRef>
+        <a:fontRef idx="minor"/>
       </dsp:style>
-      <dsp:txBody>
-        <a:bodyPr spcFirstLastPara="0" vert="horz" wrap="square" lIns="12065" tIns="12065" rIns="12065" bIns="12065" numCol="1" spcCol="1270" anchor="ctr" anchorCtr="0">
-          <a:noAutofit/>
-        </a:bodyPr>
-        <a:lstStyle/>
-        <a:p>
-          <a:pPr marL="0" lvl="0" indent="0" algn="ctr" defTabSz="844550">
-            <a:lnSpc>
-              <a:spcPct val="90000"/>
-            </a:lnSpc>
-            <a:spcBef>
-              <a:spcPct val="0"/>
-            </a:spcBef>
-            <a:spcAft>
-              <a:spcPct val="35000"/>
-            </a:spcAft>
-            <a:buNone/>
-          </a:pPr>
-          <a:r>
-            <a:rPr lang="de-DE" sz="1900" kern="1200" dirty="0"/>
-            <a:t>Components</a:t>
-          </a:r>
-        </a:p>
-      </dsp:txBody>
-      <dsp:txXfrm>
-        <a:off x="4213512" y="926428"/>
-        <a:ext cx="1301292" cy="650646"/>
-      </dsp:txXfrm>
     </dsp:sp>
-    <dsp:sp modelId="{E2FF1EBB-5738-4C02-B319-CEFB56BD75EF}">
+    <dsp:sp modelId="{1550904D-9E76-4B81-B1F5-A9E14E2B453C}">
       <dsp:nvSpPr>
         <dsp:cNvPr id="0" name=""/>
         <dsp:cNvSpPr/>
       </dsp:nvSpPr>
       <dsp:spPr>
         <a:xfrm>
-          <a:off x="3426230" y="1850345"/>
-          <a:ext cx="1301292" cy="650646"/>
+          <a:off x="5084829" y="2768711"/>
+          <a:ext cx="988404" cy="658936"/>
         </a:xfrm>
-        <a:prstGeom prst="rect">
-          <a:avLst/>
+        <a:prstGeom prst="roundRect">
+          <a:avLst>
+            <a:gd name="adj" fmla="val 10000"/>
+          </a:avLst>
         </a:prstGeom>
         <a:solidFill>
-          <a:schemeClr val="accent1">
+          <a:schemeClr val="lt1">
             <a:hueOff val="0"/>
             <a:satOff val="0"/>
             <a:lumOff val="0"/>
@@ -24089,7 +24344,8 @@
         </a:solidFill>
         <a:ln w="12700" cap="flat" cmpd="sng" algn="ctr">
           <a:solidFill>
-            <a:schemeClr val="lt1">
+            <a:schemeClr val="dk1">
+              <a:shade val="80000"/>
               <a:hueOff val="0"/>
               <a:satOff val="0"/>
               <a:lumOff val="0"/>
@@ -24116,12 +24372,12 @@
         </a:fontRef>
       </dsp:style>
       <dsp:txBody>
-        <a:bodyPr spcFirstLastPara="0" vert="horz" wrap="square" lIns="12065" tIns="12065" rIns="12065" bIns="12065" numCol="1" spcCol="1270" anchor="ctr" anchorCtr="0">
+        <a:bodyPr spcFirstLastPara="0" vert="horz" wrap="square" lIns="45720" tIns="45720" rIns="45720" bIns="45720" numCol="1" spcCol="1270" anchor="ctr" anchorCtr="0">
           <a:noAutofit/>
         </a:bodyPr>
         <a:lstStyle/>
         <a:p>
-          <a:pPr marL="0" lvl="0" indent="0" algn="ctr" defTabSz="844550">
+          <a:pPr marL="0" lvl="0" indent="0" algn="ctr" defTabSz="533400">
             <a:lnSpc>
               <a:spcPct val="90000"/>
             </a:lnSpc>
@@ -24134,44 +24390,55 @@
             <a:buNone/>
           </a:pPr>
           <a:r>
-            <a:rPr lang="de-DE" sz="1900" kern="1200" dirty="0" err="1"/>
-            <a:t>Component</a:t>
-          </a:r>
-          <a:r>
-            <a:rPr lang="de-DE" sz="1900" kern="1200" dirty="0"/>
-            <a:t> 1 (Tag)</a:t>
-          </a:r>
+            <a:rPr lang="de-DE" sz="1200" kern="1200" dirty="0" err="1"/>
+            <a:t>Function</a:t>
+          </a:r>
+          <a:endParaRPr lang="de-DE" sz="1200" kern="1200" dirty="0"/>
         </a:p>
       </dsp:txBody>
       <dsp:txXfrm>
-        <a:off x="3426230" y="1850345"/>
-        <a:ext cx="1301292" cy="650646"/>
+        <a:off x="5104129" y="2788011"/>
+        <a:ext cx="949804" cy="620336"/>
       </dsp:txXfrm>
     </dsp:sp>
-    <dsp:sp modelId="{5F907C20-201E-4433-A68D-28B8EE613CE7}">
+    <dsp:sp modelId="{6F91ACC4-26DE-449A-AFEC-5682DA880D48}">
       <dsp:nvSpPr>
         <dsp:cNvPr id="0" name=""/>
         <dsp:cNvSpPr/>
       </dsp:nvSpPr>
       <dsp:spPr>
         <a:xfrm>
-          <a:off x="5000794" y="1850345"/>
-          <a:ext cx="1301292" cy="650646"/>
+          <a:off x="6221494" y="2505137"/>
+          <a:ext cx="642463" cy="263574"/>
         </a:xfrm>
-        <a:prstGeom prst="rect">
+        <a:custGeom>
           <a:avLst/>
-        </a:prstGeom>
-        <a:solidFill>
-          <a:schemeClr val="accent1">
-            <a:hueOff val="0"/>
-            <a:satOff val="0"/>
-            <a:lumOff val="0"/>
-            <a:alphaOff val="0"/>
-          </a:schemeClr>
-        </a:solidFill>
+          <a:gdLst/>
+          <a:ahLst/>
+          <a:cxnLst/>
+          <a:rect l="0" t="0" r="0" b="0"/>
+          <a:pathLst>
+            <a:path>
+              <a:moveTo>
+                <a:pt x="0" y="0"/>
+              </a:moveTo>
+              <a:lnTo>
+                <a:pt x="0" y="131787"/>
+              </a:lnTo>
+              <a:lnTo>
+                <a:pt x="642463" y="131787"/>
+              </a:lnTo>
+              <a:lnTo>
+                <a:pt x="642463" y="263574"/>
+              </a:lnTo>
+            </a:path>
+          </a:pathLst>
+        </a:custGeom>
+        <a:noFill/>
         <a:ln w="12700" cap="flat" cmpd="sng" algn="ctr">
           <a:solidFill>
-            <a:schemeClr val="lt1">
+            <a:schemeClr val="dk1">
+              <a:shade val="80000"/>
               <a:hueOff val="0"/>
               <a:satOff val="0"/>
               <a:lumOff val="0"/>
@@ -24187,64 +24454,32 @@
         <a:lnRef idx="2">
           <a:scrgbClr r="0" g="0" b="0"/>
         </a:lnRef>
-        <a:fillRef idx="1">
+        <a:fillRef idx="0">
           <a:scrgbClr r="0" g="0" b="0"/>
         </a:fillRef>
         <a:effectRef idx="0">
           <a:scrgbClr r="0" g="0" b="0"/>
         </a:effectRef>
-        <a:fontRef idx="minor">
-          <a:schemeClr val="lt1"/>
-        </a:fontRef>
+        <a:fontRef idx="minor"/>
       </dsp:style>
-      <dsp:txBody>
-        <a:bodyPr spcFirstLastPara="0" vert="horz" wrap="square" lIns="12065" tIns="12065" rIns="12065" bIns="12065" numCol="1" spcCol="1270" anchor="ctr" anchorCtr="0">
-          <a:noAutofit/>
-        </a:bodyPr>
-        <a:lstStyle/>
-        <a:p>
-          <a:pPr marL="0" lvl="0" indent="0" algn="ctr" defTabSz="844550">
-            <a:lnSpc>
-              <a:spcPct val="90000"/>
-            </a:lnSpc>
-            <a:spcBef>
-              <a:spcPct val="0"/>
-            </a:spcBef>
-            <a:spcAft>
-              <a:spcPct val="35000"/>
-            </a:spcAft>
-            <a:buNone/>
-          </a:pPr>
-          <a:r>
-            <a:rPr lang="de-DE" sz="1900" kern="1200" dirty="0" err="1"/>
-            <a:t>Component</a:t>
-          </a:r>
-          <a:r>
-            <a:rPr lang="de-DE" sz="1900" kern="1200" dirty="0"/>
-            <a:t> 2</a:t>
-          </a:r>
-        </a:p>
-      </dsp:txBody>
-      <dsp:txXfrm>
-        <a:off x="5000794" y="1850345"/>
-        <a:ext cx="1301292" cy="650646"/>
-      </dsp:txXfrm>
     </dsp:sp>
-    <dsp:sp modelId="{4B15C515-2A82-449C-B2D0-D5D12BE85F52}">
+    <dsp:sp modelId="{144127C2-2487-4A15-8713-339DCE036467}">
       <dsp:nvSpPr>
         <dsp:cNvPr id="0" name=""/>
         <dsp:cNvSpPr/>
       </dsp:nvSpPr>
       <dsp:spPr>
         <a:xfrm>
-          <a:off x="4213512" y="2774263"/>
-          <a:ext cx="1301292" cy="650646"/>
+          <a:off x="6369755" y="2768711"/>
+          <a:ext cx="988404" cy="658936"/>
         </a:xfrm>
-        <a:prstGeom prst="rect">
-          <a:avLst/>
+        <a:prstGeom prst="roundRect">
+          <a:avLst>
+            <a:gd name="adj" fmla="val 10000"/>
+          </a:avLst>
         </a:prstGeom>
         <a:solidFill>
-          <a:schemeClr val="accent1">
+          <a:schemeClr val="lt1">
             <a:hueOff val="0"/>
             <a:satOff val="0"/>
             <a:lumOff val="0"/>
@@ -24253,7 +24488,8 @@
         </a:solidFill>
         <a:ln w="12700" cap="flat" cmpd="sng" algn="ctr">
           <a:solidFill>
-            <a:schemeClr val="lt1">
+            <a:schemeClr val="dk1">
+              <a:shade val="80000"/>
               <a:hueOff val="0"/>
               <a:satOff val="0"/>
               <a:lumOff val="0"/>
@@ -24280,12 +24516,12 @@
         </a:fontRef>
       </dsp:style>
       <dsp:txBody>
-        <a:bodyPr spcFirstLastPara="0" vert="horz" wrap="square" lIns="12065" tIns="12065" rIns="12065" bIns="12065" numCol="1" spcCol="1270" anchor="ctr" anchorCtr="0">
+        <a:bodyPr spcFirstLastPara="0" vert="horz" wrap="square" lIns="45720" tIns="45720" rIns="45720" bIns="45720" numCol="1" spcCol="1270" anchor="ctr" anchorCtr="0">
           <a:noAutofit/>
         </a:bodyPr>
         <a:lstStyle/>
         <a:p>
-          <a:pPr marL="0" lvl="0" indent="0" algn="ctr" defTabSz="844550">
+          <a:pPr marL="0" lvl="0" indent="0" algn="ctr" defTabSz="533400">
             <a:lnSpc>
               <a:spcPct val="90000"/>
             </a:lnSpc>
@@ -24298,41 +24534,54 @@
             <a:buNone/>
           </a:pPr>
           <a:r>
-            <a:rPr lang="de-DE" sz="1900" kern="1200" dirty="0" err="1"/>
-            <a:t>Function</a:t>
-          </a:r>
-          <a:endParaRPr lang="de-DE" sz="1900" kern="1200" dirty="0"/>
+            <a:rPr lang="de-DE" sz="1200" kern="1200" dirty="0"/>
+            <a:t>Components</a:t>
+          </a:r>
         </a:p>
       </dsp:txBody>
       <dsp:txXfrm>
-        <a:off x="4213512" y="2774263"/>
-        <a:ext cx="1301292" cy="650646"/>
+        <a:off x="6389055" y="2788011"/>
+        <a:ext cx="949804" cy="620336"/>
       </dsp:txXfrm>
     </dsp:sp>
-    <dsp:sp modelId="{54990C5F-01B5-4079-99FE-B730F47A1E10}">
+    <dsp:sp modelId="{563A516D-AEF8-4506-9C6E-50A5505BE890}">
       <dsp:nvSpPr>
         <dsp:cNvPr id="0" name=""/>
         <dsp:cNvSpPr/>
       </dsp:nvSpPr>
       <dsp:spPr>
         <a:xfrm>
-          <a:off x="5788076" y="2774263"/>
-          <a:ext cx="1301292" cy="650646"/>
+          <a:off x="6221494" y="3427648"/>
+          <a:ext cx="642463" cy="263574"/>
         </a:xfrm>
-        <a:prstGeom prst="rect">
+        <a:custGeom>
           <a:avLst/>
-        </a:prstGeom>
-        <a:solidFill>
-          <a:schemeClr val="accent1">
-            <a:hueOff val="0"/>
-            <a:satOff val="0"/>
-            <a:lumOff val="0"/>
-            <a:alphaOff val="0"/>
-          </a:schemeClr>
-        </a:solidFill>
+          <a:gdLst/>
+          <a:ahLst/>
+          <a:cxnLst/>
+          <a:rect l="0" t="0" r="0" b="0"/>
+          <a:pathLst>
+            <a:path>
+              <a:moveTo>
+                <a:pt x="642463" y="0"/>
+              </a:moveTo>
+              <a:lnTo>
+                <a:pt x="642463" y="131787"/>
+              </a:lnTo>
+              <a:lnTo>
+                <a:pt x="0" y="131787"/>
+              </a:lnTo>
+              <a:lnTo>
+                <a:pt x="0" y="263574"/>
+              </a:lnTo>
+            </a:path>
+          </a:pathLst>
+        </a:custGeom>
+        <a:noFill/>
         <a:ln w="12700" cap="flat" cmpd="sng" algn="ctr">
           <a:solidFill>
-            <a:schemeClr val="lt1">
+            <a:schemeClr val="dk1">
+              <a:shade val="80000"/>
               <a:hueOff val="0"/>
               <a:satOff val="0"/>
               <a:lumOff val="0"/>
@@ -24348,60 +24597,32 @@
         <a:lnRef idx="2">
           <a:scrgbClr r="0" g="0" b="0"/>
         </a:lnRef>
-        <a:fillRef idx="1">
+        <a:fillRef idx="0">
           <a:scrgbClr r="0" g="0" b="0"/>
         </a:fillRef>
         <a:effectRef idx="0">
           <a:scrgbClr r="0" g="0" b="0"/>
         </a:effectRef>
-        <a:fontRef idx="minor">
-          <a:schemeClr val="lt1"/>
-        </a:fontRef>
+        <a:fontRef idx="minor"/>
       </dsp:style>
-      <dsp:txBody>
-        <a:bodyPr spcFirstLastPara="0" vert="horz" wrap="square" lIns="12065" tIns="12065" rIns="12065" bIns="12065" numCol="1" spcCol="1270" anchor="ctr" anchorCtr="0">
-          <a:noAutofit/>
-        </a:bodyPr>
-        <a:lstStyle/>
-        <a:p>
-          <a:pPr marL="0" lvl="0" indent="0" algn="ctr" defTabSz="844550">
-            <a:lnSpc>
-              <a:spcPct val="90000"/>
-            </a:lnSpc>
-            <a:spcBef>
-              <a:spcPct val="0"/>
-            </a:spcBef>
-            <a:spcAft>
-              <a:spcPct val="35000"/>
-            </a:spcAft>
-            <a:buNone/>
-          </a:pPr>
-          <a:r>
-            <a:rPr lang="de-DE" sz="1900" kern="1200" dirty="0"/>
-            <a:t>Components</a:t>
-          </a:r>
-        </a:p>
-      </dsp:txBody>
-      <dsp:txXfrm>
-        <a:off x="5788076" y="2774263"/>
-        <a:ext cx="1301292" cy="650646"/>
-      </dsp:txXfrm>
     </dsp:sp>
-    <dsp:sp modelId="{AC870754-F1E5-401B-86E5-52B2054C0277}">
+    <dsp:sp modelId="{ABD5F001-92E7-4072-85AC-07E59887CB15}">
       <dsp:nvSpPr>
         <dsp:cNvPr id="0" name=""/>
         <dsp:cNvSpPr/>
       </dsp:nvSpPr>
       <dsp:spPr>
         <a:xfrm>
-          <a:off x="5000794" y="3698181"/>
-          <a:ext cx="1301292" cy="650646"/>
+          <a:off x="5727292" y="3691223"/>
+          <a:ext cx="988404" cy="658936"/>
         </a:xfrm>
-        <a:prstGeom prst="rect">
-          <a:avLst/>
+        <a:prstGeom prst="roundRect">
+          <a:avLst>
+            <a:gd name="adj" fmla="val 10000"/>
+          </a:avLst>
         </a:prstGeom>
         <a:solidFill>
-          <a:schemeClr val="accent1">
+          <a:schemeClr val="lt1">
             <a:hueOff val="0"/>
             <a:satOff val="0"/>
             <a:lumOff val="0"/>
@@ -24410,7 +24631,8 @@
         </a:solidFill>
         <a:ln w="12700" cap="flat" cmpd="sng" algn="ctr">
           <a:solidFill>
-            <a:schemeClr val="lt1">
+            <a:schemeClr val="dk1">
+              <a:shade val="80000"/>
               <a:hueOff val="0"/>
               <a:satOff val="0"/>
               <a:lumOff val="0"/>
@@ -24437,12 +24659,12 @@
         </a:fontRef>
       </dsp:style>
       <dsp:txBody>
-        <a:bodyPr spcFirstLastPara="0" vert="horz" wrap="square" lIns="12065" tIns="12065" rIns="12065" bIns="12065" numCol="1" spcCol="1270" anchor="ctr" anchorCtr="0">
+        <a:bodyPr spcFirstLastPara="0" vert="horz" wrap="square" lIns="45720" tIns="45720" rIns="45720" bIns="45720" numCol="1" spcCol="1270" anchor="ctr" anchorCtr="0">
           <a:noAutofit/>
         </a:bodyPr>
         <a:lstStyle/>
         <a:p>
-          <a:pPr marL="0" lvl="0" indent="0" algn="ctr" defTabSz="844550">
+          <a:pPr marL="0" lvl="0" indent="0" algn="ctr" defTabSz="533400">
             <a:lnSpc>
               <a:spcPct val="90000"/>
             </a:lnSpc>
@@ -24455,40 +24677,54 @@
             <a:buNone/>
           </a:pPr>
           <a:r>
-            <a:rPr lang="de-DE" sz="1900" kern="1200" dirty="0"/>
+            <a:rPr lang="de-DE" sz="1200" kern="1200" dirty="0"/>
             <a:t>Tag 1</a:t>
           </a:r>
         </a:p>
       </dsp:txBody>
       <dsp:txXfrm>
-        <a:off x="5000794" y="3698181"/>
-        <a:ext cx="1301292" cy="650646"/>
+        <a:off x="5746592" y="3710523"/>
+        <a:ext cx="949804" cy="620336"/>
       </dsp:txXfrm>
     </dsp:sp>
-    <dsp:sp modelId="{FA989B88-97A2-408D-A6E8-F03B512CDF30}">
+    <dsp:sp modelId="{2B52B1C9-E455-4241-9CB1-5CD51BB25F65}">
       <dsp:nvSpPr>
         <dsp:cNvPr id="0" name=""/>
         <dsp:cNvSpPr/>
       </dsp:nvSpPr>
       <dsp:spPr>
         <a:xfrm>
-          <a:off x="6575358" y="3698181"/>
-          <a:ext cx="1301292" cy="650646"/>
+          <a:off x="6863957" y="3427648"/>
+          <a:ext cx="642463" cy="263574"/>
         </a:xfrm>
-        <a:prstGeom prst="rect">
+        <a:custGeom>
           <a:avLst/>
-        </a:prstGeom>
-        <a:solidFill>
-          <a:schemeClr val="accent1">
-            <a:hueOff val="0"/>
-            <a:satOff val="0"/>
-            <a:lumOff val="0"/>
-            <a:alphaOff val="0"/>
-          </a:schemeClr>
-        </a:solidFill>
+          <a:gdLst/>
+          <a:ahLst/>
+          <a:cxnLst/>
+          <a:rect l="0" t="0" r="0" b="0"/>
+          <a:pathLst>
+            <a:path>
+              <a:moveTo>
+                <a:pt x="0" y="0"/>
+              </a:moveTo>
+              <a:lnTo>
+                <a:pt x="0" y="131787"/>
+              </a:lnTo>
+              <a:lnTo>
+                <a:pt x="642463" y="131787"/>
+              </a:lnTo>
+              <a:lnTo>
+                <a:pt x="642463" y="263574"/>
+              </a:lnTo>
+            </a:path>
+          </a:pathLst>
+        </a:custGeom>
+        <a:noFill/>
         <a:ln w="12700" cap="flat" cmpd="sng" algn="ctr">
           <a:solidFill>
-            <a:schemeClr val="lt1">
+            <a:schemeClr val="dk1">
+              <a:shade val="80000"/>
               <a:hueOff val="0"/>
               <a:satOff val="0"/>
               <a:lumOff val="0"/>
@@ -24504,6 +24740,57 @@
         <a:lnRef idx="2">
           <a:scrgbClr r="0" g="0" b="0"/>
         </a:lnRef>
+        <a:fillRef idx="0">
+          <a:scrgbClr r="0" g="0" b="0"/>
+        </a:fillRef>
+        <a:effectRef idx="0">
+          <a:scrgbClr r="0" g="0" b="0"/>
+        </a:effectRef>
+        <a:fontRef idx="minor"/>
+      </dsp:style>
+    </dsp:sp>
+    <dsp:sp modelId="{F760E44B-F2B7-42C8-892D-C15058943036}">
+      <dsp:nvSpPr>
+        <dsp:cNvPr id="0" name=""/>
+        <dsp:cNvSpPr/>
+      </dsp:nvSpPr>
+      <dsp:spPr>
+        <a:xfrm>
+          <a:off x="7012218" y="3691223"/>
+          <a:ext cx="988404" cy="658936"/>
+        </a:xfrm>
+        <a:prstGeom prst="roundRect">
+          <a:avLst>
+            <a:gd name="adj" fmla="val 10000"/>
+          </a:avLst>
+        </a:prstGeom>
+        <a:solidFill>
+          <a:schemeClr val="lt1">
+            <a:hueOff val="0"/>
+            <a:satOff val="0"/>
+            <a:lumOff val="0"/>
+            <a:alphaOff val="0"/>
+          </a:schemeClr>
+        </a:solidFill>
+        <a:ln w="12700" cap="flat" cmpd="sng" algn="ctr">
+          <a:solidFill>
+            <a:schemeClr val="dk1">
+              <a:shade val="80000"/>
+              <a:hueOff val="0"/>
+              <a:satOff val="0"/>
+              <a:lumOff val="0"/>
+              <a:alphaOff val="0"/>
+            </a:schemeClr>
+          </a:solidFill>
+          <a:prstDash val="solid"/>
+          <a:miter lim="800000"/>
+        </a:ln>
+        <a:effectLst/>
+      </dsp:spPr>
+      <dsp:style>
+        <a:lnRef idx="2">
+          <a:scrgbClr r="0" g="0" b="0"/>
+        </a:lnRef>
         <a:fillRef idx="1">
           <a:scrgbClr r="0" g="0" b="0"/>
         </a:fillRef>
@@ -24515,12 +24802,12 @@
         </a:fontRef>
       </dsp:style>
       <dsp:txBody>
-        <a:bodyPr spcFirstLastPara="0" vert="horz" wrap="square" lIns="12065" tIns="12065" rIns="12065" bIns="12065" numCol="1" spcCol="1270" anchor="ctr" anchorCtr="0">
+        <a:bodyPr spcFirstLastPara="0" vert="horz" wrap="square" lIns="45720" tIns="45720" rIns="45720" bIns="45720" numCol="1" spcCol="1270" anchor="ctr" anchorCtr="0">
           <a:noAutofit/>
         </a:bodyPr>
         <a:lstStyle/>
         <a:p>
-          <a:pPr marL="0" lvl="0" indent="0" algn="ctr" defTabSz="844550">
+          <a:pPr marL="0" lvl="0" indent="0" algn="ctr" defTabSz="533400">
             <a:lnSpc>
               <a:spcPct val="90000"/>
             </a:lnSpc>
@@ -24533,14 +24820,14 @@
             <a:buNone/>
           </a:pPr>
           <a:r>
-            <a:rPr lang="de-DE" sz="1900" kern="1200" dirty="0"/>
+            <a:rPr lang="de-DE" sz="1200" kern="1200" dirty="0"/>
             <a:t>Tag 2</a:t>
           </a:r>
         </a:p>
       </dsp:txBody>
       <dsp:txXfrm>
-        <a:off x="6575358" y="3698181"/>
-        <a:ext cx="1301292" cy="650646"/>
+        <a:off x="7031518" y="3710523"/>
+        <a:ext cx="949804" cy="620336"/>
       </dsp:txXfrm>
     </dsp:sp>
   </dsp:spTree>
@@ -28368,12 +28655,11 @@
 </file>
 
 <file path=ppt/diagrams/layout4.xml><?xml version="1.0" encoding="utf-8"?>
-<dgm:layoutDef xmlns:dgm="http://schemas.openxmlformats.org/drawingml/2006/diagram" xmlns:a="http://schemas.openxmlformats.org/drawingml/2006/main" uniqueId="urn:microsoft.com/office/officeart/2005/8/layout/orgChart1">
+<dgm:layoutDef xmlns:dgm="http://schemas.openxmlformats.org/drawingml/2006/diagram" xmlns:a="http://schemas.openxmlformats.org/drawingml/2006/main" uniqueId="urn:microsoft.com/office/officeart/2005/8/layout/hierarchy6">
   <dgm:title val=""/>
   <dgm:desc val=""/>
   <dgm:catLst>
-    <dgm:cat type="hierarchy" pri="1000"/>
-    <dgm:cat type="convert" pri="6000"/>
+    <dgm:cat type="hierarchy" pri="3000"/>
   </dgm:catLst>
   <dgm:sampData>
     <dgm:dataModel>
@@ -28382,10 +28668,19 @@
         <dgm:pt modelId="1">
           <dgm:prSet phldr="1"/>
         </dgm:pt>
-        <dgm:pt modelId="2" type="asst">
+        <dgm:pt modelId="2">
+          <dgm:prSet phldr="1"/>
+        </dgm:pt>
+        <dgm:pt modelId="21">
+          <dgm:prSet phldr="1"/>
+        </dgm:pt>
+        <dgm:pt modelId="22">
           <dgm:prSet phldr="1"/>
         </dgm:pt>
         <dgm:pt modelId="3">
+          <dgm:prSet phldr="1"/>
+        </dgm:pt>
+        <dgm:pt modelId="31">
           <dgm:prSet phldr="1"/>
         </dgm:pt>
         <dgm:pt modelId="4">
@@ -28394,13 +28689,20 @@
         <dgm:pt modelId="5">
           <dgm:prSet phldr="1"/>
         </dgm:pt>
+        <dgm:pt modelId="6">
+          <dgm:prSet phldr="1"/>
+        </dgm:pt>
       </dgm:ptLst>
       <dgm:cxnLst>
-        <dgm:cxn modelId="5" srcId="0" destId="1" srcOrd="0" destOrd="0"/>
-        <dgm:cxn modelId="6" srcId="1" destId="2" srcOrd="0" destOrd="0"/>
-        <dgm:cxn modelId="7" srcId="1" destId="3" srcOrd="1" destOrd="0"/>
-        <dgm:cxn modelId="8" srcId="1" destId="4" srcOrd="2" destOrd="0"/>
-        <dgm:cxn modelId="9" srcId="1" destId="5" srcOrd="3" destOrd="0"/>
+        <dgm:cxn modelId="7" srcId="0" destId="1" srcOrd="0" destOrd="0"/>
+        <dgm:cxn modelId="8" srcId="1" destId="2" srcOrd="0" destOrd="0"/>
+        <dgm:cxn modelId="9" srcId="1" destId="3" srcOrd="1" destOrd="0"/>
+        <dgm:cxn modelId="23" srcId="2" destId="21" srcOrd="0" destOrd="0"/>
+        <dgm:cxn modelId="24" srcId="2" destId="22" srcOrd="1" destOrd="0"/>
+        <dgm:cxn modelId="33" srcId="3" destId="31" srcOrd="0" destOrd="0"/>
+        <dgm:cxn modelId="10" srcId="0" destId="4" srcOrd="1" destOrd="0"/>
+        <dgm:cxn modelId="11" srcId="0" destId="5" srcOrd="2" destOrd="0"/>
+        <dgm:cxn modelId="12" srcId="0" destId="6" srcOrd="3" destOrd="0"/>
       </dgm:cxnLst>
       <dgm:bg/>
       <dgm:whole/>
@@ -28411,13 +28713,17 @@
       <dgm:ptLst>
         <dgm:pt modelId="0" type="doc"/>
         <dgm:pt modelId="1"/>
+        <dgm:pt modelId="11"/>
         <dgm:pt modelId="12"/>
-        <dgm:pt modelId="13"/>
+        <dgm:pt modelId="2"/>
+        <dgm:pt modelId="3"/>
       </dgm:ptLst>
       <dgm:cxnLst>
-        <dgm:cxn modelId="2" srcId="0" destId="1" srcOrd="0" destOrd="0"/>
-        <dgm:cxn modelId="16" srcId="1" destId="12" srcOrd="1" destOrd="0"/>
-        <dgm:cxn modelId="17" srcId="1" destId="13" srcOrd="2" destOrd="0"/>
+        <dgm:cxn modelId="4" srcId="0" destId="1" srcOrd="0" destOrd="0"/>
+        <dgm:cxn modelId="13" srcId="1" destId="11" srcOrd="0" destOrd="0"/>
+        <dgm:cxn modelId="14" srcId="1" destId="12" srcOrd="1" destOrd="0"/>
+        <dgm:cxn modelId="5" srcId="0" destId="2" srcOrd="1" destOrd="0"/>
+        <dgm:cxn modelId="6" srcId="0" destId="3" srcOrd="2" destOrd="0"/>
       </dgm:cxnLst>
       <dgm:bg/>
       <dgm:whole/>
@@ -28428,1087 +28734,433 @@
       <dgm:ptLst>
         <dgm:pt modelId="0" type="doc"/>
         <dgm:pt modelId="1"/>
-        <dgm:pt modelId="11" type="asst"/>
-        <dgm:pt modelId="12"/>
-        <dgm:pt modelId="13"/>
-        <dgm:pt modelId="14"/>
+        <dgm:pt modelId="2"/>
+        <dgm:pt modelId="21"/>
+        <dgm:pt modelId="211"/>
+        <dgm:pt modelId="3"/>
+        <dgm:pt modelId="31"/>
+        <dgm:pt modelId="311"/>
+        <dgm:pt modelId="4"/>
+        <dgm:pt modelId="5"/>
+        <dgm:pt modelId="6"/>
+        <dgm:pt modelId="7"/>
       </dgm:ptLst>
       <dgm:cxnLst>
-        <dgm:cxn modelId="2" srcId="0" destId="1" srcOrd="0" destOrd="0"/>
-        <dgm:cxn modelId="15" srcId="1" destId="11" srcOrd="0" destOrd="0"/>
-        <dgm:cxn modelId="16" srcId="1" destId="12" srcOrd="1" destOrd="0"/>
-        <dgm:cxn modelId="17" srcId="1" destId="13" srcOrd="2" destOrd="0"/>
-        <dgm:cxn modelId="18" srcId="1" destId="14" srcOrd="2" destOrd="0"/>
+        <dgm:cxn modelId="8" srcId="0" destId="1" srcOrd="0" destOrd="0"/>
+        <dgm:cxn modelId="9" srcId="1" destId="2" srcOrd="0" destOrd="0"/>
+        <dgm:cxn modelId="10" srcId="1" destId="3" srcOrd="1" destOrd="0"/>
+        <dgm:cxn modelId="23" srcId="2" destId="21" srcOrd="0" destOrd="0"/>
+        <dgm:cxn modelId="24" srcId="21" destId="211" srcOrd="0" destOrd="0"/>
+        <dgm:cxn modelId="33" srcId="3" destId="31" srcOrd="0" destOrd="0"/>
+        <dgm:cxn modelId="34" srcId="31" destId="311" srcOrd="0" destOrd="0"/>
+        <dgm:cxn modelId="11" srcId="0" destId="4" srcOrd="1" destOrd="0"/>
+        <dgm:cxn modelId="12" srcId="0" destId="5" srcOrd="2" destOrd="0"/>
+        <dgm:cxn modelId="13" srcId="0" destId="6" srcOrd="3" destOrd="0"/>
+        <dgm:cxn modelId="14" srcId="0" destId="7" srcOrd="4" destOrd="0"/>
       </dgm:cxnLst>
       <dgm:bg/>
       <dgm:whole/>
     </dgm:dataModel>
   </dgm:clrData>
-  <dgm:layoutNode name="hierChild1">
+  <dgm:layoutNode name="mainComposite">
     <dgm:varLst>
-      <dgm:orgChart val="1"/>
       <dgm:chPref val="1"/>
       <dgm:dir/>
       <dgm:animOne val="branch"/>
       <dgm:animLvl val="lvl"/>
-      <dgm:resizeHandles/>
+      <dgm:resizeHandles val="exact"/>
     </dgm:varLst>
-    <dgm:choose name="Name0">
-      <dgm:if name="Name1" func="var" arg="dir" op="equ" val="norm">
-        <dgm:alg type="hierChild">
-          <dgm:param type="linDir" val="fromL"/>
-        </dgm:alg>
-      </dgm:if>
-      <dgm:else name="Name2">
-        <dgm:alg type="hierChild">
-          <dgm:param type="linDir" val="fromR"/>
-        </dgm:alg>
-      </dgm:else>
-    </dgm:choose>
+    <dgm:alg type="composite">
+      <dgm:param type="vertAlign" val="mid"/>
+      <dgm:param type="horzAlign" val="ctr"/>
+    </dgm:alg>
     <dgm:shape xmlns:r="http://schemas.openxmlformats.org/officeDocument/2006/relationships" r:blip="">
       <dgm:adjLst/>
     </dgm:shape>
     <dgm:presOf/>
-    <dgm:constrLst>
-      <dgm:constr type="w" for="des" forName="rootComposite1" refType="w" fact="10"/>
-      <dgm:constr type="h" for="des" forName="rootComposite1" refType="w" refFor="des" refForName="rootComposite1" fact="0.5"/>
-      <dgm:constr type="w" for="des" forName="rootComposite" refType="w" fact="10"/>
-      <dgm:constr type="h" for="des" forName="rootComposite" refType="w" refFor="des" refForName="rootComposite1" fact="0.5"/>
-      <dgm:constr type="w" for="des" forName="rootComposite3" refType="w" fact="10"/>
-      <dgm:constr type="h" for="des" forName="rootComposite3" refType="w" refFor="des" refForName="rootComposite1" fact="0.5"/>
-      <dgm:constr type="primFontSz" for="des" ptType="node" op="equ"/>
-      <dgm:constr type="sp" for="des" op="equ"/>
-      <dgm:constr type="sp" for="des" forName="hierRoot1" refType="w" refFor="des" refForName="rootComposite1" fact="0.21"/>
-      <dgm:constr type="sp" for="des" forName="hierRoot2" refType="sp" refFor="des" refForName="hierRoot1"/>
-      <dgm:constr type="sp" for="des" forName="hierRoot3" refType="sp" refFor="des" refForName="hierRoot1"/>
-      <dgm:constr type="sibSp" refType="w" refFor="des" refForName="rootComposite1" fact="0.21"/>
-      <dgm:constr type="sibSp" for="des" forName="hierChild2" refType="sibSp"/>
-      <dgm:constr type="sibSp" for="des" forName="hierChild3" refType="sibSp"/>
-      <dgm:constr type="sibSp" for="des" forName="hierChild4" refType="sibSp"/>
-      <dgm:constr type="sibSp" for="des" forName="hierChild5" refType="sibSp"/>
-      <dgm:constr type="sibSp" for="des" forName="hierChild6" refType="sibSp"/>
-      <dgm:constr type="sibSp" for="des" forName="hierChild7" refType="sibSp"/>
-      <dgm:constr type="secSibSp" refType="w" refFor="des" refForName="rootComposite1" fact="0.21"/>
-      <dgm:constr type="secSibSp" for="des" forName="hierChild2" refType="secSibSp"/>
-      <dgm:constr type="secSibSp" for="des" forName="hierChild3" refType="secSibSp"/>
-      <dgm:constr type="secSibSp" for="des" forName="hierChild4" refType="secSibSp"/>
-      <dgm:constr type="secSibSp" for="des" forName="hierChild5" refType="secSibSp"/>
-      <dgm:constr type="secSibSp" for="des" forName="hierChild6" refType="secSibSp"/>
-      <dgm:constr type="secSibSp" for="des" forName="hierChild7" refType="secSibSp"/>
-    </dgm:constrLst>
+    <dgm:choose name="Name0">
+      <dgm:if name="Name1" axis="ch" ptType="node" func="cnt" op="gte" val="2">
+        <dgm:choose name="Name2">
+          <dgm:if name="Name3" func="var" arg="dir" op="equ" val="norm">
+            <dgm:constrLst>
+              <dgm:constr type="l" for="ch" forName="hierFlow" refType="w" fact="0.3"/>
+              <dgm:constr type="t" for="ch" forName="hierFlow"/>
+              <dgm:constr type="r" for="ch" forName="hierFlow" refType="w" fact="0.98"/>
+              <dgm:constr type="b" for="ch" forName="hierFlow" refType="h" fact="0.98"/>
+              <dgm:constr type="l" for="ch" forName="bgShapesFlow"/>
+              <dgm:constr type="t" for="ch" forName="bgShapesFlow"/>
+              <dgm:constr type="r" for="ch" forName="bgShapesFlow" refType="w"/>
+              <dgm:constr type="b" for="ch" forName="bgShapesFlow" refType="h"/>
+              <dgm:constr type="w" for="des" forName="level1Shape" refType="w"/>
+              <dgm:constr type="h" for="des" forName="level1Shape" refType="w" refFor="des" refForName="level1Shape" fact="0.66667"/>
+              <dgm:constr type="w" for="des" forName="level2Shape" refType="w" refFor="des" refForName="level1Shape" op="equ"/>
+              <dgm:constr type="h" for="des" forName="level2Shape" refType="h" refFor="des" refForName="level1Shape" op="equ"/>
+              <dgm:constr type="sp" for="des" refType="h" refFor="des" refForName="level1Shape" op="equ" fact="0.4"/>
+              <dgm:constr type="sibSp" for="des" forName="hierChild1" refType="w" refFor="des" refForName="level1Shape" op="equ" fact="0.3"/>
+              <dgm:constr type="sibSp" for="des" forName="hierChild2" refType="sibSp" refFor="des" refForName="hierChild1" op="equ"/>
+              <dgm:constr type="sibSp" for="des" forName="hierChild3" refType="sibSp" refFor="des" refForName="hierChild1" op="equ"/>
+              <dgm:constr type="userA" for="des" refType="h" refFor="des" refForName="level1Shape" op="equ"/>
+              <dgm:constr type="userB" for="des" refType="sp" refFor="des" op="equ"/>
+              <dgm:constr type="h" for="des" forName="firstBuf" refType="h" refFor="des" refForName="level1Shape" fact="0.1"/>
+            </dgm:constrLst>
+          </dgm:if>
+          <dgm:else name="Name4">
+            <dgm:constrLst>
+              <dgm:constr type="l" for="ch" forName="hierFlow" refType="w" fact="0.02"/>
+              <dgm:constr type="t" for="ch" forName="hierFlow"/>
+              <dgm:constr type="r" for="ch" forName="hierFlow" refType="w" fact="0.7"/>
+              <dgm:constr type="b" for="ch" forName="hierFlow" refType="h" fact="0.98"/>
+              <dgm:constr type="l" for="ch" forName="bgShapesFlow"/>
+              <dgm:constr type="t" for="ch" forName="bgShapesFlow"/>
+              <dgm:constr type="r" for="ch" forName="bgShapesFlow" refType="w"/>
+              <dgm:constr type="b" for="ch" forName="bgShapesFlow" refType="h"/>
+              <dgm:constr type="w" for="des" forName="level1Shape" refType="w"/>
+              <dgm:constr type="h" for="des" forName="level1Shape" refType="w" refFor="des" refForName="level1Shape" fact="0.66667"/>
+              <dgm:constr type="w" for="des" forName="level2Shape" refType="w" refFor="des" refForName="level1Shape" op="equ"/>
+              <dgm:constr type="h" for="des" forName="level2Shape" refType="h" refFor="des" refForName="level1Shape" op="equ"/>
+              <dgm:constr type="sp" for="des" refType="h" refFor="des" refForName="level1Shape" op="equ" fact="0.4"/>
+              <dgm:constr type="sibSp" for="des" forName="hierChild1" refType="w" refFor="des" refForName="level1Shape" op="equ" fact="0.3"/>
+              <dgm:constr type="sibSp" for="des" forName="hierChild2" refType="sibSp" refFor="des" refForName="hierChild1" op="equ"/>
+              <dgm:constr type="sibSp" for="des" forName="hierChild3" refType="sibSp" refFor="des" refForName="hierChild1" op="equ"/>
+              <dgm:constr type="userA" for="des" refType="h" refFor="des" refForName="level1Shape" op="equ"/>
+              <dgm:constr type="userB" for="des" refType="sp" refFor="des" op="equ"/>
+              <dgm:constr type="h" for="des" forName="firstBuf" refType="h" refFor="des" refForName="level1Shape" fact="0.1"/>
+            </dgm:constrLst>
+          </dgm:else>
+        </dgm:choose>
+      </dgm:if>
+      <dgm:else name="Name5">
+        <dgm:constrLst>
+          <dgm:constr type="l" for="ch" forName="hierFlow"/>
+          <dgm:constr type="t" for="ch" forName="hierFlow"/>
+          <dgm:constr type="r" for="ch" forName="hierFlow" refType="w"/>
+          <dgm:constr type="b" for="ch" forName="hierFlow" refType="h"/>
+          <dgm:constr type="l" for="ch" forName="bgShapesFlow"/>
+          <dgm:constr type="t" for="ch" forName="bgShapesFlow"/>
+          <dgm:constr type="r" for="ch" forName="bgShapesFlow" refType="w"/>
+          <dgm:constr type="b" for="ch" forName="bgShapesFlow" refType="h"/>
+          <dgm:constr type="w" for="des" forName="level1Shape" refType="w"/>
+          <dgm:constr type="h" for="des" forName="level1Shape" refType="w" refFor="des" refForName="level1Shape" fact="0.66667"/>
+          <dgm:constr type="w" for="des" forName="level2Shape" refType="w" refFor="des" refForName="level1Shape" op="equ"/>
+          <dgm:constr type="h" for="des" forName="level2Shape" refType="h" refFor="des" refForName="level1Shape" op="equ"/>
+          <dgm:constr type="sp" for="des" refType="h" refFor="des" refForName="level1Shape" op="equ" fact="0.4"/>
+          <dgm:constr type="sibSp" for="des" forName="hierChild1" refType="w" refFor="des" refForName="level1Shape" op="equ" fact="0.3"/>
+          <dgm:constr type="sibSp" for="des" forName="hierChild2" refType="sibSp" refFor="des" refForName="hierChild1" op="equ"/>
+          <dgm:constr type="sibSp" for="des" forName="hierChild3" refType="sibSp" refFor="des" refForName="hierChild1" op="equ"/>
+          <dgm:constr type="userA" for="des" refType="h" refFor="des" refForName="level1Shape" op="equ"/>
+          <dgm:constr type="userB" for="des" refType="sp" refFor="des" op="equ"/>
+          <dgm:constr type="h" for="des" forName="firstBuf" refType="h" refFor="des" refForName="level1Shape" fact="0.1"/>
+        </dgm:constrLst>
+      </dgm:else>
+    </dgm:choose>
     <dgm:ruleLst/>
-    <dgm:forEach name="Name3" axis="ch">
-      <dgm:forEach name="Name4" axis="self" ptType="node">
-        <dgm:layoutNode name="hierRoot1">
-          <dgm:varLst>
-            <dgm:hierBranch val="init"/>
-          </dgm:varLst>
-          <dgm:choose name="Name5">
-            <dgm:if name="Name6" func="var" arg="hierBranch" op="equ" val="l">
-              <dgm:choose name="Name7">
-                <dgm:if name="Name8" axis="ch" ptType="asst" func="cnt" op="gte" val="1">
-                  <dgm:alg type="hierRoot">
-                    <dgm:param type="hierAlign" val="tR"/>
-                  </dgm:alg>
-                  <dgm:constrLst>
-                    <dgm:constr type="alignOff" val="0.65"/>
-                  </dgm:constrLst>
-                </dgm:if>
-                <dgm:else name="Name9">
-                  <dgm:alg type="hierRoot">
-                    <dgm:param type="hierAlign" val="tR"/>
-                  </dgm:alg>
-                  <dgm:constrLst>
-                    <dgm:constr type="alignOff" val="0.25"/>
-                  </dgm:constrLst>
-                </dgm:else>
-              </dgm:choose>
-            </dgm:if>
-            <dgm:if name="Name10" func="var" arg="hierBranch" op="equ" val="r">
-              <dgm:choose name="Name11">
-                <dgm:if name="Name12" axis="ch" ptType="asst" func="cnt" op="gte" val="1">
-                  <dgm:alg type="hierRoot">
-                    <dgm:param type="hierAlign" val="tL"/>
-                  </dgm:alg>
-                  <dgm:constrLst>
-                    <dgm:constr type="alignOff" val="0.65"/>
-                  </dgm:constrLst>
-                </dgm:if>
-                <dgm:else name="Name13">
-                  <dgm:alg type="hierRoot">
-                    <dgm:param type="hierAlign" val="tL"/>
-                  </dgm:alg>
-                  <dgm:constrLst>
-                    <dgm:constr type="alignOff" val="0.25"/>
-                  </dgm:constrLst>
-                </dgm:else>
-              </dgm:choose>
-            </dgm:if>
-            <dgm:if name="Name14" func="var" arg="hierBranch" op="equ" val="hang">
-              <dgm:alg type="hierRoot"/>
-              <dgm:constrLst>
-                <dgm:constr type="alignOff" val="0.65"/>
-              </dgm:constrLst>
-            </dgm:if>
-            <dgm:else name="Name15">
-              <dgm:alg type="hierRoot"/>
-              <dgm:constrLst>
-                <dgm:constr type="alignOff"/>
-                <dgm:constr type="bendDist" for="des" ptType="parTrans" refType="sp" fact="0.5"/>
-              </dgm:constrLst>
-            </dgm:else>
-          </dgm:choose>
-          <dgm:shape xmlns:r="http://schemas.openxmlformats.org/officeDocument/2006/relationships" r:blip="">
-            <dgm:adjLst/>
-          </dgm:shape>
-          <dgm:presOf/>
-          <dgm:ruleLst/>
-          <dgm:layoutNode name="rootComposite1">
-            <dgm:alg type="composite"/>
-            <dgm:shape xmlns:r="http://schemas.openxmlformats.org/officeDocument/2006/relationships" r:blip="">
-              <dgm:adjLst/>
-            </dgm:shape>
-            <dgm:presOf axis="self" ptType="node" cnt="1"/>
-            <dgm:choose name="Name16">
-              <dgm:if name="Name17" func="var" arg="hierBranch" op="equ" val="init">
-                <dgm:constrLst>
-                  <dgm:constr type="l" for="ch" forName="rootText1"/>
-                  <dgm:constr type="t" for="ch" forName="rootText1"/>
-                  <dgm:constr type="w" for="ch" forName="rootText1" refType="w"/>
-                  <dgm:constr type="h" for="ch" forName="rootText1" refType="h"/>
-                  <dgm:constr type="l" for="ch" forName="rootConnector1"/>
-                  <dgm:constr type="t" for="ch" forName="rootConnector1"/>
-                  <dgm:constr type="w" for="ch" forName="rootConnector1" refType="w" refFor="ch" refForName="rootText1" fact="0.2"/>
-                  <dgm:constr type="h" for="ch" forName="rootConnector1" refType="h" refFor="ch" refForName="rootText1"/>
-                </dgm:constrLst>
-              </dgm:if>
-              <dgm:if name="Name18" func="var" arg="hierBranch" op="equ" val="l">
-                <dgm:constrLst>
-                  <dgm:constr type="l" for="ch" forName="rootText1"/>
-                  <dgm:constr type="t" for="ch" forName="rootText1"/>
-                  <dgm:constr type="w" for="ch" forName="rootText1" refType="w"/>
-                  <dgm:constr type="h" for="ch" forName="rootText1" refType="h"/>
-                  <dgm:constr type="r" for="ch" forName="rootConnector1" refType="w"/>
-                  <dgm:constr type="t" for="ch" forName="rootConnector1"/>
-                  <dgm:constr type="w" for="ch" forName="rootConnector1" refType="w" refFor="ch" refForName="rootText1" fact="0.2"/>
-                  <dgm:constr type="h" for="ch" forName="rootConnector1" refType="h" refFor="ch" refForName="rootText1"/>
-                </dgm:constrLst>
-              </dgm:if>
-              <dgm:if name="Name19" func="var" arg="hierBranch" op="equ" val="r">
-                <dgm:constrLst>
-                  <dgm:constr type="l" for="ch" forName="rootText1"/>
-                  <dgm:constr type="t" for="ch" forName="rootText1"/>
-                  <dgm:constr type="w" for="ch" forName="rootText1" refType="w"/>
-                  <dgm:constr type="h" for="ch" forName="rootText1" refType="h"/>
-                  <dgm:constr type="l" for="ch" forName="rootConnector1"/>
-                  <dgm:constr type="t" for="ch" forName="rootConnector1"/>
-                  <dgm:constr type="w" for="ch" forName="rootConnector1" refType="w" refFor="ch" refForName="rootText1" fact="0.2"/>
-                  <dgm:constr type="h" for="ch" forName="rootConnector1" refType="h" refFor="ch" refForName="rootText1"/>
-                </dgm:constrLst>
-              </dgm:if>
-              <dgm:else name="Name20">
-                <dgm:constrLst>
-                  <dgm:constr type="l" for="ch" forName="rootText1"/>
-                  <dgm:constr type="t" for="ch" forName="rootText1"/>
-                  <dgm:constr type="w" for="ch" forName="rootText1" refType="w"/>
-                  <dgm:constr type="h" for="ch" forName="rootText1" refType="h"/>
-                  <dgm:constr type="r" for="ch" forName="rootConnector1" refType="w"/>
-                  <dgm:constr type="t" for="ch" forName="rootConnector1"/>
-                  <dgm:constr type="w" for="ch" forName="rootConnector1" refType="w" refFor="ch" refForName="rootText1" fact="0.2"/>
-                  <dgm:constr type="h" for="ch" forName="rootConnector1" refType="h" refFor="ch" refForName="rootText1"/>
-                </dgm:constrLst>
-              </dgm:else>
-            </dgm:choose>
-            <dgm:ruleLst/>
-            <dgm:layoutNode name="rootText1" styleLbl="node0">
-              <dgm:varLst>
-                <dgm:chPref val="3"/>
-              </dgm:varLst>
-              <dgm:alg type="tx"/>
-              <dgm:shape xmlns:r="http://schemas.openxmlformats.org/officeDocument/2006/relationships" type="rect" r:blip="">
-                <dgm:adjLst/>
-              </dgm:shape>
-              <dgm:presOf axis="self" ptType="node" cnt="1"/>
-              <dgm:constrLst>
-                <dgm:constr type="primFontSz" val="65"/>
-                <dgm:constr type="lMarg" refType="primFontSz" fact="0.05"/>
-                <dgm:constr type="rMarg" refType="primFontSz" fact="0.05"/>
-                <dgm:constr type="tMarg" refType="primFontSz" fact="0.05"/>
-                <dgm:constr type="bMarg" refType="primFontSz" fact="0.05"/>
-              </dgm:constrLst>
-              <dgm:ruleLst>
-                <dgm:rule type="primFontSz" val="5" fact="NaN" max="NaN"/>
-              </dgm:ruleLst>
-            </dgm:layoutNode>
-            <dgm:layoutNode name="rootConnector1" moveWith="rootText1">
-              <dgm:alg type="sp"/>
-              <dgm:shape xmlns:r="http://schemas.openxmlformats.org/officeDocument/2006/relationships" type="rect" r:blip="" hideGeom="1">
-                <dgm:adjLst/>
-              </dgm:shape>
-              <dgm:presOf axis="self" ptType="node" cnt="1"/>
-              <dgm:constrLst/>
-              <dgm:ruleLst/>
-            </dgm:layoutNode>
-          </dgm:layoutNode>
-          <dgm:layoutNode name="hierChild2">
-            <dgm:choose name="Name21">
-              <dgm:if name="Name22" func="var" arg="hierBranch" op="equ" val="l">
-                <dgm:alg type="hierChild">
-                  <dgm:param type="chAlign" val="r"/>
-                  <dgm:param type="linDir" val="fromT"/>
-                </dgm:alg>
-              </dgm:if>
-              <dgm:if name="Name23" func="var" arg="hierBranch" op="equ" val="r">
-                <dgm:alg type="hierChild">
-                  <dgm:param type="chAlign" val="l"/>
-                  <dgm:param type="linDir" val="fromT"/>
-                </dgm:alg>
-              </dgm:if>
-              <dgm:if name="Name24" func="var" arg="hierBranch" op="equ" val="hang">
-                <dgm:choose name="Name25">
-                  <dgm:if name="Name26" func="var" arg="dir" op="equ" val="norm">
-                    <dgm:alg type="hierChild">
-                      <dgm:param type="chAlign" val="l"/>
-                      <dgm:param type="linDir" val="fromL"/>
-                      <dgm:param type="secChAlign" val="t"/>
-                      <dgm:param type="secLinDir" val="fromT"/>
-                    </dgm:alg>
-                  </dgm:if>
-                  <dgm:else name="Name27">
-                    <dgm:alg type="hierChild">
-                      <dgm:param type="chAlign" val="l"/>
-                      <dgm:param type="linDir" val="fromR"/>
-                      <dgm:param type="secChAlign" val="t"/>
-                      <dgm:param type="secLinDir" val="fromT"/>
-                    </dgm:alg>
-                  </dgm:else>
-                </dgm:choose>
-              </dgm:if>
-              <dgm:else name="Name28">
-                <dgm:choose name="Name29">
-                  <dgm:if name="Name30" func="var" arg="dir" op="equ" val="norm">
-                    <dgm:alg type="hierChild"/>
-                  </dgm:if>
-                  <dgm:else name="Name31">
-                    <dgm:alg type="hierChild">
-                      <dgm:param type="linDir" val="fromR"/>
-                    </dgm:alg>
-                  </dgm:else>
-                </dgm:choose>
-              </dgm:else>
-            </dgm:choose>
+    <dgm:layoutNode name="hierFlow">
+      <dgm:alg type="lin">
+        <dgm:param type="linDir" val="fromT"/>
+        <dgm:param type="nodeVertAlign" val="t"/>
+        <dgm:param type="vertAlign" val="t"/>
+        <dgm:param type="nodeHorzAlign" val="ctr"/>
+        <dgm:param type="fallback" val="2D"/>
+      </dgm:alg>
+      <dgm:shape xmlns:r="http://schemas.openxmlformats.org/officeDocument/2006/relationships" r:blip="">
+        <dgm:adjLst/>
+      </dgm:shape>
+      <dgm:presOf/>
+      <dgm:constrLst/>
+      <dgm:ruleLst/>
+      <dgm:choose name="Name6">
+        <dgm:if name="Name7" axis="ch" ptType="node" func="cnt" op="gte" val="2">
+          <dgm:layoutNode name="firstBuf">
+            <dgm:alg type="sp"/>
             <dgm:shape xmlns:r="http://schemas.openxmlformats.org/officeDocument/2006/relationships" r:blip="">
               <dgm:adjLst/>
             </dgm:shape>
             <dgm:presOf/>
             <dgm:constrLst/>
             <dgm:ruleLst/>
-            <dgm:forEach name="rep2a" axis="ch" ptType="nonAsst">
-              <dgm:forEach name="Name32" axis="precedSib" ptType="parTrans" st="-1" cnt="1">
-                <dgm:choose name="Name33">
-                  <dgm:if name="Name34" func="var" arg="hierBranch" op="equ" val="std">
-                    <dgm:layoutNode name="Name35">
+          </dgm:layoutNode>
+        </dgm:if>
+        <dgm:else name="Name8"/>
+      </dgm:choose>
+      <dgm:layoutNode name="hierChild1">
+        <dgm:varLst>
+          <dgm:chPref val="1"/>
+          <dgm:animOne val="branch"/>
+          <dgm:animLvl val="lvl"/>
+        </dgm:varLst>
+        <dgm:choose name="Name9">
+          <dgm:if name="Name10" func="var" arg="dir" op="equ" val="norm">
+            <dgm:alg type="hierChild">
+              <dgm:param type="linDir" val="fromL"/>
+              <dgm:param type="vertAlign" val="t"/>
+            </dgm:alg>
+          </dgm:if>
+          <dgm:else name="Name11">
+            <dgm:alg type="hierChild">
+              <dgm:param type="linDir" val="fromR"/>
+              <dgm:param type="vertAlign" val="t"/>
+            </dgm:alg>
+          </dgm:else>
+        </dgm:choose>
+        <dgm:shape xmlns:r="http://schemas.openxmlformats.org/officeDocument/2006/relationships" r:blip="">
+          <dgm:adjLst/>
+        </dgm:shape>
+        <dgm:presOf/>
+        <dgm:constrLst>
+          <dgm:constr type="primFontSz" for="des" ptType="node" op="equ"/>
+        </dgm:constrLst>
+        <dgm:ruleLst/>
+        <dgm:forEach name="Name12" axis="ch" cnt="3">
+          <dgm:forEach name="Name13" axis="self" ptType="node">
+            <dgm:layoutNode name="Name14">
+              <dgm:alg type="hierRoot"/>
+              <dgm:shape xmlns:r="http://schemas.openxmlformats.org/officeDocument/2006/relationships" r:blip="">
+                <dgm:adjLst/>
+              </dgm:shape>
+              <dgm:presOf/>
+              <dgm:constrLst/>
+              <dgm:ruleLst/>
+              <dgm:layoutNode name="level1Shape" styleLbl="node0">
+                <dgm:varLst>
+                  <dgm:chPref val="3"/>
+                </dgm:varLst>
+                <dgm:alg type="tx"/>
+                <dgm:shape xmlns:r="http://schemas.openxmlformats.org/officeDocument/2006/relationships" type="roundRect" r:blip="">
+                  <dgm:adjLst>
+                    <dgm:adj idx="1" val="0.1"/>
+                  </dgm:adjLst>
+                </dgm:shape>
+                <dgm:presOf axis="self"/>
+                <dgm:constrLst>
+                  <dgm:constr type="primFontSz" val="65"/>
+                  <dgm:constr type="tMarg" refType="primFontSz" fact="0.3"/>
+                  <dgm:constr type="bMarg" refType="primFontSz" fact="0.3"/>
+                  <dgm:constr type="lMarg" refType="primFontSz" fact="0.3"/>
+                  <dgm:constr type="rMarg" refType="primFontSz" fact="0.3"/>
+                </dgm:constrLst>
+                <dgm:ruleLst>
+                  <dgm:rule type="primFontSz" val="5" fact="NaN" max="NaN"/>
+                </dgm:ruleLst>
+              </dgm:layoutNode>
+              <dgm:layoutNode name="hierChild2">
+                <dgm:choose name="Name15">
+                  <dgm:if name="Name16" func="var" arg="dir" op="equ" val="norm">
+                    <dgm:alg type="hierChild">
+                      <dgm:param type="linDir" val="fromL"/>
+                    </dgm:alg>
+                  </dgm:if>
+                  <dgm:else name="Name17">
+                    <dgm:alg type="hierChild">
+                      <dgm:param type="linDir" val="fromR"/>
+                    </dgm:alg>
+                  </dgm:else>
+                </dgm:choose>
+                <dgm:shape xmlns:r="http://schemas.openxmlformats.org/officeDocument/2006/relationships" r:blip="">
+                  <dgm:adjLst/>
+                </dgm:shape>
+                <dgm:presOf/>
+                <dgm:constrLst/>
+                <dgm:ruleLst/>
+                <dgm:forEach name="repeat" axis="ch">
+                  <dgm:forEach name="Name18" axis="self" ptType="parTrans" cnt="1">
+                    <dgm:layoutNode name="Name19">
                       <dgm:alg type="conn">
-                        <dgm:param type="connRout" val="bend"/>
                         <dgm:param type="dim" val="1D"/>
                         <dgm:param type="endSty" val="noArr"/>
+                        <dgm:param type="connRout" val="bend"/>
                         <dgm:param type="begPts" val="bCtr"/>
                         <dgm:param type="endPts" val="tCtr"/>
-                        <dgm:param type="bendPt" val="end"/>
                       </dgm:alg>
-                      <dgm:shape xmlns:r="http://schemas.openxmlformats.org/officeDocument/2006/relationships" type="conn" r:blip="" zOrderOff="-99999">
+                      <dgm:shape xmlns:r="http://schemas.openxmlformats.org/officeDocument/2006/relationships" type="conn" r:blip="">
                         <dgm:adjLst/>
                       </dgm:shape>
                       <dgm:presOf axis="self"/>
                       <dgm:constrLst>
+                        <dgm:constr type="w" val="1"/>
+                        <dgm:constr type="h" val="1"/>
                         <dgm:constr type="begPad"/>
                         <dgm:constr type="endPad"/>
                       </dgm:constrLst>
                       <dgm:ruleLst/>
                     </dgm:layoutNode>
-                  </dgm:if>
-                  <dgm:if name="Name36" func="var" arg="hierBranch" op="equ" val="init">
-                    <dgm:layoutNode name="Name37">
-                      <dgm:choose name="Name38">
-                        <dgm:if name="Name39" axis="self" func="depth" op="lte" val="2">
-                          <dgm:alg type="conn">
-                            <dgm:param type="connRout" val="bend"/>
-                            <dgm:param type="dim" val="1D"/>
-                            <dgm:param type="endSty" val="noArr"/>
-                            <dgm:param type="begPts" val="bCtr"/>
-                            <dgm:param type="endPts" val="tCtr"/>
-                            <dgm:param type="bendPt" val="end"/>
-                          </dgm:alg>
-                        </dgm:if>
-                        <dgm:else name="Name40">
-                          <dgm:choose name="Name41">
-                            <dgm:if name="Name42" axis="par des" func="maxDepth" op="lte" val="1">
-                              <dgm:choose name="Name43">
-                                <dgm:if name="Name44" axis="par ch" ptType="node asst" func="cnt" op="gte" val="1">
-                                  <dgm:alg type="conn">
-                                    <dgm:param type="connRout" val="bend"/>
-                                    <dgm:param type="dim" val="1D"/>
-                                    <dgm:param type="endSty" val="noArr"/>
-                                    <dgm:param type="begPts" val="bCtr"/>
-                                    <dgm:param type="endPts" val="midL midR"/>
-                                  </dgm:alg>
-                                </dgm:if>
-                                <dgm:else name="Name45">
-                                  <dgm:alg type="conn">
-                                    <dgm:param type="connRout" val="bend"/>
-                                    <dgm:param type="dim" val="1D"/>
-                                    <dgm:param type="endSty" val="noArr"/>
-                                    <dgm:param type="begPts" val="bCtr"/>
-                                    <dgm:param type="endPts" val="midL midR"/>
-                                    <dgm:param type="srcNode" val="rootConnector"/>
-                                  </dgm:alg>
-                                </dgm:else>
-                              </dgm:choose>
-                            </dgm:if>
-                            <dgm:else name="Name46">
-                              <dgm:alg type="conn">
-                                <dgm:param type="connRout" val="bend"/>
-                                <dgm:param type="dim" val="1D"/>
-                                <dgm:param type="endSty" val="noArr"/>
-                                <dgm:param type="begPts" val="bCtr"/>
-                                <dgm:param type="endPts" val="tCtr"/>
-                                <dgm:param type="bendPt" val="end"/>
-                              </dgm:alg>
-                            </dgm:else>
-                          </dgm:choose>
-                        </dgm:else>
-                      </dgm:choose>
-                      <dgm:shape xmlns:r="http://schemas.openxmlformats.org/officeDocument/2006/relationships" type="conn" r:blip="" zOrderOff="-99999">
+                  </dgm:forEach>
+                  <dgm:forEach name="Name20" axis="self" ptType="node">
+                    <dgm:layoutNode name="Name21">
+                      <dgm:alg type="hierRoot"/>
+                      <dgm:shape xmlns:r="http://schemas.openxmlformats.org/officeDocument/2006/relationships" r:blip="">
                         <dgm:adjLst/>
                       </dgm:shape>
-                      <dgm:presOf axis="self"/>
-                      <dgm:constrLst>
-                        <dgm:constr type="begPad"/>
-                        <dgm:constr type="endPad"/>
-                      </dgm:constrLst>
+                      <dgm:presOf/>
+                      <dgm:constrLst/>
                       <dgm:ruleLst/>
-                    </dgm:layoutNode>
-                  </dgm:if>
-                  <dgm:if name="Name47" func="var" arg="hierBranch" op="equ" val="hang">
-                    <dgm:layoutNode name="Name48">
-                      <dgm:alg type="conn">
-                        <dgm:param type="connRout" val="bend"/>
-                        <dgm:param type="dim" val="1D"/>
-                        <dgm:param type="endSty" val="noArr"/>
-                        <dgm:param type="begPts" val="bCtr"/>
-                        <dgm:param type="endPts" val="midL midR"/>
-                      </dgm:alg>
-                      <dgm:shape xmlns:r="http://schemas.openxmlformats.org/officeDocument/2006/relationships" type="conn" r:blip="" zOrderOff="-99999">
-                        <dgm:adjLst/>
-                      </dgm:shape>
-                      <dgm:presOf axis="self"/>
-                      <dgm:constrLst>
-                        <dgm:constr type="begPad"/>
-                        <dgm:constr type="endPad"/>
-                      </dgm:constrLst>
-                      <dgm:ruleLst/>
-                    </dgm:layoutNode>
-                  </dgm:if>
-                  <dgm:else name="Name49">
-                    <dgm:layoutNode name="Name50">
-                      <dgm:choose name="Name51">
-                        <dgm:if name="Name52" axis="self" func="depth" op="lte" val="2">
-                          <dgm:choose name="Name53">
-                            <dgm:if name="Name54" axis="par ch" ptType="node asst" func="cnt" op="gte" val="1">
-                              <dgm:alg type="conn">
-                                <dgm:param type="connRout" val="bend"/>
-                                <dgm:param type="dim" val="1D"/>
-                                <dgm:param type="endSty" val="noArr"/>
-                                <dgm:param type="begPts" val="bCtr"/>
-                                <dgm:param type="endPts" val="midL midR"/>
-                              </dgm:alg>
-                            </dgm:if>
-                            <dgm:else name="Name55">
-                              <dgm:alg type="conn">
-                                <dgm:param type="connRout" val="bend"/>
-                                <dgm:param type="dim" val="1D"/>
-                                <dgm:param type="endSty" val="noArr"/>
-                                <dgm:param type="begPts" val="bCtr"/>
-                                <dgm:param type="endPts" val="midL midR"/>
-                                <dgm:param type="srcNode" val="rootConnector1"/>
-                              </dgm:alg>
-                            </dgm:else>
-                          </dgm:choose>
-                        </dgm:if>
-                        <dgm:else name="Name56">
-                          <dgm:choose name="Name57">
-                            <dgm:if name="Name58" axis="par ch" ptType="node asst" func="cnt" op="gte" val="1">
-                              <dgm:alg type="conn">
-                                <dgm:param type="connRout" val="bend"/>
-                                <dgm:param type="dim" val="1D"/>
-                                <dgm:param type="endSty" val="noArr"/>
-                                <dgm:param type="begPts" val="bCtr"/>
-                                <dgm:param type="endPts" val="midL midR"/>
-                              </dgm:alg>
-                            </dgm:if>
-                            <dgm:else name="Name59">
-                              <dgm:alg type="conn">
-                                <dgm:param type="connRout" val="bend"/>
-                                <dgm:param type="dim" val="1D"/>
-                                <dgm:param type="endSty" val="noArr"/>
-                                <dgm:param type="begPts" val="bCtr"/>
-                                <dgm:param type="endPts" val="midL midR"/>
-                                <dgm:param type="srcNode" val="rootConnector"/>
-                              </dgm:alg>
-                            </dgm:else>
-                          </dgm:choose>
-                        </dgm:else>
-                      </dgm:choose>
-                      <dgm:shape xmlns:r="http://schemas.openxmlformats.org/officeDocument/2006/relationships" type="conn" r:blip="" zOrderOff="-99999">
-                        <dgm:adjLst/>
-                      </dgm:shape>
-                      <dgm:presOf axis="self"/>
-                      <dgm:constrLst>
-                        <dgm:constr type="begPad"/>
-                        <dgm:constr type="endPad"/>
-                      </dgm:constrLst>
-                      <dgm:ruleLst/>
-                    </dgm:layoutNode>
-                  </dgm:else>
-                </dgm:choose>
-              </dgm:forEach>
-              <dgm:layoutNode name="hierRoot2">
-                <dgm:varLst>
-                  <dgm:hierBranch val="init"/>
-                </dgm:varLst>
-                <dgm:choose name="Name60">
-                  <dgm:if name="Name61" func="var" arg="hierBranch" op="equ" val="l">
-                    <dgm:choose name="Name62">
-                      <dgm:if name="Name63" axis="ch" ptType="asst" func="cnt" op="gte" val="1">
-                        <dgm:alg type="hierRoot">
-                          <dgm:param type="hierAlign" val="tR"/>
-                        </dgm:alg>
+                      <dgm:layoutNode name="level2Shape">
+                        <dgm:alg type="tx"/>
+                        <dgm:shape xmlns:r="http://schemas.openxmlformats.org/officeDocument/2006/relationships" type="roundRect" r:blip="">
+                          <dgm:adjLst>
+                            <dgm:adj idx="1" val="0.1"/>
+                          </dgm:adjLst>
+                        </dgm:shape>
+                        <dgm:presOf axis="self"/>
+                        <dgm:constrLst>
+                          <dgm:constr type="primFontSz" val="65"/>
+                          <dgm:constr type="tMarg" refType="primFontSz" fact="0.3"/>
+                          <dgm:constr type="bMarg" refType="primFontSz" fact="0.3"/>
+                          <dgm:constr type="lMarg" refType="primFontSz" fact="0.3"/>
+                          <dgm:constr type="rMarg" refType="primFontSz" fact="0.3"/>
+                        </dgm:constrLst>
+                        <dgm:ruleLst>
+                          <dgm:rule type="primFontSz" val="5" fact="NaN" max="NaN"/>
+                        </dgm:ruleLst>
+                      </dgm:layoutNode>
+                      <dgm:layoutNode name="hierChild3">
+                        <dgm:choose name="Name22">
+                          <dgm:if name="Name23" func="var" arg="dir" op="equ" val="norm">
+                            <dgm:alg type="hierChild">
+                              <dgm:param type="linDir" val="fromL"/>
+                            </dgm:alg>
+                          </dgm:if>
+                          <dgm:else name="Name24">
+                            <dgm:alg type="hierChild">
+                              <dgm:param type="linDir" val="fromR"/>
+                            </dgm:alg>
+                          </dgm:else>
+                        </dgm:choose>
                         <dgm:shape xmlns:r="http://schemas.openxmlformats.org/officeDocument/2006/relationships" r:blip="">
                           <dgm:adjLst/>
                         </dgm:shape>
                         <dgm:presOf/>
-                        <dgm:constrLst>
-                          <dgm:constr type="alignOff" val="0.65"/>
-                        </dgm:constrLst>
-                      </dgm:if>
-                      <dgm:else name="Name64">
-                        <dgm:alg type="hierRoot">
-                          <dgm:param type="hierAlign" val="tR"/>
-                        </dgm:alg>
-                        <dgm:shape xmlns:r="http://schemas.openxmlformats.org/officeDocument/2006/relationships" r:blip="">
-                          <dgm:adjLst/>
-                        </dgm:shape>
-                        <dgm:presOf/>
-                        <dgm:constrLst>
-                          <dgm:constr type="alignOff" val="0.25"/>
-                        </dgm:constrLst>
-                      </dgm:else>
-                    </dgm:choose>
-                  </dgm:if>
-                  <dgm:if name="Name65" func="var" arg="hierBranch" op="equ" val="r">
-                    <dgm:choose name="Name66">
-                      <dgm:if name="Name67" axis="ch" ptType="asst" func="cnt" op="gte" val="1">
-                        <dgm:alg type="hierRoot">
-                          <dgm:param type="hierAlign" val="tL"/>
-                        </dgm:alg>
-                        <dgm:shape xmlns:r="http://schemas.openxmlformats.org/officeDocument/2006/relationships" r:blip="">
-                          <dgm:adjLst/>
-                        </dgm:shape>
-                        <dgm:presOf/>
-                        <dgm:constrLst>
-                          <dgm:constr type="alignOff" val="0.65"/>
-                        </dgm:constrLst>
-                      </dgm:if>
-                      <dgm:else name="Name68">
-                        <dgm:alg type="hierRoot">
-                          <dgm:param type="hierAlign" val="tL"/>
-                        </dgm:alg>
-                        <dgm:shape xmlns:r="http://schemas.openxmlformats.org/officeDocument/2006/relationships" r:blip="">
-                          <dgm:adjLst/>
-                        </dgm:shape>
-                        <dgm:presOf/>
-                        <dgm:constrLst>
-                          <dgm:constr type="alignOff" val="0.25"/>
-                        </dgm:constrLst>
-                      </dgm:else>
-                    </dgm:choose>
-                  </dgm:if>
-                  <dgm:if name="Name69" func="var" arg="hierBranch" op="equ" val="std">
-                    <dgm:alg type="hierRoot"/>
-                    <dgm:shape xmlns:r="http://schemas.openxmlformats.org/officeDocument/2006/relationships" r:blip="">
-                      <dgm:adjLst/>
-                    </dgm:shape>
-                    <dgm:presOf/>
-                    <dgm:constrLst>
-                      <dgm:constr type="alignOff"/>
-                      <dgm:constr type="bendDist" for="des" ptType="parTrans" refType="sp" fact="0.5"/>
-                    </dgm:constrLst>
-                  </dgm:if>
-                  <dgm:if name="Name70" func="var" arg="hierBranch" op="equ" val="init">
-                    <dgm:choose name="Name71">
-                      <dgm:if name="Name72" axis="des" func="maxDepth" op="lte" val="1">
-                        <dgm:choose name="Name73">
-                          <dgm:if name="Name74" axis="ch" ptType="asst" func="cnt" op="gte" val="1">
-                            <dgm:alg type="hierRoot">
-                              <dgm:param type="hierAlign" val="tL"/>
-                            </dgm:alg>
-                            <dgm:shape xmlns:r="http://schemas.openxmlformats.org/officeDocument/2006/relationships" r:blip="">
-                              <dgm:adjLst/>
-                            </dgm:shape>
-                            <dgm:presOf/>
-                            <dgm:constrLst>
-                              <dgm:constr type="alignOff" val="0.65"/>
-                            </dgm:constrLst>
-                          </dgm:if>
-                          <dgm:else name="Name75">
-                            <dgm:alg type="hierRoot">
-                              <dgm:param type="hierAlign" val="tL"/>
-                            </dgm:alg>
-                            <dgm:shape xmlns:r="http://schemas.openxmlformats.org/officeDocument/2006/relationships" r:blip="">
-                              <dgm:adjLst/>
-                            </dgm:shape>
-                            <dgm:presOf/>
-                            <dgm:constrLst>
-                              <dgm:constr type="alignOff" val="0.25"/>
-                            </dgm:constrLst>
-                          </dgm:else>
-                        </dgm:choose>
-                      </dgm:if>
-                      <dgm:else name="Name76">
-                        <dgm:alg type="hierRoot"/>
-                        <dgm:shape xmlns:r="http://schemas.openxmlformats.org/officeDocument/2006/relationships" r:blip="">
-                          <dgm:adjLst/>
-                        </dgm:shape>
-                        <dgm:presOf/>
-                        <dgm:constrLst>
-                          <dgm:constr type="alignOff"/>
-                          <dgm:constr type="bendDist" for="des" ptType="parTrans" refType="sp" fact="0.5"/>
-                        </dgm:constrLst>
-                      </dgm:else>
-                    </dgm:choose>
-                  </dgm:if>
-                  <dgm:else name="Name77">
-                    <dgm:alg type="hierRoot"/>
-                    <dgm:shape xmlns:r="http://schemas.openxmlformats.org/officeDocument/2006/relationships" r:blip="">
-                      <dgm:adjLst/>
-                    </dgm:shape>
-                    <dgm:presOf/>
-                    <dgm:constrLst>
-                      <dgm:constr type="alignOff" val="0.65"/>
-                    </dgm:constrLst>
-                  </dgm:else>
-                </dgm:choose>
-                <dgm:ruleLst/>
-                <dgm:layoutNode name="rootComposite">
-                  <dgm:alg type="composite"/>
-                  <dgm:shape xmlns:r="http://schemas.openxmlformats.org/officeDocument/2006/relationships" r:blip="">
-                    <dgm:adjLst/>
-                  </dgm:shape>
-                  <dgm:presOf axis="self" ptType="node" cnt="1"/>
-                  <dgm:choose name="Name78">
-                    <dgm:if name="Name79" func="var" arg="hierBranch" op="equ" val="init">
-                      <dgm:constrLst>
-                        <dgm:constr type="l" for="ch" forName="rootText"/>
-                        <dgm:constr type="t" for="ch" forName="rootText"/>
-                        <dgm:constr type="w" for="ch" forName="rootText" refType="w"/>
-                        <dgm:constr type="h" for="ch" forName="rootText" refType="h"/>
-                        <dgm:constr type="l" for="ch" forName="rootConnector"/>
-                        <dgm:constr type="t" for="ch" forName="rootConnector"/>
-                        <dgm:constr type="w" for="ch" forName="rootConnector" refType="w" refFor="ch" refForName="rootText" fact="0.2"/>
-                        <dgm:constr type="h" for="ch" forName="rootConnector" refType="h" refFor="ch" refForName="rootText"/>
-                      </dgm:constrLst>
-                    </dgm:if>
-                    <dgm:if name="Name80" func="var" arg="hierBranch" op="equ" val="l">
-                      <dgm:constrLst>
-                        <dgm:constr type="l" for="ch" forName="rootText"/>
-                        <dgm:constr type="t" for="ch" forName="rootText"/>
-                        <dgm:constr type="w" for="ch" forName="rootText" refType="w"/>
-                        <dgm:constr type="h" for="ch" forName="rootText" refType="h"/>
-                        <dgm:constr type="r" for="ch" forName="rootConnector" refType="w"/>
-                        <dgm:constr type="t" for="ch" forName="rootConnector"/>
-                        <dgm:constr type="w" for="ch" forName="rootConnector" refType="w" refFor="ch" refForName="rootText" fact="0.2"/>
-                        <dgm:constr type="h" for="ch" forName="rootConnector" refType="h" refFor="ch" refForName="rootText"/>
-                      </dgm:constrLst>
-                    </dgm:if>
-                    <dgm:if name="Name81" func="var" arg="hierBranch" op="equ" val="r">
-                      <dgm:constrLst>
-                        <dgm:constr type="l" for="ch" forName="rootText"/>
-                        <dgm:constr type="t" for="ch" forName="rootText"/>
-                        <dgm:constr type="w" for="ch" forName="rootText" refType="w"/>
-                        <dgm:constr type="h" for="ch" forName="rootText" refType="h"/>
-                        <dgm:constr type="l" for="ch" forName="rootConnector"/>
-                        <dgm:constr type="t" for="ch" forName="rootConnector"/>
-                        <dgm:constr type="w" for="ch" forName="rootConnector" refType="w" refFor="ch" refForName="rootText" fact="0.2"/>
-                        <dgm:constr type="h" for="ch" forName="rootConnector" refType="h" refFor="ch" refForName="rootText"/>
-                      </dgm:constrLst>
-                    </dgm:if>
-                    <dgm:else name="Name82">
-                      <dgm:constrLst>
-                        <dgm:constr type="l" for="ch" forName="rootText"/>
-                        <dgm:constr type="t" for="ch" forName="rootText"/>
-                        <dgm:constr type="w" for="ch" forName="rootText" refType="w"/>
-                        <dgm:constr type="h" for="ch" forName="rootText" refType="h"/>
-                        <dgm:constr type="r" for="ch" forName="rootConnector" refType="w"/>
-                        <dgm:constr type="t" for="ch" forName="rootConnector"/>
-                        <dgm:constr type="w" for="ch" forName="rootConnector" refType="w" refFor="ch" refForName="rootText" fact="0.2"/>
-                        <dgm:constr type="h" for="ch" forName="rootConnector" refType="h" refFor="ch" refForName="rootText"/>
-                      </dgm:constrLst>
-                    </dgm:else>
-                  </dgm:choose>
-                  <dgm:ruleLst/>
-                  <dgm:layoutNode name="rootText">
-                    <dgm:varLst>
-                      <dgm:chPref val="3"/>
-                    </dgm:varLst>
-                    <dgm:alg type="tx"/>
-                    <dgm:shape xmlns:r="http://schemas.openxmlformats.org/officeDocument/2006/relationships" type="rect" r:blip="">
-                      <dgm:adjLst/>
-                    </dgm:shape>
-                    <dgm:presOf axis="self" ptType="node" cnt="1"/>
-                    <dgm:constrLst>
-                      <dgm:constr type="primFontSz" val="65"/>
-                      <dgm:constr type="lMarg" refType="primFontSz" fact="0.05"/>
-                      <dgm:constr type="rMarg" refType="primFontSz" fact="0.05"/>
-                      <dgm:constr type="tMarg" refType="primFontSz" fact="0.05"/>
-                      <dgm:constr type="bMarg" refType="primFontSz" fact="0.05"/>
-                    </dgm:constrLst>
-                    <dgm:ruleLst>
-                      <dgm:rule type="primFontSz" val="5" fact="NaN" max="NaN"/>
-                    </dgm:ruleLst>
-                  </dgm:layoutNode>
-                  <dgm:layoutNode name="rootConnector" moveWith="rootText">
-                    <dgm:alg type="sp"/>
-                    <dgm:shape xmlns:r="http://schemas.openxmlformats.org/officeDocument/2006/relationships" type="rect" r:blip="" hideGeom="1">
-                      <dgm:adjLst/>
-                    </dgm:shape>
-                    <dgm:presOf axis="self" ptType="node" cnt="1"/>
-                    <dgm:constrLst/>
-                    <dgm:ruleLst/>
-                  </dgm:layoutNode>
-                </dgm:layoutNode>
-                <dgm:layoutNode name="hierChild4">
-                  <dgm:choose name="Name83">
-                    <dgm:if name="Name84" func="var" arg="hierBranch" op="equ" val="l">
-                      <dgm:alg type="hierChild">
-                        <dgm:param type="chAlign" val="r"/>
-                        <dgm:param type="linDir" val="fromT"/>
-                      </dgm:alg>
-                    </dgm:if>
-                    <dgm:if name="Name85" func="var" arg="hierBranch" op="equ" val="r">
-                      <dgm:alg type="hierChild">
-                        <dgm:param type="chAlign" val="l"/>
-                        <dgm:param type="linDir" val="fromT"/>
-                      </dgm:alg>
-                    </dgm:if>
-                    <dgm:if name="Name86" func="var" arg="hierBranch" op="equ" val="hang">
-                      <dgm:choose name="Name87">
-                        <dgm:if name="Name88" func="var" arg="dir" op="equ" val="norm">
-                          <dgm:alg type="hierChild">
-                            <dgm:param type="chAlign" val="l"/>
-                            <dgm:param type="linDir" val="fromL"/>
-                            <dgm:param type="secChAlign" val="t"/>
-                            <dgm:param type="secLinDir" val="fromT"/>
-                          </dgm:alg>
-                        </dgm:if>
-                        <dgm:else name="Name89">
-                          <dgm:alg type="hierChild">
-                            <dgm:param type="chAlign" val="l"/>
-                            <dgm:param type="linDir" val="fromR"/>
-                            <dgm:param type="secChAlign" val="t"/>
-                            <dgm:param type="secLinDir" val="fromT"/>
-                          </dgm:alg>
-                        </dgm:else>
-                      </dgm:choose>
-                    </dgm:if>
-                    <dgm:if name="Name90" func="var" arg="hierBranch" op="equ" val="std">
-                      <dgm:choose name="Name91">
-                        <dgm:if name="Name92" func="var" arg="dir" op="equ" val="norm">
-                          <dgm:alg type="hierChild"/>
-                        </dgm:if>
-                        <dgm:else name="Name93">
-                          <dgm:alg type="hierChild">
-                            <dgm:param type="linDir" val="fromR"/>
-                          </dgm:alg>
-                        </dgm:else>
-                      </dgm:choose>
-                    </dgm:if>
-                    <dgm:if name="Name94" func="var" arg="hierBranch" op="equ" val="init">
-                      <dgm:choose name="Name95">
-                        <dgm:if name="Name96" axis="des" func="maxDepth" op="lte" val="1">
-                          <dgm:alg type="hierChild">
-                            <dgm:param type="chAlign" val="l"/>
-                            <dgm:param type="linDir" val="fromT"/>
-                          </dgm:alg>
-                        </dgm:if>
-                        <dgm:else name="Name97">
-                          <dgm:choose name="Name98">
-                            <dgm:if name="Name99" func="var" arg="dir" op="equ" val="norm">
-                              <dgm:alg type="hierChild"/>
-                            </dgm:if>
-                            <dgm:else name="Name100">
-                              <dgm:alg type="hierChild">
-                                <dgm:param type="linDir" val="fromR"/>
-                              </dgm:alg>
-                            </dgm:else>
-                          </dgm:choose>
-                        </dgm:else>
-                      </dgm:choose>
-                    </dgm:if>
-                    <dgm:else name="Name101"/>
-                  </dgm:choose>
-                  <dgm:shape xmlns:r="http://schemas.openxmlformats.org/officeDocument/2006/relationships" r:blip="">
-                    <dgm:adjLst/>
-                  </dgm:shape>
-                  <dgm:presOf/>
-                  <dgm:constrLst/>
-                  <dgm:ruleLst/>
-                  <dgm:forEach name="Name102" ref="rep2a"/>
-                </dgm:layoutNode>
-                <dgm:layoutNode name="hierChild5">
-                  <dgm:choose name="Name103">
-                    <dgm:if name="Name104" func="var" arg="dir" op="equ" val="norm">
-                      <dgm:alg type="hierChild">
-                        <dgm:param type="chAlign" val="l"/>
-                        <dgm:param type="linDir" val="fromL"/>
-                        <dgm:param type="secChAlign" val="t"/>
-                        <dgm:param type="secLinDir" val="fromT"/>
-                      </dgm:alg>
-                    </dgm:if>
-                    <dgm:else name="Name105">
-                      <dgm:alg type="hierChild">
-                        <dgm:param type="chAlign" val="l"/>
-                        <dgm:param type="linDir" val="fromR"/>
-                        <dgm:param type="secChAlign" val="t"/>
-                        <dgm:param type="secLinDir" val="fromT"/>
-                      </dgm:alg>
-                    </dgm:else>
-                  </dgm:choose>
-                  <dgm:shape xmlns:r="http://schemas.openxmlformats.org/officeDocument/2006/relationships" r:blip="">
-                    <dgm:adjLst/>
-                  </dgm:shape>
-                  <dgm:presOf/>
-                  <dgm:constrLst/>
-                  <dgm:ruleLst/>
-                  <dgm:forEach name="Name106" ref="rep2b"/>
-                </dgm:layoutNode>
+                        <dgm:constrLst/>
+                        <dgm:ruleLst/>
+                        <dgm:forEach name="Name25" ref="repeat"/>
+                      </dgm:layoutNode>
+                    </dgm:layoutNode>
+                  </dgm:forEach>
+                </dgm:forEach>
               </dgm:layoutNode>
-            </dgm:forEach>
+            </dgm:layoutNode>
+          </dgm:forEach>
+        </dgm:forEach>
+      </dgm:layoutNode>
+    </dgm:layoutNode>
+    <dgm:layoutNode name="bgShapesFlow">
+      <dgm:alg type="lin">
+        <dgm:param type="linDir" val="fromT"/>
+        <dgm:param type="nodeVertAlign" val="t"/>
+        <dgm:param type="vertAlign" val="t"/>
+        <dgm:param type="nodeHorzAlign" val="ctr"/>
+      </dgm:alg>
+      <dgm:shape xmlns:r="http://schemas.openxmlformats.org/officeDocument/2006/relationships" r:blip="">
+        <dgm:adjLst/>
+      </dgm:shape>
+      <dgm:presOf/>
+      <dgm:constrLst>
+        <dgm:constr type="userB"/>
+        <dgm:constr type="w" for="ch" forName="rectComp" refType="w"/>
+        <dgm:constr type="h" for="ch" forName="rectComp" refType="h"/>
+        <dgm:constr type="w" for="des" forName="bgRect" refType="w"/>
+        <dgm:constr type="primFontSz" for="des" forName="bgRectTx" op="equ"/>
+      </dgm:constrLst>
+      <dgm:ruleLst/>
+      <dgm:forEach name="Name26" axis="ch" ptType="node" st="2">
+        <dgm:layoutNode name="rectComp">
+          <dgm:alg type="composite">
+            <dgm:param type="vertAlign" val="t"/>
+            <dgm:param type="horzAlign" val="ctr"/>
+          </dgm:alg>
+          <dgm:shape xmlns:r="http://schemas.openxmlformats.org/officeDocument/2006/relationships" r:blip="">
+            <dgm:adjLst/>
+          </dgm:shape>
+          <dgm:presOf/>
+          <dgm:choose name="Name27">
+            <dgm:if name="Name28" func="var" arg="dir" op="equ" val="norm">
+              <dgm:constrLst>
+                <dgm:constr type="userA"/>
+                <dgm:constr type="l" for="ch" forName="bgRect"/>
+                <dgm:constr type="t" for="ch" forName="bgRect"/>
+                <dgm:constr type="h" for="ch" forName="bgRect" refType="userA" fact="1.2"/>
+                <dgm:constr type="l" for="ch" forName="bgRectTx"/>
+                <dgm:constr type="t" for="ch" forName="bgRectTx"/>
+                <dgm:constr type="w" for="ch" forName="bgRectTx" refType="w" refFor="ch" refForName="bgRect" fact="0.3"/>
+                <dgm:constr type="h" for="ch" forName="bgRectTx" refType="h" refFor="ch" refForName="bgRect" op="equ"/>
+              </dgm:constrLst>
+            </dgm:if>
+            <dgm:else name="Name29">
+              <dgm:constrLst>
+                <dgm:constr type="userA"/>
+                <dgm:constr type="l" for="ch" forName="bgRect"/>
+                <dgm:constr type="t" for="ch" forName="bgRect"/>
+                <dgm:constr type="h" for="ch" forName="bgRect" refType="userA" fact="1.2"/>
+                <dgm:constr type="r" for="ch" forName="bgRectTx" refType="w"/>
+                <dgm:constr type="t" for="ch" forName="bgRectTx"/>
+                <dgm:constr type="w" for="ch" forName="bgRectTx" refType="w" refFor="ch" refForName="bgRect" fact="0.3"/>
+                <dgm:constr type="h" for="ch" forName="bgRectTx" refType="h" refFor="ch" refForName="bgRect" op="equ"/>
+              </dgm:constrLst>
+            </dgm:else>
+          </dgm:choose>
+          <dgm:ruleLst/>
+          <dgm:layoutNode name="bgRect" styleLbl="bgShp">
+            <dgm:alg type="sp"/>
+            <dgm:shape xmlns:r="http://schemas.openxmlformats.org/officeDocument/2006/relationships" type="roundRect" r:blip="" zOrderOff="-999">
+              <dgm:adjLst>
+                <dgm:adj idx="1" val="0.1"/>
+              </dgm:adjLst>
+            </dgm:shape>
+            <dgm:presOf axis="desOrSelf" ptType="node"/>
+            <dgm:constrLst/>
+            <dgm:ruleLst/>
           </dgm:layoutNode>
-          <dgm:layoutNode name="hierChild3">
-            <dgm:choose name="Name107">
-              <dgm:if name="Name108" func="var" arg="dir" op="equ" val="norm">
-                <dgm:alg type="hierChild">
-                  <dgm:param type="chAlign" val="l"/>
-                  <dgm:param type="linDir" val="fromL"/>
-                  <dgm:param type="secChAlign" val="t"/>
-                  <dgm:param type="secLinDir" val="fromT"/>
-                </dgm:alg>
-              </dgm:if>
-              <dgm:else name="Name109">
-                <dgm:alg type="hierChild">
-                  <dgm:param type="chAlign" val="l"/>
-                  <dgm:param type="linDir" val="fromR"/>
-                  <dgm:param type="secChAlign" val="t"/>
-                  <dgm:param type="secLinDir" val="fromT"/>
-                </dgm:alg>
-              </dgm:else>
-            </dgm:choose>
-            <dgm:shape xmlns:r="http://schemas.openxmlformats.org/officeDocument/2006/relationships" r:blip="">
+          <dgm:layoutNode name="bgRectTx" styleLbl="bgShp">
+            <dgm:varLst>
+              <dgm:bulletEnabled val="1"/>
+            </dgm:varLst>
+            <dgm:alg type="tx"/>
+            <dgm:presOf axis="desOrSelf" ptType="node"/>
+            <dgm:shape xmlns:r="http://schemas.openxmlformats.org/officeDocument/2006/relationships" type="rect" r:blip="" zOrderOff="-999" hideGeom="1">
               <dgm:adjLst/>
             </dgm:shape>
-            <dgm:presOf/>
-            <dgm:constrLst/>
-            <dgm:ruleLst/>
-            <dgm:forEach name="rep2b" axis="ch" ptType="asst">
-              <dgm:forEach name="Name110" axis="precedSib" ptType="parTrans" st="-1" cnt="1">
-                <dgm:layoutNode name="Name111">
-                  <dgm:alg type="conn">
-                    <dgm:param type="connRout" val="bend"/>
-                    <dgm:param type="dim" val="1D"/>
-                    <dgm:param type="endSty" val="noArr"/>
-                    <dgm:param type="begPts" val="bCtr"/>
-                    <dgm:param type="endPts" val="midL midR"/>
-                  </dgm:alg>
-                  <dgm:shape xmlns:r="http://schemas.openxmlformats.org/officeDocument/2006/relationships" type="conn" r:blip="" zOrderOff="-99999">
-                    <dgm:adjLst/>
-                  </dgm:shape>
-                  <dgm:presOf axis="self"/>
-                  <dgm:constrLst>
-                    <dgm:constr type="begPad"/>
-                    <dgm:constr type="endPad"/>
-                  </dgm:constrLst>
-                  <dgm:ruleLst/>
-                </dgm:layoutNode>
-              </dgm:forEach>
-              <dgm:layoutNode name="hierRoot3">
-                <dgm:varLst>
-                  <dgm:hierBranch val="init"/>
-                </dgm:varLst>
-                <dgm:choose name="Name112">
-                  <dgm:if name="Name113" func="var" arg="hierBranch" op="equ" val="l">
-                    <dgm:alg type="hierRoot">
-                      <dgm:param type="hierAlign" val="tR"/>
-                    </dgm:alg>
-                    <dgm:shape xmlns:r="http://schemas.openxmlformats.org/officeDocument/2006/relationships" r:blip="">
-                      <dgm:adjLst/>
-                    </dgm:shape>
-                    <dgm:presOf/>
-                    <dgm:constrLst>
-                      <dgm:constr type="alignOff" val="0.65"/>
-                    </dgm:constrLst>
-                  </dgm:if>
-                  <dgm:if name="Name114" func="var" arg="hierBranch" op="equ" val="r">
-                    <dgm:alg type="hierRoot">
-                      <dgm:param type="hierAlign" val="tL"/>
-                    </dgm:alg>
-                    <dgm:shape xmlns:r="http://schemas.openxmlformats.org/officeDocument/2006/relationships" r:blip="">
-                      <dgm:adjLst/>
-                    </dgm:shape>
-                    <dgm:presOf/>
-                    <dgm:constrLst>
-                      <dgm:constr type="alignOff" val="0.65"/>
-                    </dgm:constrLst>
-                  </dgm:if>
-                  <dgm:if name="Name115" func="var" arg="hierBranch" op="equ" val="hang">
-                    <dgm:alg type="hierRoot"/>
-                    <dgm:shape xmlns:r="http://schemas.openxmlformats.org/officeDocument/2006/relationships" r:blip="">
-                      <dgm:adjLst/>
-                    </dgm:shape>
-                    <dgm:presOf/>
-                    <dgm:constrLst>
-                      <dgm:constr type="alignOff" val="0.65"/>
-                    </dgm:constrLst>
-                  </dgm:if>
-                  <dgm:if name="Name116" func="var" arg="hierBranch" op="equ" val="std">
-                    <dgm:alg type="hierRoot"/>
-                    <dgm:shape xmlns:r="http://schemas.openxmlformats.org/officeDocument/2006/relationships" r:blip="">
-                      <dgm:adjLst/>
-                    </dgm:shape>
-                    <dgm:presOf/>
-                    <dgm:constrLst>
-                      <dgm:constr type="alignOff"/>
-                      <dgm:constr type="bendDist" for="des" ptType="parTrans" refType="sp" fact="0.5"/>
-                    </dgm:constrLst>
-                  </dgm:if>
-                  <dgm:if name="Name117" func="var" arg="hierBranch" op="equ" val="init">
-                    <dgm:choose name="Name118">
-                      <dgm:if name="Name119" axis="des" func="maxDepth" op="lte" val="1">
-                        <dgm:alg type="hierRoot">
-                          <dgm:param type="hierAlign" val="tL"/>
-                        </dgm:alg>
-                        <dgm:shape xmlns:r="http://schemas.openxmlformats.org/officeDocument/2006/relationships" r:blip="">
-                          <dgm:adjLst/>
-                        </dgm:shape>
-                        <dgm:presOf/>
-                        <dgm:constrLst>
-                          <dgm:constr type="alignOff" val="0.65"/>
-                        </dgm:constrLst>
-                      </dgm:if>
-                      <dgm:else name="Name120">
-                        <dgm:alg type="hierRoot"/>
-                        <dgm:shape xmlns:r="http://schemas.openxmlformats.org/officeDocument/2006/relationships" r:blip="">
-                          <dgm:adjLst/>
-                        </dgm:shape>
-                        <dgm:presOf/>
-                        <dgm:constrLst>
-                          <dgm:constr type="alignOff"/>
-                          <dgm:constr type="bendDist" for="des" ptType="parTrans" refType="sp" fact="0.5"/>
-                        </dgm:constrLst>
-                      </dgm:else>
-                    </dgm:choose>
-                  </dgm:if>
-                  <dgm:else name="Name121"/>
-                </dgm:choose>
-                <dgm:ruleLst/>
-                <dgm:layoutNode name="rootComposite3">
-                  <dgm:alg type="composite"/>
-                  <dgm:shape xmlns:r="http://schemas.openxmlformats.org/officeDocument/2006/relationships" r:blip="">
-                    <dgm:adjLst/>
-                  </dgm:shape>
-                  <dgm:presOf axis="self" ptType="node" cnt="1"/>
-                  <dgm:choose name="Name122">
-                    <dgm:if name="Name123" func="var" arg="hierBranch" op="equ" val="init">
-                      <dgm:constrLst>
-                        <dgm:constr type="l" for="ch" forName="rootText3"/>
-                        <dgm:constr type="t" for="ch" forName="rootText3"/>
-                        <dgm:constr type="w" for="ch" forName="rootText3" refType="w"/>
-                        <dgm:constr type="h" for="ch" forName="rootText3" refType="h"/>
-                        <dgm:constr type="l" for="ch" forName="rootConnector3"/>
-                        <dgm:constr type="t" for="ch" forName="rootConnector3"/>
-                        <dgm:constr type="w" for="ch" forName="rootConnector3" refType="w" refFor="ch" refForName="rootText3" fact="0.2"/>
-                        <dgm:constr type="h" for="ch" forName="rootConnector3" refType="h" refFor="ch" refForName="rootText3"/>
-                      </dgm:constrLst>
-                    </dgm:if>
-                    <dgm:if name="Name124" func="var" arg="hierBranch" op="equ" val="l">
-                      <dgm:constrLst>
-                        <dgm:constr type="l" for="ch" forName="rootText3"/>
-                        <dgm:constr type="t" for="ch" forName="rootText3"/>
-                        <dgm:constr type="w" for="ch" forName="rootText3" refType="w"/>
-                        <dgm:constr type="h" for="ch" forName="rootText3" refType="h"/>
-                        <dgm:constr type="r" for="ch" forName="rootConnector3" refType="w"/>
-                        <dgm:constr type="t" for="ch" forName="rootConnector3"/>
-                        <dgm:constr type="w" for="ch" forName="rootConnector3" refType="w" refFor="ch" refForName="rootText3" fact="0.2"/>
-                        <dgm:constr type="h" for="ch" forName="rootConnector3" refType="h" refFor="ch" refForName="rootText3"/>
-                      </dgm:constrLst>
-                    </dgm:if>
-                    <dgm:if name="Name125" func="var" arg="hierBranch" op="equ" val="r">
-                      <dgm:constrLst>
-                        <dgm:constr type="l" for="ch" forName="rootText3"/>
-                        <dgm:constr type="t" for="ch" forName="rootText3"/>
-                        <dgm:constr type="w" for="ch" forName="rootText3" refType="w"/>
-                        <dgm:constr type="h" for="ch" forName="rootText3" refType="h"/>
-                        <dgm:constr type="l" for="ch" forName="rootConnector3"/>
-                        <dgm:constr type="t" for="ch" forName="rootConnector3"/>
-                        <dgm:constr type="w" for="ch" forName="rootConnector3" refType="w" refFor="ch" refForName="rootText3" fact="0.2"/>
-                        <dgm:constr type="h" for="ch" forName="rootConnector3" refType="h" refFor="ch" refForName="rootText3"/>
-                      </dgm:constrLst>
-                    </dgm:if>
-                    <dgm:else name="Name126">
-                      <dgm:constrLst>
-                        <dgm:constr type="l" for="ch" forName="rootText3"/>
-                        <dgm:constr type="t" for="ch" forName="rootText3"/>
-                        <dgm:constr type="w" for="ch" forName="rootText3" refType="w"/>
-                        <dgm:constr type="h" for="ch" forName="rootText3" refType="h"/>
-                        <dgm:constr type="r" for="ch" forName="rootConnector3" refType="w"/>
-                        <dgm:constr type="t" for="ch" forName="rootConnector3"/>
-                        <dgm:constr type="w" for="ch" forName="rootConnector3" refType="w" refFor="ch" refForName="rootText3" fact="0.2"/>
-                        <dgm:constr type="h" for="ch" forName="rootConnector3" refType="h" refFor="ch" refForName="rootText3"/>
-                      </dgm:constrLst>
-                    </dgm:else>
-                  </dgm:choose>
-                  <dgm:ruleLst/>
-                  <dgm:layoutNode name="rootText3">
-                    <dgm:varLst>
-                      <dgm:chPref val="3"/>
-                    </dgm:varLst>
-                    <dgm:alg type="tx"/>
-                    <dgm:shape xmlns:r="http://schemas.openxmlformats.org/officeDocument/2006/relationships" type="rect" r:blip="">
-                      <dgm:adjLst/>
-                    </dgm:shape>
-                    <dgm:presOf axis="self" ptType="node" cnt="1"/>
-                    <dgm:constrLst>
-                      <dgm:constr type="primFontSz" val="65"/>
-                      <dgm:constr type="lMarg" refType="primFontSz" fact="0.05"/>
-                      <dgm:constr type="rMarg" refType="primFontSz" fact="0.05"/>
-                      <dgm:constr type="tMarg" refType="primFontSz" fact="0.05"/>
-                      <dgm:constr type="bMarg" refType="primFontSz" fact="0.05"/>
-                    </dgm:constrLst>
-                    <dgm:ruleLst>
-                      <dgm:rule type="primFontSz" val="5" fact="NaN" max="NaN"/>
-                    </dgm:ruleLst>
-                  </dgm:layoutNode>
-                  <dgm:layoutNode name="rootConnector3" moveWith="rootText1">
-                    <dgm:alg type="sp"/>
-                    <dgm:shape xmlns:r="http://schemas.openxmlformats.org/officeDocument/2006/relationships" type="rect" r:blip="" hideGeom="1">
-                      <dgm:adjLst/>
-                    </dgm:shape>
-                    <dgm:presOf axis="self" ptType="node" cnt="1"/>
-                    <dgm:constrLst/>
-                    <dgm:ruleLst/>
-                  </dgm:layoutNode>
-                </dgm:layoutNode>
-                <dgm:layoutNode name="hierChild6">
-                  <dgm:choose name="Name127">
-                    <dgm:if name="Name128" func="var" arg="hierBranch" op="equ" val="l">
-                      <dgm:alg type="hierChild">
-                        <dgm:param type="chAlign" val="r"/>
-                        <dgm:param type="linDir" val="fromT"/>
-                      </dgm:alg>
-                    </dgm:if>
-                    <dgm:if name="Name129" func="var" arg="hierBranch" op="equ" val="r">
-                      <dgm:alg type="hierChild">
-                        <dgm:param type="chAlign" val="l"/>
-                        <dgm:param type="linDir" val="fromT"/>
-                      </dgm:alg>
-                    </dgm:if>
-                    <dgm:if name="Name130" func="var" arg="hierBranch" op="equ" val="hang">
-                      <dgm:choose name="Name131">
-                        <dgm:if name="Name132" func="var" arg="dir" op="equ" val="norm">
-                          <dgm:alg type="hierChild">
-                            <dgm:param type="chAlign" val="l"/>
-                            <dgm:param type="linDir" val="fromL"/>
-                            <dgm:param type="secChAlign" val="t"/>
-                            <dgm:param type="secLinDir" val="fromT"/>
-                          </dgm:alg>
-                        </dgm:if>
-                        <dgm:else name="Name133">
-                          <dgm:alg type="hierChild">
-                            <dgm:param type="chAlign" val="l"/>
-                            <dgm:param type="linDir" val="fromR"/>
-                            <dgm:param type="secChAlign" val="t"/>
-                            <dgm:param type="secLinDir" val="fromT"/>
-                          </dgm:alg>
-                        </dgm:else>
-                      </dgm:choose>
-                    </dgm:if>
-                    <dgm:if name="Name134" func="var" arg="hierBranch" op="equ" val="std">
-                      <dgm:choose name="Name135">
-                        <dgm:if name="Name136" func="var" arg="dir" op="equ" val="norm">
-                          <dgm:alg type="hierChild"/>
-                        </dgm:if>
-                        <dgm:else name="Name137">
-                          <dgm:alg type="hierChild">
-                            <dgm:param type="linDir" val="fromR"/>
-                          </dgm:alg>
-                        </dgm:else>
-                      </dgm:choose>
-                    </dgm:if>
-                    <dgm:if name="Name138" func="var" arg="hierBranch" op="equ" val="init">
-                      <dgm:choose name="Name139">
-                        <dgm:if name="Name140" axis="des" func="maxDepth" op="lte" val="1">
-                          <dgm:alg type="hierChild">
-                            <dgm:param type="chAlign" val="l"/>
-                            <dgm:param type="linDir" val="fromT"/>
-                          </dgm:alg>
-                        </dgm:if>
-                        <dgm:else name="Name141">
-                          <dgm:alg type="hierChild"/>
-                        </dgm:else>
-                      </dgm:choose>
-                    </dgm:if>
-                    <dgm:else name="Name142"/>
-                  </dgm:choose>
-                  <dgm:shape xmlns:r="http://schemas.openxmlformats.org/officeDocument/2006/relationships" r:blip="">
-                    <dgm:adjLst/>
-                  </dgm:shape>
-                  <dgm:presOf/>
-                  <dgm:constrLst/>
-                  <dgm:ruleLst/>
-                  <dgm:forEach name="Name143" ref="rep2a"/>
-                </dgm:layoutNode>
-                <dgm:layoutNode name="hierChild7">
-                  <dgm:choose name="Name144">
-                    <dgm:if name="Name145" func="var" arg="dir" op="equ" val="norm">
-                      <dgm:alg type="hierChild">
-                        <dgm:param type="chAlign" val="l"/>
-                        <dgm:param type="linDir" val="fromL"/>
-                        <dgm:param type="secChAlign" val="t"/>
-                        <dgm:param type="secLinDir" val="fromT"/>
-                      </dgm:alg>
-                    </dgm:if>
-                    <dgm:else name="Name146">
-                      <dgm:alg type="hierChild">
-                        <dgm:param type="chAlign" val="l"/>
-                        <dgm:param type="linDir" val="fromR"/>
-                        <dgm:param type="secChAlign" val="t"/>
-                        <dgm:param type="secLinDir" val="fromT"/>
-                      </dgm:alg>
-                    </dgm:else>
-                  </dgm:choose>
-                  <dgm:shape xmlns:r="http://schemas.openxmlformats.org/officeDocument/2006/relationships" r:blip="">
-                    <dgm:adjLst/>
-                  </dgm:shape>
-                  <dgm:presOf/>
-                  <dgm:constrLst/>
-                  <dgm:ruleLst/>
-                  <dgm:forEach name="Name147" ref="rep2b"/>
-                </dgm:layoutNode>
-              </dgm:layoutNode>
-            </dgm:forEach>
+            <dgm:constrLst>
+              <dgm:constr type="primFontSz" val="65"/>
+            </dgm:constrLst>
+            <dgm:ruleLst>
+              <dgm:rule type="primFontSz" val="5" fact="NaN" max="NaN"/>
+            </dgm:ruleLst>
           </dgm:layoutNode>
         </dgm:layoutNode>
+        <dgm:choose name="Name30">
+          <dgm:if name="Name31" axis="self" ptType="node" func="revPos" op="gte" val="2">
+            <dgm:layoutNode name="spComp">
+              <dgm:alg type="composite">
+                <dgm:param type="vertAlign" val="t"/>
+                <dgm:param type="horzAlign" val="ctr"/>
+              </dgm:alg>
+              <dgm:shape xmlns:r="http://schemas.openxmlformats.org/officeDocument/2006/relationships" r:blip="">
+                <dgm:adjLst/>
+              </dgm:shape>
+              <dgm:presOf/>
+              <dgm:constrLst>
+                <dgm:constr type="userA"/>
+                <dgm:constr type="userB"/>
+                <dgm:constr type="l" for="ch" forName="vSp"/>
+                <dgm:constr type="t" for="ch" forName="vSp"/>
+                <dgm:constr type="h" for="ch" forName="vSp" refType="userB"/>
+                <dgm:constr type="hOff" for="ch" forName="vSp" refType="userA" fact="-0.2"/>
+              </dgm:constrLst>
+              <dgm:ruleLst/>
+              <dgm:layoutNode name="vSp">
+                <dgm:alg type="sp"/>
+                <dgm:shape xmlns:r="http://schemas.openxmlformats.org/officeDocument/2006/relationships" r:blip="">
+                  <dgm:adjLst/>
+                </dgm:shape>
+                <dgm:presOf/>
+                <dgm:constrLst/>
+                <dgm:ruleLst/>
+              </dgm:layoutNode>
+            </dgm:layoutNode>
+          </dgm:if>
+          <dgm:else name="Name32"/>
+        </dgm:choose>
       </dgm:forEach>
-    </dgm:forEach>
+    </dgm:layoutNode>
   </dgm:layoutNode>
 </dgm:layoutDef>
 </file>
@@ -35231,7 +34883,7 @@
           <a:p>
             <a:fld id="{ADB3A5E3-9D61-4D7B-8FB1-DFF7E31CD570}" type="datetimeFigureOut">
               <a:rPr lang="de-DE" smtClean="0"/>
-              <a:t>18.05.2023</a:t>
+              <a:t>23.05.2023</a:t>
             </a:fld>
             <a:endParaRPr lang="de-DE"/>
           </a:p>
@@ -35813,7 +35465,7 @@
           <a:p>
             <a:fld id="{C41AF5A7-074E-4464-B39C-B9F232C32D5A}" type="datetimeFigureOut">
               <a:rPr lang="de-DE" smtClean="0"/>
-              <a:t>18.05.2023</a:t>
+              <a:t>23.05.2023</a:t>
             </a:fld>
             <a:endParaRPr lang="de-DE"/>
           </a:p>
@@ -36011,7 +35663,7 @@
           <a:p>
             <a:fld id="{C41AF5A7-074E-4464-B39C-B9F232C32D5A}" type="datetimeFigureOut">
               <a:rPr lang="de-DE" smtClean="0"/>
-              <a:t>18.05.2023</a:t>
+              <a:t>23.05.2023</a:t>
             </a:fld>
             <a:endParaRPr lang="de-DE"/>
           </a:p>
@@ -36219,7 +35871,7 @@
           <a:p>
             <a:fld id="{C41AF5A7-074E-4464-B39C-B9F232C32D5A}" type="datetimeFigureOut">
               <a:rPr lang="de-DE" smtClean="0"/>
-              <a:t>18.05.2023</a:t>
+              <a:t>23.05.2023</a:t>
             </a:fld>
             <a:endParaRPr lang="de-DE"/>
           </a:p>
@@ -36417,7 +36069,7 @@
           <a:p>
             <a:fld id="{C41AF5A7-074E-4464-B39C-B9F232C32D5A}" type="datetimeFigureOut">
               <a:rPr lang="de-DE" smtClean="0"/>
-              <a:t>18.05.2023</a:t>
+              <a:t>23.05.2023</a:t>
             </a:fld>
             <a:endParaRPr lang="de-DE"/>
           </a:p>
@@ -36692,7 +36344,7 @@
           <a:p>
             <a:fld id="{C41AF5A7-074E-4464-B39C-B9F232C32D5A}" type="datetimeFigureOut">
               <a:rPr lang="de-DE" smtClean="0"/>
-              <a:t>18.05.2023</a:t>
+              <a:t>23.05.2023</a:t>
             </a:fld>
             <a:endParaRPr lang="de-DE"/>
           </a:p>
@@ -36957,7 +36609,7 @@
           <a:p>
             <a:fld id="{C41AF5A7-074E-4464-B39C-B9F232C32D5A}" type="datetimeFigureOut">
               <a:rPr lang="de-DE" smtClean="0"/>
-              <a:t>18.05.2023</a:t>
+              <a:t>23.05.2023</a:t>
             </a:fld>
             <a:endParaRPr lang="de-DE"/>
           </a:p>
@@ -37369,7 +37021,7 @@
           <a:p>
             <a:fld id="{C41AF5A7-074E-4464-B39C-B9F232C32D5A}" type="datetimeFigureOut">
               <a:rPr lang="de-DE" smtClean="0"/>
-              <a:t>18.05.2023</a:t>
+              <a:t>23.05.2023</a:t>
             </a:fld>
             <a:endParaRPr lang="de-DE"/>
           </a:p>
@@ -37510,7 +37162,7 @@
           <a:p>
             <a:fld id="{C41AF5A7-074E-4464-B39C-B9F232C32D5A}" type="datetimeFigureOut">
               <a:rPr lang="de-DE" smtClean="0"/>
-              <a:t>18.05.2023</a:t>
+              <a:t>23.05.2023</a:t>
             </a:fld>
             <a:endParaRPr lang="de-DE"/>
           </a:p>
@@ -37623,7 +37275,7 @@
           <a:p>
             <a:fld id="{C41AF5A7-074E-4464-B39C-B9F232C32D5A}" type="datetimeFigureOut">
               <a:rPr lang="de-DE" smtClean="0"/>
-              <a:t>18.05.2023</a:t>
+              <a:t>23.05.2023</a:t>
             </a:fld>
             <a:endParaRPr lang="de-DE"/>
           </a:p>
@@ -37934,7 +37586,7 @@
           <a:p>
             <a:fld id="{C41AF5A7-074E-4464-B39C-B9F232C32D5A}" type="datetimeFigureOut">
               <a:rPr lang="de-DE" smtClean="0"/>
-              <a:t>18.05.2023</a:t>
+              <a:t>23.05.2023</a:t>
             </a:fld>
             <a:endParaRPr lang="de-DE"/>
           </a:p>
@@ -38222,7 +37874,7 @@
           <a:p>
             <a:fld id="{C41AF5A7-074E-4464-B39C-B9F232C32D5A}" type="datetimeFigureOut">
               <a:rPr lang="de-DE" smtClean="0"/>
-              <a:t>18.05.2023</a:t>
+              <a:t>23.05.2023</a:t>
             </a:fld>
             <a:endParaRPr lang="de-DE"/>
           </a:p>
@@ -38463,7 +38115,7 @@
           <a:p>
             <a:fld id="{C41AF5A7-074E-4464-B39C-B9F232C32D5A}" type="datetimeFigureOut">
               <a:rPr lang="de-DE" smtClean="0"/>
-              <a:t>18.05.2023</a:t>
+              <a:t>23.05.2023</a:t>
             </a:fld>
             <a:endParaRPr lang="de-DE"/>
           </a:p>
@@ -39482,7 +39134,7 @@
             <p:ph idx="1"/>
             <p:extLst>
               <p:ext uri="{D42A27DB-BD31-4B8C-83A1-F6EECF244321}">
-                <p14:modId xmlns:p14="http://schemas.microsoft.com/office/powerpoint/2010/main" val="3873546967"/>
+                <p14:modId xmlns:p14="http://schemas.microsoft.com/office/powerpoint/2010/main" val="3355875535"/>
               </p:ext>
             </p:extLst>
           </p:nvPr>

--- a/scratch.pptx
+++ b/scratch.pptx
@@ -5,7 +5,7 @@
     <p:sldMasterId id="2147483648" r:id="rId1"/>
   </p:sldMasterIdLst>
   <p:notesMasterIdLst>
-    <p:notesMasterId r:id="rId11"/>
+    <p:notesMasterId r:id="rId12"/>
   </p:notesMasterIdLst>
   <p:sldIdLst>
     <p:sldId id="256" r:id="rId2"/>
@@ -14,14 +14,15 @@
     <p:sldId id="257" r:id="rId5"/>
     <p:sldId id="258" r:id="rId6"/>
     <p:sldId id="262" r:id="rId7"/>
-    <p:sldId id="264" r:id="rId8"/>
-    <p:sldId id="259" r:id="rId9"/>
-    <p:sldId id="260" r:id="rId10"/>
+    <p:sldId id="265" r:id="rId8"/>
+    <p:sldId id="264" r:id="rId9"/>
+    <p:sldId id="259" r:id="rId10"/>
+    <p:sldId id="260" r:id="rId11"/>
   </p:sldIdLst>
   <p:sldSz cx="12192000" cy="6858000"/>
   <p:notesSz cx="9926638" cy="14352588"/>
   <p:custDataLst>
-    <p:tags r:id="rId12"/>
+    <p:tags r:id="rId13"/>
   </p:custDataLst>
   <p:defaultTextStyle>
     <a:defPPr>
@@ -120,7 +121,18 @@
   </p:defaultTextStyle>
   <p:extLst>
     <p:ext uri="{EFAFB233-063F-42B5-8137-9DF3F51BA10A}">
-      <p15:sldGuideLst xmlns:p15="http://schemas.microsoft.com/office/powerpoint/2012/main"/>
+      <p15:sldGuideLst xmlns:p15="http://schemas.microsoft.com/office/powerpoint/2012/main">
+        <p15:guide id="1" orient="horz" pos="2160" userDrawn="1">
+          <p15:clr>
+            <a:srgbClr val="A4A3A4"/>
+          </p15:clr>
+        </p15:guide>
+        <p15:guide id="2" pos="3840" userDrawn="1">
+          <p15:clr>
+            <a:srgbClr val="A4A3A4"/>
+          </p15:clr>
+        </p15:guide>
+      </p15:sldGuideLst>
     </p:ext>
   </p:extLst>
 </p:presentation>
@@ -34883,7 +34895,7 @@
           <a:p>
             <a:fld id="{ADB3A5E3-9D61-4D7B-8FB1-DFF7E31CD570}" type="datetimeFigureOut">
               <a:rPr lang="de-DE" smtClean="0"/>
-              <a:t>23.05.2023</a:t>
+              <a:t>25.05.2023</a:t>
             </a:fld>
             <a:endParaRPr lang="de-DE"/>
           </a:p>
@@ -35465,7 +35477,7 @@
           <a:p>
             <a:fld id="{C41AF5A7-074E-4464-B39C-B9F232C32D5A}" type="datetimeFigureOut">
               <a:rPr lang="de-DE" smtClean="0"/>
-              <a:t>23.05.2023</a:t>
+              <a:t>25.05.2023</a:t>
             </a:fld>
             <a:endParaRPr lang="de-DE"/>
           </a:p>
@@ -35663,7 +35675,7 @@
           <a:p>
             <a:fld id="{C41AF5A7-074E-4464-B39C-B9F232C32D5A}" type="datetimeFigureOut">
               <a:rPr lang="de-DE" smtClean="0"/>
-              <a:t>23.05.2023</a:t>
+              <a:t>25.05.2023</a:t>
             </a:fld>
             <a:endParaRPr lang="de-DE"/>
           </a:p>
@@ -35871,7 +35883,7 @@
           <a:p>
             <a:fld id="{C41AF5A7-074E-4464-B39C-B9F232C32D5A}" type="datetimeFigureOut">
               <a:rPr lang="de-DE" smtClean="0"/>
-              <a:t>23.05.2023</a:t>
+              <a:t>25.05.2023</a:t>
             </a:fld>
             <a:endParaRPr lang="de-DE"/>
           </a:p>
@@ -36069,7 +36081,7 @@
           <a:p>
             <a:fld id="{C41AF5A7-074E-4464-B39C-B9F232C32D5A}" type="datetimeFigureOut">
               <a:rPr lang="de-DE" smtClean="0"/>
-              <a:t>23.05.2023</a:t>
+              <a:t>25.05.2023</a:t>
             </a:fld>
             <a:endParaRPr lang="de-DE"/>
           </a:p>
@@ -36344,7 +36356,7 @@
           <a:p>
             <a:fld id="{C41AF5A7-074E-4464-B39C-B9F232C32D5A}" type="datetimeFigureOut">
               <a:rPr lang="de-DE" smtClean="0"/>
-              <a:t>23.05.2023</a:t>
+              <a:t>25.05.2023</a:t>
             </a:fld>
             <a:endParaRPr lang="de-DE"/>
           </a:p>
@@ -36609,7 +36621,7 @@
           <a:p>
             <a:fld id="{C41AF5A7-074E-4464-B39C-B9F232C32D5A}" type="datetimeFigureOut">
               <a:rPr lang="de-DE" smtClean="0"/>
-              <a:t>23.05.2023</a:t>
+              <a:t>25.05.2023</a:t>
             </a:fld>
             <a:endParaRPr lang="de-DE"/>
           </a:p>
@@ -37021,7 +37033,7 @@
           <a:p>
             <a:fld id="{C41AF5A7-074E-4464-B39C-B9F232C32D5A}" type="datetimeFigureOut">
               <a:rPr lang="de-DE" smtClean="0"/>
-              <a:t>23.05.2023</a:t>
+              <a:t>25.05.2023</a:t>
             </a:fld>
             <a:endParaRPr lang="de-DE"/>
           </a:p>
@@ -37162,7 +37174,7 @@
           <a:p>
             <a:fld id="{C41AF5A7-074E-4464-B39C-B9F232C32D5A}" type="datetimeFigureOut">
               <a:rPr lang="de-DE" smtClean="0"/>
-              <a:t>23.05.2023</a:t>
+              <a:t>25.05.2023</a:t>
             </a:fld>
             <a:endParaRPr lang="de-DE"/>
           </a:p>
@@ -37275,7 +37287,7 @@
           <a:p>
             <a:fld id="{C41AF5A7-074E-4464-B39C-B9F232C32D5A}" type="datetimeFigureOut">
               <a:rPr lang="de-DE" smtClean="0"/>
-              <a:t>23.05.2023</a:t>
+              <a:t>25.05.2023</a:t>
             </a:fld>
             <a:endParaRPr lang="de-DE"/>
           </a:p>
@@ -37586,7 +37598,7 @@
           <a:p>
             <a:fld id="{C41AF5A7-074E-4464-B39C-B9F232C32D5A}" type="datetimeFigureOut">
               <a:rPr lang="de-DE" smtClean="0"/>
-              <a:t>23.05.2023</a:t>
+              <a:t>25.05.2023</a:t>
             </a:fld>
             <a:endParaRPr lang="de-DE"/>
           </a:p>
@@ -37874,7 +37886,7 @@
           <a:p>
             <a:fld id="{C41AF5A7-074E-4464-B39C-B9F232C32D5A}" type="datetimeFigureOut">
               <a:rPr lang="de-DE" smtClean="0"/>
-              <a:t>23.05.2023</a:t>
+              <a:t>25.05.2023</a:t>
             </a:fld>
             <a:endParaRPr lang="de-DE"/>
           </a:p>
@@ -38115,7 +38127,7 @@
           <a:p>
             <a:fld id="{C41AF5A7-074E-4464-B39C-B9F232C32D5A}" type="datetimeFigureOut">
               <a:rPr lang="de-DE" smtClean="0"/>
-              <a:t>23.05.2023</a:t>
+              <a:t>25.05.2023</a:t>
             </a:fld>
             <a:endParaRPr lang="de-DE"/>
           </a:p>
@@ -38592,6 +38604,196 @@
     <p:extLst>
       <p:ext uri="{BB962C8B-B14F-4D97-AF65-F5344CB8AC3E}">
         <p14:creationId xmlns:p14="http://schemas.microsoft.com/office/powerpoint/2010/main" val="3980518628"/>
+      </p:ext>
+    </p:extLst>
+  </p:cSld>
+  <p:clrMapOvr>
+    <a:masterClrMapping/>
+  </p:clrMapOvr>
+</p:sld>
+</file>
+
+<file path=ppt/slides/slide10.xml><?xml version="1.0" encoding="utf-8"?>
+<p:sld xmlns:a="http://schemas.openxmlformats.org/drawingml/2006/main" xmlns:r="http://schemas.openxmlformats.org/officeDocument/2006/relationships" xmlns:p="http://schemas.openxmlformats.org/presentationml/2006/main">
+  <p:cSld>
+    <p:spTree>
+      <p:nvGrpSpPr>
+        <p:cNvPr id="1" name=""/>
+        <p:cNvGrpSpPr/>
+        <p:nvPr/>
+      </p:nvGrpSpPr>
+      <p:grpSpPr>
+        <a:xfrm>
+          <a:off x="0" y="0"/>
+          <a:ext cx="0" cy="0"/>
+          <a:chOff x="0" y="0"/>
+          <a:chExt cx="0" cy="0"/>
+        </a:xfrm>
+      </p:grpSpPr>
+      <p:sp>
+        <p:nvSpPr>
+          <p:cNvPr id="2" name="Titel 1">
+            <a:extLst>
+              <a:ext uri="{FF2B5EF4-FFF2-40B4-BE49-F238E27FC236}">
+                <a16:creationId xmlns:a16="http://schemas.microsoft.com/office/drawing/2014/main" id="{0B6C9755-5CEB-444E-8AE8-3FCA3E65367F}"/>
+              </a:ext>
+            </a:extLst>
+          </p:cNvPr>
+          <p:cNvSpPr>
+            <a:spLocks noGrp="1"/>
+          </p:cNvSpPr>
+          <p:nvPr>
+            <p:ph type="title"/>
+          </p:nvPr>
+        </p:nvSpPr>
+        <p:spPr>
+          <a:xfrm>
+            <a:off x="838200" y="365125"/>
+            <a:ext cx="10515600" cy="1325563"/>
+          </a:xfrm>
+        </p:spPr>
+        <p:txBody>
+          <a:bodyPr/>
+          <a:lstStyle/>
+          <a:p>
+            <a:r>
+              <a:rPr lang="de-DE" dirty="0"/>
+              <a:t>Problem Statement</a:t>
+            </a:r>
+          </a:p>
+        </p:txBody>
+      </p:sp>
+      <p:sp>
+        <p:nvSpPr>
+          <p:cNvPr id="3" name="Inhaltsplatzhalter 2">
+            <a:extLst>
+              <a:ext uri="{FF2B5EF4-FFF2-40B4-BE49-F238E27FC236}">
+                <a16:creationId xmlns:a16="http://schemas.microsoft.com/office/drawing/2014/main" id="{137375D5-F574-4589-B859-C4338E397C0A}"/>
+              </a:ext>
+            </a:extLst>
+          </p:cNvPr>
+          <p:cNvSpPr>
+            <a:spLocks noGrp="1"/>
+          </p:cNvSpPr>
+          <p:nvPr>
+            <p:ph idx="1"/>
+          </p:nvPr>
+        </p:nvSpPr>
+        <p:spPr/>
+        <p:txBody>
+          <a:bodyPr/>
+          <a:lstStyle/>
+          <a:p>
+            <a:r>
+              <a:rPr lang="de-DE" dirty="0" err="1"/>
+              <a:t>Luenberger</a:t>
+            </a:r>
+            <a:r>
+              <a:rPr lang="de-DE" dirty="0"/>
+              <a:t> Beobachter</a:t>
+            </a:r>
+          </a:p>
+          <a:p>
+            <a:r>
+              <a:rPr lang="de-DE" dirty="0"/>
+              <a:t>Grey: </a:t>
+            </a:r>
+            <a:r>
+              <a:rPr lang="de-DE" dirty="0" err="1"/>
+              <a:t>state</a:t>
+            </a:r>
+            <a:r>
+              <a:rPr lang="de-DE" dirty="0"/>
+              <a:t>, </a:t>
+            </a:r>
+            <a:r>
+              <a:rPr lang="de-DE" dirty="0" err="1"/>
+              <a:t>red</a:t>
+            </a:r>
+            <a:r>
+              <a:rPr lang="de-DE" dirty="0"/>
+              <a:t>: </a:t>
+            </a:r>
+            <a:r>
+              <a:rPr lang="de-DE" dirty="0" err="1"/>
+              <a:t>sensor</a:t>
+            </a:r>
+            <a:r>
+              <a:rPr lang="de-DE" dirty="0"/>
+              <a:t> </a:t>
+            </a:r>
+            <a:r>
+              <a:rPr lang="de-DE" dirty="0" err="1"/>
+              <a:t>value</a:t>
+            </a:r>
+            <a:endParaRPr lang="de-DE" dirty="0"/>
+          </a:p>
+        </p:txBody>
+      </p:sp>
+      <p:pic>
+        <p:nvPicPr>
+          <p:cNvPr id="15" name="Grafik 14">
+            <a:extLst>
+              <a:ext uri="{FF2B5EF4-FFF2-40B4-BE49-F238E27FC236}">
+                <a16:creationId xmlns:a16="http://schemas.microsoft.com/office/drawing/2014/main" id="{71CE78D1-B116-44BE-8B7E-B9D00F3B4F22}"/>
+              </a:ext>
+            </a:extLst>
+          </p:cNvPr>
+          <p:cNvPicPr>
+            <a:picLocks noChangeAspect="1"/>
+          </p:cNvPicPr>
+          <p:nvPr/>
+        </p:nvPicPr>
+        <p:blipFill>
+          <a:blip r:embed="rId2"/>
+          <a:stretch>
+            <a:fillRect/>
+          </a:stretch>
+        </p:blipFill>
+        <p:spPr>
+          <a:xfrm>
+            <a:off x="7296955" y="1561216"/>
+            <a:ext cx="3317865" cy="1479727"/>
+          </a:xfrm>
+          <a:prstGeom prst="rect">
+            <a:avLst/>
+          </a:prstGeom>
+        </p:spPr>
+      </p:pic>
+      <p:pic>
+        <p:nvPicPr>
+          <p:cNvPr id="4" name="Grafik 3">
+            <a:extLst>
+              <a:ext uri="{FF2B5EF4-FFF2-40B4-BE49-F238E27FC236}">
+                <a16:creationId xmlns:a16="http://schemas.microsoft.com/office/drawing/2014/main" id="{5AAD4701-7572-4896-A3F8-B7DBC1196B21}"/>
+              </a:ext>
+            </a:extLst>
+          </p:cNvPr>
+          <p:cNvPicPr>
+            <a:picLocks noChangeAspect="1"/>
+          </p:cNvPicPr>
+          <p:nvPr/>
+        </p:nvPicPr>
+        <p:blipFill>
+          <a:blip r:embed="rId3"/>
+          <a:stretch>
+            <a:fillRect/>
+          </a:stretch>
+        </p:blipFill>
+        <p:spPr>
+          <a:xfrm>
+            <a:off x="7100914" y="3252083"/>
+            <a:ext cx="3709946" cy="2460442"/>
+          </a:xfrm>
+          <a:prstGeom prst="rect">
+            <a:avLst/>
+          </a:prstGeom>
+        </p:spPr>
+      </p:pic>
+    </p:spTree>
+    <p:extLst>
+      <p:ext uri="{BB962C8B-B14F-4D97-AF65-F5344CB8AC3E}">
+        <p14:creationId xmlns:p14="http://schemas.microsoft.com/office/powerpoint/2010/main" val="3603659497"/>
       </p:ext>
     </p:extLst>
   </p:cSld>
@@ -39181,6 +39383,2324 @@
       </p:grpSpPr>
       <p:sp>
         <p:nvSpPr>
+          <p:cNvPr id="27" name="Freihandform: Form 26">
+            <a:extLst>
+              <a:ext uri="{FF2B5EF4-FFF2-40B4-BE49-F238E27FC236}">
+                <a16:creationId xmlns:a16="http://schemas.microsoft.com/office/drawing/2014/main" id="{D54EF857-5F49-4A80-88B3-AC82488E2222}"/>
+              </a:ext>
+            </a:extLst>
+          </p:cNvPr>
+          <p:cNvSpPr/>
+          <p:nvPr/>
+        </p:nvSpPr>
+        <p:spPr>
+          <a:xfrm rot="5400000">
+            <a:off x="1251800" y="337599"/>
+            <a:ext cx="1440000" cy="1889650"/>
+          </a:xfrm>
+          <a:custGeom>
+            <a:avLst/>
+            <a:gdLst>
+              <a:gd name="connsiteX0" fmla="*/ 720000 w 1440000"/>
+              <a:gd name="connsiteY0" fmla="*/ 0 h 1889650"/>
+              <a:gd name="connsiteX1" fmla="*/ 1080000 w 1440000"/>
+              <a:gd name="connsiteY1" fmla="*/ 360000 h 1889650"/>
+              <a:gd name="connsiteX2" fmla="*/ 1072686 w 1440000"/>
+              <a:gd name="connsiteY2" fmla="*/ 432553 h 1889650"/>
+              <a:gd name="connsiteX3" fmla="*/ 1067379 w 1440000"/>
+              <a:gd name="connsiteY3" fmla="*/ 449650 h 1889650"/>
+              <a:gd name="connsiteX4" fmla="*/ 1440000 w 1440000"/>
+              <a:gd name="connsiteY4" fmla="*/ 449650 h 1889650"/>
+              <a:gd name="connsiteX5" fmla="*/ 1440000 w 1440000"/>
+              <a:gd name="connsiteY5" fmla="*/ 822271 h 1889650"/>
+              <a:gd name="connsiteX6" fmla="*/ 1422903 w 1440000"/>
+              <a:gd name="connsiteY6" fmla="*/ 816964 h 1889650"/>
+              <a:gd name="connsiteX7" fmla="*/ 1350350 w 1440000"/>
+              <a:gd name="connsiteY7" fmla="*/ 809650 h 1889650"/>
+              <a:gd name="connsiteX8" fmla="*/ 990350 w 1440000"/>
+              <a:gd name="connsiteY8" fmla="*/ 1169650 h 1889650"/>
+              <a:gd name="connsiteX9" fmla="*/ 1350350 w 1440000"/>
+              <a:gd name="connsiteY9" fmla="*/ 1529650 h 1889650"/>
+              <a:gd name="connsiteX10" fmla="*/ 1422903 w 1440000"/>
+              <a:gd name="connsiteY10" fmla="*/ 1522336 h 1889650"/>
+              <a:gd name="connsiteX11" fmla="*/ 1440000 w 1440000"/>
+              <a:gd name="connsiteY11" fmla="*/ 1517029 h 1889650"/>
+              <a:gd name="connsiteX12" fmla="*/ 1440000 w 1440000"/>
+              <a:gd name="connsiteY12" fmla="*/ 1889650 h 1889650"/>
+              <a:gd name="connsiteX13" fmla="*/ 0 w 1440000"/>
+              <a:gd name="connsiteY13" fmla="*/ 1889650 h 1889650"/>
+              <a:gd name="connsiteX14" fmla="*/ 0 w 1440000"/>
+              <a:gd name="connsiteY14" fmla="*/ 449650 h 1889650"/>
+              <a:gd name="connsiteX15" fmla="*/ 372621 w 1440000"/>
+              <a:gd name="connsiteY15" fmla="*/ 449650 h 1889650"/>
+              <a:gd name="connsiteX16" fmla="*/ 367314 w 1440000"/>
+              <a:gd name="connsiteY16" fmla="*/ 432553 h 1889650"/>
+              <a:gd name="connsiteX17" fmla="*/ 360000 w 1440000"/>
+              <a:gd name="connsiteY17" fmla="*/ 360000 h 1889650"/>
+              <a:gd name="connsiteX18" fmla="*/ 720000 w 1440000"/>
+              <a:gd name="connsiteY18" fmla="*/ 0 h 1889650"/>
+            </a:gdLst>
+            <a:ahLst/>
+            <a:cxnLst>
+              <a:cxn ang="0">
+                <a:pos x="connsiteX0" y="connsiteY0"/>
+              </a:cxn>
+              <a:cxn ang="0">
+                <a:pos x="connsiteX1" y="connsiteY1"/>
+              </a:cxn>
+              <a:cxn ang="0">
+                <a:pos x="connsiteX2" y="connsiteY2"/>
+              </a:cxn>
+              <a:cxn ang="0">
+                <a:pos x="connsiteX3" y="connsiteY3"/>
+              </a:cxn>
+              <a:cxn ang="0">
+                <a:pos x="connsiteX4" y="connsiteY4"/>
+              </a:cxn>
+              <a:cxn ang="0">
+                <a:pos x="connsiteX5" y="connsiteY5"/>
+              </a:cxn>
+              <a:cxn ang="0">
+                <a:pos x="connsiteX6" y="connsiteY6"/>
+              </a:cxn>
+              <a:cxn ang="0">
+                <a:pos x="connsiteX7" y="connsiteY7"/>
+              </a:cxn>
+              <a:cxn ang="0">
+                <a:pos x="connsiteX8" y="connsiteY8"/>
+              </a:cxn>
+              <a:cxn ang="0">
+                <a:pos x="connsiteX9" y="connsiteY9"/>
+              </a:cxn>
+              <a:cxn ang="0">
+                <a:pos x="connsiteX10" y="connsiteY10"/>
+              </a:cxn>
+              <a:cxn ang="0">
+                <a:pos x="connsiteX11" y="connsiteY11"/>
+              </a:cxn>
+              <a:cxn ang="0">
+                <a:pos x="connsiteX12" y="connsiteY12"/>
+              </a:cxn>
+              <a:cxn ang="0">
+                <a:pos x="connsiteX13" y="connsiteY13"/>
+              </a:cxn>
+              <a:cxn ang="0">
+                <a:pos x="connsiteX14" y="connsiteY14"/>
+              </a:cxn>
+              <a:cxn ang="0">
+                <a:pos x="connsiteX15" y="connsiteY15"/>
+              </a:cxn>
+              <a:cxn ang="0">
+                <a:pos x="connsiteX16" y="connsiteY16"/>
+              </a:cxn>
+              <a:cxn ang="0">
+                <a:pos x="connsiteX17" y="connsiteY17"/>
+              </a:cxn>
+              <a:cxn ang="0">
+                <a:pos x="connsiteX18" y="connsiteY18"/>
+              </a:cxn>
+            </a:cxnLst>
+            <a:rect l="l" t="t" r="r" b="b"/>
+            <a:pathLst>
+              <a:path w="1440000" h="1889650">
+                <a:moveTo>
+                  <a:pt x="720000" y="0"/>
+                </a:moveTo>
+                <a:cubicBezTo>
+                  <a:pt x="918823" y="0"/>
+                  <a:pt x="1080000" y="161177"/>
+                  <a:pt x="1080000" y="360000"/>
+                </a:cubicBezTo>
+                <a:cubicBezTo>
+                  <a:pt x="1080000" y="384853"/>
+                  <a:pt x="1077482" y="409118"/>
+                  <a:pt x="1072686" y="432553"/>
+                </a:cubicBezTo>
+                <a:lnTo>
+                  <a:pt x="1067379" y="449650"/>
+                </a:lnTo>
+                <a:lnTo>
+                  <a:pt x="1440000" y="449650"/>
+                </a:lnTo>
+                <a:lnTo>
+                  <a:pt x="1440000" y="822271"/>
+                </a:lnTo>
+                <a:lnTo>
+                  <a:pt x="1422903" y="816964"/>
+                </a:lnTo>
+                <a:cubicBezTo>
+                  <a:pt x="1399468" y="812169"/>
+                  <a:pt x="1375203" y="809650"/>
+                  <a:pt x="1350350" y="809650"/>
+                </a:cubicBezTo>
+                <a:cubicBezTo>
+                  <a:pt x="1151527" y="809650"/>
+                  <a:pt x="990350" y="970827"/>
+                  <a:pt x="990350" y="1169650"/>
+                </a:cubicBezTo>
+                <a:cubicBezTo>
+                  <a:pt x="990350" y="1368473"/>
+                  <a:pt x="1151527" y="1529650"/>
+                  <a:pt x="1350350" y="1529650"/>
+                </a:cubicBezTo>
+                <a:cubicBezTo>
+                  <a:pt x="1375203" y="1529650"/>
+                  <a:pt x="1399468" y="1527132"/>
+                  <a:pt x="1422903" y="1522336"/>
+                </a:cubicBezTo>
+                <a:lnTo>
+                  <a:pt x="1440000" y="1517029"/>
+                </a:lnTo>
+                <a:lnTo>
+                  <a:pt x="1440000" y="1889650"/>
+                </a:lnTo>
+                <a:lnTo>
+                  <a:pt x="0" y="1889650"/>
+                </a:lnTo>
+                <a:lnTo>
+                  <a:pt x="0" y="449650"/>
+                </a:lnTo>
+                <a:lnTo>
+                  <a:pt x="372621" y="449650"/>
+                </a:lnTo>
+                <a:lnTo>
+                  <a:pt x="367314" y="432553"/>
+                </a:lnTo>
+                <a:cubicBezTo>
+                  <a:pt x="362519" y="409118"/>
+                  <a:pt x="360000" y="384853"/>
+                  <a:pt x="360000" y="360000"/>
+                </a:cubicBezTo>
+                <a:cubicBezTo>
+                  <a:pt x="360000" y="161177"/>
+                  <a:pt x="521177" y="0"/>
+                  <a:pt x="720000" y="0"/>
+                </a:cubicBezTo>
+                <a:close/>
+              </a:path>
+            </a:pathLst>
+          </a:custGeom>
+          <a:noFill/>
+          <a:ln/>
+        </p:spPr>
+        <p:style>
+          <a:lnRef idx="2">
+            <a:schemeClr val="accent2"/>
+          </a:lnRef>
+          <a:fillRef idx="1">
+            <a:schemeClr val="lt1"/>
+          </a:fillRef>
+          <a:effectRef idx="0">
+            <a:schemeClr val="accent2"/>
+          </a:effectRef>
+          <a:fontRef idx="minor">
+            <a:schemeClr val="dk1"/>
+          </a:fontRef>
+        </p:style>
+        <p:txBody>
+          <a:bodyPr vert="vert270" rtlCol="0" anchor="ctr"/>
+          <a:lstStyle/>
+          <a:p>
+            <a:pPr algn="ctr"/>
+            <a:endParaRPr lang="de-DE" dirty="0">
+              <a:solidFill>
+                <a:schemeClr val="tx1"/>
+              </a:solidFill>
+            </a:endParaRPr>
+          </a:p>
+        </p:txBody>
+      </p:sp>
+      <p:sp>
+        <p:nvSpPr>
+          <p:cNvPr id="29" name="Freihandform: Form 28">
+            <a:extLst>
+              <a:ext uri="{FF2B5EF4-FFF2-40B4-BE49-F238E27FC236}">
+                <a16:creationId xmlns:a16="http://schemas.microsoft.com/office/drawing/2014/main" id="{949C1B70-5791-48AF-AB19-0A8E8E820A6B}"/>
+              </a:ext>
+            </a:extLst>
+          </p:cNvPr>
+          <p:cNvSpPr/>
+          <p:nvPr/>
+        </p:nvSpPr>
+        <p:spPr>
+          <a:xfrm rot="10800000">
+            <a:off x="2471062" y="562424"/>
+            <a:ext cx="1440000" cy="1889650"/>
+          </a:xfrm>
+          <a:custGeom>
+            <a:avLst/>
+            <a:gdLst>
+              <a:gd name="connsiteX0" fmla="*/ 720000 w 1440000"/>
+              <a:gd name="connsiteY0" fmla="*/ 0 h 1889650"/>
+              <a:gd name="connsiteX1" fmla="*/ 1080000 w 1440000"/>
+              <a:gd name="connsiteY1" fmla="*/ 360000 h 1889650"/>
+              <a:gd name="connsiteX2" fmla="*/ 1072686 w 1440000"/>
+              <a:gd name="connsiteY2" fmla="*/ 432553 h 1889650"/>
+              <a:gd name="connsiteX3" fmla="*/ 1067379 w 1440000"/>
+              <a:gd name="connsiteY3" fmla="*/ 449650 h 1889650"/>
+              <a:gd name="connsiteX4" fmla="*/ 1440000 w 1440000"/>
+              <a:gd name="connsiteY4" fmla="*/ 449650 h 1889650"/>
+              <a:gd name="connsiteX5" fmla="*/ 1440000 w 1440000"/>
+              <a:gd name="connsiteY5" fmla="*/ 822271 h 1889650"/>
+              <a:gd name="connsiteX6" fmla="*/ 1422903 w 1440000"/>
+              <a:gd name="connsiteY6" fmla="*/ 816964 h 1889650"/>
+              <a:gd name="connsiteX7" fmla="*/ 1350350 w 1440000"/>
+              <a:gd name="connsiteY7" fmla="*/ 809650 h 1889650"/>
+              <a:gd name="connsiteX8" fmla="*/ 990350 w 1440000"/>
+              <a:gd name="connsiteY8" fmla="*/ 1169650 h 1889650"/>
+              <a:gd name="connsiteX9" fmla="*/ 1350350 w 1440000"/>
+              <a:gd name="connsiteY9" fmla="*/ 1529650 h 1889650"/>
+              <a:gd name="connsiteX10" fmla="*/ 1422903 w 1440000"/>
+              <a:gd name="connsiteY10" fmla="*/ 1522336 h 1889650"/>
+              <a:gd name="connsiteX11" fmla="*/ 1440000 w 1440000"/>
+              <a:gd name="connsiteY11" fmla="*/ 1517029 h 1889650"/>
+              <a:gd name="connsiteX12" fmla="*/ 1440000 w 1440000"/>
+              <a:gd name="connsiteY12" fmla="*/ 1889650 h 1889650"/>
+              <a:gd name="connsiteX13" fmla="*/ 0 w 1440000"/>
+              <a:gd name="connsiteY13" fmla="*/ 1889650 h 1889650"/>
+              <a:gd name="connsiteX14" fmla="*/ 0 w 1440000"/>
+              <a:gd name="connsiteY14" fmla="*/ 449650 h 1889650"/>
+              <a:gd name="connsiteX15" fmla="*/ 372621 w 1440000"/>
+              <a:gd name="connsiteY15" fmla="*/ 449650 h 1889650"/>
+              <a:gd name="connsiteX16" fmla="*/ 367314 w 1440000"/>
+              <a:gd name="connsiteY16" fmla="*/ 432553 h 1889650"/>
+              <a:gd name="connsiteX17" fmla="*/ 360000 w 1440000"/>
+              <a:gd name="connsiteY17" fmla="*/ 360000 h 1889650"/>
+              <a:gd name="connsiteX18" fmla="*/ 720000 w 1440000"/>
+              <a:gd name="connsiteY18" fmla="*/ 0 h 1889650"/>
+            </a:gdLst>
+            <a:ahLst/>
+            <a:cxnLst>
+              <a:cxn ang="0">
+                <a:pos x="connsiteX0" y="connsiteY0"/>
+              </a:cxn>
+              <a:cxn ang="0">
+                <a:pos x="connsiteX1" y="connsiteY1"/>
+              </a:cxn>
+              <a:cxn ang="0">
+                <a:pos x="connsiteX2" y="connsiteY2"/>
+              </a:cxn>
+              <a:cxn ang="0">
+                <a:pos x="connsiteX3" y="connsiteY3"/>
+              </a:cxn>
+              <a:cxn ang="0">
+                <a:pos x="connsiteX4" y="connsiteY4"/>
+              </a:cxn>
+              <a:cxn ang="0">
+                <a:pos x="connsiteX5" y="connsiteY5"/>
+              </a:cxn>
+              <a:cxn ang="0">
+                <a:pos x="connsiteX6" y="connsiteY6"/>
+              </a:cxn>
+              <a:cxn ang="0">
+                <a:pos x="connsiteX7" y="connsiteY7"/>
+              </a:cxn>
+              <a:cxn ang="0">
+                <a:pos x="connsiteX8" y="connsiteY8"/>
+              </a:cxn>
+              <a:cxn ang="0">
+                <a:pos x="connsiteX9" y="connsiteY9"/>
+              </a:cxn>
+              <a:cxn ang="0">
+                <a:pos x="connsiteX10" y="connsiteY10"/>
+              </a:cxn>
+              <a:cxn ang="0">
+                <a:pos x="connsiteX11" y="connsiteY11"/>
+              </a:cxn>
+              <a:cxn ang="0">
+                <a:pos x="connsiteX12" y="connsiteY12"/>
+              </a:cxn>
+              <a:cxn ang="0">
+                <a:pos x="connsiteX13" y="connsiteY13"/>
+              </a:cxn>
+              <a:cxn ang="0">
+                <a:pos x="connsiteX14" y="connsiteY14"/>
+              </a:cxn>
+              <a:cxn ang="0">
+                <a:pos x="connsiteX15" y="connsiteY15"/>
+              </a:cxn>
+              <a:cxn ang="0">
+                <a:pos x="connsiteX16" y="connsiteY16"/>
+              </a:cxn>
+              <a:cxn ang="0">
+                <a:pos x="connsiteX17" y="connsiteY17"/>
+              </a:cxn>
+              <a:cxn ang="0">
+                <a:pos x="connsiteX18" y="connsiteY18"/>
+              </a:cxn>
+            </a:cxnLst>
+            <a:rect l="l" t="t" r="r" b="b"/>
+            <a:pathLst>
+              <a:path w="1440000" h="1889650">
+                <a:moveTo>
+                  <a:pt x="720000" y="0"/>
+                </a:moveTo>
+                <a:cubicBezTo>
+                  <a:pt x="918823" y="0"/>
+                  <a:pt x="1080000" y="161177"/>
+                  <a:pt x="1080000" y="360000"/>
+                </a:cubicBezTo>
+                <a:cubicBezTo>
+                  <a:pt x="1080000" y="384853"/>
+                  <a:pt x="1077482" y="409118"/>
+                  <a:pt x="1072686" y="432553"/>
+                </a:cubicBezTo>
+                <a:lnTo>
+                  <a:pt x="1067379" y="449650"/>
+                </a:lnTo>
+                <a:lnTo>
+                  <a:pt x="1440000" y="449650"/>
+                </a:lnTo>
+                <a:lnTo>
+                  <a:pt x="1440000" y="822271"/>
+                </a:lnTo>
+                <a:lnTo>
+                  <a:pt x="1422903" y="816964"/>
+                </a:lnTo>
+                <a:cubicBezTo>
+                  <a:pt x="1399468" y="812169"/>
+                  <a:pt x="1375203" y="809650"/>
+                  <a:pt x="1350350" y="809650"/>
+                </a:cubicBezTo>
+                <a:cubicBezTo>
+                  <a:pt x="1151527" y="809650"/>
+                  <a:pt x="990350" y="970827"/>
+                  <a:pt x="990350" y="1169650"/>
+                </a:cubicBezTo>
+                <a:cubicBezTo>
+                  <a:pt x="990350" y="1368473"/>
+                  <a:pt x="1151527" y="1529650"/>
+                  <a:pt x="1350350" y="1529650"/>
+                </a:cubicBezTo>
+                <a:cubicBezTo>
+                  <a:pt x="1375203" y="1529650"/>
+                  <a:pt x="1399468" y="1527132"/>
+                  <a:pt x="1422903" y="1522336"/>
+                </a:cubicBezTo>
+                <a:lnTo>
+                  <a:pt x="1440000" y="1517029"/>
+                </a:lnTo>
+                <a:lnTo>
+                  <a:pt x="1440000" y="1889650"/>
+                </a:lnTo>
+                <a:lnTo>
+                  <a:pt x="0" y="1889650"/>
+                </a:lnTo>
+                <a:lnTo>
+                  <a:pt x="0" y="449650"/>
+                </a:lnTo>
+                <a:lnTo>
+                  <a:pt x="372621" y="449650"/>
+                </a:lnTo>
+                <a:lnTo>
+                  <a:pt x="367314" y="432553"/>
+                </a:lnTo>
+                <a:cubicBezTo>
+                  <a:pt x="362519" y="409118"/>
+                  <a:pt x="360000" y="384853"/>
+                  <a:pt x="360000" y="360000"/>
+                </a:cubicBezTo>
+                <a:cubicBezTo>
+                  <a:pt x="360000" y="161177"/>
+                  <a:pt x="521177" y="0"/>
+                  <a:pt x="720000" y="0"/>
+                </a:cubicBezTo>
+                <a:close/>
+              </a:path>
+            </a:pathLst>
+          </a:custGeom>
+          <a:noFill/>
+          <a:ln/>
+        </p:spPr>
+        <p:style>
+          <a:lnRef idx="2">
+            <a:schemeClr val="accent5"/>
+          </a:lnRef>
+          <a:fillRef idx="1">
+            <a:schemeClr val="lt1"/>
+          </a:fillRef>
+          <a:effectRef idx="0">
+            <a:schemeClr val="accent5"/>
+          </a:effectRef>
+          <a:fontRef idx="minor">
+            <a:schemeClr val="dk1"/>
+          </a:fontRef>
+        </p:style>
+        <p:txBody>
+          <a:bodyPr vert="horz" rtlCol="0" anchor="ctr"/>
+          <a:lstStyle/>
+          <a:p>
+            <a:pPr algn="ctr"/>
+            <a:endParaRPr lang="de-DE" dirty="0">
+              <a:solidFill>
+                <a:schemeClr val="tx1"/>
+              </a:solidFill>
+            </a:endParaRPr>
+          </a:p>
+        </p:txBody>
+      </p:sp>
+      <p:sp>
+        <p:nvSpPr>
+          <p:cNvPr id="30" name="Freihandform: Form 29">
+            <a:extLst>
+              <a:ext uri="{FF2B5EF4-FFF2-40B4-BE49-F238E27FC236}">
+                <a16:creationId xmlns:a16="http://schemas.microsoft.com/office/drawing/2014/main" id="{E34ABAE1-96DD-4CF9-B6AB-30DD5009EAA9}"/>
+              </a:ext>
+            </a:extLst>
+          </p:cNvPr>
+          <p:cNvSpPr/>
+          <p:nvPr/>
+        </p:nvSpPr>
+        <p:spPr>
+          <a:xfrm>
+            <a:off x="1026975" y="1556674"/>
+            <a:ext cx="1440000" cy="1889650"/>
+          </a:xfrm>
+          <a:custGeom>
+            <a:avLst/>
+            <a:gdLst>
+              <a:gd name="connsiteX0" fmla="*/ 720000 w 1440000"/>
+              <a:gd name="connsiteY0" fmla="*/ 0 h 1889650"/>
+              <a:gd name="connsiteX1" fmla="*/ 1080000 w 1440000"/>
+              <a:gd name="connsiteY1" fmla="*/ 360000 h 1889650"/>
+              <a:gd name="connsiteX2" fmla="*/ 1072686 w 1440000"/>
+              <a:gd name="connsiteY2" fmla="*/ 432553 h 1889650"/>
+              <a:gd name="connsiteX3" fmla="*/ 1067379 w 1440000"/>
+              <a:gd name="connsiteY3" fmla="*/ 449650 h 1889650"/>
+              <a:gd name="connsiteX4" fmla="*/ 1440000 w 1440000"/>
+              <a:gd name="connsiteY4" fmla="*/ 449650 h 1889650"/>
+              <a:gd name="connsiteX5" fmla="*/ 1440000 w 1440000"/>
+              <a:gd name="connsiteY5" fmla="*/ 822271 h 1889650"/>
+              <a:gd name="connsiteX6" fmla="*/ 1422903 w 1440000"/>
+              <a:gd name="connsiteY6" fmla="*/ 816964 h 1889650"/>
+              <a:gd name="connsiteX7" fmla="*/ 1350350 w 1440000"/>
+              <a:gd name="connsiteY7" fmla="*/ 809650 h 1889650"/>
+              <a:gd name="connsiteX8" fmla="*/ 990350 w 1440000"/>
+              <a:gd name="connsiteY8" fmla="*/ 1169650 h 1889650"/>
+              <a:gd name="connsiteX9" fmla="*/ 1350350 w 1440000"/>
+              <a:gd name="connsiteY9" fmla="*/ 1529650 h 1889650"/>
+              <a:gd name="connsiteX10" fmla="*/ 1422903 w 1440000"/>
+              <a:gd name="connsiteY10" fmla="*/ 1522336 h 1889650"/>
+              <a:gd name="connsiteX11" fmla="*/ 1440000 w 1440000"/>
+              <a:gd name="connsiteY11" fmla="*/ 1517029 h 1889650"/>
+              <a:gd name="connsiteX12" fmla="*/ 1440000 w 1440000"/>
+              <a:gd name="connsiteY12" fmla="*/ 1889650 h 1889650"/>
+              <a:gd name="connsiteX13" fmla="*/ 0 w 1440000"/>
+              <a:gd name="connsiteY13" fmla="*/ 1889650 h 1889650"/>
+              <a:gd name="connsiteX14" fmla="*/ 0 w 1440000"/>
+              <a:gd name="connsiteY14" fmla="*/ 449650 h 1889650"/>
+              <a:gd name="connsiteX15" fmla="*/ 372621 w 1440000"/>
+              <a:gd name="connsiteY15" fmla="*/ 449650 h 1889650"/>
+              <a:gd name="connsiteX16" fmla="*/ 367314 w 1440000"/>
+              <a:gd name="connsiteY16" fmla="*/ 432553 h 1889650"/>
+              <a:gd name="connsiteX17" fmla="*/ 360000 w 1440000"/>
+              <a:gd name="connsiteY17" fmla="*/ 360000 h 1889650"/>
+              <a:gd name="connsiteX18" fmla="*/ 720000 w 1440000"/>
+              <a:gd name="connsiteY18" fmla="*/ 0 h 1889650"/>
+            </a:gdLst>
+            <a:ahLst/>
+            <a:cxnLst>
+              <a:cxn ang="0">
+                <a:pos x="connsiteX0" y="connsiteY0"/>
+              </a:cxn>
+              <a:cxn ang="0">
+                <a:pos x="connsiteX1" y="connsiteY1"/>
+              </a:cxn>
+              <a:cxn ang="0">
+                <a:pos x="connsiteX2" y="connsiteY2"/>
+              </a:cxn>
+              <a:cxn ang="0">
+                <a:pos x="connsiteX3" y="connsiteY3"/>
+              </a:cxn>
+              <a:cxn ang="0">
+                <a:pos x="connsiteX4" y="connsiteY4"/>
+              </a:cxn>
+              <a:cxn ang="0">
+                <a:pos x="connsiteX5" y="connsiteY5"/>
+              </a:cxn>
+              <a:cxn ang="0">
+                <a:pos x="connsiteX6" y="connsiteY6"/>
+              </a:cxn>
+              <a:cxn ang="0">
+                <a:pos x="connsiteX7" y="connsiteY7"/>
+              </a:cxn>
+              <a:cxn ang="0">
+                <a:pos x="connsiteX8" y="connsiteY8"/>
+              </a:cxn>
+              <a:cxn ang="0">
+                <a:pos x="connsiteX9" y="connsiteY9"/>
+              </a:cxn>
+              <a:cxn ang="0">
+                <a:pos x="connsiteX10" y="connsiteY10"/>
+              </a:cxn>
+              <a:cxn ang="0">
+                <a:pos x="connsiteX11" y="connsiteY11"/>
+              </a:cxn>
+              <a:cxn ang="0">
+                <a:pos x="connsiteX12" y="connsiteY12"/>
+              </a:cxn>
+              <a:cxn ang="0">
+                <a:pos x="connsiteX13" y="connsiteY13"/>
+              </a:cxn>
+              <a:cxn ang="0">
+                <a:pos x="connsiteX14" y="connsiteY14"/>
+              </a:cxn>
+              <a:cxn ang="0">
+                <a:pos x="connsiteX15" y="connsiteY15"/>
+              </a:cxn>
+              <a:cxn ang="0">
+                <a:pos x="connsiteX16" y="connsiteY16"/>
+              </a:cxn>
+              <a:cxn ang="0">
+                <a:pos x="connsiteX17" y="connsiteY17"/>
+              </a:cxn>
+              <a:cxn ang="0">
+                <a:pos x="connsiteX18" y="connsiteY18"/>
+              </a:cxn>
+            </a:cxnLst>
+            <a:rect l="l" t="t" r="r" b="b"/>
+            <a:pathLst>
+              <a:path w="1440000" h="1889650">
+                <a:moveTo>
+                  <a:pt x="720000" y="0"/>
+                </a:moveTo>
+                <a:cubicBezTo>
+                  <a:pt x="918823" y="0"/>
+                  <a:pt x="1080000" y="161177"/>
+                  <a:pt x="1080000" y="360000"/>
+                </a:cubicBezTo>
+                <a:cubicBezTo>
+                  <a:pt x="1080000" y="384853"/>
+                  <a:pt x="1077482" y="409118"/>
+                  <a:pt x="1072686" y="432553"/>
+                </a:cubicBezTo>
+                <a:lnTo>
+                  <a:pt x="1067379" y="449650"/>
+                </a:lnTo>
+                <a:lnTo>
+                  <a:pt x="1440000" y="449650"/>
+                </a:lnTo>
+                <a:lnTo>
+                  <a:pt x="1440000" y="822271"/>
+                </a:lnTo>
+                <a:lnTo>
+                  <a:pt x="1422903" y="816964"/>
+                </a:lnTo>
+                <a:cubicBezTo>
+                  <a:pt x="1399468" y="812169"/>
+                  <a:pt x="1375203" y="809650"/>
+                  <a:pt x="1350350" y="809650"/>
+                </a:cubicBezTo>
+                <a:cubicBezTo>
+                  <a:pt x="1151527" y="809650"/>
+                  <a:pt x="990350" y="970827"/>
+                  <a:pt x="990350" y="1169650"/>
+                </a:cubicBezTo>
+                <a:cubicBezTo>
+                  <a:pt x="990350" y="1368473"/>
+                  <a:pt x="1151527" y="1529650"/>
+                  <a:pt x="1350350" y="1529650"/>
+                </a:cubicBezTo>
+                <a:cubicBezTo>
+                  <a:pt x="1375203" y="1529650"/>
+                  <a:pt x="1399468" y="1527132"/>
+                  <a:pt x="1422903" y="1522336"/>
+                </a:cubicBezTo>
+                <a:lnTo>
+                  <a:pt x="1440000" y="1517029"/>
+                </a:lnTo>
+                <a:lnTo>
+                  <a:pt x="1440000" y="1889650"/>
+                </a:lnTo>
+                <a:lnTo>
+                  <a:pt x="0" y="1889650"/>
+                </a:lnTo>
+                <a:lnTo>
+                  <a:pt x="0" y="449650"/>
+                </a:lnTo>
+                <a:lnTo>
+                  <a:pt x="372621" y="449650"/>
+                </a:lnTo>
+                <a:lnTo>
+                  <a:pt x="367314" y="432553"/>
+                </a:lnTo>
+                <a:cubicBezTo>
+                  <a:pt x="362519" y="409118"/>
+                  <a:pt x="360000" y="384853"/>
+                  <a:pt x="360000" y="360000"/>
+                </a:cubicBezTo>
+                <a:cubicBezTo>
+                  <a:pt x="360000" y="161177"/>
+                  <a:pt x="521177" y="0"/>
+                  <a:pt x="720000" y="0"/>
+                </a:cubicBezTo>
+                <a:close/>
+              </a:path>
+            </a:pathLst>
+          </a:custGeom>
+          <a:noFill/>
+          <a:ln/>
+        </p:spPr>
+        <p:style>
+          <a:lnRef idx="2">
+            <a:schemeClr val="accent6"/>
+          </a:lnRef>
+          <a:fillRef idx="1">
+            <a:schemeClr val="lt1"/>
+          </a:fillRef>
+          <a:effectRef idx="0">
+            <a:schemeClr val="accent6"/>
+          </a:effectRef>
+          <a:fontRef idx="minor">
+            <a:schemeClr val="dk1"/>
+          </a:fontRef>
+        </p:style>
+        <p:txBody>
+          <a:bodyPr rtlCol="0" anchor="ctr"/>
+          <a:lstStyle/>
+          <a:p>
+            <a:pPr algn="ctr"/>
+            <a:endParaRPr lang="de-DE" dirty="0">
+              <a:solidFill>
+                <a:schemeClr val="tx1"/>
+              </a:solidFill>
+            </a:endParaRPr>
+          </a:p>
+        </p:txBody>
+      </p:sp>
+      <p:sp>
+        <p:nvSpPr>
+          <p:cNvPr id="31" name="Freihandform: Form 30">
+            <a:extLst>
+              <a:ext uri="{FF2B5EF4-FFF2-40B4-BE49-F238E27FC236}">
+                <a16:creationId xmlns:a16="http://schemas.microsoft.com/office/drawing/2014/main" id="{6A7756EF-A4E6-47C6-835A-35399E381CE3}"/>
+              </a:ext>
+            </a:extLst>
+          </p:cNvPr>
+          <p:cNvSpPr/>
+          <p:nvPr/>
+        </p:nvSpPr>
+        <p:spPr>
+          <a:xfrm rot="16200000">
+            <a:off x="2246237" y="1781499"/>
+            <a:ext cx="1440000" cy="1889650"/>
+          </a:xfrm>
+          <a:custGeom>
+            <a:avLst/>
+            <a:gdLst>
+              <a:gd name="connsiteX0" fmla="*/ 720000 w 1440000"/>
+              <a:gd name="connsiteY0" fmla="*/ 0 h 1889650"/>
+              <a:gd name="connsiteX1" fmla="*/ 1080000 w 1440000"/>
+              <a:gd name="connsiteY1" fmla="*/ 360000 h 1889650"/>
+              <a:gd name="connsiteX2" fmla="*/ 1072686 w 1440000"/>
+              <a:gd name="connsiteY2" fmla="*/ 432553 h 1889650"/>
+              <a:gd name="connsiteX3" fmla="*/ 1067379 w 1440000"/>
+              <a:gd name="connsiteY3" fmla="*/ 449650 h 1889650"/>
+              <a:gd name="connsiteX4" fmla="*/ 1440000 w 1440000"/>
+              <a:gd name="connsiteY4" fmla="*/ 449650 h 1889650"/>
+              <a:gd name="connsiteX5" fmla="*/ 1440000 w 1440000"/>
+              <a:gd name="connsiteY5" fmla="*/ 822271 h 1889650"/>
+              <a:gd name="connsiteX6" fmla="*/ 1422903 w 1440000"/>
+              <a:gd name="connsiteY6" fmla="*/ 816964 h 1889650"/>
+              <a:gd name="connsiteX7" fmla="*/ 1350350 w 1440000"/>
+              <a:gd name="connsiteY7" fmla="*/ 809650 h 1889650"/>
+              <a:gd name="connsiteX8" fmla="*/ 990350 w 1440000"/>
+              <a:gd name="connsiteY8" fmla="*/ 1169650 h 1889650"/>
+              <a:gd name="connsiteX9" fmla="*/ 1350350 w 1440000"/>
+              <a:gd name="connsiteY9" fmla="*/ 1529650 h 1889650"/>
+              <a:gd name="connsiteX10" fmla="*/ 1422903 w 1440000"/>
+              <a:gd name="connsiteY10" fmla="*/ 1522336 h 1889650"/>
+              <a:gd name="connsiteX11" fmla="*/ 1440000 w 1440000"/>
+              <a:gd name="connsiteY11" fmla="*/ 1517029 h 1889650"/>
+              <a:gd name="connsiteX12" fmla="*/ 1440000 w 1440000"/>
+              <a:gd name="connsiteY12" fmla="*/ 1889650 h 1889650"/>
+              <a:gd name="connsiteX13" fmla="*/ 0 w 1440000"/>
+              <a:gd name="connsiteY13" fmla="*/ 1889650 h 1889650"/>
+              <a:gd name="connsiteX14" fmla="*/ 0 w 1440000"/>
+              <a:gd name="connsiteY14" fmla="*/ 449650 h 1889650"/>
+              <a:gd name="connsiteX15" fmla="*/ 372621 w 1440000"/>
+              <a:gd name="connsiteY15" fmla="*/ 449650 h 1889650"/>
+              <a:gd name="connsiteX16" fmla="*/ 367314 w 1440000"/>
+              <a:gd name="connsiteY16" fmla="*/ 432553 h 1889650"/>
+              <a:gd name="connsiteX17" fmla="*/ 360000 w 1440000"/>
+              <a:gd name="connsiteY17" fmla="*/ 360000 h 1889650"/>
+              <a:gd name="connsiteX18" fmla="*/ 720000 w 1440000"/>
+              <a:gd name="connsiteY18" fmla="*/ 0 h 1889650"/>
+            </a:gdLst>
+            <a:ahLst/>
+            <a:cxnLst>
+              <a:cxn ang="0">
+                <a:pos x="connsiteX0" y="connsiteY0"/>
+              </a:cxn>
+              <a:cxn ang="0">
+                <a:pos x="connsiteX1" y="connsiteY1"/>
+              </a:cxn>
+              <a:cxn ang="0">
+                <a:pos x="connsiteX2" y="connsiteY2"/>
+              </a:cxn>
+              <a:cxn ang="0">
+                <a:pos x="connsiteX3" y="connsiteY3"/>
+              </a:cxn>
+              <a:cxn ang="0">
+                <a:pos x="connsiteX4" y="connsiteY4"/>
+              </a:cxn>
+              <a:cxn ang="0">
+                <a:pos x="connsiteX5" y="connsiteY5"/>
+              </a:cxn>
+              <a:cxn ang="0">
+                <a:pos x="connsiteX6" y="connsiteY6"/>
+              </a:cxn>
+              <a:cxn ang="0">
+                <a:pos x="connsiteX7" y="connsiteY7"/>
+              </a:cxn>
+              <a:cxn ang="0">
+                <a:pos x="connsiteX8" y="connsiteY8"/>
+              </a:cxn>
+              <a:cxn ang="0">
+                <a:pos x="connsiteX9" y="connsiteY9"/>
+              </a:cxn>
+              <a:cxn ang="0">
+                <a:pos x="connsiteX10" y="connsiteY10"/>
+              </a:cxn>
+              <a:cxn ang="0">
+                <a:pos x="connsiteX11" y="connsiteY11"/>
+              </a:cxn>
+              <a:cxn ang="0">
+                <a:pos x="connsiteX12" y="connsiteY12"/>
+              </a:cxn>
+              <a:cxn ang="0">
+                <a:pos x="connsiteX13" y="connsiteY13"/>
+              </a:cxn>
+              <a:cxn ang="0">
+                <a:pos x="connsiteX14" y="connsiteY14"/>
+              </a:cxn>
+              <a:cxn ang="0">
+                <a:pos x="connsiteX15" y="connsiteY15"/>
+              </a:cxn>
+              <a:cxn ang="0">
+                <a:pos x="connsiteX16" y="connsiteY16"/>
+              </a:cxn>
+              <a:cxn ang="0">
+                <a:pos x="connsiteX17" y="connsiteY17"/>
+              </a:cxn>
+              <a:cxn ang="0">
+                <a:pos x="connsiteX18" y="connsiteY18"/>
+              </a:cxn>
+            </a:cxnLst>
+            <a:rect l="l" t="t" r="r" b="b"/>
+            <a:pathLst>
+              <a:path w="1440000" h="1889650">
+                <a:moveTo>
+                  <a:pt x="720000" y="0"/>
+                </a:moveTo>
+                <a:cubicBezTo>
+                  <a:pt x="918823" y="0"/>
+                  <a:pt x="1080000" y="161177"/>
+                  <a:pt x="1080000" y="360000"/>
+                </a:cubicBezTo>
+                <a:cubicBezTo>
+                  <a:pt x="1080000" y="384853"/>
+                  <a:pt x="1077482" y="409118"/>
+                  <a:pt x="1072686" y="432553"/>
+                </a:cubicBezTo>
+                <a:lnTo>
+                  <a:pt x="1067379" y="449650"/>
+                </a:lnTo>
+                <a:lnTo>
+                  <a:pt x="1440000" y="449650"/>
+                </a:lnTo>
+                <a:lnTo>
+                  <a:pt x="1440000" y="822271"/>
+                </a:lnTo>
+                <a:lnTo>
+                  <a:pt x="1422903" y="816964"/>
+                </a:lnTo>
+                <a:cubicBezTo>
+                  <a:pt x="1399468" y="812169"/>
+                  <a:pt x="1375203" y="809650"/>
+                  <a:pt x="1350350" y="809650"/>
+                </a:cubicBezTo>
+                <a:cubicBezTo>
+                  <a:pt x="1151527" y="809650"/>
+                  <a:pt x="990350" y="970827"/>
+                  <a:pt x="990350" y="1169650"/>
+                </a:cubicBezTo>
+                <a:cubicBezTo>
+                  <a:pt x="990350" y="1368473"/>
+                  <a:pt x="1151527" y="1529650"/>
+                  <a:pt x="1350350" y="1529650"/>
+                </a:cubicBezTo>
+                <a:cubicBezTo>
+                  <a:pt x="1375203" y="1529650"/>
+                  <a:pt x="1399468" y="1527132"/>
+                  <a:pt x="1422903" y="1522336"/>
+                </a:cubicBezTo>
+                <a:lnTo>
+                  <a:pt x="1440000" y="1517029"/>
+                </a:lnTo>
+                <a:lnTo>
+                  <a:pt x="1440000" y="1889650"/>
+                </a:lnTo>
+                <a:lnTo>
+                  <a:pt x="0" y="1889650"/>
+                </a:lnTo>
+                <a:lnTo>
+                  <a:pt x="0" y="449650"/>
+                </a:lnTo>
+                <a:lnTo>
+                  <a:pt x="372621" y="449650"/>
+                </a:lnTo>
+                <a:lnTo>
+                  <a:pt x="367314" y="432553"/>
+                </a:lnTo>
+                <a:cubicBezTo>
+                  <a:pt x="362519" y="409118"/>
+                  <a:pt x="360000" y="384853"/>
+                  <a:pt x="360000" y="360000"/>
+                </a:cubicBezTo>
+                <a:cubicBezTo>
+                  <a:pt x="360000" y="161177"/>
+                  <a:pt x="521177" y="0"/>
+                  <a:pt x="720000" y="0"/>
+                </a:cubicBezTo>
+                <a:close/>
+              </a:path>
+            </a:pathLst>
+          </a:custGeom>
+          <a:noFill/>
+          <a:ln/>
+        </p:spPr>
+        <p:style>
+          <a:lnRef idx="2">
+            <a:schemeClr val="accent4"/>
+          </a:lnRef>
+          <a:fillRef idx="1">
+            <a:schemeClr val="lt1"/>
+          </a:fillRef>
+          <a:effectRef idx="0">
+            <a:schemeClr val="accent4"/>
+          </a:effectRef>
+          <a:fontRef idx="minor">
+            <a:schemeClr val="dk1"/>
+          </a:fontRef>
+        </p:style>
+        <p:txBody>
+          <a:bodyPr vert="vert" rtlCol="0" anchor="ctr"/>
+          <a:lstStyle/>
+          <a:p>
+            <a:pPr algn="ctr"/>
+            <a:endParaRPr lang="de-DE" dirty="0">
+              <a:solidFill>
+                <a:schemeClr val="tx1"/>
+              </a:solidFill>
+            </a:endParaRPr>
+          </a:p>
+        </p:txBody>
+      </p:sp>
+      <p:pic>
+        <p:nvPicPr>
+          <p:cNvPr id="45" name="Grafik 44" descr="Übertragen">
+            <a:extLst>
+              <a:ext uri="{FF2B5EF4-FFF2-40B4-BE49-F238E27FC236}">
+                <a16:creationId xmlns:a16="http://schemas.microsoft.com/office/drawing/2014/main" id="{13188411-778F-45C6-B24A-F5656FE04B69}"/>
+              </a:ext>
+            </a:extLst>
+          </p:cNvPr>
+          <p:cNvPicPr>
+            <a:picLocks noChangeAspect="1"/>
+          </p:cNvPicPr>
+          <p:nvPr/>
+        </p:nvPicPr>
+        <p:blipFill>
+          <a:blip r:embed="rId2">
+            <a:extLst>
+              <a:ext uri="{28A0092B-C50C-407E-A947-70E740481C1C}">
+                <a14:useLocalDpi xmlns:a14="http://schemas.microsoft.com/office/drawing/2010/main" val="0"/>
+              </a:ext>
+              <a:ext uri="{96DAC541-7B7A-43D3-8B79-37D633B846F1}">
+                <asvg:svgBlip xmlns:asvg="http://schemas.microsoft.com/office/drawing/2016/SVG/main" r:embed="rId3"/>
+              </a:ext>
+            </a:extLst>
+          </a:blip>
+          <a:stretch>
+            <a:fillRect/>
+          </a:stretch>
+        </p:blipFill>
+        <p:spPr>
+          <a:xfrm>
+            <a:off x="1407303" y="2383424"/>
+            <a:ext cx="667720" cy="667720"/>
+          </a:xfrm>
+          <a:prstGeom prst="rect">
+            <a:avLst/>
+          </a:prstGeom>
+        </p:spPr>
+      </p:pic>
+      <p:pic>
+        <p:nvPicPr>
+          <p:cNvPr id="39" name="Grafik 38" descr="Entsperren">
+            <a:extLst>
+              <a:ext uri="{FF2B5EF4-FFF2-40B4-BE49-F238E27FC236}">
+                <a16:creationId xmlns:a16="http://schemas.microsoft.com/office/drawing/2014/main" id="{0497F4F2-4E99-4A0C-9560-8474E790B300}"/>
+              </a:ext>
+            </a:extLst>
+          </p:cNvPr>
+          <p:cNvPicPr>
+            <a:picLocks noChangeAspect="1"/>
+          </p:cNvPicPr>
+          <p:nvPr/>
+        </p:nvPicPr>
+        <p:blipFill>
+          <a:blip r:embed="rId4">
+            <a:extLst>
+              <a:ext uri="{28A0092B-C50C-407E-A947-70E740481C1C}">
+                <a14:useLocalDpi xmlns:a14="http://schemas.microsoft.com/office/drawing/2010/main" val="0"/>
+              </a:ext>
+              <a:ext uri="{96DAC541-7B7A-43D3-8B79-37D633B846F1}">
+                <asvg:svgBlip xmlns:asvg="http://schemas.microsoft.com/office/drawing/2016/SVG/main" r:embed="rId5"/>
+              </a:ext>
+            </a:extLst>
+          </a:blip>
+          <a:stretch>
+            <a:fillRect/>
+          </a:stretch>
+        </p:blipFill>
+        <p:spPr>
+          <a:xfrm>
+            <a:off x="2828162" y="1007301"/>
+            <a:ext cx="721712" cy="721712"/>
+          </a:xfrm>
+          <a:prstGeom prst="rect">
+            <a:avLst/>
+          </a:prstGeom>
+        </p:spPr>
+      </p:pic>
+      <p:pic>
+        <p:nvPicPr>
+          <p:cNvPr id="43" name="Grafik 42" descr="Recycling-Schild">
+            <a:extLst>
+              <a:ext uri="{FF2B5EF4-FFF2-40B4-BE49-F238E27FC236}">
+                <a16:creationId xmlns:a16="http://schemas.microsoft.com/office/drawing/2014/main" id="{E08D0898-47D6-4F2C-8331-A2C64D6F1824}"/>
+              </a:ext>
+            </a:extLst>
+          </p:cNvPr>
+          <p:cNvPicPr>
+            <a:picLocks noChangeAspect="1"/>
+          </p:cNvPicPr>
+          <p:nvPr/>
+        </p:nvPicPr>
+        <p:blipFill>
+          <a:blip r:embed="rId6">
+            <a:extLst>
+              <a:ext uri="{28A0092B-C50C-407E-A947-70E740481C1C}">
+                <a14:useLocalDpi xmlns:a14="http://schemas.microsoft.com/office/drawing/2010/main" val="0"/>
+              </a:ext>
+              <a:ext uri="{96DAC541-7B7A-43D3-8B79-37D633B846F1}">
+                <asvg:svgBlip xmlns:asvg="http://schemas.microsoft.com/office/drawing/2016/SVG/main" r:embed="rId7"/>
+              </a:ext>
+            </a:extLst>
+          </a:blip>
+          <a:stretch>
+            <a:fillRect/>
+          </a:stretch>
+        </p:blipFill>
+        <p:spPr>
+          <a:xfrm>
+            <a:off x="2935598" y="2457514"/>
+            <a:ext cx="519540" cy="519540"/>
+          </a:xfrm>
+          <a:prstGeom prst="rect">
+            <a:avLst/>
+          </a:prstGeom>
+        </p:spPr>
+      </p:pic>
+      <p:pic>
+        <p:nvPicPr>
+          <p:cNvPr id="37" name="Grafik 36" descr="Lupe">
+            <a:extLst>
+              <a:ext uri="{FF2B5EF4-FFF2-40B4-BE49-F238E27FC236}">
+                <a16:creationId xmlns:a16="http://schemas.microsoft.com/office/drawing/2014/main" id="{4AB3247A-34BC-46F8-B361-3F9F49C4F340}"/>
+              </a:ext>
+            </a:extLst>
+          </p:cNvPr>
+          <p:cNvPicPr>
+            <a:picLocks noChangeAspect="1"/>
+          </p:cNvPicPr>
+          <p:nvPr/>
+        </p:nvPicPr>
+        <p:blipFill>
+          <a:blip r:embed="rId8">
+            <a:extLst>
+              <a:ext uri="{28A0092B-C50C-407E-A947-70E740481C1C}">
+                <a14:useLocalDpi xmlns:a14="http://schemas.microsoft.com/office/drawing/2010/main" val="0"/>
+              </a:ext>
+              <a:ext uri="{96DAC541-7B7A-43D3-8B79-37D633B846F1}">
+                <asvg:svgBlip xmlns:asvg="http://schemas.microsoft.com/office/drawing/2016/SVG/main" r:embed="rId9"/>
+              </a:ext>
+            </a:extLst>
+          </a:blip>
+          <a:stretch>
+            <a:fillRect/>
+          </a:stretch>
+        </p:blipFill>
+        <p:spPr>
+          <a:xfrm>
+            <a:off x="1544720" y="1047731"/>
+            <a:ext cx="506994" cy="506994"/>
+          </a:xfrm>
+          <a:prstGeom prst="rect">
+            <a:avLst/>
+          </a:prstGeom>
+        </p:spPr>
+      </p:pic>
+      <p:sp>
+        <p:nvSpPr>
+          <p:cNvPr id="32" name="Textfeld 31">
+            <a:extLst>
+              <a:ext uri="{FF2B5EF4-FFF2-40B4-BE49-F238E27FC236}">
+                <a16:creationId xmlns:a16="http://schemas.microsoft.com/office/drawing/2014/main" id="{BEE865C9-32E1-4F57-8B78-B2247BA51485}"/>
+              </a:ext>
+            </a:extLst>
+          </p:cNvPr>
+          <p:cNvSpPr txBox="1"/>
+          <p:nvPr/>
+        </p:nvSpPr>
+        <p:spPr>
+          <a:xfrm>
+            <a:off x="1603463" y="1082370"/>
+            <a:ext cx="312421" cy="369332"/>
+          </a:xfrm>
+          <a:prstGeom prst="rect">
+            <a:avLst/>
+          </a:prstGeom>
+          <a:noFill/>
+        </p:spPr>
+        <p:txBody>
+          <a:bodyPr wrap="square" rtlCol="0">
+            <a:spAutoFit/>
+          </a:bodyPr>
+          <a:lstStyle/>
+          <a:p>
+            <a:r>
+              <a:rPr lang="de-DE" dirty="0"/>
+              <a:t>F</a:t>
+            </a:r>
+          </a:p>
+        </p:txBody>
+      </p:sp>
+      <p:sp>
+        <p:nvSpPr>
+          <p:cNvPr id="33" name="Textfeld 32">
+            <a:extLst>
+              <a:ext uri="{FF2B5EF4-FFF2-40B4-BE49-F238E27FC236}">
+                <a16:creationId xmlns:a16="http://schemas.microsoft.com/office/drawing/2014/main" id="{D3DAD1F3-EC06-4EC6-9EEE-F9FA07CF9A33}"/>
+              </a:ext>
+            </a:extLst>
+          </p:cNvPr>
+          <p:cNvSpPr txBox="1"/>
+          <p:nvPr/>
+        </p:nvSpPr>
+        <p:spPr>
+          <a:xfrm>
+            <a:off x="3034850" y="1082370"/>
+            <a:ext cx="312421" cy="369332"/>
+          </a:xfrm>
+          <a:prstGeom prst="rect">
+            <a:avLst/>
+          </a:prstGeom>
+          <a:noFill/>
+        </p:spPr>
+        <p:txBody>
+          <a:bodyPr wrap="square" rtlCol="0">
+            <a:spAutoFit/>
+          </a:bodyPr>
+          <a:lstStyle/>
+          <a:p>
+            <a:r>
+              <a:rPr lang="de-DE" dirty="0"/>
+              <a:t>A</a:t>
+            </a:r>
+          </a:p>
+        </p:txBody>
+      </p:sp>
+      <p:sp>
+        <p:nvSpPr>
+          <p:cNvPr id="34" name="Textfeld 33">
+            <a:extLst>
+              <a:ext uri="{FF2B5EF4-FFF2-40B4-BE49-F238E27FC236}">
+                <a16:creationId xmlns:a16="http://schemas.microsoft.com/office/drawing/2014/main" id="{B3A7C55B-0FB7-4017-97BC-B81E0D6BAFFF}"/>
+              </a:ext>
+            </a:extLst>
+          </p:cNvPr>
+          <p:cNvSpPr txBox="1"/>
+          <p:nvPr/>
+        </p:nvSpPr>
+        <p:spPr>
+          <a:xfrm>
+            <a:off x="1626482" y="2538482"/>
+            <a:ext cx="312421" cy="369332"/>
+          </a:xfrm>
+          <a:prstGeom prst="rect">
+            <a:avLst/>
+          </a:prstGeom>
+          <a:noFill/>
+        </p:spPr>
+        <p:txBody>
+          <a:bodyPr wrap="square" rtlCol="0">
+            <a:spAutoFit/>
+          </a:bodyPr>
+          <a:lstStyle/>
+          <a:p>
+            <a:r>
+              <a:rPr lang="de-DE" dirty="0"/>
+              <a:t>I</a:t>
+            </a:r>
+          </a:p>
+        </p:txBody>
+      </p:sp>
+      <p:sp>
+        <p:nvSpPr>
+          <p:cNvPr id="35" name="Textfeld 34">
+            <a:extLst>
+              <a:ext uri="{FF2B5EF4-FFF2-40B4-BE49-F238E27FC236}">
+                <a16:creationId xmlns:a16="http://schemas.microsoft.com/office/drawing/2014/main" id="{F90364D0-7A30-4692-B1D5-FE14EDB67AAC}"/>
+              </a:ext>
+            </a:extLst>
+          </p:cNvPr>
+          <p:cNvSpPr txBox="1"/>
+          <p:nvPr/>
+        </p:nvSpPr>
+        <p:spPr>
+          <a:xfrm>
+            <a:off x="3034850" y="2541657"/>
+            <a:ext cx="312421" cy="369332"/>
+          </a:xfrm>
+          <a:prstGeom prst="rect">
+            <a:avLst/>
+          </a:prstGeom>
+          <a:noFill/>
+        </p:spPr>
+        <p:txBody>
+          <a:bodyPr wrap="square" rtlCol="0">
+            <a:spAutoFit/>
+          </a:bodyPr>
+          <a:lstStyle/>
+          <a:p>
+            <a:r>
+              <a:rPr lang="de-DE" dirty="0"/>
+              <a:t>R</a:t>
+            </a:r>
+          </a:p>
+        </p:txBody>
+      </p:sp>
+      <p:sp>
+        <p:nvSpPr>
+          <p:cNvPr id="50" name="Freihandform: Form 49">
+            <a:extLst>
+              <a:ext uri="{FF2B5EF4-FFF2-40B4-BE49-F238E27FC236}">
+                <a16:creationId xmlns:a16="http://schemas.microsoft.com/office/drawing/2014/main" id="{7C2652EE-712E-4BEA-9295-34419F768AA7}"/>
+              </a:ext>
+            </a:extLst>
+          </p:cNvPr>
+          <p:cNvSpPr/>
+          <p:nvPr/>
+        </p:nvSpPr>
+        <p:spPr>
+          <a:xfrm rot="5400000">
+            <a:off x="9431774" y="1764175"/>
+            <a:ext cx="1440000" cy="1889650"/>
+          </a:xfrm>
+          <a:custGeom>
+            <a:avLst/>
+            <a:gdLst>
+              <a:gd name="connsiteX0" fmla="*/ 720000 w 1440000"/>
+              <a:gd name="connsiteY0" fmla="*/ 0 h 1889650"/>
+              <a:gd name="connsiteX1" fmla="*/ 1080000 w 1440000"/>
+              <a:gd name="connsiteY1" fmla="*/ 360000 h 1889650"/>
+              <a:gd name="connsiteX2" fmla="*/ 1072686 w 1440000"/>
+              <a:gd name="connsiteY2" fmla="*/ 432553 h 1889650"/>
+              <a:gd name="connsiteX3" fmla="*/ 1067379 w 1440000"/>
+              <a:gd name="connsiteY3" fmla="*/ 449650 h 1889650"/>
+              <a:gd name="connsiteX4" fmla="*/ 1440000 w 1440000"/>
+              <a:gd name="connsiteY4" fmla="*/ 449650 h 1889650"/>
+              <a:gd name="connsiteX5" fmla="*/ 1440000 w 1440000"/>
+              <a:gd name="connsiteY5" fmla="*/ 822271 h 1889650"/>
+              <a:gd name="connsiteX6" fmla="*/ 1422903 w 1440000"/>
+              <a:gd name="connsiteY6" fmla="*/ 816964 h 1889650"/>
+              <a:gd name="connsiteX7" fmla="*/ 1350350 w 1440000"/>
+              <a:gd name="connsiteY7" fmla="*/ 809650 h 1889650"/>
+              <a:gd name="connsiteX8" fmla="*/ 990350 w 1440000"/>
+              <a:gd name="connsiteY8" fmla="*/ 1169650 h 1889650"/>
+              <a:gd name="connsiteX9" fmla="*/ 1350350 w 1440000"/>
+              <a:gd name="connsiteY9" fmla="*/ 1529650 h 1889650"/>
+              <a:gd name="connsiteX10" fmla="*/ 1422903 w 1440000"/>
+              <a:gd name="connsiteY10" fmla="*/ 1522336 h 1889650"/>
+              <a:gd name="connsiteX11" fmla="*/ 1440000 w 1440000"/>
+              <a:gd name="connsiteY11" fmla="*/ 1517029 h 1889650"/>
+              <a:gd name="connsiteX12" fmla="*/ 1440000 w 1440000"/>
+              <a:gd name="connsiteY12" fmla="*/ 1889650 h 1889650"/>
+              <a:gd name="connsiteX13" fmla="*/ 0 w 1440000"/>
+              <a:gd name="connsiteY13" fmla="*/ 1889650 h 1889650"/>
+              <a:gd name="connsiteX14" fmla="*/ 0 w 1440000"/>
+              <a:gd name="connsiteY14" fmla="*/ 449650 h 1889650"/>
+              <a:gd name="connsiteX15" fmla="*/ 372621 w 1440000"/>
+              <a:gd name="connsiteY15" fmla="*/ 449650 h 1889650"/>
+              <a:gd name="connsiteX16" fmla="*/ 367314 w 1440000"/>
+              <a:gd name="connsiteY16" fmla="*/ 432553 h 1889650"/>
+              <a:gd name="connsiteX17" fmla="*/ 360000 w 1440000"/>
+              <a:gd name="connsiteY17" fmla="*/ 360000 h 1889650"/>
+              <a:gd name="connsiteX18" fmla="*/ 720000 w 1440000"/>
+              <a:gd name="connsiteY18" fmla="*/ 0 h 1889650"/>
+            </a:gdLst>
+            <a:ahLst/>
+            <a:cxnLst>
+              <a:cxn ang="0">
+                <a:pos x="connsiteX0" y="connsiteY0"/>
+              </a:cxn>
+              <a:cxn ang="0">
+                <a:pos x="connsiteX1" y="connsiteY1"/>
+              </a:cxn>
+              <a:cxn ang="0">
+                <a:pos x="connsiteX2" y="connsiteY2"/>
+              </a:cxn>
+              <a:cxn ang="0">
+                <a:pos x="connsiteX3" y="connsiteY3"/>
+              </a:cxn>
+              <a:cxn ang="0">
+                <a:pos x="connsiteX4" y="connsiteY4"/>
+              </a:cxn>
+              <a:cxn ang="0">
+                <a:pos x="connsiteX5" y="connsiteY5"/>
+              </a:cxn>
+              <a:cxn ang="0">
+                <a:pos x="connsiteX6" y="connsiteY6"/>
+              </a:cxn>
+              <a:cxn ang="0">
+                <a:pos x="connsiteX7" y="connsiteY7"/>
+              </a:cxn>
+              <a:cxn ang="0">
+                <a:pos x="connsiteX8" y="connsiteY8"/>
+              </a:cxn>
+              <a:cxn ang="0">
+                <a:pos x="connsiteX9" y="connsiteY9"/>
+              </a:cxn>
+              <a:cxn ang="0">
+                <a:pos x="connsiteX10" y="connsiteY10"/>
+              </a:cxn>
+              <a:cxn ang="0">
+                <a:pos x="connsiteX11" y="connsiteY11"/>
+              </a:cxn>
+              <a:cxn ang="0">
+                <a:pos x="connsiteX12" y="connsiteY12"/>
+              </a:cxn>
+              <a:cxn ang="0">
+                <a:pos x="connsiteX13" y="connsiteY13"/>
+              </a:cxn>
+              <a:cxn ang="0">
+                <a:pos x="connsiteX14" y="connsiteY14"/>
+              </a:cxn>
+              <a:cxn ang="0">
+                <a:pos x="connsiteX15" y="connsiteY15"/>
+              </a:cxn>
+              <a:cxn ang="0">
+                <a:pos x="connsiteX16" y="connsiteY16"/>
+              </a:cxn>
+              <a:cxn ang="0">
+                <a:pos x="connsiteX17" y="connsiteY17"/>
+              </a:cxn>
+              <a:cxn ang="0">
+                <a:pos x="connsiteX18" y="connsiteY18"/>
+              </a:cxn>
+            </a:cxnLst>
+            <a:rect l="l" t="t" r="r" b="b"/>
+            <a:pathLst>
+              <a:path w="1440000" h="1889650">
+                <a:moveTo>
+                  <a:pt x="720000" y="0"/>
+                </a:moveTo>
+                <a:cubicBezTo>
+                  <a:pt x="918823" y="0"/>
+                  <a:pt x="1080000" y="161177"/>
+                  <a:pt x="1080000" y="360000"/>
+                </a:cubicBezTo>
+                <a:cubicBezTo>
+                  <a:pt x="1080000" y="384853"/>
+                  <a:pt x="1077482" y="409118"/>
+                  <a:pt x="1072686" y="432553"/>
+                </a:cubicBezTo>
+                <a:lnTo>
+                  <a:pt x="1067379" y="449650"/>
+                </a:lnTo>
+                <a:lnTo>
+                  <a:pt x="1440000" y="449650"/>
+                </a:lnTo>
+                <a:lnTo>
+                  <a:pt x="1440000" y="822271"/>
+                </a:lnTo>
+                <a:lnTo>
+                  <a:pt x="1422903" y="816964"/>
+                </a:lnTo>
+                <a:cubicBezTo>
+                  <a:pt x="1399468" y="812169"/>
+                  <a:pt x="1375203" y="809650"/>
+                  <a:pt x="1350350" y="809650"/>
+                </a:cubicBezTo>
+                <a:cubicBezTo>
+                  <a:pt x="1151527" y="809650"/>
+                  <a:pt x="990350" y="970827"/>
+                  <a:pt x="990350" y="1169650"/>
+                </a:cubicBezTo>
+                <a:cubicBezTo>
+                  <a:pt x="990350" y="1368473"/>
+                  <a:pt x="1151527" y="1529650"/>
+                  <a:pt x="1350350" y="1529650"/>
+                </a:cubicBezTo>
+                <a:cubicBezTo>
+                  <a:pt x="1375203" y="1529650"/>
+                  <a:pt x="1399468" y="1527132"/>
+                  <a:pt x="1422903" y="1522336"/>
+                </a:cubicBezTo>
+                <a:lnTo>
+                  <a:pt x="1440000" y="1517029"/>
+                </a:lnTo>
+                <a:lnTo>
+                  <a:pt x="1440000" y="1889650"/>
+                </a:lnTo>
+                <a:lnTo>
+                  <a:pt x="0" y="1889650"/>
+                </a:lnTo>
+                <a:lnTo>
+                  <a:pt x="0" y="449650"/>
+                </a:lnTo>
+                <a:lnTo>
+                  <a:pt x="372621" y="449650"/>
+                </a:lnTo>
+                <a:lnTo>
+                  <a:pt x="367314" y="432553"/>
+                </a:lnTo>
+                <a:cubicBezTo>
+                  <a:pt x="362519" y="409118"/>
+                  <a:pt x="360000" y="384853"/>
+                  <a:pt x="360000" y="360000"/>
+                </a:cubicBezTo>
+                <a:cubicBezTo>
+                  <a:pt x="360000" y="161177"/>
+                  <a:pt x="521177" y="0"/>
+                  <a:pt x="720000" y="0"/>
+                </a:cubicBezTo>
+                <a:close/>
+              </a:path>
+            </a:pathLst>
+          </a:custGeom>
+          <a:ln/>
+        </p:spPr>
+        <p:style>
+          <a:lnRef idx="2">
+            <a:schemeClr val="accent2">
+              <a:shade val="50000"/>
+            </a:schemeClr>
+          </a:lnRef>
+          <a:fillRef idx="1">
+            <a:schemeClr val="accent2"/>
+          </a:fillRef>
+          <a:effectRef idx="0">
+            <a:schemeClr val="accent2"/>
+          </a:effectRef>
+          <a:fontRef idx="minor">
+            <a:schemeClr val="lt1"/>
+          </a:fontRef>
+        </p:style>
+        <p:txBody>
+          <a:bodyPr vert="vert270" rtlCol="0" anchor="ctr"/>
+          <a:lstStyle/>
+          <a:p>
+            <a:pPr algn="ctr"/>
+            <a:endParaRPr lang="de-DE" dirty="0">
+              <a:solidFill>
+                <a:schemeClr val="tx1"/>
+              </a:solidFill>
+            </a:endParaRPr>
+          </a:p>
+        </p:txBody>
+      </p:sp>
+      <p:sp>
+        <p:nvSpPr>
+          <p:cNvPr id="51" name="Freihandform: Form 50">
+            <a:extLst>
+              <a:ext uri="{FF2B5EF4-FFF2-40B4-BE49-F238E27FC236}">
+                <a16:creationId xmlns:a16="http://schemas.microsoft.com/office/drawing/2014/main" id="{1442EC82-A584-470E-8E69-19B6F35F3CFA}"/>
+              </a:ext>
+            </a:extLst>
+          </p:cNvPr>
+          <p:cNvSpPr/>
+          <p:nvPr/>
+        </p:nvSpPr>
+        <p:spPr>
+          <a:xfrm rot="10800000">
+            <a:off x="10651036" y="1989000"/>
+            <a:ext cx="1440000" cy="1889650"/>
+          </a:xfrm>
+          <a:custGeom>
+            <a:avLst/>
+            <a:gdLst>
+              <a:gd name="connsiteX0" fmla="*/ 720000 w 1440000"/>
+              <a:gd name="connsiteY0" fmla="*/ 0 h 1889650"/>
+              <a:gd name="connsiteX1" fmla="*/ 1080000 w 1440000"/>
+              <a:gd name="connsiteY1" fmla="*/ 360000 h 1889650"/>
+              <a:gd name="connsiteX2" fmla="*/ 1072686 w 1440000"/>
+              <a:gd name="connsiteY2" fmla="*/ 432553 h 1889650"/>
+              <a:gd name="connsiteX3" fmla="*/ 1067379 w 1440000"/>
+              <a:gd name="connsiteY3" fmla="*/ 449650 h 1889650"/>
+              <a:gd name="connsiteX4" fmla="*/ 1440000 w 1440000"/>
+              <a:gd name="connsiteY4" fmla="*/ 449650 h 1889650"/>
+              <a:gd name="connsiteX5" fmla="*/ 1440000 w 1440000"/>
+              <a:gd name="connsiteY5" fmla="*/ 822271 h 1889650"/>
+              <a:gd name="connsiteX6" fmla="*/ 1422903 w 1440000"/>
+              <a:gd name="connsiteY6" fmla="*/ 816964 h 1889650"/>
+              <a:gd name="connsiteX7" fmla="*/ 1350350 w 1440000"/>
+              <a:gd name="connsiteY7" fmla="*/ 809650 h 1889650"/>
+              <a:gd name="connsiteX8" fmla="*/ 990350 w 1440000"/>
+              <a:gd name="connsiteY8" fmla="*/ 1169650 h 1889650"/>
+              <a:gd name="connsiteX9" fmla="*/ 1350350 w 1440000"/>
+              <a:gd name="connsiteY9" fmla="*/ 1529650 h 1889650"/>
+              <a:gd name="connsiteX10" fmla="*/ 1422903 w 1440000"/>
+              <a:gd name="connsiteY10" fmla="*/ 1522336 h 1889650"/>
+              <a:gd name="connsiteX11" fmla="*/ 1440000 w 1440000"/>
+              <a:gd name="connsiteY11" fmla="*/ 1517029 h 1889650"/>
+              <a:gd name="connsiteX12" fmla="*/ 1440000 w 1440000"/>
+              <a:gd name="connsiteY12" fmla="*/ 1889650 h 1889650"/>
+              <a:gd name="connsiteX13" fmla="*/ 0 w 1440000"/>
+              <a:gd name="connsiteY13" fmla="*/ 1889650 h 1889650"/>
+              <a:gd name="connsiteX14" fmla="*/ 0 w 1440000"/>
+              <a:gd name="connsiteY14" fmla="*/ 449650 h 1889650"/>
+              <a:gd name="connsiteX15" fmla="*/ 372621 w 1440000"/>
+              <a:gd name="connsiteY15" fmla="*/ 449650 h 1889650"/>
+              <a:gd name="connsiteX16" fmla="*/ 367314 w 1440000"/>
+              <a:gd name="connsiteY16" fmla="*/ 432553 h 1889650"/>
+              <a:gd name="connsiteX17" fmla="*/ 360000 w 1440000"/>
+              <a:gd name="connsiteY17" fmla="*/ 360000 h 1889650"/>
+              <a:gd name="connsiteX18" fmla="*/ 720000 w 1440000"/>
+              <a:gd name="connsiteY18" fmla="*/ 0 h 1889650"/>
+            </a:gdLst>
+            <a:ahLst/>
+            <a:cxnLst>
+              <a:cxn ang="0">
+                <a:pos x="connsiteX0" y="connsiteY0"/>
+              </a:cxn>
+              <a:cxn ang="0">
+                <a:pos x="connsiteX1" y="connsiteY1"/>
+              </a:cxn>
+              <a:cxn ang="0">
+                <a:pos x="connsiteX2" y="connsiteY2"/>
+              </a:cxn>
+              <a:cxn ang="0">
+                <a:pos x="connsiteX3" y="connsiteY3"/>
+              </a:cxn>
+              <a:cxn ang="0">
+                <a:pos x="connsiteX4" y="connsiteY4"/>
+              </a:cxn>
+              <a:cxn ang="0">
+                <a:pos x="connsiteX5" y="connsiteY5"/>
+              </a:cxn>
+              <a:cxn ang="0">
+                <a:pos x="connsiteX6" y="connsiteY6"/>
+              </a:cxn>
+              <a:cxn ang="0">
+                <a:pos x="connsiteX7" y="connsiteY7"/>
+              </a:cxn>
+              <a:cxn ang="0">
+                <a:pos x="connsiteX8" y="connsiteY8"/>
+              </a:cxn>
+              <a:cxn ang="0">
+                <a:pos x="connsiteX9" y="connsiteY9"/>
+              </a:cxn>
+              <a:cxn ang="0">
+                <a:pos x="connsiteX10" y="connsiteY10"/>
+              </a:cxn>
+              <a:cxn ang="0">
+                <a:pos x="connsiteX11" y="connsiteY11"/>
+              </a:cxn>
+              <a:cxn ang="0">
+                <a:pos x="connsiteX12" y="connsiteY12"/>
+              </a:cxn>
+              <a:cxn ang="0">
+                <a:pos x="connsiteX13" y="connsiteY13"/>
+              </a:cxn>
+              <a:cxn ang="0">
+                <a:pos x="connsiteX14" y="connsiteY14"/>
+              </a:cxn>
+              <a:cxn ang="0">
+                <a:pos x="connsiteX15" y="connsiteY15"/>
+              </a:cxn>
+              <a:cxn ang="0">
+                <a:pos x="connsiteX16" y="connsiteY16"/>
+              </a:cxn>
+              <a:cxn ang="0">
+                <a:pos x="connsiteX17" y="connsiteY17"/>
+              </a:cxn>
+              <a:cxn ang="0">
+                <a:pos x="connsiteX18" y="connsiteY18"/>
+              </a:cxn>
+            </a:cxnLst>
+            <a:rect l="l" t="t" r="r" b="b"/>
+            <a:pathLst>
+              <a:path w="1440000" h="1889650">
+                <a:moveTo>
+                  <a:pt x="720000" y="0"/>
+                </a:moveTo>
+                <a:cubicBezTo>
+                  <a:pt x="918823" y="0"/>
+                  <a:pt x="1080000" y="161177"/>
+                  <a:pt x="1080000" y="360000"/>
+                </a:cubicBezTo>
+                <a:cubicBezTo>
+                  <a:pt x="1080000" y="384853"/>
+                  <a:pt x="1077482" y="409118"/>
+                  <a:pt x="1072686" y="432553"/>
+                </a:cubicBezTo>
+                <a:lnTo>
+                  <a:pt x="1067379" y="449650"/>
+                </a:lnTo>
+                <a:lnTo>
+                  <a:pt x="1440000" y="449650"/>
+                </a:lnTo>
+                <a:lnTo>
+                  <a:pt x="1440000" y="822271"/>
+                </a:lnTo>
+                <a:lnTo>
+                  <a:pt x="1422903" y="816964"/>
+                </a:lnTo>
+                <a:cubicBezTo>
+                  <a:pt x="1399468" y="812169"/>
+                  <a:pt x="1375203" y="809650"/>
+                  <a:pt x="1350350" y="809650"/>
+                </a:cubicBezTo>
+                <a:cubicBezTo>
+                  <a:pt x="1151527" y="809650"/>
+                  <a:pt x="990350" y="970827"/>
+                  <a:pt x="990350" y="1169650"/>
+                </a:cubicBezTo>
+                <a:cubicBezTo>
+                  <a:pt x="990350" y="1368473"/>
+                  <a:pt x="1151527" y="1529650"/>
+                  <a:pt x="1350350" y="1529650"/>
+                </a:cubicBezTo>
+                <a:cubicBezTo>
+                  <a:pt x="1375203" y="1529650"/>
+                  <a:pt x="1399468" y="1527132"/>
+                  <a:pt x="1422903" y="1522336"/>
+                </a:cubicBezTo>
+                <a:lnTo>
+                  <a:pt x="1440000" y="1517029"/>
+                </a:lnTo>
+                <a:lnTo>
+                  <a:pt x="1440000" y="1889650"/>
+                </a:lnTo>
+                <a:lnTo>
+                  <a:pt x="0" y="1889650"/>
+                </a:lnTo>
+                <a:lnTo>
+                  <a:pt x="0" y="449650"/>
+                </a:lnTo>
+                <a:lnTo>
+                  <a:pt x="372621" y="449650"/>
+                </a:lnTo>
+                <a:lnTo>
+                  <a:pt x="367314" y="432553"/>
+                </a:lnTo>
+                <a:cubicBezTo>
+                  <a:pt x="362519" y="409118"/>
+                  <a:pt x="360000" y="384853"/>
+                  <a:pt x="360000" y="360000"/>
+                </a:cubicBezTo>
+                <a:cubicBezTo>
+                  <a:pt x="360000" y="161177"/>
+                  <a:pt x="521177" y="0"/>
+                  <a:pt x="720000" y="0"/>
+                </a:cubicBezTo>
+                <a:close/>
+              </a:path>
+            </a:pathLst>
+          </a:custGeom>
+          <a:ln/>
+        </p:spPr>
+        <p:style>
+          <a:lnRef idx="2">
+            <a:schemeClr val="accent1">
+              <a:shade val="50000"/>
+            </a:schemeClr>
+          </a:lnRef>
+          <a:fillRef idx="1">
+            <a:schemeClr val="accent1"/>
+          </a:fillRef>
+          <a:effectRef idx="0">
+            <a:schemeClr val="accent1"/>
+          </a:effectRef>
+          <a:fontRef idx="minor">
+            <a:schemeClr val="lt1"/>
+          </a:fontRef>
+        </p:style>
+        <p:txBody>
+          <a:bodyPr vert="horz" rtlCol="0" anchor="ctr"/>
+          <a:lstStyle/>
+          <a:p>
+            <a:pPr algn="ctr"/>
+            <a:endParaRPr lang="de-DE" dirty="0">
+              <a:solidFill>
+                <a:schemeClr val="tx1"/>
+              </a:solidFill>
+            </a:endParaRPr>
+          </a:p>
+        </p:txBody>
+      </p:sp>
+      <p:sp>
+        <p:nvSpPr>
+          <p:cNvPr id="52" name="Freihandform: Form 51">
+            <a:extLst>
+              <a:ext uri="{FF2B5EF4-FFF2-40B4-BE49-F238E27FC236}">
+                <a16:creationId xmlns:a16="http://schemas.microsoft.com/office/drawing/2014/main" id="{6550A689-744B-4203-9542-51C6AB1B6AC3}"/>
+              </a:ext>
+            </a:extLst>
+          </p:cNvPr>
+          <p:cNvSpPr/>
+          <p:nvPr/>
+        </p:nvSpPr>
+        <p:spPr>
+          <a:xfrm>
+            <a:off x="9206949" y="2983250"/>
+            <a:ext cx="1440000" cy="1889650"/>
+          </a:xfrm>
+          <a:custGeom>
+            <a:avLst/>
+            <a:gdLst>
+              <a:gd name="connsiteX0" fmla="*/ 720000 w 1440000"/>
+              <a:gd name="connsiteY0" fmla="*/ 0 h 1889650"/>
+              <a:gd name="connsiteX1" fmla="*/ 1080000 w 1440000"/>
+              <a:gd name="connsiteY1" fmla="*/ 360000 h 1889650"/>
+              <a:gd name="connsiteX2" fmla="*/ 1072686 w 1440000"/>
+              <a:gd name="connsiteY2" fmla="*/ 432553 h 1889650"/>
+              <a:gd name="connsiteX3" fmla="*/ 1067379 w 1440000"/>
+              <a:gd name="connsiteY3" fmla="*/ 449650 h 1889650"/>
+              <a:gd name="connsiteX4" fmla="*/ 1440000 w 1440000"/>
+              <a:gd name="connsiteY4" fmla="*/ 449650 h 1889650"/>
+              <a:gd name="connsiteX5" fmla="*/ 1440000 w 1440000"/>
+              <a:gd name="connsiteY5" fmla="*/ 822271 h 1889650"/>
+              <a:gd name="connsiteX6" fmla="*/ 1422903 w 1440000"/>
+              <a:gd name="connsiteY6" fmla="*/ 816964 h 1889650"/>
+              <a:gd name="connsiteX7" fmla="*/ 1350350 w 1440000"/>
+              <a:gd name="connsiteY7" fmla="*/ 809650 h 1889650"/>
+              <a:gd name="connsiteX8" fmla="*/ 990350 w 1440000"/>
+              <a:gd name="connsiteY8" fmla="*/ 1169650 h 1889650"/>
+              <a:gd name="connsiteX9" fmla="*/ 1350350 w 1440000"/>
+              <a:gd name="connsiteY9" fmla="*/ 1529650 h 1889650"/>
+              <a:gd name="connsiteX10" fmla="*/ 1422903 w 1440000"/>
+              <a:gd name="connsiteY10" fmla="*/ 1522336 h 1889650"/>
+              <a:gd name="connsiteX11" fmla="*/ 1440000 w 1440000"/>
+              <a:gd name="connsiteY11" fmla="*/ 1517029 h 1889650"/>
+              <a:gd name="connsiteX12" fmla="*/ 1440000 w 1440000"/>
+              <a:gd name="connsiteY12" fmla="*/ 1889650 h 1889650"/>
+              <a:gd name="connsiteX13" fmla="*/ 0 w 1440000"/>
+              <a:gd name="connsiteY13" fmla="*/ 1889650 h 1889650"/>
+              <a:gd name="connsiteX14" fmla="*/ 0 w 1440000"/>
+              <a:gd name="connsiteY14" fmla="*/ 449650 h 1889650"/>
+              <a:gd name="connsiteX15" fmla="*/ 372621 w 1440000"/>
+              <a:gd name="connsiteY15" fmla="*/ 449650 h 1889650"/>
+              <a:gd name="connsiteX16" fmla="*/ 367314 w 1440000"/>
+              <a:gd name="connsiteY16" fmla="*/ 432553 h 1889650"/>
+              <a:gd name="connsiteX17" fmla="*/ 360000 w 1440000"/>
+              <a:gd name="connsiteY17" fmla="*/ 360000 h 1889650"/>
+              <a:gd name="connsiteX18" fmla="*/ 720000 w 1440000"/>
+              <a:gd name="connsiteY18" fmla="*/ 0 h 1889650"/>
+            </a:gdLst>
+            <a:ahLst/>
+            <a:cxnLst>
+              <a:cxn ang="0">
+                <a:pos x="connsiteX0" y="connsiteY0"/>
+              </a:cxn>
+              <a:cxn ang="0">
+                <a:pos x="connsiteX1" y="connsiteY1"/>
+              </a:cxn>
+              <a:cxn ang="0">
+                <a:pos x="connsiteX2" y="connsiteY2"/>
+              </a:cxn>
+              <a:cxn ang="0">
+                <a:pos x="connsiteX3" y="connsiteY3"/>
+              </a:cxn>
+              <a:cxn ang="0">
+                <a:pos x="connsiteX4" y="connsiteY4"/>
+              </a:cxn>
+              <a:cxn ang="0">
+                <a:pos x="connsiteX5" y="connsiteY5"/>
+              </a:cxn>
+              <a:cxn ang="0">
+                <a:pos x="connsiteX6" y="connsiteY6"/>
+              </a:cxn>
+              <a:cxn ang="0">
+                <a:pos x="connsiteX7" y="connsiteY7"/>
+              </a:cxn>
+              <a:cxn ang="0">
+                <a:pos x="connsiteX8" y="connsiteY8"/>
+              </a:cxn>
+              <a:cxn ang="0">
+                <a:pos x="connsiteX9" y="connsiteY9"/>
+              </a:cxn>
+              <a:cxn ang="0">
+                <a:pos x="connsiteX10" y="connsiteY10"/>
+              </a:cxn>
+              <a:cxn ang="0">
+                <a:pos x="connsiteX11" y="connsiteY11"/>
+              </a:cxn>
+              <a:cxn ang="0">
+                <a:pos x="connsiteX12" y="connsiteY12"/>
+              </a:cxn>
+              <a:cxn ang="0">
+                <a:pos x="connsiteX13" y="connsiteY13"/>
+              </a:cxn>
+              <a:cxn ang="0">
+                <a:pos x="connsiteX14" y="connsiteY14"/>
+              </a:cxn>
+              <a:cxn ang="0">
+                <a:pos x="connsiteX15" y="connsiteY15"/>
+              </a:cxn>
+              <a:cxn ang="0">
+                <a:pos x="connsiteX16" y="connsiteY16"/>
+              </a:cxn>
+              <a:cxn ang="0">
+                <a:pos x="connsiteX17" y="connsiteY17"/>
+              </a:cxn>
+              <a:cxn ang="0">
+                <a:pos x="connsiteX18" y="connsiteY18"/>
+              </a:cxn>
+            </a:cxnLst>
+            <a:rect l="l" t="t" r="r" b="b"/>
+            <a:pathLst>
+              <a:path w="1440000" h="1889650">
+                <a:moveTo>
+                  <a:pt x="720000" y="0"/>
+                </a:moveTo>
+                <a:cubicBezTo>
+                  <a:pt x="918823" y="0"/>
+                  <a:pt x="1080000" y="161177"/>
+                  <a:pt x="1080000" y="360000"/>
+                </a:cubicBezTo>
+                <a:cubicBezTo>
+                  <a:pt x="1080000" y="384853"/>
+                  <a:pt x="1077482" y="409118"/>
+                  <a:pt x="1072686" y="432553"/>
+                </a:cubicBezTo>
+                <a:lnTo>
+                  <a:pt x="1067379" y="449650"/>
+                </a:lnTo>
+                <a:lnTo>
+                  <a:pt x="1440000" y="449650"/>
+                </a:lnTo>
+                <a:lnTo>
+                  <a:pt x="1440000" y="822271"/>
+                </a:lnTo>
+                <a:lnTo>
+                  <a:pt x="1422903" y="816964"/>
+                </a:lnTo>
+                <a:cubicBezTo>
+                  <a:pt x="1399468" y="812169"/>
+                  <a:pt x="1375203" y="809650"/>
+                  <a:pt x="1350350" y="809650"/>
+                </a:cubicBezTo>
+                <a:cubicBezTo>
+                  <a:pt x="1151527" y="809650"/>
+                  <a:pt x="990350" y="970827"/>
+                  <a:pt x="990350" y="1169650"/>
+                </a:cubicBezTo>
+                <a:cubicBezTo>
+                  <a:pt x="990350" y="1368473"/>
+                  <a:pt x="1151527" y="1529650"/>
+                  <a:pt x="1350350" y="1529650"/>
+                </a:cubicBezTo>
+                <a:cubicBezTo>
+                  <a:pt x="1375203" y="1529650"/>
+                  <a:pt x="1399468" y="1527132"/>
+                  <a:pt x="1422903" y="1522336"/>
+                </a:cubicBezTo>
+                <a:lnTo>
+                  <a:pt x="1440000" y="1517029"/>
+                </a:lnTo>
+                <a:lnTo>
+                  <a:pt x="1440000" y="1889650"/>
+                </a:lnTo>
+                <a:lnTo>
+                  <a:pt x="0" y="1889650"/>
+                </a:lnTo>
+                <a:lnTo>
+                  <a:pt x="0" y="449650"/>
+                </a:lnTo>
+                <a:lnTo>
+                  <a:pt x="372621" y="449650"/>
+                </a:lnTo>
+                <a:lnTo>
+                  <a:pt x="367314" y="432553"/>
+                </a:lnTo>
+                <a:cubicBezTo>
+                  <a:pt x="362519" y="409118"/>
+                  <a:pt x="360000" y="384853"/>
+                  <a:pt x="360000" y="360000"/>
+                </a:cubicBezTo>
+                <a:cubicBezTo>
+                  <a:pt x="360000" y="161177"/>
+                  <a:pt x="521177" y="0"/>
+                  <a:pt x="720000" y="0"/>
+                </a:cubicBezTo>
+                <a:close/>
+              </a:path>
+            </a:pathLst>
+          </a:custGeom>
+          <a:ln/>
+        </p:spPr>
+        <p:style>
+          <a:lnRef idx="2">
+            <a:schemeClr val="accent6">
+              <a:shade val="50000"/>
+            </a:schemeClr>
+          </a:lnRef>
+          <a:fillRef idx="1">
+            <a:schemeClr val="accent6"/>
+          </a:fillRef>
+          <a:effectRef idx="0">
+            <a:schemeClr val="accent6"/>
+          </a:effectRef>
+          <a:fontRef idx="minor">
+            <a:schemeClr val="lt1"/>
+          </a:fontRef>
+        </p:style>
+        <p:txBody>
+          <a:bodyPr rtlCol="0" anchor="ctr"/>
+          <a:lstStyle/>
+          <a:p>
+            <a:pPr algn="ctr"/>
+            <a:endParaRPr lang="de-DE" dirty="0">
+              <a:solidFill>
+                <a:schemeClr val="tx1"/>
+              </a:solidFill>
+            </a:endParaRPr>
+          </a:p>
+        </p:txBody>
+      </p:sp>
+      <p:sp>
+        <p:nvSpPr>
+          <p:cNvPr id="53" name="Freihandform: Form 52">
+            <a:extLst>
+              <a:ext uri="{FF2B5EF4-FFF2-40B4-BE49-F238E27FC236}">
+                <a16:creationId xmlns:a16="http://schemas.microsoft.com/office/drawing/2014/main" id="{36291A3A-3A77-4B07-819A-EB0312453CB8}"/>
+              </a:ext>
+            </a:extLst>
+          </p:cNvPr>
+          <p:cNvSpPr/>
+          <p:nvPr/>
+        </p:nvSpPr>
+        <p:spPr>
+          <a:xfrm rot="16200000">
+            <a:off x="10426211" y="3208075"/>
+            <a:ext cx="1440000" cy="1889650"/>
+          </a:xfrm>
+          <a:custGeom>
+            <a:avLst/>
+            <a:gdLst>
+              <a:gd name="connsiteX0" fmla="*/ 720000 w 1440000"/>
+              <a:gd name="connsiteY0" fmla="*/ 0 h 1889650"/>
+              <a:gd name="connsiteX1" fmla="*/ 1080000 w 1440000"/>
+              <a:gd name="connsiteY1" fmla="*/ 360000 h 1889650"/>
+              <a:gd name="connsiteX2" fmla="*/ 1072686 w 1440000"/>
+              <a:gd name="connsiteY2" fmla="*/ 432553 h 1889650"/>
+              <a:gd name="connsiteX3" fmla="*/ 1067379 w 1440000"/>
+              <a:gd name="connsiteY3" fmla="*/ 449650 h 1889650"/>
+              <a:gd name="connsiteX4" fmla="*/ 1440000 w 1440000"/>
+              <a:gd name="connsiteY4" fmla="*/ 449650 h 1889650"/>
+              <a:gd name="connsiteX5" fmla="*/ 1440000 w 1440000"/>
+              <a:gd name="connsiteY5" fmla="*/ 822271 h 1889650"/>
+              <a:gd name="connsiteX6" fmla="*/ 1422903 w 1440000"/>
+              <a:gd name="connsiteY6" fmla="*/ 816964 h 1889650"/>
+              <a:gd name="connsiteX7" fmla="*/ 1350350 w 1440000"/>
+              <a:gd name="connsiteY7" fmla="*/ 809650 h 1889650"/>
+              <a:gd name="connsiteX8" fmla="*/ 990350 w 1440000"/>
+              <a:gd name="connsiteY8" fmla="*/ 1169650 h 1889650"/>
+              <a:gd name="connsiteX9" fmla="*/ 1350350 w 1440000"/>
+              <a:gd name="connsiteY9" fmla="*/ 1529650 h 1889650"/>
+              <a:gd name="connsiteX10" fmla="*/ 1422903 w 1440000"/>
+              <a:gd name="connsiteY10" fmla="*/ 1522336 h 1889650"/>
+              <a:gd name="connsiteX11" fmla="*/ 1440000 w 1440000"/>
+              <a:gd name="connsiteY11" fmla="*/ 1517029 h 1889650"/>
+              <a:gd name="connsiteX12" fmla="*/ 1440000 w 1440000"/>
+              <a:gd name="connsiteY12" fmla="*/ 1889650 h 1889650"/>
+              <a:gd name="connsiteX13" fmla="*/ 0 w 1440000"/>
+              <a:gd name="connsiteY13" fmla="*/ 1889650 h 1889650"/>
+              <a:gd name="connsiteX14" fmla="*/ 0 w 1440000"/>
+              <a:gd name="connsiteY14" fmla="*/ 449650 h 1889650"/>
+              <a:gd name="connsiteX15" fmla="*/ 372621 w 1440000"/>
+              <a:gd name="connsiteY15" fmla="*/ 449650 h 1889650"/>
+              <a:gd name="connsiteX16" fmla="*/ 367314 w 1440000"/>
+              <a:gd name="connsiteY16" fmla="*/ 432553 h 1889650"/>
+              <a:gd name="connsiteX17" fmla="*/ 360000 w 1440000"/>
+              <a:gd name="connsiteY17" fmla="*/ 360000 h 1889650"/>
+              <a:gd name="connsiteX18" fmla="*/ 720000 w 1440000"/>
+              <a:gd name="connsiteY18" fmla="*/ 0 h 1889650"/>
+            </a:gdLst>
+            <a:ahLst/>
+            <a:cxnLst>
+              <a:cxn ang="0">
+                <a:pos x="connsiteX0" y="connsiteY0"/>
+              </a:cxn>
+              <a:cxn ang="0">
+                <a:pos x="connsiteX1" y="connsiteY1"/>
+              </a:cxn>
+              <a:cxn ang="0">
+                <a:pos x="connsiteX2" y="connsiteY2"/>
+              </a:cxn>
+              <a:cxn ang="0">
+                <a:pos x="connsiteX3" y="connsiteY3"/>
+              </a:cxn>
+              <a:cxn ang="0">
+                <a:pos x="connsiteX4" y="connsiteY4"/>
+              </a:cxn>
+              <a:cxn ang="0">
+                <a:pos x="connsiteX5" y="connsiteY5"/>
+              </a:cxn>
+              <a:cxn ang="0">
+                <a:pos x="connsiteX6" y="connsiteY6"/>
+              </a:cxn>
+              <a:cxn ang="0">
+                <a:pos x="connsiteX7" y="connsiteY7"/>
+              </a:cxn>
+              <a:cxn ang="0">
+                <a:pos x="connsiteX8" y="connsiteY8"/>
+              </a:cxn>
+              <a:cxn ang="0">
+                <a:pos x="connsiteX9" y="connsiteY9"/>
+              </a:cxn>
+              <a:cxn ang="0">
+                <a:pos x="connsiteX10" y="connsiteY10"/>
+              </a:cxn>
+              <a:cxn ang="0">
+                <a:pos x="connsiteX11" y="connsiteY11"/>
+              </a:cxn>
+              <a:cxn ang="0">
+                <a:pos x="connsiteX12" y="connsiteY12"/>
+              </a:cxn>
+              <a:cxn ang="0">
+                <a:pos x="connsiteX13" y="connsiteY13"/>
+              </a:cxn>
+              <a:cxn ang="0">
+                <a:pos x="connsiteX14" y="connsiteY14"/>
+              </a:cxn>
+              <a:cxn ang="0">
+                <a:pos x="connsiteX15" y="connsiteY15"/>
+              </a:cxn>
+              <a:cxn ang="0">
+                <a:pos x="connsiteX16" y="connsiteY16"/>
+              </a:cxn>
+              <a:cxn ang="0">
+                <a:pos x="connsiteX17" y="connsiteY17"/>
+              </a:cxn>
+              <a:cxn ang="0">
+                <a:pos x="connsiteX18" y="connsiteY18"/>
+              </a:cxn>
+            </a:cxnLst>
+            <a:rect l="l" t="t" r="r" b="b"/>
+            <a:pathLst>
+              <a:path w="1440000" h="1889650">
+                <a:moveTo>
+                  <a:pt x="720000" y="0"/>
+                </a:moveTo>
+                <a:cubicBezTo>
+                  <a:pt x="918823" y="0"/>
+                  <a:pt x="1080000" y="161177"/>
+                  <a:pt x="1080000" y="360000"/>
+                </a:cubicBezTo>
+                <a:cubicBezTo>
+                  <a:pt x="1080000" y="384853"/>
+                  <a:pt x="1077482" y="409118"/>
+                  <a:pt x="1072686" y="432553"/>
+                </a:cubicBezTo>
+                <a:lnTo>
+                  <a:pt x="1067379" y="449650"/>
+                </a:lnTo>
+                <a:lnTo>
+                  <a:pt x="1440000" y="449650"/>
+                </a:lnTo>
+                <a:lnTo>
+                  <a:pt x="1440000" y="822271"/>
+                </a:lnTo>
+                <a:lnTo>
+                  <a:pt x="1422903" y="816964"/>
+                </a:lnTo>
+                <a:cubicBezTo>
+                  <a:pt x="1399468" y="812169"/>
+                  <a:pt x="1375203" y="809650"/>
+                  <a:pt x="1350350" y="809650"/>
+                </a:cubicBezTo>
+                <a:cubicBezTo>
+                  <a:pt x="1151527" y="809650"/>
+                  <a:pt x="990350" y="970827"/>
+                  <a:pt x="990350" y="1169650"/>
+                </a:cubicBezTo>
+                <a:cubicBezTo>
+                  <a:pt x="990350" y="1368473"/>
+                  <a:pt x="1151527" y="1529650"/>
+                  <a:pt x="1350350" y="1529650"/>
+                </a:cubicBezTo>
+                <a:cubicBezTo>
+                  <a:pt x="1375203" y="1529650"/>
+                  <a:pt x="1399468" y="1527132"/>
+                  <a:pt x="1422903" y="1522336"/>
+                </a:cubicBezTo>
+                <a:lnTo>
+                  <a:pt x="1440000" y="1517029"/>
+                </a:lnTo>
+                <a:lnTo>
+                  <a:pt x="1440000" y="1889650"/>
+                </a:lnTo>
+                <a:lnTo>
+                  <a:pt x="0" y="1889650"/>
+                </a:lnTo>
+                <a:lnTo>
+                  <a:pt x="0" y="449650"/>
+                </a:lnTo>
+                <a:lnTo>
+                  <a:pt x="372621" y="449650"/>
+                </a:lnTo>
+                <a:lnTo>
+                  <a:pt x="367314" y="432553"/>
+                </a:lnTo>
+                <a:cubicBezTo>
+                  <a:pt x="362519" y="409118"/>
+                  <a:pt x="360000" y="384853"/>
+                  <a:pt x="360000" y="360000"/>
+                </a:cubicBezTo>
+                <a:cubicBezTo>
+                  <a:pt x="360000" y="161177"/>
+                  <a:pt x="521177" y="0"/>
+                  <a:pt x="720000" y="0"/>
+                </a:cubicBezTo>
+                <a:close/>
+              </a:path>
+            </a:pathLst>
+          </a:custGeom>
+          <a:ln/>
+        </p:spPr>
+        <p:style>
+          <a:lnRef idx="2">
+            <a:schemeClr val="accent4">
+              <a:shade val="50000"/>
+            </a:schemeClr>
+          </a:lnRef>
+          <a:fillRef idx="1">
+            <a:schemeClr val="accent4"/>
+          </a:fillRef>
+          <a:effectRef idx="0">
+            <a:schemeClr val="accent4"/>
+          </a:effectRef>
+          <a:fontRef idx="minor">
+            <a:schemeClr val="lt1"/>
+          </a:fontRef>
+        </p:style>
+        <p:txBody>
+          <a:bodyPr vert="vert" rtlCol="0" anchor="ctr"/>
+          <a:lstStyle/>
+          <a:p>
+            <a:pPr algn="ctr"/>
+            <a:endParaRPr lang="de-DE" dirty="0">
+              <a:solidFill>
+                <a:schemeClr val="tx1"/>
+              </a:solidFill>
+            </a:endParaRPr>
+          </a:p>
+        </p:txBody>
+      </p:sp>
+      <p:pic>
+        <p:nvPicPr>
+          <p:cNvPr id="62" name="Grafik 61" descr="Übertragen">
+            <a:extLst>
+              <a:ext uri="{FF2B5EF4-FFF2-40B4-BE49-F238E27FC236}">
+                <a16:creationId xmlns:a16="http://schemas.microsoft.com/office/drawing/2014/main" id="{577B9D71-4F8F-4EE9-830F-1F85C6316625}"/>
+              </a:ext>
+            </a:extLst>
+          </p:cNvPr>
+          <p:cNvPicPr>
+            <a:picLocks noChangeAspect="1"/>
+          </p:cNvPicPr>
+          <p:nvPr/>
+        </p:nvPicPr>
+        <p:blipFill>
+          <a:blip r:embed="rId10">
+            <a:extLst>
+              <a:ext uri="{28A0092B-C50C-407E-A947-70E740481C1C}">
+                <a14:useLocalDpi xmlns:a14="http://schemas.microsoft.com/office/drawing/2010/main" val="0"/>
+              </a:ext>
+              <a:ext uri="{96DAC541-7B7A-43D3-8B79-37D633B846F1}">
+                <asvg:svgBlip xmlns:asvg="http://schemas.microsoft.com/office/drawing/2016/SVG/main" r:embed="rId11"/>
+              </a:ext>
+            </a:extLst>
+          </a:blip>
+          <a:stretch>
+            <a:fillRect/>
+          </a:stretch>
+        </p:blipFill>
+        <p:spPr>
+          <a:xfrm>
+            <a:off x="1307330" y="5516839"/>
+            <a:ext cx="667720" cy="667720"/>
+          </a:xfrm>
+          <a:prstGeom prst="rect">
+            <a:avLst/>
+          </a:prstGeom>
+        </p:spPr>
+      </p:pic>
+      <p:pic>
+        <p:nvPicPr>
+          <p:cNvPr id="63" name="Grafik 62" descr="Entsperren">
+            <a:extLst>
+              <a:ext uri="{FF2B5EF4-FFF2-40B4-BE49-F238E27FC236}">
+                <a16:creationId xmlns:a16="http://schemas.microsoft.com/office/drawing/2014/main" id="{BD396748-421E-4685-B2E7-5F01FBBF2E46}"/>
+              </a:ext>
+            </a:extLst>
+          </p:cNvPr>
+          <p:cNvPicPr>
+            <a:picLocks noChangeAspect="1"/>
+          </p:cNvPicPr>
+          <p:nvPr/>
+        </p:nvPicPr>
+        <p:blipFill>
+          <a:blip r:embed="rId12">
+            <a:extLst>
+              <a:ext uri="{28A0092B-C50C-407E-A947-70E740481C1C}">
+                <a14:useLocalDpi xmlns:a14="http://schemas.microsoft.com/office/drawing/2010/main" val="0"/>
+              </a:ext>
+              <a:ext uri="{96DAC541-7B7A-43D3-8B79-37D633B846F1}">
+                <asvg:svgBlip xmlns:asvg="http://schemas.microsoft.com/office/drawing/2016/SVG/main" r:embed="rId13"/>
+              </a:ext>
+            </a:extLst>
+          </a:blip>
+          <a:stretch>
+            <a:fillRect/>
+          </a:stretch>
+        </p:blipFill>
+        <p:spPr>
+          <a:xfrm>
+            <a:off x="2803987" y="4143235"/>
+            <a:ext cx="582816" cy="582816"/>
+          </a:xfrm>
+          <a:prstGeom prst="rect">
+            <a:avLst/>
+          </a:prstGeom>
+        </p:spPr>
+      </p:pic>
+      <p:pic>
+        <p:nvPicPr>
+          <p:cNvPr id="64" name="Grafik 63" descr="Recycling-Schild">
+            <a:extLst>
+              <a:ext uri="{FF2B5EF4-FFF2-40B4-BE49-F238E27FC236}">
+                <a16:creationId xmlns:a16="http://schemas.microsoft.com/office/drawing/2014/main" id="{702D0ED3-765D-4D38-ADCA-26C01ACC26FA}"/>
+              </a:ext>
+            </a:extLst>
+          </p:cNvPr>
+          <p:cNvPicPr>
+            <a:picLocks noChangeAspect="1"/>
+          </p:cNvPicPr>
+          <p:nvPr/>
+        </p:nvPicPr>
+        <p:blipFill>
+          <a:blip r:embed="rId14">
+            <a:extLst>
+              <a:ext uri="{28A0092B-C50C-407E-A947-70E740481C1C}">
+                <a14:useLocalDpi xmlns:a14="http://schemas.microsoft.com/office/drawing/2010/main" val="0"/>
+              </a:ext>
+              <a:ext uri="{96DAC541-7B7A-43D3-8B79-37D633B846F1}">
+                <asvg:svgBlip xmlns:asvg="http://schemas.microsoft.com/office/drawing/2016/SVG/main" r:embed="rId15"/>
+              </a:ext>
+            </a:extLst>
+          </a:blip>
+          <a:stretch>
+            <a:fillRect/>
+          </a:stretch>
+        </p:blipFill>
+        <p:spPr>
+          <a:xfrm>
+            <a:off x="2835625" y="5590929"/>
+            <a:ext cx="519540" cy="519540"/>
+          </a:xfrm>
+          <a:prstGeom prst="rect">
+            <a:avLst/>
+          </a:prstGeom>
+        </p:spPr>
+      </p:pic>
+      <p:pic>
+        <p:nvPicPr>
+          <p:cNvPr id="65" name="Grafik 64" descr="Lupe">
+            <a:extLst>
+              <a:ext uri="{FF2B5EF4-FFF2-40B4-BE49-F238E27FC236}">
+                <a16:creationId xmlns:a16="http://schemas.microsoft.com/office/drawing/2014/main" id="{EA6F15AA-EECC-4E9B-9756-6CE6F26CBC17}"/>
+              </a:ext>
+            </a:extLst>
+          </p:cNvPr>
+          <p:cNvPicPr>
+            <a:picLocks noChangeAspect="1"/>
+          </p:cNvPicPr>
+          <p:nvPr/>
+        </p:nvPicPr>
+        <p:blipFill>
+          <a:blip r:embed="rId16">
+            <a:extLst>
+              <a:ext uri="{28A0092B-C50C-407E-A947-70E740481C1C}">
+                <a14:useLocalDpi xmlns:a14="http://schemas.microsoft.com/office/drawing/2010/main" val="0"/>
+              </a:ext>
+              <a:ext uri="{96DAC541-7B7A-43D3-8B79-37D633B846F1}">
+                <asvg:svgBlip xmlns:asvg="http://schemas.microsoft.com/office/drawing/2016/SVG/main" r:embed="rId17"/>
+              </a:ext>
+            </a:extLst>
+          </a:blip>
+          <a:stretch>
+            <a:fillRect/>
+          </a:stretch>
+        </p:blipFill>
+        <p:spPr>
+          <a:xfrm>
+            <a:off x="1444747" y="4181146"/>
+            <a:ext cx="506994" cy="506994"/>
+          </a:xfrm>
+          <a:prstGeom prst="rect">
+            <a:avLst/>
+          </a:prstGeom>
+        </p:spPr>
+      </p:pic>
+    </p:spTree>
+    <p:extLst>
+      <p:ext uri="{BB962C8B-B14F-4D97-AF65-F5344CB8AC3E}">
+        <p14:creationId xmlns:p14="http://schemas.microsoft.com/office/powerpoint/2010/main" val="1645873096"/>
+      </p:ext>
+    </p:extLst>
+  </p:cSld>
+  <p:clrMapOvr>
+    <a:masterClrMapping/>
+  </p:clrMapOvr>
+</p:sld>
+</file>
+
+<file path=ppt/slides/slide8.xml><?xml version="1.0" encoding="utf-8"?>
+<p:sld xmlns:a="http://schemas.openxmlformats.org/drawingml/2006/main" xmlns:r="http://schemas.openxmlformats.org/officeDocument/2006/relationships" xmlns:p="http://schemas.openxmlformats.org/presentationml/2006/main">
+  <p:cSld>
+    <p:spTree>
+      <p:nvGrpSpPr>
+        <p:cNvPr id="1" name=""/>
+        <p:cNvGrpSpPr/>
+        <p:nvPr/>
+      </p:nvGrpSpPr>
+      <p:grpSpPr>
+        <a:xfrm>
+          <a:off x="0" y="0"/>
+          <a:ext cx="0" cy="0"/>
+          <a:chOff x="0" y="0"/>
+          <a:chExt cx="0" cy="0"/>
+        </a:xfrm>
+      </p:grpSpPr>
+      <p:sp>
+        <p:nvSpPr>
           <p:cNvPr id="2" name="Titel 1">
             <a:extLst>
               <a:ext uri="{FF2B5EF4-FFF2-40B4-BE49-F238E27FC236}">
@@ -39248,7 +41768,7 @@
 </p:sld>
 </file>
 
-<file path=ppt/slides/slide8.xml><?xml version="1.0" encoding="utf-8"?>
+<file path=ppt/slides/slide9.xml><?xml version="1.0" encoding="utf-8"?>
 <p:sld xmlns:a="http://schemas.openxmlformats.org/drawingml/2006/main" xmlns:r="http://schemas.openxmlformats.org/officeDocument/2006/relationships" xmlns:p="http://schemas.openxmlformats.org/presentationml/2006/main">
   <p:cSld>
     <p:spTree>
@@ -39382,196 +41902,6 @@
     <p:extLst>
       <p:ext uri="{BB962C8B-B14F-4D97-AF65-F5344CB8AC3E}">
         <p14:creationId xmlns:p14="http://schemas.microsoft.com/office/powerpoint/2010/main" val="1071444481"/>
-      </p:ext>
-    </p:extLst>
-  </p:cSld>
-  <p:clrMapOvr>
-    <a:masterClrMapping/>
-  </p:clrMapOvr>
-</p:sld>
-</file>
-
-<file path=ppt/slides/slide9.xml><?xml version="1.0" encoding="utf-8"?>
-<p:sld xmlns:a="http://schemas.openxmlformats.org/drawingml/2006/main" xmlns:r="http://schemas.openxmlformats.org/officeDocument/2006/relationships" xmlns:p="http://schemas.openxmlformats.org/presentationml/2006/main">
-  <p:cSld>
-    <p:spTree>
-      <p:nvGrpSpPr>
-        <p:cNvPr id="1" name=""/>
-        <p:cNvGrpSpPr/>
-        <p:nvPr/>
-      </p:nvGrpSpPr>
-      <p:grpSpPr>
-        <a:xfrm>
-          <a:off x="0" y="0"/>
-          <a:ext cx="0" cy="0"/>
-          <a:chOff x="0" y="0"/>
-          <a:chExt cx="0" cy="0"/>
-        </a:xfrm>
-      </p:grpSpPr>
-      <p:sp>
-        <p:nvSpPr>
-          <p:cNvPr id="2" name="Titel 1">
-            <a:extLst>
-              <a:ext uri="{FF2B5EF4-FFF2-40B4-BE49-F238E27FC236}">
-                <a16:creationId xmlns:a16="http://schemas.microsoft.com/office/drawing/2014/main" id="{0B6C9755-5CEB-444E-8AE8-3FCA3E65367F}"/>
-              </a:ext>
-            </a:extLst>
-          </p:cNvPr>
-          <p:cNvSpPr>
-            <a:spLocks noGrp="1"/>
-          </p:cNvSpPr>
-          <p:nvPr>
-            <p:ph type="title"/>
-          </p:nvPr>
-        </p:nvSpPr>
-        <p:spPr>
-          <a:xfrm>
-            <a:off x="838200" y="365125"/>
-            <a:ext cx="10515600" cy="1325563"/>
-          </a:xfrm>
-        </p:spPr>
-        <p:txBody>
-          <a:bodyPr/>
-          <a:lstStyle/>
-          <a:p>
-            <a:r>
-              <a:rPr lang="de-DE" dirty="0"/>
-              <a:t>Problem Statement</a:t>
-            </a:r>
-          </a:p>
-        </p:txBody>
-      </p:sp>
-      <p:sp>
-        <p:nvSpPr>
-          <p:cNvPr id="3" name="Inhaltsplatzhalter 2">
-            <a:extLst>
-              <a:ext uri="{FF2B5EF4-FFF2-40B4-BE49-F238E27FC236}">
-                <a16:creationId xmlns:a16="http://schemas.microsoft.com/office/drawing/2014/main" id="{137375D5-F574-4589-B859-C4338E397C0A}"/>
-              </a:ext>
-            </a:extLst>
-          </p:cNvPr>
-          <p:cNvSpPr>
-            <a:spLocks noGrp="1"/>
-          </p:cNvSpPr>
-          <p:nvPr>
-            <p:ph idx="1"/>
-          </p:nvPr>
-        </p:nvSpPr>
-        <p:spPr/>
-        <p:txBody>
-          <a:bodyPr/>
-          <a:lstStyle/>
-          <a:p>
-            <a:r>
-              <a:rPr lang="de-DE" dirty="0" err="1"/>
-              <a:t>Luenberger</a:t>
-            </a:r>
-            <a:r>
-              <a:rPr lang="de-DE" dirty="0"/>
-              <a:t> Beobachter</a:t>
-            </a:r>
-          </a:p>
-          <a:p>
-            <a:r>
-              <a:rPr lang="de-DE" dirty="0"/>
-              <a:t>Grey: </a:t>
-            </a:r>
-            <a:r>
-              <a:rPr lang="de-DE" dirty="0" err="1"/>
-              <a:t>state</a:t>
-            </a:r>
-            <a:r>
-              <a:rPr lang="de-DE" dirty="0"/>
-              <a:t>, </a:t>
-            </a:r>
-            <a:r>
-              <a:rPr lang="de-DE" dirty="0" err="1"/>
-              <a:t>red</a:t>
-            </a:r>
-            <a:r>
-              <a:rPr lang="de-DE" dirty="0"/>
-              <a:t>: </a:t>
-            </a:r>
-            <a:r>
-              <a:rPr lang="de-DE" dirty="0" err="1"/>
-              <a:t>sensor</a:t>
-            </a:r>
-            <a:r>
-              <a:rPr lang="de-DE" dirty="0"/>
-              <a:t> </a:t>
-            </a:r>
-            <a:r>
-              <a:rPr lang="de-DE" dirty="0" err="1"/>
-              <a:t>value</a:t>
-            </a:r>
-            <a:endParaRPr lang="de-DE" dirty="0"/>
-          </a:p>
-        </p:txBody>
-      </p:sp>
-      <p:pic>
-        <p:nvPicPr>
-          <p:cNvPr id="15" name="Grafik 14">
-            <a:extLst>
-              <a:ext uri="{FF2B5EF4-FFF2-40B4-BE49-F238E27FC236}">
-                <a16:creationId xmlns:a16="http://schemas.microsoft.com/office/drawing/2014/main" id="{71CE78D1-B116-44BE-8B7E-B9D00F3B4F22}"/>
-              </a:ext>
-            </a:extLst>
-          </p:cNvPr>
-          <p:cNvPicPr>
-            <a:picLocks noChangeAspect="1"/>
-          </p:cNvPicPr>
-          <p:nvPr/>
-        </p:nvPicPr>
-        <p:blipFill>
-          <a:blip r:embed="rId2"/>
-          <a:stretch>
-            <a:fillRect/>
-          </a:stretch>
-        </p:blipFill>
-        <p:spPr>
-          <a:xfrm>
-            <a:off x="7296955" y="1561216"/>
-            <a:ext cx="3317865" cy="1479727"/>
-          </a:xfrm>
-          <a:prstGeom prst="rect">
-            <a:avLst/>
-          </a:prstGeom>
-        </p:spPr>
-      </p:pic>
-      <p:pic>
-        <p:nvPicPr>
-          <p:cNvPr id="4" name="Grafik 3">
-            <a:extLst>
-              <a:ext uri="{FF2B5EF4-FFF2-40B4-BE49-F238E27FC236}">
-                <a16:creationId xmlns:a16="http://schemas.microsoft.com/office/drawing/2014/main" id="{5AAD4701-7572-4896-A3F8-B7DBC1196B21}"/>
-              </a:ext>
-            </a:extLst>
-          </p:cNvPr>
-          <p:cNvPicPr>
-            <a:picLocks noChangeAspect="1"/>
-          </p:cNvPicPr>
-          <p:nvPr/>
-        </p:nvPicPr>
-        <p:blipFill>
-          <a:blip r:embed="rId3"/>
-          <a:stretch>
-            <a:fillRect/>
-          </a:stretch>
-        </p:blipFill>
-        <p:spPr>
-          <a:xfrm>
-            <a:off x="7100914" y="3252083"/>
-            <a:ext cx="3709946" cy="2460442"/>
-          </a:xfrm>
-          <a:prstGeom prst="rect">
-            <a:avLst/>
-          </a:prstGeom>
-        </p:spPr>
-      </p:pic>
-    </p:spTree>
-    <p:extLst>
-      <p:ext uri="{BB962C8B-B14F-4D97-AF65-F5344CB8AC3E}">
-        <p14:creationId xmlns:p14="http://schemas.microsoft.com/office/powerpoint/2010/main" val="3603659497"/>
       </p:ext>
     </p:extLst>
   </p:cSld>

--- a/scratch.pptx
+++ b/scratch.pptx
@@ -5,7 +5,7 @@
     <p:sldMasterId id="2147483648" r:id="rId1"/>
   </p:sldMasterIdLst>
   <p:notesMasterIdLst>
-    <p:notesMasterId r:id="rId12"/>
+    <p:notesMasterId r:id="rId13"/>
   </p:notesMasterIdLst>
   <p:sldIdLst>
     <p:sldId id="256" r:id="rId2"/>
@@ -18,11 +18,12 @@
     <p:sldId id="264" r:id="rId9"/>
     <p:sldId id="259" r:id="rId10"/>
     <p:sldId id="260" r:id="rId11"/>
+    <p:sldId id="266" r:id="rId12"/>
   </p:sldIdLst>
   <p:sldSz cx="12192000" cy="6858000"/>
   <p:notesSz cx="9926638" cy="14352588"/>
   <p:custDataLst>
-    <p:tags r:id="rId13"/>
+    <p:tags r:id="rId14"/>
   </p:custDataLst>
   <p:defaultTextStyle>
     <a:defPPr>
@@ -3187,6 +3188,753 @@
 </file>
 
 <file path=ppt/diagrams/colors5.xml><?xml version="1.0" encoding="utf-8"?>
+<dgm:colorsDef xmlns:dgm="http://schemas.openxmlformats.org/drawingml/2006/diagram" xmlns:a="http://schemas.openxmlformats.org/drawingml/2006/main" uniqueId="urn:microsoft.com/office/officeart/2005/8/colors/accent1_2">
+  <dgm:title val=""/>
+  <dgm:desc val=""/>
+  <dgm:catLst>
+    <dgm:cat type="accent1" pri="11200"/>
+  </dgm:catLst>
+  <dgm:styleLbl name="node0">
+    <dgm:fillClrLst meth="repeat">
+      <a:schemeClr val="accent1"/>
+    </dgm:fillClrLst>
+    <dgm:linClrLst meth="repeat">
+      <a:schemeClr val="lt1"/>
+    </dgm:linClrLst>
+    <dgm:effectClrLst/>
+    <dgm:txLinClrLst/>
+    <dgm:txFillClrLst/>
+    <dgm:txEffectClrLst/>
+  </dgm:styleLbl>
+  <dgm:styleLbl name="alignNode1">
+    <dgm:fillClrLst meth="repeat">
+      <a:schemeClr val="accent1"/>
+    </dgm:fillClrLst>
+    <dgm:linClrLst meth="repeat">
+      <a:schemeClr val="accent1"/>
+    </dgm:linClrLst>
+    <dgm:effectClrLst/>
+    <dgm:txLinClrLst/>
+    <dgm:txFillClrLst/>
+    <dgm:txEffectClrLst/>
+  </dgm:styleLbl>
+  <dgm:styleLbl name="node1">
+    <dgm:fillClrLst meth="repeat">
+      <a:schemeClr val="accent1"/>
+    </dgm:fillClrLst>
+    <dgm:linClrLst meth="repeat">
+      <a:schemeClr val="lt1"/>
+    </dgm:linClrLst>
+    <dgm:effectClrLst/>
+    <dgm:txLinClrLst/>
+    <dgm:txFillClrLst/>
+    <dgm:txEffectClrLst/>
+  </dgm:styleLbl>
+  <dgm:styleLbl name="lnNode1">
+    <dgm:fillClrLst meth="repeat">
+      <a:schemeClr val="accent1"/>
+    </dgm:fillClrLst>
+    <dgm:linClrLst meth="repeat">
+      <a:schemeClr val="lt1"/>
+    </dgm:linClrLst>
+    <dgm:effectClrLst/>
+    <dgm:txLinClrLst/>
+    <dgm:txFillClrLst/>
+    <dgm:txEffectClrLst/>
+  </dgm:styleLbl>
+  <dgm:styleLbl name="vennNode1">
+    <dgm:fillClrLst meth="repeat">
+      <a:schemeClr val="accent1">
+        <a:alpha val="50000"/>
+      </a:schemeClr>
+    </dgm:fillClrLst>
+    <dgm:linClrLst meth="repeat">
+      <a:schemeClr val="lt1"/>
+    </dgm:linClrLst>
+    <dgm:effectClrLst/>
+    <dgm:txLinClrLst/>
+    <dgm:txFillClrLst/>
+    <dgm:txEffectClrLst/>
+  </dgm:styleLbl>
+  <dgm:styleLbl name="node2">
+    <dgm:fillClrLst meth="repeat">
+      <a:schemeClr val="accent1"/>
+    </dgm:fillClrLst>
+    <dgm:linClrLst meth="repeat">
+      <a:schemeClr val="lt1"/>
+    </dgm:linClrLst>
+    <dgm:effectClrLst/>
+    <dgm:txLinClrLst/>
+    <dgm:txFillClrLst/>
+    <dgm:txEffectClrLst/>
+  </dgm:styleLbl>
+  <dgm:styleLbl name="node3">
+    <dgm:fillClrLst meth="repeat">
+      <a:schemeClr val="accent1"/>
+    </dgm:fillClrLst>
+    <dgm:linClrLst meth="repeat">
+      <a:schemeClr val="lt1"/>
+    </dgm:linClrLst>
+    <dgm:effectClrLst/>
+    <dgm:txLinClrLst/>
+    <dgm:txFillClrLst/>
+    <dgm:txEffectClrLst/>
+  </dgm:styleLbl>
+  <dgm:styleLbl name="node4">
+    <dgm:fillClrLst meth="repeat">
+      <a:schemeClr val="accent1"/>
+    </dgm:fillClrLst>
+    <dgm:linClrLst meth="repeat">
+      <a:schemeClr val="lt1"/>
+    </dgm:linClrLst>
+    <dgm:effectClrLst/>
+    <dgm:txLinClrLst/>
+    <dgm:txFillClrLst/>
+    <dgm:txEffectClrLst/>
+  </dgm:styleLbl>
+  <dgm:styleLbl name="fgImgPlace1">
+    <dgm:fillClrLst meth="repeat">
+      <a:schemeClr val="accent1">
+        <a:tint val="50000"/>
+      </a:schemeClr>
+    </dgm:fillClrLst>
+    <dgm:linClrLst meth="repeat">
+      <a:schemeClr val="lt1"/>
+    </dgm:linClrLst>
+    <dgm:effectClrLst/>
+    <dgm:txLinClrLst/>
+    <dgm:txFillClrLst meth="repeat">
+      <a:schemeClr val="lt1"/>
+    </dgm:txFillClrLst>
+    <dgm:txEffectClrLst/>
+  </dgm:styleLbl>
+  <dgm:styleLbl name="alignImgPlace1">
+    <dgm:fillClrLst meth="repeat">
+      <a:schemeClr val="accent1">
+        <a:tint val="50000"/>
+      </a:schemeClr>
+    </dgm:fillClrLst>
+    <dgm:linClrLst meth="repeat">
+      <a:schemeClr val="lt1"/>
+    </dgm:linClrLst>
+    <dgm:effectClrLst/>
+    <dgm:txLinClrLst/>
+    <dgm:txFillClrLst meth="repeat">
+      <a:schemeClr val="lt1"/>
+    </dgm:txFillClrLst>
+    <dgm:txEffectClrLst/>
+  </dgm:styleLbl>
+  <dgm:styleLbl name="bgImgPlace1">
+    <dgm:fillClrLst meth="repeat">
+      <a:schemeClr val="accent1">
+        <a:tint val="50000"/>
+      </a:schemeClr>
+    </dgm:fillClrLst>
+    <dgm:linClrLst meth="repeat">
+      <a:schemeClr val="lt1"/>
+    </dgm:linClrLst>
+    <dgm:effectClrLst/>
+    <dgm:txLinClrLst/>
+    <dgm:txFillClrLst meth="repeat">
+      <a:schemeClr val="lt1"/>
+    </dgm:txFillClrLst>
+    <dgm:txEffectClrLst/>
+  </dgm:styleLbl>
+  <dgm:styleLbl name="sibTrans2D1">
+    <dgm:fillClrLst meth="repeat">
+      <a:schemeClr val="accent1">
+        <a:tint val="60000"/>
+      </a:schemeClr>
+    </dgm:fillClrLst>
+    <dgm:linClrLst meth="repeat">
+      <a:schemeClr val="accent1">
+        <a:tint val="60000"/>
+      </a:schemeClr>
+    </dgm:linClrLst>
+    <dgm:effectClrLst/>
+    <dgm:txLinClrLst/>
+    <dgm:txFillClrLst/>
+    <dgm:txEffectClrLst/>
+  </dgm:styleLbl>
+  <dgm:styleLbl name="fgSibTrans2D1">
+    <dgm:fillClrLst meth="repeat">
+      <a:schemeClr val="accent1">
+        <a:tint val="60000"/>
+      </a:schemeClr>
+    </dgm:fillClrLst>
+    <dgm:linClrLst meth="repeat">
+      <a:schemeClr val="accent1">
+        <a:tint val="60000"/>
+      </a:schemeClr>
+    </dgm:linClrLst>
+    <dgm:effectClrLst/>
+    <dgm:txLinClrLst/>
+    <dgm:txFillClrLst/>
+    <dgm:txEffectClrLst/>
+  </dgm:styleLbl>
+  <dgm:styleLbl name="bgSibTrans2D1">
+    <dgm:fillClrLst meth="repeat">
+      <a:schemeClr val="accent1">
+        <a:tint val="60000"/>
+      </a:schemeClr>
+    </dgm:fillClrLst>
+    <dgm:linClrLst meth="repeat">
+      <a:schemeClr val="accent1">
+        <a:tint val="60000"/>
+      </a:schemeClr>
+    </dgm:linClrLst>
+    <dgm:effectClrLst/>
+    <dgm:txLinClrLst/>
+    <dgm:txFillClrLst/>
+    <dgm:txEffectClrLst/>
+  </dgm:styleLbl>
+  <dgm:styleLbl name="sibTrans1D1">
+    <dgm:fillClrLst meth="repeat">
+      <a:schemeClr val="accent1"/>
+    </dgm:fillClrLst>
+    <dgm:linClrLst meth="repeat">
+      <a:schemeClr val="accent1"/>
+    </dgm:linClrLst>
+    <dgm:effectClrLst/>
+    <dgm:txLinClrLst/>
+    <dgm:txFillClrLst meth="repeat">
+      <a:schemeClr val="tx1"/>
+    </dgm:txFillClrLst>
+    <dgm:txEffectClrLst/>
+  </dgm:styleLbl>
+  <dgm:styleLbl name="callout">
+    <dgm:fillClrLst meth="repeat">
+      <a:schemeClr val="accent1"/>
+    </dgm:fillClrLst>
+    <dgm:linClrLst meth="repeat">
+      <a:schemeClr val="accent1">
+        <a:tint val="50000"/>
+      </a:schemeClr>
+    </dgm:linClrLst>
+    <dgm:effectClrLst/>
+    <dgm:txLinClrLst/>
+    <dgm:txFillClrLst meth="repeat">
+      <a:schemeClr val="tx1"/>
+    </dgm:txFillClrLst>
+    <dgm:txEffectClrLst/>
+  </dgm:styleLbl>
+  <dgm:styleLbl name="asst0">
+    <dgm:fillClrLst meth="repeat">
+      <a:schemeClr val="accent1"/>
+    </dgm:fillClrLst>
+    <dgm:linClrLst meth="repeat">
+      <a:schemeClr val="lt1"/>
+    </dgm:linClrLst>
+    <dgm:effectClrLst/>
+    <dgm:txLinClrLst/>
+    <dgm:txFillClrLst/>
+    <dgm:txEffectClrLst/>
+  </dgm:styleLbl>
+  <dgm:styleLbl name="asst1">
+    <dgm:fillClrLst meth="repeat">
+      <a:schemeClr val="accent1"/>
+    </dgm:fillClrLst>
+    <dgm:linClrLst meth="repeat">
+      <a:schemeClr val="lt1"/>
+    </dgm:linClrLst>
+    <dgm:effectClrLst/>
+    <dgm:txLinClrLst/>
+    <dgm:txFillClrLst/>
+    <dgm:txEffectClrLst/>
+  </dgm:styleLbl>
+  <dgm:styleLbl name="asst2">
+    <dgm:fillClrLst meth="repeat">
+      <a:schemeClr val="accent1"/>
+    </dgm:fillClrLst>
+    <dgm:linClrLst meth="repeat">
+      <a:schemeClr val="lt1"/>
+    </dgm:linClrLst>
+    <dgm:effectClrLst/>
+    <dgm:txLinClrLst/>
+    <dgm:txFillClrLst/>
+    <dgm:txEffectClrLst/>
+  </dgm:styleLbl>
+  <dgm:styleLbl name="asst3">
+    <dgm:fillClrLst meth="repeat">
+      <a:schemeClr val="accent1"/>
+    </dgm:fillClrLst>
+    <dgm:linClrLst meth="repeat">
+      <a:schemeClr val="lt1"/>
+    </dgm:linClrLst>
+    <dgm:effectClrLst/>
+    <dgm:txLinClrLst/>
+    <dgm:txFillClrLst/>
+    <dgm:txEffectClrLst/>
+  </dgm:styleLbl>
+  <dgm:styleLbl name="asst4">
+    <dgm:fillClrLst meth="repeat">
+      <a:schemeClr val="accent1"/>
+    </dgm:fillClrLst>
+    <dgm:linClrLst meth="repeat">
+      <a:schemeClr val="lt1"/>
+    </dgm:linClrLst>
+    <dgm:effectClrLst/>
+    <dgm:txLinClrLst/>
+    <dgm:txFillClrLst/>
+    <dgm:txEffectClrLst/>
+  </dgm:styleLbl>
+  <dgm:styleLbl name="parChTrans2D1">
+    <dgm:fillClrLst meth="repeat">
+      <a:schemeClr val="accent1">
+        <a:tint val="60000"/>
+      </a:schemeClr>
+    </dgm:fillClrLst>
+    <dgm:linClrLst meth="repeat">
+      <a:schemeClr val="accent1">
+        <a:tint val="60000"/>
+      </a:schemeClr>
+    </dgm:linClrLst>
+    <dgm:effectClrLst/>
+    <dgm:txLinClrLst/>
+    <dgm:txFillClrLst meth="repeat">
+      <a:schemeClr val="lt1"/>
+    </dgm:txFillClrLst>
+    <dgm:txEffectClrLst/>
+  </dgm:styleLbl>
+  <dgm:styleLbl name="parChTrans2D2">
+    <dgm:fillClrLst meth="repeat">
+      <a:schemeClr val="accent1"/>
+    </dgm:fillClrLst>
+    <dgm:linClrLst meth="repeat">
+      <a:schemeClr val="accent1"/>
+    </dgm:linClrLst>
+    <dgm:effectClrLst/>
+    <dgm:txLinClrLst/>
+    <dgm:txFillClrLst meth="repeat">
+      <a:schemeClr val="lt1"/>
+    </dgm:txFillClrLst>
+    <dgm:txEffectClrLst/>
+  </dgm:styleLbl>
+  <dgm:styleLbl name="parChTrans2D3">
+    <dgm:fillClrLst meth="repeat">
+      <a:schemeClr val="accent1"/>
+    </dgm:fillClrLst>
+    <dgm:linClrLst meth="repeat">
+      <a:schemeClr val="accent1"/>
+    </dgm:linClrLst>
+    <dgm:effectClrLst/>
+    <dgm:txLinClrLst/>
+    <dgm:txFillClrLst meth="repeat">
+      <a:schemeClr val="lt1"/>
+    </dgm:txFillClrLst>
+    <dgm:txEffectClrLst/>
+  </dgm:styleLbl>
+  <dgm:styleLbl name="parChTrans2D4">
+    <dgm:fillClrLst meth="repeat">
+      <a:schemeClr val="accent1"/>
+    </dgm:fillClrLst>
+    <dgm:linClrLst meth="repeat">
+      <a:schemeClr val="accent1"/>
+    </dgm:linClrLst>
+    <dgm:effectClrLst/>
+    <dgm:txLinClrLst/>
+    <dgm:txFillClrLst meth="repeat">
+      <a:schemeClr val="lt1"/>
+    </dgm:txFillClrLst>
+    <dgm:txEffectClrLst/>
+  </dgm:styleLbl>
+  <dgm:styleLbl name="parChTrans1D1">
+    <dgm:fillClrLst meth="repeat">
+      <a:schemeClr val="accent1"/>
+    </dgm:fillClrLst>
+    <dgm:linClrLst meth="repeat">
+      <a:schemeClr val="accent1">
+        <a:shade val="60000"/>
+      </a:schemeClr>
+    </dgm:linClrLst>
+    <dgm:effectClrLst/>
+    <dgm:txLinClrLst/>
+    <dgm:txFillClrLst meth="repeat">
+      <a:schemeClr val="tx1"/>
+    </dgm:txFillClrLst>
+    <dgm:txEffectClrLst/>
+  </dgm:styleLbl>
+  <dgm:styleLbl name="parChTrans1D2">
+    <dgm:fillClrLst meth="repeat">
+      <a:schemeClr val="accent1"/>
+    </dgm:fillClrLst>
+    <dgm:linClrLst meth="repeat">
+      <a:schemeClr val="accent1">
+        <a:shade val="60000"/>
+      </a:schemeClr>
+    </dgm:linClrLst>
+    <dgm:effectClrLst/>
+    <dgm:txLinClrLst/>
+    <dgm:txFillClrLst meth="repeat">
+      <a:schemeClr val="tx1"/>
+    </dgm:txFillClrLst>
+    <dgm:txEffectClrLst/>
+  </dgm:styleLbl>
+  <dgm:styleLbl name="parChTrans1D3">
+    <dgm:fillClrLst meth="repeat">
+      <a:schemeClr val="accent1"/>
+    </dgm:fillClrLst>
+    <dgm:linClrLst meth="repeat">
+      <a:schemeClr val="accent1">
+        <a:shade val="80000"/>
+      </a:schemeClr>
+    </dgm:linClrLst>
+    <dgm:effectClrLst/>
+    <dgm:txLinClrLst/>
+    <dgm:txFillClrLst meth="repeat">
+      <a:schemeClr val="tx1"/>
+    </dgm:txFillClrLst>
+    <dgm:txEffectClrLst/>
+  </dgm:styleLbl>
+  <dgm:styleLbl name="parChTrans1D4">
+    <dgm:fillClrLst meth="repeat">
+      <a:schemeClr val="accent1"/>
+    </dgm:fillClrLst>
+    <dgm:linClrLst meth="repeat">
+      <a:schemeClr val="accent1">
+        <a:shade val="80000"/>
+      </a:schemeClr>
+    </dgm:linClrLst>
+    <dgm:effectClrLst/>
+    <dgm:txLinClrLst/>
+    <dgm:txFillClrLst meth="repeat">
+      <a:schemeClr val="tx1"/>
+    </dgm:txFillClrLst>
+    <dgm:txEffectClrLst/>
+  </dgm:styleLbl>
+  <dgm:styleLbl name="fgAcc1">
+    <dgm:fillClrLst meth="repeat">
+      <a:schemeClr val="lt1">
+        <a:alpha val="90000"/>
+      </a:schemeClr>
+    </dgm:fillClrLst>
+    <dgm:linClrLst meth="repeat">
+      <a:schemeClr val="accent1"/>
+    </dgm:linClrLst>
+    <dgm:effectClrLst/>
+    <dgm:txLinClrLst/>
+    <dgm:txFillClrLst meth="repeat">
+      <a:schemeClr val="dk1"/>
+    </dgm:txFillClrLst>
+    <dgm:txEffectClrLst/>
+  </dgm:styleLbl>
+  <dgm:styleLbl name="conFgAcc1">
+    <dgm:fillClrLst meth="repeat">
+      <a:schemeClr val="lt1">
+        <a:alpha val="90000"/>
+      </a:schemeClr>
+    </dgm:fillClrLst>
+    <dgm:linClrLst meth="repeat">
+      <a:schemeClr val="accent1"/>
+    </dgm:linClrLst>
+    <dgm:effectClrLst/>
+    <dgm:txLinClrLst/>
+    <dgm:txFillClrLst meth="repeat">
+      <a:schemeClr val="dk1"/>
+    </dgm:txFillClrLst>
+    <dgm:txEffectClrLst/>
+  </dgm:styleLbl>
+  <dgm:styleLbl name="alignAcc1">
+    <dgm:fillClrLst meth="repeat">
+      <a:schemeClr val="lt1">
+        <a:alpha val="90000"/>
+      </a:schemeClr>
+    </dgm:fillClrLst>
+    <dgm:linClrLst meth="repeat">
+      <a:schemeClr val="accent1"/>
+    </dgm:linClrLst>
+    <dgm:effectClrLst/>
+    <dgm:txLinClrLst/>
+    <dgm:txFillClrLst meth="repeat">
+      <a:schemeClr val="dk1"/>
+    </dgm:txFillClrLst>
+    <dgm:txEffectClrLst/>
+  </dgm:styleLbl>
+  <dgm:styleLbl name="trAlignAcc1">
+    <dgm:fillClrLst meth="repeat">
+      <a:schemeClr val="lt1">
+        <a:alpha val="40000"/>
+      </a:schemeClr>
+    </dgm:fillClrLst>
+    <dgm:linClrLst meth="repeat">
+      <a:schemeClr val="accent1"/>
+    </dgm:linClrLst>
+    <dgm:effectClrLst/>
+    <dgm:txLinClrLst/>
+    <dgm:txFillClrLst meth="repeat">
+      <a:schemeClr val="dk1"/>
+    </dgm:txFillClrLst>
+    <dgm:txEffectClrLst/>
+  </dgm:styleLbl>
+  <dgm:styleLbl name="bgAcc1">
+    <dgm:fillClrLst meth="repeat">
+      <a:schemeClr val="lt1">
+        <a:alpha val="90000"/>
+      </a:schemeClr>
+    </dgm:fillClrLst>
+    <dgm:linClrLst meth="repeat">
+      <a:schemeClr val="accent1"/>
+    </dgm:linClrLst>
+    <dgm:effectClrLst/>
+    <dgm:txLinClrLst/>
+    <dgm:txFillClrLst meth="repeat">
+      <a:schemeClr val="dk1"/>
+    </dgm:txFillClrLst>
+    <dgm:txEffectClrLst/>
+  </dgm:styleLbl>
+  <dgm:styleLbl name="solidFgAcc1">
+    <dgm:fillClrLst meth="repeat">
+      <a:schemeClr val="lt1"/>
+    </dgm:fillClrLst>
+    <dgm:linClrLst meth="repeat">
+      <a:schemeClr val="accent1"/>
+    </dgm:linClrLst>
+    <dgm:effectClrLst/>
+    <dgm:txLinClrLst/>
+    <dgm:txFillClrLst meth="repeat">
+      <a:schemeClr val="dk1"/>
+    </dgm:txFillClrLst>
+    <dgm:txEffectClrLst/>
+  </dgm:styleLbl>
+  <dgm:styleLbl name="solidAlignAcc1">
+    <dgm:fillClrLst meth="repeat">
+      <a:schemeClr val="lt1"/>
+    </dgm:fillClrLst>
+    <dgm:linClrLst meth="repeat">
+      <a:schemeClr val="accent1"/>
+    </dgm:linClrLst>
+    <dgm:effectClrLst/>
+    <dgm:txLinClrLst/>
+    <dgm:txFillClrLst meth="repeat">
+      <a:schemeClr val="dk1"/>
+    </dgm:txFillClrLst>
+    <dgm:txEffectClrLst/>
+  </dgm:styleLbl>
+  <dgm:styleLbl name="solidBgAcc1">
+    <dgm:fillClrLst meth="repeat">
+      <a:schemeClr val="lt1"/>
+    </dgm:fillClrLst>
+    <dgm:linClrLst meth="repeat">
+      <a:schemeClr val="accent1"/>
+    </dgm:linClrLst>
+    <dgm:effectClrLst/>
+    <dgm:txLinClrLst/>
+    <dgm:txFillClrLst meth="repeat">
+      <a:schemeClr val="dk1"/>
+    </dgm:txFillClrLst>
+    <dgm:txEffectClrLst/>
+  </dgm:styleLbl>
+  <dgm:styleLbl name="fgAccFollowNode1">
+    <dgm:fillClrLst meth="repeat">
+      <a:schemeClr val="accent1">
+        <a:alpha val="90000"/>
+        <a:tint val="40000"/>
+      </a:schemeClr>
+    </dgm:fillClrLst>
+    <dgm:linClrLst meth="repeat">
+      <a:schemeClr val="accent1">
+        <a:alpha val="90000"/>
+        <a:tint val="40000"/>
+      </a:schemeClr>
+    </dgm:linClrLst>
+    <dgm:effectClrLst/>
+    <dgm:txLinClrLst/>
+    <dgm:txFillClrLst meth="repeat">
+      <a:schemeClr val="dk1"/>
+    </dgm:txFillClrLst>
+    <dgm:txEffectClrLst/>
+  </dgm:styleLbl>
+  <dgm:styleLbl name="alignAccFollowNode1">
+    <dgm:fillClrLst meth="repeat">
+      <a:schemeClr val="accent1">
+        <a:alpha val="90000"/>
+        <a:tint val="40000"/>
+      </a:schemeClr>
+    </dgm:fillClrLst>
+    <dgm:linClrLst meth="repeat">
+      <a:schemeClr val="accent1">
+        <a:alpha val="90000"/>
+        <a:tint val="40000"/>
+      </a:schemeClr>
+    </dgm:linClrLst>
+    <dgm:effectClrLst/>
+    <dgm:txLinClrLst/>
+    <dgm:txFillClrLst meth="repeat">
+      <a:schemeClr val="dk1"/>
+    </dgm:txFillClrLst>
+    <dgm:txEffectClrLst/>
+  </dgm:styleLbl>
+  <dgm:styleLbl name="bgAccFollowNode1">
+    <dgm:fillClrLst meth="repeat">
+      <a:schemeClr val="accent1">
+        <a:alpha val="90000"/>
+        <a:tint val="40000"/>
+      </a:schemeClr>
+    </dgm:fillClrLst>
+    <dgm:linClrLst meth="repeat">
+      <a:schemeClr val="accent1">
+        <a:alpha val="90000"/>
+        <a:tint val="40000"/>
+      </a:schemeClr>
+    </dgm:linClrLst>
+    <dgm:effectClrLst/>
+    <dgm:txLinClrLst/>
+    <dgm:txFillClrLst meth="repeat">
+      <a:schemeClr val="dk1"/>
+    </dgm:txFillClrLst>
+    <dgm:txEffectClrLst/>
+  </dgm:styleLbl>
+  <dgm:styleLbl name="fgAcc0">
+    <dgm:fillClrLst meth="repeat">
+      <a:schemeClr val="lt1">
+        <a:alpha val="90000"/>
+      </a:schemeClr>
+    </dgm:fillClrLst>
+    <dgm:linClrLst meth="repeat">
+      <a:schemeClr val="accent1"/>
+    </dgm:linClrLst>
+    <dgm:effectClrLst/>
+    <dgm:txLinClrLst/>
+    <dgm:txFillClrLst meth="repeat">
+      <a:schemeClr val="dk1"/>
+    </dgm:txFillClrLst>
+    <dgm:txEffectClrLst/>
+  </dgm:styleLbl>
+  <dgm:styleLbl name="fgAcc2">
+    <dgm:fillClrLst meth="repeat">
+      <a:schemeClr val="lt1">
+        <a:alpha val="90000"/>
+      </a:schemeClr>
+    </dgm:fillClrLst>
+    <dgm:linClrLst meth="repeat">
+      <a:schemeClr val="accent1"/>
+    </dgm:linClrLst>
+    <dgm:effectClrLst/>
+    <dgm:txLinClrLst/>
+    <dgm:txFillClrLst meth="repeat">
+      <a:schemeClr val="dk1"/>
+    </dgm:txFillClrLst>
+    <dgm:txEffectClrLst/>
+  </dgm:styleLbl>
+  <dgm:styleLbl name="fgAcc3">
+    <dgm:fillClrLst meth="repeat">
+      <a:schemeClr val="lt1">
+        <a:alpha val="90000"/>
+      </a:schemeClr>
+    </dgm:fillClrLst>
+    <dgm:linClrLst meth="repeat">
+      <a:schemeClr val="accent1"/>
+    </dgm:linClrLst>
+    <dgm:effectClrLst/>
+    <dgm:txLinClrLst/>
+    <dgm:txFillClrLst meth="repeat">
+      <a:schemeClr val="dk1"/>
+    </dgm:txFillClrLst>
+    <dgm:txEffectClrLst/>
+  </dgm:styleLbl>
+  <dgm:styleLbl name="fgAcc4">
+    <dgm:fillClrLst meth="repeat">
+      <a:schemeClr val="lt1">
+        <a:alpha val="90000"/>
+      </a:schemeClr>
+    </dgm:fillClrLst>
+    <dgm:linClrLst meth="repeat">
+      <a:schemeClr val="accent1"/>
+    </dgm:linClrLst>
+    <dgm:effectClrLst/>
+    <dgm:txLinClrLst/>
+    <dgm:txFillClrLst meth="repeat">
+      <a:schemeClr val="dk1"/>
+    </dgm:txFillClrLst>
+    <dgm:txEffectClrLst/>
+  </dgm:styleLbl>
+  <dgm:styleLbl name="bgShp">
+    <dgm:fillClrLst meth="repeat">
+      <a:schemeClr val="accent1">
+        <a:tint val="40000"/>
+      </a:schemeClr>
+    </dgm:fillClrLst>
+    <dgm:linClrLst meth="repeat">
+      <a:schemeClr val="accent1"/>
+    </dgm:linClrLst>
+    <dgm:effectClrLst/>
+    <dgm:txLinClrLst/>
+    <dgm:txFillClrLst meth="repeat">
+      <a:schemeClr val="dk1"/>
+    </dgm:txFillClrLst>
+    <dgm:txEffectClrLst/>
+  </dgm:styleLbl>
+  <dgm:styleLbl name="dkBgShp">
+    <dgm:fillClrLst meth="repeat">
+      <a:schemeClr val="accent1">
+        <a:shade val="80000"/>
+      </a:schemeClr>
+    </dgm:fillClrLst>
+    <dgm:linClrLst meth="repeat">
+      <a:schemeClr val="accent1"/>
+    </dgm:linClrLst>
+    <dgm:effectClrLst/>
+    <dgm:txLinClrLst/>
+    <dgm:txFillClrLst meth="repeat">
+      <a:schemeClr val="lt1"/>
+    </dgm:txFillClrLst>
+    <dgm:txEffectClrLst/>
+  </dgm:styleLbl>
+  <dgm:styleLbl name="trBgShp">
+    <dgm:fillClrLst meth="repeat">
+      <a:schemeClr val="accent1">
+        <a:tint val="50000"/>
+        <a:alpha val="40000"/>
+      </a:schemeClr>
+    </dgm:fillClrLst>
+    <dgm:linClrLst meth="repeat">
+      <a:schemeClr val="accent1"/>
+    </dgm:linClrLst>
+    <dgm:effectClrLst/>
+    <dgm:txLinClrLst/>
+    <dgm:txFillClrLst meth="repeat">
+      <a:schemeClr val="lt1"/>
+    </dgm:txFillClrLst>
+    <dgm:txEffectClrLst/>
+  </dgm:styleLbl>
+  <dgm:styleLbl name="fgShp">
+    <dgm:fillClrLst meth="repeat">
+      <a:schemeClr val="accent1">
+        <a:tint val="60000"/>
+      </a:schemeClr>
+    </dgm:fillClrLst>
+    <dgm:linClrLst meth="repeat">
+      <a:schemeClr val="lt1"/>
+    </dgm:linClrLst>
+    <dgm:effectClrLst/>
+    <dgm:txLinClrLst/>
+    <dgm:txFillClrLst meth="repeat">
+      <a:schemeClr val="dk1"/>
+    </dgm:txFillClrLst>
+    <dgm:txEffectClrLst/>
+  </dgm:styleLbl>
+  <dgm:styleLbl name="revTx">
+    <dgm:fillClrLst meth="repeat">
+      <a:schemeClr val="lt1">
+        <a:alpha val="0"/>
+      </a:schemeClr>
+    </dgm:fillClrLst>
+    <dgm:linClrLst meth="repeat">
+      <a:schemeClr val="dk1">
+        <a:alpha val="0"/>
+      </a:schemeClr>
+    </dgm:linClrLst>
+    <dgm:effectClrLst/>
+    <dgm:txLinClrLst/>
+    <dgm:txFillClrLst meth="repeat">
+      <a:schemeClr val="tx1"/>
+    </dgm:txFillClrLst>
+    <dgm:txEffectClrLst/>
+  </dgm:styleLbl>
+</dgm:colorsDef>
+</file>
+
+<file path=ppt/diagrams/colors6.xml><?xml version="1.0" encoding="utf-8"?>
 <dgm:colorsDef xmlns:dgm="http://schemas.openxmlformats.org/drawingml/2006/diagram" xmlns:a="http://schemas.openxmlformats.org/drawingml/2006/main" uniqueId="urn:microsoft.com/office/officeart/2005/8/colors/accent1_2">
   <dgm:title val=""/>
   <dgm:desc val=""/>
@@ -9438,7 +10186,44 @@
         </a:p>
       </dgm:t>
     </dgm:pt>
-    <dgm:pt modelId="{45C31CF2-1399-41FB-A23F-5E22D0A16E7E}">
+    <dgm:pt modelId="{20B4FD1D-7CA0-4D3B-B37B-93F2243D1945}">
+      <dgm:prSet phldrT="[Text]"/>
+      <dgm:spPr/>
+      <dgm:t>
+        <a:bodyPr/>
+        <a:lstStyle/>
+        <a:p>
+          <a:r>
+            <a:rPr lang="de-DE" dirty="0"/>
+            <a:t>Kapitel 2</a:t>
+          </a:r>
+          <a:endParaRPr lang="en-US" dirty="0"/>
+        </a:p>
+      </dgm:t>
+    </dgm:pt>
+    <dgm:pt modelId="{98A6C0C5-FDC3-4FB0-B6B1-369F6176A352}" type="parTrans" cxnId="{F1C53597-63A9-4B2A-9986-4388F2660CBD}">
+      <dgm:prSet/>
+      <dgm:spPr/>
+      <dgm:t>
+        <a:bodyPr/>
+        <a:lstStyle/>
+        <a:p>
+          <a:endParaRPr lang="en-US"/>
+        </a:p>
+      </dgm:t>
+    </dgm:pt>
+    <dgm:pt modelId="{00044C5D-C6DC-43A3-9845-74E2EBDF8AAD}" type="sibTrans" cxnId="{F1C53597-63A9-4B2A-9986-4388F2660CBD}">
+      <dgm:prSet/>
+      <dgm:spPr/>
+      <dgm:t>
+        <a:bodyPr/>
+        <a:lstStyle/>
+        <a:p>
+          <a:endParaRPr lang="en-US"/>
+        </a:p>
+      </dgm:t>
+    </dgm:pt>
+    <dgm:pt modelId="{2BCEC983-9CA3-402E-A9EE-A2ACFBC6F26A}">
       <dgm:prSet phldrT="[Text]"/>
       <dgm:spPr/>
       <dgm:t>
@@ -9451,13 +10236,21 @@
           </a:r>
           <a:r>
             <a:rPr lang="de-DE" dirty="0"/>
-            <a:t>?</a:t>
+            <a:t> </a:t>
+          </a:r>
+          <a:r>
+            <a:rPr lang="de-DE" dirty="0" err="1"/>
+            <a:t>is</a:t>
+          </a:r>
+          <a:r>
+            <a:rPr lang="de-DE" dirty="0"/>
+            <a:t> SHM?</a:t>
           </a:r>
           <a:endParaRPr lang="en-US" dirty="0"/>
         </a:p>
       </dgm:t>
     </dgm:pt>
-    <dgm:pt modelId="{791B3165-ABE6-4D91-831A-7C0D48536531}" type="parTrans" cxnId="{BAFE704A-CCAE-41E0-B9F4-9057CC0EE882}">
+    <dgm:pt modelId="{F24588BD-67A8-42E4-B556-555F4D141289}" type="parTrans" cxnId="{156AC20C-00C4-4BF7-B30E-DB6C70ABA5B9}">
       <dgm:prSet/>
       <dgm:spPr/>
       <dgm:t>
@@ -9468,7 +10261,7 @@
         </a:p>
       </dgm:t>
     </dgm:pt>
-    <dgm:pt modelId="{8D732E18-7D0B-454B-9DB2-D78927E8ECE7}" type="sibTrans" cxnId="{BAFE704A-CCAE-41E0-B9F4-9057CC0EE882}">
+    <dgm:pt modelId="{FBB5043A-5316-4280-9F2E-C15E58BA71E2}" type="sibTrans" cxnId="{156AC20C-00C4-4BF7-B30E-DB6C70ABA5B9}">
       <dgm:prSet/>
       <dgm:spPr/>
       <dgm:t>
@@ -9479,7 +10272,7 @@
         </a:p>
       </dgm:t>
     </dgm:pt>
-    <dgm:pt modelId="{20B4FD1D-7CA0-4D3B-B37B-93F2243D1945}">
+    <dgm:pt modelId="{832C0669-C0CC-4E29-A60C-FD1C8F0D4B57}">
       <dgm:prSet phldrT="[Text]"/>
       <dgm:spPr/>
       <dgm:t>
@@ -9488,13 +10281,13 @@
         <a:p>
           <a:r>
             <a:rPr lang="de-DE" dirty="0"/>
-            <a:t>Kapitel 2 (Stand Technik, Theorie)</a:t>
+            <a:t>Kapitel</a:t>
           </a:r>
           <a:endParaRPr lang="en-US" dirty="0"/>
         </a:p>
       </dgm:t>
     </dgm:pt>
-    <dgm:pt modelId="{98A6C0C5-FDC3-4FB0-B6B1-369F6176A352}" type="parTrans" cxnId="{F1C53597-63A9-4B2A-9986-4388F2660CBD}">
+    <dgm:pt modelId="{03DF8071-B654-4B9E-8350-815DEF36B2A5}" type="parTrans" cxnId="{0C8F90AB-C167-40CE-9609-7B329BE198F9}">
       <dgm:prSet/>
       <dgm:spPr/>
       <dgm:t>
@@ -9505,7 +10298,7 @@
         </a:p>
       </dgm:t>
     </dgm:pt>
-    <dgm:pt modelId="{00044C5D-C6DC-43A3-9845-74E2EBDF8AAD}" type="sibTrans" cxnId="{F1C53597-63A9-4B2A-9986-4388F2660CBD}">
+    <dgm:pt modelId="{32AFE6D9-271A-4A3A-AB67-080370C929A1}" type="sibTrans" cxnId="{0C8F90AB-C167-40CE-9609-7B329BE198F9}">
       <dgm:prSet/>
       <dgm:spPr/>
       <dgm:t>
@@ -9516,7 +10309,387 @@
         </a:p>
       </dgm:t>
     </dgm:pt>
-    <dgm:pt modelId="{2BCEC983-9CA3-402E-A9EE-A2ACFBC6F26A}">
+    <dgm:pt modelId="{522DE340-25DD-47F6-AC33-BFABB50FDBCF}">
+      <dgm:prSet phldrT="[Text]"/>
+      <dgm:spPr/>
+      <dgm:t>
+        <a:bodyPr/>
+        <a:lstStyle/>
+        <a:p>
+          <a:r>
+            <a:rPr lang="de-DE" dirty="0" err="1"/>
+            <a:t>Methodology</a:t>
+          </a:r>
+          <a:endParaRPr lang="en-US" dirty="0"/>
+        </a:p>
+      </dgm:t>
+    </dgm:pt>
+    <dgm:pt modelId="{739B8543-117E-43C0-93C7-5196E6A96EB5}" type="parTrans" cxnId="{1A53F743-8937-439B-B460-41C6DFA49EEF}">
+      <dgm:prSet/>
+      <dgm:spPr/>
+      <dgm:t>
+        <a:bodyPr/>
+        <a:lstStyle/>
+        <a:p>
+          <a:endParaRPr lang="en-US"/>
+        </a:p>
+      </dgm:t>
+    </dgm:pt>
+    <dgm:pt modelId="{753B4432-E124-4D17-8343-7AD4202281EA}" type="sibTrans" cxnId="{1A53F743-8937-439B-B460-41C6DFA49EEF}">
+      <dgm:prSet/>
+      <dgm:spPr/>
+      <dgm:t>
+        <a:bodyPr/>
+        <a:lstStyle/>
+        <a:p>
+          <a:endParaRPr lang="en-US"/>
+        </a:p>
+      </dgm:t>
+    </dgm:pt>
+    <dgm:pt modelId="{E7C05458-BA4F-4586-B1B0-DB4D8803E0FB}">
+      <dgm:prSet phldrT="[Text]"/>
+      <dgm:spPr/>
+      <dgm:t>
+        <a:bodyPr/>
+        <a:lstStyle/>
+        <a:p>
+          <a:r>
+            <a:rPr lang="de-DE" dirty="0"/>
+            <a:t>FMEA</a:t>
+          </a:r>
+          <a:endParaRPr lang="en-US" dirty="0"/>
+        </a:p>
+      </dgm:t>
+    </dgm:pt>
+    <dgm:pt modelId="{BC1318EB-3621-4306-90B9-8FA47ECB9B3C}" type="parTrans" cxnId="{4078B1A7-9E5E-404A-A1A9-E4925375EEEB}">
+      <dgm:prSet/>
+      <dgm:spPr/>
+      <dgm:t>
+        <a:bodyPr/>
+        <a:lstStyle/>
+        <a:p>
+          <a:endParaRPr lang="en-US"/>
+        </a:p>
+      </dgm:t>
+    </dgm:pt>
+    <dgm:pt modelId="{088A9925-EA84-4D04-B5F7-33883F73DE0C}" type="sibTrans" cxnId="{4078B1A7-9E5E-404A-A1A9-E4925375EEEB}">
+      <dgm:prSet/>
+      <dgm:spPr/>
+      <dgm:t>
+        <a:bodyPr/>
+        <a:lstStyle/>
+        <a:p>
+          <a:endParaRPr lang="en-US"/>
+        </a:p>
+      </dgm:t>
+    </dgm:pt>
+    <dgm:pt modelId="{45E7156B-EE0A-4FC0-82D2-4361B6D0C4A3}">
+      <dgm:prSet phldrT="[Text]"/>
+      <dgm:spPr/>
+      <dgm:t>
+        <a:bodyPr/>
+        <a:lstStyle/>
+        <a:p>
+          <a:r>
+            <a:rPr lang="de-DE" dirty="0"/>
+            <a:t>Data </a:t>
+          </a:r>
+          <a:r>
+            <a:rPr lang="de-DE" dirty="0" err="1"/>
+            <a:t>structures</a:t>
+          </a:r>
+          <a:r>
+            <a:rPr lang="de-DE" dirty="0"/>
+            <a:t>/</a:t>
+          </a:r>
+          <a:r>
+            <a:rPr lang="de-DE" dirty="0" err="1"/>
+            <a:t>handling</a:t>
+          </a:r>
+          <a:endParaRPr lang="en-US" dirty="0"/>
+        </a:p>
+      </dgm:t>
+    </dgm:pt>
+    <dgm:pt modelId="{DA0AB7BC-1C00-4BC1-BD64-06EAB9700DE3}" type="parTrans" cxnId="{F7ECE5DB-203C-4868-B9D4-80873248C997}">
+      <dgm:prSet/>
+      <dgm:spPr/>
+      <dgm:t>
+        <a:bodyPr/>
+        <a:lstStyle/>
+        <a:p>
+          <a:endParaRPr lang="en-US"/>
+        </a:p>
+      </dgm:t>
+    </dgm:pt>
+    <dgm:pt modelId="{E6521B79-093A-4B03-920E-43CAD89D44AB}" type="sibTrans" cxnId="{F7ECE5DB-203C-4868-B9D4-80873248C997}">
+      <dgm:prSet/>
+      <dgm:spPr/>
+      <dgm:t>
+        <a:bodyPr/>
+        <a:lstStyle/>
+        <a:p>
+          <a:endParaRPr lang="en-US"/>
+        </a:p>
+      </dgm:t>
+    </dgm:pt>
+    <dgm:pt modelId="{673A41D3-F23F-4BEA-A002-66B4545C4E81}">
+      <dgm:prSet phldrT="[Text]"/>
+      <dgm:spPr/>
+      <dgm:t>
+        <a:bodyPr/>
+        <a:lstStyle/>
+        <a:p>
+          <a:r>
+            <a:rPr lang="de-DE" dirty="0"/>
+            <a:t>Kapitel 4 (Methoden/Implementierung)</a:t>
+          </a:r>
+          <a:endParaRPr lang="en-US" dirty="0"/>
+        </a:p>
+      </dgm:t>
+    </dgm:pt>
+    <dgm:pt modelId="{7D40D381-496D-41F4-87BF-80B66E1247A3}" type="parTrans" cxnId="{40552A98-67D0-45D8-800E-D4BEB4396E6F}">
+      <dgm:prSet/>
+      <dgm:spPr/>
+      <dgm:t>
+        <a:bodyPr/>
+        <a:lstStyle/>
+        <a:p>
+          <a:endParaRPr lang="en-US"/>
+        </a:p>
+      </dgm:t>
+    </dgm:pt>
+    <dgm:pt modelId="{B4A907BD-4FCD-4F5B-8291-13D20A29E78F}" type="sibTrans" cxnId="{40552A98-67D0-45D8-800E-D4BEB4396E6F}">
+      <dgm:prSet/>
+      <dgm:spPr/>
+      <dgm:t>
+        <a:bodyPr/>
+        <a:lstStyle/>
+        <a:p>
+          <a:endParaRPr lang="en-US"/>
+        </a:p>
+      </dgm:t>
+    </dgm:pt>
+    <dgm:pt modelId="{97E6D244-62E0-4C63-AB7B-BD8AB315516F}">
+      <dgm:prSet phldrT="[Text]"/>
+      <dgm:spPr/>
+      <dgm:t>
+        <a:bodyPr/>
+        <a:lstStyle/>
+        <a:p>
+          <a:r>
+            <a:rPr lang="de-DE" dirty="0"/>
+            <a:t>Kapitel 5 (</a:t>
+          </a:r>
+          <a:r>
+            <a:rPr lang="de-DE" dirty="0" err="1"/>
+            <a:t>Results</a:t>
+          </a:r>
+          <a:r>
+            <a:rPr lang="de-DE" dirty="0"/>
+            <a:t> and </a:t>
+          </a:r>
+          <a:r>
+            <a:rPr lang="de-DE" dirty="0" err="1"/>
+            <a:t>Discussion</a:t>
+          </a:r>
+          <a:r>
+            <a:rPr lang="de-DE" dirty="0"/>
+            <a:t>)</a:t>
+          </a:r>
+          <a:endParaRPr lang="en-US" dirty="0"/>
+        </a:p>
+      </dgm:t>
+    </dgm:pt>
+    <dgm:pt modelId="{CD8F3CC2-827D-40EE-BE71-F8746B1730AF}" type="parTrans" cxnId="{B327F124-9951-411F-8DF0-42E45FF333E4}">
+      <dgm:prSet/>
+      <dgm:spPr/>
+      <dgm:t>
+        <a:bodyPr/>
+        <a:lstStyle/>
+        <a:p>
+          <a:endParaRPr lang="en-US"/>
+        </a:p>
+      </dgm:t>
+    </dgm:pt>
+    <dgm:pt modelId="{8C4A5A1A-99F7-4FF6-B6C7-2064F4C9BCE5}" type="sibTrans" cxnId="{B327F124-9951-411F-8DF0-42E45FF333E4}">
+      <dgm:prSet/>
+      <dgm:spPr/>
+      <dgm:t>
+        <a:bodyPr/>
+        <a:lstStyle/>
+        <a:p>
+          <a:endParaRPr lang="en-US"/>
+        </a:p>
+      </dgm:t>
+    </dgm:pt>
+    <dgm:pt modelId="{F25A7EEA-A2A4-44EE-82A2-EA0D55CDB0CA}">
+      <dgm:prSet phldrT="[Text]"/>
+      <dgm:spPr/>
+      <dgm:t>
+        <a:bodyPr/>
+        <a:lstStyle/>
+        <a:p>
+          <a:r>
+            <a:rPr lang="de-DE" dirty="0"/>
+            <a:t>Kapitel 6 ( </a:t>
+          </a:r>
+          <a:r>
+            <a:rPr lang="de-DE" dirty="0" err="1"/>
+            <a:t>Conclusion</a:t>
+          </a:r>
+          <a:r>
+            <a:rPr lang="de-DE" dirty="0"/>
+            <a:t> and Outlook)</a:t>
+          </a:r>
+          <a:endParaRPr lang="en-US" dirty="0"/>
+        </a:p>
+      </dgm:t>
+    </dgm:pt>
+    <dgm:pt modelId="{941EC374-BBF8-4EC2-B787-6424899AFBBF}" type="parTrans" cxnId="{EF764D09-57B9-4157-9BDB-77C47ADBE390}">
+      <dgm:prSet/>
+      <dgm:spPr/>
+      <dgm:t>
+        <a:bodyPr/>
+        <a:lstStyle/>
+        <a:p>
+          <a:endParaRPr lang="en-US"/>
+        </a:p>
+      </dgm:t>
+    </dgm:pt>
+    <dgm:pt modelId="{5DB98149-3B0B-416D-9E4A-99EB1CD94F46}" type="sibTrans" cxnId="{EF764D09-57B9-4157-9BDB-77C47ADBE390}">
+      <dgm:prSet/>
+      <dgm:spPr/>
+      <dgm:t>
+        <a:bodyPr/>
+        <a:lstStyle/>
+        <a:p>
+          <a:endParaRPr lang="en-US"/>
+        </a:p>
+      </dgm:t>
+    </dgm:pt>
+    <dgm:pt modelId="{E808B050-DA2E-49F8-A03B-81292515398D}">
+      <dgm:prSet phldrT="[Text]"/>
+      <dgm:spPr/>
+      <dgm:t>
+        <a:bodyPr/>
+        <a:lstStyle/>
+        <a:p>
+          <a:r>
+            <a:rPr lang="de-DE" dirty="0" err="1"/>
+            <a:t>Stacked</a:t>
+          </a:r>
+          <a:r>
+            <a:rPr lang="de-DE" dirty="0"/>
+            <a:t> V-Model </a:t>
+          </a:r>
+          <a:endParaRPr lang="en-US" dirty="0"/>
+        </a:p>
+      </dgm:t>
+    </dgm:pt>
+    <dgm:pt modelId="{717C0010-BB21-4470-914F-8D188487AE80}" type="parTrans" cxnId="{6ED0E6C7-9898-499F-9E40-624FC0D97DB1}">
+      <dgm:prSet/>
+      <dgm:spPr/>
+      <dgm:t>
+        <a:bodyPr/>
+        <a:lstStyle/>
+        <a:p>
+          <a:endParaRPr lang="en-US"/>
+        </a:p>
+      </dgm:t>
+    </dgm:pt>
+    <dgm:pt modelId="{A06FBAF4-920A-4FC0-9CB7-C9D0005BD506}" type="sibTrans" cxnId="{6ED0E6C7-9898-499F-9E40-624FC0D97DB1}">
+      <dgm:prSet/>
+      <dgm:spPr/>
+      <dgm:t>
+        <a:bodyPr/>
+        <a:lstStyle/>
+        <a:p>
+          <a:endParaRPr lang="en-US"/>
+        </a:p>
+      </dgm:t>
+    </dgm:pt>
+    <dgm:pt modelId="{B8AAD7AD-E5AB-4AD3-9E2D-878A2676CB4B}">
+      <dgm:prSet phldrT="[Text]"/>
+      <dgm:spPr/>
+      <dgm:t>
+        <a:bodyPr/>
+        <a:lstStyle/>
+        <a:p>
+          <a:r>
+            <a:rPr lang="en-US" dirty="0"/>
+            <a:t>Introduction</a:t>
+          </a:r>
+        </a:p>
+      </dgm:t>
+    </dgm:pt>
+    <dgm:pt modelId="{ABF7B140-AE00-4A79-9D27-DCA569CBA97F}" type="parTrans" cxnId="{FD6981A2-CC4A-4D09-90E8-9C98325704D4}">
+      <dgm:prSet/>
+      <dgm:spPr/>
+      <dgm:t>
+        <a:bodyPr/>
+        <a:lstStyle/>
+        <a:p>
+          <a:endParaRPr lang="en-US"/>
+        </a:p>
+      </dgm:t>
+    </dgm:pt>
+    <dgm:pt modelId="{9DC24EDD-FDD8-4782-A280-0191EEF884FE}" type="sibTrans" cxnId="{FD6981A2-CC4A-4D09-90E8-9C98325704D4}">
+      <dgm:prSet/>
+      <dgm:spPr/>
+      <dgm:t>
+        <a:bodyPr/>
+        <a:lstStyle/>
+        <a:p>
+          <a:endParaRPr lang="en-US"/>
+        </a:p>
+      </dgm:t>
+    </dgm:pt>
+    <dgm:pt modelId="{3A271EFA-54EC-4979-AD9E-98C9B77EA592}">
+      <dgm:prSet phldrT="[Text]"/>
+      <dgm:spPr/>
+      <dgm:t>
+        <a:bodyPr/>
+        <a:lstStyle/>
+        <a:p>
+          <a:r>
+            <a:rPr lang="de-DE" dirty="0" err="1"/>
+            <a:t>Metadata</a:t>
+          </a:r>
+          <a:r>
+            <a:rPr lang="de-DE" dirty="0"/>
+            <a:t> </a:t>
+          </a:r>
+          <a:r>
+            <a:rPr lang="de-DE" dirty="0" err="1"/>
+            <a:t>structure</a:t>
+          </a:r>
+          <a:endParaRPr lang="en-US" dirty="0"/>
+        </a:p>
+      </dgm:t>
+    </dgm:pt>
+    <dgm:pt modelId="{BE90841B-BD03-47E2-B799-3341BAD08964}" type="parTrans" cxnId="{2B6346B2-45C7-4E94-AEDB-17F1B9E27426}">
+      <dgm:prSet/>
+      <dgm:spPr/>
+      <dgm:t>
+        <a:bodyPr/>
+        <a:lstStyle/>
+        <a:p>
+          <a:endParaRPr lang="en-US"/>
+        </a:p>
+      </dgm:t>
+    </dgm:pt>
+    <dgm:pt modelId="{6A3A0533-BD9B-4052-9EFC-BA2A3A98B66D}" type="sibTrans" cxnId="{2B6346B2-45C7-4E94-AEDB-17F1B9E27426}">
+      <dgm:prSet/>
+      <dgm:spPr/>
+      <dgm:t>
+        <a:bodyPr/>
+        <a:lstStyle/>
+        <a:p>
+          <a:endParaRPr lang="en-US"/>
+        </a:p>
+      </dgm:t>
+    </dgm:pt>
+    <dgm:pt modelId="{B5497900-02DC-495E-B5BF-488C3B12481C}">
       <dgm:prSet phldrT="[Text]"/>
       <dgm:spPr/>
       <dgm:t>
@@ -9533,17 +10706,53 @@
           </a:r>
           <a:r>
             <a:rPr lang="de-DE" dirty="0" err="1"/>
-            <a:t>is</a:t>
+            <a:t>has</a:t>
           </a:r>
           <a:r>
             <a:rPr lang="de-DE" dirty="0"/>
-            <a:t> SHM?</a:t>
+            <a:t> </a:t>
+          </a:r>
+          <a:r>
+            <a:rPr lang="de-DE" dirty="0" err="1"/>
+            <a:t>been</a:t>
+          </a:r>
+          <a:r>
+            <a:rPr lang="de-DE" dirty="0"/>
+            <a:t> </a:t>
+          </a:r>
+          <a:r>
+            <a:rPr lang="de-DE" dirty="0" err="1"/>
+            <a:t>done</a:t>
+          </a:r>
+          <a:r>
+            <a:rPr lang="de-DE" dirty="0"/>
+            <a:t> and </a:t>
+          </a:r>
+          <a:r>
+            <a:rPr lang="de-DE" dirty="0" err="1"/>
+            <a:t>accomplished</a:t>
+          </a:r>
+          <a:r>
+            <a:rPr lang="de-DE" dirty="0"/>
+            <a:t> in </a:t>
+          </a:r>
+          <a:r>
+            <a:rPr lang="de-DE" dirty="0" err="1"/>
+            <a:t>this</a:t>
+          </a:r>
+          <a:r>
+            <a:rPr lang="de-DE" dirty="0"/>
+            <a:t> </a:t>
+          </a:r>
+          <a:r>
+            <a:rPr lang="de-DE" dirty="0" err="1"/>
+            <a:t>work</a:t>
           </a:r>
           <a:endParaRPr lang="en-US" dirty="0"/>
         </a:p>
       </dgm:t>
     </dgm:pt>
-    <dgm:pt modelId="{F24588BD-67A8-42E4-B556-555F4D141289}" type="parTrans" cxnId="{156AC20C-00C4-4BF7-B30E-DB6C70ABA5B9}">
+    <dgm:pt modelId="{ACC97140-509B-4D9B-BE94-D6F040CE2CF9}" type="parTrans" cxnId="{DB3B5372-361E-4C6A-BDB5-C6729D007C2D}">
       <dgm:prSet/>
       <dgm:spPr/>
       <dgm:t>
@@ -9554,7 +10763,7 @@
         </a:p>
       </dgm:t>
     </dgm:pt>
-    <dgm:pt modelId="{FBB5043A-5316-4280-9F2E-C15E58BA71E2}" type="sibTrans" cxnId="{156AC20C-00C4-4BF7-B30E-DB6C70ABA5B9}">
+    <dgm:pt modelId="{77305038-5E4D-473B-AD8F-DA56B81BDFA2}" type="sibTrans" cxnId="{DB3B5372-361E-4C6A-BDB5-C6729D007C2D}">
       <dgm:prSet/>
       <dgm:spPr/>
       <dgm:t>
@@ -9565,7 +10774,7 @@
         </a:p>
       </dgm:t>
     </dgm:pt>
-    <dgm:pt modelId="{832C0669-C0CC-4E29-A60C-FD1C8F0D4B57}">
+    <dgm:pt modelId="{7782CA4F-5C58-4A70-B93E-5201C15FD720}">
       <dgm:prSet phldrT="[Text]"/>
       <dgm:spPr/>
       <dgm:t>
@@ -9573,22 +10782,86 @@
         <a:lstStyle/>
         <a:p>
           <a:r>
+            <a:rPr lang="de-DE" dirty="0" err="1"/>
+            <a:t>What</a:t>
+          </a:r>
+          <a:r>
             <a:rPr lang="de-DE" dirty="0"/>
-            <a:t>Kapitel 3 (Problem </a:t>
+            <a:t> modular </a:t>
           </a:r>
           <a:r>
             <a:rPr lang="de-DE" dirty="0" err="1"/>
-            <a:t>statement</a:t>
+            <a:t>interfaces</a:t>
           </a:r>
           <a:r>
             <a:rPr lang="de-DE" dirty="0"/>
-            <a:t>)</a:t>
+            <a:t> </a:t>
+          </a:r>
+          <a:r>
+            <a:rPr lang="de-DE" dirty="0" err="1"/>
+            <a:t>were</a:t>
+          </a:r>
+          <a:r>
+            <a:rPr lang="de-DE" dirty="0"/>
+            <a:t> </a:t>
+          </a:r>
+          <a:r>
+            <a:rPr lang="de-DE" dirty="0" err="1"/>
+            <a:t>built</a:t>
+          </a:r>
+          <a:r>
+            <a:rPr lang="de-DE" dirty="0"/>
+            <a:t> </a:t>
+          </a:r>
+          <a:r>
+            <a:rPr lang="de-DE" dirty="0" err="1"/>
+            <a:t>that</a:t>
+          </a:r>
+          <a:r>
+            <a:rPr lang="de-DE" dirty="0"/>
+            <a:t> </a:t>
+          </a:r>
+          <a:r>
+            <a:rPr lang="de-DE" dirty="0" err="1"/>
+            <a:t>can</a:t>
+          </a:r>
+          <a:r>
+            <a:rPr lang="de-DE" dirty="0"/>
+            <a:t> </a:t>
+          </a:r>
+          <a:r>
+            <a:rPr lang="de-DE" dirty="0" err="1"/>
+            <a:t>be</a:t>
+          </a:r>
+          <a:r>
+            <a:rPr lang="de-DE" dirty="0"/>
+            <a:t> </a:t>
+          </a:r>
+          <a:r>
+            <a:rPr lang="de-DE" dirty="0" err="1"/>
+            <a:t>extended</a:t>
+          </a:r>
+          <a:r>
+            <a:rPr lang="de-DE" dirty="0"/>
+            <a:t> in </a:t>
+          </a:r>
+          <a:r>
+            <a:rPr lang="de-DE" dirty="0" err="1"/>
+            <a:t>the</a:t>
+          </a:r>
+          <a:r>
+            <a:rPr lang="de-DE" dirty="0"/>
+            <a:t> </a:t>
+          </a:r>
+          <a:r>
+            <a:rPr lang="de-DE" dirty="0" err="1"/>
+            <a:t>future</a:t>
           </a:r>
           <a:endParaRPr lang="en-US" dirty="0"/>
         </a:p>
       </dgm:t>
     </dgm:pt>
-    <dgm:pt modelId="{03DF8071-B654-4B9E-8350-815DEF36B2A5}" type="parTrans" cxnId="{0C8F90AB-C167-40CE-9609-7B329BE198F9}">
+    <dgm:pt modelId="{589A9934-191A-464A-98C0-5AF36A41F8B8}" type="parTrans" cxnId="{10A3A5B1-E0B4-419B-A070-26C7FFAA112A}">
       <dgm:prSet/>
       <dgm:spPr/>
       <dgm:t>
@@ -9599,7 +10872,7 @@
         </a:p>
       </dgm:t>
     </dgm:pt>
-    <dgm:pt modelId="{32AFE6D9-271A-4A3A-AB67-080370C929A1}" type="sibTrans" cxnId="{0C8F90AB-C167-40CE-9609-7B329BE198F9}">
+    <dgm:pt modelId="{9610BF32-5E49-46B0-A981-1C4534383643}" type="sibTrans" cxnId="{10A3A5B1-E0B4-419B-A070-26C7FFAA112A}">
       <dgm:prSet/>
       <dgm:spPr/>
       <dgm:t>
@@ -9607,6 +10880,366 @@
         <a:lstStyle/>
         <a:p>
           <a:endParaRPr lang="en-US"/>
+        </a:p>
+      </dgm:t>
+    </dgm:pt>
+    <dgm:pt modelId="{B4B53DB7-2F2B-4930-8854-8AD225F36E05}">
+      <dgm:prSet phldrT="[Text]"/>
+      <dgm:spPr/>
+      <dgm:t>
+        <a:bodyPr/>
+        <a:lstStyle/>
+        <a:p>
+          <a:r>
+            <a:rPr lang="en-US" dirty="0"/>
+            <a:t>Innovation and exploration turbine</a:t>
+          </a:r>
+        </a:p>
+      </dgm:t>
+    </dgm:pt>
+    <dgm:pt modelId="{0E9E7265-AD6D-4801-9E59-5356306F6CEF}" type="parTrans" cxnId="{22CB43B0-7BA6-4559-8991-896D81A7C339}">
+      <dgm:prSet/>
+      <dgm:spPr/>
+      <dgm:t>
+        <a:bodyPr/>
+        <a:lstStyle/>
+        <a:p>
+          <a:endParaRPr lang="de-DE"/>
+        </a:p>
+      </dgm:t>
+    </dgm:pt>
+    <dgm:pt modelId="{246B60E9-13BE-4F37-AB5D-EB81BEBD2FD4}" type="sibTrans" cxnId="{22CB43B0-7BA6-4559-8991-896D81A7C339}">
+      <dgm:prSet/>
+      <dgm:spPr/>
+      <dgm:t>
+        <a:bodyPr/>
+        <a:lstStyle/>
+        <a:p>
+          <a:endParaRPr lang="de-DE"/>
+        </a:p>
+      </dgm:t>
+    </dgm:pt>
+    <dgm:pt modelId="{D31E38A8-E8DE-443C-818C-0168C732D142}">
+      <dgm:prSet phldrT="[Text]"/>
+      <dgm:spPr/>
+      <dgm:t>
+        <a:bodyPr/>
+        <a:lstStyle/>
+        <a:p>
+          <a:r>
+            <a:rPr lang="en-US" dirty="0"/>
+            <a:t>Data Parsing/Provision</a:t>
+          </a:r>
+        </a:p>
+      </dgm:t>
+    </dgm:pt>
+    <dgm:pt modelId="{84248B4E-E1B3-409D-A625-5EB2E1AC751D}" type="parTrans" cxnId="{30D235BF-51FA-4B9F-AE15-A9A8FBC9F02D}">
+      <dgm:prSet/>
+      <dgm:spPr/>
+      <dgm:t>
+        <a:bodyPr/>
+        <a:lstStyle/>
+        <a:p>
+          <a:endParaRPr lang="de-DE"/>
+        </a:p>
+      </dgm:t>
+    </dgm:pt>
+    <dgm:pt modelId="{3B759F3D-05A1-49FC-B7F0-6CE1C023E78D}" type="sibTrans" cxnId="{30D235BF-51FA-4B9F-AE15-A9A8FBC9F02D}">
+      <dgm:prSet/>
+      <dgm:spPr/>
+      <dgm:t>
+        <a:bodyPr/>
+        <a:lstStyle/>
+        <a:p>
+          <a:endParaRPr lang="de-DE"/>
+        </a:p>
+      </dgm:t>
+    </dgm:pt>
+    <dgm:pt modelId="{70CFF5B7-D943-4159-BD49-396CC1499235}">
+      <dgm:prSet phldrT="[Text]"/>
+      <dgm:spPr/>
+      <dgm:t>
+        <a:bodyPr/>
+        <a:lstStyle/>
+        <a:p>
+          <a:r>
+            <a:rPr lang="en-US" dirty="0"/>
+            <a:t>Configuration Metadata</a:t>
+          </a:r>
+        </a:p>
+      </dgm:t>
+    </dgm:pt>
+    <dgm:pt modelId="{8BFCD965-5579-4535-A7BD-227C94E9218E}" type="parTrans" cxnId="{ABA183E3-4D35-43F5-8FA4-B3ABA94E3750}">
+      <dgm:prSet/>
+      <dgm:spPr/>
+      <dgm:t>
+        <a:bodyPr/>
+        <a:lstStyle/>
+        <a:p>
+          <a:endParaRPr lang="de-DE"/>
+        </a:p>
+      </dgm:t>
+    </dgm:pt>
+    <dgm:pt modelId="{8C16B314-2831-4F6A-BF87-6248EE4A6F08}" type="sibTrans" cxnId="{ABA183E3-4D35-43F5-8FA4-B3ABA94E3750}">
+      <dgm:prSet/>
+      <dgm:spPr/>
+      <dgm:t>
+        <a:bodyPr/>
+        <a:lstStyle/>
+        <a:p>
+          <a:endParaRPr lang="de-DE"/>
+        </a:p>
+      </dgm:t>
+    </dgm:pt>
+    <dgm:pt modelId="{686676B7-AF55-4D35-8565-A8945C2CAC21}">
+      <dgm:prSet phldrT="[Text]"/>
+      <dgm:spPr/>
+      <dgm:t>
+        <a:bodyPr/>
+        <a:lstStyle/>
+        <a:p>
+          <a:r>
+            <a:rPr lang="en-US" dirty="0"/>
+            <a:t>Data Processing</a:t>
+          </a:r>
+        </a:p>
+      </dgm:t>
+    </dgm:pt>
+    <dgm:pt modelId="{806497D5-2562-4B70-A012-87426E1886E5}" type="parTrans" cxnId="{6CA27BEF-7459-4DB7-8505-9469F900583B}">
+      <dgm:prSet/>
+      <dgm:spPr/>
+      <dgm:t>
+        <a:bodyPr/>
+        <a:lstStyle/>
+        <a:p>
+          <a:endParaRPr lang="de-DE"/>
+        </a:p>
+      </dgm:t>
+    </dgm:pt>
+    <dgm:pt modelId="{EEF4E22A-2CCF-4919-911A-92A298FE6E7F}" type="sibTrans" cxnId="{6CA27BEF-7459-4DB7-8505-9469F900583B}">
+      <dgm:prSet/>
+      <dgm:spPr/>
+      <dgm:t>
+        <a:bodyPr/>
+        <a:lstStyle/>
+        <a:p>
+          <a:endParaRPr lang="de-DE"/>
+        </a:p>
+      </dgm:t>
+    </dgm:pt>
+    <dgm:pt modelId="{736C784E-BD81-4E62-BE35-68F84E816D14}">
+      <dgm:prSet phldrT="[Text]"/>
+      <dgm:spPr/>
+      <dgm:t>
+        <a:bodyPr/>
+        <a:lstStyle/>
+        <a:p>
+          <a:r>
+            <a:rPr lang="en-US" dirty="0"/>
+            <a:t>Report visualization</a:t>
+          </a:r>
+        </a:p>
+      </dgm:t>
+    </dgm:pt>
+    <dgm:pt modelId="{14C3899D-D97D-47BB-8224-57AEE1B4FD17}" type="parTrans" cxnId="{2A560699-7C27-4FC9-8982-4E255E2C53DD}">
+      <dgm:prSet/>
+      <dgm:spPr/>
+      <dgm:t>
+        <a:bodyPr/>
+        <a:lstStyle/>
+        <a:p>
+          <a:endParaRPr lang="de-DE"/>
+        </a:p>
+      </dgm:t>
+    </dgm:pt>
+    <dgm:pt modelId="{3D9676FE-0552-4699-B046-BCD2BF634A25}" type="sibTrans" cxnId="{2A560699-7C27-4FC9-8982-4E255E2C53DD}">
+      <dgm:prSet/>
+      <dgm:spPr/>
+      <dgm:t>
+        <a:bodyPr/>
+        <a:lstStyle/>
+        <a:p>
+          <a:endParaRPr lang="de-DE"/>
+        </a:p>
+      </dgm:t>
+    </dgm:pt>
+    <dgm:pt modelId="{3AC1C038-9C25-46FC-AFBF-18901EE8F108}">
+      <dgm:prSet phldrT="[Text]"/>
+      <dgm:spPr/>
+      <dgm:t>
+        <a:bodyPr/>
+        <a:lstStyle/>
+        <a:p>
+          <a:r>
+            <a:rPr lang="en-US" dirty="0"/>
+            <a:t>Conclusion</a:t>
+          </a:r>
+        </a:p>
+      </dgm:t>
+    </dgm:pt>
+    <dgm:pt modelId="{DBF8AD2A-5C88-46E9-8B9C-6968D0987272}" type="parTrans" cxnId="{A2152C9F-1D64-420A-B3E3-07616019E69A}">
+      <dgm:prSet/>
+      <dgm:spPr/>
+      <dgm:t>
+        <a:bodyPr/>
+        <a:lstStyle/>
+        <a:p>
+          <a:endParaRPr lang="de-DE"/>
+        </a:p>
+      </dgm:t>
+    </dgm:pt>
+    <dgm:pt modelId="{205D7381-CA92-4C71-98DD-DF96BDC5E78E}" type="sibTrans" cxnId="{A2152C9F-1D64-420A-B3E3-07616019E69A}">
+      <dgm:prSet/>
+      <dgm:spPr/>
+      <dgm:t>
+        <a:bodyPr/>
+        <a:lstStyle/>
+        <a:p>
+          <a:endParaRPr lang="de-DE"/>
+        </a:p>
+      </dgm:t>
+    </dgm:pt>
+    <dgm:pt modelId="{0F218C94-5BB6-4E15-806B-710FD255D263}">
+      <dgm:prSet phldrT="[Text]"/>
+      <dgm:spPr/>
+      <dgm:t>
+        <a:bodyPr/>
+        <a:lstStyle/>
+        <a:p>
+          <a:r>
+            <a:rPr lang="en-US" dirty="0"/>
+            <a:t>Check testing 1,2,3</a:t>
+          </a:r>
+        </a:p>
+      </dgm:t>
+    </dgm:pt>
+    <dgm:pt modelId="{6CEF71FC-7889-4400-89DC-CE134523FD10}" type="parTrans" cxnId="{310FEF94-9538-4710-8A16-8339B2723A01}">
+      <dgm:prSet/>
+      <dgm:spPr/>
+      <dgm:t>
+        <a:bodyPr/>
+        <a:lstStyle/>
+        <a:p>
+          <a:endParaRPr lang="de-DE"/>
+        </a:p>
+      </dgm:t>
+    </dgm:pt>
+    <dgm:pt modelId="{C9A592BD-0FA5-4E42-911C-86C5C8FB0303}" type="sibTrans" cxnId="{310FEF94-9538-4710-8A16-8339B2723A01}">
+      <dgm:prSet/>
+      <dgm:spPr/>
+      <dgm:t>
+        <a:bodyPr/>
+        <a:lstStyle/>
+        <a:p>
+          <a:endParaRPr lang="de-DE"/>
+        </a:p>
+      </dgm:t>
+    </dgm:pt>
+    <dgm:pt modelId="{456D2ADF-5041-4816-9F81-DA2284952203}">
+      <dgm:prSet phldrT="[Text]"/>
+      <dgm:spPr/>
+      <dgm:t>
+        <a:bodyPr/>
+        <a:lstStyle/>
+        <a:p>
+          <a:r>
+            <a:rPr lang="en-US" dirty="0"/>
+            <a:t>Implementation ecosystem</a:t>
+          </a:r>
+        </a:p>
+      </dgm:t>
+    </dgm:pt>
+    <dgm:pt modelId="{DA496A18-93ED-466C-AF21-DD97D91AD11D}" type="parTrans" cxnId="{6AAD1634-D3F1-451D-B110-B791F1E54389}">
+      <dgm:prSet/>
+      <dgm:spPr/>
+      <dgm:t>
+        <a:bodyPr/>
+        <a:lstStyle/>
+        <a:p>
+          <a:endParaRPr lang="de-DE"/>
+        </a:p>
+      </dgm:t>
+    </dgm:pt>
+    <dgm:pt modelId="{01E58AF7-5276-42D1-BE63-544225763AD0}" type="sibTrans" cxnId="{6AAD1634-D3F1-451D-B110-B791F1E54389}">
+      <dgm:prSet/>
+      <dgm:spPr/>
+      <dgm:t>
+        <a:bodyPr/>
+        <a:lstStyle/>
+        <a:p>
+          <a:endParaRPr lang="de-DE"/>
+        </a:p>
+      </dgm:t>
+    </dgm:pt>
+    <dgm:pt modelId="{5C0EED3B-BAD9-43FF-9678-175BB6FF1BC9}">
+      <dgm:prSet phldrT="[Text]"/>
+      <dgm:spPr/>
+      <dgm:t>
+        <a:bodyPr/>
+        <a:lstStyle/>
+        <a:p>
+          <a:r>
+            <a:rPr lang="en-US" dirty="0"/>
+            <a:t>Discussion/Potential</a:t>
+          </a:r>
+        </a:p>
+      </dgm:t>
+    </dgm:pt>
+    <dgm:pt modelId="{ED3FB0F3-E7FC-4C90-9C3F-936C2A5507D0}" type="parTrans" cxnId="{F9FA52CA-70B8-4E93-AA37-AD40766AC27C}">
+      <dgm:prSet/>
+      <dgm:spPr/>
+      <dgm:t>
+        <a:bodyPr/>
+        <a:lstStyle/>
+        <a:p>
+          <a:endParaRPr lang="de-DE"/>
+        </a:p>
+      </dgm:t>
+    </dgm:pt>
+    <dgm:pt modelId="{CEA4C046-5DD8-4D7A-A35E-D808DD8FB7A6}" type="sibTrans" cxnId="{F9FA52CA-70B8-4E93-AA37-AD40766AC27C}">
+      <dgm:prSet/>
+      <dgm:spPr/>
+      <dgm:t>
+        <a:bodyPr/>
+        <a:lstStyle/>
+        <a:p>
+          <a:endParaRPr lang="de-DE"/>
+        </a:p>
+      </dgm:t>
+    </dgm:pt>
+    <dgm:pt modelId="{C19A5430-1C3A-49AE-96CE-B804AB3C2D9E}">
+      <dgm:prSet phldrT="[Text]"/>
+      <dgm:spPr/>
+      <dgm:t>
+        <a:bodyPr/>
+        <a:lstStyle/>
+        <a:p>
+          <a:r>
+            <a:rPr lang="en-US" dirty="0"/>
+            <a:t>Conclusion</a:t>
+          </a:r>
+        </a:p>
+      </dgm:t>
+    </dgm:pt>
+    <dgm:pt modelId="{D0B6E19D-7640-4F9A-852B-2FAD6B28FDE0}" type="parTrans" cxnId="{703BA5E3-6434-4030-B73D-A2DEBCD17F6F}">
+      <dgm:prSet/>
+      <dgm:spPr/>
+      <dgm:t>
+        <a:bodyPr/>
+        <a:lstStyle/>
+        <a:p>
+          <a:endParaRPr lang="de-DE"/>
+        </a:p>
+      </dgm:t>
+    </dgm:pt>
+    <dgm:pt modelId="{6B514589-FE3F-49C8-AEB9-D9084706826A}" type="sibTrans" cxnId="{703BA5E3-6434-4030-B73D-A2DEBCD17F6F}">
+      <dgm:prSet/>
+      <dgm:spPr/>
+      <dgm:t>
+        <a:bodyPr/>
+        <a:lstStyle/>
+        <a:p>
+          <a:endParaRPr lang="de-DE"/>
         </a:p>
       </dgm:t>
     </dgm:pt>
@@ -9618,42 +11251,21 @@
         <a:lstStyle/>
         <a:p>
           <a:r>
-            <a:rPr lang="de-DE" dirty="0" err="1"/>
-            <a:t>Precise</a:t>
-          </a:r>
-          <a:r>
             <a:rPr lang="de-DE" dirty="0"/>
-            <a:t> </a:t>
-          </a:r>
-          <a:r>
-            <a:rPr lang="de-DE" dirty="0" err="1"/>
-            <a:t>detection</a:t>
-          </a:r>
-          <a:r>
-            <a:rPr lang="de-DE" dirty="0"/>
-            <a:t> </a:t>
-          </a:r>
-          <a:r>
-            <a:rPr lang="de-DE" dirty="0" err="1"/>
-            <a:t>of</a:t>
-          </a:r>
-          <a:r>
-            <a:rPr lang="de-DE" dirty="0"/>
-            <a:t> </a:t>
-          </a:r>
-          <a:r>
-            <a:rPr lang="de-DE" dirty="0" err="1"/>
-            <a:t>malfunctions</a:t>
-          </a:r>
-          <a:r>
-            <a:rPr lang="de-DE" dirty="0"/>
-            <a:t> and </a:t>
-          </a:r>
-          <a:r>
-            <a:rPr lang="de-DE" dirty="0" err="1"/>
-            <a:t>perturbances</a:t>
+            <a:t>Problem Statement</a:t>
           </a:r>
           <a:endParaRPr lang="en-US" dirty="0"/>
+        </a:p>
+      </dgm:t>
+    </dgm:pt>
+    <dgm:pt modelId="{A98866A6-DAA8-4362-A139-7F7086621D3D}" type="sibTrans" cxnId="{4FCD27D6-E9BA-43FE-980C-93D760CE14C5}">
+      <dgm:prSet/>
+      <dgm:spPr/>
+      <dgm:t>
+        <a:bodyPr/>
+        <a:lstStyle/>
+        <a:p>
+          <a:endParaRPr lang="en-US"/>
         </a:p>
       </dgm:t>
     </dgm:pt>
@@ -9665,1268 +11277,6 @@
         <a:lstStyle/>
         <a:p>
           <a:endParaRPr lang="en-US"/>
-        </a:p>
-      </dgm:t>
-    </dgm:pt>
-    <dgm:pt modelId="{A98866A6-DAA8-4362-A139-7F7086621D3D}" type="sibTrans" cxnId="{4FCD27D6-E9BA-43FE-980C-93D760CE14C5}">
-      <dgm:prSet/>
-      <dgm:spPr/>
-      <dgm:t>
-        <a:bodyPr/>
-        <a:lstStyle/>
-        <a:p>
-          <a:endParaRPr lang="en-US"/>
-        </a:p>
-      </dgm:t>
-    </dgm:pt>
-    <dgm:pt modelId="{522DE340-25DD-47F6-AC33-BFABB50FDBCF}">
-      <dgm:prSet phldrT="[Text]"/>
-      <dgm:spPr/>
-      <dgm:t>
-        <a:bodyPr/>
-        <a:lstStyle/>
-        <a:p>
-          <a:r>
-            <a:rPr lang="de-DE" dirty="0"/>
-            <a:t>Reporting </a:t>
-          </a:r>
-          <a:r>
-            <a:rPr lang="de-DE" dirty="0" err="1"/>
-            <a:t>tool</a:t>
-          </a:r>
-          <a:r>
-            <a:rPr lang="de-DE" dirty="0"/>
-            <a:t> </a:t>
-          </a:r>
-          <a:r>
-            <a:rPr lang="de-DE" dirty="0" err="1"/>
-            <a:t>that</a:t>
-          </a:r>
-          <a:r>
-            <a:rPr lang="de-DE" dirty="0"/>
-            <a:t> </a:t>
-          </a:r>
-          <a:r>
-            <a:rPr lang="de-DE" dirty="0" err="1"/>
-            <a:t>displays</a:t>
-          </a:r>
-          <a:r>
-            <a:rPr lang="de-DE" dirty="0"/>
-            <a:t> relevant </a:t>
-          </a:r>
-          <a:r>
-            <a:rPr lang="de-DE" dirty="0" err="1"/>
-            <a:t>info</a:t>
-          </a:r>
-          <a:r>
-            <a:rPr lang="de-DE" dirty="0"/>
-            <a:t> and </a:t>
-          </a:r>
-          <a:r>
-            <a:rPr lang="de-DE" dirty="0" err="1"/>
-            <a:t>generates</a:t>
-          </a:r>
-          <a:r>
-            <a:rPr lang="de-DE" dirty="0"/>
-            <a:t> </a:t>
-          </a:r>
-          <a:r>
-            <a:rPr lang="de-DE" dirty="0" err="1"/>
-            <a:t>metrics</a:t>
-          </a:r>
-          <a:endParaRPr lang="en-US" dirty="0"/>
-        </a:p>
-      </dgm:t>
-    </dgm:pt>
-    <dgm:pt modelId="{739B8543-117E-43C0-93C7-5196E6A96EB5}" type="parTrans" cxnId="{1A53F743-8937-439B-B460-41C6DFA49EEF}">
-      <dgm:prSet/>
-      <dgm:spPr/>
-      <dgm:t>
-        <a:bodyPr/>
-        <a:lstStyle/>
-        <a:p>
-          <a:endParaRPr lang="en-US"/>
-        </a:p>
-      </dgm:t>
-    </dgm:pt>
-    <dgm:pt modelId="{753B4432-E124-4D17-8343-7AD4202281EA}" type="sibTrans" cxnId="{1A53F743-8937-439B-B460-41C6DFA49EEF}">
-      <dgm:prSet/>
-      <dgm:spPr/>
-      <dgm:t>
-        <a:bodyPr/>
-        <a:lstStyle/>
-        <a:p>
-          <a:endParaRPr lang="en-US"/>
-        </a:p>
-      </dgm:t>
-    </dgm:pt>
-    <dgm:pt modelId="{FA48B597-83D3-4C01-A8E3-D795138E9701}">
-      <dgm:prSet phldrT="[Text]"/>
-      <dgm:spPr/>
-      <dgm:t>
-        <a:bodyPr/>
-        <a:lstStyle/>
-        <a:p>
-          <a:r>
-            <a:rPr lang="de-DE" dirty="0" err="1"/>
-            <a:t>Why</a:t>
-          </a:r>
-          <a:r>
-            <a:rPr lang="de-DE" dirty="0"/>
-            <a:t>?</a:t>
-          </a:r>
-          <a:endParaRPr lang="en-US" dirty="0"/>
-        </a:p>
-      </dgm:t>
-    </dgm:pt>
-    <dgm:pt modelId="{EACD600F-7B5E-4F4B-8FE7-7F95695C04AC}" type="parTrans" cxnId="{D95F2D8A-855D-476E-B82C-06B65BB57748}">
-      <dgm:prSet/>
-      <dgm:spPr/>
-      <dgm:t>
-        <a:bodyPr/>
-        <a:lstStyle/>
-        <a:p>
-          <a:endParaRPr lang="en-US"/>
-        </a:p>
-      </dgm:t>
-    </dgm:pt>
-    <dgm:pt modelId="{76C20D21-071E-40EA-8907-304A6EA2D201}" type="sibTrans" cxnId="{D95F2D8A-855D-476E-B82C-06B65BB57748}">
-      <dgm:prSet/>
-      <dgm:spPr/>
-      <dgm:t>
-        <a:bodyPr/>
-        <a:lstStyle/>
-        <a:p>
-          <a:endParaRPr lang="en-US"/>
-        </a:p>
-      </dgm:t>
-    </dgm:pt>
-    <dgm:pt modelId="{16F57EB3-4270-46BB-88A7-10CC9C3D84A2}">
-      <dgm:prSet phldrT="[Text]"/>
-      <dgm:spPr/>
-      <dgm:t>
-        <a:bodyPr/>
-        <a:lstStyle/>
-        <a:p>
-          <a:r>
-            <a:rPr lang="de-DE" dirty="0" err="1"/>
-            <a:t>Where</a:t>
-          </a:r>
-          <a:r>
-            <a:rPr lang="de-DE" dirty="0"/>
-            <a:t> </a:t>
-          </a:r>
-          <a:r>
-            <a:rPr lang="de-DE" dirty="0" err="1"/>
-            <a:t>does</a:t>
-          </a:r>
-          <a:r>
-            <a:rPr lang="de-DE" dirty="0"/>
-            <a:t> </a:t>
-          </a:r>
-          <a:r>
-            <a:rPr lang="de-DE" dirty="0" err="1"/>
-            <a:t>the</a:t>
-          </a:r>
-          <a:r>
-            <a:rPr lang="de-DE" dirty="0"/>
-            <a:t> </a:t>
-          </a:r>
-          <a:r>
-            <a:rPr lang="de-DE" dirty="0" err="1"/>
-            <a:t>data</a:t>
-          </a:r>
-          <a:r>
-            <a:rPr lang="de-DE" dirty="0"/>
-            <a:t> </a:t>
-          </a:r>
-          <a:r>
-            <a:rPr lang="de-DE" dirty="0" err="1"/>
-            <a:t>come</a:t>
-          </a:r>
-          <a:r>
-            <a:rPr lang="de-DE" dirty="0"/>
-            <a:t> </a:t>
-          </a:r>
-          <a:r>
-            <a:rPr lang="de-DE" dirty="0" err="1"/>
-            <a:t>from</a:t>
-          </a:r>
-          <a:r>
-            <a:rPr lang="de-DE" dirty="0"/>
-            <a:t>?</a:t>
-          </a:r>
-          <a:endParaRPr lang="en-US" dirty="0"/>
-        </a:p>
-      </dgm:t>
-    </dgm:pt>
-    <dgm:pt modelId="{5E5EEE3E-96EC-41B1-847D-72D615A9187C}" type="parTrans" cxnId="{06C3F8B6-6350-4E40-839B-F14A7E50374A}">
-      <dgm:prSet/>
-      <dgm:spPr/>
-      <dgm:t>
-        <a:bodyPr/>
-        <a:lstStyle/>
-        <a:p>
-          <a:endParaRPr lang="en-US"/>
-        </a:p>
-      </dgm:t>
-    </dgm:pt>
-    <dgm:pt modelId="{897C9165-AD4A-4F4D-97D0-D8C8BC61FEB0}" type="sibTrans" cxnId="{06C3F8B6-6350-4E40-839B-F14A7E50374A}">
-      <dgm:prSet/>
-      <dgm:spPr/>
-      <dgm:t>
-        <a:bodyPr/>
-        <a:lstStyle/>
-        <a:p>
-          <a:endParaRPr lang="en-US"/>
-        </a:p>
-      </dgm:t>
-    </dgm:pt>
-    <dgm:pt modelId="{DFC29465-D683-4C36-8F69-F44119F668DC}">
-      <dgm:prSet phldrT="[Text]"/>
-      <dgm:spPr/>
-      <dgm:t>
-        <a:bodyPr/>
-        <a:lstStyle/>
-        <a:p>
-          <a:r>
-            <a:rPr lang="de-DE" dirty="0" err="1"/>
-            <a:t>How</a:t>
-          </a:r>
-          <a:r>
-            <a:rPr lang="de-DE" dirty="0"/>
-            <a:t>?</a:t>
-          </a:r>
-          <a:endParaRPr lang="en-US" dirty="0"/>
-        </a:p>
-      </dgm:t>
-    </dgm:pt>
-    <dgm:pt modelId="{8E7C05B2-EF1C-4971-8F55-3BF79ABA7E81}" type="parTrans" cxnId="{5F1EE348-C4A8-4B89-8439-8CE96D4EE585}">
-      <dgm:prSet/>
-      <dgm:spPr/>
-      <dgm:t>
-        <a:bodyPr/>
-        <a:lstStyle/>
-        <a:p>
-          <a:endParaRPr lang="en-US"/>
-        </a:p>
-      </dgm:t>
-    </dgm:pt>
-    <dgm:pt modelId="{2C9E4EA8-B922-4CD1-8C7E-738D1E9D46E9}" type="sibTrans" cxnId="{5F1EE348-C4A8-4B89-8439-8CE96D4EE585}">
-      <dgm:prSet/>
-      <dgm:spPr/>
-      <dgm:t>
-        <a:bodyPr/>
-        <a:lstStyle/>
-        <a:p>
-          <a:endParaRPr lang="en-US"/>
-        </a:p>
-      </dgm:t>
-    </dgm:pt>
-    <dgm:pt modelId="{8D5AA78A-7D4A-459F-A2B3-FC480199B0C4}">
-      <dgm:prSet phldrT="[Text]"/>
-      <dgm:spPr/>
-      <dgm:t>
-        <a:bodyPr/>
-        <a:lstStyle/>
-        <a:p>
-          <a:r>
-            <a:rPr lang="de-DE" dirty="0" err="1"/>
-            <a:t>Context</a:t>
-          </a:r>
-          <a:r>
-            <a:rPr lang="de-DE" dirty="0"/>
-            <a:t> </a:t>
-          </a:r>
-          <a:r>
-            <a:rPr lang="de-DE" dirty="0" err="1"/>
-            <a:t>of</a:t>
-          </a:r>
-          <a:r>
-            <a:rPr lang="de-DE" dirty="0"/>
-            <a:t> </a:t>
-          </a:r>
-          <a:r>
-            <a:rPr lang="de-DE" dirty="0" err="1"/>
-            <a:t>this</a:t>
-          </a:r>
-          <a:r>
-            <a:rPr lang="de-DE" dirty="0"/>
-            <a:t> </a:t>
-          </a:r>
-          <a:r>
-            <a:rPr lang="de-DE" dirty="0" err="1"/>
-            <a:t>work</a:t>
-          </a:r>
-          <a:endParaRPr lang="en-US" dirty="0"/>
-        </a:p>
-      </dgm:t>
-    </dgm:pt>
-    <dgm:pt modelId="{230B062B-D34E-4F36-9471-0560F7C0F869}" type="parTrans" cxnId="{4737E504-3D54-463C-A5F7-8445C73AA300}">
-      <dgm:prSet/>
-      <dgm:spPr/>
-      <dgm:t>
-        <a:bodyPr/>
-        <a:lstStyle/>
-        <a:p>
-          <a:endParaRPr lang="en-US"/>
-        </a:p>
-      </dgm:t>
-    </dgm:pt>
-    <dgm:pt modelId="{829C1AD4-F788-4CDC-BAB0-E26F39962F70}" type="sibTrans" cxnId="{4737E504-3D54-463C-A5F7-8445C73AA300}">
-      <dgm:prSet/>
-      <dgm:spPr/>
-      <dgm:t>
-        <a:bodyPr/>
-        <a:lstStyle/>
-        <a:p>
-          <a:endParaRPr lang="en-US"/>
-        </a:p>
-      </dgm:t>
-    </dgm:pt>
-    <dgm:pt modelId="{E7C05458-BA4F-4586-B1B0-DB4D8803E0FB}">
-      <dgm:prSet phldrT="[Text]"/>
-      <dgm:spPr/>
-      <dgm:t>
-        <a:bodyPr/>
-        <a:lstStyle/>
-        <a:p>
-          <a:r>
-            <a:rPr lang="de-DE" dirty="0"/>
-            <a:t>FMEA</a:t>
-          </a:r>
-          <a:endParaRPr lang="en-US" dirty="0"/>
-        </a:p>
-      </dgm:t>
-    </dgm:pt>
-    <dgm:pt modelId="{BC1318EB-3621-4306-90B9-8FA47ECB9B3C}" type="parTrans" cxnId="{4078B1A7-9E5E-404A-A1A9-E4925375EEEB}">
-      <dgm:prSet/>
-      <dgm:spPr/>
-      <dgm:t>
-        <a:bodyPr/>
-        <a:lstStyle/>
-        <a:p>
-          <a:endParaRPr lang="en-US"/>
-        </a:p>
-      </dgm:t>
-    </dgm:pt>
-    <dgm:pt modelId="{088A9925-EA84-4D04-B5F7-33883F73DE0C}" type="sibTrans" cxnId="{4078B1A7-9E5E-404A-A1A9-E4925375EEEB}">
-      <dgm:prSet/>
-      <dgm:spPr/>
-      <dgm:t>
-        <a:bodyPr/>
-        <a:lstStyle/>
-        <a:p>
-          <a:endParaRPr lang="en-US"/>
-        </a:p>
-      </dgm:t>
-    </dgm:pt>
-    <dgm:pt modelId="{45E7156B-EE0A-4FC0-82D2-4361B6D0C4A3}">
-      <dgm:prSet phldrT="[Text]"/>
-      <dgm:spPr/>
-      <dgm:t>
-        <a:bodyPr/>
-        <a:lstStyle/>
-        <a:p>
-          <a:r>
-            <a:rPr lang="de-DE" dirty="0"/>
-            <a:t>Data </a:t>
-          </a:r>
-          <a:r>
-            <a:rPr lang="de-DE" dirty="0" err="1"/>
-            <a:t>structures</a:t>
-          </a:r>
-          <a:r>
-            <a:rPr lang="de-DE" dirty="0"/>
-            <a:t>/</a:t>
-          </a:r>
-          <a:r>
-            <a:rPr lang="de-DE" dirty="0" err="1"/>
-            <a:t>handling</a:t>
-          </a:r>
-          <a:endParaRPr lang="en-US" dirty="0"/>
-        </a:p>
-      </dgm:t>
-    </dgm:pt>
-    <dgm:pt modelId="{DA0AB7BC-1C00-4BC1-BD64-06EAB9700DE3}" type="parTrans" cxnId="{F7ECE5DB-203C-4868-B9D4-80873248C997}">
-      <dgm:prSet/>
-      <dgm:spPr/>
-      <dgm:t>
-        <a:bodyPr/>
-        <a:lstStyle/>
-        <a:p>
-          <a:endParaRPr lang="en-US"/>
-        </a:p>
-      </dgm:t>
-    </dgm:pt>
-    <dgm:pt modelId="{E6521B79-093A-4B03-920E-43CAD89D44AB}" type="sibTrans" cxnId="{F7ECE5DB-203C-4868-B9D4-80873248C997}">
-      <dgm:prSet/>
-      <dgm:spPr/>
-      <dgm:t>
-        <a:bodyPr/>
-        <a:lstStyle/>
-        <a:p>
-          <a:endParaRPr lang="en-US"/>
-        </a:p>
-      </dgm:t>
-    </dgm:pt>
-    <dgm:pt modelId="{46FE586A-F3D2-4623-944F-10E7F24ECE62}">
-      <dgm:prSet phldrT="[Text]"/>
-      <dgm:spPr/>
-      <dgm:t>
-        <a:bodyPr/>
-        <a:lstStyle/>
-        <a:p>
-          <a:r>
-            <a:rPr lang="de-DE" dirty="0"/>
-            <a:t>Plug and </a:t>
-          </a:r>
-          <a:r>
-            <a:rPr lang="de-DE" dirty="0" err="1"/>
-            <a:t>play</a:t>
-          </a:r>
-          <a:r>
-            <a:rPr lang="de-DE" dirty="0"/>
-            <a:t> </a:t>
-          </a:r>
-          <a:r>
-            <a:rPr lang="de-DE" dirty="0" err="1"/>
-            <a:t>philosophy</a:t>
-          </a:r>
-          <a:endParaRPr lang="en-US" dirty="0"/>
-        </a:p>
-      </dgm:t>
-    </dgm:pt>
-    <dgm:pt modelId="{109D5438-A2DE-4E26-8761-20EC03B9BD7F}" type="parTrans" cxnId="{4498B2FD-E5DF-4BE1-95B6-B348D235B9DE}">
-      <dgm:prSet/>
-      <dgm:spPr/>
-      <dgm:t>
-        <a:bodyPr/>
-        <a:lstStyle/>
-        <a:p>
-          <a:endParaRPr lang="en-US"/>
-        </a:p>
-      </dgm:t>
-    </dgm:pt>
-    <dgm:pt modelId="{5AD78F0F-B053-47F4-AB29-A1BED81984FB}" type="sibTrans" cxnId="{4498B2FD-E5DF-4BE1-95B6-B348D235B9DE}">
-      <dgm:prSet/>
-      <dgm:spPr/>
-      <dgm:t>
-        <a:bodyPr/>
-        <a:lstStyle/>
-        <a:p>
-          <a:endParaRPr lang="en-US"/>
-        </a:p>
-      </dgm:t>
-    </dgm:pt>
-    <dgm:pt modelId="{673A41D3-F23F-4BEA-A002-66B4545C4E81}">
-      <dgm:prSet phldrT="[Text]"/>
-      <dgm:spPr/>
-      <dgm:t>
-        <a:bodyPr/>
-        <a:lstStyle/>
-        <a:p>
-          <a:r>
-            <a:rPr lang="de-DE" dirty="0"/>
-            <a:t>Kapitel 4 (Methoden/Implementierung)</a:t>
-          </a:r>
-          <a:endParaRPr lang="en-US" dirty="0"/>
-        </a:p>
-      </dgm:t>
-    </dgm:pt>
-    <dgm:pt modelId="{7D40D381-496D-41F4-87BF-80B66E1247A3}" type="parTrans" cxnId="{40552A98-67D0-45D8-800E-D4BEB4396E6F}">
-      <dgm:prSet/>
-      <dgm:spPr/>
-      <dgm:t>
-        <a:bodyPr/>
-        <a:lstStyle/>
-        <a:p>
-          <a:endParaRPr lang="en-US"/>
-        </a:p>
-      </dgm:t>
-    </dgm:pt>
-    <dgm:pt modelId="{B4A907BD-4FCD-4F5B-8291-13D20A29E78F}" type="sibTrans" cxnId="{40552A98-67D0-45D8-800E-D4BEB4396E6F}">
-      <dgm:prSet/>
-      <dgm:spPr/>
-      <dgm:t>
-        <a:bodyPr/>
-        <a:lstStyle/>
-        <a:p>
-          <a:endParaRPr lang="en-US"/>
-        </a:p>
-      </dgm:t>
-    </dgm:pt>
-    <dgm:pt modelId="{97E6D244-62E0-4C63-AB7B-BD8AB315516F}">
-      <dgm:prSet phldrT="[Text]"/>
-      <dgm:spPr/>
-      <dgm:t>
-        <a:bodyPr/>
-        <a:lstStyle/>
-        <a:p>
-          <a:r>
-            <a:rPr lang="de-DE" dirty="0"/>
-            <a:t>Kapitel 5 (</a:t>
-          </a:r>
-          <a:r>
-            <a:rPr lang="de-DE" dirty="0" err="1"/>
-            <a:t>Results</a:t>
-          </a:r>
-          <a:r>
-            <a:rPr lang="de-DE" dirty="0"/>
-            <a:t> and </a:t>
-          </a:r>
-          <a:r>
-            <a:rPr lang="de-DE" dirty="0" err="1"/>
-            <a:t>Discussion</a:t>
-          </a:r>
-          <a:r>
-            <a:rPr lang="de-DE" dirty="0"/>
-            <a:t>)</a:t>
-          </a:r>
-          <a:endParaRPr lang="en-US" dirty="0"/>
-        </a:p>
-      </dgm:t>
-    </dgm:pt>
-    <dgm:pt modelId="{CD8F3CC2-827D-40EE-BE71-F8746B1730AF}" type="parTrans" cxnId="{B327F124-9951-411F-8DF0-42E45FF333E4}">
-      <dgm:prSet/>
-      <dgm:spPr/>
-      <dgm:t>
-        <a:bodyPr/>
-        <a:lstStyle/>
-        <a:p>
-          <a:endParaRPr lang="en-US"/>
-        </a:p>
-      </dgm:t>
-    </dgm:pt>
-    <dgm:pt modelId="{8C4A5A1A-99F7-4FF6-B6C7-2064F4C9BCE5}" type="sibTrans" cxnId="{B327F124-9951-411F-8DF0-42E45FF333E4}">
-      <dgm:prSet/>
-      <dgm:spPr/>
-      <dgm:t>
-        <a:bodyPr/>
-        <a:lstStyle/>
-        <a:p>
-          <a:endParaRPr lang="en-US"/>
-        </a:p>
-      </dgm:t>
-    </dgm:pt>
-    <dgm:pt modelId="{F25A7EEA-A2A4-44EE-82A2-EA0D55CDB0CA}">
-      <dgm:prSet phldrT="[Text]"/>
-      <dgm:spPr/>
-      <dgm:t>
-        <a:bodyPr/>
-        <a:lstStyle/>
-        <a:p>
-          <a:r>
-            <a:rPr lang="de-DE" dirty="0"/>
-            <a:t>Kapitel 6 ( </a:t>
-          </a:r>
-          <a:r>
-            <a:rPr lang="de-DE" dirty="0" err="1"/>
-            <a:t>Conclusion</a:t>
-          </a:r>
-          <a:r>
-            <a:rPr lang="de-DE" dirty="0"/>
-            <a:t> and Outlook)</a:t>
-          </a:r>
-          <a:endParaRPr lang="en-US" dirty="0"/>
-        </a:p>
-      </dgm:t>
-    </dgm:pt>
-    <dgm:pt modelId="{941EC374-BBF8-4EC2-B787-6424899AFBBF}" type="parTrans" cxnId="{EF764D09-57B9-4157-9BDB-77C47ADBE390}">
-      <dgm:prSet/>
-      <dgm:spPr/>
-      <dgm:t>
-        <a:bodyPr/>
-        <a:lstStyle/>
-        <a:p>
-          <a:endParaRPr lang="en-US"/>
-        </a:p>
-      </dgm:t>
-    </dgm:pt>
-    <dgm:pt modelId="{5DB98149-3B0B-416D-9E4A-99EB1CD94F46}" type="sibTrans" cxnId="{EF764D09-57B9-4157-9BDB-77C47ADBE390}">
-      <dgm:prSet/>
-      <dgm:spPr/>
-      <dgm:t>
-        <a:bodyPr/>
-        <a:lstStyle/>
-        <a:p>
-          <a:endParaRPr lang="en-US"/>
-        </a:p>
-      </dgm:t>
-    </dgm:pt>
-    <dgm:pt modelId="{E808B050-DA2E-49F8-A03B-81292515398D}">
-      <dgm:prSet phldrT="[Text]"/>
-      <dgm:spPr/>
-      <dgm:t>
-        <a:bodyPr/>
-        <a:lstStyle/>
-        <a:p>
-          <a:r>
-            <a:rPr lang="de-DE" dirty="0" err="1"/>
-            <a:t>Stacked</a:t>
-          </a:r>
-          <a:r>
-            <a:rPr lang="de-DE" dirty="0"/>
-            <a:t> V-Model </a:t>
-          </a:r>
-          <a:endParaRPr lang="en-US" dirty="0"/>
-        </a:p>
-      </dgm:t>
-    </dgm:pt>
-    <dgm:pt modelId="{717C0010-BB21-4470-914F-8D188487AE80}" type="parTrans" cxnId="{6ED0E6C7-9898-499F-9E40-624FC0D97DB1}">
-      <dgm:prSet/>
-      <dgm:spPr/>
-      <dgm:t>
-        <a:bodyPr/>
-        <a:lstStyle/>
-        <a:p>
-          <a:endParaRPr lang="en-US"/>
-        </a:p>
-      </dgm:t>
-    </dgm:pt>
-    <dgm:pt modelId="{A06FBAF4-920A-4FC0-9CB7-C9D0005BD506}" type="sibTrans" cxnId="{6ED0E6C7-9898-499F-9E40-624FC0D97DB1}">
-      <dgm:prSet/>
-      <dgm:spPr/>
-      <dgm:t>
-        <a:bodyPr/>
-        <a:lstStyle/>
-        <a:p>
-          <a:endParaRPr lang="en-US"/>
-        </a:p>
-      </dgm:t>
-    </dgm:pt>
-    <dgm:pt modelId="{B8AAD7AD-E5AB-4AD3-9E2D-878A2676CB4B}">
-      <dgm:prSet phldrT="[Text]"/>
-      <dgm:spPr/>
-      <dgm:t>
-        <a:bodyPr/>
-        <a:lstStyle/>
-        <a:p>
-          <a:r>
-            <a:rPr lang="en-US" dirty="0"/>
-            <a:t>Introduction</a:t>
-          </a:r>
-        </a:p>
-      </dgm:t>
-    </dgm:pt>
-    <dgm:pt modelId="{ABF7B140-AE00-4A79-9D27-DCA569CBA97F}" type="parTrans" cxnId="{FD6981A2-CC4A-4D09-90E8-9C98325704D4}">
-      <dgm:prSet/>
-      <dgm:spPr/>
-      <dgm:t>
-        <a:bodyPr/>
-        <a:lstStyle/>
-        <a:p>
-          <a:endParaRPr lang="en-US"/>
-        </a:p>
-      </dgm:t>
-    </dgm:pt>
-    <dgm:pt modelId="{9DC24EDD-FDD8-4782-A280-0191EEF884FE}" type="sibTrans" cxnId="{FD6981A2-CC4A-4D09-90E8-9C98325704D4}">
-      <dgm:prSet/>
-      <dgm:spPr/>
-      <dgm:t>
-        <a:bodyPr/>
-        <a:lstStyle/>
-        <a:p>
-          <a:endParaRPr lang="en-US"/>
-        </a:p>
-      </dgm:t>
-    </dgm:pt>
-    <dgm:pt modelId="{3A271EFA-54EC-4979-AD9E-98C9B77EA592}">
-      <dgm:prSet phldrT="[Text]"/>
-      <dgm:spPr/>
-      <dgm:t>
-        <a:bodyPr/>
-        <a:lstStyle/>
-        <a:p>
-          <a:r>
-            <a:rPr lang="de-DE" dirty="0" err="1"/>
-            <a:t>Metadata</a:t>
-          </a:r>
-          <a:r>
-            <a:rPr lang="de-DE" dirty="0"/>
-            <a:t> </a:t>
-          </a:r>
-          <a:r>
-            <a:rPr lang="de-DE" dirty="0" err="1"/>
-            <a:t>structure</a:t>
-          </a:r>
-          <a:endParaRPr lang="en-US" dirty="0"/>
-        </a:p>
-      </dgm:t>
-    </dgm:pt>
-    <dgm:pt modelId="{BE90841B-BD03-47E2-B799-3341BAD08964}" type="parTrans" cxnId="{2B6346B2-45C7-4E94-AEDB-17F1B9E27426}">
-      <dgm:prSet/>
-      <dgm:spPr/>
-      <dgm:t>
-        <a:bodyPr/>
-        <a:lstStyle/>
-        <a:p>
-          <a:endParaRPr lang="en-US"/>
-        </a:p>
-      </dgm:t>
-    </dgm:pt>
-    <dgm:pt modelId="{6A3A0533-BD9B-4052-9EFC-BA2A3A98B66D}" type="sibTrans" cxnId="{2B6346B2-45C7-4E94-AEDB-17F1B9E27426}">
-      <dgm:prSet/>
-      <dgm:spPr/>
-      <dgm:t>
-        <a:bodyPr/>
-        <a:lstStyle/>
-        <a:p>
-          <a:endParaRPr lang="en-US"/>
-        </a:p>
-      </dgm:t>
-    </dgm:pt>
-    <dgm:pt modelId="{B5497900-02DC-495E-B5BF-488C3B12481C}">
-      <dgm:prSet phldrT="[Text]"/>
-      <dgm:spPr/>
-      <dgm:t>
-        <a:bodyPr/>
-        <a:lstStyle/>
-        <a:p>
-          <a:r>
-            <a:rPr lang="de-DE" dirty="0" err="1"/>
-            <a:t>What</a:t>
-          </a:r>
-          <a:r>
-            <a:rPr lang="de-DE" dirty="0"/>
-            <a:t> </a:t>
-          </a:r>
-          <a:r>
-            <a:rPr lang="de-DE" dirty="0" err="1"/>
-            <a:t>has</a:t>
-          </a:r>
-          <a:r>
-            <a:rPr lang="de-DE" dirty="0"/>
-            <a:t> </a:t>
-          </a:r>
-          <a:r>
-            <a:rPr lang="de-DE" dirty="0" err="1"/>
-            <a:t>been</a:t>
-          </a:r>
-          <a:r>
-            <a:rPr lang="de-DE" dirty="0"/>
-            <a:t> </a:t>
-          </a:r>
-          <a:r>
-            <a:rPr lang="de-DE" dirty="0" err="1"/>
-            <a:t>done</a:t>
-          </a:r>
-          <a:r>
-            <a:rPr lang="de-DE" dirty="0"/>
-            <a:t> and </a:t>
-          </a:r>
-          <a:r>
-            <a:rPr lang="de-DE" dirty="0" err="1"/>
-            <a:t>accomplished</a:t>
-          </a:r>
-          <a:r>
-            <a:rPr lang="de-DE" dirty="0"/>
-            <a:t> in </a:t>
-          </a:r>
-          <a:r>
-            <a:rPr lang="de-DE" dirty="0" err="1"/>
-            <a:t>this</a:t>
-          </a:r>
-          <a:r>
-            <a:rPr lang="de-DE" dirty="0"/>
-            <a:t> </a:t>
-          </a:r>
-          <a:r>
-            <a:rPr lang="de-DE" dirty="0" err="1"/>
-            <a:t>work</a:t>
-          </a:r>
-          <a:endParaRPr lang="en-US" dirty="0"/>
-        </a:p>
-      </dgm:t>
-    </dgm:pt>
-    <dgm:pt modelId="{ACC97140-509B-4D9B-BE94-D6F040CE2CF9}" type="parTrans" cxnId="{DB3B5372-361E-4C6A-BDB5-C6729D007C2D}">
-      <dgm:prSet/>
-      <dgm:spPr/>
-      <dgm:t>
-        <a:bodyPr/>
-        <a:lstStyle/>
-        <a:p>
-          <a:endParaRPr lang="en-US"/>
-        </a:p>
-      </dgm:t>
-    </dgm:pt>
-    <dgm:pt modelId="{77305038-5E4D-473B-AD8F-DA56B81BDFA2}" type="sibTrans" cxnId="{DB3B5372-361E-4C6A-BDB5-C6729D007C2D}">
-      <dgm:prSet/>
-      <dgm:spPr/>
-      <dgm:t>
-        <a:bodyPr/>
-        <a:lstStyle/>
-        <a:p>
-          <a:endParaRPr lang="en-US"/>
-        </a:p>
-      </dgm:t>
-    </dgm:pt>
-    <dgm:pt modelId="{7782CA4F-5C58-4A70-B93E-5201C15FD720}">
-      <dgm:prSet phldrT="[Text]"/>
-      <dgm:spPr/>
-      <dgm:t>
-        <a:bodyPr/>
-        <a:lstStyle/>
-        <a:p>
-          <a:r>
-            <a:rPr lang="de-DE" dirty="0" err="1"/>
-            <a:t>What</a:t>
-          </a:r>
-          <a:r>
-            <a:rPr lang="de-DE" dirty="0"/>
-            <a:t> modular </a:t>
-          </a:r>
-          <a:r>
-            <a:rPr lang="de-DE" dirty="0" err="1"/>
-            <a:t>interfaces</a:t>
-          </a:r>
-          <a:r>
-            <a:rPr lang="de-DE" dirty="0"/>
-            <a:t> </a:t>
-          </a:r>
-          <a:r>
-            <a:rPr lang="de-DE" dirty="0" err="1"/>
-            <a:t>were</a:t>
-          </a:r>
-          <a:r>
-            <a:rPr lang="de-DE" dirty="0"/>
-            <a:t> </a:t>
-          </a:r>
-          <a:r>
-            <a:rPr lang="de-DE" dirty="0" err="1"/>
-            <a:t>built</a:t>
-          </a:r>
-          <a:r>
-            <a:rPr lang="de-DE" dirty="0"/>
-            <a:t> </a:t>
-          </a:r>
-          <a:r>
-            <a:rPr lang="de-DE" dirty="0" err="1"/>
-            <a:t>that</a:t>
-          </a:r>
-          <a:r>
-            <a:rPr lang="de-DE" dirty="0"/>
-            <a:t> </a:t>
-          </a:r>
-          <a:r>
-            <a:rPr lang="de-DE" dirty="0" err="1"/>
-            <a:t>can</a:t>
-          </a:r>
-          <a:r>
-            <a:rPr lang="de-DE" dirty="0"/>
-            <a:t> </a:t>
-          </a:r>
-          <a:r>
-            <a:rPr lang="de-DE" dirty="0" err="1"/>
-            <a:t>be</a:t>
-          </a:r>
-          <a:r>
-            <a:rPr lang="de-DE" dirty="0"/>
-            <a:t> </a:t>
-          </a:r>
-          <a:r>
-            <a:rPr lang="de-DE" dirty="0" err="1"/>
-            <a:t>extended</a:t>
-          </a:r>
-          <a:r>
-            <a:rPr lang="de-DE" dirty="0"/>
-            <a:t> in </a:t>
-          </a:r>
-          <a:r>
-            <a:rPr lang="de-DE" dirty="0" err="1"/>
-            <a:t>the</a:t>
-          </a:r>
-          <a:r>
-            <a:rPr lang="de-DE" dirty="0"/>
-            <a:t> </a:t>
-          </a:r>
-          <a:r>
-            <a:rPr lang="de-DE" dirty="0" err="1"/>
-            <a:t>future</a:t>
-          </a:r>
-          <a:endParaRPr lang="en-US" dirty="0"/>
-        </a:p>
-      </dgm:t>
-    </dgm:pt>
-    <dgm:pt modelId="{589A9934-191A-464A-98C0-5AF36A41F8B8}" type="parTrans" cxnId="{10A3A5B1-E0B4-419B-A070-26C7FFAA112A}">
-      <dgm:prSet/>
-      <dgm:spPr/>
-      <dgm:t>
-        <a:bodyPr/>
-        <a:lstStyle/>
-        <a:p>
-          <a:endParaRPr lang="en-US"/>
-        </a:p>
-      </dgm:t>
-    </dgm:pt>
-    <dgm:pt modelId="{9610BF32-5E49-46B0-A981-1C4534383643}" type="sibTrans" cxnId="{10A3A5B1-E0B4-419B-A070-26C7FFAA112A}">
-      <dgm:prSet/>
-      <dgm:spPr/>
-      <dgm:t>
-        <a:bodyPr/>
-        <a:lstStyle/>
-        <a:p>
-          <a:endParaRPr lang="en-US"/>
-        </a:p>
-      </dgm:t>
-    </dgm:pt>
-    <dgm:pt modelId="{B4B53DB7-2F2B-4930-8854-8AD225F36E05}">
-      <dgm:prSet phldrT="[Text]"/>
-      <dgm:spPr/>
-      <dgm:t>
-        <a:bodyPr/>
-        <a:lstStyle/>
-        <a:p>
-          <a:r>
-            <a:rPr lang="en-US" dirty="0"/>
-            <a:t>Innovation and exploration turbine</a:t>
-          </a:r>
-        </a:p>
-      </dgm:t>
-    </dgm:pt>
-    <dgm:pt modelId="{0E9E7265-AD6D-4801-9E59-5356306F6CEF}" type="parTrans" cxnId="{22CB43B0-7BA6-4559-8991-896D81A7C339}">
-      <dgm:prSet/>
-      <dgm:spPr/>
-      <dgm:t>
-        <a:bodyPr/>
-        <a:lstStyle/>
-        <a:p>
-          <a:endParaRPr lang="de-DE"/>
-        </a:p>
-      </dgm:t>
-    </dgm:pt>
-    <dgm:pt modelId="{246B60E9-13BE-4F37-AB5D-EB81BEBD2FD4}" type="sibTrans" cxnId="{22CB43B0-7BA6-4559-8991-896D81A7C339}">
-      <dgm:prSet/>
-      <dgm:spPr/>
-      <dgm:t>
-        <a:bodyPr/>
-        <a:lstStyle/>
-        <a:p>
-          <a:endParaRPr lang="de-DE"/>
-        </a:p>
-      </dgm:t>
-    </dgm:pt>
-    <dgm:pt modelId="{D31E38A8-E8DE-443C-818C-0168C732D142}">
-      <dgm:prSet phldrT="[Text]"/>
-      <dgm:spPr/>
-      <dgm:t>
-        <a:bodyPr/>
-        <a:lstStyle/>
-        <a:p>
-          <a:r>
-            <a:rPr lang="en-US" dirty="0"/>
-            <a:t>Data Parsing/Provision</a:t>
-          </a:r>
-        </a:p>
-      </dgm:t>
-    </dgm:pt>
-    <dgm:pt modelId="{84248B4E-E1B3-409D-A625-5EB2E1AC751D}" type="parTrans" cxnId="{30D235BF-51FA-4B9F-AE15-A9A8FBC9F02D}">
-      <dgm:prSet/>
-      <dgm:spPr/>
-      <dgm:t>
-        <a:bodyPr/>
-        <a:lstStyle/>
-        <a:p>
-          <a:endParaRPr lang="de-DE"/>
-        </a:p>
-      </dgm:t>
-    </dgm:pt>
-    <dgm:pt modelId="{3B759F3D-05A1-49FC-B7F0-6CE1C023E78D}" type="sibTrans" cxnId="{30D235BF-51FA-4B9F-AE15-A9A8FBC9F02D}">
-      <dgm:prSet/>
-      <dgm:spPr/>
-      <dgm:t>
-        <a:bodyPr/>
-        <a:lstStyle/>
-        <a:p>
-          <a:endParaRPr lang="de-DE"/>
-        </a:p>
-      </dgm:t>
-    </dgm:pt>
-    <dgm:pt modelId="{70CFF5B7-D943-4159-BD49-396CC1499235}">
-      <dgm:prSet phldrT="[Text]"/>
-      <dgm:spPr/>
-      <dgm:t>
-        <a:bodyPr/>
-        <a:lstStyle/>
-        <a:p>
-          <a:r>
-            <a:rPr lang="en-US" dirty="0"/>
-            <a:t>Configuration Metadata</a:t>
-          </a:r>
-        </a:p>
-      </dgm:t>
-    </dgm:pt>
-    <dgm:pt modelId="{8BFCD965-5579-4535-A7BD-227C94E9218E}" type="parTrans" cxnId="{ABA183E3-4D35-43F5-8FA4-B3ABA94E3750}">
-      <dgm:prSet/>
-      <dgm:spPr/>
-      <dgm:t>
-        <a:bodyPr/>
-        <a:lstStyle/>
-        <a:p>
-          <a:endParaRPr lang="de-DE"/>
-        </a:p>
-      </dgm:t>
-    </dgm:pt>
-    <dgm:pt modelId="{8C16B314-2831-4F6A-BF87-6248EE4A6F08}" type="sibTrans" cxnId="{ABA183E3-4D35-43F5-8FA4-B3ABA94E3750}">
-      <dgm:prSet/>
-      <dgm:spPr/>
-      <dgm:t>
-        <a:bodyPr/>
-        <a:lstStyle/>
-        <a:p>
-          <a:endParaRPr lang="de-DE"/>
-        </a:p>
-      </dgm:t>
-    </dgm:pt>
-    <dgm:pt modelId="{686676B7-AF55-4D35-8565-A8945C2CAC21}">
-      <dgm:prSet phldrT="[Text]"/>
-      <dgm:spPr/>
-      <dgm:t>
-        <a:bodyPr/>
-        <a:lstStyle/>
-        <a:p>
-          <a:r>
-            <a:rPr lang="en-US" dirty="0"/>
-            <a:t>Data Processing</a:t>
-          </a:r>
-        </a:p>
-      </dgm:t>
-    </dgm:pt>
-    <dgm:pt modelId="{806497D5-2562-4B70-A012-87426E1886E5}" type="parTrans" cxnId="{6CA27BEF-7459-4DB7-8505-9469F900583B}">
-      <dgm:prSet/>
-      <dgm:spPr/>
-      <dgm:t>
-        <a:bodyPr/>
-        <a:lstStyle/>
-        <a:p>
-          <a:endParaRPr lang="de-DE"/>
-        </a:p>
-      </dgm:t>
-    </dgm:pt>
-    <dgm:pt modelId="{EEF4E22A-2CCF-4919-911A-92A298FE6E7F}" type="sibTrans" cxnId="{6CA27BEF-7459-4DB7-8505-9469F900583B}">
-      <dgm:prSet/>
-      <dgm:spPr/>
-      <dgm:t>
-        <a:bodyPr/>
-        <a:lstStyle/>
-        <a:p>
-          <a:endParaRPr lang="de-DE"/>
-        </a:p>
-      </dgm:t>
-    </dgm:pt>
-    <dgm:pt modelId="{736C784E-BD81-4E62-BE35-68F84E816D14}">
-      <dgm:prSet phldrT="[Text]"/>
-      <dgm:spPr/>
-      <dgm:t>
-        <a:bodyPr/>
-        <a:lstStyle/>
-        <a:p>
-          <a:r>
-            <a:rPr lang="en-US" dirty="0"/>
-            <a:t>Report visualization</a:t>
-          </a:r>
-        </a:p>
-      </dgm:t>
-    </dgm:pt>
-    <dgm:pt modelId="{14C3899D-D97D-47BB-8224-57AEE1B4FD17}" type="parTrans" cxnId="{2A560699-7C27-4FC9-8982-4E255E2C53DD}">
-      <dgm:prSet/>
-      <dgm:spPr/>
-      <dgm:t>
-        <a:bodyPr/>
-        <a:lstStyle/>
-        <a:p>
-          <a:endParaRPr lang="de-DE"/>
-        </a:p>
-      </dgm:t>
-    </dgm:pt>
-    <dgm:pt modelId="{3D9676FE-0552-4699-B046-BCD2BF634A25}" type="sibTrans" cxnId="{2A560699-7C27-4FC9-8982-4E255E2C53DD}">
-      <dgm:prSet/>
-      <dgm:spPr/>
-      <dgm:t>
-        <a:bodyPr/>
-        <a:lstStyle/>
-        <a:p>
-          <a:endParaRPr lang="de-DE"/>
-        </a:p>
-      </dgm:t>
-    </dgm:pt>
-    <dgm:pt modelId="{3AC1C038-9C25-46FC-AFBF-18901EE8F108}">
-      <dgm:prSet phldrT="[Text]"/>
-      <dgm:spPr/>
-      <dgm:t>
-        <a:bodyPr/>
-        <a:lstStyle/>
-        <a:p>
-          <a:r>
-            <a:rPr lang="en-US" dirty="0"/>
-            <a:t>Conclusion</a:t>
-          </a:r>
-        </a:p>
-      </dgm:t>
-    </dgm:pt>
-    <dgm:pt modelId="{DBF8AD2A-5C88-46E9-8B9C-6968D0987272}" type="parTrans" cxnId="{A2152C9F-1D64-420A-B3E3-07616019E69A}">
-      <dgm:prSet/>
-      <dgm:spPr/>
-      <dgm:t>
-        <a:bodyPr/>
-        <a:lstStyle/>
-        <a:p>
-          <a:endParaRPr lang="de-DE"/>
-        </a:p>
-      </dgm:t>
-    </dgm:pt>
-    <dgm:pt modelId="{205D7381-CA92-4C71-98DD-DF96BDC5E78E}" type="sibTrans" cxnId="{A2152C9F-1D64-420A-B3E3-07616019E69A}">
-      <dgm:prSet/>
-      <dgm:spPr/>
-      <dgm:t>
-        <a:bodyPr/>
-        <a:lstStyle/>
-        <a:p>
-          <a:endParaRPr lang="de-DE"/>
-        </a:p>
-      </dgm:t>
-    </dgm:pt>
-    <dgm:pt modelId="{0F218C94-5BB6-4E15-806B-710FD255D263}">
-      <dgm:prSet phldrT="[Text]"/>
-      <dgm:spPr/>
-      <dgm:t>
-        <a:bodyPr/>
-        <a:lstStyle/>
-        <a:p>
-          <a:r>
-            <a:rPr lang="en-US" dirty="0"/>
-            <a:t>Check testing 1,2,3</a:t>
-          </a:r>
-        </a:p>
-      </dgm:t>
-    </dgm:pt>
-    <dgm:pt modelId="{6CEF71FC-7889-4400-89DC-CE134523FD10}" type="parTrans" cxnId="{310FEF94-9538-4710-8A16-8339B2723A01}">
-      <dgm:prSet/>
-      <dgm:spPr/>
-      <dgm:t>
-        <a:bodyPr/>
-        <a:lstStyle/>
-        <a:p>
-          <a:endParaRPr lang="de-DE"/>
-        </a:p>
-      </dgm:t>
-    </dgm:pt>
-    <dgm:pt modelId="{C9A592BD-0FA5-4E42-911C-86C5C8FB0303}" type="sibTrans" cxnId="{310FEF94-9538-4710-8A16-8339B2723A01}">
-      <dgm:prSet/>
-      <dgm:spPr/>
-      <dgm:t>
-        <a:bodyPr/>
-        <a:lstStyle/>
-        <a:p>
-          <a:endParaRPr lang="de-DE"/>
-        </a:p>
-      </dgm:t>
-    </dgm:pt>
-    <dgm:pt modelId="{456D2ADF-5041-4816-9F81-DA2284952203}">
-      <dgm:prSet phldrT="[Text]"/>
-      <dgm:spPr/>
-      <dgm:t>
-        <a:bodyPr/>
-        <a:lstStyle/>
-        <a:p>
-          <a:r>
-            <a:rPr lang="en-US" dirty="0"/>
-            <a:t>Implementation ecosystem</a:t>
-          </a:r>
-        </a:p>
-      </dgm:t>
-    </dgm:pt>
-    <dgm:pt modelId="{DA496A18-93ED-466C-AF21-DD97D91AD11D}" type="parTrans" cxnId="{6AAD1634-D3F1-451D-B110-B791F1E54389}">
-      <dgm:prSet/>
-      <dgm:spPr/>
-      <dgm:t>
-        <a:bodyPr/>
-        <a:lstStyle/>
-        <a:p>
-          <a:endParaRPr lang="de-DE"/>
-        </a:p>
-      </dgm:t>
-    </dgm:pt>
-    <dgm:pt modelId="{01E58AF7-5276-42D1-BE63-544225763AD0}" type="sibTrans" cxnId="{6AAD1634-D3F1-451D-B110-B791F1E54389}">
-      <dgm:prSet/>
-      <dgm:spPr/>
-      <dgm:t>
-        <a:bodyPr/>
-        <a:lstStyle/>
-        <a:p>
-          <a:endParaRPr lang="de-DE"/>
-        </a:p>
-      </dgm:t>
-    </dgm:pt>
-    <dgm:pt modelId="{5C0EED3B-BAD9-43FF-9678-175BB6FF1BC9}">
-      <dgm:prSet phldrT="[Text]"/>
-      <dgm:spPr/>
-      <dgm:t>
-        <a:bodyPr/>
-        <a:lstStyle/>
-        <a:p>
-          <a:r>
-            <a:rPr lang="en-US" dirty="0"/>
-            <a:t>Discussion/Potential</a:t>
-          </a:r>
-        </a:p>
-      </dgm:t>
-    </dgm:pt>
-    <dgm:pt modelId="{ED3FB0F3-E7FC-4C90-9C3F-936C2A5507D0}" type="parTrans" cxnId="{F9FA52CA-70B8-4E93-AA37-AD40766AC27C}">
-      <dgm:prSet/>
-      <dgm:spPr/>
-      <dgm:t>
-        <a:bodyPr/>
-        <a:lstStyle/>
-        <a:p>
-          <a:endParaRPr lang="de-DE"/>
-        </a:p>
-      </dgm:t>
-    </dgm:pt>
-    <dgm:pt modelId="{CEA4C046-5DD8-4D7A-A35E-D808DD8FB7A6}" type="sibTrans" cxnId="{F9FA52CA-70B8-4E93-AA37-AD40766AC27C}">
-      <dgm:prSet/>
-      <dgm:spPr/>
-      <dgm:t>
-        <a:bodyPr/>
-        <a:lstStyle/>
-        <a:p>
-          <a:endParaRPr lang="de-DE"/>
-        </a:p>
-      </dgm:t>
-    </dgm:pt>
-    <dgm:pt modelId="{C19A5430-1C3A-49AE-96CE-B804AB3C2D9E}">
-      <dgm:prSet phldrT="[Text]"/>
-      <dgm:spPr/>
-      <dgm:t>
-        <a:bodyPr/>
-        <a:lstStyle/>
-        <a:p>
-          <a:r>
-            <a:rPr lang="en-US" dirty="0"/>
-            <a:t>Conclusion</a:t>
-          </a:r>
-        </a:p>
-      </dgm:t>
-    </dgm:pt>
-    <dgm:pt modelId="{D0B6E19D-7640-4F9A-852B-2FAD6B28FDE0}" type="parTrans" cxnId="{703BA5E3-6434-4030-B73D-A2DEBCD17F6F}">
-      <dgm:prSet/>
-      <dgm:spPr/>
-      <dgm:t>
-        <a:bodyPr/>
-        <a:lstStyle/>
-        <a:p>
-          <a:endParaRPr lang="de-DE"/>
-        </a:p>
-      </dgm:t>
-    </dgm:pt>
-    <dgm:pt modelId="{6B514589-FE3F-49C8-AEB9-D9084706826A}" type="sibTrans" cxnId="{703BA5E3-6434-4030-B73D-A2DEBCD17F6F}">
-      <dgm:prSet/>
-      <dgm:spPr/>
-      <dgm:t>
-        <a:bodyPr/>
-        <a:lstStyle/>
-        <a:p>
-          <a:endParaRPr lang="de-DE"/>
         </a:p>
       </dgm:t>
     </dgm:pt>
@@ -10949,382 +11299,309 @@
       <dgm:prSet presAssocID="{D8F898B2-0F32-4494-9828-6BA12EADCED9}" presName="bigChev" presStyleLbl="node1" presStyleIdx="0" presStyleCnt="6"/>
       <dgm:spPr/>
     </dgm:pt>
-    <dgm:pt modelId="{85360F49-471D-4741-B2F6-D9EDD2002CA4}" type="pres">
-      <dgm:prSet presAssocID="{791B3165-ABE6-4D91-831A-7C0D48536531}" presName="parTrans" presStyleCnt="0"/>
-      <dgm:spPr/>
-    </dgm:pt>
-    <dgm:pt modelId="{AB408634-0CD4-418B-9B48-9AAC90E1180B}" type="pres">
-      <dgm:prSet presAssocID="{45C31CF2-1399-41FB-A23F-5E22D0A16E7E}" presName="node" presStyleLbl="alignAccFollowNode1" presStyleIdx="0" presStyleCnt="26">
+    <dgm:pt modelId="{B47F21DF-7A80-45D3-BF42-D010BA405067}" type="pres">
+      <dgm:prSet presAssocID="{D8F898B2-0F32-4494-9828-6BA12EADCED9}" presName="vSp" presStyleCnt="0"/>
+      <dgm:spPr/>
+    </dgm:pt>
+    <dgm:pt modelId="{E9F97D91-2B87-4529-B224-C4B8AEDC4D07}" type="pres">
+      <dgm:prSet presAssocID="{20B4FD1D-7CA0-4D3B-B37B-93F2243D1945}" presName="horFlow" presStyleCnt="0"/>
+      <dgm:spPr/>
+    </dgm:pt>
+    <dgm:pt modelId="{84C1BC01-2D36-4A34-9AC3-243DC19273DA}" type="pres">
+      <dgm:prSet presAssocID="{20B4FD1D-7CA0-4D3B-B37B-93F2243D1945}" presName="bigChev" presStyleLbl="node1" presStyleIdx="1" presStyleCnt="6"/>
+      <dgm:spPr/>
+    </dgm:pt>
+    <dgm:pt modelId="{8FE4E0B7-A011-4DFB-B3F9-3FB02FE7C724}" type="pres">
+      <dgm:prSet presAssocID="{F24588BD-67A8-42E4-B556-555F4D141289}" presName="parTrans" presStyleCnt="0"/>
+      <dgm:spPr/>
+    </dgm:pt>
+    <dgm:pt modelId="{5913A9EE-446A-4A75-BE28-16DB8E1205FF}" type="pres">
+      <dgm:prSet presAssocID="{2BCEC983-9CA3-402E-A9EE-A2ACFBC6F26A}" presName="node" presStyleLbl="alignAccFollowNode1" presStyleIdx="0" presStyleCnt="20">
         <dgm:presLayoutVars>
           <dgm:bulletEnabled val="1"/>
         </dgm:presLayoutVars>
       </dgm:prSet>
       <dgm:spPr/>
     </dgm:pt>
-    <dgm:pt modelId="{7FE3EBDE-25D4-4CC8-A11E-57D85BEF7B7E}" type="pres">
-      <dgm:prSet presAssocID="{8D732E18-7D0B-454B-9DB2-D78927E8ECE7}" presName="sibTrans" presStyleCnt="0"/>
-      <dgm:spPr/>
-    </dgm:pt>
-    <dgm:pt modelId="{B799F94F-6E46-4AFE-8722-BF49A0D459B0}" type="pres">
-      <dgm:prSet presAssocID="{FA48B597-83D3-4C01-A8E3-D795138E9701}" presName="node" presStyleLbl="alignAccFollowNode1" presStyleIdx="1" presStyleCnt="26">
+    <dgm:pt modelId="{3BF28E16-379A-4DEB-AD3C-DB43EFCBA0B7}" type="pres">
+      <dgm:prSet presAssocID="{FBB5043A-5316-4280-9F2E-C15E58BA71E2}" presName="sibTrans" presStyleCnt="0"/>
+      <dgm:spPr/>
+    </dgm:pt>
+    <dgm:pt modelId="{27099A77-E2FB-438B-83D9-F2B501EC6DE9}" type="pres">
+      <dgm:prSet presAssocID="{E7C05458-BA4F-4586-B1B0-DB4D8803E0FB}" presName="node" presStyleLbl="alignAccFollowNode1" presStyleIdx="1" presStyleCnt="20">
         <dgm:presLayoutVars>
           <dgm:bulletEnabled val="1"/>
         </dgm:presLayoutVars>
       </dgm:prSet>
       <dgm:spPr/>
     </dgm:pt>
-    <dgm:pt modelId="{77347160-F8A1-4072-A581-D36C3D764227}" type="pres">
-      <dgm:prSet presAssocID="{76C20D21-071E-40EA-8907-304A6EA2D201}" presName="sibTrans" presStyleCnt="0"/>
-      <dgm:spPr/>
-    </dgm:pt>
-    <dgm:pt modelId="{033985E6-5141-4244-8446-F5E7A99A21F5}" type="pres">
-      <dgm:prSet presAssocID="{16F57EB3-4270-46BB-88A7-10CC9C3D84A2}" presName="node" presStyleLbl="alignAccFollowNode1" presStyleIdx="2" presStyleCnt="26">
+    <dgm:pt modelId="{8F9F90CE-64F1-42B1-B63F-E61B4256DC4C}" type="pres">
+      <dgm:prSet presAssocID="{088A9925-EA84-4D04-B5F7-33883F73DE0C}" presName="sibTrans" presStyleCnt="0"/>
+      <dgm:spPr/>
+    </dgm:pt>
+    <dgm:pt modelId="{D1F829FC-5103-4AC9-B9FD-6CB932509BA5}" type="pres">
+      <dgm:prSet presAssocID="{45E7156B-EE0A-4FC0-82D2-4361B6D0C4A3}" presName="node" presStyleLbl="alignAccFollowNode1" presStyleIdx="2" presStyleCnt="20">
         <dgm:presLayoutVars>
           <dgm:bulletEnabled val="1"/>
         </dgm:presLayoutVars>
       </dgm:prSet>
       <dgm:spPr/>
     </dgm:pt>
-    <dgm:pt modelId="{8D8D0EAC-2A93-4E79-AC42-7AF83AB30DD0}" type="pres">
-      <dgm:prSet presAssocID="{897C9165-AD4A-4F4D-97D0-D8C8BC61FEB0}" presName="sibTrans" presStyleCnt="0"/>
-      <dgm:spPr/>
-    </dgm:pt>
-    <dgm:pt modelId="{97363E8B-2CC9-40F8-81D2-82C1783BFD27}" type="pres">
-      <dgm:prSet presAssocID="{DFC29465-D683-4C36-8F69-F44119F668DC}" presName="node" presStyleLbl="alignAccFollowNode1" presStyleIdx="3" presStyleCnt="26">
+    <dgm:pt modelId="{EA6B71B4-44B9-40EC-A677-0419F5496049}" type="pres">
+      <dgm:prSet presAssocID="{20B4FD1D-7CA0-4D3B-B37B-93F2243D1945}" presName="vSp" presStyleCnt="0"/>
+      <dgm:spPr/>
+    </dgm:pt>
+    <dgm:pt modelId="{82EB43CF-8EE2-4451-803B-CC4B10BF2B43}" type="pres">
+      <dgm:prSet presAssocID="{832C0669-C0CC-4E29-A60C-FD1C8F0D4B57}" presName="horFlow" presStyleCnt="0"/>
+      <dgm:spPr/>
+    </dgm:pt>
+    <dgm:pt modelId="{C4BF724B-1935-4AD6-A16F-61AE5AC647F5}" type="pres">
+      <dgm:prSet presAssocID="{832C0669-C0CC-4E29-A60C-FD1C8F0D4B57}" presName="bigChev" presStyleLbl="node1" presStyleIdx="2" presStyleCnt="6"/>
+      <dgm:spPr/>
+    </dgm:pt>
+    <dgm:pt modelId="{7A5D8EA8-C986-42C6-8E53-F1586E14D95C}" type="pres">
+      <dgm:prSet presAssocID="{CB9B08D1-DDC2-442C-BB93-8A2110A1FB59}" presName="parTrans" presStyleCnt="0"/>
+      <dgm:spPr/>
+    </dgm:pt>
+    <dgm:pt modelId="{F19BB8E2-2133-4AF9-9893-EA0FB5E95A69}" type="pres">
+      <dgm:prSet presAssocID="{56E2581B-147A-4EE4-93BD-B087F6ADA1CF}" presName="node" presStyleLbl="alignAccFollowNode1" presStyleIdx="3" presStyleCnt="20">
         <dgm:presLayoutVars>
           <dgm:bulletEnabled val="1"/>
         </dgm:presLayoutVars>
       </dgm:prSet>
       <dgm:spPr/>
     </dgm:pt>
-    <dgm:pt modelId="{AFFCAE47-A95B-4517-83FC-147BF3409FE7}" type="pres">
-      <dgm:prSet presAssocID="{2C9E4EA8-B922-4CD1-8C7E-738D1E9D46E9}" presName="sibTrans" presStyleCnt="0"/>
-      <dgm:spPr/>
-    </dgm:pt>
-    <dgm:pt modelId="{124996E3-18A0-40C5-A8C3-F871998D91BE}" type="pres">
-      <dgm:prSet presAssocID="{8D5AA78A-7D4A-459F-A2B3-FC480199B0C4}" presName="node" presStyleLbl="alignAccFollowNode1" presStyleIdx="4" presStyleCnt="26">
+    <dgm:pt modelId="{3FE9BAE6-4D60-402C-BF92-80D56BA3F855}" type="pres">
+      <dgm:prSet presAssocID="{A98866A6-DAA8-4362-A139-7F7086621D3D}" presName="sibTrans" presStyleCnt="0"/>
+      <dgm:spPr/>
+    </dgm:pt>
+    <dgm:pt modelId="{9151B729-DB53-4F4F-B00A-CB5DD96882BF}" type="pres">
+      <dgm:prSet presAssocID="{522DE340-25DD-47F6-AC33-BFABB50FDBCF}" presName="node" presStyleLbl="alignAccFollowNode1" presStyleIdx="4" presStyleCnt="20">
         <dgm:presLayoutVars>
           <dgm:bulletEnabled val="1"/>
         </dgm:presLayoutVars>
       </dgm:prSet>
       <dgm:spPr/>
     </dgm:pt>
-    <dgm:pt modelId="{B47F21DF-7A80-45D3-BF42-D010BA405067}" type="pres">
-      <dgm:prSet presAssocID="{D8F898B2-0F32-4494-9828-6BA12EADCED9}" presName="vSp" presStyleCnt="0"/>
-      <dgm:spPr/>
-    </dgm:pt>
-    <dgm:pt modelId="{E9F97D91-2B87-4529-B224-C4B8AEDC4D07}" type="pres">
-      <dgm:prSet presAssocID="{20B4FD1D-7CA0-4D3B-B37B-93F2243D1945}" presName="horFlow" presStyleCnt="0"/>
-      <dgm:spPr/>
-    </dgm:pt>
-    <dgm:pt modelId="{84C1BC01-2D36-4A34-9AC3-243DC19273DA}" type="pres">
-      <dgm:prSet presAssocID="{20B4FD1D-7CA0-4D3B-B37B-93F2243D1945}" presName="bigChev" presStyleLbl="node1" presStyleIdx="1" presStyleCnt="6"/>
-      <dgm:spPr/>
-    </dgm:pt>
-    <dgm:pt modelId="{8FE4E0B7-A011-4DFB-B3F9-3FB02FE7C724}" type="pres">
-      <dgm:prSet presAssocID="{F24588BD-67A8-42E4-B556-555F4D141289}" presName="parTrans" presStyleCnt="0"/>
-      <dgm:spPr/>
-    </dgm:pt>
-    <dgm:pt modelId="{5913A9EE-446A-4A75-BE28-16DB8E1205FF}" type="pres">
-      <dgm:prSet presAssocID="{2BCEC983-9CA3-402E-A9EE-A2ACFBC6F26A}" presName="node" presStyleLbl="alignAccFollowNode1" presStyleIdx="5" presStyleCnt="26">
+    <dgm:pt modelId="{7FDEB570-9FD9-4BCC-AB76-BA64BEFC3972}" type="pres">
+      <dgm:prSet presAssocID="{832C0669-C0CC-4E29-A60C-FD1C8F0D4B57}" presName="vSp" presStyleCnt="0"/>
+      <dgm:spPr/>
+    </dgm:pt>
+    <dgm:pt modelId="{2018E185-BA9E-4DA7-BDED-717D54DB8284}" type="pres">
+      <dgm:prSet presAssocID="{673A41D3-F23F-4BEA-A002-66B4545C4E81}" presName="horFlow" presStyleCnt="0"/>
+      <dgm:spPr/>
+    </dgm:pt>
+    <dgm:pt modelId="{1DC25E45-1799-4F8B-887C-1FCDF2F1E4B5}" type="pres">
+      <dgm:prSet presAssocID="{673A41D3-F23F-4BEA-A002-66B4545C4E81}" presName="bigChev" presStyleLbl="node1" presStyleIdx="3" presStyleCnt="6"/>
+      <dgm:spPr/>
+    </dgm:pt>
+    <dgm:pt modelId="{D149A2B3-1774-4F01-A05D-453C0A6C54F6}" type="pres">
+      <dgm:prSet presAssocID="{ABF7B140-AE00-4A79-9D27-DCA569CBA97F}" presName="parTrans" presStyleCnt="0"/>
+      <dgm:spPr/>
+    </dgm:pt>
+    <dgm:pt modelId="{D83E37D7-E8DD-4FC8-B491-40C6AA512C59}" type="pres">
+      <dgm:prSet presAssocID="{B8AAD7AD-E5AB-4AD3-9E2D-878A2676CB4B}" presName="node" presStyleLbl="alignAccFollowNode1" presStyleIdx="5" presStyleCnt="20">
         <dgm:presLayoutVars>
           <dgm:bulletEnabled val="1"/>
         </dgm:presLayoutVars>
       </dgm:prSet>
       <dgm:spPr/>
     </dgm:pt>
-    <dgm:pt modelId="{3BF28E16-379A-4DEB-AD3C-DB43EFCBA0B7}" type="pres">
-      <dgm:prSet presAssocID="{FBB5043A-5316-4280-9F2E-C15E58BA71E2}" presName="sibTrans" presStyleCnt="0"/>
-      <dgm:spPr/>
-    </dgm:pt>
-    <dgm:pt modelId="{27099A77-E2FB-438B-83D9-F2B501EC6DE9}" type="pres">
-      <dgm:prSet presAssocID="{E7C05458-BA4F-4586-B1B0-DB4D8803E0FB}" presName="node" presStyleLbl="alignAccFollowNode1" presStyleIdx="6" presStyleCnt="26">
+    <dgm:pt modelId="{E5C522CA-8623-432F-BC45-B7E1697779E7}" type="pres">
+      <dgm:prSet presAssocID="{9DC24EDD-FDD8-4782-A280-0191EEF884FE}" presName="sibTrans" presStyleCnt="0"/>
+      <dgm:spPr/>
+    </dgm:pt>
+    <dgm:pt modelId="{A8F3C0CB-B31C-4487-A339-D3C3D54B408A}" type="pres">
+      <dgm:prSet presAssocID="{D31E38A8-E8DE-443C-818C-0168C732D142}" presName="node" presStyleLbl="alignAccFollowNode1" presStyleIdx="6" presStyleCnt="20">
         <dgm:presLayoutVars>
           <dgm:bulletEnabled val="1"/>
         </dgm:presLayoutVars>
       </dgm:prSet>
       <dgm:spPr/>
     </dgm:pt>
-    <dgm:pt modelId="{8F9F90CE-64F1-42B1-B63F-E61B4256DC4C}" type="pres">
-      <dgm:prSet presAssocID="{088A9925-EA84-4D04-B5F7-33883F73DE0C}" presName="sibTrans" presStyleCnt="0"/>
-      <dgm:spPr/>
-    </dgm:pt>
-    <dgm:pt modelId="{D1F829FC-5103-4AC9-B9FD-6CB932509BA5}" type="pres">
-      <dgm:prSet presAssocID="{45E7156B-EE0A-4FC0-82D2-4361B6D0C4A3}" presName="node" presStyleLbl="alignAccFollowNode1" presStyleIdx="7" presStyleCnt="26">
+    <dgm:pt modelId="{96A990FE-0EDD-4378-840E-8BE5E0844601}" type="pres">
+      <dgm:prSet presAssocID="{3B759F3D-05A1-49FC-B7F0-6CE1C023E78D}" presName="sibTrans" presStyleCnt="0"/>
+      <dgm:spPr/>
+    </dgm:pt>
+    <dgm:pt modelId="{FE24FA5B-1A02-4347-81AE-81CED8B155B0}" type="pres">
+      <dgm:prSet presAssocID="{70CFF5B7-D943-4159-BD49-396CC1499235}" presName="node" presStyleLbl="alignAccFollowNode1" presStyleIdx="7" presStyleCnt="20">
         <dgm:presLayoutVars>
           <dgm:bulletEnabled val="1"/>
         </dgm:presLayoutVars>
       </dgm:prSet>
       <dgm:spPr/>
     </dgm:pt>
-    <dgm:pt modelId="{EA6B71B4-44B9-40EC-A677-0419F5496049}" type="pres">
-      <dgm:prSet presAssocID="{20B4FD1D-7CA0-4D3B-B37B-93F2243D1945}" presName="vSp" presStyleCnt="0"/>
-      <dgm:spPr/>
-    </dgm:pt>
-    <dgm:pt modelId="{82EB43CF-8EE2-4451-803B-CC4B10BF2B43}" type="pres">
-      <dgm:prSet presAssocID="{832C0669-C0CC-4E29-A60C-FD1C8F0D4B57}" presName="horFlow" presStyleCnt="0"/>
-      <dgm:spPr/>
-    </dgm:pt>
-    <dgm:pt modelId="{C4BF724B-1935-4AD6-A16F-61AE5AC647F5}" type="pres">
-      <dgm:prSet presAssocID="{832C0669-C0CC-4E29-A60C-FD1C8F0D4B57}" presName="bigChev" presStyleLbl="node1" presStyleIdx="2" presStyleCnt="6"/>
-      <dgm:spPr/>
-    </dgm:pt>
-    <dgm:pt modelId="{7A5D8EA8-C986-42C6-8E53-F1586E14D95C}" type="pres">
-      <dgm:prSet presAssocID="{CB9B08D1-DDC2-442C-BB93-8A2110A1FB59}" presName="parTrans" presStyleCnt="0"/>
-      <dgm:spPr/>
-    </dgm:pt>
-    <dgm:pt modelId="{F19BB8E2-2133-4AF9-9893-EA0FB5E95A69}" type="pres">
-      <dgm:prSet presAssocID="{56E2581B-147A-4EE4-93BD-B087F6ADA1CF}" presName="node" presStyleLbl="alignAccFollowNode1" presStyleIdx="8" presStyleCnt="26">
+    <dgm:pt modelId="{2CEBEA7D-711A-4A19-AE1E-BCE8A19A980F}" type="pres">
+      <dgm:prSet presAssocID="{8C16B314-2831-4F6A-BF87-6248EE4A6F08}" presName="sibTrans" presStyleCnt="0"/>
+      <dgm:spPr/>
+    </dgm:pt>
+    <dgm:pt modelId="{A534B931-3FEB-47B1-B323-5B3A01997C9D}" type="pres">
+      <dgm:prSet presAssocID="{686676B7-AF55-4D35-8565-A8945C2CAC21}" presName="node" presStyleLbl="alignAccFollowNode1" presStyleIdx="8" presStyleCnt="20">
         <dgm:presLayoutVars>
           <dgm:bulletEnabled val="1"/>
         </dgm:presLayoutVars>
       </dgm:prSet>
       <dgm:spPr/>
     </dgm:pt>
-    <dgm:pt modelId="{3FE9BAE6-4D60-402C-BF92-80D56BA3F855}" type="pres">
-      <dgm:prSet presAssocID="{A98866A6-DAA8-4362-A139-7F7086621D3D}" presName="sibTrans" presStyleCnt="0"/>
-      <dgm:spPr/>
-    </dgm:pt>
-    <dgm:pt modelId="{9151B729-DB53-4F4F-B00A-CB5DD96882BF}" type="pres">
-      <dgm:prSet presAssocID="{522DE340-25DD-47F6-AC33-BFABB50FDBCF}" presName="node" presStyleLbl="alignAccFollowNode1" presStyleIdx="9" presStyleCnt="26">
+    <dgm:pt modelId="{0EE4F48E-976C-402F-AF45-9D30089A8487}" type="pres">
+      <dgm:prSet presAssocID="{EEF4E22A-2CCF-4919-911A-92A298FE6E7F}" presName="sibTrans" presStyleCnt="0"/>
+      <dgm:spPr/>
+    </dgm:pt>
+    <dgm:pt modelId="{282BB5C7-1BB5-4650-971D-91C975944181}" type="pres">
+      <dgm:prSet presAssocID="{736C784E-BD81-4E62-BE35-68F84E816D14}" presName="node" presStyleLbl="alignAccFollowNode1" presStyleIdx="9" presStyleCnt="20">
         <dgm:presLayoutVars>
           <dgm:bulletEnabled val="1"/>
         </dgm:presLayoutVars>
       </dgm:prSet>
       <dgm:spPr/>
     </dgm:pt>
-    <dgm:pt modelId="{59453FB8-A3D3-4D6C-B3A7-5B364C6976B9}" type="pres">
-      <dgm:prSet presAssocID="{753B4432-E124-4D17-8343-7AD4202281EA}" presName="sibTrans" presStyleCnt="0"/>
-      <dgm:spPr/>
-    </dgm:pt>
-    <dgm:pt modelId="{88F8DB6A-BAC0-4205-AF9B-AC35A6DB9946}" type="pres">
-      <dgm:prSet presAssocID="{46FE586A-F3D2-4623-944F-10E7F24ECE62}" presName="node" presStyleLbl="alignAccFollowNode1" presStyleIdx="10" presStyleCnt="26">
+    <dgm:pt modelId="{BF072DCD-8BB6-4CC4-9770-6C4F270236A7}" type="pres">
+      <dgm:prSet presAssocID="{3D9676FE-0552-4699-B046-BCD2BF634A25}" presName="sibTrans" presStyleCnt="0"/>
+      <dgm:spPr/>
+    </dgm:pt>
+    <dgm:pt modelId="{CF8E233A-579E-4E8F-ADAD-EED815A0AA83}" type="pres">
+      <dgm:prSet presAssocID="{3AC1C038-9C25-46FC-AFBF-18901EE8F108}" presName="node" presStyleLbl="alignAccFollowNode1" presStyleIdx="10" presStyleCnt="20">
         <dgm:presLayoutVars>
           <dgm:bulletEnabled val="1"/>
         </dgm:presLayoutVars>
       </dgm:prSet>
       <dgm:spPr/>
     </dgm:pt>
-    <dgm:pt modelId="{7FDEB570-9FD9-4BCC-AB76-BA64BEFC3972}" type="pres">
-      <dgm:prSet presAssocID="{832C0669-C0CC-4E29-A60C-FD1C8F0D4B57}" presName="vSp" presStyleCnt="0"/>
-      <dgm:spPr/>
-    </dgm:pt>
-    <dgm:pt modelId="{2018E185-BA9E-4DA7-BDED-717D54DB8284}" type="pres">
-      <dgm:prSet presAssocID="{673A41D3-F23F-4BEA-A002-66B4545C4E81}" presName="horFlow" presStyleCnt="0"/>
-      <dgm:spPr/>
-    </dgm:pt>
-    <dgm:pt modelId="{1DC25E45-1799-4F8B-887C-1FCDF2F1E4B5}" type="pres">
-      <dgm:prSet presAssocID="{673A41D3-F23F-4BEA-A002-66B4545C4E81}" presName="bigChev" presStyleLbl="node1" presStyleIdx="3" presStyleCnt="6"/>
-      <dgm:spPr/>
-    </dgm:pt>
-    <dgm:pt modelId="{D149A2B3-1774-4F01-A05D-453C0A6C54F6}" type="pres">
-      <dgm:prSet presAssocID="{ABF7B140-AE00-4A79-9D27-DCA569CBA97F}" presName="parTrans" presStyleCnt="0"/>
-      <dgm:spPr/>
-    </dgm:pt>
-    <dgm:pt modelId="{D83E37D7-E8DD-4FC8-B491-40C6AA512C59}" type="pres">
-      <dgm:prSet presAssocID="{B8AAD7AD-E5AB-4AD3-9E2D-878A2676CB4B}" presName="node" presStyleLbl="alignAccFollowNode1" presStyleIdx="11" presStyleCnt="26">
+    <dgm:pt modelId="{F26936AD-0492-4ADF-874A-44B935309CEA}" type="pres">
+      <dgm:prSet presAssocID="{673A41D3-F23F-4BEA-A002-66B4545C4E81}" presName="vSp" presStyleCnt="0"/>
+      <dgm:spPr/>
+    </dgm:pt>
+    <dgm:pt modelId="{2A5E2B7D-75C0-4FE9-B326-076FD5F87C48}" type="pres">
+      <dgm:prSet presAssocID="{97E6D244-62E0-4C63-AB7B-BD8AB315516F}" presName="horFlow" presStyleCnt="0"/>
+      <dgm:spPr/>
+    </dgm:pt>
+    <dgm:pt modelId="{D940DDA1-996D-49EE-A809-F3A9B06C3F06}" type="pres">
+      <dgm:prSet presAssocID="{97E6D244-62E0-4C63-AB7B-BD8AB315516F}" presName="bigChev" presStyleLbl="node1" presStyleIdx="4" presStyleCnt="6"/>
+      <dgm:spPr/>
+    </dgm:pt>
+    <dgm:pt modelId="{408B4B71-075C-49B9-A9E9-79A093C7748F}" type="pres">
+      <dgm:prSet presAssocID="{BE90841B-BD03-47E2-B799-3341BAD08964}" presName="parTrans" presStyleCnt="0"/>
+      <dgm:spPr/>
+    </dgm:pt>
+    <dgm:pt modelId="{FDC27003-E859-4A44-9A35-15C12E93CD52}" type="pres">
+      <dgm:prSet presAssocID="{3A271EFA-54EC-4979-AD9E-98C9B77EA592}" presName="node" presStyleLbl="alignAccFollowNode1" presStyleIdx="11" presStyleCnt="20">
         <dgm:presLayoutVars>
           <dgm:bulletEnabled val="1"/>
         </dgm:presLayoutVars>
       </dgm:prSet>
       <dgm:spPr/>
     </dgm:pt>
-    <dgm:pt modelId="{E5C522CA-8623-432F-BC45-B7E1697779E7}" type="pres">
-      <dgm:prSet presAssocID="{9DC24EDD-FDD8-4782-A280-0191EEF884FE}" presName="sibTrans" presStyleCnt="0"/>
-      <dgm:spPr/>
-    </dgm:pt>
-    <dgm:pt modelId="{A8F3C0CB-B31C-4487-A339-D3C3D54B408A}" type="pres">
-      <dgm:prSet presAssocID="{D31E38A8-E8DE-443C-818C-0168C732D142}" presName="node" presStyleLbl="alignAccFollowNode1" presStyleIdx="12" presStyleCnt="26">
+    <dgm:pt modelId="{DD838746-879B-4EC6-9A0E-21F7106BF3AE}" type="pres">
+      <dgm:prSet presAssocID="{6A3A0533-BD9B-4052-9EFC-BA2A3A98B66D}" presName="sibTrans" presStyleCnt="0"/>
+      <dgm:spPr/>
+    </dgm:pt>
+    <dgm:pt modelId="{1E9BEE94-7A14-421C-91E5-1F29D6675224}" type="pres">
+      <dgm:prSet presAssocID="{0F218C94-5BB6-4E15-806B-710FD255D263}" presName="node" presStyleLbl="alignAccFollowNode1" presStyleIdx="12" presStyleCnt="20">
         <dgm:presLayoutVars>
           <dgm:bulletEnabled val="1"/>
         </dgm:presLayoutVars>
       </dgm:prSet>
       <dgm:spPr/>
     </dgm:pt>
-    <dgm:pt modelId="{96A990FE-0EDD-4378-840E-8BE5E0844601}" type="pres">
-      <dgm:prSet presAssocID="{3B759F3D-05A1-49FC-B7F0-6CE1C023E78D}" presName="sibTrans" presStyleCnt="0"/>
-      <dgm:spPr/>
-    </dgm:pt>
-    <dgm:pt modelId="{FE24FA5B-1A02-4347-81AE-81CED8B155B0}" type="pres">
-      <dgm:prSet presAssocID="{70CFF5B7-D943-4159-BD49-396CC1499235}" presName="node" presStyleLbl="alignAccFollowNode1" presStyleIdx="13" presStyleCnt="26">
+    <dgm:pt modelId="{A37376D8-7593-4145-A2F9-4703F094F8F3}" type="pres">
+      <dgm:prSet presAssocID="{C9A592BD-0FA5-4E42-911C-86C5C8FB0303}" presName="sibTrans" presStyleCnt="0"/>
+      <dgm:spPr/>
+    </dgm:pt>
+    <dgm:pt modelId="{7ABFCB9A-774A-48FE-B3BA-B3AB3E062DED}" type="pres">
+      <dgm:prSet presAssocID="{456D2ADF-5041-4816-9F81-DA2284952203}" presName="node" presStyleLbl="alignAccFollowNode1" presStyleIdx="13" presStyleCnt="20">
         <dgm:presLayoutVars>
           <dgm:bulletEnabled val="1"/>
         </dgm:presLayoutVars>
       </dgm:prSet>
       <dgm:spPr/>
     </dgm:pt>
-    <dgm:pt modelId="{2CEBEA7D-711A-4A19-AE1E-BCE8A19A980F}" type="pres">
-      <dgm:prSet presAssocID="{8C16B314-2831-4F6A-BF87-6248EE4A6F08}" presName="sibTrans" presStyleCnt="0"/>
-      <dgm:spPr/>
-    </dgm:pt>
-    <dgm:pt modelId="{A534B931-3FEB-47B1-B323-5B3A01997C9D}" type="pres">
-      <dgm:prSet presAssocID="{686676B7-AF55-4D35-8565-A8945C2CAC21}" presName="node" presStyleLbl="alignAccFollowNode1" presStyleIdx="14" presStyleCnt="26">
+    <dgm:pt modelId="{1F97627C-4AC2-407A-99E0-A1AE388C5A6C}" type="pres">
+      <dgm:prSet presAssocID="{01E58AF7-5276-42D1-BE63-544225763AD0}" presName="sibTrans" presStyleCnt="0"/>
+      <dgm:spPr/>
+    </dgm:pt>
+    <dgm:pt modelId="{8C5E9B02-BD7A-443D-ACA8-35C084267E52}" type="pres">
+      <dgm:prSet presAssocID="{5C0EED3B-BAD9-43FF-9678-175BB6FF1BC9}" presName="node" presStyleLbl="alignAccFollowNode1" presStyleIdx="14" presStyleCnt="20">
         <dgm:presLayoutVars>
           <dgm:bulletEnabled val="1"/>
         </dgm:presLayoutVars>
       </dgm:prSet>
       <dgm:spPr/>
     </dgm:pt>
-    <dgm:pt modelId="{0EE4F48E-976C-402F-AF45-9D30089A8487}" type="pres">
-      <dgm:prSet presAssocID="{EEF4E22A-2CCF-4919-911A-92A298FE6E7F}" presName="sibTrans" presStyleCnt="0"/>
-      <dgm:spPr/>
-    </dgm:pt>
-    <dgm:pt modelId="{282BB5C7-1BB5-4650-971D-91C975944181}" type="pres">
-      <dgm:prSet presAssocID="{736C784E-BD81-4E62-BE35-68F84E816D14}" presName="node" presStyleLbl="alignAccFollowNode1" presStyleIdx="15" presStyleCnt="26">
+    <dgm:pt modelId="{33A25B64-E17F-47A4-AFBF-48F1BDB348D1}" type="pres">
+      <dgm:prSet presAssocID="{CEA4C046-5DD8-4D7A-A35E-D808DD8FB7A6}" presName="sibTrans" presStyleCnt="0"/>
+      <dgm:spPr/>
+    </dgm:pt>
+    <dgm:pt modelId="{BB059354-92A8-4976-977F-ECC4B368E235}" type="pres">
+      <dgm:prSet presAssocID="{C19A5430-1C3A-49AE-96CE-B804AB3C2D9E}" presName="node" presStyleLbl="alignAccFollowNode1" presStyleIdx="15" presStyleCnt="20">
         <dgm:presLayoutVars>
           <dgm:bulletEnabled val="1"/>
         </dgm:presLayoutVars>
       </dgm:prSet>
       <dgm:spPr/>
     </dgm:pt>
-    <dgm:pt modelId="{BF072DCD-8BB6-4CC4-9770-6C4F270236A7}" type="pres">
-      <dgm:prSet presAssocID="{3D9676FE-0552-4699-B046-BCD2BF634A25}" presName="sibTrans" presStyleCnt="0"/>
-      <dgm:spPr/>
-    </dgm:pt>
-    <dgm:pt modelId="{CF8E233A-579E-4E8F-ADAD-EED815A0AA83}" type="pres">
-      <dgm:prSet presAssocID="{3AC1C038-9C25-46FC-AFBF-18901EE8F108}" presName="node" presStyleLbl="alignAccFollowNode1" presStyleIdx="16" presStyleCnt="26">
+    <dgm:pt modelId="{0C340CB9-1716-4F5E-B7CF-537EC83DB5AB}" type="pres">
+      <dgm:prSet presAssocID="{97E6D244-62E0-4C63-AB7B-BD8AB315516F}" presName="vSp" presStyleCnt="0"/>
+      <dgm:spPr/>
+    </dgm:pt>
+    <dgm:pt modelId="{40CBB9F1-CFD4-4EE3-BE6E-2032ABBA8534}" type="pres">
+      <dgm:prSet presAssocID="{F25A7EEA-A2A4-44EE-82A2-EA0D55CDB0CA}" presName="horFlow" presStyleCnt="0"/>
+      <dgm:spPr/>
+    </dgm:pt>
+    <dgm:pt modelId="{8985DF1B-D650-4F7B-B27C-F28986DFB607}" type="pres">
+      <dgm:prSet presAssocID="{F25A7EEA-A2A4-44EE-82A2-EA0D55CDB0CA}" presName="bigChev" presStyleLbl="node1" presStyleIdx="5" presStyleCnt="6"/>
+      <dgm:spPr/>
+    </dgm:pt>
+    <dgm:pt modelId="{498AC404-8715-452D-8259-03FD907D904E}" type="pres">
+      <dgm:prSet presAssocID="{717C0010-BB21-4470-914F-8D188487AE80}" presName="parTrans" presStyleCnt="0"/>
+      <dgm:spPr/>
+    </dgm:pt>
+    <dgm:pt modelId="{D7D0C5F5-C59F-4608-BBD6-ABF582589607}" type="pres">
+      <dgm:prSet presAssocID="{E808B050-DA2E-49F8-A03B-81292515398D}" presName="node" presStyleLbl="alignAccFollowNode1" presStyleIdx="16" presStyleCnt="20">
         <dgm:presLayoutVars>
           <dgm:bulletEnabled val="1"/>
         </dgm:presLayoutVars>
       </dgm:prSet>
       <dgm:spPr/>
     </dgm:pt>
-    <dgm:pt modelId="{F26936AD-0492-4ADF-874A-44B935309CEA}" type="pres">
-      <dgm:prSet presAssocID="{673A41D3-F23F-4BEA-A002-66B4545C4E81}" presName="vSp" presStyleCnt="0"/>
-      <dgm:spPr/>
-    </dgm:pt>
-    <dgm:pt modelId="{2A5E2B7D-75C0-4FE9-B326-076FD5F87C48}" type="pres">
-      <dgm:prSet presAssocID="{97E6D244-62E0-4C63-AB7B-BD8AB315516F}" presName="horFlow" presStyleCnt="0"/>
-      <dgm:spPr/>
-    </dgm:pt>
-    <dgm:pt modelId="{D940DDA1-996D-49EE-A809-F3A9B06C3F06}" type="pres">
-      <dgm:prSet presAssocID="{97E6D244-62E0-4C63-AB7B-BD8AB315516F}" presName="bigChev" presStyleLbl="node1" presStyleIdx="4" presStyleCnt="6"/>
-      <dgm:spPr/>
-    </dgm:pt>
-    <dgm:pt modelId="{408B4B71-075C-49B9-A9E9-79A093C7748F}" type="pres">
-      <dgm:prSet presAssocID="{BE90841B-BD03-47E2-B799-3341BAD08964}" presName="parTrans" presStyleCnt="0"/>
-      <dgm:spPr/>
-    </dgm:pt>
-    <dgm:pt modelId="{FDC27003-E859-4A44-9A35-15C12E93CD52}" type="pres">
-      <dgm:prSet presAssocID="{3A271EFA-54EC-4979-AD9E-98C9B77EA592}" presName="node" presStyleLbl="alignAccFollowNode1" presStyleIdx="17" presStyleCnt="26">
+    <dgm:pt modelId="{56618D60-5D80-45B8-B0C4-E003646261BA}" type="pres">
+      <dgm:prSet presAssocID="{A06FBAF4-920A-4FC0-9CB7-C9D0005BD506}" presName="sibTrans" presStyleCnt="0"/>
+      <dgm:spPr/>
+    </dgm:pt>
+    <dgm:pt modelId="{8CC4AD0A-52D2-4D87-A423-1923C75E65AF}" type="pres">
+      <dgm:prSet presAssocID="{B4B53DB7-2F2B-4930-8854-8AD225F36E05}" presName="node" presStyleLbl="alignAccFollowNode1" presStyleIdx="17" presStyleCnt="20">
         <dgm:presLayoutVars>
           <dgm:bulletEnabled val="1"/>
         </dgm:presLayoutVars>
       </dgm:prSet>
       <dgm:spPr/>
     </dgm:pt>
-    <dgm:pt modelId="{DD838746-879B-4EC6-9A0E-21F7106BF3AE}" type="pres">
-      <dgm:prSet presAssocID="{6A3A0533-BD9B-4052-9EFC-BA2A3A98B66D}" presName="sibTrans" presStyleCnt="0"/>
-      <dgm:spPr/>
-    </dgm:pt>
-    <dgm:pt modelId="{1E9BEE94-7A14-421C-91E5-1F29D6675224}" type="pres">
-      <dgm:prSet presAssocID="{0F218C94-5BB6-4E15-806B-710FD255D263}" presName="node" presStyleLbl="alignAccFollowNode1" presStyleIdx="18" presStyleCnt="26">
+    <dgm:pt modelId="{CF0E3DB6-EB8F-4EBC-A7CC-C5F380A334ED}" type="pres">
+      <dgm:prSet presAssocID="{246B60E9-13BE-4F37-AB5D-EB81BEBD2FD4}" presName="sibTrans" presStyleCnt="0"/>
+      <dgm:spPr/>
+    </dgm:pt>
+    <dgm:pt modelId="{5CCDDD2F-6C68-4D07-AB18-B8E1062A66B0}" type="pres">
+      <dgm:prSet presAssocID="{B5497900-02DC-495E-B5BF-488C3B12481C}" presName="node" presStyleLbl="alignAccFollowNode1" presStyleIdx="18" presStyleCnt="20">
         <dgm:presLayoutVars>
           <dgm:bulletEnabled val="1"/>
         </dgm:presLayoutVars>
       </dgm:prSet>
       <dgm:spPr/>
     </dgm:pt>
-    <dgm:pt modelId="{A37376D8-7593-4145-A2F9-4703F094F8F3}" type="pres">
-      <dgm:prSet presAssocID="{C9A592BD-0FA5-4E42-911C-86C5C8FB0303}" presName="sibTrans" presStyleCnt="0"/>
-      <dgm:spPr/>
-    </dgm:pt>
-    <dgm:pt modelId="{7ABFCB9A-774A-48FE-B3BA-B3AB3E062DED}" type="pres">
-      <dgm:prSet presAssocID="{456D2ADF-5041-4816-9F81-DA2284952203}" presName="node" presStyleLbl="alignAccFollowNode1" presStyleIdx="19" presStyleCnt="26">
+    <dgm:pt modelId="{8916A8D6-118D-4F1D-87AE-FCB5D8F56E96}" type="pres">
+      <dgm:prSet presAssocID="{77305038-5E4D-473B-AD8F-DA56B81BDFA2}" presName="sibTrans" presStyleCnt="0"/>
+      <dgm:spPr/>
+    </dgm:pt>
+    <dgm:pt modelId="{C42CEEF2-F584-44B8-9CD7-4CD8C72F442D}" type="pres">
+      <dgm:prSet presAssocID="{7782CA4F-5C58-4A70-B93E-5201C15FD720}" presName="node" presStyleLbl="alignAccFollowNode1" presStyleIdx="19" presStyleCnt="20">
         <dgm:presLayoutVars>
           <dgm:bulletEnabled val="1"/>
         </dgm:presLayoutVars>
       </dgm:prSet>
       <dgm:spPr/>
     </dgm:pt>
-    <dgm:pt modelId="{1F97627C-4AC2-407A-99E0-A1AE388C5A6C}" type="pres">
-      <dgm:prSet presAssocID="{01E58AF7-5276-42D1-BE63-544225763AD0}" presName="sibTrans" presStyleCnt="0"/>
-      <dgm:spPr/>
-    </dgm:pt>
-    <dgm:pt modelId="{8C5E9B02-BD7A-443D-ACA8-35C084267E52}" type="pres">
-      <dgm:prSet presAssocID="{5C0EED3B-BAD9-43FF-9678-175BB6FF1BC9}" presName="node" presStyleLbl="alignAccFollowNode1" presStyleIdx="20" presStyleCnt="26">
-        <dgm:presLayoutVars>
-          <dgm:bulletEnabled val="1"/>
-        </dgm:presLayoutVars>
-      </dgm:prSet>
-      <dgm:spPr/>
-    </dgm:pt>
-    <dgm:pt modelId="{33A25B64-E17F-47A4-AFBF-48F1BDB348D1}" type="pres">
-      <dgm:prSet presAssocID="{CEA4C046-5DD8-4D7A-A35E-D808DD8FB7A6}" presName="sibTrans" presStyleCnt="0"/>
-      <dgm:spPr/>
-    </dgm:pt>
-    <dgm:pt modelId="{BB059354-92A8-4976-977F-ECC4B368E235}" type="pres">
-      <dgm:prSet presAssocID="{C19A5430-1C3A-49AE-96CE-B804AB3C2D9E}" presName="node" presStyleLbl="alignAccFollowNode1" presStyleIdx="21" presStyleCnt="26">
-        <dgm:presLayoutVars>
-          <dgm:bulletEnabled val="1"/>
-        </dgm:presLayoutVars>
-      </dgm:prSet>
-      <dgm:spPr/>
-    </dgm:pt>
-    <dgm:pt modelId="{0C340CB9-1716-4F5E-B7CF-537EC83DB5AB}" type="pres">
-      <dgm:prSet presAssocID="{97E6D244-62E0-4C63-AB7B-BD8AB315516F}" presName="vSp" presStyleCnt="0"/>
-      <dgm:spPr/>
-    </dgm:pt>
-    <dgm:pt modelId="{40CBB9F1-CFD4-4EE3-BE6E-2032ABBA8534}" type="pres">
-      <dgm:prSet presAssocID="{F25A7EEA-A2A4-44EE-82A2-EA0D55CDB0CA}" presName="horFlow" presStyleCnt="0"/>
-      <dgm:spPr/>
-    </dgm:pt>
-    <dgm:pt modelId="{8985DF1B-D650-4F7B-B27C-F28986DFB607}" type="pres">
-      <dgm:prSet presAssocID="{F25A7EEA-A2A4-44EE-82A2-EA0D55CDB0CA}" presName="bigChev" presStyleLbl="node1" presStyleIdx="5" presStyleCnt="6"/>
-      <dgm:spPr/>
-    </dgm:pt>
-    <dgm:pt modelId="{498AC404-8715-452D-8259-03FD907D904E}" type="pres">
-      <dgm:prSet presAssocID="{717C0010-BB21-4470-914F-8D188487AE80}" presName="parTrans" presStyleCnt="0"/>
-      <dgm:spPr/>
-    </dgm:pt>
-    <dgm:pt modelId="{D7D0C5F5-C59F-4608-BBD6-ABF582589607}" type="pres">
-      <dgm:prSet presAssocID="{E808B050-DA2E-49F8-A03B-81292515398D}" presName="node" presStyleLbl="alignAccFollowNode1" presStyleIdx="22" presStyleCnt="26">
-        <dgm:presLayoutVars>
-          <dgm:bulletEnabled val="1"/>
-        </dgm:presLayoutVars>
-      </dgm:prSet>
-      <dgm:spPr/>
-    </dgm:pt>
-    <dgm:pt modelId="{56618D60-5D80-45B8-B0C4-E003646261BA}" type="pres">
-      <dgm:prSet presAssocID="{A06FBAF4-920A-4FC0-9CB7-C9D0005BD506}" presName="sibTrans" presStyleCnt="0"/>
-      <dgm:spPr/>
-    </dgm:pt>
-    <dgm:pt modelId="{8CC4AD0A-52D2-4D87-A423-1923C75E65AF}" type="pres">
-      <dgm:prSet presAssocID="{B4B53DB7-2F2B-4930-8854-8AD225F36E05}" presName="node" presStyleLbl="alignAccFollowNode1" presStyleIdx="23" presStyleCnt="26">
-        <dgm:presLayoutVars>
-          <dgm:bulletEnabled val="1"/>
-        </dgm:presLayoutVars>
-      </dgm:prSet>
-      <dgm:spPr/>
-    </dgm:pt>
-    <dgm:pt modelId="{CF0E3DB6-EB8F-4EBC-A7CC-C5F380A334ED}" type="pres">
-      <dgm:prSet presAssocID="{246B60E9-13BE-4F37-AB5D-EB81BEBD2FD4}" presName="sibTrans" presStyleCnt="0"/>
-      <dgm:spPr/>
-    </dgm:pt>
-    <dgm:pt modelId="{5CCDDD2F-6C68-4D07-AB18-B8E1062A66B0}" type="pres">
-      <dgm:prSet presAssocID="{B5497900-02DC-495E-B5BF-488C3B12481C}" presName="node" presStyleLbl="alignAccFollowNode1" presStyleIdx="24" presStyleCnt="26">
-        <dgm:presLayoutVars>
-          <dgm:bulletEnabled val="1"/>
-        </dgm:presLayoutVars>
-      </dgm:prSet>
-      <dgm:spPr/>
-    </dgm:pt>
-    <dgm:pt modelId="{8916A8D6-118D-4F1D-87AE-FCB5D8F56E96}" type="pres">
-      <dgm:prSet presAssocID="{77305038-5E4D-473B-AD8F-DA56B81BDFA2}" presName="sibTrans" presStyleCnt="0"/>
-      <dgm:spPr/>
-    </dgm:pt>
-    <dgm:pt modelId="{C42CEEF2-F584-44B8-9CD7-4CD8C72F442D}" type="pres">
-      <dgm:prSet presAssocID="{7782CA4F-5C58-4A70-B93E-5201C15FD720}" presName="node" presStyleLbl="alignAccFollowNode1" presStyleIdx="25" presStyleCnt="26">
-        <dgm:presLayoutVars>
-          <dgm:bulletEnabled val="1"/>
-        </dgm:presLayoutVars>
-      </dgm:prSet>
-      <dgm:spPr/>
-    </dgm:pt>
   </dgm:ptLst>
   <dgm:cxnLst>
     <dgm:cxn modelId="{E0B83104-77F1-491E-9137-384F5186AFF5}" type="presOf" srcId="{56E2581B-147A-4EE4-93BD-B087F6ADA1CF}" destId="{F19BB8E2-2133-4AF9-9893-EA0FB5E95A69}" srcOrd="0" destOrd="0" presId="urn:microsoft.com/office/officeart/2005/8/layout/lProcess3"/>
-    <dgm:cxn modelId="{4737E504-3D54-463C-A5F7-8445C73AA300}" srcId="{D8F898B2-0F32-4494-9828-6BA12EADCED9}" destId="{8D5AA78A-7D4A-459F-A2B3-FC480199B0C4}" srcOrd="4" destOrd="0" parTransId="{230B062B-D34E-4F36-9471-0560F7C0F869}" sibTransId="{829C1AD4-F788-4CDC-BAB0-E26F39962F70}"/>
     <dgm:cxn modelId="{EF764D09-57B9-4157-9BDB-77C47ADBE390}" srcId="{28DC8FA5-0A00-489B-8AA0-3C7B50131C0B}" destId="{F25A7EEA-A2A4-44EE-82A2-EA0D55CDB0CA}" srcOrd="5" destOrd="0" parTransId="{941EC374-BBF8-4EC2-B787-6424899AFBBF}" sibTransId="{5DB98149-3B0B-416D-9E4A-99EB1CD94F46}"/>
     <dgm:cxn modelId="{1E8DED09-35FB-41BC-A79C-09C81288452A}" type="presOf" srcId="{0F218C94-5BB6-4E15-806B-710FD255D263}" destId="{1E9BEE94-7A14-421C-91E5-1F29D6675224}" srcOrd="0" destOrd="0" presId="urn:microsoft.com/office/officeart/2005/8/layout/lProcess3"/>
     <dgm:cxn modelId="{156AC20C-00C4-4BF7-B30E-DB6C70ABA5B9}" srcId="{20B4FD1D-7CA0-4D3B-B37B-93F2243D1945}" destId="{2BCEC983-9CA3-402E-A9EE-A2ACFBC6F26A}" srcOrd="0" destOrd="0" parTransId="{F24588BD-67A8-42E4-B556-555F4D141289}" sibTransId="{FBB5043A-5316-4280-9F2E-C15E58BA71E2}"/>
@@ -11334,12 +11611,9 @@
     <dgm:cxn modelId="{6AAD1634-D3F1-451D-B110-B791F1E54389}" srcId="{97E6D244-62E0-4C63-AB7B-BD8AB315516F}" destId="{456D2ADF-5041-4816-9F81-DA2284952203}" srcOrd="2" destOrd="0" parTransId="{DA496A18-93ED-466C-AF21-DD97D91AD11D}" sibTransId="{01E58AF7-5276-42D1-BE63-544225763AD0}"/>
     <dgm:cxn modelId="{F1CA5A36-FD1E-4500-9EB4-F45497307663}" type="presOf" srcId="{28DC8FA5-0A00-489B-8AA0-3C7B50131C0B}" destId="{D363E498-CAB7-4428-8CDB-F7408518953D}" srcOrd="0" destOrd="0" presId="urn:microsoft.com/office/officeart/2005/8/layout/lProcess3"/>
     <dgm:cxn modelId="{B6E56A37-E60E-4CC6-AAB6-AC133C33163D}" type="presOf" srcId="{686676B7-AF55-4D35-8565-A8945C2CAC21}" destId="{A534B931-3FEB-47B1-B323-5B3A01997C9D}" srcOrd="0" destOrd="0" presId="urn:microsoft.com/office/officeart/2005/8/layout/lProcess3"/>
-    <dgm:cxn modelId="{A768443E-37BD-408F-BD0E-F67D2B2964AF}" type="presOf" srcId="{8D5AA78A-7D4A-459F-A2B3-FC480199B0C4}" destId="{124996E3-18A0-40C5-A8C3-F871998D91BE}" srcOrd="0" destOrd="0" presId="urn:microsoft.com/office/officeart/2005/8/layout/lProcess3"/>
     <dgm:cxn modelId="{5379F35C-B59D-4712-B637-FC58B1BDD5FB}" type="presOf" srcId="{7782CA4F-5C58-4A70-B93E-5201C15FD720}" destId="{C42CEEF2-F584-44B8-9CD7-4CD8C72F442D}" srcOrd="0" destOrd="0" presId="urn:microsoft.com/office/officeart/2005/8/layout/lProcess3"/>
     <dgm:cxn modelId="{8CF6E441-9A96-46AC-987F-EAEBB9BBEC2D}" type="presOf" srcId="{B5497900-02DC-495E-B5BF-488C3B12481C}" destId="{5CCDDD2F-6C68-4D07-AB18-B8E1062A66B0}" srcOrd="0" destOrd="0" presId="urn:microsoft.com/office/officeart/2005/8/layout/lProcess3"/>
     <dgm:cxn modelId="{1A53F743-8937-439B-B460-41C6DFA49EEF}" srcId="{832C0669-C0CC-4E29-A60C-FD1C8F0D4B57}" destId="{522DE340-25DD-47F6-AC33-BFABB50FDBCF}" srcOrd="1" destOrd="0" parTransId="{739B8543-117E-43C0-93C7-5196E6A96EB5}" sibTransId="{753B4432-E124-4D17-8343-7AD4202281EA}"/>
-    <dgm:cxn modelId="{5F1EE348-C4A8-4B89-8439-8CE96D4EE585}" srcId="{D8F898B2-0F32-4494-9828-6BA12EADCED9}" destId="{DFC29465-D683-4C36-8F69-F44119F668DC}" srcOrd="3" destOrd="0" parTransId="{8E7C05B2-EF1C-4971-8F55-3BF79ABA7E81}" sibTransId="{2C9E4EA8-B922-4CD1-8C7E-738D1E9D46E9}"/>
-    <dgm:cxn modelId="{BAFE704A-CCAE-41E0-B9F4-9057CC0EE882}" srcId="{D8F898B2-0F32-4494-9828-6BA12EADCED9}" destId="{45C31CF2-1399-41FB-A23F-5E22D0A16E7E}" srcOrd="0" destOrd="0" parTransId="{791B3165-ABE6-4D91-831A-7C0D48536531}" sibTransId="{8D732E18-7D0B-454B-9DB2-D78927E8ECE7}"/>
     <dgm:cxn modelId="{A9920C4C-4E76-4E54-9A41-B911B4C82506}" type="presOf" srcId="{E7C05458-BA4F-4586-B1B0-DB4D8803E0FB}" destId="{27099A77-E2FB-438B-83D9-F2B501EC6DE9}" srcOrd="0" destOrd="0" presId="urn:microsoft.com/office/officeart/2005/8/layout/lProcess3"/>
     <dgm:cxn modelId="{78A81771-973A-4DD3-8086-5FA8B6797484}" type="presOf" srcId="{20B4FD1D-7CA0-4D3B-B37B-93F2243D1945}" destId="{84C1BC01-2D36-4A34-9AC3-243DC19273DA}" srcOrd="0" destOrd="0" presId="urn:microsoft.com/office/officeart/2005/8/layout/lProcess3"/>
     <dgm:cxn modelId="{DB3B5372-361E-4C6A-BDB5-C6729D007C2D}" srcId="{F25A7EEA-A2A4-44EE-82A2-EA0D55CDB0CA}" destId="{B5497900-02DC-495E-B5BF-488C3B12481C}" srcOrd="2" destOrd="0" parTransId="{ACC97140-509B-4D9B-BE94-D6F040CE2CF9}" sibTransId="{77305038-5E4D-473B-AD8F-DA56B81BDFA2}"/>
@@ -11347,7 +11621,6 @@
     <dgm:cxn modelId="{9B7F4057-5865-4FAC-A57D-322801EB5ED4}" type="presOf" srcId="{B8AAD7AD-E5AB-4AD3-9E2D-878A2676CB4B}" destId="{D83E37D7-E8DD-4FC8-B491-40C6AA512C59}" srcOrd="0" destOrd="0" presId="urn:microsoft.com/office/officeart/2005/8/layout/lProcess3"/>
     <dgm:cxn modelId="{D0536A79-6CFA-4408-97FA-6239500B5999}" type="presOf" srcId="{E808B050-DA2E-49F8-A03B-81292515398D}" destId="{D7D0C5F5-C59F-4608-BBD6-ABF582589607}" srcOrd="0" destOrd="0" presId="urn:microsoft.com/office/officeart/2005/8/layout/lProcess3"/>
     <dgm:cxn modelId="{C5F1BF7F-7606-4BC4-BFEC-C9C70715D24E}" type="presOf" srcId="{C19A5430-1C3A-49AE-96CE-B804AB3C2D9E}" destId="{BB059354-92A8-4976-977F-ECC4B368E235}" srcOrd="0" destOrd="0" presId="urn:microsoft.com/office/officeart/2005/8/layout/lProcess3"/>
-    <dgm:cxn modelId="{D95F2D8A-855D-476E-B82C-06B65BB57748}" srcId="{D8F898B2-0F32-4494-9828-6BA12EADCED9}" destId="{FA48B597-83D3-4C01-A8E3-D795138E9701}" srcOrd="1" destOrd="0" parTransId="{EACD600F-7B5E-4F4B-8FE7-7F95695C04AC}" sibTransId="{76C20D21-071E-40EA-8907-304A6EA2D201}"/>
     <dgm:cxn modelId="{29F5BA93-E967-44A0-8012-CE6F55BD382A}" type="presOf" srcId="{3A271EFA-54EC-4979-AD9E-98C9B77EA592}" destId="{FDC27003-E859-4A44-9A35-15C12E93CD52}" srcOrd="0" destOrd="0" presId="urn:microsoft.com/office/officeart/2005/8/layout/lProcess3"/>
     <dgm:cxn modelId="{310FEF94-9538-4710-8A16-8339B2723A01}" srcId="{97E6D244-62E0-4C63-AB7B-BD8AB315516F}" destId="{0F218C94-5BB6-4E15-806B-710FD255D263}" srcOrd="1" destOrd="0" parTransId="{6CEF71FC-7889-4400-89DC-CE134523FD10}" sibTransId="{C9A592BD-0FA5-4E42-911C-86C5C8FB0303}"/>
     <dgm:cxn modelId="{F1C53597-63A9-4B2A-9986-4388F2660CBD}" srcId="{28DC8FA5-0A00-489B-8AA0-3C7B50131C0B}" destId="{20B4FD1D-7CA0-4D3B-B37B-93F2243D1945}" srcOrd="1" destOrd="0" parTransId="{98A6C0C5-FDC3-4FB0-B6B1-369F6176A352}" sibTransId="{00044C5D-C6DC-43A3-9845-74E2EBDF8AAD}"/>
@@ -11355,8 +11628,6 @@
     <dgm:cxn modelId="{4CEE2498-230B-4391-AA77-21C8CFFF4E3C}" type="presOf" srcId="{673A41D3-F23F-4BEA-A002-66B4545C4E81}" destId="{1DC25E45-1799-4F8B-887C-1FCDF2F1E4B5}" srcOrd="0" destOrd="0" presId="urn:microsoft.com/office/officeart/2005/8/layout/lProcess3"/>
     <dgm:cxn modelId="{40552A98-67D0-45D8-800E-D4BEB4396E6F}" srcId="{28DC8FA5-0A00-489B-8AA0-3C7B50131C0B}" destId="{673A41D3-F23F-4BEA-A002-66B4545C4E81}" srcOrd="3" destOrd="0" parTransId="{7D40D381-496D-41F4-87BF-80B66E1247A3}" sibTransId="{B4A907BD-4FCD-4F5B-8291-13D20A29E78F}"/>
     <dgm:cxn modelId="{2A560699-7C27-4FC9-8982-4E255E2C53DD}" srcId="{673A41D3-F23F-4BEA-A002-66B4545C4E81}" destId="{736C784E-BD81-4E62-BE35-68F84E816D14}" srcOrd="4" destOrd="0" parTransId="{14C3899D-D97D-47BB-8224-57AEE1B4FD17}" sibTransId="{3D9676FE-0552-4699-B046-BCD2BF634A25}"/>
-    <dgm:cxn modelId="{90296A9D-9FAF-4A22-8B09-50D4420A5140}" type="presOf" srcId="{FA48B597-83D3-4C01-A8E3-D795138E9701}" destId="{B799F94F-6E46-4AFE-8722-BF49A0D459B0}" srcOrd="0" destOrd="0" presId="urn:microsoft.com/office/officeart/2005/8/layout/lProcess3"/>
-    <dgm:cxn modelId="{D41ED09E-3B9C-4BF3-84EC-EDC7DE6A4F1B}" type="presOf" srcId="{16F57EB3-4270-46BB-88A7-10CC9C3D84A2}" destId="{033985E6-5141-4244-8446-F5E7A99A21F5}" srcOrd="0" destOrd="0" presId="urn:microsoft.com/office/officeart/2005/8/layout/lProcess3"/>
     <dgm:cxn modelId="{A2152C9F-1D64-420A-B3E3-07616019E69A}" srcId="{673A41D3-F23F-4BEA-A002-66B4545C4E81}" destId="{3AC1C038-9C25-46FC-AFBF-18901EE8F108}" srcOrd="5" destOrd="0" parTransId="{DBF8AD2A-5C88-46E9-8B9C-6968D0987272}" sibTransId="{205D7381-CA92-4C71-98DD-DF96BDC5E78E}"/>
     <dgm:cxn modelId="{FD6981A2-CC4A-4D09-90E8-9C98325704D4}" srcId="{673A41D3-F23F-4BEA-A002-66B4545C4E81}" destId="{B8AAD7AD-E5AB-4AD3-9E2D-878A2676CB4B}" srcOrd="0" destOrd="0" parTransId="{ABF7B140-AE00-4A79-9D27-DCA569CBA97F}" sibTransId="{9DC24EDD-FDD8-4782-A280-0191EEF884FE}"/>
     <dgm:cxn modelId="{6F04E0A6-9145-4C8C-B711-6011B96ED2E3}" type="presOf" srcId="{45E7156B-EE0A-4FC0-82D2-4361B6D0C4A3}" destId="{D1F829FC-5103-4AC9-B9FD-6CB932509BA5}" srcOrd="0" destOrd="0" presId="urn:microsoft.com/office/officeart/2005/8/layout/lProcess3"/>
@@ -11367,8 +11638,6 @@
     <dgm:cxn modelId="{22CB43B0-7BA6-4559-8991-896D81A7C339}" srcId="{F25A7EEA-A2A4-44EE-82A2-EA0D55CDB0CA}" destId="{B4B53DB7-2F2B-4930-8854-8AD225F36E05}" srcOrd="1" destOrd="0" parTransId="{0E9E7265-AD6D-4801-9E59-5356306F6CEF}" sibTransId="{246B60E9-13BE-4F37-AB5D-EB81BEBD2FD4}"/>
     <dgm:cxn modelId="{10A3A5B1-E0B4-419B-A070-26C7FFAA112A}" srcId="{F25A7EEA-A2A4-44EE-82A2-EA0D55CDB0CA}" destId="{7782CA4F-5C58-4A70-B93E-5201C15FD720}" srcOrd="3" destOrd="0" parTransId="{589A9934-191A-464A-98C0-5AF36A41F8B8}" sibTransId="{9610BF32-5E49-46B0-A981-1C4534383643}"/>
     <dgm:cxn modelId="{2B6346B2-45C7-4E94-AEDB-17F1B9E27426}" srcId="{97E6D244-62E0-4C63-AB7B-BD8AB315516F}" destId="{3A271EFA-54EC-4979-AD9E-98C9B77EA592}" srcOrd="0" destOrd="0" parTransId="{BE90841B-BD03-47E2-B799-3341BAD08964}" sibTransId="{6A3A0533-BD9B-4052-9EFC-BA2A3A98B66D}"/>
-    <dgm:cxn modelId="{8ABF80B5-E655-479C-A474-CBDF8222F4EA}" type="presOf" srcId="{46FE586A-F3D2-4623-944F-10E7F24ECE62}" destId="{88F8DB6A-BAC0-4205-AF9B-AC35A6DB9946}" srcOrd="0" destOrd="0" presId="urn:microsoft.com/office/officeart/2005/8/layout/lProcess3"/>
-    <dgm:cxn modelId="{06C3F8B6-6350-4E40-839B-F14A7E50374A}" srcId="{D8F898B2-0F32-4494-9828-6BA12EADCED9}" destId="{16F57EB3-4270-46BB-88A7-10CC9C3D84A2}" srcOrd="2" destOrd="0" parTransId="{5E5EEE3E-96EC-41B1-847D-72D615A9187C}" sibTransId="{897C9165-AD4A-4F4D-97D0-D8C8BC61FEB0}"/>
     <dgm:cxn modelId="{30D235BF-51FA-4B9F-AE15-A9A8FBC9F02D}" srcId="{673A41D3-F23F-4BEA-A002-66B4545C4E81}" destId="{D31E38A8-E8DE-443C-818C-0168C732D142}" srcOrd="1" destOrd="0" parTransId="{84248B4E-E1B3-409D-A625-5EB2E1AC751D}" sibTransId="{3B759F3D-05A1-49FC-B7F0-6CE1C023E78D}"/>
     <dgm:cxn modelId="{6ED0E6C7-9898-499F-9E40-624FC0D97DB1}" srcId="{F25A7EEA-A2A4-44EE-82A2-EA0D55CDB0CA}" destId="{E808B050-DA2E-49F8-A03B-81292515398D}" srcOrd="0" destOrd="0" parTransId="{717C0010-BB21-4470-914F-8D188487AE80}" sibTransId="{A06FBAF4-920A-4FC0-9CB7-C9D0005BD506}"/>
     <dgm:cxn modelId="{F9FA52CA-70B8-4E93-AA37-AD40766AC27C}" srcId="{97E6D244-62E0-4C63-AB7B-BD8AB315516F}" destId="{5C0EED3B-BAD9-43FF-9678-175BB6FF1BC9}" srcOrd="3" destOrd="0" parTransId="{ED3FB0F3-E7FC-4C90-9C3F-936C2A5507D0}" sibTransId="{CEA4C046-5DD8-4D7A-A35E-D808DD8FB7A6}"/>
@@ -11377,9 +11646,7 @@
     <dgm:cxn modelId="{4FCD27D6-E9BA-43FE-980C-93D760CE14C5}" srcId="{832C0669-C0CC-4E29-A60C-FD1C8F0D4B57}" destId="{56E2581B-147A-4EE4-93BD-B087F6ADA1CF}" srcOrd="0" destOrd="0" parTransId="{CB9B08D1-DDC2-442C-BB93-8A2110A1FB59}" sibTransId="{A98866A6-DAA8-4362-A139-7F7086621D3D}"/>
     <dgm:cxn modelId="{24D2A0D7-608F-4278-B505-5F62D4CC31ED}" type="presOf" srcId="{D8F898B2-0F32-4494-9828-6BA12EADCED9}" destId="{6A650BA9-00F6-4584-868C-379BB183BAC8}" srcOrd="0" destOrd="0" presId="urn:microsoft.com/office/officeart/2005/8/layout/lProcess3"/>
     <dgm:cxn modelId="{A8DD60D8-0851-422C-AC46-9F8B0FF7E9A2}" type="presOf" srcId="{522DE340-25DD-47F6-AC33-BFABB50FDBCF}" destId="{9151B729-DB53-4F4F-B00A-CB5DD96882BF}" srcOrd="0" destOrd="0" presId="urn:microsoft.com/office/officeart/2005/8/layout/lProcess3"/>
-    <dgm:cxn modelId="{5568A4D9-11CB-4D04-A407-AAB765F3E640}" type="presOf" srcId="{45C31CF2-1399-41FB-A23F-5E22D0A16E7E}" destId="{AB408634-0CD4-418B-9B48-9AAC90E1180B}" srcOrd="0" destOrd="0" presId="urn:microsoft.com/office/officeart/2005/8/layout/lProcess3"/>
     <dgm:cxn modelId="{F7ECE5DB-203C-4868-B9D4-80873248C997}" srcId="{20B4FD1D-7CA0-4D3B-B37B-93F2243D1945}" destId="{45E7156B-EE0A-4FC0-82D2-4361B6D0C4A3}" srcOrd="2" destOrd="0" parTransId="{DA0AB7BC-1C00-4BC1-BD64-06EAB9700DE3}" sibTransId="{E6521B79-093A-4B03-920E-43CAD89D44AB}"/>
-    <dgm:cxn modelId="{BC8BEFDD-D099-4796-9A0D-DCCFA89700F9}" type="presOf" srcId="{DFC29465-D683-4C36-8F69-F44119F668DC}" destId="{97363E8B-2CC9-40F8-81D2-82C1783BFD27}" srcOrd="0" destOrd="0" presId="urn:microsoft.com/office/officeart/2005/8/layout/lProcess3"/>
     <dgm:cxn modelId="{E45C0BE2-DA84-4CAF-B2D9-94C1BD0ABE5C}" type="presOf" srcId="{70CFF5B7-D943-4159-BD49-396CC1499235}" destId="{FE24FA5B-1A02-4347-81AE-81CED8B155B0}" srcOrd="0" destOrd="0" presId="urn:microsoft.com/office/officeart/2005/8/layout/lProcess3"/>
     <dgm:cxn modelId="{ABA183E3-4D35-43F5-8FA4-B3ABA94E3750}" srcId="{673A41D3-F23F-4BEA-A002-66B4545C4E81}" destId="{70CFF5B7-D943-4159-BD49-396CC1499235}" srcOrd="2" destOrd="0" parTransId="{8BFCD965-5579-4535-A7BD-227C94E9218E}" sibTransId="{8C16B314-2831-4F6A-BF87-6248EE4A6F08}"/>
     <dgm:cxn modelId="{703BA5E3-6434-4030-B73D-A2DEBCD17F6F}" srcId="{97E6D244-62E0-4C63-AB7B-BD8AB315516F}" destId="{C19A5430-1C3A-49AE-96CE-B804AB3C2D9E}" srcOrd="4" destOrd="0" parTransId="{D0B6E19D-7640-4F9A-852B-2FAD6B28FDE0}" sibTransId="{6B514589-FE3F-49C8-AEB9-D9084706826A}"/>
@@ -11387,19 +11654,8 @@
     <dgm:cxn modelId="{11653AE6-C522-4C3F-B1F9-2A5B08C28548}" type="presOf" srcId="{F25A7EEA-A2A4-44EE-82A2-EA0D55CDB0CA}" destId="{8985DF1B-D650-4F7B-B27C-F28986DFB607}" srcOrd="0" destOrd="0" presId="urn:microsoft.com/office/officeart/2005/8/layout/lProcess3"/>
     <dgm:cxn modelId="{6CA27BEF-7459-4DB7-8505-9469F900583B}" srcId="{673A41D3-F23F-4BEA-A002-66B4545C4E81}" destId="{686676B7-AF55-4D35-8565-A8945C2CAC21}" srcOrd="3" destOrd="0" parTransId="{806497D5-2562-4B70-A012-87426E1886E5}" sibTransId="{EEF4E22A-2CCF-4919-911A-92A298FE6E7F}"/>
     <dgm:cxn modelId="{33D8D2F1-B6AE-4702-AC56-81A89A377CEE}" type="presOf" srcId="{3AC1C038-9C25-46FC-AFBF-18901EE8F108}" destId="{CF8E233A-579E-4E8F-ADAD-EED815A0AA83}" srcOrd="0" destOrd="0" presId="urn:microsoft.com/office/officeart/2005/8/layout/lProcess3"/>
-    <dgm:cxn modelId="{4498B2FD-E5DF-4BE1-95B6-B348D235B9DE}" srcId="{832C0669-C0CC-4E29-A60C-FD1C8F0D4B57}" destId="{46FE586A-F3D2-4623-944F-10E7F24ECE62}" srcOrd="2" destOrd="0" parTransId="{109D5438-A2DE-4E26-8761-20EC03B9BD7F}" sibTransId="{5AD78F0F-B053-47F4-AB29-A1BED81984FB}"/>
     <dgm:cxn modelId="{8CE54197-DE28-4A15-AE83-D76367E73FCB}" type="presParOf" srcId="{D363E498-CAB7-4428-8CDB-F7408518953D}" destId="{C03A30C1-ACA1-4F79-A4B6-CE5AA4B69A32}" srcOrd="0" destOrd="0" presId="urn:microsoft.com/office/officeart/2005/8/layout/lProcess3"/>
     <dgm:cxn modelId="{D80F7A93-E229-4431-922F-146BAE51972A}" type="presParOf" srcId="{C03A30C1-ACA1-4F79-A4B6-CE5AA4B69A32}" destId="{6A650BA9-00F6-4584-868C-379BB183BAC8}" srcOrd="0" destOrd="0" presId="urn:microsoft.com/office/officeart/2005/8/layout/lProcess3"/>
-    <dgm:cxn modelId="{2DDAA4D9-28FC-489B-9B6A-0F1DCFCBAB0A}" type="presParOf" srcId="{C03A30C1-ACA1-4F79-A4B6-CE5AA4B69A32}" destId="{85360F49-471D-4741-B2F6-D9EDD2002CA4}" srcOrd="1" destOrd="0" presId="urn:microsoft.com/office/officeart/2005/8/layout/lProcess3"/>
-    <dgm:cxn modelId="{137F830B-B9AE-4027-BD92-613EA52F2B37}" type="presParOf" srcId="{C03A30C1-ACA1-4F79-A4B6-CE5AA4B69A32}" destId="{AB408634-0CD4-418B-9B48-9AAC90E1180B}" srcOrd="2" destOrd="0" presId="urn:microsoft.com/office/officeart/2005/8/layout/lProcess3"/>
-    <dgm:cxn modelId="{F44DD749-6697-4660-BCA7-5398C0DF4453}" type="presParOf" srcId="{C03A30C1-ACA1-4F79-A4B6-CE5AA4B69A32}" destId="{7FE3EBDE-25D4-4CC8-A11E-57D85BEF7B7E}" srcOrd="3" destOrd="0" presId="urn:microsoft.com/office/officeart/2005/8/layout/lProcess3"/>
-    <dgm:cxn modelId="{91E04DC7-F9A4-42E0-AC55-1C9C7A6B4AB8}" type="presParOf" srcId="{C03A30C1-ACA1-4F79-A4B6-CE5AA4B69A32}" destId="{B799F94F-6E46-4AFE-8722-BF49A0D459B0}" srcOrd="4" destOrd="0" presId="urn:microsoft.com/office/officeart/2005/8/layout/lProcess3"/>
-    <dgm:cxn modelId="{BDD72FA7-D919-450C-AD71-4B2D5C42D42A}" type="presParOf" srcId="{C03A30C1-ACA1-4F79-A4B6-CE5AA4B69A32}" destId="{77347160-F8A1-4072-A581-D36C3D764227}" srcOrd="5" destOrd="0" presId="urn:microsoft.com/office/officeart/2005/8/layout/lProcess3"/>
-    <dgm:cxn modelId="{5793FB99-9ED3-4ED8-9565-7E47D753193D}" type="presParOf" srcId="{C03A30C1-ACA1-4F79-A4B6-CE5AA4B69A32}" destId="{033985E6-5141-4244-8446-F5E7A99A21F5}" srcOrd="6" destOrd="0" presId="urn:microsoft.com/office/officeart/2005/8/layout/lProcess3"/>
-    <dgm:cxn modelId="{0E8C79F8-3B9D-4F21-A86C-DC6DF30008D1}" type="presParOf" srcId="{C03A30C1-ACA1-4F79-A4B6-CE5AA4B69A32}" destId="{8D8D0EAC-2A93-4E79-AC42-7AF83AB30DD0}" srcOrd="7" destOrd="0" presId="urn:microsoft.com/office/officeart/2005/8/layout/lProcess3"/>
-    <dgm:cxn modelId="{CC84FBFC-6C3B-4F3B-9885-40950EDB64F4}" type="presParOf" srcId="{C03A30C1-ACA1-4F79-A4B6-CE5AA4B69A32}" destId="{97363E8B-2CC9-40F8-81D2-82C1783BFD27}" srcOrd="8" destOrd="0" presId="urn:microsoft.com/office/officeart/2005/8/layout/lProcess3"/>
-    <dgm:cxn modelId="{64047464-387D-4ADB-9506-22B73867F35D}" type="presParOf" srcId="{C03A30C1-ACA1-4F79-A4B6-CE5AA4B69A32}" destId="{AFFCAE47-A95B-4517-83FC-147BF3409FE7}" srcOrd="9" destOrd="0" presId="urn:microsoft.com/office/officeart/2005/8/layout/lProcess3"/>
-    <dgm:cxn modelId="{31B76995-1073-4C1C-BA56-CD0F18355EBD}" type="presParOf" srcId="{C03A30C1-ACA1-4F79-A4B6-CE5AA4B69A32}" destId="{124996E3-18A0-40C5-A8C3-F871998D91BE}" srcOrd="10" destOrd="0" presId="urn:microsoft.com/office/officeart/2005/8/layout/lProcess3"/>
     <dgm:cxn modelId="{F8DDB987-11BE-4BA2-976F-253104325E02}" type="presParOf" srcId="{D363E498-CAB7-4428-8CDB-F7408518953D}" destId="{B47F21DF-7A80-45D3-BF42-D010BA405067}" srcOrd="1" destOrd="0" presId="urn:microsoft.com/office/officeart/2005/8/layout/lProcess3"/>
     <dgm:cxn modelId="{7052F9F3-86FD-4220-B9E9-89ED344A1A0A}" type="presParOf" srcId="{D363E498-CAB7-4428-8CDB-F7408518953D}" destId="{E9F97D91-2B87-4529-B224-C4B8AEDC4D07}" srcOrd="2" destOrd="0" presId="urn:microsoft.com/office/officeart/2005/8/layout/lProcess3"/>
     <dgm:cxn modelId="{FD570700-B52B-4299-9228-D427F9DD507C}" type="presParOf" srcId="{E9F97D91-2B87-4529-B224-C4B8AEDC4D07}" destId="{84C1BC01-2D36-4A34-9AC3-243DC19273DA}" srcOrd="0" destOrd="0" presId="urn:microsoft.com/office/officeart/2005/8/layout/lProcess3"/>
@@ -11416,8 +11672,6 @@
     <dgm:cxn modelId="{8FB1B9A7-8F2D-44D0-80B4-DDAABE2F2729}" type="presParOf" srcId="{82EB43CF-8EE2-4451-803B-CC4B10BF2B43}" destId="{F19BB8E2-2133-4AF9-9893-EA0FB5E95A69}" srcOrd="2" destOrd="0" presId="urn:microsoft.com/office/officeart/2005/8/layout/lProcess3"/>
     <dgm:cxn modelId="{E019F2BC-4075-4A09-A2BA-E37F699CF7C8}" type="presParOf" srcId="{82EB43CF-8EE2-4451-803B-CC4B10BF2B43}" destId="{3FE9BAE6-4D60-402C-BF92-80D56BA3F855}" srcOrd="3" destOrd="0" presId="urn:microsoft.com/office/officeart/2005/8/layout/lProcess3"/>
     <dgm:cxn modelId="{F4C58823-6064-4895-8881-B40EF0855EAC}" type="presParOf" srcId="{82EB43CF-8EE2-4451-803B-CC4B10BF2B43}" destId="{9151B729-DB53-4F4F-B00A-CB5DD96882BF}" srcOrd="4" destOrd="0" presId="urn:microsoft.com/office/officeart/2005/8/layout/lProcess3"/>
-    <dgm:cxn modelId="{BA4210AF-9019-465A-A803-EEA52A7BB3A4}" type="presParOf" srcId="{82EB43CF-8EE2-4451-803B-CC4B10BF2B43}" destId="{59453FB8-A3D3-4D6C-B3A7-5B364C6976B9}" srcOrd="5" destOrd="0" presId="urn:microsoft.com/office/officeart/2005/8/layout/lProcess3"/>
-    <dgm:cxn modelId="{6CE8AC4C-C7E2-45AB-8615-010F7E0053A6}" type="presParOf" srcId="{82EB43CF-8EE2-4451-803B-CC4B10BF2B43}" destId="{88F8DB6A-BAC0-4205-AF9B-AC35A6DB9946}" srcOrd="6" destOrd="0" presId="urn:microsoft.com/office/officeart/2005/8/layout/lProcess3"/>
     <dgm:cxn modelId="{B85F9833-F525-4C99-A7BF-F8765EA113B0}" type="presParOf" srcId="{D363E498-CAB7-4428-8CDB-F7408518953D}" destId="{7FDEB570-9FD9-4BCC-AB76-BA64BEFC3972}" srcOrd="5" destOrd="0" presId="urn:microsoft.com/office/officeart/2005/8/layout/lProcess3"/>
     <dgm:cxn modelId="{14D24D9D-5813-40C4-9483-1F99EAFAEA0A}" type="presParOf" srcId="{D363E498-CAB7-4428-8CDB-F7408518953D}" destId="{2018E185-BA9E-4DA7-BDED-717D54DB8284}" srcOrd="6" destOrd="0" presId="urn:microsoft.com/office/officeart/2005/8/layout/lProcess3"/>
     <dgm:cxn modelId="{121A141C-05D3-4C55-BA04-28EFB988E94B}" type="presParOf" srcId="{2018E185-BA9E-4DA7-BDED-717D54DB8284}" destId="{1DC25E45-1799-4F8B-887C-1FCDF2F1E4B5}" srcOrd="0" destOrd="0" presId="urn:microsoft.com/office/officeart/2005/8/layout/lProcess3"/>
@@ -14514,6 +14768,1046 @@
 </dgm:dataModel>
 </file>
 
+<file path=ppt/diagrams/data6.xml><?xml version="1.0" encoding="utf-8"?>
+<dgm:dataModel xmlns:dgm="http://schemas.openxmlformats.org/drawingml/2006/diagram" xmlns:a="http://schemas.openxmlformats.org/drawingml/2006/main">
+  <dgm:ptLst>
+    <dgm:pt modelId="{89A2921F-624C-4ADA-AC9A-4533B5D96D0B}" type="doc">
+      <dgm:prSet loTypeId="urn:microsoft.com/office/officeart/2008/layout/HorizontalMultiLevelHierarchy" loCatId="hierarchy" qsTypeId="urn:microsoft.com/office/officeart/2005/8/quickstyle/simple1" qsCatId="simple" csTypeId="urn:microsoft.com/office/officeart/2005/8/colors/accent1_2" csCatId="accent1" phldr="1"/>
+      <dgm:spPr/>
+      <dgm:t>
+        <a:bodyPr/>
+        <a:lstStyle/>
+        <a:p>
+          <a:endParaRPr lang="de-DE"/>
+        </a:p>
+      </dgm:t>
+    </dgm:pt>
+    <dgm:pt modelId="{B63C370F-D0B3-4152-BDCE-2012D67D210C}">
+      <dgm:prSet phldrT="[Text]"/>
+      <dgm:spPr>
+        <a:solidFill>
+          <a:schemeClr val="accent5"/>
+        </a:solidFill>
+      </dgm:spPr>
+      <dgm:t>
+        <a:bodyPr/>
+        <a:lstStyle/>
+        <a:p>
+          <a:r>
+            <a:rPr lang="de-DE" dirty="0"/>
+            <a:t>ISTAR Digital Twin</a:t>
+          </a:r>
+        </a:p>
+      </dgm:t>
+    </dgm:pt>
+    <dgm:pt modelId="{5169D9AA-75C6-42D6-9207-BA2A7D238FC2}" type="parTrans" cxnId="{406586DA-D35C-42BB-9E3E-1B2E043281EB}">
+      <dgm:prSet/>
+      <dgm:spPr/>
+      <dgm:t>
+        <a:bodyPr/>
+        <a:lstStyle/>
+        <a:p>
+          <a:endParaRPr lang="de-DE"/>
+        </a:p>
+      </dgm:t>
+    </dgm:pt>
+    <dgm:pt modelId="{D1440289-004E-4AD5-B502-56DD2CE750BC}" type="sibTrans" cxnId="{406586DA-D35C-42BB-9E3E-1B2E043281EB}">
+      <dgm:prSet/>
+      <dgm:spPr/>
+      <dgm:t>
+        <a:bodyPr/>
+        <a:lstStyle/>
+        <a:p>
+          <a:endParaRPr lang="de-DE"/>
+        </a:p>
+      </dgm:t>
+    </dgm:pt>
+    <dgm:pt modelId="{B08B3F3B-B2AB-408A-AEF9-40DA7471B8E8}">
+      <dgm:prSet phldrT="[Text]"/>
+      <dgm:spPr/>
+      <dgm:t>
+        <a:bodyPr/>
+        <a:lstStyle/>
+        <a:p>
+          <a:r>
+            <a:rPr lang="de-DE" dirty="0"/>
+            <a:t>Aircraft Internal Data</a:t>
+          </a:r>
+        </a:p>
+      </dgm:t>
+    </dgm:pt>
+    <dgm:pt modelId="{CDDACAB3-2B78-4C93-ABEC-F480BDD9B7C5}" type="parTrans" cxnId="{10A45D98-367A-463E-946B-C932E108A3A6}">
+      <dgm:prSet/>
+      <dgm:spPr/>
+      <dgm:t>
+        <a:bodyPr/>
+        <a:lstStyle/>
+        <a:p>
+          <a:endParaRPr lang="de-DE"/>
+        </a:p>
+      </dgm:t>
+    </dgm:pt>
+    <dgm:pt modelId="{A1E1C432-75AD-4052-A603-3ED0EBE112D7}" type="sibTrans" cxnId="{10A45D98-367A-463E-946B-C932E108A3A6}">
+      <dgm:prSet/>
+      <dgm:spPr/>
+      <dgm:t>
+        <a:bodyPr/>
+        <a:lstStyle/>
+        <a:p>
+          <a:endParaRPr lang="de-DE"/>
+        </a:p>
+      </dgm:t>
+    </dgm:pt>
+    <dgm:pt modelId="{3FECB7C7-A597-47C7-ACC3-881067292768}">
+      <dgm:prSet phldrT="[Text]"/>
+      <dgm:spPr>
+        <a:solidFill>
+          <a:schemeClr val="accent3"/>
+        </a:solidFill>
+      </dgm:spPr>
+      <dgm:t>
+        <a:bodyPr/>
+        <a:lstStyle/>
+        <a:p>
+          <a:r>
+            <a:rPr lang="de-DE" dirty="0"/>
+            <a:t>DLR Internal Data</a:t>
+          </a:r>
+        </a:p>
+      </dgm:t>
+    </dgm:pt>
+    <dgm:pt modelId="{187EA3D4-E7D2-481E-A500-2A13BB66E76A}" type="parTrans" cxnId="{2B613FD7-A3C9-43B0-8852-2B3669F0B0C3}">
+      <dgm:prSet/>
+      <dgm:spPr/>
+      <dgm:t>
+        <a:bodyPr/>
+        <a:lstStyle/>
+        <a:p>
+          <a:endParaRPr lang="de-DE"/>
+        </a:p>
+      </dgm:t>
+    </dgm:pt>
+    <dgm:pt modelId="{962C6E63-3867-4D77-B0E3-671156408FB2}" type="sibTrans" cxnId="{2B613FD7-A3C9-43B0-8852-2B3669F0B0C3}">
+      <dgm:prSet/>
+      <dgm:spPr/>
+      <dgm:t>
+        <a:bodyPr/>
+        <a:lstStyle/>
+        <a:p>
+          <a:endParaRPr lang="de-DE"/>
+        </a:p>
+      </dgm:t>
+    </dgm:pt>
+    <dgm:pt modelId="{32A7DDBA-45A7-473F-8F28-661BBD8B1889}">
+      <dgm:prSet phldrT="[Text]"/>
+      <dgm:spPr>
+        <a:solidFill>
+          <a:schemeClr val="accent4"/>
+        </a:solidFill>
+      </dgm:spPr>
+      <dgm:t>
+        <a:bodyPr/>
+        <a:lstStyle/>
+        <a:p>
+          <a:r>
+            <a:rPr lang="de-DE" dirty="0">
+              <a:solidFill>
+                <a:schemeClr val="tx1"/>
+              </a:solidFill>
+            </a:rPr>
+            <a:t>DLR External Data</a:t>
+          </a:r>
+        </a:p>
+      </dgm:t>
+    </dgm:pt>
+    <dgm:pt modelId="{34B03A3C-224B-4295-A628-841616B6756E}" type="parTrans" cxnId="{949C0111-299F-4F19-97E1-D911F125D186}">
+      <dgm:prSet/>
+      <dgm:spPr/>
+      <dgm:t>
+        <a:bodyPr/>
+        <a:lstStyle/>
+        <a:p>
+          <a:endParaRPr lang="de-DE"/>
+        </a:p>
+      </dgm:t>
+    </dgm:pt>
+    <dgm:pt modelId="{E636D99F-8B69-44B8-BB69-45013EBF827F}" type="sibTrans" cxnId="{949C0111-299F-4F19-97E1-D911F125D186}">
+      <dgm:prSet/>
+      <dgm:spPr/>
+      <dgm:t>
+        <a:bodyPr/>
+        <a:lstStyle/>
+        <a:p>
+          <a:endParaRPr lang="de-DE"/>
+        </a:p>
+      </dgm:t>
+    </dgm:pt>
+    <dgm:pt modelId="{D2342DA6-3C7E-43E5-B865-EB9AC3B57EC9}">
+      <dgm:prSet phldrT="[Text]"/>
+      <dgm:spPr>
+        <a:solidFill>
+          <a:schemeClr val="accent4"/>
+        </a:solidFill>
+      </dgm:spPr>
+      <dgm:t>
+        <a:bodyPr/>
+        <a:lstStyle/>
+        <a:p>
+          <a:r>
+            <a:rPr lang="de-DE" dirty="0" err="1">
+              <a:solidFill>
+                <a:schemeClr val="tx1"/>
+              </a:solidFill>
+            </a:rPr>
+            <a:t>Surrounding</a:t>
+          </a:r>
+          <a:r>
+            <a:rPr lang="de-DE" dirty="0">
+              <a:solidFill>
+                <a:schemeClr val="tx1"/>
+              </a:solidFill>
+            </a:rPr>
+            <a:t> </a:t>
+          </a:r>
+          <a:br>
+            <a:rPr lang="de-DE" dirty="0">
+              <a:solidFill>
+                <a:schemeClr val="tx1"/>
+              </a:solidFill>
+            </a:rPr>
+          </a:br>
+          <a:r>
+            <a:rPr lang="de-DE" dirty="0">
+              <a:solidFill>
+                <a:schemeClr val="tx1"/>
+              </a:solidFill>
+            </a:rPr>
+            <a:t>Traffic (ADS-B)</a:t>
+          </a:r>
+        </a:p>
+      </dgm:t>
+    </dgm:pt>
+    <dgm:pt modelId="{A15A7EAA-F6EB-40A5-8570-D600C9960EBD}" type="parTrans" cxnId="{D249DB6A-2170-48A9-B7B0-DF4CBECCFF5F}">
+      <dgm:prSet/>
+      <dgm:spPr/>
+      <dgm:t>
+        <a:bodyPr/>
+        <a:lstStyle/>
+        <a:p>
+          <a:endParaRPr lang="de-DE"/>
+        </a:p>
+      </dgm:t>
+    </dgm:pt>
+    <dgm:pt modelId="{3E13B34A-BD2F-4C20-A8AB-1787862964B0}" type="sibTrans" cxnId="{D249DB6A-2170-48A9-B7B0-DF4CBECCFF5F}">
+      <dgm:prSet/>
+      <dgm:spPr/>
+      <dgm:t>
+        <a:bodyPr/>
+        <a:lstStyle/>
+        <a:p>
+          <a:endParaRPr lang="de-DE"/>
+        </a:p>
+      </dgm:t>
+    </dgm:pt>
+    <dgm:pt modelId="{36772620-CBA7-4CC2-96A5-B5A75A17D551}">
+      <dgm:prSet phldrT="[Text]"/>
+      <dgm:spPr>
+        <a:solidFill>
+          <a:schemeClr val="accent4"/>
+        </a:solidFill>
+      </dgm:spPr>
+      <dgm:t>
+        <a:bodyPr/>
+        <a:lstStyle/>
+        <a:p>
+          <a:r>
+            <a:rPr lang="de-DE" dirty="0" err="1">
+              <a:solidFill>
+                <a:schemeClr val="tx1"/>
+              </a:solidFill>
+            </a:rPr>
+            <a:t>Weather</a:t>
+          </a:r>
+          <a:r>
+            <a:rPr lang="de-DE" dirty="0">
+              <a:solidFill>
+                <a:schemeClr val="tx1"/>
+              </a:solidFill>
+            </a:rPr>
+            <a:t> (ECMWF, </a:t>
+          </a:r>
+          <a:r>
+            <a:rPr lang="de-DE" dirty="0" err="1">
+              <a:solidFill>
+                <a:schemeClr val="tx1"/>
+              </a:solidFill>
+            </a:rPr>
+            <a:t>Metar</a:t>
+          </a:r>
+          <a:r>
+            <a:rPr lang="de-DE" dirty="0">
+              <a:solidFill>
+                <a:schemeClr val="tx1"/>
+              </a:solidFill>
+            </a:rPr>
+            <a:t>)</a:t>
+          </a:r>
+        </a:p>
+      </dgm:t>
+    </dgm:pt>
+    <dgm:pt modelId="{CA503648-54B6-4AFA-9551-1753F78356BB}" type="parTrans" cxnId="{A9931B22-2DD5-4799-9F38-D0FEF4D519F8}">
+      <dgm:prSet/>
+      <dgm:spPr/>
+      <dgm:t>
+        <a:bodyPr/>
+        <a:lstStyle/>
+        <a:p>
+          <a:endParaRPr lang="de-DE"/>
+        </a:p>
+      </dgm:t>
+    </dgm:pt>
+    <dgm:pt modelId="{E1CE889D-CF59-4381-AE75-64011EB4E296}" type="sibTrans" cxnId="{A9931B22-2DD5-4799-9F38-D0FEF4D519F8}">
+      <dgm:prSet/>
+      <dgm:spPr/>
+      <dgm:t>
+        <a:bodyPr/>
+        <a:lstStyle/>
+        <a:p>
+          <a:endParaRPr lang="de-DE"/>
+        </a:p>
+      </dgm:t>
+    </dgm:pt>
+    <dgm:pt modelId="{CCE64073-FE79-4B04-951D-58491D7046D7}">
+      <dgm:prSet phldrT="[Text]"/>
+      <dgm:spPr>
+        <a:solidFill>
+          <a:schemeClr val="accent3"/>
+        </a:solidFill>
+      </dgm:spPr>
+      <dgm:t>
+        <a:bodyPr/>
+        <a:lstStyle/>
+        <a:p>
+          <a:r>
+            <a:rPr lang="de-DE" dirty="0"/>
+            <a:t>CAMO</a:t>
+          </a:r>
+        </a:p>
+      </dgm:t>
+    </dgm:pt>
+    <dgm:pt modelId="{C5DAD821-742F-4528-A4F4-6B39B1DB67B0}" type="parTrans" cxnId="{B935515A-0E34-44A3-89B7-40433F54E6D9}">
+      <dgm:prSet/>
+      <dgm:spPr/>
+      <dgm:t>
+        <a:bodyPr/>
+        <a:lstStyle/>
+        <a:p>
+          <a:endParaRPr lang="de-DE"/>
+        </a:p>
+      </dgm:t>
+    </dgm:pt>
+    <dgm:pt modelId="{0EE215E7-FB21-4C32-9CCA-CD80F76068BD}" type="sibTrans" cxnId="{B935515A-0E34-44A3-89B7-40433F54E6D9}">
+      <dgm:prSet/>
+      <dgm:spPr/>
+      <dgm:t>
+        <a:bodyPr/>
+        <a:lstStyle/>
+        <a:p>
+          <a:endParaRPr lang="de-DE"/>
+        </a:p>
+      </dgm:t>
+    </dgm:pt>
+    <dgm:pt modelId="{79E6F2FE-1431-4D3F-A923-C9B812826557}">
+      <dgm:prSet phldrT="[Text]"/>
+      <dgm:spPr>
+        <a:solidFill>
+          <a:schemeClr val="accent3"/>
+        </a:solidFill>
+      </dgm:spPr>
+      <dgm:t>
+        <a:bodyPr/>
+        <a:lstStyle/>
+        <a:p>
+          <a:r>
+            <a:rPr lang="de-DE" dirty="0"/>
+            <a:t>3D Scan (</a:t>
+          </a:r>
+          <a:r>
+            <a:rPr lang="de-DE" dirty="0" err="1"/>
+            <a:t>Cabin</a:t>
+          </a:r>
+          <a:r>
+            <a:rPr lang="de-DE" dirty="0"/>
+            <a:t> &amp; Aircraft)</a:t>
+          </a:r>
+        </a:p>
+      </dgm:t>
+    </dgm:pt>
+    <dgm:pt modelId="{18B32590-E5F3-4401-998B-E9C0DC79B4FB}" type="parTrans" cxnId="{CCB1EAB8-E8F0-458D-A1C8-C2B42EE509E3}">
+      <dgm:prSet/>
+      <dgm:spPr/>
+      <dgm:t>
+        <a:bodyPr/>
+        <a:lstStyle/>
+        <a:p>
+          <a:endParaRPr lang="de-DE"/>
+        </a:p>
+      </dgm:t>
+    </dgm:pt>
+    <dgm:pt modelId="{C58B04A0-ECAA-4D00-B295-38BC627013A1}" type="sibTrans" cxnId="{CCB1EAB8-E8F0-458D-A1C8-C2B42EE509E3}">
+      <dgm:prSet/>
+      <dgm:spPr/>
+      <dgm:t>
+        <a:bodyPr/>
+        <a:lstStyle/>
+        <a:p>
+          <a:endParaRPr lang="de-DE"/>
+        </a:p>
+      </dgm:t>
+    </dgm:pt>
+    <dgm:pt modelId="{589CA551-AFDB-4CAA-A810-E4C7ABDBEE82}">
+      <dgm:prSet phldrT="[Text]"/>
+      <dgm:spPr>
+        <a:solidFill>
+          <a:schemeClr val="accent4"/>
+        </a:solidFill>
+      </dgm:spPr>
+      <dgm:t>
+        <a:bodyPr/>
+        <a:lstStyle/>
+        <a:p>
+          <a:r>
+            <a:rPr lang="de-DE" dirty="0">
+              <a:solidFill>
+                <a:schemeClr val="tx1"/>
+              </a:solidFill>
+            </a:rPr>
+            <a:t>Manufacturing Data (CAD)</a:t>
+          </a:r>
+        </a:p>
+      </dgm:t>
+    </dgm:pt>
+    <dgm:pt modelId="{9F5CE424-C251-4CA5-974C-22DE040A78D6}" type="parTrans" cxnId="{7E8717CC-B7C3-4758-995E-0BD1B99337C3}">
+      <dgm:prSet/>
+      <dgm:spPr/>
+      <dgm:t>
+        <a:bodyPr/>
+        <a:lstStyle/>
+        <a:p>
+          <a:endParaRPr lang="de-DE"/>
+        </a:p>
+      </dgm:t>
+    </dgm:pt>
+    <dgm:pt modelId="{3DC18603-4BA0-494A-BD61-99394427F95A}" type="sibTrans" cxnId="{7E8717CC-B7C3-4758-995E-0BD1B99337C3}">
+      <dgm:prSet/>
+      <dgm:spPr/>
+      <dgm:t>
+        <a:bodyPr/>
+        <a:lstStyle/>
+        <a:p>
+          <a:endParaRPr lang="de-DE"/>
+        </a:p>
+      </dgm:t>
+    </dgm:pt>
+    <dgm:pt modelId="{E0C9E596-356D-43B6-9780-2C7CAB011941}">
+      <dgm:prSet phldrT="[Text]"/>
+      <dgm:spPr>
+        <a:solidFill>
+          <a:schemeClr val="accent3"/>
+        </a:solidFill>
+      </dgm:spPr>
+      <dgm:t>
+        <a:bodyPr/>
+        <a:lstStyle/>
+        <a:p>
+          <a:r>
+            <a:rPr lang="de-DE" dirty="0"/>
+            <a:t>Flight Test Plans</a:t>
+          </a:r>
+        </a:p>
+      </dgm:t>
+    </dgm:pt>
+    <dgm:pt modelId="{FD1C1BC4-E5E0-480E-B047-91FD8123F159}" type="parTrans" cxnId="{E4A9DDD3-639C-4C5B-9BF5-9EA3BCED2904}">
+      <dgm:prSet/>
+      <dgm:spPr/>
+      <dgm:t>
+        <a:bodyPr/>
+        <a:lstStyle/>
+        <a:p>
+          <a:endParaRPr lang="de-DE"/>
+        </a:p>
+      </dgm:t>
+    </dgm:pt>
+    <dgm:pt modelId="{258A73B2-9DDD-43CD-900E-2E40900388C0}" type="sibTrans" cxnId="{E4A9DDD3-639C-4C5B-9BF5-9EA3BCED2904}">
+      <dgm:prSet/>
+      <dgm:spPr/>
+      <dgm:t>
+        <a:bodyPr/>
+        <a:lstStyle/>
+        <a:p>
+          <a:endParaRPr lang="de-DE"/>
+        </a:p>
+      </dgm:t>
+    </dgm:pt>
+    <dgm:pt modelId="{9E47BC3C-2047-41EA-9F79-6E94377361E0}">
+      <dgm:prSet phldrT="[Text]"/>
+      <dgm:spPr/>
+      <dgm:t>
+        <a:bodyPr/>
+        <a:lstStyle/>
+        <a:p>
+          <a:r>
+            <a:rPr lang="de-DE" dirty="0"/>
+            <a:t>Basic Measurement Equipment (AC Data Bus)</a:t>
+          </a:r>
+        </a:p>
+      </dgm:t>
+    </dgm:pt>
+    <dgm:pt modelId="{D4845FA8-4D21-4ECF-A5B7-B624F1940077}" type="parTrans" cxnId="{FE5A19BD-2236-48AD-A192-44DF22BCBB95}">
+      <dgm:prSet/>
+      <dgm:spPr/>
+      <dgm:t>
+        <a:bodyPr/>
+        <a:lstStyle/>
+        <a:p>
+          <a:endParaRPr lang="de-DE"/>
+        </a:p>
+      </dgm:t>
+    </dgm:pt>
+    <dgm:pt modelId="{9E57C91A-8DAA-464D-A764-CE5D0DE2A150}" type="sibTrans" cxnId="{FE5A19BD-2236-48AD-A192-44DF22BCBB95}">
+      <dgm:prSet/>
+      <dgm:spPr/>
+      <dgm:t>
+        <a:bodyPr/>
+        <a:lstStyle/>
+        <a:p>
+          <a:endParaRPr lang="de-DE"/>
+        </a:p>
+      </dgm:t>
+    </dgm:pt>
+    <dgm:pt modelId="{7473901C-534A-4191-BFD4-3A8E5FD19B3B}">
+      <dgm:prSet phldrT="[Text]"/>
+      <dgm:spPr/>
+      <dgm:t>
+        <a:bodyPr/>
+        <a:lstStyle/>
+        <a:p>
+          <a:r>
+            <a:rPr lang="de-DE" dirty="0" err="1"/>
+            <a:t>Nose</a:t>
+          </a:r>
+          <a:r>
+            <a:rPr lang="de-DE" dirty="0"/>
+            <a:t> Boom</a:t>
+          </a:r>
+        </a:p>
+      </dgm:t>
+    </dgm:pt>
+    <dgm:pt modelId="{4043E1B5-3F39-486A-AF65-4FA92F670BD3}" type="parTrans" cxnId="{3B3512B9-79FE-44B4-8BFD-6643FB173956}">
+      <dgm:prSet/>
+      <dgm:spPr/>
+      <dgm:t>
+        <a:bodyPr/>
+        <a:lstStyle/>
+        <a:p>
+          <a:endParaRPr lang="de-DE"/>
+        </a:p>
+      </dgm:t>
+    </dgm:pt>
+    <dgm:pt modelId="{8E9522D3-4AFB-4774-997D-1E4F50F03A21}" type="sibTrans" cxnId="{3B3512B9-79FE-44B4-8BFD-6643FB173956}">
+      <dgm:prSet/>
+      <dgm:spPr/>
+      <dgm:t>
+        <a:bodyPr/>
+        <a:lstStyle/>
+        <a:p>
+          <a:endParaRPr lang="de-DE"/>
+        </a:p>
+      </dgm:t>
+    </dgm:pt>
+    <dgm:pt modelId="{9FFF1FD9-1C05-4A9D-A656-205F842000C6}">
+      <dgm:prSet phldrT="[Text]"/>
+      <dgm:spPr/>
+      <dgm:t>
+        <a:bodyPr/>
+        <a:lstStyle/>
+        <a:p>
+          <a:r>
+            <a:rPr lang="de-DE" dirty="0" err="1"/>
+            <a:t>Aerolastic</a:t>
+          </a:r>
+          <a:r>
+            <a:rPr lang="de-DE" dirty="0"/>
+            <a:t> Sensor System</a:t>
+          </a:r>
+        </a:p>
+      </dgm:t>
+    </dgm:pt>
+    <dgm:pt modelId="{0AB84C04-E9DF-499A-B186-78A78801B498}" type="parTrans" cxnId="{01FAD158-0F82-46CE-B322-BF32F53CC194}">
+      <dgm:prSet/>
+      <dgm:spPr/>
+      <dgm:t>
+        <a:bodyPr/>
+        <a:lstStyle/>
+        <a:p>
+          <a:endParaRPr lang="de-DE"/>
+        </a:p>
+      </dgm:t>
+    </dgm:pt>
+    <dgm:pt modelId="{4DEBA17F-DF42-4D1B-A7D1-27E21178710B}" type="sibTrans" cxnId="{01FAD158-0F82-46CE-B322-BF32F53CC194}">
+      <dgm:prSet/>
+      <dgm:spPr/>
+      <dgm:t>
+        <a:bodyPr/>
+        <a:lstStyle/>
+        <a:p>
+          <a:endParaRPr lang="de-DE"/>
+        </a:p>
+      </dgm:t>
+    </dgm:pt>
+    <dgm:pt modelId="{E3DFC742-4887-4D40-B09D-0B128C29A1E0}" type="pres">
+      <dgm:prSet presAssocID="{89A2921F-624C-4ADA-AC9A-4533B5D96D0B}" presName="Name0" presStyleCnt="0">
+        <dgm:presLayoutVars>
+          <dgm:chPref val="1"/>
+          <dgm:dir/>
+          <dgm:animOne val="branch"/>
+          <dgm:animLvl val="lvl"/>
+          <dgm:resizeHandles val="exact"/>
+        </dgm:presLayoutVars>
+      </dgm:prSet>
+      <dgm:spPr/>
+    </dgm:pt>
+    <dgm:pt modelId="{0ECAF371-1EA1-4848-8B5A-ED30F8C180F0}" type="pres">
+      <dgm:prSet presAssocID="{B63C370F-D0B3-4152-BDCE-2012D67D210C}" presName="root1" presStyleCnt="0"/>
+      <dgm:spPr/>
+    </dgm:pt>
+    <dgm:pt modelId="{15AF63BF-097D-4EBC-B611-17C29F23CA05}" type="pres">
+      <dgm:prSet presAssocID="{B63C370F-D0B3-4152-BDCE-2012D67D210C}" presName="LevelOneTextNode" presStyleLbl="node0" presStyleIdx="0" presStyleCnt="1" custScaleY="107445">
+        <dgm:presLayoutVars>
+          <dgm:chPref val="3"/>
+        </dgm:presLayoutVars>
+      </dgm:prSet>
+      <dgm:spPr/>
+    </dgm:pt>
+    <dgm:pt modelId="{25EF7B79-3927-4700-AA72-AF027D9675ED}" type="pres">
+      <dgm:prSet presAssocID="{B63C370F-D0B3-4152-BDCE-2012D67D210C}" presName="level2hierChild" presStyleCnt="0"/>
+      <dgm:spPr/>
+    </dgm:pt>
+    <dgm:pt modelId="{B86FC023-5AA5-4F78-9297-CD6F60BE57CD}" type="pres">
+      <dgm:prSet presAssocID="{CDDACAB3-2B78-4C93-ABEC-F480BDD9B7C5}" presName="conn2-1" presStyleLbl="parChTrans1D2" presStyleIdx="0" presStyleCnt="3"/>
+      <dgm:spPr/>
+    </dgm:pt>
+    <dgm:pt modelId="{70F77F80-3D0B-461D-9297-114126A02F8E}" type="pres">
+      <dgm:prSet presAssocID="{CDDACAB3-2B78-4C93-ABEC-F480BDD9B7C5}" presName="connTx" presStyleLbl="parChTrans1D2" presStyleIdx="0" presStyleCnt="3"/>
+      <dgm:spPr/>
+    </dgm:pt>
+    <dgm:pt modelId="{C000E74F-D4A7-403F-987A-A750D8490CA8}" type="pres">
+      <dgm:prSet presAssocID="{B08B3F3B-B2AB-408A-AEF9-40DA7471B8E8}" presName="root2" presStyleCnt="0"/>
+      <dgm:spPr/>
+    </dgm:pt>
+    <dgm:pt modelId="{24B062D9-891F-4673-9275-E4F62730D662}" type="pres">
+      <dgm:prSet presAssocID="{B08B3F3B-B2AB-408A-AEF9-40DA7471B8E8}" presName="LevelTwoTextNode" presStyleLbl="node2" presStyleIdx="0" presStyleCnt="3">
+        <dgm:presLayoutVars>
+          <dgm:chPref val="3"/>
+        </dgm:presLayoutVars>
+      </dgm:prSet>
+      <dgm:spPr/>
+    </dgm:pt>
+    <dgm:pt modelId="{B12881B7-08FC-4734-ACCA-FE86845D6C34}" type="pres">
+      <dgm:prSet presAssocID="{B08B3F3B-B2AB-408A-AEF9-40DA7471B8E8}" presName="level3hierChild" presStyleCnt="0"/>
+      <dgm:spPr/>
+    </dgm:pt>
+    <dgm:pt modelId="{5E13931A-9AAF-4B45-9CFF-59C19939BCA2}" type="pres">
+      <dgm:prSet presAssocID="{D4845FA8-4D21-4ECF-A5B7-B624F1940077}" presName="conn2-1" presStyleLbl="parChTrans1D3" presStyleIdx="0" presStyleCnt="9"/>
+      <dgm:spPr/>
+    </dgm:pt>
+    <dgm:pt modelId="{29638BA9-09C0-41B6-A033-6159177D7C14}" type="pres">
+      <dgm:prSet presAssocID="{D4845FA8-4D21-4ECF-A5B7-B624F1940077}" presName="connTx" presStyleLbl="parChTrans1D3" presStyleIdx="0" presStyleCnt="9"/>
+      <dgm:spPr/>
+    </dgm:pt>
+    <dgm:pt modelId="{50496C6D-31EF-42EA-A3E6-2BF06C5D6756}" type="pres">
+      <dgm:prSet presAssocID="{9E47BC3C-2047-41EA-9F79-6E94377361E0}" presName="root2" presStyleCnt="0"/>
+      <dgm:spPr/>
+    </dgm:pt>
+    <dgm:pt modelId="{56A15159-5AC9-410E-B263-A510A2432B32}" type="pres">
+      <dgm:prSet presAssocID="{9E47BC3C-2047-41EA-9F79-6E94377361E0}" presName="LevelTwoTextNode" presStyleLbl="node3" presStyleIdx="0" presStyleCnt="9">
+        <dgm:presLayoutVars>
+          <dgm:chPref val="3"/>
+        </dgm:presLayoutVars>
+      </dgm:prSet>
+      <dgm:spPr/>
+    </dgm:pt>
+    <dgm:pt modelId="{7C8AA0AA-60AE-40BA-A2DF-82B086F65561}" type="pres">
+      <dgm:prSet presAssocID="{9E47BC3C-2047-41EA-9F79-6E94377361E0}" presName="level3hierChild" presStyleCnt="0"/>
+      <dgm:spPr/>
+    </dgm:pt>
+    <dgm:pt modelId="{FFFDB243-4505-44F2-BB85-C74F3C8DE599}" type="pres">
+      <dgm:prSet presAssocID="{4043E1B5-3F39-486A-AF65-4FA92F670BD3}" presName="conn2-1" presStyleLbl="parChTrans1D3" presStyleIdx="1" presStyleCnt="9"/>
+      <dgm:spPr/>
+    </dgm:pt>
+    <dgm:pt modelId="{D1755E59-6FDD-4310-A9D8-28012BEED599}" type="pres">
+      <dgm:prSet presAssocID="{4043E1B5-3F39-486A-AF65-4FA92F670BD3}" presName="connTx" presStyleLbl="parChTrans1D3" presStyleIdx="1" presStyleCnt="9"/>
+      <dgm:spPr/>
+    </dgm:pt>
+    <dgm:pt modelId="{E2C4BB5B-8DF1-4E4C-B557-37769974EE04}" type="pres">
+      <dgm:prSet presAssocID="{7473901C-534A-4191-BFD4-3A8E5FD19B3B}" presName="root2" presStyleCnt="0"/>
+      <dgm:spPr/>
+    </dgm:pt>
+    <dgm:pt modelId="{8DA5CF6A-7F14-436D-A4E3-44796FC9C617}" type="pres">
+      <dgm:prSet presAssocID="{7473901C-534A-4191-BFD4-3A8E5FD19B3B}" presName="LevelTwoTextNode" presStyleLbl="node3" presStyleIdx="1" presStyleCnt="9">
+        <dgm:presLayoutVars>
+          <dgm:chPref val="3"/>
+        </dgm:presLayoutVars>
+      </dgm:prSet>
+      <dgm:spPr/>
+    </dgm:pt>
+    <dgm:pt modelId="{52AAA3F1-279B-40AA-B450-0FC9962DF5EA}" type="pres">
+      <dgm:prSet presAssocID="{7473901C-534A-4191-BFD4-3A8E5FD19B3B}" presName="level3hierChild" presStyleCnt="0"/>
+      <dgm:spPr/>
+    </dgm:pt>
+    <dgm:pt modelId="{96CB63D9-7018-45B0-B99B-7A371EA7C2A8}" type="pres">
+      <dgm:prSet presAssocID="{0AB84C04-E9DF-499A-B186-78A78801B498}" presName="conn2-1" presStyleLbl="parChTrans1D3" presStyleIdx="2" presStyleCnt="9"/>
+      <dgm:spPr/>
+    </dgm:pt>
+    <dgm:pt modelId="{94E2696E-9606-46A1-A0E6-756BC8903EF8}" type="pres">
+      <dgm:prSet presAssocID="{0AB84C04-E9DF-499A-B186-78A78801B498}" presName="connTx" presStyleLbl="parChTrans1D3" presStyleIdx="2" presStyleCnt="9"/>
+      <dgm:spPr/>
+    </dgm:pt>
+    <dgm:pt modelId="{69626E34-A187-4F05-80FA-D324204B162D}" type="pres">
+      <dgm:prSet presAssocID="{9FFF1FD9-1C05-4A9D-A656-205F842000C6}" presName="root2" presStyleCnt="0"/>
+      <dgm:spPr/>
+    </dgm:pt>
+    <dgm:pt modelId="{EBB44A27-D449-4FAA-9A43-3634DCD01467}" type="pres">
+      <dgm:prSet presAssocID="{9FFF1FD9-1C05-4A9D-A656-205F842000C6}" presName="LevelTwoTextNode" presStyleLbl="node3" presStyleIdx="2" presStyleCnt="9">
+        <dgm:presLayoutVars>
+          <dgm:chPref val="3"/>
+        </dgm:presLayoutVars>
+      </dgm:prSet>
+      <dgm:spPr/>
+    </dgm:pt>
+    <dgm:pt modelId="{C6EFC102-B8F9-4BAE-A085-A85E0A723E42}" type="pres">
+      <dgm:prSet presAssocID="{9FFF1FD9-1C05-4A9D-A656-205F842000C6}" presName="level3hierChild" presStyleCnt="0"/>
+      <dgm:spPr/>
+    </dgm:pt>
+    <dgm:pt modelId="{8928A7E9-CDD8-4F1B-BBB4-C07BA8314112}" type="pres">
+      <dgm:prSet presAssocID="{187EA3D4-E7D2-481E-A500-2A13BB66E76A}" presName="conn2-1" presStyleLbl="parChTrans1D2" presStyleIdx="1" presStyleCnt="3"/>
+      <dgm:spPr/>
+    </dgm:pt>
+    <dgm:pt modelId="{BCDC1301-9220-4559-8314-D0B7ED0127DE}" type="pres">
+      <dgm:prSet presAssocID="{187EA3D4-E7D2-481E-A500-2A13BB66E76A}" presName="connTx" presStyleLbl="parChTrans1D2" presStyleIdx="1" presStyleCnt="3"/>
+      <dgm:spPr/>
+    </dgm:pt>
+    <dgm:pt modelId="{46251072-7595-4EFB-8051-02C1A022DE1E}" type="pres">
+      <dgm:prSet presAssocID="{3FECB7C7-A597-47C7-ACC3-881067292768}" presName="root2" presStyleCnt="0"/>
+      <dgm:spPr/>
+    </dgm:pt>
+    <dgm:pt modelId="{7AAD6E8A-D1AC-4C73-8EAC-42C29479C60D}" type="pres">
+      <dgm:prSet presAssocID="{3FECB7C7-A597-47C7-ACC3-881067292768}" presName="LevelTwoTextNode" presStyleLbl="node2" presStyleIdx="1" presStyleCnt="3">
+        <dgm:presLayoutVars>
+          <dgm:chPref val="3"/>
+        </dgm:presLayoutVars>
+      </dgm:prSet>
+      <dgm:spPr/>
+    </dgm:pt>
+    <dgm:pt modelId="{A3FD7636-451D-4E84-A515-BCBAFF8FBCC6}" type="pres">
+      <dgm:prSet presAssocID="{3FECB7C7-A597-47C7-ACC3-881067292768}" presName="level3hierChild" presStyleCnt="0"/>
+      <dgm:spPr/>
+    </dgm:pt>
+    <dgm:pt modelId="{E133D424-9E7D-49FC-903B-275E1F25F124}" type="pres">
+      <dgm:prSet presAssocID="{C5DAD821-742F-4528-A4F4-6B39B1DB67B0}" presName="conn2-1" presStyleLbl="parChTrans1D3" presStyleIdx="3" presStyleCnt="9"/>
+      <dgm:spPr/>
+    </dgm:pt>
+    <dgm:pt modelId="{266F73E3-829B-4CF1-BE18-3CAC45D3CD46}" type="pres">
+      <dgm:prSet presAssocID="{C5DAD821-742F-4528-A4F4-6B39B1DB67B0}" presName="connTx" presStyleLbl="parChTrans1D3" presStyleIdx="3" presStyleCnt="9"/>
+      <dgm:spPr/>
+    </dgm:pt>
+    <dgm:pt modelId="{B622A1FD-9E62-46F9-9762-DF71CA32D621}" type="pres">
+      <dgm:prSet presAssocID="{CCE64073-FE79-4B04-951D-58491D7046D7}" presName="root2" presStyleCnt="0"/>
+      <dgm:spPr/>
+    </dgm:pt>
+    <dgm:pt modelId="{1FA15DBF-B50F-4019-9FFC-32C7F856B55A}" type="pres">
+      <dgm:prSet presAssocID="{CCE64073-FE79-4B04-951D-58491D7046D7}" presName="LevelTwoTextNode" presStyleLbl="node3" presStyleIdx="3" presStyleCnt="9">
+        <dgm:presLayoutVars>
+          <dgm:chPref val="3"/>
+        </dgm:presLayoutVars>
+      </dgm:prSet>
+      <dgm:spPr/>
+    </dgm:pt>
+    <dgm:pt modelId="{C008D95D-3790-4F96-8ABC-699C9C10107D}" type="pres">
+      <dgm:prSet presAssocID="{CCE64073-FE79-4B04-951D-58491D7046D7}" presName="level3hierChild" presStyleCnt="0"/>
+      <dgm:spPr/>
+    </dgm:pt>
+    <dgm:pt modelId="{91BFE216-B3E2-4DE1-A461-9CF78F0FD570}" type="pres">
+      <dgm:prSet presAssocID="{18B32590-E5F3-4401-998B-E9C0DC79B4FB}" presName="conn2-1" presStyleLbl="parChTrans1D3" presStyleIdx="4" presStyleCnt="9"/>
+      <dgm:spPr/>
+    </dgm:pt>
+    <dgm:pt modelId="{6D237073-4E5B-473D-94D4-790500548F04}" type="pres">
+      <dgm:prSet presAssocID="{18B32590-E5F3-4401-998B-E9C0DC79B4FB}" presName="connTx" presStyleLbl="parChTrans1D3" presStyleIdx="4" presStyleCnt="9"/>
+      <dgm:spPr/>
+    </dgm:pt>
+    <dgm:pt modelId="{8DFB42E2-419F-481E-82DC-DDA6E77C8155}" type="pres">
+      <dgm:prSet presAssocID="{79E6F2FE-1431-4D3F-A923-C9B812826557}" presName="root2" presStyleCnt="0"/>
+      <dgm:spPr/>
+    </dgm:pt>
+    <dgm:pt modelId="{58DAF8C7-763E-421D-B937-2AA3327D22B4}" type="pres">
+      <dgm:prSet presAssocID="{79E6F2FE-1431-4D3F-A923-C9B812826557}" presName="LevelTwoTextNode" presStyleLbl="node3" presStyleIdx="4" presStyleCnt="9">
+        <dgm:presLayoutVars>
+          <dgm:chPref val="3"/>
+        </dgm:presLayoutVars>
+      </dgm:prSet>
+      <dgm:spPr/>
+    </dgm:pt>
+    <dgm:pt modelId="{46B9F7E9-C9FD-4C8A-BC94-236038D74DEA}" type="pres">
+      <dgm:prSet presAssocID="{79E6F2FE-1431-4D3F-A923-C9B812826557}" presName="level3hierChild" presStyleCnt="0"/>
+      <dgm:spPr/>
+    </dgm:pt>
+    <dgm:pt modelId="{45C894BC-9694-4D81-BF1B-4A730626DAA4}" type="pres">
+      <dgm:prSet presAssocID="{FD1C1BC4-E5E0-480E-B047-91FD8123F159}" presName="conn2-1" presStyleLbl="parChTrans1D3" presStyleIdx="5" presStyleCnt="9"/>
+      <dgm:spPr/>
+    </dgm:pt>
+    <dgm:pt modelId="{1AA64B49-885C-404C-8552-0B8E1F7C3A7F}" type="pres">
+      <dgm:prSet presAssocID="{FD1C1BC4-E5E0-480E-B047-91FD8123F159}" presName="connTx" presStyleLbl="parChTrans1D3" presStyleIdx="5" presStyleCnt="9"/>
+      <dgm:spPr/>
+    </dgm:pt>
+    <dgm:pt modelId="{15E57701-AEEB-4213-A312-7CC0BEC6E1E0}" type="pres">
+      <dgm:prSet presAssocID="{E0C9E596-356D-43B6-9780-2C7CAB011941}" presName="root2" presStyleCnt="0"/>
+      <dgm:spPr/>
+    </dgm:pt>
+    <dgm:pt modelId="{DD3D897A-6B6E-4AA3-A9FD-14CE57662DE3}" type="pres">
+      <dgm:prSet presAssocID="{E0C9E596-356D-43B6-9780-2C7CAB011941}" presName="LevelTwoTextNode" presStyleLbl="node3" presStyleIdx="5" presStyleCnt="9">
+        <dgm:presLayoutVars>
+          <dgm:chPref val="3"/>
+        </dgm:presLayoutVars>
+      </dgm:prSet>
+      <dgm:spPr/>
+    </dgm:pt>
+    <dgm:pt modelId="{AFF8B6D3-5EE8-4025-AE3D-FA08943CD0D0}" type="pres">
+      <dgm:prSet presAssocID="{E0C9E596-356D-43B6-9780-2C7CAB011941}" presName="level3hierChild" presStyleCnt="0"/>
+      <dgm:spPr/>
+    </dgm:pt>
+    <dgm:pt modelId="{F733F054-5A15-447F-8E52-7A9CDB808D03}" type="pres">
+      <dgm:prSet presAssocID="{34B03A3C-224B-4295-A628-841616B6756E}" presName="conn2-1" presStyleLbl="parChTrans1D2" presStyleIdx="2" presStyleCnt="3"/>
+      <dgm:spPr/>
+    </dgm:pt>
+    <dgm:pt modelId="{E5726B2C-9AD7-4642-A4FC-E2C58D810867}" type="pres">
+      <dgm:prSet presAssocID="{34B03A3C-224B-4295-A628-841616B6756E}" presName="connTx" presStyleLbl="parChTrans1D2" presStyleIdx="2" presStyleCnt="3"/>
+      <dgm:spPr/>
+    </dgm:pt>
+    <dgm:pt modelId="{89D2C9F1-ACA9-46B6-A0EE-ECA1423B56AF}" type="pres">
+      <dgm:prSet presAssocID="{32A7DDBA-45A7-473F-8F28-661BBD8B1889}" presName="root2" presStyleCnt="0"/>
+      <dgm:spPr/>
+    </dgm:pt>
+    <dgm:pt modelId="{BECF1E3F-BC6F-4A7D-AE0D-97FF8FE78196}" type="pres">
+      <dgm:prSet presAssocID="{32A7DDBA-45A7-473F-8F28-661BBD8B1889}" presName="LevelTwoTextNode" presStyleLbl="node2" presStyleIdx="2" presStyleCnt="3">
+        <dgm:presLayoutVars>
+          <dgm:chPref val="3"/>
+        </dgm:presLayoutVars>
+      </dgm:prSet>
+      <dgm:spPr/>
+    </dgm:pt>
+    <dgm:pt modelId="{1803C581-172F-4B82-BFE7-6F70D3810A31}" type="pres">
+      <dgm:prSet presAssocID="{32A7DDBA-45A7-473F-8F28-661BBD8B1889}" presName="level3hierChild" presStyleCnt="0"/>
+      <dgm:spPr/>
+    </dgm:pt>
+    <dgm:pt modelId="{5960513F-EE2B-4181-A374-AB2777448E61}" type="pres">
+      <dgm:prSet presAssocID="{A15A7EAA-F6EB-40A5-8570-D600C9960EBD}" presName="conn2-1" presStyleLbl="parChTrans1D3" presStyleIdx="6" presStyleCnt="9"/>
+      <dgm:spPr/>
+    </dgm:pt>
+    <dgm:pt modelId="{B545B5F3-FEA8-48BA-9AFE-6BFD55CA7002}" type="pres">
+      <dgm:prSet presAssocID="{A15A7EAA-F6EB-40A5-8570-D600C9960EBD}" presName="connTx" presStyleLbl="parChTrans1D3" presStyleIdx="6" presStyleCnt="9"/>
+      <dgm:spPr/>
+    </dgm:pt>
+    <dgm:pt modelId="{EA043707-2972-4EBD-92E1-83340204559D}" type="pres">
+      <dgm:prSet presAssocID="{D2342DA6-3C7E-43E5-B865-EB9AC3B57EC9}" presName="root2" presStyleCnt="0"/>
+      <dgm:spPr/>
+    </dgm:pt>
+    <dgm:pt modelId="{6C832B41-8D46-4FC6-8B9E-56C0780A9437}" type="pres">
+      <dgm:prSet presAssocID="{D2342DA6-3C7E-43E5-B865-EB9AC3B57EC9}" presName="LevelTwoTextNode" presStyleLbl="node3" presStyleIdx="6" presStyleCnt="9">
+        <dgm:presLayoutVars>
+          <dgm:chPref val="3"/>
+        </dgm:presLayoutVars>
+      </dgm:prSet>
+      <dgm:spPr/>
+    </dgm:pt>
+    <dgm:pt modelId="{CD69E413-E479-488F-B86B-73509376D0ED}" type="pres">
+      <dgm:prSet presAssocID="{D2342DA6-3C7E-43E5-B865-EB9AC3B57EC9}" presName="level3hierChild" presStyleCnt="0"/>
+      <dgm:spPr/>
+    </dgm:pt>
+    <dgm:pt modelId="{5C5849B0-0D1C-4FA3-AC10-12B164FB617E}" type="pres">
+      <dgm:prSet presAssocID="{CA503648-54B6-4AFA-9551-1753F78356BB}" presName="conn2-1" presStyleLbl="parChTrans1D3" presStyleIdx="7" presStyleCnt="9"/>
+      <dgm:spPr/>
+    </dgm:pt>
+    <dgm:pt modelId="{5142D4AC-F2AA-44B5-85E2-DAC436230CF9}" type="pres">
+      <dgm:prSet presAssocID="{CA503648-54B6-4AFA-9551-1753F78356BB}" presName="connTx" presStyleLbl="parChTrans1D3" presStyleIdx="7" presStyleCnt="9"/>
+      <dgm:spPr/>
+    </dgm:pt>
+    <dgm:pt modelId="{D187EA73-AD1A-4FDA-897C-C4F46E7B7FF6}" type="pres">
+      <dgm:prSet presAssocID="{36772620-CBA7-4CC2-96A5-B5A75A17D551}" presName="root2" presStyleCnt="0"/>
+      <dgm:spPr/>
+    </dgm:pt>
+    <dgm:pt modelId="{1C4E7CBD-A5F5-4AED-8EC5-F8E3159341E9}" type="pres">
+      <dgm:prSet presAssocID="{36772620-CBA7-4CC2-96A5-B5A75A17D551}" presName="LevelTwoTextNode" presStyleLbl="node3" presStyleIdx="7" presStyleCnt="9">
+        <dgm:presLayoutVars>
+          <dgm:chPref val="3"/>
+        </dgm:presLayoutVars>
+      </dgm:prSet>
+      <dgm:spPr/>
+    </dgm:pt>
+    <dgm:pt modelId="{BD5D1AF3-DA09-4897-895F-2B406CA8434E}" type="pres">
+      <dgm:prSet presAssocID="{36772620-CBA7-4CC2-96A5-B5A75A17D551}" presName="level3hierChild" presStyleCnt="0"/>
+      <dgm:spPr/>
+    </dgm:pt>
+    <dgm:pt modelId="{A23D78ED-6118-4448-85C5-3649C6460D9D}" type="pres">
+      <dgm:prSet presAssocID="{9F5CE424-C251-4CA5-974C-22DE040A78D6}" presName="conn2-1" presStyleLbl="parChTrans1D3" presStyleIdx="8" presStyleCnt="9"/>
+      <dgm:spPr/>
+    </dgm:pt>
+    <dgm:pt modelId="{311020DF-78A9-40A7-8AC5-AF7A95691CEA}" type="pres">
+      <dgm:prSet presAssocID="{9F5CE424-C251-4CA5-974C-22DE040A78D6}" presName="connTx" presStyleLbl="parChTrans1D3" presStyleIdx="8" presStyleCnt="9"/>
+      <dgm:spPr/>
+    </dgm:pt>
+    <dgm:pt modelId="{6E9460ED-62D6-433F-8ED6-DD9AFF29EA4D}" type="pres">
+      <dgm:prSet presAssocID="{589CA551-AFDB-4CAA-A810-E4C7ABDBEE82}" presName="root2" presStyleCnt="0"/>
+      <dgm:spPr/>
+    </dgm:pt>
+    <dgm:pt modelId="{D42BB064-6B09-4205-9336-2170F4C1FED7}" type="pres">
+      <dgm:prSet presAssocID="{589CA551-AFDB-4CAA-A810-E4C7ABDBEE82}" presName="LevelTwoTextNode" presStyleLbl="node3" presStyleIdx="8" presStyleCnt="9">
+        <dgm:presLayoutVars>
+          <dgm:chPref val="3"/>
+        </dgm:presLayoutVars>
+      </dgm:prSet>
+      <dgm:spPr/>
+    </dgm:pt>
+    <dgm:pt modelId="{2D52CBAD-D455-4259-853B-FC8067EFC7D1}" type="pres">
+      <dgm:prSet presAssocID="{589CA551-AFDB-4CAA-A810-E4C7ABDBEE82}" presName="level3hierChild" presStyleCnt="0"/>
+      <dgm:spPr/>
+    </dgm:pt>
+  </dgm:ptLst>
+  <dgm:cxnLst>
+    <dgm:cxn modelId="{10082D09-A99C-4884-B30B-E6EF1671DAB9}" type="presOf" srcId="{18B32590-E5F3-4401-998B-E9C0DC79B4FB}" destId="{6D237073-4E5B-473D-94D4-790500548F04}" srcOrd="1" destOrd="0" presId="urn:microsoft.com/office/officeart/2008/layout/HorizontalMultiLevelHierarchy"/>
+    <dgm:cxn modelId="{C274A10D-CFC7-4D84-9357-E60BCC3B7381}" type="presOf" srcId="{B63C370F-D0B3-4152-BDCE-2012D67D210C}" destId="{15AF63BF-097D-4EBC-B611-17C29F23CA05}" srcOrd="0" destOrd="0" presId="urn:microsoft.com/office/officeart/2008/layout/HorizontalMultiLevelHierarchy"/>
+    <dgm:cxn modelId="{949C0111-299F-4F19-97E1-D911F125D186}" srcId="{B63C370F-D0B3-4152-BDCE-2012D67D210C}" destId="{32A7DDBA-45A7-473F-8F28-661BBD8B1889}" srcOrd="2" destOrd="0" parTransId="{34B03A3C-224B-4295-A628-841616B6756E}" sibTransId="{E636D99F-8B69-44B8-BB69-45013EBF827F}"/>
+    <dgm:cxn modelId="{8D31631C-82DE-4107-9FFD-466698B43B36}" type="presOf" srcId="{CA503648-54B6-4AFA-9551-1753F78356BB}" destId="{5C5849B0-0D1C-4FA3-AC10-12B164FB617E}" srcOrd="0" destOrd="0" presId="urn:microsoft.com/office/officeart/2008/layout/HorizontalMultiLevelHierarchy"/>
+    <dgm:cxn modelId="{B352BE1F-E4B9-4AC7-9A8D-7A8665D67998}" type="presOf" srcId="{9E47BC3C-2047-41EA-9F79-6E94377361E0}" destId="{56A15159-5AC9-410E-B263-A510A2432B32}" srcOrd="0" destOrd="0" presId="urn:microsoft.com/office/officeart/2008/layout/HorizontalMultiLevelHierarchy"/>
+    <dgm:cxn modelId="{3F3AA521-F4FF-4DEC-87CC-4C5DCC16E92F}" type="presOf" srcId="{A15A7EAA-F6EB-40A5-8570-D600C9960EBD}" destId="{B545B5F3-FEA8-48BA-9AFE-6BFD55CA7002}" srcOrd="1" destOrd="0" presId="urn:microsoft.com/office/officeart/2008/layout/HorizontalMultiLevelHierarchy"/>
+    <dgm:cxn modelId="{A9931B22-2DD5-4799-9F38-D0FEF4D519F8}" srcId="{32A7DDBA-45A7-473F-8F28-661BBD8B1889}" destId="{36772620-CBA7-4CC2-96A5-B5A75A17D551}" srcOrd="1" destOrd="0" parTransId="{CA503648-54B6-4AFA-9551-1753F78356BB}" sibTransId="{E1CE889D-CF59-4381-AE75-64011EB4E296}"/>
+    <dgm:cxn modelId="{1D0FAD22-1870-4777-9610-16C7EBF90F21}" type="presOf" srcId="{589CA551-AFDB-4CAA-A810-E4C7ABDBEE82}" destId="{D42BB064-6B09-4205-9336-2170F4C1FED7}" srcOrd="0" destOrd="0" presId="urn:microsoft.com/office/officeart/2008/layout/HorizontalMultiLevelHierarchy"/>
+    <dgm:cxn modelId="{16E5392B-3BEC-4C94-8E2D-C6D20957132A}" type="presOf" srcId="{C5DAD821-742F-4528-A4F4-6B39B1DB67B0}" destId="{266F73E3-829B-4CF1-BE18-3CAC45D3CD46}" srcOrd="1" destOrd="0" presId="urn:microsoft.com/office/officeart/2008/layout/HorizontalMultiLevelHierarchy"/>
+    <dgm:cxn modelId="{CF254A34-0565-4656-871D-DD8C7B7C5916}" type="presOf" srcId="{CCE64073-FE79-4B04-951D-58491D7046D7}" destId="{1FA15DBF-B50F-4019-9FFC-32C7F856B55A}" srcOrd="0" destOrd="0" presId="urn:microsoft.com/office/officeart/2008/layout/HorizontalMultiLevelHierarchy"/>
+    <dgm:cxn modelId="{AF4C8B3E-A806-4682-8DA7-59DF05EC13D5}" type="presOf" srcId="{32A7DDBA-45A7-473F-8F28-661BBD8B1889}" destId="{BECF1E3F-BC6F-4A7D-AE0D-97FF8FE78196}" srcOrd="0" destOrd="0" presId="urn:microsoft.com/office/officeart/2008/layout/HorizontalMultiLevelHierarchy"/>
+    <dgm:cxn modelId="{E0DB0840-491A-4B60-AA6C-253571D8828B}" type="presOf" srcId="{4043E1B5-3F39-486A-AF65-4FA92F670BD3}" destId="{D1755E59-6FDD-4310-A9D8-28012BEED599}" srcOrd="1" destOrd="0" presId="urn:microsoft.com/office/officeart/2008/layout/HorizontalMultiLevelHierarchy"/>
+    <dgm:cxn modelId="{B8C2A966-62E4-46FB-8EB1-D6ACE2F5B9CF}" type="presOf" srcId="{79E6F2FE-1431-4D3F-A923-C9B812826557}" destId="{58DAF8C7-763E-421D-B937-2AA3327D22B4}" srcOrd="0" destOrd="0" presId="urn:microsoft.com/office/officeart/2008/layout/HorizontalMultiLevelHierarchy"/>
+    <dgm:cxn modelId="{F55C4A67-C6B0-422A-96C2-A8A8B7E58AB5}" type="presOf" srcId="{187EA3D4-E7D2-481E-A500-2A13BB66E76A}" destId="{BCDC1301-9220-4559-8314-D0B7ED0127DE}" srcOrd="1" destOrd="0" presId="urn:microsoft.com/office/officeart/2008/layout/HorizontalMultiLevelHierarchy"/>
+    <dgm:cxn modelId="{FA769B48-CCBC-4FC9-88A2-7E95A8A6F3FB}" type="presOf" srcId="{C5DAD821-742F-4528-A4F4-6B39B1DB67B0}" destId="{E133D424-9E7D-49FC-903B-275E1F25F124}" srcOrd="0" destOrd="0" presId="urn:microsoft.com/office/officeart/2008/layout/HorizontalMultiLevelHierarchy"/>
+    <dgm:cxn modelId="{A208A448-DC7B-4A4E-B611-1633CC7105A2}" type="presOf" srcId="{FD1C1BC4-E5E0-480E-B047-91FD8123F159}" destId="{1AA64B49-885C-404C-8552-0B8E1F7C3A7F}" srcOrd="1" destOrd="0" presId="urn:microsoft.com/office/officeart/2008/layout/HorizontalMultiLevelHierarchy"/>
+    <dgm:cxn modelId="{D249DB6A-2170-48A9-B7B0-DF4CBECCFF5F}" srcId="{32A7DDBA-45A7-473F-8F28-661BBD8B1889}" destId="{D2342DA6-3C7E-43E5-B865-EB9AC3B57EC9}" srcOrd="0" destOrd="0" parTransId="{A15A7EAA-F6EB-40A5-8570-D600C9960EBD}" sibTransId="{3E13B34A-BD2F-4C20-A8AB-1787862964B0}"/>
+    <dgm:cxn modelId="{F69F8D76-B1A1-4813-9570-1803907E053F}" type="presOf" srcId="{34B03A3C-224B-4295-A628-841616B6756E}" destId="{F733F054-5A15-447F-8E52-7A9CDB808D03}" srcOrd="0" destOrd="0" presId="urn:microsoft.com/office/officeart/2008/layout/HorizontalMultiLevelHierarchy"/>
+    <dgm:cxn modelId="{13BDDA76-6CF7-4699-B606-5F5045FAA073}" type="presOf" srcId="{187EA3D4-E7D2-481E-A500-2A13BB66E76A}" destId="{8928A7E9-CDD8-4F1B-BBB4-C07BA8314112}" srcOrd="0" destOrd="0" presId="urn:microsoft.com/office/officeart/2008/layout/HorizontalMultiLevelHierarchy"/>
+    <dgm:cxn modelId="{01FAD158-0F82-46CE-B322-BF32F53CC194}" srcId="{B08B3F3B-B2AB-408A-AEF9-40DA7471B8E8}" destId="{9FFF1FD9-1C05-4A9D-A656-205F842000C6}" srcOrd="2" destOrd="0" parTransId="{0AB84C04-E9DF-499A-B186-78A78801B498}" sibTransId="{4DEBA17F-DF42-4D1B-A7D1-27E21178710B}"/>
+    <dgm:cxn modelId="{B935515A-0E34-44A3-89B7-40433F54E6D9}" srcId="{3FECB7C7-A597-47C7-ACC3-881067292768}" destId="{CCE64073-FE79-4B04-951D-58491D7046D7}" srcOrd="0" destOrd="0" parTransId="{C5DAD821-742F-4528-A4F4-6B39B1DB67B0}" sibTransId="{0EE215E7-FB21-4C32-9CCA-CD80F76068BD}"/>
+    <dgm:cxn modelId="{9715C27F-53C4-4912-A3D0-8609A7FD0A94}" type="presOf" srcId="{B08B3F3B-B2AB-408A-AEF9-40DA7471B8E8}" destId="{24B062D9-891F-4673-9275-E4F62730D662}" srcOrd="0" destOrd="0" presId="urn:microsoft.com/office/officeart/2008/layout/HorizontalMultiLevelHierarchy"/>
+    <dgm:cxn modelId="{9F291186-F5B1-4A91-99BA-9EF8C93C853D}" type="presOf" srcId="{CDDACAB3-2B78-4C93-ABEC-F480BDD9B7C5}" destId="{B86FC023-5AA5-4F78-9297-CD6F60BE57CD}" srcOrd="0" destOrd="0" presId="urn:microsoft.com/office/officeart/2008/layout/HorizontalMultiLevelHierarchy"/>
+    <dgm:cxn modelId="{6F6F7F95-74A8-45AB-BA67-7AAF0C8BCD8B}" type="presOf" srcId="{4043E1B5-3F39-486A-AF65-4FA92F670BD3}" destId="{FFFDB243-4505-44F2-BB85-C74F3C8DE599}" srcOrd="0" destOrd="0" presId="urn:microsoft.com/office/officeart/2008/layout/HorizontalMultiLevelHierarchy"/>
+    <dgm:cxn modelId="{10A45D98-367A-463E-946B-C932E108A3A6}" srcId="{B63C370F-D0B3-4152-BDCE-2012D67D210C}" destId="{B08B3F3B-B2AB-408A-AEF9-40DA7471B8E8}" srcOrd="0" destOrd="0" parTransId="{CDDACAB3-2B78-4C93-ABEC-F480BDD9B7C5}" sibTransId="{A1E1C432-75AD-4052-A603-3ED0EBE112D7}"/>
+    <dgm:cxn modelId="{A900E29F-F244-4516-BBEF-E86962CFC627}" type="presOf" srcId="{E0C9E596-356D-43B6-9780-2C7CAB011941}" destId="{DD3D897A-6B6E-4AA3-A9FD-14CE57662DE3}" srcOrd="0" destOrd="0" presId="urn:microsoft.com/office/officeart/2008/layout/HorizontalMultiLevelHierarchy"/>
+    <dgm:cxn modelId="{AC5B81A6-195D-4D99-9DA3-8E7303B03BCC}" type="presOf" srcId="{D4845FA8-4D21-4ECF-A5B7-B624F1940077}" destId="{29638BA9-09C0-41B6-A033-6159177D7C14}" srcOrd="1" destOrd="0" presId="urn:microsoft.com/office/officeart/2008/layout/HorizontalMultiLevelHierarchy"/>
+    <dgm:cxn modelId="{D46697A7-9118-46EC-86C4-D91BF3F94FDF}" type="presOf" srcId="{9F5CE424-C251-4CA5-974C-22DE040A78D6}" destId="{311020DF-78A9-40A7-8AC5-AF7A95691CEA}" srcOrd="1" destOrd="0" presId="urn:microsoft.com/office/officeart/2008/layout/HorizontalMultiLevelHierarchy"/>
+    <dgm:cxn modelId="{515E4BAA-02B3-4958-AD87-970ED6276CC5}" type="presOf" srcId="{89A2921F-624C-4ADA-AC9A-4533B5D96D0B}" destId="{E3DFC742-4887-4D40-B09D-0B128C29A1E0}" srcOrd="0" destOrd="0" presId="urn:microsoft.com/office/officeart/2008/layout/HorizontalMultiLevelHierarchy"/>
+    <dgm:cxn modelId="{CCB1EAB8-E8F0-458D-A1C8-C2B42EE509E3}" srcId="{3FECB7C7-A597-47C7-ACC3-881067292768}" destId="{79E6F2FE-1431-4D3F-A923-C9B812826557}" srcOrd="1" destOrd="0" parTransId="{18B32590-E5F3-4401-998B-E9C0DC79B4FB}" sibTransId="{C58B04A0-ECAA-4D00-B295-38BC627013A1}"/>
+    <dgm:cxn modelId="{3B3512B9-79FE-44B4-8BFD-6643FB173956}" srcId="{B08B3F3B-B2AB-408A-AEF9-40DA7471B8E8}" destId="{7473901C-534A-4191-BFD4-3A8E5FD19B3B}" srcOrd="1" destOrd="0" parTransId="{4043E1B5-3F39-486A-AF65-4FA92F670BD3}" sibTransId="{8E9522D3-4AFB-4774-997D-1E4F50F03A21}"/>
+    <dgm:cxn modelId="{B143DEBC-21E2-4F7C-B5CB-BA471591E71B}" type="presOf" srcId="{36772620-CBA7-4CC2-96A5-B5A75A17D551}" destId="{1C4E7CBD-A5F5-4AED-8EC5-F8E3159341E9}" srcOrd="0" destOrd="0" presId="urn:microsoft.com/office/officeart/2008/layout/HorizontalMultiLevelHierarchy"/>
+    <dgm:cxn modelId="{FE5A19BD-2236-48AD-A192-44DF22BCBB95}" srcId="{B08B3F3B-B2AB-408A-AEF9-40DA7471B8E8}" destId="{9E47BC3C-2047-41EA-9F79-6E94377361E0}" srcOrd="0" destOrd="0" parTransId="{D4845FA8-4D21-4ECF-A5B7-B624F1940077}" sibTransId="{9E57C91A-8DAA-464D-A764-CE5D0DE2A150}"/>
+    <dgm:cxn modelId="{001857C2-CF00-46BC-91A9-CCC34E805534}" type="presOf" srcId="{A15A7EAA-F6EB-40A5-8570-D600C9960EBD}" destId="{5960513F-EE2B-4181-A374-AB2777448E61}" srcOrd="0" destOrd="0" presId="urn:microsoft.com/office/officeart/2008/layout/HorizontalMultiLevelHierarchy"/>
+    <dgm:cxn modelId="{217914C4-50FE-4D51-AD2B-0C9A20EB5F4A}" type="presOf" srcId="{CA503648-54B6-4AFA-9551-1753F78356BB}" destId="{5142D4AC-F2AA-44B5-85E2-DAC436230CF9}" srcOrd="1" destOrd="0" presId="urn:microsoft.com/office/officeart/2008/layout/HorizontalMultiLevelHierarchy"/>
+    <dgm:cxn modelId="{EEB9E8C5-2947-470A-826F-250203CF637D}" type="presOf" srcId="{D4845FA8-4D21-4ECF-A5B7-B624F1940077}" destId="{5E13931A-9AAF-4B45-9CFF-59C19939BCA2}" srcOrd="0" destOrd="0" presId="urn:microsoft.com/office/officeart/2008/layout/HorizontalMultiLevelHierarchy"/>
+    <dgm:cxn modelId="{37FC39C9-085F-43A4-9BAA-25FAA14DED08}" type="presOf" srcId="{18B32590-E5F3-4401-998B-E9C0DC79B4FB}" destId="{91BFE216-B3E2-4DE1-A461-9CF78F0FD570}" srcOrd="0" destOrd="0" presId="urn:microsoft.com/office/officeart/2008/layout/HorizontalMultiLevelHierarchy"/>
+    <dgm:cxn modelId="{7E8717CC-B7C3-4758-995E-0BD1B99337C3}" srcId="{32A7DDBA-45A7-473F-8F28-661BBD8B1889}" destId="{589CA551-AFDB-4CAA-A810-E4C7ABDBEE82}" srcOrd="2" destOrd="0" parTransId="{9F5CE424-C251-4CA5-974C-22DE040A78D6}" sibTransId="{3DC18603-4BA0-494A-BD61-99394427F95A}"/>
+    <dgm:cxn modelId="{8D204DCC-4BA0-4DDB-8FD7-017D9C9A71B6}" type="presOf" srcId="{0AB84C04-E9DF-499A-B186-78A78801B498}" destId="{94E2696E-9606-46A1-A0E6-756BC8903EF8}" srcOrd="1" destOrd="0" presId="urn:microsoft.com/office/officeart/2008/layout/HorizontalMultiLevelHierarchy"/>
+    <dgm:cxn modelId="{2A7EBACF-EFE9-4C35-9BDB-F6072E6C328A}" type="presOf" srcId="{9F5CE424-C251-4CA5-974C-22DE040A78D6}" destId="{A23D78ED-6118-4448-85C5-3649C6460D9D}" srcOrd="0" destOrd="0" presId="urn:microsoft.com/office/officeart/2008/layout/HorizontalMultiLevelHierarchy"/>
+    <dgm:cxn modelId="{E4A9DDD3-639C-4C5B-9BF5-9EA3BCED2904}" srcId="{3FECB7C7-A597-47C7-ACC3-881067292768}" destId="{E0C9E596-356D-43B6-9780-2C7CAB011941}" srcOrd="2" destOrd="0" parTransId="{FD1C1BC4-E5E0-480E-B047-91FD8123F159}" sibTransId="{258A73B2-9DDD-43CD-900E-2E40900388C0}"/>
+    <dgm:cxn modelId="{29DE41D6-E6CC-4D1A-9385-044EE25DA24F}" type="presOf" srcId="{9FFF1FD9-1C05-4A9D-A656-205F842000C6}" destId="{EBB44A27-D449-4FAA-9A43-3634DCD01467}" srcOrd="0" destOrd="0" presId="urn:microsoft.com/office/officeart/2008/layout/HorizontalMultiLevelHierarchy"/>
+    <dgm:cxn modelId="{2B613FD7-A3C9-43B0-8852-2B3669F0B0C3}" srcId="{B63C370F-D0B3-4152-BDCE-2012D67D210C}" destId="{3FECB7C7-A597-47C7-ACC3-881067292768}" srcOrd="1" destOrd="0" parTransId="{187EA3D4-E7D2-481E-A500-2A13BB66E76A}" sibTransId="{962C6E63-3867-4D77-B0E3-671156408FB2}"/>
+    <dgm:cxn modelId="{5047B3D7-E4EA-44CF-ADDA-70AC54C58482}" type="presOf" srcId="{3FECB7C7-A597-47C7-ACC3-881067292768}" destId="{7AAD6E8A-D1AC-4C73-8EAC-42C29479C60D}" srcOrd="0" destOrd="0" presId="urn:microsoft.com/office/officeart/2008/layout/HorizontalMultiLevelHierarchy"/>
+    <dgm:cxn modelId="{9C2D6DD9-758A-4089-A3A3-80CF81365EEE}" type="presOf" srcId="{D2342DA6-3C7E-43E5-B865-EB9AC3B57EC9}" destId="{6C832B41-8D46-4FC6-8B9E-56C0780A9437}" srcOrd="0" destOrd="0" presId="urn:microsoft.com/office/officeart/2008/layout/HorizontalMultiLevelHierarchy"/>
+    <dgm:cxn modelId="{406586DA-D35C-42BB-9E3E-1B2E043281EB}" srcId="{89A2921F-624C-4ADA-AC9A-4533B5D96D0B}" destId="{B63C370F-D0B3-4152-BDCE-2012D67D210C}" srcOrd="0" destOrd="0" parTransId="{5169D9AA-75C6-42D6-9207-BA2A7D238FC2}" sibTransId="{D1440289-004E-4AD5-B502-56DD2CE750BC}"/>
+    <dgm:cxn modelId="{AB70E1DA-3749-4CE7-A068-8D9147C01C61}" type="presOf" srcId="{7473901C-534A-4191-BFD4-3A8E5FD19B3B}" destId="{8DA5CF6A-7F14-436D-A4E3-44796FC9C617}" srcOrd="0" destOrd="0" presId="urn:microsoft.com/office/officeart/2008/layout/HorizontalMultiLevelHierarchy"/>
+    <dgm:cxn modelId="{F89645E3-41A3-4994-A3D1-0149BC0AFBD7}" type="presOf" srcId="{34B03A3C-224B-4295-A628-841616B6756E}" destId="{E5726B2C-9AD7-4642-A4FC-E2C58D810867}" srcOrd="1" destOrd="0" presId="urn:microsoft.com/office/officeart/2008/layout/HorizontalMultiLevelHierarchy"/>
+    <dgm:cxn modelId="{9339F8E7-4947-4CB7-A1B8-BF8DBF23D66B}" type="presOf" srcId="{FD1C1BC4-E5E0-480E-B047-91FD8123F159}" destId="{45C894BC-9694-4D81-BF1B-4A730626DAA4}" srcOrd="0" destOrd="0" presId="urn:microsoft.com/office/officeart/2008/layout/HorizontalMultiLevelHierarchy"/>
+    <dgm:cxn modelId="{1F1668EB-F139-42AE-8374-DA490F60D407}" type="presOf" srcId="{CDDACAB3-2B78-4C93-ABEC-F480BDD9B7C5}" destId="{70F77F80-3D0B-461D-9297-114126A02F8E}" srcOrd="1" destOrd="0" presId="urn:microsoft.com/office/officeart/2008/layout/HorizontalMultiLevelHierarchy"/>
+    <dgm:cxn modelId="{9A2AB4F4-D7F8-4596-88ED-23BA5CD2FF3E}" type="presOf" srcId="{0AB84C04-E9DF-499A-B186-78A78801B498}" destId="{96CB63D9-7018-45B0-B99B-7A371EA7C2A8}" srcOrd="0" destOrd="0" presId="urn:microsoft.com/office/officeart/2008/layout/HorizontalMultiLevelHierarchy"/>
+    <dgm:cxn modelId="{3B4FAC9B-CC62-44BD-B997-6CF16EF17557}" type="presParOf" srcId="{E3DFC742-4887-4D40-B09D-0B128C29A1E0}" destId="{0ECAF371-1EA1-4848-8B5A-ED30F8C180F0}" srcOrd="0" destOrd="0" presId="urn:microsoft.com/office/officeart/2008/layout/HorizontalMultiLevelHierarchy"/>
+    <dgm:cxn modelId="{D956E7CA-F535-4610-805D-3E2C9197D42B}" type="presParOf" srcId="{0ECAF371-1EA1-4848-8B5A-ED30F8C180F0}" destId="{15AF63BF-097D-4EBC-B611-17C29F23CA05}" srcOrd="0" destOrd="0" presId="urn:microsoft.com/office/officeart/2008/layout/HorizontalMultiLevelHierarchy"/>
+    <dgm:cxn modelId="{9E215459-5ED0-49B4-85F8-61483DE62DA9}" type="presParOf" srcId="{0ECAF371-1EA1-4848-8B5A-ED30F8C180F0}" destId="{25EF7B79-3927-4700-AA72-AF027D9675ED}" srcOrd="1" destOrd="0" presId="urn:microsoft.com/office/officeart/2008/layout/HorizontalMultiLevelHierarchy"/>
+    <dgm:cxn modelId="{0B65C88C-750C-401E-A00C-FDBA3A9626F7}" type="presParOf" srcId="{25EF7B79-3927-4700-AA72-AF027D9675ED}" destId="{B86FC023-5AA5-4F78-9297-CD6F60BE57CD}" srcOrd="0" destOrd="0" presId="urn:microsoft.com/office/officeart/2008/layout/HorizontalMultiLevelHierarchy"/>
+    <dgm:cxn modelId="{FD90E172-77DC-49A3-AF20-B81F98148EF9}" type="presParOf" srcId="{B86FC023-5AA5-4F78-9297-CD6F60BE57CD}" destId="{70F77F80-3D0B-461D-9297-114126A02F8E}" srcOrd="0" destOrd="0" presId="urn:microsoft.com/office/officeart/2008/layout/HorizontalMultiLevelHierarchy"/>
+    <dgm:cxn modelId="{EFE8C33D-5DD1-4B23-AD54-C9FC37CC66DC}" type="presParOf" srcId="{25EF7B79-3927-4700-AA72-AF027D9675ED}" destId="{C000E74F-D4A7-403F-987A-A750D8490CA8}" srcOrd="1" destOrd="0" presId="urn:microsoft.com/office/officeart/2008/layout/HorizontalMultiLevelHierarchy"/>
+    <dgm:cxn modelId="{0871ABC4-DA2E-4CB1-8910-C73AC2066B44}" type="presParOf" srcId="{C000E74F-D4A7-403F-987A-A750D8490CA8}" destId="{24B062D9-891F-4673-9275-E4F62730D662}" srcOrd="0" destOrd="0" presId="urn:microsoft.com/office/officeart/2008/layout/HorizontalMultiLevelHierarchy"/>
+    <dgm:cxn modelId="{682E7C61-CBFE-4CFE-9E0E-ED78AB63F752}" type="presParOf" srcId="{C000E74F-D4A7-403F-987A-A750D8490CA8}" destId="{B12881B7-08FC-4734-ACCA-FE86845D6C34}" srcOrd="1" destOrd="0" presId="urn:microsoft.com/office/officeart/2008/layout/HorizontalMultiLevelHierarchy"/>
+    <dgm:cxn modelId="{9BB308F1-14B6-4534-9721-3F9020955683}" type="presParOf" srcId="{B12881B7-08FC-4734-ACCA-FE86845D6C34}" destId="{5E13931A-9AAF-4B45-9CFF-59C19939BCA2}" srcOrd="0" destOrd="0" presId="urn:microsoft.com/office/officeart/2008/layout/HorizontalMultiLevelHierarchy"/>
+    <dgm:cxn modelId="{0F47F14D-335C-4310-8EF9-D3BAF389C2FE}" type="presParOf" srcId="{5E13931A-9AAF-4B45-9CFF-59C19939BCA2}" destId="{29638BA9-09C0-41B6-A033-6159177D7C14}" srcOrd="0" destOrd="0" presId="urn:microsoft.com/office/officeart/2008/layout/HorizontalMultiLevelHierarchy"/>
+    <dgm:cxn modelId="{692FDB02-4D1C-4F92-BDA6-684022088F75}" type="presParOf" srcId="{B12881B7-08FC-4734-ACCA-FE86845D6C34}" destId="{50496C6D-31EF-42EA-A3E6-2BF06C5D6756}" srcOrd="1" destOrd="0" presId="urn:microsoft.com/office/officeart/2008/layout/HorizontalMultiLevelHierarchy"/>
+    <dgm:cxn modelId="{536A7A43-D991-40D1-94C6-F244240DEDD3}" type="presParOf" srcId="{50496C6D-31EF-42EA-A3E6-2BF06C5D6756}" destId="{56A15159-5AC9-410E-B263-A510A2432B32}" srcOrd="0" destOrd="0" presId="urn:microsoft.com/office/officeart/2008/layout/HorizontalMultiLevelHierarchy"/>
+    <dgm:cxn modelId="{EE68291E-2056-4A73-B653-E98795838573}" type="presParOf" srcId="{50496C6D-31EF-42EA-A3E6-2BF06C5D6756}" destId="{7C8AA0AA-60AE-40BA-A2DF-82B086F65561}" srcOrd="1" destOrd="0" presId="urn:microsoft.com/office/officeart/2008/layout/HorizontalMultiLevelHierarchy"/>
+    <dgm:cxn modelId="{463C7111-D23C-40CA-8B53-D13D28DCF920}" type="presParOf" srcId="{B12881B7-08FC-4734-ACCA-FE86845D6C34}" destId="{FFFDB243-4505-44F2-BB85-C74F3C8DE599}" srcOrd="2" destOrd="0" presId="urn:microsoft.com/office/officeart/2008/layout/HorizontalMultiLevelHierarchy"/>
+    <dgm:cxn modelId="{DAE5D6B2-5DF5-414D-BF81-BE90D6D95B6D}" type="presParOf" srcId="{FFFDB243-4505-44F2-BB85-C74F3C8DE599}" destId="{D1755E59-6FDD-4310-A9D8-28012BEED599}" srcOrd="0" destOrd="0" presId="urn:microsoft.com/office/officeart/2008/layout/HorizontalMultiLevelHierarchy"/>
+    <dgm:cxn modelId="{5CEDF917-BD18-4388-94B6-FFD6B87E6079}" type="presParOf" srcId="{B12881B7-08FC-4734-ACCA-FE86845D6C34}" destId="{E2C4BB5B-8DF1-4E4C-B557-37769974EE04}" srcOrd="3" destOrd="0" presId="urn:microsoft.com/office/officeart/2008/layout/HorizontalMultiLevelHierarchy"/>
+    <dgm:cxn modelId="{141F5F17-83B0-4C73-AB60-9ED74AA0726C}" type="presParOf" srcId="{E2C4BB5B-8DF1-4E4C-B557-37769974EE04}" destId="{8DA5CF6A-7F14-436D-A4E3-44796FC9C617}" srcOrd="0" destOrd="0" presId="urn:microsoft.com/office/officeart/2008/layout/HorizontalMultiLevelHierarchy"/>
+    <dgm:cxn modelId="{AAFB2D3D-90E7-4EE4-9F63-4FB9DF564219}" type="presParOf" srcId="{E2C4BB5B-8DF1-4E4C-B557-37769974EE04}" destId="{52AAA3F1-279B-40AA-B450-0FC9962DF5EA}" srcOrd="1" destOrd="0" presId="urn:microsoft.com/office/officeart/2008/layout/HorizontalMultiLevelHierarchy"/>
+    <dgm:cxn modelId="{6CFFE654-A815-45BC-9B3B-603B4C8018F3}" type="presParOf" srcId="{B12881B7-08FC-4734-ACCA-FE86845D6C34}" destId="{96CB63D9-7018-45B0-B99B-7A371EA7C2A8}" srcOrd="4" destOrd="0" presId="urn:microsoft.com/office/officeart/2008/layout/HorizontalMultiLevelHierarchy"/>
+    <dgm:cxn modelId="{6D103995-8A49-499A-AF1A-09E1E88AC7C9}" type="presParOf" srcId="{96CB63D9-7018-45B0-B99B-7A371EA7C2A8}" destId="{94E2696E-9606-46A1-A0E6-756BC8903EF8}" srcOrd="0" destOrd="0" presId="urn:microsoft.com/office/officeart/2008/layout/HorizontalMultiLevelHierarchy"/>
+    <dgm:cxn modelId="{31DCEB1C-054B-4F9A-976B-F5CA6A913E5E}" type="presParOf" srcId="{B12881B7-08FC-4734-ACCA-FE86845D6C34}" destId="{69626E34-A187-4F05-80FA-D324204B162D}" srcOrd="5" destOrd="0" presId="urn:microsoft.com/office/officeart/2008/layout/HorizontalMultiLevelHierarchy"/>
+    <dgm:cxn modelId="{274A6135-4577-4212-98A4-82D75CB9FBCD}" type="presParOf" srcId="{69626E34-A187-4F05-80FA-D324204B162D}" destId="{EBB44A27-D449-4FAA-9A43-3634DCD01467}" srcOrd="0" destOrd="0" presId="urn:microsoft.com/office/officeart/2008/layout/HorizontalMultiLevelHierarchy"/>
+    <dgm:cxn modelId="{7F5373E0-4BD4-4930-9B16-9310891A2B0B}" type="presParOf" srcId="{69626E34-A187-4F05-80FA-D324204B162D}" destId="{C6EFC102-B8F9-4BAE-A085-A85E0A723E42}" srcOrd="1" destOrd="0" presId="urn:microsoft.com/office/officeart/2008/layout/HorizontalMultiLevelHierarchy"/>
+    <dgm:cxn modelId="{696FBF3E-92CC-4199-9C6A-4DE71B9AC31D}" type="presParOf" srcId="{25EF7B79-3927-4700-AA72-AF027D9675ED}" destId="{8928A7E9-CDD8-4F1B-BBB4-C07BA8314112}" srcOrd="2" destOrd="0" presId="urn:microsoft.com/office/officeart/2008/layout/HorizontalMultiLevelHierarchy"/>
+    <dgm:cxn modelId="{F5680AA5-AFCF-42DE-863C-851FE1521A45}" type="presParOf" srcId="{8928A7E9-CDD8-4F1B-BBB4-C07BA8314112}" destId="{BCDC1301-9220-4559-8314-D0B7ED0127DE}" srcOrd="0" destOrd="0" presId="urn:microsoft.com/office/officeart/2008/layout/HorizontalMultiLevelHierarchy"/>
+    <dgm:cxn modelId="{88A8B1E9-8469-4916-A257-4210C5711C60}" type="presParOf" srcId="{25EF7B79-3927-4700-AA72-AF027D9675ED}" destId="{46251072-7595-4EFB-8051-02C1A022DE1E}" srcOrd="3" destOrd="0" presId="urn:microsoft.com/office/officeart/2008/layout/HorizontalMultiLevelHierarchy"/>
+    <dgm:cxn modelId="{6830EE27-948D-48C5-A323-7D6A867F6A55}" type="presParOf" srcId="{46251072-7595-4EFB-8051-02C1A022DE1E}" destId="{7AAD6E8A-D1AC-4C73-8EAC-42C29479C60D}" srcOrd="0" destOrd="0" presId="urn:microsoft.com/office/officeart/2008/layout/HorizontalMultiLevelHierarchy"/>
+    <dgm:cxn modelId="{8DB160CD-2A97-4985-BA09-AFA40A418BC1}" type="presParOf" srcId="{46251072-7595-4EFB-8051-02C1A022DE1E}" destId="{A3FD7636-451D-4E84-A515-BCBAFF8FBCC6}" srcOrd="1" destOrd="0" presId="urn:microsoft.com/office/officeart/2008/layout/HorizontalMultiLevelHierarchy"/>
+    <dgm:cxn modelId="{7804A8D9-1063-46F4-92BB-611DEE0536F3}" type="presParOf" srcId="{A3FD7636-451D-4E84-A515-BCBAFF8FBCC6}" destId="{E133D424-9E7D-49FC-903B-275E1F25F124}" srcOrd="0" destOrd="0" presId="urn:microsoft.com/office/officeart/2008/layout/HorizontalMultiLevelHierarchy"/>
+    <dgm:cxn modelId="{4AEFB88B-ED03-482F-9303-A5AF668E2FBF}" type="presParOf" srcId="{E133D424-9E7D-49FC-903B-275E1F25F124}" destId="{266F73E3-829B-4CF1-BE18-3CAC45D3CD46}" srcOrd="0" destOrd="0" presId="urn:microsoft.com/office/officeart/2008/layout/HorizontalMultiLevelHierarchy"/>
+    <dgm:cxn modelId="{EEC890A1-05E1-48AB-A262-45D6AC97715A}" type="presParOf" srcId="{A3FD7636-451D-4E84-A515-BCBAFF8FBCC6}" destId="{B622A1FD-9E62-46F9-9762-DF71CA32D621}" srcOrd="1" destOrd="0" presId="urn:microsoft.com/office/officeart/2008/layout/HorizontalMultiLevelHierarchy"/>
+    <dgm:cxn modelId="{277FEEC9-0419-41B3-B209-95D4010B563A}" type="presParOf" srcId="{B622A1FD-9E62-46F9-9762-DF71CA32D621}" destId="{1FA15DBF-B50F-4019-9FFC-32C7F856B55A}" srcOrd="0" destOrd="0" presId="urn:microsoft.com/office/officeart/2008/layout/HorizontalMultiLevelHierarchy"/>
+    <dgm:cxn modelId="{63174EA0-691D-42B2-8C2B-71559C469D1F}" type="presParOf" srcId="{B622A1FD-9E62-46F9-9762-DF71CA32D621}" destId="{C008D95D-3790-4F96-8ABC-699C9C10107D}" srcOrd="1" destOrd="0" presId="urn:microsoft.com/office/officeart/2008/layout/HorizontalMultiLevelHierarchy"/>
+    <dgm:cxn modelId="{0A31A9DD-5BBD-4A55-ADB5-30893EB39D59}" type="presParOf" srcId="{A3FD7636-451D-4E84-A515-BCBAFF8FBCC6}" destId="{91BFE216-B3E2-4DE1-A461-9CF78F0FD570}" srcOrd="2" destOrd="0" presId="urn:microsoft.com/office/officeart/2008/layout/HorizontalMultiLevelHierarchy"/>
+    <dgm:cxn modelId="{B6933C8F-B98B-45E0-8F99-ADC1CC671616}" type="presParOf" srcId="{91BFE216-B3E2-4DE1-A461-9CF78F0FD570}" destId="{6D237073-4E5B-473D-94D4-790500548F04}" srcOrd="0" destOrd="0" presId="urn:microsoft.com/office/officeart/2008/layout/HorizontalMultiLevelHierarchy"/>
+    <dgm:cxn modelId="{DD57667C-DEAD-448C-A23D-8078388F337F}" type="presParOf" srcId="{A3FD7636-451D-4E84-A515-BCBAFF8FBCC6}" destId="{8DFB42E2-419F-481E-82DC-DDA6E77C8155}" srcOrd="3" destOrd="0" presId="urn:microsoft.com/office/officeart/2008/layout/HorizontalMultiLevelHierarchy"/>
+    <dgm:cxn modelId="{07850824-19A3-4843-A4BA-16C0971B4B02}" type="presParOf" srcId="{8DFB42E2-419F-481E-82DC-DDA6E77C8155}" destId="{58DAF8C7-763E-421D-B937-2AA3327D22B4}" srcOrd="0" destOrd="0" presId="urn:microsoft.com/office/officeart/2008/layout/HorizontalMultiLevelHierarchy"/>
+    <dgm:cxn modelId="{B4A68B2C-F4F7-463C-ACB2-93CD96BEED01}" type="presParOf" srcId="{8DFB42E2-419F-481E-82DC-DDA6E77C8155}" destId="{46B9F7E9-C9FD-4C8A-BC94-236038D74DEA}" srcOrd="1" destOrd="0" presId="urn:microsoft.com/office/officeart/2008/layout/HorizontalMultiLevelHierarchy"/>
+    <dgm:cxn modelId="{A06248A4-E606-4CED-A165-A87136F1BB74}" type="presParOf" srcId="{A3FD7636-451D-4E84-A515-BCBAFF8FBCC6}" destId="{45C894BC-9694-4D81-BF1B-4A730626DAA4}" srcOrd="4" destOrd="0" presId="urn:microsoft.com/office/officeart/2008/layout/HorizontalMultiLevelHierarchy"/>
+    <dgm:cxn modelId="{07F67000-5727-4D58-9562-3487CFFE081B}" type="presParOf" srcId="{45C894BC-9694-4D81-BF1B-4A730626DAA4}" destId="{1AA64B49-885C-404C-8552-0B8E1F7C3A7F}" srcOrd="0" destOrd="0" presId="urn:microsoft.com/office/officeart/2008/layout/HorizontalMultiLevelHierarchy"/>
+    <dgm:cxn modelId="{943FC050-8277-4082-87E5-09EE81D6BC8A}" type="presParOf" srcId="{A3FD7636-451D-4E84-A515-BCBAFF8FBCC6}" destId="{15E57701-AEEB-4213-A312-7CC0BEC6E1E0}" srcOrd="5" destOrd="0" presId="urn:microsoft.com/office/officeart/2008/layout/HorizontalMultiLevelHierarchy"/>
+    <dgm:cxn modelId="{AFC1C3A8-775F-49DC-A83E-44B9DFD026C4}" type="presParOf" srcId="{15E57701-AEEB-4213-A312-7CC0BEC6E1E0}" destId="{DD3D897A-6B6E-4AA3-A9FD-14CE57662DE3}" srcOrd="0" destOrd="0" presId="urn:microsoft.com/office/officeart/2008/layout/HorizontalMultiLevelHierarchy"/>
+    <dgm:cxn modelId="{C2E33CC3-081D-4755-AE81-B80564B81347}" type="presParOf" srcId="{15E57701-AEEB-4213-A312-7CC0BEC6E1E0}" destId="{AFF8B6D3-5EE8-4025-AE3D-FA08943CD0D0}" srcOrd="1" destOrd="0" presId="urn:microsoft.com/office/officeart/2008/layout/HorizontalMultiLevelHierarchy"/>
+    <dgm:cxn modelId="{D78DB89C-09B9-408D-AC9B-5A7C2D4F1B4A}" type="presParOf" srcId="{25EF7B79-3927-4700-AA72-AF027D9675ED}" destId="{F733F054-5A15-447F-8E52-7A9CDB808D03}" srcOrd="4" destOrd="0" presId="urn:microsoft.com/office/officeart/2008/layout/HorizontalMultiLevelHierarchy"/>
+    <dgm:cxn modelId="{8AF2E85C-2D0A-459B-8401-F8AE681896E4}" type="presParOf" srcId="{F733F054-5A15-447F-8E52-7A9CDB808D03}" destId="{E5726B2C-9AD7-4642-A4FC-E2C58D810867}" srcOrd="0" destOrd="0" presId="urn:microsoft.com/office/officeart/2008/layout/HorizontalMultiLevelHierarchy"/>
+    <dgm:cxn modelId="{6054D4E1-B0DC-4265-98C2-719AD1445E09}" type="presParOf" srcId="{25EF7B79-3927-4700-AA72-AF027D9675ED}" destId="{89D2C9F1-ACA9-46B6-A0EE-ECA1423B56AF}" srcOrd="5" destOrd="0" presId="urn:microsoft.com/office/officeart/2008/layout/HorizontalMultiLevelHierarchy"/>
+    <dgm:cxn modelId="{1D573A20-83F6-4C37-A6F3-75CD19E3EE73}" type="presParOf" srcId="{89D2C9F1-ACA9-46B6-A0EE-ECA1423B56AF}" destId="{BECF1E3F-BC6F-4A7D-AE0D-97FF8FE78196}" srcOrd="0" destOrd="0" presId="urn:microsoft.com/office/officeart/2008/layout/HorizontalMultiLevelHierarchy"/>
+    <dgm:cxn modelId="{02573FAC-A0A3-4BB6-987D-4709519E1B2F}" type="presParOf" srcId="{89D2C9F1-ACA9-46B6-A0EE-ECA1423B56AF}" destId="{1803C581-172F-4B82-BFE7-6F70D3810A31}" srcOrd="1" destOrd="0" presId="urn:microsoft.com/office/officeart/2008/layout/HorizontalMultiLevelHierarchy"/>
+    <dgm:cxn modelId="{C431591C-F827-4EC1-9A9D-B3ABAACEE81E}" type="presParOf" srcId="{1803C581-172F-4B82-BFE7-6F70D3810A31}" destId="{5960513F-EE2B-4181-A374-AB2777448E61}" srcOrd="0" destOrd="0" presId="urn:microsoft.com/office/officeart/2008/layout/HorizontalMultiLevelHierarchy"/>
+    <dgm:cxn modelId="{3F6EE0D8-3019-4E5E-9E99-71535F3CD008}" type="presParOf" srcId="{5960513F-EE2B-4181-A374-AB2777448E61}" destId="{B545B5F3-FEA8-48BA-9AFE-6BFD55CA7002}" srcOrd="0" destOrd="0" presId="urn:microsoft.com/office/officeart/2008/layout/HorizontalMultiLevelHierarchy"/>
+    <dgm:cxn modelId="{57CB75EB-917C-41E3-A63A-0B55A4A86A16}" type="presParOf" srcId="{1803C581-172F-4B82-BFE7-6F70D3810A31}" destId="{EA043707-2972-4EBD-92E1-83340204559D}" srcOrd="1" destOrd="0" presId="urn:microsoft.com/office/officeart/2008/layout/HorizontalMultiLevelHierarchy"/>
+    <dgm:cxn modelId="{F0319F48-996B-4FB6-916D-1CA143EAE9F5}" type="presParOf" srcId="{EA043707-2972-4EBD-92E1-83340204559D}" destId="{6C832B41-8D46-4FC6-8B9E-56C0780A9437}" srcOrd="0" destOrd="0" presId="urn:microsoft.com/office/officeart/2008/layout/HorizontalMultiLevelHierarchy"/>
+    <dgm:cxn modelId="{FE7564E2-1466-416D-B69D-BE6103C887FB}" type="presParOf" srcId="{EA043707-2972-4EBD-92E1-83340204559D}" destId="{CD69E413-E479-488F-B86B-73509376D0ED}" srcOrd="1" destOrd="0" presId="urn:microsoft.com/office/officeart/2008/layout/HorizontalMultiLevelHierarchy"/>
+    <dgm:cxn modelId="{B75585C6-C00A-4A8F-8D79-2D77B37AE387}" type="presParOf" srcId="{1803C581-172F-4B82-BFE7-6F70D3810A31}" destId="{5C5849B0-0D1C-4FA3-AC10-12B164FB617E}" srcOrd="2" destOrd="0" presId="urn:microsoft.com/office/officeart/2008/layout/HorizontalMultiLevelHierarchy"/>
+    <dgm:cxn modelId="{28700E9E-C8A0-42B2-B725-602EB5A23C93}" type="presParOf" srcId="{5C5849B0-0D1C-4FA3-AC10-12B164FB617E}" destId="{5142D4AC-F2AA-44B5-85E2-DAC436230CF9}" srcOrd="0" destOrd="0" presId="urn:microsoft.com/office/officeart/2008/layout/HorizontalMultiLevelHierarchy"/>
+    <dgm:cxn modelId="{9CDA018F-E9A0-4B00-BA1C-F5F045EC30DA}" type="presParOf" srcId="{1803C581-172F-4B82-BFE7-6F70D3810A31}" destId="{D187EA73-AD1A-4FDA-897C-C4F46E7B7FF6}" srcOrd="3" destOrd="0" presId="urn:microsoft.com/office/officeart/2008/layout/HorizontalMultiLevelHierarchy"/>
+    <dgm:cxn modelId="{C77DD933-2F30-4806-AC61-B11C6FD7572A}" type="presParOf" srcId="{D187EA73-AD1A-4FDA-897C-C4F46E7B7FF6}" destId="{1C4E7CBD-A5F5-4AED-8EC5-F8E3159341E9}" srcOrd="0" destOrd="0" presId="urn:microsoft.com/office/officeart/2008/layout/HorizontalMultiLevelHierarchy"/>
+    <dgm:cxn modelId="{A2379513-BB80-47D9-B645-2EB27089E4F8}" type="presParOf" srcId="{D187EA73-AD1A-4FDA-897C-C4F46E7B7FF6}" destId="{BD5D1AF3-DA09-4897-895F-2B406CA8434E}" srcOrd="1" destOrd="0" presId="urn:microsoft.com/office/officeart/2008/layout/HorizontalMultiLevelHierarchy"/>
+    <dgm:cxn modelId="{C2CB15A5-0C03-45E3-8CA0-81C8CA344F65}" type="presParOf" srcId="{1803C581-172F-4B82-BFE7-6F70D3810A31}" destId="{A23D78ED-6118-4448-85C5-3649C6460D9D}" srcOrd="4" destOrd="0" presId="urn:microsoft.com/office/officeart/2008/layout/HorizontalMultiLevelHierarchy"/>
+    <dgm:cxn modelId="{CEC21AE0-4D26-4DB5-B8FC-E896F28DCCB3}" type="presParOf" srcId="{A23D78ED-6118-4448-85C5-3649C6460D9D}" destId="{311020DF-78A9-40A7-8AC5-AF7A95691CEA}" srcOrd="0" destOrd="0" presId="urn:microsoft.com/office/officeart/2008/layout/HorizontalMultiLevelHierarchy"/>
+    <dgm:cxn modelId="{4FE04E1D-DAB5-464F-8DB1-2A054FA9FE74}" type="presParOf" srcId="{1803C581-172F-4B82-BFE7-6F70D3810A31}" destId="{6E9460ED-62D6-433F-8ED6-DD9AFF29EA4D}" srcOrd="5" destOrd="0" presId="urn:microsoft.com/office/officeart/2008/layout/HorizontalMultiLevelHierarchy"/>
+    <dgm:cxn modelId="{A8940160-D1D0-4547-8D00-652A46E7A946}" type="presParOf" srcId="{6E9460ED-62D6-433F-8ED6-DD9AFF29EA4D}" destId="{D42BB064-6B09-4205-9336-2170F4C1FED7}" srcOrd="0" destOrd="0" presId="urn:microsoft.com/office/officeart/2008/layout/HorizontalMultiLevelHierarchy"/>
+    <dgm:cxn modelId="{EF643B32-782D-463B-B0DA-D48C3B123841}" type="presParOf" srcId="{6E9460ED-62D6-433F-8ED6-DD9AFF29EA4D}" destId="{2D52CBAD-D455-4259-853B-FC8067EFC7D1}" srcOrd="1" destOrd="0" presId="urn:microsoft.com/office/officeart/2008/layout/HorizontalMultiLevelHierarchy"/>
+  </dgm:cxnLst>
+  <dgm:bg/>
+  <dgm:whole/>
+  <dgm:extLst>
+    <a:ext uri="http://schemas.microsoft.com/office/drawing/2008/diagram">
+      <dsp:dataModelExt xmlns:dsp="http://schemas.microsoft.com/office/drawing/2008/diagram" relId="rId6" minVer="http://schemas.openxmlformats.org/drawingml/2006/diagram"/>
+    </a:ext>
+  </dgm:extLst>
+</dgm:dataModel>
+</file>
+
 <file path=ppt/diagrams/drawing1.xml><?xml version="1.0" encoding="utf-8"?>
 <dsp:drawing xmlns:dgm="http://schemas.openxmlformats.org/drawingml/2006/diagram" xmlns:dsp="http://schemas.microsoft.com/office/drawing/2008/diagram" xmlns:a="http://schemas.openxmlformats.org/drawingml/2006/main">
   <dsp:spTree>
@@ -20003,491 +21297,6 @@
         <a:ext cx="973515" cy="649009"/>
       </dsp:txXfrm>
     </dsp:sp>
-    <dsp:sp modelId="{AB408634-0CD4-418B-9B48-9AAC90E1180B}">
-      <dsp:nvSpPr>
-        <dsp:cNvPr id="0" name=""/>
-        <dsp:cNvSpPr/>
-      </dsp:nvSpPr>
-      <dsp:spPr>
-        <a:xfrm>
-          <a:off x="2394856" y="56652"/>
-          <a:ext cx="1346695" cy="538678"/>
-        </a:xfrm>
-        <a:prstGeom prst="chevron">
-          <a:avLst/>
-        </a:prstGeom>
-        <a:solidFill>
-          <a:schemeClr val="accent1">
-            <a:alpha val="90000"/>
-            <a:tint val="40000"/>
-            <a:hueOff val="0"/>
-            <a:satOff val="0"/>
-            <a:lumOff val="0"/>
-            <a:alphaOff val="0"/>
-          </a:schemeClr>
-        </a:solidFill>
-        <a:ln w="12700" cap="flat" cmpd="sng" algn="ctr">
-          <a:solidFill>
-            <a:schemeClr val="accent1">
-              <a:alpha val="90000"/>
-              <a:tint val="40000"/>
-              <a:hueOff val="0"/>
-              <a:satOff val="0"/>
-              <a:lumOff val="0"/>
-              <a:alphaOff val="0"/>
-            </a:schemeClr>
-          </a:solidFill>
-          <a:prstDash val="solid"/>
-          <a:miter lim="800000"/>
-        </a:ln>
-        <a:effectLst/>
-      </dsp:spPr>
-      <dsp:style>
-        <a:lnRef idx="2">
-          <a:scrgbClr r="0" g="0" b="0"/>
-        </a:lnRef>
-        <a:fillRef idx="1">
-          <a:scrgbClr r="0" g="0" b="0"/>
-        </a:fillRef>
-        <a:effectRef idx="0">
-          <a:scrgbClr r="0" g="0" b="0"/>
-        </a:effectRef>
-        <a:fontRef idx="minor"/>
-      </dsp:style>
-      <dsp:txBody>
-        <a:bodyPr spcFirstLastPara="0" vert="horz" wrap="square" lIns="8890" tIns="4445" rIns="0" bIns="4445" numCol="1" spcCol="1270" anchor="ctr" anchorCtr="0">
-          <a:noAutofit/>
-        </a:bodyPr>
-        <a:lstStyle/>
-        <a:p>
-          <a:pPr marL="0" lvl="0" indent="0" algn="ctr" defTabSz="311150">
-            <a:lnSpc>
-              <a:spcPct val="90000"/>
-            </a:lnSpc>
-            <a:spcBef>
-              <a:spcPct val="0"/>
-            </a:spcBef>
-            <a:spcAft>
-              <a:spcPct val="35000"/>
-            </a:spcAft>
-            <a:buNone/>
-          </a:pPr>
-          <a:r>
-            <a:rPr lang="de-DE" sz="700" kern="1200" dirty="0" err="1"/>
-            <a:t>What</a:t>
-          </a:r>
-          <a:r>
-            <a:rPr lang="de-DE" sz="700" kern="1200" dirty="0"/>
-            <a:t>?</a:t>
-          </a:r>
-          <a:endParaRPr lang="en-US" sz="700" kern="1200" dirty="0"/>
-        </a:p>
-      </dsp:txBody>
-      <dsp:txXfrm>
-        <a:off x="2664195" y="56652"/>
-        <a:ext cx="808017" cy="538678"/>
-      </dsp:txXfrm>
-    </dsp:sp>
-    <dsp:sp modelId="{B799F94F-6E46-4AFE-8722-BF49A0D459B0}">
-      <dsp:nvSpPr>
-        <dsp:cNvPr id="0" name=""/>
-        <dsp:cNvSpPr/>
-      </dsp:nvSpPr>
-      <dsp:spPr>
-        <a:xfrm>
-          <a:off x="3553013" y="56652"/>
-          <a:ext cx="1346695" cy="538678"/>
-        </a:xfrm>
-        <a:prstGeom prst="chevron">
-          <a:avLst/>
-        </a:prstGeom>
-        <a:solidFill>
-          <a:schemeClr val="accent1">
-            <a:alpha val="90000"/>
-            <a:tint val="40000"/>
-            <a:hueOff val="0"/>
-            <a:satOff val="0"/>
-            <a:lumOff val="0"/>
-            <a:alphaOff val="0"/>
-          </a:schemeClr>
-        </a:solidFill>
-        <a:ln w="12700" cap="flat" cmpd="sng" algn="ctr">
-          <a:solidFill>
-            <a:schemeClr val="accent1">
-              <a:alpha val="90000"/>
-              <a:tint val="40000"/>
-              <a:hueOff val="0"/>
-              <a:satOff val="0"/>
-              <a:lumOff val="0"/>
-              <a:alphaOff val="0"/>
-            </a:schemeClr>
-          </a:solidFill>
-          <a:prstDash val="solid"/>
-          <a:miter lim="800000"/>
-        </a:ln>
-        <a:effectLst/>
-      </dsp:spPr>
-      <dsp:style>
-        <a:lnRef idx="2">
-          <a:scrgbClr r="0" g="0" b="0"/>
-        </a:lnRef>
-        <a:fillRef idx="1">
-          <a:scrgbClr r="0" g="0" b="0"/>
-        </a:fillRef>
-        <a:effectRef idx="0">
-          <a:scrgbClr r="0" g="0" b="0"/>
-        </a:effectRef>
-        <a:fontRef idx="minor"/>
-      </dsp:style>
-      <dsp:txBody>
-        <a:bodyPr spcFirstLastPara="0" vert="horz" wrap="square" lIns="8890" tIns="4445" rIns="0" bIns="4445" numCol="1" spcCol="1270" anchor="ctr" anchorCtr="0">
-          <a:noAutofit/>
-        </a:bodyPr>
-        <a:lstStyle/>
-        <a:p>
-          <a:pPr marL="0" lvl="0" indent="0" algn="ctr" defTabSz="311150">
-            <a:lnSpc>
-              <a:spcPct val="90000"/>
-            </a:lnSpc>
-            <a:spcBef>
-              <a:spcPct val="0"/>
-            </a:spcBef>
-            <a:spcAft>
-              <a:spcPct val="35000"/>
-            </a:spcAft>
-            <a:buNone/>
-          </a:pPr>
-          <a:r>
-            <a:rPr lang="de-DE" sz="700" kern="1200" dirty="0" err="1"/>
-            <a:t>Why</a:t>
-          </a:r>
-          <a:r>
-            <a:rPr lang="de-DE" sz="700" kern="1200" dirty="0"/>
-            <a:t>?</a:t>
-          </a:r>
-          <a:endParaRPr lang="en-US" sz="700" kern="1200" dirty="0"/>
-        </a:p>
-      </dsp:txBody>
-      <dsp:txXfrm>
-        <a:off x="3822352" y="56652"/>
-        <a:ext cx="808017" cy="538678"/>
-      </dsp:txXfrm>
-    </dsp:sp>
-    <dsp:sp modelId="{033985E6-5141-4244-8446-F5E7A99A21F5}">
-      <dsp:nvSpPr>
-        <dsp:cNvPr id="0" name=""/>
-        <dsp:cNvSpPr/>
-      </dsp:nvSpPr>
-      <dsp:spPr>
-        <a:xfrm>
-          <a:off x="4711171" y="56652"/>
-          <a:ext cx="1346695" cy="538678"/>
-        </a:xfrm>
-        <a:prstGeom prst="chevron">
-          <a:avLst/>
-        </a:prstGeom>
-        <a:solidFill>
-          <a:schemeClr val="accent1">
-            <a:alpha val="90000"/>
-            <a:tint val="40000"/>
-            <a:hueOff val="0"/>
-            <a:satOff val="0"/>
-            <a:lumOff val="0"/>
-            <a:alphaOff val="0"/>
-          </a:schemeClr>
-        </a:solidFill>
-        <a:ln w="12700" cap="flat" cmpd="sng" algn="ctr">
-          <a:solidFill>
-            <a:schemeClr val="accent1">
-              <a:alpha val="90000"/>
-              <a:tint val="40000"/>
-              <a:hueOff val="0"/>
-              <a:satOff val="0"/>
-              <a:lumOff val="0"/>
-              <a:alphaOff val="0"/>
-            </a:schemeClr>
-          </a:solidFill>
-          <a:prstDash val="solid"/>
-          <a:miter lim="800000"/>
-        </a:ln>
-        <a:effectLst/>
-      </dsp:spPr>
-      <dsp:style>
-        <a:lnRef idx="2">
-          <a:scrgbClr r="0" g="0" b="0"/>
-        </a:lnRef>
-        <a:fillRef idx="1">
-          <a:scrgbClr r="0" g="0" b="0"/>
-        </a:fillRef>
-        <a:effectRef idx="0">
-          <a:scrgbClr r="0" g="0" b="0"/>
-        </a:effectRef>
-        <a:fontRef idx="minor"/>
-      </dsp:style>
-      <dsp:txBody>
-        <a:bodyPr spcFirstLastPara="0" vert="horz" wrap="square" lIns="8890" tIns="4445" rIns="0" bIns="4445" numCol="1" spcCol="1270" anchor="ctr" anchorCtr="0">
-          <a:noAutofit/>
-        </a:bodyPr>
-        <a:lstStyle/>
-        <a:p>
-          <a:pPr marL="0" lvl="0" indent="0" algn="ctr" defTabSz="311150">
-            <a:lnSpc>
-              <a:spcPct val="90000"/>
-            </a:lnSpc>
-            <a:spcBef>
-              <a:spcPct val="0"/>
-            </a:spcBef>
-            <a:spcAft>
-              <a:spcPct val="35000"/>
-            </a:spcAft>
-            <a:buNone/>
-          </a:pPr>
-          <a:r>
-            <a:rPr lang="de-DE" sz="700" kern="1200" dirty="0" err="1"/>
-            <a:t>Where</a:t>
-          </a:r>
-          <a:r>
-            <a:rPr lang="de-DE" sz="700" kern="1200" dirty="0"/>
-            <a:t> </a:t>
-          </a:r>
-          <a:r>
-            <a:rPr lang="de-DE" sz="700" kern="1200" dirty="0" err="1"/>
-            <a:t>does</a:t>
-          </a:r>
-          <a:r>
-            <a:rPr lang="de-DE" sz="700" kern="1200" dirty="0"/>
-            <a:t> </a:t>
-          </a:r>
-          <a:r>
-            <a:rPr lang="de-DE" sz="700" kern="1200" dirty="0" err="1"/>
-            <a:t>the</a:t>
-          </a:r>
-          <a:r>
-            <a:rPr lang="de-DE" sz="700" kern="1200" dirty="0"/>
-            <a:t> </a:t>
-          </a:r>
-          <a:r>
-            <a:rPr lang="de-DE" sz="700" kern="1200" dirty="0" err="1"/>
-            <a:t>data</a:t>
-          </a:r>
-          <a:r>
-            <a:rPr lang="de-DE" sz="700" kern="1200" dirty="0"/>
-            <a:t> </a:t>
-          </a:r>
-          <a:r>
-            <a:rPr lang="de-DE" sz="700" kern="1200" dirty="0" err="1"/>
-            <a:t>come</a:t>
-          </a:r>
-          <a:r>
-            <a:rPr lang="de-DE" sz="700" kern="1200" dirty="0"/>
-            <a:t> </a:t>
-          </a:r>
-          <a:r>
-            <a:rPr lang="de-DE" sz="700" kern="1200" dirty="0" err="1"/>
-            <a:t>from</a:t>
-          </a:r>
-          <a:r>
-            <a:rPr lang="de-DE" sz="700" kern="1200" dirty="0"/>
-            <a:t>?</a:t>
-          </a:r>
-          <a:endParaRPr lang="en-US" sz="700" kern="1200" dirty="0"/>
-        </a:p>
-      </dsp:txBody>
-      <dsp:txXfrm>
-        <a:off x="4980510" y="56652"/>
-        <a:ext cx="808017" cy="538678"/>
-      </dsp:txXfrm>
-    </dsp:sp>
-    <dsp:sp modelId="{97363E8B-2CC9-40F8-81D2-82C1783BFD27}">
-      <dsp:nvSpPr>
-        <dsp:cNvPr id="0" name=""/>
-        <dsp:cNvSpPr/>
-      </dsp:nvSpPr>
-      <dsp:spPr>
-        <a:xfrm>
-          <a:off x="5869329" y="56652"/>
-          <a:ext cx="1346695" cy="538678"/>
-        </a:xfrm>
-        <a:prstGeom prst="chevron">
-          <a:avLst/>
-        </a:prstGeom>
-        <a:solidFill>
-          <a:schemeClr val="accent1">
-            <a:alpha val="90000"/>
-            <a:tint val="40000"/>
-            <a:hueOff val="0"/>
-            <a:satOff val="0"/>
-            <a:lumOff val="0"/>
-            <a:alphaOff val="0"/>
-          </a:schemeClr>
-        </a:solidFill>
-        <a:ln w="12700" cap="flat" cmpd="sng" algn="ctr">
-          <a:solidFill>
-            <a:schemeClr val="accent1">
-              <a:alpha val="90000"/>
-              <a:tint val="40000"/>
-              <a:hueOff val="0"/>
-              <a:satOff val="0"/>
-              <a:lumOff val="0"/>
-              <a:alphaOff val="0"/>
-            </a:schemeClr>
-          </a:solidFill>
-          <a:prstDash val="solid"/>
-          <a:miter lim="800000"/>
-        </a:ln>
-        <a:effectLst/>
-      </dsp:spPr>
-      <dsp:style>
-        <a:lnRef idx="2">
-          <a:scrgbClr r="0" g="0" b="0"/>
-        </a:lnRef>
-        <a:fillRef idx="1">
-          <a:scrgbClr r="0" g="0" b="0"/>
-        </a:fillRef>
-        <a:effectRef idx="0">
-          <a:scrgbClr r="0" g="0" b="0"/>
-        </a:effectRef>
-        <a:fontRef idx="minor"/>
-      </dsp:style>
-      <dsp:txBody>
-        <a:bodyPr spcFirstLastPara="0" vert="horz" wrap="square" lIns="8890" tIns="4445" rIns="0" bIns="4445" numCol="1" spcCol="1270" anchor="ctr" anchorCtr="0">
-          <a:noAutofit/>
-        </a:bodyPr>
-        <a:lstStyle/>
-        <a:p>
-          <a:pPr marL="0" lvl="0" indent="0" algn="ctr" defTabSz="311150">
-            <a:lnSpc>
-              <a:spcPct val="90000"/>
-            </a:lnSpc>
-            <a:spcBef>
-              <a:spcPct val="0"/>
-            </a:spcBef>
-            <a:spcAft>
-              <a:spcPct val="35000"/>
-            </a:spcAft>
-            <a:buNone/>
-          </a:pPr>
-          <a:r>
-            <a:rPr lang="de-DE" sz="700" kern="1200" dirty="0" err="1"/>
-            <a:t>How</a:t>
-          </a:r>
-          <a:r>
-            <a:rPr lang="de-DE" sz="700" kern="1200" dirty="0"/>
-            <a:t>?</a:t>
-          </a:r>
-          <a:endParaRPr lang="en-US" sz="700" kern="1200" dirty="0"/>
-        </a:p>
-      </dsp:txBody>
-      <dsp:txXfrm>
-        <a:off x="6138668" y="56652"/>
-        <a:ext cx="808017" cy="538678"/>
-      </dsp:txXfrm>
-    </dsp:sp>
-    <dsp:sp modelId="{124996E3-18A0-40C5-A8C3-F871998D91BE}">
-      <dsp:nvSpPr>
-        <dsp:cNvPr id="0" name=""/>
-        <dsp:cNvSpPr/>
-      </dsp:nvSpPr>
-      <dsp:spPr>
-        <a:xfrm>
-          <a:off x="7027487" y="56652"/>
-          <a:ext cx="1346695" cy="538678"/>
-        </a:xfrm>
-        <a:prstGeom prst="chevron">
-          <a:avLst/>
-        </a:prstGeom>
-        <a:solidFill>
-          <a:schemeClr val="accent1">
-            <a:alpha val="90000"/>
-            <a:tint val="40000"/>
-            <a:hueOff val="0"/>
-            <a:satOff val="0"/>
-            <a:lumOff val="0"/>
-            <a:alphaOff val="0"/>
-          </a:schemeClr>
-        </a:solidFill>
-        <a:ln w="12700" cap="flat" cmpd="sng" algn="ctr">
-          <a:solidFill>
-            <a:schemeClr val="accent1">
-              <a:alpha val="90000"/>
-              <a:tint val="40000"/>
-              <a:hueOff val="0"/>
-              <a:satOff val="0"/>
-              <a:lumOff val="0"/>
-              <a:alphaOff val="0"/>
-            </a:schemeClr>
-          </a:solidFill>
-          <a:prstDash val="solid"/>
-          <a:miter lim="800000"/>
-        </a:ln>
-        <a:effectLst/>
-      </dsp:spPr>
-      <dsp:style>
-        <a:lnRef idx="2">
-          <a:scrgbClr r="0" g="0" b="0"/>
-        </a:lnRef>
-        <a:fillRef idx="1">
-          <a:scrgbClr r="0" g="0" b="0"/>
-        </a:fillRef>
-        <a:effectRef idx="0">
-          <a:scrgbClr r="0" g="0" b="0"/>
-        </a:effectRef>
-        <a:fontRef idx="minor"/>
-      </dsp:style>
-      <dsp:txBody>
-        <a:bodyPr spcFirstLastPara="0" vert="horz" wrap="square" lIns="8890" tIns="4445" rIns="0" bIns="4445" numCol="1" spcCol="1270" anchor="ctr" anchorCtr="0">
-          <a:noAutofit/>
-        </a:bodyPr>
-        <a:lstStyle/>
-        <a:p>
-          <a:pPr marL="0" lvl="0" indent="0" algn="ctr" defTabSz="311150">
-            <a:lnSpc>
-              <a:spcPct val="90000"/>
-            </a:lnSpc>
-            <a:spcBef>
-              <a:spcPct val="0"/>
-            </a:spcBef>
-            <a:spcAft>
-              <a:spcPct val="35000"/>
-            </a:spcAft>
-            <a:buNone/>
-          </a:pPr>
-          <a:r>
-            <a:rPr lang="de-DE" sz="700" kern="1200" dirty="0" err="1"/>
-            <a:t>Context</a:t>
-          </a:r>
-          <a:r>
-            <a:rPr lang="de-DE" sz="700" kern="1200" dirty="0"/>
-            <a:t> </a:t>
-          </a:r>
-          <a:r>
-            <a:rPr lang="de-DE" sz="700" kern="1200" dirty="0" err="1"/>
-            <a:t>of</a:t>
-          </a:r>
-          <a:r>
-            <a:rPr lang="de-DE" sz="700" kern="1200" dirty="0"/>
-            <a:t> </a:t>
-          </a:r>
-          <a:r>
-            <a:rPr lang="de-DE" sz="700" kern="1200" dirty="0" err="1"/>
-            <a:t>this</a:t>
-          </a:r>
-          <a:r>
-            <a:rPr lang="de-DE" sz="700" kern="1200" dirty="0"/>
-            <a:t> </a:t>
-          </a:r>
-          <a:r>
-            <a:rPr lang="de-DE" sz="700" kern="1200" dirty="0" err="1"/>
-            <a:t>work</a:t>
-          </a:r>
-          <a:endParaRPr lang="en-US" sz="700" kern="1200" dirty="0"/>
-        </a:p>
-      </dsp:txBody>
-      <dsp:txXfrm>
-        <a:off x="7296826" y="56652"/>
-        <a:ext cx="808017" cy="538678"/>
-      </dsp:txXfrm>
-    </dsp:sp>
     <dsp:sp modelId="{84C1BC01-2D36-4A34-9AC3-243DC19273DA}">
       <dsp:nvSpPr>
         <dsp:cNvPr id="0" name=""/>
@@ -20557,7 +21366,7 @@
           </a:pPr>
           <a:r>
             <a:rPr lang="de-DE" sz="600" kern="1200" dirty="0"/>
-            <a:t>Kapitel 2 (Stand Technik, Theorie)</a:t>
+            <a:t>Kapitel 2</a:t>
           </a:r>
           <a:endParaRPr lang="en-US" sz="600" kern="1200" dirty="0"/>
         </a:p>
@@ -20903,15 +21712,7 @@
           </a:pPr>
           <a:r>
             <a:rPr lang="de-DE" sz="600" kern="1200" dirty="0"/>
-            <a:t>Kapitel 3 (Problem </a:t>
-          </a:r>
-          <a:r>
-            <a:rPr lang="de-DE" sz="600" kern="1200" dirty="0" err="1"/>
-            <a:t>statement</a:t>
-          </a:r>
-          <a:r>
-            <a:rPr lang="de-DE" sz="600" kern="1200" dirty="0"/>
-            <a:t>)</a:t>
+            <a:t>Kapitel</a:t>
           </a:r>
           <a:endParaRPr lang="en-US" sz="600" kern="1200" dirty="0"/>
         </a:p>
@@ -20991,40 +21792,8 @@
             <a:buNone/>
           </a:pPr>
           <a:r>
-            <a:rPr lang="de-DE" sz="700" kern="1200" dirty="0" err="1"/>
-            <a:t>Precise</a:t>
-          </a:r>
-          <a:r>
             <a:rPr lang="de-DE" sz="700" kern="1200" dirty="0"/>
-            <a:t> </a:t>
-          </a:r>
-          <a:r>
-            <a:rPr lang="de-DE" sz="700" kern="1200" dirty="0" err="1"/>
-            <a:t>detection</a:t>
-          </a:r>
-          <a:r>
-            <a:rPr lang="de-DE" sz="700" kern="1200" dirty="0"/>
-            <a:t> </a:t>
-          </a:r>
-          <a:r>
-            <a:rPr lang="de-DE" sz="700" kern="1200" dirty="0" err="1"/>
-            <a:t>of</a:t>
-          </a:r>
-          <a:r>
-            <a:rPr lang="de-DE" sz="700" kern="1200" dirty="0"/>
-            <a:t> </a:t>
-          </a:r>
-          <a:r>
-            <a:rPr lang="de-DE" sz="700" kern="1200" dirty="0" err="1"/>
-            <a:t>malfunctions</a:t>
-          </a:r>
-          <a:r>
-            <a:rPr lang="de-DE" sz="700" kern="1200" dirty="0"/>
-            <a:t> and </a:t>
-          </a:r>
-          <a:r>
-            <a:rPr lang="de-DE" sz="700" kern="1200" dirty="0" err="1"/>
-            <a:t>perturbances</a:t>
+            <a:t>Problem Statement</a:t>
           </a:r>
           <a:endParaRPr lang="en-US" sz="700" kern="1200" dirty="0"/>
         </a:p>
@@ -21104,151 +21873,14 @@
             <a:buNone/>
           </a:pPr>
           <a:r>
-            <a:rPr lang="de-DE" sz="700" kern="1200" dirty="0"/>
-            <a:t>Reporting </a:t>
-          </a:r>
-          <a:r>
             <a:rPr lang="de-DE" sz="700" kern="1200" dirty="0" err="1"/>
-            <a:t>tool</a:t>
-          </a:r>
-          <a:r>
-            <a:rPr lang="de-DE" sz="700" kern="1200" dirty="0"/>
-            <a:t> </a:t>
-          </a:r>
-          <a:r>
-            <a:rPr lang="de-DE" sz="700" kern="1200" dirty="0" err="1"/>
-            <a:t>that</a:t>
-          </a:r>
-          <a:r>
-            <a:rPr lang="de-DE" sz="700" kern="1200" dirty="0"/>
-            <a:t> </a:t>
-          </a:r>
-          <a:r>
-            <a:rPr lang="de-DE" sz="700" kern="1200" dirty="0" err="1"/>
-            <a:t>displays</a:t>
-          </a:r>
-          <a:r>
-            <a:rPr lang="de-DE" sz="700" kern="1200" dirty="0"/>
-            <a:t> relevant </a:t>
-          </a:r>
-          <a:r>
-            <a:rPr lang="de-DE" sz="700" kern="1200" dirty="0" err="1"/>
-            <a:t>info</a:t>
-          </a:r>
-          <a:r>
-            <a:rPr lang="de-DE" sz="700" kern="1200" dirty="0"/>
-            <a:t> and </a:t>
-          </a:r>
-          <a:r>
-            <a:rPr lang="de-DE" sz="700" kern="1200" dirty="0" err="1"/>
-            <a:t>generates</a:t>
-          </a:r>
-          <a:r>
-            <a:rPr lang="de-DE" sz="700" kern="1200" dirty="0"/>
-            <a:t> </a:t>
-          </a:r>
-          <a:r>
-            <a:rPr lang="de-DE" sz="700" kern="1200" dirty="0" err="1"/>
-            <a:t>metrics</a:t>
+            <a:t>Methodology</a:t>
           </a:r>
           <a:endParaRPr lang="en-US" sz="700" kern="1200" dirty="0"/>
         </a:p>
       </dsp:txBody>
       <dsp:txXfrm>
         <a:off x="3822352" y="1536394"/>
-        <a:ext cx="808017" cy="538678"/>
-      </dsp:txXfrm>
-    </dsp:sp>
-    <dsp:sp modelId="{88F8DB6A-BAC0-4205-AF9B-AC35A6DB9946}">
-      <dsp:nvSpPr>
-        <dsp:cNvPr id="0" name=""/>
-        <dsp:cNvSpPr/>
-      </dsp:nvSpPr>
-      <dsp:spPr>
-        <a:xfrm>
-          <a:off x="4711171" y="1536394"/>
-          <a:ext cx="1346695" cy="538678"/>
-        </a:xfrm>
-        <a:prstGeom prst="chevron">
-          <a:avLst/>
-        </a:prstGeom>
-        <a:solidFill>
-          <a:schemeClr val="accent1">
-            <a:alpha val="90000"/>
-            <a:tint val="40000"/>
-            <a:hueOff val="0"/>
-            <a:satOff val="0"/>
-            <a:lumOff val="0"/>
-            <a:alphaOff val="0"/>
-          </a:schemeClr>
-        </a:solidFill>
-        <a:ln w="12700" cap="flat" cmpd="sng" algn="ctr">
-          <a:solidFill>
-            <a:schemeClr val="accent1">
-              <a:alpha val="90000"/>
-              <a:tint val="40000"/>
-              <a:hueOff val="0"/>
-              <a:satOff val="0"/>
-              <a:lumOff val="0"/>
-              <a:alphaOff val="0"/>
-            </a:schemeClr>
-          </a:solidFill>
-          <a:prstDash val="solid"/>
-          <a:miter lim="800000"/>
-        </a:ln>
-        <a:effectLst/>
-      </dsp:spPr>
-      <dsp:style>
-        <a:lnRef idx="2">
-          <a:scrgbClr r="0" g="0" b="0"/>
-        </a:lnRef>
-        <a:fillRef idx="1">
-          <a:scrgbClr r="0" g="0" b="0"/>
-        </a:fillRef>
-        <a:effectRef idx="0">
-          <a:scrgbClr r="0" g="0" b="0"/>
-        </a:effectRef>
-        <a:fontRef idx="minor"/>
-      </dsp:style>
-      <dsp:txBody>
-        <a:bodyPr spcFirstLastPara="0" vert="horz" wrap="square" lIns="8890" tIns="4445" rIns="0" bIns="4445" numCol="1" spcCol="1270" anchor="ctr" anchorCtr="0">
-          <a:noAutofit/>
-        </a:bodyPr>
-        <a:lstStyle/>
-        <a:p>
-          <a:pPr marL="0" lvl="0" indent="0" algn="ctr" defTabSz="311150">
-            <a:lnSpc>
-              <a:spcPct val="90000"/>
-            </a:lnSpc>
-            <a:spcBef>
-              <a:spcPct val="0"/>
-            </a:spcBef>
-            <a:spcAft>
-              <a:spcPct val="35000"/>
-            </a:spcAft>
-            <a:buNone/>
-          </a:pPr>
-          <a:r>
-            <a:rPr lang="de-DE" sz="700" kern="1200" dirty="0"/>
-            <a:t>Plug and </a:t>
-          </a:r>
-          <a:r>
-            <a:rPr lang="de-DE" sz="700" kern="1200" dirty="0" err="1"/>
-            <a:t>play</a:t>
-          </a:r>
-          <a:r>
-            <a:rPr lang="de-DE" sz="700" kern="1200" dirty="0"/>
-            <a:t> </a:t>
-          </a:r>
-          <a:r>
-            <a:rPr lang="de-DE" sz="700" kern="1200" dirty="0" err="1"/>
-            <a:t>philosophy</a:t>
-          </a:r>
-          <a:endParaRPr lang="en-US" sz="700" kern="1200" dirty="0"/>
-        </a:p>
-      </dsp:txBody>
-      <dsp:txXfrm>
-        <a:off x="4980510" y="1536394"/>
         <a:ext cx="808017" cy="538678"/>
       </dsp:txXfrm>
     </dsp:sp>
@@ -27692,6 +28324,2086 @@
         </a:effectRef>
         <a:fontRef idx="minor"/>
       </dsp:style>
+    </dsp:sp>
+  </dsp:spTree>
+</dsp:drawing>
+</file>
+
+<file path=ppt/diagrams/drawing6.xml><?xml version="1.0" encoding="utf-8"?>
+<dsp:drawing xmlns:dgm="http://schemas.openxmlformats.org/drawingml/2006/diagram" xmlns:dsp="http://schemas.microsoft.com/office/drawing/2008/diagram" xmlns:a="http://schemas.openxmlformats.org/drawingml/2006/main">
+  <dsp:spTree>
+    <dsp:nvGrpSpPr>
+      <dsp:cNvPr id="0" name=""/>
+      <dsp:cNvGrpSpPr/>
+    </dsp:nvGrpSpPr>
+    <dsp:grpSpPr/>
+    <dsp:sp modelId="{A23D78ED-6118-4448-85C5-3649C6460D9D}">
+      <dsp:nvSpPr>
+        <dsp:cNvPr id="0" name=""/>
+        <dsp:cNvSpPr/>
+      </dsp:nvSpPr>
+      <dsp:spPr>
+        <a:xfrm>
+          <a:off x="2360695" y="4115424"/>
+          <a:ext cx="291701" cy="555833"/>
+        </a:xfrm>
+        <a:custGeom>
+          <a:avLst/>
+          <a:gdLst/>
+          <a:ahLst/>
+          <a:cxnLst/>
+          <a:rect l="0" t="0" r="0" b="0"/>
+          <a:pathLst>
+            <a:path>
+              <a:moveTo>
+                <a:pt x="0" y="0"/>
+              </a:moveTo>
+              <a:lnTo>
+                <a:pt x="145850" y="0"/>
+              </a:lnTo>
+              <a:lnTo>
+                <a:pt x="145850" y="555833"/>
+              </a:lnTo>
+              <a:lnTo>
+                <a:pt x="291701" y="555833"/>
+              </a:lnTo>
+            </a:path>
+          </a:pathLst>
+        </a:custGeom>
+        <a:noFill/>
+        <a:ln w="12700" cap="flat" cmpd="sng" algn="ctr">
+          <a:solidFill>
+            <a:schemeClr val="accent1">
+              <a:shade val="80000"/>
+              <a:hueOff val="0"/>
+              <a:satOff val="0"/>
+              <a:lumOff val="0"/>
+              <a:alphaOff val="0"/>
+            </a:schemeClr>
+          </a:solidFill>
+          <a:prstDash val="solid"/>
+          <a:miter lim="800000"/>
+        </a:ln>
+        <a:effectLst/>
+      </dsp:spPr>
+      <dsp:style>
+        <a:lnRef idx="2">
+          <a:scrgbClr r="0" g="0" b="0"/>
+        </a:lnRef>
+        <a:fillRef idx="0">
+          <a:scrgbClr r="0" g="0" b="0"/>
+        </a:fillRef>
+        <a:effectRef idx="0">
+          <a:scrgbClr r="0" g="0" b="0"/>
+        </a:effectRef>
+        <a:fontRef idx="minor"/>
+      </dsp:style>
+      <dsp:txBody>
+        <a:bodyPr spcFirstLastPara="0" vert="horz" wrap="square" lIns="12700" tIns="0" rIns="12700" bIns="0" numCol="1" spcCol="1270" anchor="ctr" anchorCtr="0">
+          <a:noAutofit/>
+        </a:bodyPr>
+        <a:lstStyle/>
+        <a:p>
+          <a:pPr marL="0" lvl="0" indent="0" algn="ctr" defTabSz="222250">
+            <a:lnSpc>
+              <a:spcPct val="90000"/>
+            </a:lnSpc>
+            <a:spcBef>
+              <a:spcPct val="0"/>
+            </a:spcBef>
+            <a:spcAft>
+              <a:spcPct val="35000"/>
+            </a:spcAft>
+            <a:buNone/>
+          </a:pPr>
+          <a:endParaRPr lang="de-DE" sz="500" kern="1200"/>
+        </a:p>
+      </dsp:txBody>
+      <dsp:txXfrm>
+        <a:off x="2490853" y="4377647"/>
+        <a:ext cx="31386" cy="31386"/>
+      </dsp:txXfrm>
+    </dsp:sp>
+    <dsp:sp modelId="{5C5849B0-0D1C-4FA3-AC10-12B164FB617E}">
+      <dsp:nvSpPr>
+        <dsp:cNvPr id="0" name=""/>
+        <dsp:cNvSpPr/>
+      </dsp:nvSpPr>
+      <dsp:spPr>
+        <a:xfrm>
+          <a:off x="2360695" y="4069704"/>
+          <a:ext cx="291701" cy="91440"/>
+        </a:xfrm>
+        <a:custGeom>
+          <a:avLst/>
+          <a:gdLst/>
+          <a:ahLst/>
+          <a:cxnLst/>
+          <a:rect l="0" t="0" r="0" b="0"/>
+          <a:pathLst>
+            <a:path>
+              <a:moveTo>
+                <a:pt x="0" y="45720"/>
+              </a:moveTo>
+              <a:lnTo>
+                <a:pt x="291701" y="45720"/>
+              </a:lnTo>
+            </a:path>
+          </a:pathLst>
+        </a:custGeom>
+        <a:noFill/>
+        <a:ln w="12700" cap="flat" cmpd="sng" algn="ctr">
+          <a:solidFill>
+            <a:schemeClr val="accent1">
+              <a:shade val="80000"/>
+              <a:hueOff val="0"/>
+              <a:satOff val="0"/>
+              <a:lumOff val="0"/>
+              <a:alphaOff val="0"/>
+            </a:schemeClr>
+          </a:solidFill>
+          <a:prstDash val="solid"/>
+          <a:miter lim="800000"/>
+        </a:ln>
+        <a:effectLst/>
+      </dsp:spPr>
+      <dsp:style>
+        <a:lnRef idx="2">
+          <a:scrgbClr r="0" g="0" b="0"/>
+        </a:lnRef>
+        <a:fillRef idx="0">
+          <a:scrgbClr r="0" g="0" b="0"/>
+        </a:fillRef>
+        <a:effectRef idx="0">
+          <a:scrgbClr r="0" g="0" b="0"/>
+        </a:effectRef>
+        <a:fontRef idx="minor"/>
+      </dsp:style>
+      <dsp:txBody>
+        <a:bodyPr spcFirstLastPara="0" vert="horz" wrap="square" lIns="12700" tIns="0" rIns="12700" bIns="0" numCol="1" spcCol="1270" anchor="ctr" anchorCtr="0">
+          <a:noAutofit/>
+        </a:bodyPr>
+        <a:lstStyle/>
+        <a:p>
+          <a:pPr marL="0" lvl="0" indent="0" algn="ctr" defTabSz="222250">
+            <a:lnSpc>
+              <a:spcPct val="90000"/>
+            </a:lnSpc>
+            <a:spcBef>
+              <a:spcPct val="0"/>
+            </a:spcBef>
+            <a:spcAft>
+              <a:spcPct val="35000"/>
+            </a:spcAft>
+            <a:buNone/>
+          </a:pPr>
+          <a:endParaRPr lang="de-DE" sz="500" kern="1200"/>
+        </a:p>
+      </dsp:txBody>
+      <dsp:txXfrm>
+        <a:off x="2499253" y="4108131"/>
+        <a:ext cx="14585" cy="14585"/>
+      </dsp:txXfrm>
+    </dsp:sp>
+    <dsp:sp modelId="{5960513F-EE2B-4181-A374-AB2777448E61}">
+      <dsp:nvSpPr>
+        <dsp:cNvPr id="0" name=""/>
+        <dsp:cNvSpPr/>
+      </dsp:nvSpPr>
+      <dsp:spPr>
+        <a:xfrm>
+          <a:off x="2360695" y="3559591"/>
+          <a:ext cx="291701" cy="555833"/>
+        </a:xfrm>
+        <a:custGeom>
+          <a:avLst/>
+          <a:gdLst/>
+          <a:ahLst/>
+          <a:cxnLst/>
+          <a:rect l="0" t="0" r="0" b="0"/>
+          <a:pathLst>
+            <a:path>
+              <a:moveTo>
+                <a:pt x="0" y="555833"/>
+              </a:moveTo>
+              <a:lnTo>
+                <a:pt x="145850" y="555833"/>
+              </a:lnTo>
+              <a:lnTo>
+                <a:pt x="145850" y="0"/>
+              </a:lnTo>
+              <a:lnTo>
+                <a:pt x="291701" y="0"/>
+              </a:lnTo>
+            </a:path>
+          </a:pathLst>
+        </a:custGeom>
+        <a:noFill/>
+        <a:ln w="12700" cap="flat" cmpd="sng" algn="ctr">
+          <a:solidFill>
+            <a:schemeClr val="accent1">
+              <a:shade val="80000"/>
+              <a:hueOff val="0"/>
+              <a:satOff val="0"/>
+              <a:lumOff val="0"/>
+              <a:alphaOff val="0"/>
+            </a:schemeClr>
+          </a:solidFill>
+          <a:prstDash val="solid"/>
+          <a:miter lim="800000"/>
+        </a:ln>
+        <a:effectLst/>
+      </dsp:spPr>
+      <dsp:style>
+        <a:lnRef idx="2">
+          <a:scrgbClr r="0" g="0" b="0"/>
+        </a:lnRef>
+        <a:fillRef idx="0">
+          <a:scrgbClr r="0" g="0" b="0"/>
+        </a:fillRef>
+        <a:effectRef idx="0">
+          <a:scrgbClr r="0" g="0" b="0"/>
+        </a:effectRef>
+        <a:fontRef idx="minor"/>
+      </dsp:style>
+      <dsp:txBody>
+        <a:bodyPr spcFirstLastPara="0" vert="horz" wrap="square" lIns="12700" tIns="0" rIns="12700" bIns="0" numCol="1" spcCol="1270" anchor="ctr" anchorCtr="0">
+          <a:noAutofit/>
+        </a:bodyPr>
+        <a:lstStyle/>
+        <a:p>
+          <a:pPr marL="0" lvl="0" indent="0" algn="ctr" defTabSz="222250">
+            <a:lnSpc>
+              <a:spcPct val="90000"/>
+            </a:lnSpc>
+            <a:spcBef>
+              <a:spcPct val="0"/>
+            </a:spcBef>
+            <a:spcAft>
+              <a:spcPct val="35000"/>
+            </a:spcAft>
+            <a:buNone/>
+          </a:pPr>
+          <a:endParaRPr lang="de-DE" sz="500" kern="1200"/>
+        </a:p>
+      </dsp:txBody>
+      <dsp:txXfrm>
+        <a:off x="2490853" y="3821814"/>
+        <a:ext cx="31386" cy="31386"/>
+      </dsp:txXfrm>
+    </dsp:sp>
+    <dsp:sp modelId="{F733F054-5A15-447F-8E52-7A9CDB808D03}">
+      <dsp:nvSpPr>
+        <dsp:cNvPr id="0" name=""/>
+        <dsp:cNvSpPr/>
+      </dsp:nvSpPr>
+      <dsp:spPr>
+        <a:xfrm>
+          <a:off x="610488" y="2447925"/>
+          <a:ext cx="291701" cy="1667499"/>
+        </a:xfrm>
+        <a:custGeom>
+          <a:avLst/>
+          <a:gdLst/>
+          <a:ahLst/>
+          <a:cxnLst/>
+          <a:rect l="0" t="0" r="0" b="0"/>
+          <a:pathLst>
+            <a:path>
+              <a:moveTo>
+                <a:pt x="0" y="0"/>
+              </a:moveTo>
+              <a:lnTo>
+                <a:pt x="145850" y="0"/>
+              </a:lnTo>
+              <a:lnTo>
+                <a:pt x="145850" y="1667499"/>
+              </a:lnTo>
+              <a:lnTo>
+                <a:pt x="291701" y="1667499"/>
+              </a:lnTo>
+            </a:path>
+          </a:pathLst>
+        </a:custGeom>
+        <a:noFill/>
+        <a:ln w="12700" cap="flat" cmpd="sng" algn="ctr">
+          <a:solidFill>
+            <a:schemeClr val="accent1">
+              <a:shade val="60000"/>
+              <a:hueOff val="0"/>
+              <a:satOff val="0"/>
+              <a:lumOff val="0"/>
+              <a:alphaOff val="0"/>
+            </a:schemeClr>
+          </a:solidFill>
+          <a:prstDash val="solid"/>
+          <a:miter lim="800000"/>
+        </a:ln>
+        <a:effectLst/>
+      </dsp:spPr>
+      <dsp:style>
+        <a:lnRef idx="2">
+          <a:scrgbClr r="0" g="0" b="0"/>
+        </a:lnRef>
+        <a:fillRef idx="0">
+          <a:scrgbClr r="0" g="0" b="0"/>
+        </a:fillRef>
+        <a:effectRef idx="0">
+          <a:scrgbClr r="0" g="0" b="0"/>
+        </a:effectRef>
+        <a:fontRef idx="minor"/>
+      </dsp:style>
+      <dsp:txBody>
+        <a:bodyPr spcFirstLastPara="0" vert="horz" wrap="square" lIns="12700" tIns="0" rIns="12700" bIns="0" numCol="1" spcCol="1270" anchor="ctr" anchorCtr="0">
+          <a:noAutofit/>
+        </a:bodyPr>
+        <a:lstStyle/>
+        <a:p>
+          <a:pPr marL="0" lvl="0" indent="0" algn="ctr" defTabSz="266700">
+            <a:lnSpc>
+              <a:spcPct val="90000"/>
+            </a:lnSpc>
+            <a:spcBef>
+              <a:spcPct val="0"/>
+            </a:spcBef>
+            <a:spcAft>
+              <a:spcPct val="35000"/>
+            </a:spcAft>
+            <a:buNone/>
+          </a:pPr>
+          <a:endParaRPr lang="de-DE" sz="600" kern="1200"/>
+        </a:p>
+      </dsp:txBody>
+      <dsp:txXfrm>
+        <a:off x="714018" y="3239354"/>
+        <a:ext cx="84641" cy="84641"/>
+      </dsp:txXfrm>
+    </dsp:sp>
+    <dsp:sp modelId="{45C894BC-9694-4D81-BF1B-4A730626DAA4}">
+      <dsp:nvSpPr>
+        <dsp:cNvPr id="0" name=""/>
+        <dsp:cNvSpPr/>
+      </dsp:nvSpPr>
+      <dsp:spPr>
+        <a:xfrm>
+          <a:off x="2360695" y="2447925"/>
+          <a:ext cx="291701" cy="555833"/>
+        </a:xfrm>
+        <a:custGeom>
+          <a:avLst/>
+          <a:gdLst/>
+          <a:ahLst/>
+          <a:cxnLst/>
+          <a:rect l="0" t="0" r="0" b="0"/>
+          <a:pathLst>
+            <a:path>
+              <a:moveTo>
+                <a:pt x="0" y="0"/>
+              </a:moveTo>
+              <a:lnTo>
+                <a:pt x="145850" y="0"/>
+              </a:lnTo>
+              <a:lnTo>
+                <a:pt x="145850" y="555833"/>
+              </a:lnTo>
+              <a:lnTo>
+                <a:pt x="291701" y="555833"/>
+              </a:lnTo>
+            </a:path>
+          </a:pathLst>
+        </a:custGeom>
+        <a:noFill/>
+        <a:ln w="12700" cap="flat" cmpd="sng" algn="ctr">
+          <a:solidFill>
+            <a:schemeClr val="accent1">
+              <a:shade val="80000"/>
+              <a:hueOff val="0"/>
+              <a:satOff val="0"/>
+              <a:lumOff val="0"/>
+              <a:alphaOff val="0"/>
+            </a:schemeClr>
+          </a:solidFill>
+          <a:prstDash val="solid"/>
+          <a:miter lim="800000"/>
+        </a:ln>
+        <a:effectLst/>
+      </dsp:spPr>
+      <dsp:style>
+        <a:lnRef idx="2">
+          <a:scrgbClr r="0" g="0" b="0"/>
+        </a:lnRef>
+        <a:fillRef idx="0">
+          <a:scrgbClr r="0" g="0" b="0"/>
+        </a:fillRef>
+        <a:effectRef idx="0">
+          <a:scrgbClr r="0" g="0" b="0"/>
+        </a:effectRef>
+        <a:fontRef idx="minor"/>
+      </dsp:style>
+      <dsp:txBody>
+        <a:bodyPr spcFirstLastPara="0" vert="horz" wrap="square" lIns="12700" tIns="0" rIns="12700" bIns="0" numCol="1" spcCol="1270" anchor="ctr" anchorCtr="0">
+          <a:noAutofit/>
+        </a:bodyPr>
+        <a:lstStyle/>
+        <a:p>
+          <a:pPr marL="0" lvl="0" indent="0" algn="ctr" defTabSz="222250">
+            <a:lnSpc>
+              <a:spcPct val="90000"/>
+            </a:lnSpc>
+            <a:spcBef>
+              <a:spcPct val="0"/>
+            </a:spcBef>
+            <a:spcAft>
+              <a:spcPct val="35000"/>
+            </a:spcAft>
+            <a:buNone/>
+          </a:pPr>
+          <a:endParaRPr lang="de-DE" sz="500" kern="1200"/>
+        </a:p>
+      </dsp:txBody>
+      <dsp:txXfrm>
+        <a:off x="2490853" y="2710148"/>
+        <a:ext cx="31386" cy="31386"/>
+      </dsp:txXfrm>
+    </dsp:sp>
+    <dsp:sp modelId="{91BFE216-B3E2-4DE1-A461-9CF78F0FD570}">
+      <dsp:nvSpPr>
+        <dsp:cNvPr id="0" name=""/>
+        <dsp:cNvSpPr/>
+      </dsp:nvSpPr>
+      <dsp:spPr>
+        <a:xfrm>
+          <a:off x="2360695" y="2402205"/>
+          <a:ext cx="291701" cy="91440"/>
+        </a:xfrm>
+        <a:custGeom>
+          <a:avLst/>
+          <a:gdLst/>
+          <a:ahLst/>
+          <a:cxnLst/>
+          <a:rect l="0" t="0" r="0" b="0"/>
+          <a:pathLst>
+            <a:path>
+              <a:moveTo>
+                <a:pt x="0" y="45720"/>
+              </a:moveTo>
+              <a:lnTo>
+                <a:pt x="291701" y="45720"/>
+              </a:lnTo>
+            </a:path>
+          </a:pathLst>
+        </a:custGeom>
+        <a:noFill/>
+        <a:ln w="12700" cap="flat" cmpd="sng" algn="ctr">
+          <a:solidFill>
+            <a:schemeClr val="accent1">
+              <a:shade val="80000"/>
+              <a:hueOff val="0"/>
+              <a:satOff val="0"/>
+              <a:lumOff val="0"/>
+              <a:alphaOff val="0"/>
+            </a:schemeClr>
+          </a:solidFill>
+          <a:prstDash val="solid"/>
+          <a:miter lim="800000"/>
+        </a:ln>
+        <a:effectLst/>
+      </dsp:spPr>
+      <dsp:style>
+        <a:lnRef idx="2">
+          <a:scrgbClr r="0" g="0" b="0"/>
+        </a:lnRef>
+        <a:fillRef idx="0">
+          <a:scrgbClr r="0" g="0" b="0"/>
+        </a:fillRef>
+        <a:effectRef idx="0">
+          <a:scrgbClr r="0" g="0" b="0"/>
+        </a:effectRef>
+        <a:fontRef idx="minor"/>
+      </dsp:style>
+      <dsp:txBody>
+        <a:bodyPr spcFirstLastPara="0" vert="horz" wrap="square" lIns="12700" tIns="0" rIns="12700" bIns="0" numCol="1" spcCol="1270" anchor="ctr" anchorCtr="0">
+          <a:noAutofit/>
+        </a:bodyPr>
+        <a:lstStyle/>
+        <a:p>
+          <a:pPr marL="0" lvl="0" indent="0" algn="ctr" defTabSz="222250">
+            <a:lnSpc>
+              <a:spcPct val="90000"/>
+            </a:lnSpc>
+            <a:spcBef>
+              <a:spcPct val="0"/>
+            </a:spcBef>
+            <a:spcAft>
+              <a:spcPct val="35000"/>
+            </a:spcAft>
+            <a:buNone/>
+          </a:pPr>
+          <a:endParaRPr lang="de-DE" sz="500" kern="1200"/>
+        </a:p>
+      </dsp:txBody>
+      <dsp:txXfrm>
+        <a:off x="2499253" y="2440632"/>
+        <a:ext cx="14585" cy="14585"/>
+      </dsp:txXfrm>
+    </dsp:sp>
+    <dsp:sp modelId="{E133D424-9E7D-49FC-903B-275E1F25F124}">
+      <dsp:nvSpPr>
+        <dsp:cNvPr id="0" name=""/>
+        <dsp:cNvSpPr/>
+      </dsp:nvSpPr>
+      <dsp:spPr>
+        <a:xfrm>
+          <a:off x="2360695" y="1892091"/>
+          <a:ext cx="291701" cy="555833"/>
+        </a:xfrm>
+        <a:custGeom>
+          <a:avLst/>
+          <a:gdLst/>
+          <a:ahLst/>
+          <a:cxnLst/>
+          <a:rect l="0" t="0" r="0" b="0"/>
+          <a:pathLst>
+            <a:path>
+              <a:moveTo>
+                <a:pt x="0" y="555833"/>
+              </a:moveTo>
+              <a:lnTo>
+                <a:pt x="145850" y="555833"/>
+              </a:lnTo>
+              <a:lnTo>
+                <a:pt x="145850" y="0"/>
+              </a:lnTo>
+              <a:lnTo>
+                <a:pt x="291701" y="0"/>
+              </a:lnTo>
+            </a:path>
+          </a:pathLst>
+        </a:custGeom>
+        <a:noFill/>
+        <a:ln w="12700" cap="flat" cmpd="sng" algn="ctr">
+          <a:solidFill>
+            <a:schemeClr val="accent1">
+              <a:shade val="80000"/>
+              <a:hueOff val="0"/>
+              <a:satOff val="0"/>
+              <a:lumOff val="0"/>
+              <a:alphaOff val="0"/>
+            </a:schemeClr>
+          </a:solidFill>
+          <a:prstDash val="solid"/>
+          <a:miter lim="800000"/>
+        </a:ln>
+        <a:effectLst/>
+      </dsp:spPr>
+      <dsp:style>
+        <a:lnRef idx="2">
+          <a:scrgbClr r="0" g="0" b="0"/>
+        </a:lnRef>
+        <a:fillRef idx="0">
+          <a:scrgbClr r="0" g="0" b="0"/>
+        </a:fillRef>
+        <a:effectRef idx="0">
+          <a:scrgbClr r="0" g="0" b="0"/>
+        </a:effectRef>
+        <a:fontRef idx="minor"/>
+      </dsp:style>
+      <dsp:txBody>
+        <a:bodyPr spcFirstLastPara="0" vert="horz" wrap="square" lIns="12700" tIns="0" rIns="12700" bIns="0" numCol="1" spcCol="1270" anchor="ctr" anchorCtr="0">
+          <a:noAutofit/>
+        </a:bodyPr>
+        <a:lstStyle/>
+        <a:p>
+          <a:pPr marL="0" lvl="0" indent="0" algn="ctr" defTabSz="222250">
+            <a:lnSpc>
+              <a:spcPct val="90000"/>
+            </a:lnSpc>
+            <a:spcBef>
+              <a:spcPct val="0"/>
+            </a:spcBef>
+            <a:spcAft>
+              <a:spcPct val="35000"/>
+            </a:spcAft>
+            <a:buNone/>
+          </a:pPr>
+          <a:endParaRPr lang="de-DE" sz="500" kern="1200"/>
+        </a:p>
+      </dsp:txBody>
+      <dsp:txXfrm>
+        <a:off x="2490853" y="2154315"/>
+        <a:ext cx="31386" cy="31386"/>
+      </dsp:txXfrm>
+    </dsp:sp>
+    <dsp:sp modelId="{8928A7E9-CDD8-4F1B-BBB4-C07BA8314112}">
+      <dsp:nvSpPr>
+        <dsp:cNvPr id="0" name=""/>
+        <dsp:cNvSpPr/>
+      </dsp:nvSpPr>
+      <dsp:spPr>
+        <a:xfrm>
+          <a:off x="610488" y="2402205"/>
+          <a:ext cx="291701" cy="91440"/>
+        </a:xfrm>
+        <a:custGeom>
+          <a:avLst/>
+          <a:gdLst/>
+          <a:ahLst/>
+          <a:cxnLst/>
+          <a:rect l="0" t="0" r="0" b="0"/>
+          <a:pathLst>
+            <a:path>
+              <a:moveTo>
+                <a:pt x="0" y="45720"/>
+              </a:moveTo>
+              <a:lnTo>
+                <a:pt x="291701" y="45720"/>
+              </a:lnTo>
+            </a:path>
+          </a:pathLst>
+        </a:custGeom>
+        <a:noFill/>
+        <a:ln w="12700" cap="flat" cmpd="sng" algn="ctr">
+          <a:solidFill>
+            <a:schemeClr val="accent1">
+              <a:shade val="60000"/>
+              <a:hueOff val="0"/>
+              <a:satOff val="0"/>
+              <a:lumOff val="0"/>
+              <a:alphaOff val="0"/>
+            </a:schemeClr>
+          </a:solidFill>
+          <a:prstDash val="solid"/>
+          <a:miter lim="800000"/>
+        </a:ln>
+        <a:effectLst/>
+      </dsp:spPr>
+      <dsp:style>
+        <a:lnRef idx="2">
+          <a:scrgbClr r="0" g="0" b="0"/>
+        </a:lnRef>
+        <a:fillRef idx="0">
+          <a:scrgbClr r="0" g="0" b="0"/>
+        </a:fillRef>
+        <a:effectRef idx="0">
+          <a:scrgbClr r="0" g="0" b="0"/>
+        </a:effectRef>
+        <a:fontRef idx="minor"/>
+      </dsp:style>
+      <dsp:txBody>
+        <a:bodyPr spcFirstLastPara="0" vert="horz" wrap="square" lIns="12700" tIns="0" rIns="12700" bIns="0" numCol="1" spcCol="1270" anchor="ctr" anchorCtr="0">
+          <a:noAutofit/>
+        </a:bodyPr>
+        <a:lstStyle/>
+        <a:p>
+          <a:pPr marL="0" lvl="0" indent="0" algn="ctr" defTabSz="222250">
+            <a:lnSpc>
+              <a:spcPct val="90000"/>
+            </a:lnSpc>
+            <a:spcBef>
+              <a:spcPct val="0"/>
+            </a:spcBef>
+            <a:spcAft>
+              <a:spcPct val="35000"/>
+            </a:spcAft>
+            <a:buNone/>
+          </a:pPr>
+          <a:endParaRPr lang="de-DE" sz="500" kern="1200"/>
+        </a:p>
+      </dsp:txBody>
+      <dsp:txXfrm>
+        <a:off x="749046" y="2440632"/>
+        <a:ext cx="14585" cy="14585"/>
+      </dsp:txXfrm>
+    </dsp:sp>
+    <dsp:sp modelId="{96CB63D9-7018-45B0-B99B-7A371EA7C2A8}">
+      <dsp:nvSpPr>
+        <dsp:cNvPr id="0" name=""/>
+        <dsp:cNvSpPr/>
+      </dsp:nvSpPr>
+      <dsp:spPr>
+        <a:xfrm>
+          <a:off x="2360695" y="780425"/>
+          <a:ext cx="291701" cy="555833"/>
+        </a:xfrm>
+        <a:custGeom>
+          <a:avLst/>
+          <a:gdLst/>
+          <a:ahLst/>
+          <a:cxnLst/>
+          <a:rect l="0" t="0" r="0" b="0"/>
+          <a:pathLst>
+            <a:path>
+              <a:moveTo>
+                <a:pt x="0" y="0"/>
+              </a:moveTo>
+              <a:lnTo>
+                <a:pt x="145850" y="0"/>
+              </a:lnTo>
+              <a:lnTo>
+                <a:pt x="145850" y="555833"/>
+              </a:lnTo>
+              <a:lnTo>
+                <a:pt x="291701" y="555833"/>
+              </a:lnTo>
+            </a:path>
+          </a:pathLst>
+        </a:custGeom>
+        <a:noFill/>
+        <a:ln w="12700" cap="flat" cmpd="sng" algn="ctr">
+          <a:solidFill>
+            <a:schemeClr val="accent1">
+              <a:shade val="80000"/>
+              <a:hueOff val="0"/>
+              <a:satOff val="0"/>
+              <a:lumOff val="0"/>
+              <a:alphaOff val="0"/>
+            </a:schemeClr>
+          </a:solidFill>
+          <a:prstDash val="solid"/>
+          <a:miter lim="800000"/>
+        </a:ln>
+        <a:effectLst/>
+      </dsp:spPr>
+      <dsp:style>
+        <a:lnRef idx="2">
+          <a:scrgbClr r="0" g="0" b="0"/>
+        </a:lnRef>
+        <a:fillRef idx="0">
+          <a:scrgbClr r="0" g="0" b="0"/>
+        </a:fillRef>
+        <a:effectRef idx="0">
+          <a:scrgbClr r="0" g="0" b="0"/>
+        </a:effectRef>
+        <a:fontRef idx="minor"/>
+      </dsp:style>
+      <dsp:txBody>
+        <a:bodyPr spcFirstLastPara="0" vert="horz" wrap="square" lIns="12700" tIns="0" rIns="12700" bIns="0" numCol="1" spcCol="1270" anchor="ctr" anchorCtr="0">
+          <a:noAutofit/>
+        </a:bodyPr>
+        <a:lstStyle/>
+        <a:p>
+          <a:pPr marL="0" lvl="0" indent="0" algn="ctr" defTabSz="222250">
+            <a:lnSpc>
+              <a:spcPct val="90000"/>
+            </a:lnSpc>
+            <a:spcBef>
+              <a:spcPct val="0"/>
+            </a:spcBef>
+            <a:spcAft>
+              <a:spcPct val="35000"/>
+            </a:spcAft>
+            <a:buNone/>
+          </a:pPr>
+          <a:endParaRPr lang="de-DE" sz="500" kern="1200"/>
+        </a:p>
+      </dsp:txBody>
+      <dsp:txXfrm>
+        <a:off x="2490853" y="1042648"/>
+        <a:ext cx="31386" cy="31386"/>
+      </dsp:txXfrm>
+    </dsp:sp>
+    <dsp:sp modelId="{FFFDB243-4505-44F2-BB85-C74F3C8DE599}">
+      <dsp:nvSpPr>
+        <dsp:cNvPr id="0" name=""/>
+        <dsp:cNvSpPr/>
+      </dsp:nvSpPr>
+      <dsp:spPr>
+        <a:xfrm>
+          <a:off x="2360695" y="734705"/>
+          <a:ext cx="291701" cy="91440"/>
+        </a:xfrm>
+        <a:custGeom>
+          <a:avLst/>
+          <a:gdLst/>
+          <a:ahLst/>
+          <a:cxnLst/>
+          <a:rect l="0" t="0" r="0" b="0"/>
+          <a:pathLst>
+            <a:path>
+              <a:moveTo>
+                <a:pt x="0" y="45720"/>
+              </a:moveTo>
+              <a:lnTo>
+                <a:pt x="291701" y="45720"/>
+              </a:lnTo>
+            </a:path>
+          </a:pathLst>
+        </a:custGeom>
+        <a:noFill/>
+        <a:ln w="12700" cap="flat" cmpd="sng" algn="ctr">
+          <a:solidFill>
+            <a:schemeClr val="accent1">
+              <a:shade val="80000"/>
+              <a:hueOff val="0"/>
+              <a:satOff val="0"/>
+              <a:lumOff val="0"/>
+              <a:alphaOff val="0"/>
+            </a:schemeClr>
+          </a:solidFill>
+          <a:prstDash val="solid"/>
+          <a:miter lim="800000"/>
+        </a:ln>
+        <a:effectLst/>
+      </dsp:spPr>
+      <dsp:style>
+        <a:lnRef idx="2">
+          <a:scrgbClr r="0" g="0" b="0"/>
+        </a:lnRef>
+        <a:fillRef idx="0">
+          <a:scrgbClr r="0" g="0" b="0"/>
+        </a:fillRef>
+        <a:effectRef idx="0">
+          <a:scrgbClr r="0" g="0" b="0"/>
+        </a:effectRef>
+        <a:fontRef idx="minor"/>
+      </dsp:style>
+      <dsp:txBody>
+        <a:bodyPr spcFirstLastPara="0" vert="horz" wrap="square" lIns="12700" tIns="0" rIns="12700" bIns="0" numCol="1" spcCol="1270" anchor="ctr" anchorCtr="0">
+          <a:noAutofit/>
+        </a:bodyPr>
+        <a:lstStyle/>
+        <a:p>
+          <a:pPr marL="0" lvl="0" indent="0" algn="ctr" defTabSz="222250">
+            <a:lnSpc>
+              <a:spcPct val="90000"/>
+            </a:lnSpc>
+            <a:spcBef>
+              <a:spcPct val="0"/>
+            </a:spcBef>
+            <a:spcAft>
+              <a:spcPct val="35000"/>
+            </a:spcAft>
+            <a:buNone/>
+          </a:pPr>
+          <a:endParaRPr lang="de-DE" sz="500" kern="1200"/>
+        </a:p>
+      </dsp:txBody>
+      <dsp:txXfrm>
+        <a:off x="2499253" y="773132"/>
+        <a:ext cx="14585" cy="14585"/>
+      </dsp:txXfrm>
+    </dsp:sp>
+    <dsp:sp modelId="{5E13931A-9AAF-4B45-9CFF-59C19939BCA2}">
+      <dsp:nvSpPr>
+        <dsp:cNvPr id="0" name=""/>
+        <dsp:cNvSpPr/>
+      </dsp:nvSpPr>
+      <dsp:spPr>
+        <a:xfrm>
+          <a:off x="2360695" y="224592"/>
+          <a:ext cx="291701" cy="555833"/>
+        </a:xfrm>
+        <a:custGeom>
+          <a:avLst/>
+          <a:gdLst/>
+          <a:ahLst/>
+          <a:cxnLst/>
+          <a:rect l="0" t="0" r="0" b="0"/>
+          <a:pathLst>
+            <a:path>
+              <a:moveTo>
+                <a:pt x="0" y="555833"/>
+              </a:moveTo>
+              <a:lnTo>
+                <a:pt x="145850" y="555833"/>
+              </a:lnTo>
+              <a:lnTo>
+                <a:pt x="145850" y="0"/>
+              </a:lnTo>
+              <a:lnTo>
+                <a:pt x="291701" y="0"/>
+              </a:lnTo>
+            </a:path>
+          </a:pathLst>
+        </a:custGeom>
+        <a:noFill/>
+        <a:ln w="12700" cap="flat" cmpd="sng" algn="ctr">
+          <a:solidFill>
+            <a:schemeClr val="accent1">
+              <a:shade val="80000"/>
+              <a:hueOff val="0"/>
+              <a:satOff val="0"/>
+              <a:lumOff val="0"/>
+              <a:alphaOff val="0"/>
+            </a:schemeClr>
+          </a:solidFill>
+          <a:prstDash val="solid"/>
+          <a:miter lim="800000"/>
+        </a:ln>
+        <a:effectLst/>
+      </dsp:spPr>
+      <dsp:style>
+        <a:lnRef idx="2">
+          <a:scrgbClr r="0" g="0" b="0"/>
+        </a:lnRef>
+        <a:fillRef idx="0">
+          <a:scrgbClr r="0" g="0" b="0"/>
+        </a:fillRef>
+        <a:effectRef idx="0">
+          <a:scrgbClr r="0" g="0" b="0"/>
+        </a:effectRef>
+        <a:fontRef idx="minor"/>
+      </dsp:style>
+      <dsp:txBody>
+        <a:bodyPr spcFirstLastPara="0" vert="horz" wrap="square" lIns="12700" tIns="0" rIns="12700" bIns="0" numCol="1" spcCol="1270" anchor="ctr" anchorCtr="0">
+          <a:noAutofit/>
+        </a:bodyPr>
+        <a:lstStyle/>
+        <a:p>
+          <a:pPr marL="0" lvl="0" indent="0" algn="ctr" defTabSz="222250">
+            <a:lnSpc>
+              <a:spcPct val="90000"/>
+            </a:lnSpc>
+            <a:spcBef>
+              <a:spcPct val="0"/>
+            </a:spcBef>
+            <a:spcAft>
+              <a:spcPct val="35000"/>
+            </a:spcAft>
+            <a:buNone/>
+          </a:pPr>
+          <a:endParaRPr lang="de-DE" sz="500" kern="1200"/>
+        </a:p>
+      </dsp:txBody>
+      <dsp:txXfrm>
+        <a:off x="2490853" y="486815"/>
+        <a:ext cx="31386" cy="31386"/>
+      </dsp:txXfrm>
+    </dsp:sp>
+    <dsp:sp modelId="{B86FC023-5AA5-4F78-9297-CD6F60BE57CD}">
+      <dsp:nvSpPr>
+        <dsp:cNvPr id="0" name=""/>
+        <dsp:cNvSpPr/>
+      </dsp:nvSpPr>
+      <dsp:spPr>
+        <a:xfrm>
+          <a:off x="610488" y="780425"/>
+          <a:ext cx="291701" cy="1667499"/>
+        </a:xfrm>
+        <a:custGeom>
+          <a:avLst/>
+          <a:gdLst/>
+          <a:ahLst/>
+          <a:cxnLst/>
+          <a:rect l="0" t="0" r="0" b="0"/>
+          <a:pathLst>
+            <a:path>
+              <a:moveTo>
+                <a:pt x="0" y="1667499"/>
+              </a:moveTo>
+              <a:lnTo>
+                <a:pt x="145850" y="1667499"/>
+              </a:lnTo>
+              <a:lnTo>
+                <a:pt x="145850" y="0"/>
+              </a:lnTo>
+              <a:lnTo>
+                <a:pt x="291701" y="0"/>
+              </a:lnTo>
+            </a:path>
+          </a:pathLst>
+        </a:custGeom>
+        <a:noFill/>
+        <a:ln w="12700" cap="flat" cmpd="sng" algn="ctr">
+          <a:solidFill>
+            <a:schemeClr val="accent1">
+              <a:shade val="60000"/>
+              <a:hueOff val="0"/>
+              <a:satOff val="0"/>
+              <a:lumOff val="0"/>
+              <a:alphaOff val="0"/>
+            </a:schemeClr>
+          </a:solidFill>
+          <a:prstDash val="solid"/>
+          <a:miter lim="800000"/>
+        </a:ln>
+        <a:effectLst/>
+      </dsp:spPr>
+      <dsp:style>
+        <a:lnRef idx="2">
+          <a:scrgbClr r="0" g="0" b="0"/>
+        </a:lnRef>
+        <a:fillRef idx="0">
+          <a:scrgbClr r="0" g="0" b="0"/>
+        </a:fillRef>
+        <a:effectRef idx="0">
+          <a:scrgbClr r="0" g="0" b="0"/>
+        </a:effectRef>
+        <a:fontRef idx="minor"/>
+      </dsp:style>
+      <dsp:txBody>
+        <a:bodyPr spcFirstLastPara="0" vert="horz" wrap="square" lIns="12700" tIns="0" rIns="12700" bIns="0" numCol="1" spcCol="1270" anchor="ctr" anchorCtr="0">
+          <a:noAutofit/>
+        </a:bodyPr>
+        <a:lstStyle/>
+        <a:p>
+          <a:pPr marL="0" lvl="0" indent="0" algn="ctr" defTabSz="266700">
+            <a:lnSpc>
+              <a:spcPct val="90000"/>
+            </a:lnSpc>
+            <a:spcBef>
+              <a:spcPct val="0"/>
+            </a:spcBef>
+            <a:spcAft>
+              <a:spcPct val="35000"/>
+            </a:spcAft>
+            <a:buNone/>
+          </a:pPr>
+          <a:endParaRPr lang="de-DE" sz="600" kern="1200"/>
+        </a:p>
+      </dsp:txBody>
+      <dsp:txXfrm>
+        <a:off x="714018" y="1571854"/>
+        <a:ext cx="84641" cy="84641"/>
+      </dsp:txXfrm>
+    </dsp:sp>
+    <dsp:sp modelId="{15AF63BF-097D-4EBC-B611-17C29F23CA05}">
+      <dsp:nvSpPr>
+        <dsp:cNvPr id="0" name=""/>
+        <dsp:cNvSpPr/>
+      </dsp:nvSpPr>
+      <dsp:spPr>
+        <a:xfrm rot="16200000">
+          <a:off x="-869139" y="2225591"/>
+          <a:ext cx="2514589" cy="444666"/>
+        </a:xfrm>
+        <a:prstGeom prst="rect">
+          <a:avLst/>
+        </a:prstGeom>
+        <a:solidFill>
+          <a:schemeClr val="accent5"/>
+        </a:solidFill>
+        <a:ln w="12700" cap="flat" cmpd="sng" algn="ctr">
+          <a:solidFill>
+            <a:schemeClr val="lt1">
+              <a:hueOff val="0"/>
+              <a:satOff val="0"/>
+              <a:lumOff val="0"/>
+              <a:alphaOff val="0"/>
+            </a:schemeClr>
+          </a:solidFill>
+          <a:prstDash val="solid"/>
+          <a:miter lim="800000"/>
+        </a:ln>
+        <a:effectLst/>
+      </dsp:spPr>
+      <dsp:style>
+        <a:lnRef idx="2">
+          <a:scrgbClr r="0" g="0" b="0"/>
+        </a:lnRef>
+        <a:fillRef idx="1">
+          <a:scrgbClr r="0" g="0" b="0"/>
+        </a:fillRef>
+        <a:effectRef idx="0">
+          <a:scrgbClr r="0" g="0" b="0"/>
+        </a:effectRef>
+        <a:fontRef idx="minor">
+          <a:schemeClr val="lt1"/>
+        </a:fontRef>
+      </dsp:style>
+      <dsp:txBody>
+        <a:bodyPr spcFirstLastPara="0" vert="horz" wrap="square" lIns="16510" tIns="16510" rIns="16510" bIns="16510" numCol="1" spcCol="1270" anchor="ctr" anchorCtr="0">
+          <a:noAutofit/>
+        </a:bodyPr>
+        <a:lstStyle/>
+        <a:p>
+          <a:pPr marL="0" lvl="0" indent="0" algn="ctr" defTabSz="1155700">
+            <a:lnSpc>
+              <a:spcPct val="90000"/>
+            </a:lnSpc>
+            <a:spcBef>
+              <a:spcPct val="0"/>
+            </a:spcBef>
+            <a:spcAft>
+              <a:spcPct val="35000"/>
+            </a:spcAft>
+            <a:buNone/>
+          </a:pPr>
+          <a:r>
+            <a:rPr lang="de-DE" sz="2600" kern="1200" dirty="0"/>
+            <a:t>ISTAR Digital Twin</a:t>
+          </a:r>
+        </a:p>
+      </dsp:txBody>
+      <dsp:txXfrm>
+        <a:off x="-869139" y="2225591"/>
+        <a:ext cx="2514589" cy="444666"/>
+      </dsp:txXfrm>
+    </dsp:sp>
+    <dsp:sp modelId="{24B062D9-891F-4673-9275-E4F62730D662}">
+      <dsp:nvSpPr>
+        <dsp:cNvPr id="0" name=""/>
+        <dsp:cNvSpPr/>
+      </dsp:nvSpPr>
+      <dsp:spPr>
+        <a:xfrm>
+          <a:off x="902189" y="558092"/>
+          <a:ext cx="1458506" cy="444666"/>
+        </a:xfrm>
+        <a:prstGeom prst="rect">
+          <a:avLst/>
+        </a:prstGeom>
+        <a:solidFill>
+          <a:schemeClr val="accent1">
+            <a:hueOff val="0"/>
+            <a:satOff val="0"/>
+            <a:lumOff val="0"/>
+            <a:alphaOff val="0"/>
+          </a:schemeClr>
+        </a:solidFill>
+        <a:ln w="12700" cap="flat" cmpd="sng" algn="ctr">
+          <a:solidFill>
+            <a:schemeClr val="lt1">
+              <a:hueOff val="0"/>
+              <a:satOff val="0"/>
+              <a:lumOff val="0"/>
+              <a:alphaOff val="0"/>
+            </a:schemeClr>
+          </a:solidFill>
+          <a:prstDash val="solid"/>
+          <a:miter lim="800000"/>
+        </a:ln>
+        <a:effectLst/>
+      </dsp:spPr>
+      <dsp:style>
+        <a:lnRef idx="2">
+          <a:scrgbClr r="0" g="0" b="0"/>
+        </a:lnRef>
+        <a:fillRef idx="1">
+          <a:scrgbClr r="0" g="0" b="0"/>
+        </a:fillRef>
+        <a:effectRef idx="0">
+          <a:scrgbClr r="0" g="0" b="0"/>
+        </a:effectRef>
+        <a:fontRef idx="minor">
+          <a:schemeClr val="lt1"/>
+        </a:fontRef>
+      </dsp:style>
+      <dsp:txBody>
+        <a:bodyPr spcFirstLastPara="0" vert="horz" wrap="square" lIns="6985" tIns="6985" rIns="6985" bIns="6985" numCol="1" spcCol="1270" anchor="ctr" anchorCtr="0">
+          <a:noAutofit/>
+        </a:bodyPr>
+        <a:lstStyle/>
+        <a:p>
+          <a:pPr marL="0" lvl="0" indent="0" algn="ctr" defTabSz="488950">
+            <a:lnSpc>
+              <a:spcPct val="90000"/>
+            </a:lnSpc>
+            <a:spcBef>
+              <a:spcPct val="0"/>
+            </a:spcBef>
+            <a:spcAft>
+              <a:spcPct val="35000"/>
+            </a:spcAft>
+            <a:buNone/>
+          </a:pPr>
+          <a:r>
+            <a:rPr lang="de-DE" sz="1100" kern="1200" dirty="0"/>
+            <a:t>Aircraft Internal Data</a:t>
+          </a:r>
+        </a:p>
+      </dsp:txBody>
+      <dsp:txXfrm>
+        <a:off x="902189" y="558092"/>
+        <a:ext cx="1458506" cy="444666"/>
+      </dsp:txXfrm>
+    </dsp:sp>
+    <dsp:sp modelId="{56A15159-5AC9-410E-B263-A510A2432B32}">
+      <dsp:nvSpPr>
+        <dsp:cNvPr id="0" name=""/>
+        <dsp:cNvSpPr/>
+      </dsp:nvSpPr>
+      <dsp:spPr>
+        <a:xfrm>
+          <a:off x="2652397" y="2259"/>
+          <a:ext cx="1458506" cy="444666"/>
+        </a:xfrm>
+        <a:prstGeom prst="rect">
+          <a:avLst/>
+        </a:prstGeom>
+        <a:solidFill>
+          <a:schemeClr val="accent1">
+            <a:hueOff val="0"/>
+            <a:satOff val="0"/>
+            <a:lumOff val="0"/>
+            <a:alphaOff val="0"/>
+          </a:schemeClr>
+        </a:solidFill>
+        <a:ln w="12700" cap="flat" cmpd="sng" algn="ctr">
+          <a:solidFill>
+            <a:schemeClr val="lt1">
+              <a:hueOff val="0"/>
+              <a:satOff val="0"/>
+              <a:lumOff val="0"/>
+              <a:alphaOff val="0"/>
+            </a:schemeClr>
+          </a:solidFill>
+          <a:prstDash val="solid"/>
+          <a:miter lim="800000"/>
+        </a:ln>
+        <a:effectLst/>
+      </dsp:spPr>
+      <dsp:style>
+        <a:lnRef idx="2">
+          <a:scrgbClr r="0" g="0" b="0"/>
+        </a:lnRef>
+        <a:fillRef idx="1">
+          <a:scrgbClr r="0" g="0" b="0"/>
+        </a:fillRef>
+        <a:effectRef idx="0">
+          <a:scrgbClr r="0" g="0" b="0"/>
+        </a:effectRef>
+        <a:fontRef idx="minor">
+          <a:schemeClr val="lt1"/>
+        </a:fontRef>
+      </dsp:style>
+      <dsp:txBody>
+        <a:bodyPr spcFirstLastPara="0" vert="horz" wrap="square" lIns="6985" tIns="6985" rIns="6985" bIns="6985" numCol="1" spcCol="1270" anchor="ctr" anchorCtr="0">
+          <a:noAutofit/>
+        </a:bodyPr>
+        <a:lstStyle/>
+        <a:p>
+          <a:pPr marL="0" lvl="0" indent="0" algn="ctr" defTabSz="488950">
+            <a:lnSpc>
+              <a:spcPct val="90000"/>
+            </a:lnSpc>
+            <a:spcBef>
+              <a:spcPct val="0"/>
+            </a:spcBef>
+            <a:spcAft>
+              <a:spcPct val="35000"/>
+            </a:spcAft>
+            <a:buNone/>
+          </a:pPr>
+          <a:r>
+            <a:rPr lang="de-DE" sz="1100" kern="1200" dirty="0"/>
+            <a:t>Basic Measurement Equipment (AC Data Bus)</a:t>
+          </a:r>
+        </a:p>
+      </dsp:txBody>
+      <dsp:txXfrm>
+        <a:off x="2652397" y="2259"/>
+        <a:ext cx="1458506" cy="444666"/>
+      </dsp:txXfrm>
+    </dsp:sp>
+    <dsp:sp modelId="{8DA5CF6A-7F14-436D-A4E3-44796FC9C617}">
+      <dsp:nvSpPr>
+        <dsp:cNvPr id="0" name=""/>
+        <dsp:cNvSpPr/>
+      </dsp:nvSpPr>
+      <dsp:spPr>
+        <a:xfrm>
+          <a:off x="2652397" y="558092"/>
+          <a:ext cx="1458506" cy="444666"/>
+        </a:xfrm>
+        <a:prstGeom prst="rect">
+          <a:avLst/>
+        </a:prstGeom>
+        <a:solidFill>
+          <a:schemeClr val="accent1">
+            <a:hueOff val="0"/>
+            <a:satOff val="0"/>
+            <a:lumOff val="0"/>
+            <a:alphaOff val="0"/>
+          </a:schemeClr>
+        </a:solidFill>
+        <a:ln w="12700" cap="flat" cmpd="sng" algn="ctr">
+          <a:solidFill>
+            <a:schemeClr val="lt1">
+              <a:hueOff val="0"/>
+              <a:satOff val="0"/>
+              <a:lumOff val="0"/>
+              <a:alphaOff val="0"/>
+            </a:schemeClr>
+          </a:solidFill>
+          <a:prstDash val="solid"/>
+          <a:miter lim="800000"/>
+        </a:ln>
+        <a:effectLst/>
+      </dsp:spPr>
+      <dsp:style>
+        <a:lnRef idx="2">
+          <a:scrgbClr r="0" g="0" b="0"/>
+        </a:lnRef>
+        <a:fillRef idx="1">
+          <a:scrgbClr r="0" g="0" b="0"/>
+        </a:fillRef>
+        <a:effectRef idx="0">
+          <a:scrgbClr r="0" g="0" b="0"/>
+        </a:effectRef>
+        <a:fontRef idx="minor">
+          <a:schemeClr val="lt1"/>
+        </a:fontRef>
+      </dsp:style>
+      <dsp:txBody>
+        <a:bodyPr spcFirstLastPara="0" vert="horz" wrap="square" lIns="6985" tIns="6985" rIns="6985" bIns="6985" numCol="1" spcCol="1270" anchor="ctr" anchorCtr="0">
+          <a:noAutofit/>
+        </a:bodyPr>
+        <a:lstStyle/>
+        <a:p>
+          <a:pPr marL="0" lvl="0" indent="0" algn="ctr" defTabSz="488950">
+            <a:lnSpc>
+              <a:spcPct val="90000"/>
+            </a:lnSpc>
+            <a:spcBef>
+              <a:spcPct val="0"/>
+            </a:spcBef>
+            <a:spcAft>
+              <a:spcPct val="35000"/>
+            </a:spcAft>
+            <a:buNone/>
+          </a:pPr>
+          <a:r>
+            <a:rPr lang="de-DE" sz="1100" kern="1200" dirty="0" err="1"/>
+            <a:t>Nose</a:t>
+          </a:r>
+          <a:r>
+            <a:rPr lang="de-DE" sz="1100" kern="1200" dirty="0"/>
+            <a:t> Boom</a:t>
+          </a:r>
+        </a:p>
+      </dsp:txBody>
+      <dsp:txXfrm>
+        <a:off x="2652397" y="558092"/>
+        <a:ext cx="1458506" cy="444666"/>
+      </dsp:txXfrm>
+    </dsp:sp>
+    <dsp:sp modelId="{EBB44A27-D449-4FAA-9A43-3634DCD01467}">
+      <dsp:nvSpPr>
+        <dsp:cNvPr id="0" name=""/>
+        <dsp:cNvSpPr/>
+      </dsp:nvSpPr>
+      <dsp:spPr>
+        <a:xfrm>
+          <a:off x="2652397" y="1113925"/>
+          <a:ext cx="1458506" cy="444666"/>
+        </a:xfrm>
+        <a:prstGeom prst="rect">
+          <a:avLst/>
+        </a:prstGeom>
+        <a:solidFill>
+          <a:schemeClr val="accent1">
+            <a:hueOff val="0"/>
+            <a:satOff val="0"/>
+            <a:lumOff val="0"/>
+            <a:alphaOff val="0"/>
+          </a:schemeClr>
+        </a:solidFill>
+        <a:ln w="12700" cap="flat" cmpd="sng" algn="ctr">
+          <a:solidFill>
+            <a:schemeClr val="lt1">
+              <a:hueOff val="0"/>
+              <a:satOff val="0"/>
+              <a:lumOff val="0"/>
+              <a:alphaOff val="0"/>
+            </a:schemeClr>
+          </a:solidFill>
+          <a:prstDash val="solid"/>
+          <a:miter lim="800000"/>
+        </a:ln>
+        <a:effectLst/>
+      </dsp:spPr>
+      <dsp:style>
+        <a:lnRef idx="2">
+          <a:scrgbClr r="0" g="0" b="0"/>
+        </a:lnRef>
+        <a:fillRef idx="1">
+          <a:scrgbClr r="0" g="0" b="0"/>
+        </a:fillRef>
+        <a:effectRef idx="0">
+          <a:scrgbClr r="0" g="0" b="0"/>
+        </a:effectRef>
+        <a:fontRef idx="minor">
+          <a:schemeClr val="lt1"/>
+        </a:fontRef>
+      </dsp:style>
+      <dsp:txBody>
+        <a:bodyPr spcFirstLastPara="0" vert="horz" wrap="square" lIns="6985" tIns="6985" rIns="6985" bIns="6985" numCol="1" spcCol="1270" anchor="ctr" anchorCtr="0">
+          <a:noAutofit/>
+        </a:bodyPr>
+        <a:lstStyle/>
+        <a:p>
+          <a:pPr marL="0" lvl="0" indent="0" algn="ctr" defTabSz="488950">
+            <a:lnSpc>
+              <a:spcPct val="90000"/>
+            </a:lnSpc>
+            <a:spcBef>
+              <a:spcPct val="0"/>
+            </a:spcBef>
+            <a:spcAft>
+              <a:spcPct val="35000"/>
+            </a:spcAft>
+            <a:buNone/>
+          </a:pPr>
+          <a:r>
+            <a:rPr lang="de-DE" sz="1100" kern="1200" dirty="0" err="1"/>
+            <a:t>Aerolastic</a:t>
+          </a:r>
+          <a:r>
+            <a:rPr lang="de-DE" sz="1100" kern="1200" dirty="0"/>
+            <a:t> Sensor System</a:t>
+          </a:r>
+        </a:p>
+      </dsp:txBody>
+      <dsp:txXfrm>
+        <a:off x="2652397" y="1113925"/>
+        <a:ext cx="1458506" cy="444666"/>
+      </dsp:txXfrm>
+    </dsp:sp>
+    <dsp:sp modelId="{7AAD6E8A-D1AC-4C73-8EAC-42C29479C60D}">
+      <dsp:nvSpPr>
+        <dsp:cNvPr id="0" name=""/>
+        <dsp:cNvSpPr/>
+      </dsp:nvSpPr>
+      <dsp:spPr>
+        <a:xfrm>
+          <a:off x="902189" y="2225591"/>
+          <a:ext cx="1458506" cy="444666"/>
+        </a:xfrm>
+        <a:prstGeom prst="rect">
+          <a:avLst/>
+        </a:prstGeom>
+        <a:solidFill>
+          <a:schemeClr val="accent3"/>
+        </a:solidFill>
+        <a:ln w="12700" cap="flat" cmpd="sng" algn="ctr">
+          <a:solidFill>
+            <a:schemeClr val="lt1">
+              <a:hueOff val="0"/>
+              <a:satOff val="0"/>
+              <a:lumOff val="0"/>
+              <a:alphaOff val="0"/>
+            </a:schemeClr>
+          </a:solidFill>
+          <a:prstDash val="solid"/>
+          <a:miter lim="800000"/>
+        </a:ln>
+        <a:effectLst/>
+      </dsp:spPr>
+      <dsp:style>
+        <a:lnRef idx="2">
+          <a:scrgbClr r="0" g="0" b="0"/>
+        </a:lnRef>
+        <a:fillRef idx="1">
+          <a:scrgbClr r="0" g="0" b="0"/>
+        </a:fillRef>
+        <a:effectRef idx="0">
+          <a:scrgbClr r="0" g="0" b="0"/>
+        </a:effectRef>
+        <a:fontRef idx="minor">
+          <a:schemeClr val="lt1"/>
+        </a:fontRef>
+      </dsp:style>
+      <dsp:txBody>
+        <a:bodyPr spcFirstLastPara="0" vert="horz" wrap="square" lIns="6985" tIns="6985" rIns="6985" bIns="6985" numCol="1" spcCol="1270" anchor="ctr" anchorCtr="0">
+          <a:noAutofit/>
+        </a:bodyPr>
+        <a:lstStyle/>
+        <a:p>
+          <a:pPr marL="0" lvl="0" indent="0" algn="ctr" defTabSz="488950">
+            <a:lnSpc>
+              <a:spcPct val="90000"/>
+            </a:lnSpc>
+            <a:spcBef>
+              <a:spcPct val="0"/>
+            </a:spcBef>
+            <a:spcAft>
+              <a:spcPct val="35000"/>
+            </a:spcAft>
+            <a:buNone/>
+          </a:pPr>
+          <a:r>
+            <a:rPr lang="de-DE" sz="1100" kern="1200" dirty="0"/>
+            <a:t>DLR Internal Data</a:t>
+          </a:r>
+        </a:p>
+      </dsp:txBody>
+      <dsp:txXfrm>
+        <a:off x="902189" y="2225591"/>
+        <a:ext cx="1458506" cy="444666"/>
+      </dsp:txXfrm>
+    </dsp:sp>
+    <dsp:sp modelId="{1FA15DBF-B50F-4019-9FFC-32C7F856B55A}">
+      <dsp:nvSpPr>
+        <dsp:cNvPr id="0" name=""/>
+        <dsp:cNvSpPr/>
+      </dsp:nvSpPr>
+      <dsp:spPr>
+        <a:xfrm>
+          <a:off x="2652397" y="1669758"/>
+          <a:ext cx="1458506" cy="444666"/>
+        </a:xfrm>
+        <a:prstGeom prst="rect">
+          <a:avLst/>
+        </a:prstGeom>
+        <a:solidFill>
+          <a:schemeClr val="accent3"/>
+        </a:solidFill>
+        <a:ln w="12700" cap="flat" cmpd="sng" algn="ctr">
+          <a:solidFill>
+            <a:schemeClr val="lt1">
+              <a:hueOff val="0"/>
+              <a:satOff val="0"/>
+              <a:lumOff val="0"/>
+              <a:alphaOff val="0"/>
+            </a:schemeClr>
+          </a:solidFill>
+          <a:prstDash val="solid"/>
+          <a:miter lim="800000"/>
+        </a:ln>
+        <a:effectLst/>
+      </dsp:spPr>
+      <dsp:style>
+        <a:lnRef idx="2">
+          <a:scrgbClr r="0" g="0" b="0"/>
+        </a:lnRef>
+        <a:fillRef idx="1">
+          <a:scrgbClr r="0" g="0" b="0"/>
+        </a:fillRef>
+        <a:effectRef idx="0">
+          <a:scrgbClr r="0" g="0" b="0"/>
+        </a:effectRef>
+        <a:fontRef idx="minor">
+          <a:schemeClr val="lt1"/>
+        </a:fontRef>
+      </dsp:style>
+      <dsp:txBody>
+        <a:bodyPr spcFirstLastPara="0" vert="horz" wrap="square" lIns="6985" tIns="6985" rIns="6985" bIns="6985" numCol="1" spcCol="1270" anchor="ctr" anchorCtr="0">
+          <a:noAutofit/>
+        </a:bodyPr>
+        <a:lstStyle/>
+        <a:p>
+          <a:pPr marL="0" lvl="0" indent="0" algn="ctr" defTabSz="488950">
+            <a:lnSpc>
+              <a:spcPct val="90000"/>
+            </a:lnSpc>
+            <a:spcBef>
+              <a:spcPct val="0"/>
+            </a:spcBef>
+            <a:spcAft>
+              <a:spcPct val="35000"/>
+            </a:spcAft>
+            <a:buNone/>
+          </a:pPr>
+          <a:r>
+            <a:rPr lang="de-DE" sz="1100" kern="1200" dirty="0"/>
+            <a:t>CAMO</a:t>
+          </a:r>
+        </a:p>
+      </dsp:txBody>
+      <dsp:txXfrm>
+        <a:off x="2652397" y="1669758"/>
+        <a:ext cx="1458506" cy="444666"/>
+      </dsp:txXfrm>
+    </dsp:sp>
+    <dsp:sp modelId="{58DAF8C7-763E-421D-B937-2AA3327D22B4}">
+      <dsp:nvSpPr>
+        <dsp:cNvPr id="0" name=""/>
+        <dsp:cNvSpPr/>
+      </dsp:nvSpPr>
+      <dsp:spPr>
+        <a:xfrm>
+          <a:off x="2652397" y="2225591"/>
+          <a:ext cx="1458506" cy="444666"/>
+        </a:xfrm>
+        <a:prstGeom prst="rect">
+          <a:avLst/>
+        </a:prstGeom>
+        <a:solidFill>
+          <a:schemeClr val="accent3"/>
+        </a:solidFill>
+        <a:ln w="12700" cap="flat" cmpd="sng" algn="ctr">
+          <a:solidFill>
+            <a:schemeClr val="lt1">
+              <a:hueOff val="0"/>
+              <a:satOff val="0"/>
+              <a:lumOff val="0"/>
+              <a:alphaOff val="0"/>
+            </a:schemeClr>
+          </a:solidFill>
+          <a:prstDash val="solid"/>
+          <a:miter lim="800000"/>
+        </a:ln>
+        <a:effectLst/>
+      </dsp:spPr>
+      <dsp:style>
+        <a:lnRef idx="2">
+          <a:scrgbClr r="0" g="0" b="0"/>
+        </a:lnRef>
+        <a:fillRef idx="1">
+          <a:scrgbClr r="0" g="0" b="0"/>
+        </a:fillRef>
+        <a:effectRef idx="0">
+          <a:scrgbClr r="0" g="0" b="0"/>
+        </a:effectRef>
+        <a:fontRef idx="minor">
+          <a:schemeClr val="lt1"/>
+        </a:fontRef>
+      </dsp:style>
+      <dsp:txBody>
+        <a:bodyPr spcFirstLastPara="0" vert="horz" wrap="square" lIns="6985" tIns="6985" rIns="6985" bIns="6985" numCol="1" spcCol="1270" anchor="ctr" anchorCtr="0">
+          <a:noAutofit/>
+        </a:bodyPr>
+        <a:lstStyle/>
+        <a:p>
+          <a:pPr marL="0" lvl="0" indent="0" algn="ctr" defTabSz="488950">
+            <a:lnSpc>
+              <a:spcPct val="90000"/>
+            </a:lnSpc>
+            <a:spcBef>
+              <a:spcPct val="0"/>
+            </a:spcBef>
+            <a:spcAft>
+              <a:spcPct val="35000"/>
+            </a:spcAft>
+            <a:buNone/>
+          </a:pPr>
+          <a:r>
+            <a:rPr lang="de-DE" sz="1100" kern="1200" dirty="0"/>
+            <a:t>3D Scan (</a:t>
+          </a:r>
+          <a:r>
+            <a:rPr lang="de-DE" sz="1100" kern="1200" dirty="0" err="1"/>
+            <a:t>Cabin</a:t>
+          </a:r>
+          <a:r>
+            <a:rPr lang="de-DE" sz="1100" kern="1200" dirty="0"/>
+            <a:t> &amp; Aircraft)</a:t>
+          </a:r>
+        </a:p>
+      </dsp:txBody>
+      <dsp:txXfrm>
+        <a:off x="2652397" y="2225591"/>
+        <a:ext cx="1458506" cy="444666"/>
+      </dsp:txXfrm>
+    </dsp:sp>
+    <dsp:sp modelId="{DD3D897A-6B6E-4AA3-A9FD-14CE57662DE3}">
+      <dsp:nvSpPr>
+        <dsp:cNvPr id="0" name=""/>
+        <dsp:cNvSpPr/>
+      </dsp:nvSpPr>
+      <dsp:spPr>
+        <a:xfrm>
+          <a:off x="2652397" y="2781424"/>
+          <a:ext cx="1458506" cy="444666"/>
+        </a:xfrm>
+        <a:prstGeom prst="rect">
+          <a:avLst/>
+        </a:prstGeom>
+        <a:solidFill>
+          <a:schemeClr val="accent3"/>
+        </a:solidFill>
+        <a:ln w="12700" cap="flat" cmpd="sng" algn="ctr">
+          <a:solidFill>
+            <a:schemeClr val="lt1">
+              <a:hueOff val="0"/>
+              <a:satOff val="0"/>
+              <a:lumOff val="0"/>
+              <a:alphaOff val="0"/>
+            </a:schemeClr>
+          </a:solidFill>
+          <a:prstDash val="solid"/>
+          <a:miter lim="800000"/>
+        </a:ln>
+        <a:effectLst/>
+      </dsp:spPr>
+      <dsp:style>
+        <a:lnRef idx="2">
+          <a:scrgbClr r="0" g="0" b="0"/>
+        </a:lnRef>
+        <a:fillRef idx="1">
+          <a:scrgbClr r="0" g="0" b="0"/>
+        </a:fillRef>
+        <a:effectRef idx="0">
+          <a:scrgbClr r="0" g="0" b="0"/>
+        </a:effectRef>
+        <a:fontRef idx="minor">
+          <a:schemeClr val="lt1"/>
+        </a:fontRef>
+      </dsp:style>
+      <dsp:txBody>
+        <a:bodyPr spcFirstLastPara="0" vert="horz" wrap="square" lIns="6985" tIns="6985" rIns="6985" bIns="6985" numCol="1" spcCol="1270" anchor="ctr" anchorCtr="0">
+          <a:noAutofit/>
+        </a:bodyPr>
+        <a:lstStyle/>
+        <a:p>
+          <a:pPr marL="0" lvl="0" indent="0" algn="ctr" defTabSz="488950">
+            <a:lnSpc>
+              <a:spcPct val="90000"/>
+            </a:lnSpc>
+            <a:spcBef>
+              <a:spcPct val="0"/>
+            </a:spcBef>
+            <a:spcAft>
+              <a:spcPct val="35000"/>
+            </a:spcAft>
+            <a:buNone/>
+          </a:pPr>
+          <a:r>
+            <a:rPr lang="de-DE" sz="1100" kern="1200" dirty="0"/>
+            <a:t>Flight Test Plans</a:t>
+          </a:r>
+        </a:p>
+      </dsp:txBody>
+      <dsp:txXfrm>
+        <a:off x="2652397" y="2781424"/>
+        <a:ext cx="1458506" cy="444666"/>
+      </dsp:txXfrm>
+    </dsp:sp>
+    <dsp:sp modelId="{BECF1E3F-BC6F-4A7D-AE0D-97FF8FE78196}">
+      <dsp:nvSpPr>
+        <dsp:cNvPr id="0" name=""/>
+        <dsp:cNvSpPr/>
+      </dsp:nvSpPr>
+      <dsp:spPr>
+        <a:xfrm>
+          <a:off x="902189" y="3893091"/>
+          <a:ext cx="1458506" cy="444666"/>
+        </a:xfrm>
+        <a:prstGeom prst="rect">
+          <a:avLst/>
+        </a:prstGeom>
+        <a:solidFill>
+          <a:schemeClr val="accent4"/>
+        </a:solidFill>
+        <a:ln w="12700" cap="flat" cmpd="sng" algn="ctr">
+          <a:solidFill>
+            <a:schemeClr val="lt1">
+              <a:hueOff val="0"/>
+              <a:satOff val="0"/>
+              <a:lumOff val="0"/>
+              <a:alphaOff val="0"/>
+            </a:schemeClr>
+          </a:solidFill>
+          <a:prstDash val="solid"/>
+          <a:miter lim="800000"/>
+        </a:ln>
+        <a:effectLst/>
+      </dsp:spPr>
+      <dsp:style>
+        <a:lnRef idx="2">
+          <a:scrgbClr r="0" g="0" b="0"/>
+        </a:lnRef>
+        <a:fillRef idx="1">
+          <a:scrgbClr r="0" g="0" b="0"/>
+        </a:fillRef>
+        <a:effectRef idx="0">
+          <a:scrgbClr r="0" g="0" b="0"/>
+        </a:effectRef>
+        <a:fontRef idx="minor">
+          <a:schemeClr val="lt1"/>
+        </a:fontRef>
+      </dsp:style>
+      <dsp:txBody>
+        <a:bodyPr spcFirstLastPara="0" vert="horz" wrap="square" lIns="6985" tIns="6985" rIns="6985" bIns="6985" numCol="1" spcCol="1270" anchor="ctr" anchorCtr="0">
+          <a:noAutofit/>
+        </a:bodyPr>
+        <a:lstStyle/>
+        <a:p>
+          <a:pPr marL="0" lvl="0" indent="0" algn="ctr" defTabSz="488950">
+            <a:lnSpc>
+              <a:spcPct val="90000"/>
+            </a:lnSpc>
+            <a:spcBef>
+              <a:spcPct val="0"/>
+            </a:spcBef>
+            <a:spcAft>
+              <a:spcPct val="35000"/>
+            </a:spcAft>
+            <a:buNone/>
+          </a:pPr>
+          <a:r>
+            <a:rPr lang="de-DE" sz="1100" kern="1200" dirty="0">
+              <a:solidFill>
+                <a:schemeClr val="tx1"/>
+              </a:solidFill>
+            </a:rPr>
+            <a:t>DLR External Data</a:t>
+          </a:r>
+        </a:p>
+      </dsp:txBody>
+      <dsp:txXfrm>
+        <a:off x="902189" y="3893091"/>
+        <a:ext cx="1458506" cy="444666"/>
+      </dsp:txXfrm>
+    </dsp:sp>
+    <dsp:sp modelId="{6C832B41-8D46-4FC6-8B9E-56C0780A9437}">
+      <dsp:nvSpPr>
+        <dsp:cNvPr id="0" name=""/>
+        <dsp:cNvSpPr/>
+      </dsp:nvSpPr>
+      <dsp:spPr>
+        <a:xfrm>
+          <a:off x="2652397" y="3337258"/>
+          <a:ext cx="1458506" cy="444666"/>
+        </a:xfrm>
+        <a:prstGeom prst="rect">
+          <a:avLst/>
+        </a:prstGeom>
+        <a:solidFill>
+          <a:schemeClr val="accent4"/>
+        </a:solidFill>
+        <a:ln w="12700" cap="flat" cmpd="sng" algn="ctr">
+          <a:solidFill>
+            <a:schemeClr val="lt1">
+              <a:hueOff val="0"/>
+              <a:satOff val="0"/>
+              <a:lumOff val="0"/>
+              <a:alphaOff val="0"/>
+            </a:schemeClr>
+          </a:solidFill>
+          <a:prstDash val="solid"/>
+          <a:miter lim="800000"/>
+        </a:ln>
+        <a:effectLst/>
+      </dsp:spPr>
+      <dsp:style>
+        <a:lnRef idx="2">
+          <a:scrgbClr r="0" g="0" b="0"/>
+        </a:lnRef>
+        <a:fillRef idx="1">
+          <a:scrgbClr r="0" g="0" b="0"/>
+        </a:fillRef>
+        <a:effectRef idx="0">
+          <a:scrgbClr r="0" g="0" b="0"/>
+        </a:effectRef>
+        <a:fontRef idx="minor">
+          <a:schemeClr val="lt1"/>
+        </a:fontRef>
+      </dsp:style>
+      <dsp:txBody>
+        <a:bodyPr spcFirstLastPara="0" vert="horz" wrap="square" lIns="6985" tIns="6985" rIns="6985" bIns="6985" numCol="1" spcCol="1270" anchor="ctr" anchorCtr="0">
+          <a:noAutofit/>
+        </a:bodyPr>
+        <a:lstStyle/>
+        <a:p>
+          <a:pPr marL="0" lvl="0" indent="0" algn="ctr" defTabSz="488950">
+            <a:lnSpc>
+              <a:spcPct val="90000"/>
+            </a:lnSpc>
+            <a:spcBef>
+              <a:spcPct val="0"/>
+            </a:spcBef>
+            <a:spcAft>
+              <a:spcPct val="35000"/>
+            </a:spcAft>
+            <a:buNone/>
+          </a:pPr>
+          <a:r>
+            <a:rPr lang="de-DE" sz="1100" kern="1200" dirty="0" err="1">
+              <a:solidFill>
+                <a:schemeClr val="tx1"/>
+              </a:solidFill>
+            </a:rPr>
+            <a:t>Surrounding</a:t>
+          </a:r>
+          <a:r>
+            <a:rPr lang="de-DE" sz="1100" kern="1200" dirty="0">
+              <a:solidFill>
+                <a:schemeClr val="tx1"/>
+              </a:solidFill>
+            </a:rPr>
+            <a:t> </a:t>
+          </a:r>
+          <a:br>
+            <a:rPr lang="de-DE" sz="1100" kern="1200" dirty="0">
+              <a:solidFill>
+                <a:schemeClr val="tx1"/>
+              </a:solidFill>
+            </a:rPr>
+          </a:br>
+          <a:r>
+            <a:rPr lang="de-DE" sz="1100" kern="1200" dirty="0">
+              <a:solidFill>
+                <a:schemeClr val="tx1"/>
+              </a:solidFill>
+            </a:rPr>
+            <a:t>Traffic (ADS-B)</a:t>
+          </a:r>
+        </a:p>
+      </dsp:txBody>
+      <dsp:txXfrm>
+        <a:off x="2652397" y="3337258"/>
+        <a:ext cx="1458506" cy="444666"/>
+      </dsp:txXfrm>
+    </dsp:sp>
+    <dsp:sp modelId="{1C4E7CBD-A5F5-4AED-8EC5-F8E3159341E9}">
+      <dsp:nvSpPr>
+        <dsp:cNvPr id="0" name=""/>
+        <dsp:cNvSpPr/>
+      </dsp:nvSpPr>
+      <dsp:spPr>
+        <a:xfrm>
+          <a:off x="2652397" y="3893091"/>
+          <a:ext cx="1458506" cy="444666"/>
+        </a:xfrm>
+        <a:prstGeom prst="rect">
+          <a:avLst/>
+        </a:prstGeom>
+        <a:solidFill>
+          <a:schemeClr val="accent4"/>
+        </a:solidFill>
+        <a:ln w="12700" cap="flat" cmpd="sng" algn="ctr">
+          <a:solidFill>
+            <a:schemeClr val="lt1">
+              <a:hueOff val="0"/>
+              <a:satOff val="0"/>
+              <a:lumOff val="0"/>
+              <a:alphaOff val="0"/>
+            </a:schemeClr>
+          </a:solidFill>
+          <a:prstDash val="solid"/>
+          <a:miter lim="800000"/>
+        </a:ln>
+        <a:effectLst/>
+      </dsp:spPr>
+      <dsp:style>
+        <a:lnRef idx="2">
+          <a:scrgbClr r="0" g="0" b="0"/>
+        </a:lnRef>
+        <a:fillRef idx="1">
+          <a:scrgbClr r="0" g="0" b="0"/>
+        </a:fillRef>
+        <a:effectRef idx="0">
+          <a:scrgbClr r="0" g="0" b="0"/>
+        </a:effectRef>
+        <a:fontRef idx="minor">
+          <a:schemeClr val="lt1"/>
+        </a:fontRef>
+      </dsp:style>
+      <dsp:txBody>
+        <a:bodyPr spcFirstLastPara="0" vert="horz" wrap="square" lIns="6985" tIns="6985" rIns="6985" bIns="6985" numCol="1" spcCol="1270" anchor="ctr" anchorCtr="0">
+          <a:noAutofit/>
+        </a:bodyPr>
+        <a:lstStyle/>
+        <a:p>
+          <a:pPr marL="0" lvl="0" indent="0" algn="ctr" defTabSz="488950">
+            <a:lnSpc>
+              <a:spcPct val="90000"/>
+            </a:lnSpc>
+            <a:spcBef>
+              <a:spcPct val="0"/>
+            </a:spcBef>
+            <a:spcAft>
+              <a:spcPct val="35000"/>
+            </a:spcAft>
+            <a:buNone/>
+          </a:pPr>
+          <a:r>
+            <a:rPr lang="de-DE" sz="1100" kern="1200" dirty="0" err="1">
+              <a:solidFill>
+                <a:schemeClr val="tx1"/>
+              </a:solidFill>
+            </a:rPr>
+            <a:t>Weather</a:t>
+          </a:r>
+          <a:r>
+            <a:rPr lang="de-DE" sz="1100" kern="1200" dirty="0">
+              <a:solidFill>
+                <a:schemeClr val="tx1"/>
+              </a:solidFill>
+            </a:rPr>
+            <a:t> (ECMWF, </a:t>
+          </a:r>
+          <a:r>
+            <a:rPr lang="de-DE" sz="1100" kern="1200" dirty="0" err="1">
+              <a:solidFill>
+                <a:schemeClr val="tx1"/>
+              </a:solidFill>
+            </a:rPr>
+            <a:t>Metar</a:t>
+          </a:r>
+          <a:r>
+            <a:rPr lang="de-DE" sz="1100" kern="1200" dirty="0">
+              <a:solidFill>
+                <a:schemeClr val="tx1"/>
+              </a:solidFill>
+            </a:rPr>
+            <a:t>)</a:t>
+          </a:r>
+        </a:p>
+      </dsp:txBody>
+      <dsp:txXfrm>
+        <a:off x="2652397" y="3893091"/>
+        <a:ext cx="1458506" cy="444666"/>
+      </dsp:txXfrm>
+    </dsp:sp>
+    <dsp:sp modelId="{D42BB064-6B09-4205-9336-2170F4C1FED7}">
+      <dsp:nvSpPr>
+        <dsp:cNvPr id="0" name=""/>
+        <dsp:cNvSpPr/>
+      </dsp:nvSpPr>
+      <dsp:spPr>
+        <a:xfrm>
+          <a:off x="2652397" y="4448924"/>
+          <a:ext cx="1458506" cy="444666"/>
+        </a:xfrm>
+        <a:prstGeom prst="rect">
+          <a:avLst/>
+        </a:prstGeom>
+        <a:solidFill>
+          <a:schemeClr val="accent4"/>
+        </a:solidFill>
+        <a:ln w="12700" cap="flat" cmpd="sng" algn="ctr">
+          <a:solidFill>
+            <a:schemeClr val="lt1">
+              <a:hueOff val="0"/>
+              <a:satOff val="0"/>
+              <a:lumOff val="0"/>
+              <a:alphaOff val="0"/>
+            </a:schemeClr>
+          </a:solidFill>
+          <a:prstDash val="solid"/>
+          <a:miter lim="800000"/>
+        </a:ln>
+        <a:effectLst/>
+      </dsp:spPr>
+      <dsp:style>
+        <a:lnRef idx="2">
+          <a:scrgbClr r="0" g="0" b="0"/>
+        </a:lnRef>
+        <a:fillRef idx="1">
+          <a:scrgbClr r="0" g="0" b="0"/>
+        </a:fillRef>
+        <a:effectRef idx="0">
+          <a:scrgbClr r="0" g="0" b="0"/>
+        </a:effectRef>
+        <a:fontRef idx="minor">
+          <a:schemeClr val="lt1"/>
+        </a:fontRef>
+      </dsp:style>
+      <dsp:txBody>
+        <a:bodyPr spcFirstLastPara="0" vert="horz" wrap="square" lIns="6985" tIns="6985" rIns="6985" bIns="6985" numCol="1" spcCol="1270" anchor="ctr" anchorCtr="0">
+          <a:noAutofit/>
+        </a:bodyPr>
+        <a:lstStyle/>
+        <a:p>
+          <a:pPr marL="0" lvl="0" indent="0" algn="ctr" defTabSz="488950">
+            <a:lnSpc>
+              <a:spcPct val="90000"/>
+            </a:lnSpc>
+            <a:spcBef>
+              <a:spcPct val="0"/>
+            </a:spcBef>
+            <a:spcAft>
+              <a:spcPct val="35000"/>
+            </a:spcAft>
+            <a:buNone/>
+          </a:pPr>
+          <a:r>
+            <a:rPr lang="de-DE" sz="1100" kern="1200" dirty="0">
+              <a:solidFill>
+                <a:schemeClr val="tx1"/>
+              </a:solidFill>
+            </a:rPr>
+            <a:t>Manufacturing Data (CAD)</a:t>
+          </a:r>
+        </a:p>
+      </dsp:txBody>
+      <dsp:txXfrm>
+        <a:off x="2652397" y="4448924"/>
+        <a:ext cx="1458506" cy="444666"/>
+      </dsp:txXfrm>
     </dsp:sp>
   </dsp:spTree>
 </dsp:drawing>
@@ -29643,6 +32355,329 @@
 </dgm:layoutDef>
 </file>
 
+<file path=ppt/diagrams/layout6.xml><?xml version="1.0" encoding="utf-8"?>
+<dgm:layoutDef xmlns:dgm="http://schemas.openxmlformats.org/drawingml/2006/diagram" xmlns:a="http://schemas.openxmlformats.org/drawingml/2006/main" uniqueId="urn:microsoft.com/office/officeart/2008/layout/HorizontalMultiLevelHierarchy">
+  <dgm:title val=""/>
+  <dgm:desc val=""/>
+  <dgm:catLst>
+    <dgm:cat type="hierarchy" pri="4600"/>
+  </dgm:catLst>
+  <dgm:sampData>
+    <dgm:dataModel>
+      <dgm:ptLst>
+        <dgm:pt modelId="0" type="doc"/>
+        <dgm:pt modelId="1">
+          <dgm:prSet phldr="1"/>
+        </dgm:pt>
+        <dgm:pt modelId="11">
+          <dgm:prSet phldr="1"/>
+        </dgm:pt>
+        <dgm:pt modelId="12">
+          <dgm:prSet phldr="1"/>
+        </dgm:pt>
+        <dgm:pt modelId="13">
+          <dgm:prSet phldr="1"/>
+        </dgm:pt>
+      </dgm:ptLst>
+      <dgm:cxnLst>
+        <dgm:cxn modelId="2" srcId="0" destId="1" srcOrd="0" destOrd="0"/>
+        <dgm:cxn modelId="3" srcId="1" destId="11" srcOrd="0" destOrd="0"/>
+        <dgm:cxn modelId="4" srcId="1" destId="12" srcOrd="1" destOrd="0"/>
+        <dgm:cxn modelId="5" srcId="1" destId="13" srcOrd="2" destOrd="0"/>
+      </dgm:cxnLst>
+      <dgm:bg/>
+      <dgm:whole/>
+    </dgm:dataModel>
+  </dgm:sampData>
+  <dgm:styleData>
+    <dgm:dataModel>
+      <dgm:ptLst>
+        <dgm:pt modelId="0" type="doc"/>
+        <dgm:pt modelId="1">
+          <dgm:prSet phldr="1"/>
+        </dgm:pt>
+        <dgm:pt modelId="11">
+          <dgm:prSet phldr="1"/>
+        </dgm:pt>
+        <dgm:pt modelId="12">
+          <dgm:prSet phldr="1"/>
+        </dgm:pt>
+      </dgm:ptLst>
+      <dgm:cxnLst>
+        <dgm:cxn modelId="2" srcId="0" destId="1" srcOrd="0" destOrd="0"/>
+        <dgm:cxn modelId="3" srcId="1" destId="11" srcOrd="0" destOrd="0"/>
+        <dgm:cxn modelId="4" srcId="1" destId="12" srcOrd="1" destOrd="0"/>
+      </dgm:cxnLst>
+      <dgm:bg/>
+      <dgm:whole/>
+    </dgm:dataModel>
+  </dgm:styleData>
+  <dgm:clrData>
+    <dgm:dataModel>
+      <dgm:ptLst>
+        <dgm:pt modelId="0" type="doc"/>
+        <dgm:pt modelId="1">
+          <dgm:prSet phldr="1"/>
+        </dgm:pt>
+        <dgm:pt modelId="11">
+          <dgm:prSet phldr="1"/>
+        </dgm:pt>
+        <dgm:pt modelId="12">
+          <dgm:prSet phldr="1"/>
+        </dgm:pt>
+        <dgm:pt modelId="13">
+          <dgm:prSet phldr="1"/>
+        </dgm:pt>
+      </dgm:ptLst>
+      <dgm:cxnLst>
+        <dgm:cxn modelId="2" srcId="0" destId="1" srcOrd="0" destOrd="0"/>
+        <dgm:cxn modelId="3" srcId="1" destId="11" srcOrd="0" destOrd="0"/>
+        <dgm:cxn modelId="4" srcId="1" destId="12" srcOrd="1" destOrd="0"/>
+        <dgm:cxn modelId="5" srcId="1" destId="13" srcOrd="2" destOrd="0"/>
+      </dgm:cxnLst>
+      <dgm:bg/>
+      <dgm:whole/>
+    </dgm:dataModel>
+  </dgm:clrData>
+  <dgm:layoutNode name="Name0">
+    <dgm:varLst>
+      <dgm:chPref val="1"/>
+      <dgm:dir/>
+      <dgm:animOne val="branch"/>
+      <dgm:animLvl val="lvl"/>
+      <dgm:resizeHandles val="exact"/>
+    </dgm:varLst>
+    <dgm:choose name="Name1">
+      <dgm:if name="Name2" func="var" arg="dir" op="equ" val="norm">
+        <dgm:alg type="hierChild">
+          <dgm:param type="linDir" val="fromT"/>
+          <dgm:param type="chAlign" val="l"/>
+        </dgm:alg>
+      </dgm:if>
+      <dgm:else name="Name3">
+        <dgm:alg type="hierChild">
+          <dgm:param type="linDir" val="fromT"/>
+          <dgm:param type="chAlign" val="r"/>
+        </dgm:alg>
+      </dgm:else>
+    </dgm:choose>
+    <dgm:shape xmlns:r="http://schemas.openxmlformats.org/officeDocument/2006/relationships" r:blip="">
+      <dgm:adjLst/>
+    </dgm:shape>
+    <dgm:presOf/>
+    <dgm:constrLst>
+      <dgm:constr type="h" for="des" forName="LevelOneTextNode" refType="h"/>
+      <dgm:constr type="w" for="des" forName="LevelOneTextNode" refType="h" refFor="des" refForName="LevelOneTextNode" fact="0.19"/>
+      <dgm:constr type="h" for="des" forName="LevelTwoTextNode" refType="w" refFor="des" refForName="LevelOneTextNode"/>
+      <dgm:constr type="w" for="des" forName="LevelTwoTextNode" refType="h" refFor="des" refForName="LevelTwoTextNode" fact="3.28"/>
+      <dgm:constr type="sibSp" refType="h" refFor="des" refForName="LevelTwoTextNode" op="equ" fact="0.25"/>
+      <dgm:constr type="sibSp" for="des" forName="level2hierChild" refType="h" refFor="des" refForName="LevelTwoTextNode" op="equ" fact="0.25"/>
+      <dgm:constr type="sibSp" for="des" forName="level3hierChild" refType="h" refFor="des" refForName="LevelTwoTextNode" op="equ" fact="0.25"/>
+      <dgm:constr type="sp" for="des" forName="root1" refType="w" refFor="des" refForName="LevelTwoTextNode" fact="0.2"/>
+      <dgm:constr type="sp" for="des" forName="root2" refType="sp" refFor="des" refForName="root1" op="equ"/>
+      <dgm:constr type="primFontSz" for="des" forName="LevelOneTextNode" op="equ" val="65"/>
+      <dgm:constr type="primFontSz" for="des" forName="LevelTwoTextNode" op="equ" val="65"/>
+      <dgm:constr type="primFontSz" for="des" forName="LevelTwoTextNode" refType="primFontSz" refFor="des" refForName="LevelOneTextNode" op="lte"/>
+      <dgm:constr type="primFontSz" for="des" forName="connTx" op="equ" val="50"/>
+      <dgm:constr type="primFontSz" for="des" forName="connTx" refType="primFontSz" refFor="des" refForName="LevelOneTextNode" op="lte" fact="0.78"/>
+    </dgm:constrLst>
+    <dgm:forEach name="Name4" axis="ch">
+      <dgm:forEach name="Name5" axis="self" ptType="node">
+        <dgm:layoutNode name="root1">
+          <dgm:choose name="Name6">
+            <dgm:if name="Name7" func="var" arg="dir" op="equ" val="norm">
+              <dgm:alg type="hierRoot">
+                <dgm:param type="hierAlign" val="lCtrCh"/>
+              </dgm:alg>
+            </dgm:if>
+            <dgm:else name="Name8">
+              <dgm:alg type="hierRoot">
+                <dgm:param type="hierAlign" val="rCtrCh"/>
+              </dgm:alg>
+            </dgm:else>
+          </dgm:choose>
+          <dgm:shape xmlns:r="http://schemas.openxmlformats.org/officeDocument/2006/relationships" r:blip="">
+            <dgm:adjLst/>
+          </dgm:shape>
+          <dgm:presOf/>
+          <dgm:layoutNode name="LevelOneTextNode" styleLbl="node0">
+            <dgm:varLst>
+              <dgm:chPref val="3"/>
+            </dgm:varLst>
+            <dgm:alg type="tx">
+              <dgm:param type="autoTxRot" val="grav"/>
+            </dgm:alg>
+            <dgm:choose name="Name9">
+              <dgm:if name="Name10" func="var" arg="dir" op="equ" val="norm">
+                <dgm:shape xmlns:r="http://schemas.openxmlformats.org/officeDocument/2006/relationships" rot="270" type="rect" r:blip="">
+                  <dgm:adjLst/>
+                </dgm:shape>
+              </dgm:if>
+              <dgm:else name="Name11">
+                <dgm:shape xmlns:r="http://schemas.openxmlformats.org/officeDocument/2006/relationships" rot="90" type="rect" r:blip="">
+                  <dgm:adjLst/>
+                </dgm:shape>
+              </dgm:else>
+            </dgm:choose>
+            <dgm:presOf axis="self"/>
+            <dgm:constrLst>
+              <dgm:constr type="tMarg" refType="primFontSz" fact="0.05"/>
+              <dgm:constr type="bMarg" refType="primFontSz" fact="0.05"/>
+              <dgm:constr type="lMarg" refType="primFontSz" fact="0.05"/>
+              <dgm:constr type="rMarg" refType="primFontSz" fact="0.05"/>
+            </dgm:constrLst>
+            <dgm:ruleLst>
+              <dgm:rule type="primFontSz" val="2" fact="NaN" max="NaN"/>
+            </dgm:ruleLst>
+          </dgm:layoutNode>
+          <dgm:layoutNode name="level2hierChild">
+            <dgm:choose name="Name12">
+              <dgm:if name="Name13" func="var" arg="dir" op="equ" val="norm">
+                <dgm:alg type="hierChild">
+                  <dgm:param type="linDir" val="fromT"/>
+                  <dgm:param type="chAlign" val="l"/>
+                </dgm:alg>
+              </dgm:if>
+              <dgm:else name="Name14">
+                <dgm:alg type="hierChild">
+                  <dgm:param type="linDir" val="fromT"/>
+                  <dgm:param type="chAlign" val="r"/>
+                </dgm:alg>
+              </dgm:else>
+            </dgm:choose>
+            <dgm:shape xmlns:r="http://schemas.openxmlformats.org/officeDocument/2006/relationships" r:blip="">
+              <dgm:adjLst/>
+            </dgm:shape>
+            <dgm:presOf/>
+            <dgm:forEach name="repeat" axis="ch">
+              <dgm:forEach name="Name15" axis="self" ptType="parTrans" cnt="1">
+                <dgm:layoutNode name="conn2-1">
+                  <dgm:choose name="Name16">
+                    <dgm:if name="Name17" func="var" arg="dir" op="equ" val="norm">
+                      <dgm:alg type="conn">
+                        <dgm:param type="dim" val="1D"/>
+                        <dgm:param type="begPts" val="midR"/>
+                        <dgm:param type="endPts" val="midL"/>
+                        <dgm:param type="endSty" val="noArr"/>
+                        <dgm:param type="connRout" val="bend"/>
+                      </dgm:alg>
+                    </dgm:if>
+                    <dgm:else name="Name18">
+                      <dgm:alg type="conn">
+                        <dgm:param type="dim" val="1D"/>
+                        <dgm:param type="begPts" val="midL"/>
+                        <dgm:param type="endPts" val="midR"/>
+                        <dgm:param type="endSty" val="noArr"/>
+                        <dgm:param type="connRout" val="bend"/>
+                      </dgm:alg>
+                    </dgm:else>
+                  </dgm:choose>
+                  <dgm:shape xmlns:r="http://schemas.openxmlformats.org/officeDocument/2006/relationships" type="conn" r:blip="" zOrderOff="-99999">
+                    <dgm:adjLst/>
+                  </dgm:shape>
+                  <dgm:presOf axis="self"/>
+                  <dgm:constrLst>
+                    <dgm:constr type="w" val="1"/>
+                    <dgm:constr type="h" val="5"/>
+                    <dgm:constr type="connDist"/>
+                    <dgm:constr type="begPad"/>
+                    <dgm:constr type="endPad"/>
+                    <dgm:constr type="userA" for="ch" refType="connDist"/>
+                  </dgm:constrLst>
+                  <dgm:layoutNode name="connTx">
+                    <dgm:alg type="tx">
+                      <dgm:param type="autoTxRot" val="grav"/>
+                    </dgm:alg>
+                    <dgm:shape xmlns:r="http://schemas.openxmlformats.org/officeDocument/2006/relationships" type="rect" r:blip="" hideGeom="1">
+                      <dgm:adjLst/>
+                    </dgm:shape>
+                    <dgm:presOf axis="self"/>
+                    <dgm:constrLst>
+                      <dgm:constr type="userA"/>
+                      <dgm:constr type="w" refType="userA" fact="0.05"/>
+                      <dgm:constr type="h" refType="userA" fact="0.05"/>
+                      <dgm:constr type="lMarg" val="1"/>
+                      <dgm:constr type="rMarg" val="1"/>
+                      <dgm:constr type="tMarg"/>
+                      <dgm:constr type="bMarg"/>
+                    </dgm:constrLst>
+                    <dgm:ruleLst>
+                      <dgm:rule type="h" val="NaN" fact="0.25" max="NaN"/>
+                      <dgm:rule type="w" val="NaN" fact="0.8" max="NaN"/>
+                      <dgm:rule type="primFontSz" val="5" fact="NaN" max="NaN"/>
+                    </dgm:ruleLst>
+                  </dgm:layoutNode>
+                </dgm:layoutNode>
+              </dgm:forEach>
+              <dgm:forEach name="Name19" axis="self" ptType="node">
+                <dgm:layoutNode name="root2">
+                  <dgm:choose name="Name20">
+                    <dgm:if name="Name21" func="var" arg="dir" op="equ" val="norm">
+                      <dgm:alg type="hierRoot">
+                        <dgm:param type="hierAlign" val="lCtrCh"/>
+                      </dgm:alg>
+                    </dgm:if>
+                    <dgm:else name="Name22">
+                      <dgm:alg type="hierRoot">
+                        <dgm:param type="hierAlign" val="rCtrCh"/>
+                      </dgm:alg>
+                    </dgm:else>
+                  </dgm:choose>
+                  <dgm:shape xmlns:r="http://schemas.openxmlformats.org/officeDocument/2006/relationships" r:blip="">
+                    <dgm:adjLst/>
+                  </dgm:shape>
+                  <dgm:presOf/>
+                  <dgm:layoutNode name="LevelTwoTextNode">
+                    <dgm:varLst>
+                      <dgm:chPref val="3"/>
+                    </dgm:varLst>
+                    <dgm:alg type="tx"/>
+                    <dgm:shape xmlns:r="http://schemas.openxmlformats.org/officeDocument/2006/relationships" type="rect" r:blip="">
+                      <dgm:adjLst/>
+                    </dgm:shape>
+                    <dgm:presOf axis="self"/>
+                    <dgm:constrLst>
+                      <dgm:constr type="tMarg" refType="primFontSz" fact="0.05"/>
+                      <dgm:constr type="bMarg" refType="primFontSz" fact="0.05"/>
+                      <dgm:constr type="lMarg" refType="primFontSz" fact="0.05"/>
+                      <dgm:constr type="rMarg" refType="primFontSz" fact="0.05"/>
+                    </dgm:constrLst>
+                    <dgm:ruleLst>
+                      <dgm:rule type="primFontSz" val="2" fact="NaN" max="NaN"/>
+                    </dgm:ruleLst>
+                  </dgm:layoutNode>
+                  <dgm:layoutNode name="level3hierChild">
+                    <dgm:choose name="Name23">
+                      <dgm:if name="Name24" func="var" arg="dir" op="equ" val="norm">
+                        <dgm:alg type="hierChild">
+                          <dgm:param type="linDir" val="fromT"/>
+                          <dgm:param type="chAlign" val="l"/>
+                        </dgm:alg>
+                      </dgm:if>
+                      <dgm:else name="Name25">
+                        <dgm:alg type="hierChild">
+                          <dgm:param type="linDir" val="fromT"/>
+                          <dgm:param type="chAlign" val="r"/>
+                        </dgm:alg>
+                      </dgm:else>
+                    </dgm:choose>
+                    <dgm:shape xmlns:r="http://schemas.openxmlformats.org/officeDocument/2006/relationships" r:blip="">
+                      <dgm:adjLst/>
+                    </dgm:shape>
+                    <dgm:presOf/>
+                    <dgm:forEach name="Name26" ref="repeat"/>
+                  </dgm:layoutNode>
+                </dgm:layoutNode>
+              </dgm:forEach>
+            </dgm:forEach>
+          </dgm:layoutNode>
+        </dgm:layoutNode>
+      </dgm:forEach>
+    </dgm:forEach>
+  </dgm:layoutNode>
+</dgm:layoutDef>
+</file>
+
 <file path=ppt/diagrams/quickStyle1.xml><?xml version="1.0" encoding="utf-8"?>
 <dgm:styleDef xmlns:dgm="http://schemas.openxmlformats.org/drawingml/2006/diagram" xmlns:a="http://schemas.openxmlformats.org/drawingml/2006/main" uniqueId="urn:microsoft.com/office/officeart/2005/8/quickstyle/simple1">
   <dgm:title val=""/>
@@ -33780,6 +36815,1040 @@
 </file>
 
 <file path=ppt/diagrams/quickStyle5.xml><?xml version="1.0" encoding="utf-8"?>
+<dgm:styleDef xmlns:dgm="http://schemas.openxmlformats.org/drawingml/2006/diagram" xmlns:a="http://schemas.openxmlformats.org/drawingml/2006/main" uniqueId="urn:microsoft.com/office/officeart/2005/8/quickstyle/simple1">
+  <dgm:title val=""/>
+  <dgm:desc val=""/>
+  <dgm:catLst>
+    <dgm:cat type="simple" pri="10100"/>
+  </dgm:catLst>
+  <dgm:scene3d>
+    <a:camera prst="orthographicFront"/>
+    <a:lightRig rig="threePt" dir="t"/>
+  </dgm:scene3d>
+  <dgm:styleLbl name="node0">
+    <dgm:scene3d>
+      <a:camera prst="orthographicFront"/>
+      <a:lightRig rig="threePt" dir="t"/>
+    </dgm:scene3d>
+    <dgm:sp3d/>
+    <dgm:txPr/>
+    <dgm:style>
+      <a:lnRef idx="2">
+        <a:scrgbClr r="0" g="0" b="0"/>
+      </a:lnRef>
+      <a:fillRef idx="1">
+        <a:scrgbClr r="0" g="0" b="0"/>
+      </a:fillRef>
+      <a:effectRef idx="0">
+        <a:scrgbClr r="0" g="0" b="0"/>
+      </a:effectRef>
+      <a:fontRef idx="minor">
+        <a:schemeClr val="lt1"/>
+      </a:fontRef>
+    </dgm:style>
+  </dgm:styleLbl>
+  <dgm:styleLbl name="lnNode1">
+    <dgm:scene3d>
+      <a:camera prst="orthographicFront"/>
+      <a:lightRig rig="threePt" dir="t"/>
+    </dgm:scene3d>
+    <dgm:sp3d/>
+    <dgm:txPr/>
+    <dgm:style>
+      <a:lnRef idx="2">
+        <a:scrgbClr r="0" g="0" b="0"/>
+      </a:lnRef>
+      <a:fillRef idx="1">
+        <a:scrgbClr r="0" g="0" b="0"/>
+      </a:fillRef>
+      <a:effectRef idx="0">
+        <a:scrgbClr r="0" g="0" b="0"/>
+      </a:effectRef>
+      <a:fontRef idx="minor">
+        <a:schemeClr val="lt1"/>
+      </a:fontRef>
+    </dgm:style>
+  </dgm:styleLbl>
+  <dgm:styleLbl name="vennNode1">
+    <dgm:scene3d>
+      <a:camera prst="orthographicFront"/>
+      <a:lightRig rig="threePt" dir="t"/>
+    </dgm:scene3d>
+    <dgm:sp3d/>
+    <dgm:txPr/>
+    <dgm:style>
+      <a:lnRef idx="2">
+        <a:scrgbClr r="0" g="0" b="0"/>
+      </a:lnRef>
+      <a:fillRef idx="1">
+        <a:scrgbClr r="0" g="0" b="0"/>
+      </a:fillRef>
+      <a:effectRef idx="0">
+        <a:scrgbClr r="0" g="0" b="0"/>
+      </a:effectRef>
+      <a:fontRef idx="minor">
+        <a:schemeClr val="tx1"/>
+      </a:fontRef>
+    </dgm:style>
+  </dgm:styleLbl>
+  <dgm:styleLbl name="alignNode1">
+    <dgm:scene3d>
+      <a:camera prst="orthographicFront"/>
+      <a:lightRig rig="threePt" dir="t"/>
+    </dgm:scene3d>
+    <dgm:sp3d/>
+    <dgm:txPr/>
+    <dgm:style>
+      <a:lnRef idx="2">
+        <a:scrgbClr r="0" g="0" b="0"/>
+      </a:lnRef>
+      <a:fillRef idx="1">
+        <a:scrgbClr r="0" g="0" b="0"/>
+      </a:fillRef>
+      <a:effectRef idx="0">
+        <a:scrgbClr r="0" g="0" b="0"/>
+      </a:effectRef>
+      <a:fontRef idx="minor">
+        <a:schemeClr val="lt1"/>
+      </a:fontRef>
+    </dgm:style>
+  </dgm:styleLbl>
+  <dgm:styleLbl name="node1">
+    <dgm:scene3d>
+      <a:camera prst="orthographicFront"/>
+      <a:lightRig rig="threePt" dir="t"/>
+    </dgm:scene3d>
+    <dgm:sp3d/>
+    <dgm:txPr/>
+    <dgm:style>
+      <a:lnRef idx="2">
+        <a:scrgbClr r="0" g="0" b="0"/>
+      </a:lnRef>
+      <a:fillRef idx="1">
+        <a:scrgbClr r="0" g="0" b="0"/>
+      </a:fillRef>
+      <a:effectRef idx="0">
+        <a:scrgbClr r="0" g="0" b="0"/>
+      </a:effectRef>
+      <a:fontRef idx="minor">
+        <a:schemeClr val="lt1"/>
+      </a:fontRef>
+    </dgm:style>
+  </dgm:styleLbl>
+  <dgm:styleLbl name="node2">
+    <dgm:scene3d>
+      <a:camera prst="orthographicFront"/>
+      <a:lightRig rig="threePt" dir="t"/>
+    </dgm:scene3d>
+    <dgm:sp3d/>
+    <dgm:txPr/>
+    <dgm:style>
+      <a:lnRef idx="2">
+        <a:scrgbClr r="0" g="0" b="0"/>
+      </a:lnRef>
+      <a:fillRef idx="1">
+        <a:scrgbClr r="0" g="0" b="0"/>
+      </a:fillRef>
+      <a:effectRef idx="0">
+        <a:scrgbClr r="0" g="0" b="0"/>
+      </a:effectRef>
+      <a:fontRef idx="minor">
+        <a:schemeClr val="lt1"/>
+      </a:fontRef>
+    </dgm:style>
+  </dgm:styleLbl>
+  <dgm:styleLbl name="node3">
+    <dgm:scene3d>
+      <a:camera prst="orthographicFront"/>
+      <a:lightRig rig="threePt" dir="t"/>
+    </dgm:scene3d>
+    <dgm:sp3d/>
+    <dgm:txPr/>
+    <dgm:style>
+      <a:lnRef idx="2">
+        <a:scrgbClr r="0" g="0" b="0"/>
+      </a:lnRef>
+      <a:fillRef idx="1">
+        <a:scrgbClr r="0" g="0" b="0"/>
+      </a:fillRef>
+      <a:effectRef idx="0">
+        <a:scrgbClr r="0" g="0" b="0"/>
+      </a:effectRef>
+      <a:fontRef idx="minor">
+        <a:schemeClr val="lt1"/>
+      </a:fontRef>
+    </dgm:style>
+  </dgm:styleLbl>
+  <dgm:styleLbl name="node4">
+    <dgm:scene3d>
+      <a:camera prst="orthographicFront"/>
+      <a:lightRig rig="threePt" dir="t"/>
+    </dgm:scene3d>
+    <dgm:sp3d/>
+    <dgm:txPr/>
+    <dgm:style>
+      <a:lnRef idx="2">
+        <a:scrgbClr r="0" g="0" b="0"/>
+      </a:lnRef>
+      <a:fillRef idx="1">
+        <a:scrgbClr r="0" g="0" b="0"/>
+      </a:fillRef>
+      <a:effectRef idx="0">
+        <a:scrgbClr r="0" g="0" b="0"/>
+      </a:effectRef>
+      <a:fontRef idx="minor">
+        <a:schemeClr val="lt1"/>
+      </a:fontRef>
+    </dgm:style>
+  </dgm:styleLbl>
+  <dgm:styleLbl name="fgImgPlace1">
+    <dgm:scene3d>
+      <a:camera prst="orthographicFront"/>
+      <a:lightRig rig="threePt" dir="t"/>
+    </dgm:scene3d>
+    <dgm:sp3d/>
+    <dgm:txPr/>
+    <dgm:style>
+      <a:lnRef idx="2">
+        <a:scrgbClr r="0" g="0" b="0"/>
+      </a:lnRef>
+      <a:fillRef idx="1">
+        <a:scrgbClr r="0" g="0" b="0"/>
+      </a:fillRef>
+      <a:effectRef idx="0">
+        <a:scrgbClr r="0" g="0" b="0"/>
+      </a:effectRef>
+      <a:fontRef idx="minor"/>
+    </dgm:style>
+  </dgm:styleLbl>
+  <dgm:styleLbl name="alignImgPlace1">
+    <dgm:scene3d>
+      <a:camera prst="orthographicFront"/>
+      <a:lightRig rig="threePt" dir="t"/>
+    </dgm:scene3d>
+    <dgm:sp3d/>
+    <dgm:txPr/>
+    <dgm:style>
+      <a:lnRef idx="2">
+        <a:scrgbClr r="0" g="0" b="0"/>
+      </a:lnRef>
+      <a:fillRef idx="1">
+        <a:scrgbClr r="0" g="0" b="0"/>
+      </a:fillRef>
+      <a:effectRef idx="0">
+        <a:scrgbClr r="0" g="0" b="0"/>
+      </a:effectRef>
+      <a:fontRef idx="minor"/>
+    </dgm:style>
+  </dgm:styleLbl>
+  <dgm:styleLbl name="bgImgPlace1">
+    <dgm:scene3d>
+      <a:camera prst="orthographicFront"/>
+      <a:lightRig rig="threePt" dir="t"/>
+    </dgm:scene3d>
+    <dgm:sp3d/>
+    <dgm:txPr/>
+    <dgm:style>
+      <a:lnRef idx="2">
+        <a:scrgbClr r="0" g="0" b="0"/>
+      </a:lnRef>
+      <a:fillRef idx="1">
+        <a:scrgbClr r="0" g="0" b="0"/>
+      </a:fillRef>
+      <a:effectRef idx="0">
+        <a:scrgbClr r="0" g="0" b="0"/>
+      </a:effectRef>
+      <a:fontRef idx="minor"/>
+    </dgm:style>
+  </dgm:styleLbl>
+  <dgm:styleLbl name="sibTrans2D1">
+    <dgm:scene3d>
+      <a:camera prst="orthographicFront"/>
+      <a:lightRig rig="threePt" dir="t"/>
+    </dgm:scene3d>
+    <dgm:sp3d/>
+    <dgm:txPr/>
+    <dgm:style>
+      <a:lnRef idx="0">
+        <a:scrgbClr r="0" g="0" b="0"/>
+      </a:lnRef>
+      <a:fillRef idx="1">
+        <a:scrgbClr r="0" g="0" b="0"/>
+      </a:fillRef>
+      <a:effectRef idx="0">
+        <a:scrgbClr r="0" g="0" b="0"/>
+      </a:effectRef>
+      <a:fontRef idx="minor">
+        <a:schemeClr val="lt1"/>
+      </a:fontRef>
+    </dgm:style>
+  </dgm:styleLbl>
+  <dgm:styleLbl name="fgSibTrans2D1">
+    <dgm:scene3d>
+      <a:camera prst="orthographicFront"/>
+      <a:lightRig rig="threePt" dir="t"/>
+    </dgm:scene3d>
+    <dgm:sp3d/>
+    <dgm:txPr/>
+    <dgm:style>
+      <a:lnRef idx="0">
+        <a:scrgbClr r="0" g="0" b="0"/>
+      </a:lnRef>
+      <a:fillRef idx="1">
+        <a:scrgbClr r="0" g="0" b="0"/>
+      </a:fillRef>
+      <a:effectRef idx="0">
+        <a:scrgbClr r="0" g="0" b="0"/>
+      </a:effectRef>
+      <a:fontRef idx="minor">
+        <a:schemeClr val="lt1"/>
+      </a:fontRef>
+    </dgm:style>
+  </dgm:styleLbl>
+  <dgm:styleLbl name="bgSibTrans2D1">
+    <dgm:scene3d>
+      <a:camera prst="orthographicFront"/>
+      <a:lightRig rig="threePt" dir="t"/>
+    </dgm:scene3d>
+    <dgm:sp3d/>
+    <dgm:txPr/>
+    <dgm:style>
+      <a:lnRef idx="0">
+        <a:scrgbClr r="0" g="0" b="0"/>
+      </a:lnRef>
+      <a:fillRef idx="1">
+        <a:scrgbClr r="0" g="0" b="0"/>
+      </a:fillRef>
+      <a:effectRef idx="0">
+        <a:scrgbClr r="0" g="0" b="0"/>
+      </a:effectRef>
+      <a:fontRef idx="minor">
+        <a:schemeClr val="lt1"/>
+      </a:fontRef>
+    </dgm:style>
+  </dgm:styleLbl>
+  <dgm:styleLbl name="sibTrans1D1">
+    <dgm:scene3d>
+      <a:camera prst="orthographicFront"/>
+      <a:lightRig rig="threePt" dir="t"/>
+    </dgm:scene3d>
+    <dgm:sp3d/>
+    <dgm:txPr/>
+    <dgm:style>
+      <a:lnRef idx="1">
+        <a:scrgbClr r="0" g="0" b="0"/>
+      </a:lnRef>
+      <a:fillRef idx="0">
+        <a:scrgbClr r="0" g="0" b="0"/>
+      </a:fillRef>
+      <a:effectRef idx="0">
+        <a:scrgbClr r="0" g="0" b="0"/>
+      </a:effectRef>
+      <a:fontRef idx="minor"/>
+    </dgm:style>
+  </dgm:styleLbl>
+  <dgm:styleLbl name="callout">
+    <dgm:scene3d>
+      <a:camera prst="orthographicFront"/>
+      <a:lightRig rig="threePt" dir="t"/>
+    </dgm:scene3d>
+    <dgm:sp3d/>
+    <dgm:txPr/>
+    <dgm:style>
+      <a:lnRef idx="2">
+        <a:scrgbClr r="0" g="0" b="0"/>
+      </a:lnRef>
+      <a:fillRef idx="1">
+        <a:scrgbClr r="0" g="0" b="0"/>
+      </a:fillRef>
+      <a:effectRef idx="0">
+        <a:scrgbClr r="0" g="0" b="0"/>
+      </a:effectRef>
+      <a:fontRef idx="minor"/>
+    </dgm:style>
+  </dgm:styleLbl>
+  <dgm:styleLbl name="asst0">
+    <dgm:scene3d>
+      <a:camera prst="orthographicFront"/>
+      <a:lightRig rig="threePt" dir="t"/>
+    </dgm:scene3d>
+    <dgm:sp3d/>
+    <dgm:txPr/>
+    <dgm:style>
+      <a:lnRef idx="2">
+        <a:scrgbClr r="0" g="0" b="0"/>
+      </a:lnRef>
+      <a:fillRef idx="1">
+        <a:scrgbClr r="0" g="0" b="0"/>
+      </a:fillRef>
+      <a:effectRef idx="0">
+        <a:scrgbClr r="0" g="0" b="0"/>
+      </a:effectRef>
+      <a:fontRef idx="minor">
+        <a:schemeClr val="lt1"/>
+      </a:fontRef>
+    </dgm:style>
+  </dgm:styleLbl>
+  <dgm:styleLbl name="asst1">
+    <dgm:scene3d>
+      <a:camera prst="orthographicFront"/>
+      <a:lightRig rig="threePt" dir="t"/>
+    </dgm:scene3d>
+    <dgm:sp3d/>
+    <dgm:txPr/>
+    <dgm:style>
+      <a:lnRef idx="2">
+        <a:scrgbClr r="0" g="0" b="0"/>
+      </a:lnRef>
+      <a:fillRef idx="1">
+        <a:scrgbClr r="0" g="0" b="0"/>
+      </a:fillRef>
+      <a:effectRef idx="0">
+        <a:scrgbClr r="0" g="0" b="0"/>
+      </a:effectRef>
+      <a:fontRef idx="minor">
+        <a:schemeClr val="lt1"/>
+      </a:fontRef>
+    </dgm:style>
+  </dgm:styleLbl>
+  <dgm:styleLbl name="asst2">
+    <dgm:scene3d>
+      <a:camera prst="orthographicFront"/>
+      <a:lightRig rig="threePt" dir="t"/>
+    </dgm:scene3d>
+    <dgm:sp3d/>
+    <dgm:txPr/>
+    <dgm:style>
+      <a:lnRef idx="2">
+        <a:scrgbClr r="0" g="0" b="0"/>
+      </a:lnRef>
+      <a:fillRef idx="1">
+        <a:scrgbClr r="0" g="0" b="0"/>
+      </a:fillRef>
+      <a:effectRef idx="0">
+        <a:scrgbClr r="0" g="0" b="0"/>
+      </a:effectRef>
+      <a:fontRef idx="minor">
+        <a:schemeClr val="lt1"/>
+      </a:fontRef>
+    </dgm:style>
+  </dgm:styleLbl>
+  <dgm:styleLbl name="asst3">
+    <dgm:scene3d>
+      <a:camera prst="orthographicFront"/>
+      <a:lightRig rig="threePt" dir="t"/>
+    </dgm:scene3d>
+    <dgm:sp3d/>
+    <dgm:txPr/>
+    <dgm:style>
+      <a:lnRef idx="2">
+        <a:scrgbClr r="0" g="0" b="0"/>
+      </a:lnRef>
+      <a:fillRef idx="1">
+        <a:scrgbClr r="0" g="0" b="0"/>
+      </a:fillRef>
+      <a:effectRef idx="0">
+        <a:scrgbClr r="0" g="0" b="0"/>
+      </a:effectRef>
+      <a:fontRef idx="minor">
+        <a:schemeClr val="lt1"/>
+      </a:fontRef>
+    </dgm:style>
+  </dgm:styleLbl>
+  <dgm:styleLbl name="asst4">
+    <dgm:scene3d>
+      <a:camera prst="orthographicFront"/>
+      <a:lightRig rig="threePt" dir="t"/>
+    </dgm:scene3d>
+    <dgm:sp3d/>
+    <dgm:txPr/>
+    <dgm:style>
+      <a:lnRef idx="2">
+        <a:scrgbClr r="0" g="0" b="0"/>
+      </a:lnRef>
+      <a:fillRef idx="1">
+        <a:scrgbClr r="0" g="0" b="0"/>
+      </a:fillRef>
+      <a:effectRef idx="0">
+        <a:scrgbClr r="0" g="0" b="0"/>
+      </a:effectRef>
+      <a:fontRef idx="minor">
+        <a:schemeClr val="lt1"/>
+      </a:fontRef>
+    </dgm:style>
+  </dgm:styleLbl>
+  <dgm:styleLbl name="parChTrans2D1">
+    <dgm:scene3d>
+      <a:camera prst="orthographicFront"/>
+      <a:lightRig rig="threePt" dir="t"/>
+    </dgm:scene3d>
+    <dgm:sp3d/>
+    <dgm:txPr/>
+    <dgm:style>
+      <a:lnRef idx="2">
+        <a:scrgbClr r="0" g="0" b="0"/>
+      </a:lnRef>
+      <a:fillRef idx="1">
+        <a:scrgbClr r="0" g="0" b="0"/>
+      </a:fillRef>
+      <a:effectRef idx="0">
+        <a:scrgbClr r="0" g="0" b="0"/>
+      </a:effectRef>
+      <a:fontRef idx="minor">
+        <a:schemeClr val="lt1"/>
+      </a:fontRef>
+    </dgm:style>
+  </dgm:styleLbl>
+  <dgm:styleLbl name="parChTrans2D2">
+    <dgm:scene3d>
+      <a:camera prst="orthographicFront"/>
+      <a:lightRig rig="threePt" dir="t"/>
+    </dgm:scene3d>
+    <dgm:sp3d/>
+    <dgm:txPr/>
+    <dgm:style>
+      <a:lnRef idx="2">
+        <a:scrgbClr r="0" g="0" b="0"/>
+      </a:lnRef>
+      <a:fillRef idx="1">
+        <a:scrgbClr r="0" g="0" b="0"/>
+      </a:fillRef>
+      <a:effectRef idx="0">
+        <a:scrgbClr r="0" g="0" b="0"/>
+      </a:effectRef>
+      <a:fontRef idx="minor">
+        <a:schemeClr val="lt1"/>
+      </a:fontRef>
+    </dgm:style>
+  </dgm:styleLbl>
+  <dgm:styleLbl name="parChTrans2D3">
+    <dgm:scene3d>
+      <a:camera prst="orthographicFront"/>
+      <a:lightRig rig="threePt" dir="t"/>
+    </dgm:scene3d>
+    <dgm:sp3d/>
+    <dgm:txPr/>
+    <dgm:style>
+      <a:lnRef idx="2">
+        <a:scrgbClr r="0" g="0" b="0"/>
+      </a:lnRef>
+      <a:fillRef idx="1">
+        <a:scrgbClr r="0" g="0" b="0"/>
+      </a:fillRef>
+      <a:effectRef idx="0">
+        <a:scrgbClr r="0" g="0" b="0"/>
+      </a:effectRef>
+      <a:fontRef idx="minor">
+        <a:schemeClr val="lt1"/>
+      </a:fontRef>
+    </dgm:style>
+  </dgm:styleLbl>
+  <dgm:styleLbl name="parChTrans2D4">
+    <dgm:scene3d>
+      <a:camera prst="orthographicFront"/>
+      <a:lightRig rig="threePt" dir="t"/>
+    </dgm:scene3d>
+    <dgm:sp3d/>
+    <dgm:txPr/>
+    <dgm:style>
+      <a:lnRef idx="2">
+        <a:scrgbClr r="0" g="0" b="0"/>
+      </a:lnRef>
+      <a:fillRef idx="1">
+        <a:scrgbClr r="0" g="0" b="0"/>
+      </a:fillRef>
+      <a:effectRef idx="0">
+        <a:scrgbClr r="0" g="0" b="0"/>
+      </a:effectRef>
+      <a:fontRef idx="minor">
+        <a:schemeClr val="lt1"/>
+      </a:fontRef>
+    </dgm:style>
+  </dgm:styleLbl>
+  <dgm:styleLbl name="parChTrans1D1">
+    <dgm:scene3d>
+      <a:camera prst="orthographicFront"/>
+      <a:lightRig rig="threePt" dir="t"/>
+    </dgm:scene3d>
+    <dgm:sp3d/>
+    <dgm:txPr/>
+    <dgm:style>
+      <a:lnRef idx="2">
+        <a:scrgbClr r="0" g="0" b="0"/>
+      </a:lnRef>
+      <a:fillRef idx="0">
+        <a:scrgbClr r="0" g="0" b="0"/>
+      </a:fillRef>
+      <a:effectRef idx="0">
+        <a:scrgbClr r="0" g="0" b="0"/>
+      </a:effectRef>
+      <a:fontRef idx="minor"/>
+    </dgm:style>
+  </dgm:styleLbl>
+  <dgm:styleLbl name="parChTrans1D2">
+    <dgm:scene3d>
+      <a:camera prst="orthographicFront"/>
+      <a:lightRig rig="threePt" dir="t"/>
+    </dgm:scene3d>
+    <dgm:sp3d/>
+    <dgm:txPr/>
+    <dgm:style>
+      <a:lnRef idx="2">
+        <a:scrgbClr r="0" g="0" b="0"/>
+      </a:lnRef>
+      <a:fillRef idx="0">
+        <a:scrgbClr r="0" g="0" b="0"/>
+      </a:fillRef>
+      <a:effectRef idx="0">
+        <a:scrgbClr r="0" g="0" b="0"/>
+      </a:effectRef>
+      <a:fontRef idx="minor"/>
+    </dgm:style>
+  </dgm:styleLbl>
+  <dgm:styleLbl name="parChTrans1D3">
+    <dgm:scene3d>
+      <a:camera prst="orthographicFront"/>
+      <a:lightRig rig="threePt" dir="t"/>
+    </dgm:scene3d>
+    <dgm:sp3d/>
+    <dgm:txPr/>
+    <dgm:style>
+      <a:lnRef idx="2">
+        <a:scrgbClr r="0" g="0" b="0"/>
+      </a:lnRef>
+      <a:fillRef idx="0">
+        <a:scrgbClr r="0" g="0" b="0"/>
+      </a:fillRef>
+      <a:effectRef idx="0">
+        <a:scrgbClr r="0" g="0" b="0"/>
+      </a:effectRef>
+      <a:fontRef idx="minor"/>
+    </dgm:style>
+  </dgm:styleLbl>
+  <dgm:styleLbl name="parChTrans1D4">
+    <dgm:scene3d>
+      <a:camera prst="orthographicFront"/>
+      <a:lightRig rig="threePt" dir="t"/>
+    </dgm:scene3d>
+    <dgm:sp3d/>
+    <dgm:txPr/>
+    <dgm:style>
+      <a:lnRef idx="2">
+        <a:scrgbClr r="0" g="0" b="0"/>
+      </a:lnRef>
+      <a:fillRef idx="0">
+        <a:scrgbClr r="0" g="0" b="0"/>
+      </a:fillRef>
+      <a:effectRef idx="0">
+        <a:scrgbClr r="0" g="0" b="0"/>
+      </a:effectRef>
+      <a:fontRef idx="minor"/>
+    </dgm:style>
+  </dgm:styleLbl>
+  <dgm:styleLbl name="fgAcc1">
+    <dgm:scene3d>
+      <a:camera prst="orthographicFront"/>
+      <a:lightRig rig="threePt" dir="t"/>
+    </dgm:scene3d>
+    <dgm:sp3d/>
+    <dgm:txPr/>
+    <dgm:style>
+      <a:lnRef idx="2">
+        <a:scrgbClr r="0" g="0" b="0"/>
+      </a:lnRef>
+      <a:fillRef idx="1">
+        <a:scrgbClr r="0" g="0" b="0"/>
+      </a:fillRef>
+      <a:effectRef idx="0">
+        <a:scrgbClr r="0" g="0" b="0"/>
+      </a:effectRef>
+      <a:fontRef idx="minor"/>
+    </dgm:style>
+  </dgm:styleLbl>
+  <dgm:styleLbl name="conFgAcc1">
+    <dgm:scene3d>
+      <a:camera prst="orthographicFront"/>
+      <a:lightRig rig="threePt" dir="t"/>
+    </dgm:scene3d>
+    <dgm:sp3d/>
+    <dgm:txPr/>
+    <dgm:style>
+      <a:lnRef idx="2">
+        <a:scrgbClr r="0" g="0" b="0"/>
+      </a:lnRef>
+      <a:fillRef idx="1">
+        <a:scrgbClr r="0" g="0" b="0"/>
+      </a:fillRef>
+      <a:effectRef idx="0">
+        <a:scrgbClr r="0" g="0" b="0"/>
+      </a:effectRef>
+      <a:fontRef idx="minor"/>
+    </dgm:style>
+  </dgm:styleLbl>
+  <dgm:styleLbl name="alignAcc1">
+    <dgm:scene3d>
+      <a:camera prst="orthographicFront"/>
+      <a:lightRig rig="threePt" dir="t"/>
+    </dgm:scene3d>
+    <dgm:sp3d/>
+    <dgm:txPr/>
+    <dgm:style>
+      <a:lnRef idx="2">
+        <a:scrgbClr r="0" g="0" b="0"/>
+      </a:lnRef>
+      <a:fillRef idx="1">
+        <a:scrgbClr r="0" g="0" b="0"/>
+      </a:fillRef>
+      <a:effectRef idx="0">
+        <a:scrgbClr r="0" g="0" b="0"/>
+      </a:effectRef>
+      <a:fontRef idx="minor"/>
+    </dgm:style>
+  </dgm:styleLbl>
+  <dgm:styleLbl name="trAlignAcc1">
+    <dgm:scene3d>
+      <a:camera prst="orthographicFront"/>
+      <a:lightRig rig="threePt" dir="t"/>
+    </dgm:scene3d>
+    <dgm:sp3d/>
+    <dgm:txPr/>
+    <dgm:style>
+      <a:lnRef idx="1">
+        <a:scrgbClr r="0" g="0" b="0"/>
+      </a:lnRef>
+      <a:fillRef idx="1">
+        <a:scrgbClr r="0" g="0" b="0"/>
+      </a:fillRef>
+      <a:effectRef idx="0">
+        <a:scrgbClr r="0" g="0" b="0"/>
+      </a:effectRef>
+      <a:fontRef idx="minor"/>
+    </dgm:style>
+  </dgm:styleLbl>
+  <dgm:styleLbl name="bgAcc1">
+    <dgm:scene3d>
+      <a:camera prst="orthographicFront"/>
+      <a:lightRig rig="threePt" dir="t"/>
+    </dgm:scene3d>
+    <dgm:sp3d/>
+    <dgm:txPr/>
+    <dgm:style>
+      <a:lnRef idx="2">
+        <a:scrgbClr r="0" g="0" b="0"/>
+      </a:lnRef>
+      <a:fillRef idx="1">
+        <a:scrgbClr r="0" g="0" b="0"/>
+      </a:fillRef>
+      <a:effectRef idx="0">
+        <a:scrgbClr r="0" g="0" b="0"/>
+      </a:effectRef>
+      <a:fontRef idx="minor"/>
+    </dgm:style>
+  </dgm:styleLbl>
+  <dgm:styleLbl name="solidFgAcc1">
+    <dgm:scene3d>
+      <a:camera prst="orthographicFront"/>
+      <a:lightRig rig="threePt" dir="t"/>
+    </dgm:scene3d>
+    <dgm:sp3d/>
+    <dgm:txPr/>
+    <dgm:style>
+      <a:lnRef idx="2">
+        <a:scrgbClr r="0" g="0" b="0"/>
+      </a:lnRef>
+      <a:fillRef idx="1">
+        <a:scrgbClr r="0" g="0" b="0"/>
+      </a:fillRef>
+      <a:effectRef idx="0">
+        <a:scrgbClr r="0" g="0" b="0"/>
+      </a:effectRef>
+      <a:fontRef idx="minor"/>
+    </dgm:style>
+  </dgm:styleLbl>
+  <dgm:styleLbl name="solidAlignAcc1">
+    <dgm:scene3d>
+      <a:camera prst="orthographicFront"/>
+      <a:lightRig rig="threePt" dir="t"/>
+    </dgm:scene3d>
+    <dgm:sp3d/>
+    <dgm:txPr/>
+    <dgm:style>
+      <a:lnRef idx="2">
+        <a:scrgbClr r="0" g="0" b="0"/>
+      </a:lnRef>
+      <a:fillRef idx="1">
+        <a:scrgbClr r="0" g="0" b="0"/>
+      </a:fillRef>
+      <a:effectRef idx="0">
+        <a:scrgbClr r="0" g="0" b="0"/>
+      </a:effectRef>
+      <a:fontRef idx="minor"/>
+    </dgm:style>
+  </dgm:styleLbl>
+  <dgm:styleLbl name="solidBgAcc1">
+    <dgm:scene3d>
+      <a:camera prst="orthographicFront"/>
+      <a:lightRig rig="threePt" dir="t"/>
+    </dgm:scene3d>
+    <dgm:sp3d/>
+    <dgm:txPr/>
+    <dgm:style>
+      <a:lnRef idx="2">
+        <a:scrgbClr r="0" g="0" b="0"/>
+      </a:lnRef>
+      <a:fillRef idx="1">
+        <a:scrgbClr r="0" g="0" b="0"/>
+      </a:fillRef>
+      <a:effectRef idx="0">
+        <a:scrgbClr r="0" g="0" b="0"/>
+      </a:effectRef>
+      <a:fontRef idx="minor"/>
+    </dgm:style>
+  </dgm:styleLbl>
+  <dgm:styleLbl name="fgAccFollowNode1">
+    <dgm:scene3d>
+      <a:camera prst="orthographicFront"/>
+      <a:lightRig rig="threePt" dir="t"/>
+    </dgm:scene3d>
+    <dgm:sp3d/>
+    <dgm:txPr/>
+    <dgm:style>
+      <a:lnRef idx="2">
+        <a:scrgbClr r="0" g="0" b="0"/>
+      </a:lnRef>
+      <a:fillRef idx="1">
+        <a:scrgbClr r="0" g="0" b="0"/>
+      </a:fillRef>
+      <a:effectRef idx="0">
+        <a:scrgbClr r="0" g="0" b="0"/>
+      </a:effectRef>
+      <a:fontRef idx="minor"/>
+    </dgm:style>
+  </dgm:styleLbl>
+  <dgm:styleLbl name="alignAccFollowNode1">
+    <dgm:scene3d>
+      <a:camera prst="orthographicFront"/>
+      <a:lightRig rig="threePt" dir="t"/>
+    </dgm:scene3d>
+    <dgm:sp3d/>
+    <dgm:txPr/>
+    <dgm:style>
+      <a:lnRef idx="2">
+        <a:scrgbClr r="0" g="0" b="0"/>
+      </a:lnRef>
+      <a:fillRef idx="1">
+        <a:scrgbClr r="0" g="0" b="0"/>
+      </a:fillRef>
+      <a:effectRef idx="0">
+        <a:scrgbClr r="0" g="0" b="0"/>
+      </a:effectRef>
+      <a:fontRef idx="minor"/>
+    </dgm:style>
+  </dgm:styleLbl>
+  <dgm:styleLbl name="bgAccFollowNode1">
+    <dgm:scene3d>
+      <a:camera prst="orthographicFront"/>
+      <a:lightRig rig="threePt" dir="t"/>
+    </dgm:scene3d>
+    <dgm:sp3d/>
+    <dgm:txPr/>
+    <dgm:style>
+      <a:lnRef idx="2">
+        <a:scrgbClr r="0" g="0" b="0"/>
+      </a:lnRef>
+      <a:fillRef idx="1">
+        <a:scrgbClr r="0" g="0" b="0"/>
+      </a:fillRef>
+      <a:effectRef idx="0">
+        <a:scrgbClr r="0" g="0" b="0"/>
+      </a:effectRef>
+      <a:fontRef idx="minor"/>
+    </dgm:style>
+  </dgm:styleLbl>
+  <dgm:styleLbl name="fgAcc0">
+    <dgm:scene3d>
+      <a:camera prst="orthographicFront"/>
+      <a:lightRig rig="threePt" dir="t"/>
+    </dgm:scene3d>
+    <dgm:sp3d/>
+    <dgm:txPr/>
+    <dgm:style>
+      <a:lnRef idx="2">
+        <a:scrgbClr r="0" g="0" b="0"/>
+      </a:lnRef>
+      <a:fillRef idx="1">
+        <a:scrgbClr r="0" g="0" b="0"/>
+      </a:fillRef>
+      <a:effectRef idx="0">
+        <a:scrgbClr r="0" g="0" b="0"/>
+      </a:effectRef>
+      <a:fontRef idx="minor"/>
+    </dgm:style>
+  </dgm:styleLbl>
+  <dgm:styleLbl name="fgAcc2">
+    <dgm:scene3d>
+      <a:camera prst="orthographicFront"/>
+      <a:lightRig rig="threePt" dir="t"/>
+    </dgm:scene3d>
+    <dgm:sp3d/>
+    <dgm:txPr/>
+    <dgm:style>
+      <a:lnRef idx="2">
+        <a:scrgbClr r="0" g="0" b="0"/>
+      </a:lnRef>
+      <a:fillRef idx="1">
+        <a:scrgbClr r="0" g="0" b="0"/>
+      </a:fillRef>
+      <a:effectRef idx="0">
+        <a:scrgbClr r="0" g="0" b="0"/>
+      </a:effectRef>
+      <a:fontRef idx="minor"/>
+    </dgm:style>
+  </dgm:styleLbl>
+  <dgm:styleLbl name="fgAcc3">
+    <dgm:scene3d>
+      <a:camera prst="orthographicFront"/>
+      <a:lightRig rig="threePt" dir="t"/>
+    </dgm:scene3d>
+    <dgm:sp3d/>
+    <dgm:txPr/>
+    <dgm:style>
+      <a:lnRef idx="2">
+        <a:scrgbClr r="0" g="0" b="0"/>
+      </a:lnRef>
+      <a:fillRef idx="1">
+        <a:scrgbClr r="0" g="0" b="0"/>
+      </a:fillRef>
+      <a:effectRef idx="0">
+        <a:scrgbClr r="0" g="0" b="0"/>
+      </a:effectRef>
+      <a:fontRef idx="minor"/>
+    </dgm:style>
+  </dgm:styleLbl>
+  <dgm:styleLbl name="fgAcc4">
+    <dgm:scene3d>
+      <a:camera prst="orthographicFront"/>
+      <a:lightRig rig="threePt" dir="t"/>
+    </dgm:scene3d>
+    <dgm:sp3d/>
+    <dgm:txPr/>
+    <dgm:style>
+      <a:lnRef idx="2">
+        <a:scrgbClr r="0" g="0" b="0"/>
+      </a:lnRef>
+      <a:fillRef idx="1">
+        <a:scrgbClr r="0" g="0" b="0"/>
+      </a:fillRef>
+      <a:effectRef idx="0">
+        <a:scrgbClr r="0" g="0" b="0"/>
+      </a:effectRef>
+      <a:fontRef idx="minor"/>
+    </dgm:style>
+  </dgm:styleLbl>
+  <dgm:styleLbl name="bgShp">
+    <dgm:scene3d>
+      <a:camera prst="orthographicFront"/>
+      <a:lightRig rig="threePt" dir="t"/>
+    </dgm:scene3d>
+    <dgm:sp3d/>
+    <dgm:txPr/>
+    <dgm:style>
+      <a:lnRef idx="0">
+        <a:scrgbClr r="0" g="0" b="0"/>
+      </a:lnRef>
+      <a:fillRef idx="1">
+        <a:scrgbClr r="0" g="0" b="0"/>
+      </a:fillRef>
+      <a:effectRef idx="0">
+        <a:scrgbClr r="0" g="0" b="0"/>
+      </a:effectRef>
+      <a:fontRef idx="minor"/>
+    </dgm:style>
+  </dgm:styleLbl>
+  <dgm:styleLbl name="dkBgShp">
+    <dgm:scene3d>
+      <a:camera prst="orthographicFront"/>
+      <a:lightRig rig="threePt" dir="t"/>
+    </dgm:scene3d>
+    <dgm:sp3d/>
+    <dgm:txPr/>
+    <dgm:style>
+      <a:lnRef idx="0">
+        <a:scrgbClr r="0" g="0" b="0"/>
+      </a:lnRef>
+      <a:fillRef idx="1">
+        <a:scrgbClr r="0" g="0" b="0"/>
+      </a:fillRef>
+      <a:effectRef idx="0">
+        <a:scrgbClr r="0" g="0" b="0"/>
+      </a:effectRef>
+      <a:fontRef idx="minor"/>
+    </dgm:style>
+  </dgm:styleLbl>
+  <dgm:styleLbl name="trBgShp">
+    <dgm:scene3d>
+      <a:camera prst="orthographicFront"/>
+      <a:lightRig rig="threePt" dir="t"/>
+    </dgm:scene3d>
+    <dgm:sp3d/>
+    <dgm:txPr/>
+    <dgm:style>
+      <a:lnRef idx="0">
+        <a:scrgbClr r="0" g="0" b="0"/>
+      </a:lnRef>
+      <a:fillRef idx="1">
+        <a:scrgbClr r="0" g="0" b="0"/>
+      </a:fillRef>
+      <a:effectRef idx="0">
+        <a:scrgbClr r="0" g="0" b="0"/>
+      </a:effectRef>
+      <a:fontRef idx="minor"/>
+    </dgm:style>
+  </dgm:styleLbl>
+  <dgm:styleLbl name="fgShp">
+    <dgm:scene3d>
+      <a:camera prst="orthographicFront"/>
+      <a:lightRig rig="threePt" dir="t"/>
+    </dgm:scene3d>
+    <dgm:sp3d/>
+    <dgm:txPr/>
+    <dgm:style>
+      <a:lnRef idx="2">
+        <a:scrgbClr r="0" g="0" b="0"/>
+      </a:lnRef>
+      <a:fillRef idx="1">
+        <a:scrgbClr r="0" g="0" b="0"/>
+      </a:fillRef>
+      <a:effectRef idx="0">
+        <a:scrgbClr r="0" g="0" b="0"/>
+      </a:effectRef>
+      <a:fontRef idx="minor"/>
+    </dgm:style>
+  </dgm:styleLbl>
+  <dgm:styleLbl name="revTx">
+    <dgm:scene3d>
+      <a:camera prst="orthographicFront"/>
+      <a:lightRig rig="threePt" dir="t"/>
+    </dgm:scene3d>
+    <dgm:sp3d/>
+    <dgm:txPr/>
+    <dgm:style>
+      <a:lnRef idx="0">
+        <a:scrgbClr r="0" g="0" b="0"/>
+      </a:lnRef>
+      <a:fillRef idx="0">
+        <a:scrgbClr r="0" g="0" b="0"/>
+      </a:fillRef>
+      <a:effectRef idx="0">
+        <a:scrgbClr r="0" g="0" b="0"/>
+      </a:effectRef>
+      <a:fontRef idx="minor"/>
+    </dgm:style>
+  </dgm:styleLbl>
+</dgm:styleDef>
+</file>
+
+<file path=ppt/diagrams/quickStyle6.xml><?xml version="1.0" encoding="utf-8"?>
 <dgm:styleDef xmlns:dgm="http://schemas.openxmlformats.org/drawingml/2006/diagram" xmlns:a="http://schemas.openxmlformats.org/drawingml/2006/main" uniqueId="urn:microsoft.com/office/officeart/2005/8/quickstyle/simple1">
   <dgm:title val=""/>
   <dgm:desc val=""/>
@@ -34895,7 +38964,7 @@
           <a:p>
             <a:fld id="{ADB3A5E3-9D61-4D7B-8FB1-DFF7E31CD570}" type="datetimeFigureOut">
               <a:rPr lang="de-DE" smtClean="0"/>
-              <a:t>25.05.2023</a:t>
+              <a:t>07.06.2023</a:t>
             </a:fld>
             <a:endParaRPr lang="de-DE"/>
           </a:p>
@@ -35477,7 +39546,7 @@
           <a:p>
             <a:fld id="{C41AF5A7-074E-4464-B39C-B9F232C32D5A}" type="datetimeFigureOut">
               <a:rPr lang="de-DE" smtClean="0"/>
-              <a:t>25.05.2023</a:t>
+              <a:t>07.06.2023</a:t>
             </a:fld>
             <a:endParaRPr lang="de-DE"/>
           </a:p>
@@ -35675,7 +39744,7 @@
           <a:p>
             <a:fld id="{C41AF5A7-074E-4464-B39C-B9F232C32D5A}" type="datetimeFigureOut">
               <a:rPr lang="de-DE" smtClean="0"/>
-              <a:t>25.05.2023</a:t>
+              <a:t>07.06.2023</a:t>
             </a:fld>
             <a:endParaRPr lang="de-DE"/>
           </a:p>
@@ -35883,7 +39952,7 @@
           <a:p>
             <a:fld id="{C41AF5A7-074E-4464-B39C-B9F232C32D5A}" type="datetimeFigureOut">
               <a:rPr lang="de-DE" smtClean="0"/>
-              <a:t>25.05.2023</a:t>
+              <a:t>07.06.2023</a:t>
             </a:fld>
             <a:endParaRPr lang="de-DE"/>
           </a:p>
@@ -36081,7 +40150,7 @@
           <a:p>
             <a:fld id="{C41AF5A7-074E-4464-B39C-B9F232C32D5A}" type="datetimeFigureOut">
               <a:rPr lang="de-DE" smtClean="0"/>
-              <a:t>25.05.2023</a:t>
+              <a:t>07.06.2023</a:t>
             </a:fld>
             <a:endParaRPr lang="de-DE"/>
           </a:p>
@@ -36356,7 +40425,7 @@
           <a:p>
             <a:fld id="{C41AF5A7-074E-4464-B39C-B9F232C32D5A}" type="datetimeFigureOut">
               <a:rPr lang="de-DE" smtClean="0"/>
-              <a:t>25.05.2023</a:t>
+              <a:t>07.06.2023</a:t>
             </a:fld>
             <a:endParaRPr lang="de-DE"/>
           </a:p>
@@ -36621,7 +40690,7 @@
           <a:p>
             <a:fld id="{C41AF5A7-074E-4464-B39C-B9F232C32D5A}" type="datetimeFigureOut">
               <a:rPr lang="de-DE" smtClean="0"/>
-              <a:t>25.05.2023</a:t>
+              <a:t>07.06.2023</a:t>
             </a:fld>
             <a:endParaRPr lang="de-DE"/>
           </a:p>
@@ -37033,7 +41102,7 @@
           <a:p>
             <a:fld id="{C41AF5A7-074E-4464-B39C-B9F232C32D5A}" type="datetimeFigureOut">
               <a:rPr lang="de-DE" smtClean="0"/>
-              <a:t>25.05.2023</a:t>
+              <a:t>07.06.2023</a:t>
             </a:fld>
             <a:endParaRPr lang="de-DE"/>
           </a:p>
@@ -37174,7 +41243,7 @@
           <a:p>
             <a:fld id="{C41AF5A7-074E-4464-B39C-B9F232C32D5A}" type="datetimeFigureOut">
               <a:rPr lang="de-DE" smtClean="0"/>
-              <a:t>25.05.2023</a:t>
+              <a:t>07.06.2023</a:t>
             </a:fld>
             <a:endParaRPr lang="de-DE"/>
           </a:p>
@@ -37287,7 +41356,7 @@
           <a:p>
             <a:fld id="{C41AF5A7-074E-4464-B39C-B9F232C32D5A}" type="datetimeFigureOut">
               <a:rPr lang="de-DE" smtClean="0"/>
-              <a:t>25.05.2023</a:t>
+              <a:t>07.06.2023</a:t>
             </a:fld>
             <a:endParaRPr lang="de-DE"/>
           </a:p>
@@ -37598,7 +41667,7 @@
           <a:p>
             <a:fld id="{C41AF5A7-074E-4464-B39C-B9F232C32D5A}" type="datetimeFigureOut">
               <a:rPr lang="de-DE" smtClean="0"/>
-              <a:t>25.05.2023</a:t>
+              <a:t>07.06.2023</a:t>
             </a:fld>
             <a:endParaRPr lang="de-DE"/>
           </a:p>
@@ -37886,7 +41955,7 @@
           <a:p>
             <a:fld id="{C41AF5A7-074E-4464-B39C-B9F232C32D5A}" type="datetimeFigureOut">
               <a:rPr lang="de-DE" smtClean="0"/>
-              <a:t>25.05.2023</a:t>
+              <a:t>07.06.2023</a:t>
             </a:fld>
             <a:endParaRPr lang="de-DE"/>
           </a:p>
@@ -38127,7 +42196,7 @@
           <a:p>
             <a:fld id="{C41AF5A7-074E-4464-B39C-B9F232C32D5A}" type="datetimeFigureOut">
               <a:rPr lang="de-DE" smtClean="0"/>
-              <a:t>25.05.2023</a:t>
+              <a:t>07.06.2023</a:t>
             </a:fld>
             <a:endParaRPr lang="de-DE"/>
           </a:p>
@@ -38803,6 +42872,116 @@
 </p:sld>
 </file>
 
+<file path=ppt/slides/slide11.xml><?xml version="1.0" encoding="utf-8"?>
+<p:sld xmlns:a="http://schemas.openxmlformats.org/drawingml/2006/main" xmlns:r="http://schemas.openxmlformats.org/officeDocument/2006/relationships" xmlns:p="http://schemas.openxmlformats.org/presentationml/2006/main">
+  <p:cSld>
+    <p:spTree>
+      <p:nvGrpSpPr>
+        <p:cNvPr id="1" name=""/>
+        <p:cNvGrpSpPr/>
+        <p:nvPr/>
+      </p:nvGrpSpPr>
+      <p:grpSpPr>
+        <a:xfrm>
+          <a:off x="0" y="0"/>
+          <a:ext cx="0" cy="0"/>
+          <a:chOff x="0" y="0"/>
+          <a:chExt cx="0" cy="0"/>
+        </a:xfrm>
+      </p:grpSpPr>
+      <p:sp>
+        <p:nvSpPr>
+          <p:cNvPr id="2" name="Titel 1">
+            <a:extLst>
+              <a:ext uri="{FF2B5EF4-FFF2-40B4-BE49-F238E27FC236}">
+                <a16:creationId xmlns:a16="http://schemas.microsoft.com/office/drawing/2014/main" id="{C99C4C3E-7CDF-4DA3-9A68-844C3C732F24}"/>
+              </a:ext>
+            </a:extLst>
+          </p:cNvPr>
+          <p:cNvSpPr>
+            <a:spLocks noGrp="1"/>
+          </p:cNvSpPr>
+          <p:nvPr>
+            <p:ph type="title"/>
+          </p:nvPr>
+        </p:nvSpPr>
+        <p:spPr/>
+        <p:txBody>
+          <a:bodyPr/>
+          <a:lstStyle/>
+          <a:p>
+            <a:endParaRPr lang="de-DE" dirty="0"/>
+          </a:p>
+        </p:txBody>
+      </p:sp>
+      <p:sp>
+        <p:nvSpPr>
+          <p:cNvPr id="3" name="Inhaltsplatzhalter 2">
+            <a:extLst>
+              <a:ext uri="{FF2B5EF4-FFF2-40B4-BE49-F238E27FC236}">
+                <a16:creationId xmlns:a16="http://schemas.microsoft.com/office/drawing/2014/main" id="{0F5F4347-AA14-4038-9D4B-019CC3E13ADC}"/>
+              </a:ext>
+            </a:extLst>
+          </p:cNvPr>
+          <p:cNvSpPr>
+            <a:spLocks noGrp="1"/>
+          </p:cNvSpPr>
+          <p:nvPr>
+            <p:ph idx="1"/>
+          </p:nvPr>
+        </p:nvSpPr>
+        <p:spPr/>
+        <p:txBody>
+          <a:bodyPr/>
+          <a:lstStyle/>
+          <a:p>
+            <a:endParaRPr lang="de-DE" dirty="0"/>
+          </a:p>
+        </p:txBody>
+      </p:sp>
+      <p:graphicFrame>
+        <p:nvGraphicFramePr>
+          <p:cNvPr id="4" name="Inhaltsplatzhalter 4">
+            <a:extLst>
+              <a:ext uri="{FF2B5EF4-FFF2-40B4-BE49-F238E27FC236}">
+                <a16:creationId xmlns:a16="http://schemas.microsoft.com/office/drawing/2014/main" id="{B18FE679-250E-42B0-84D2-FB9536FBBD90}"/>
+              </a:ext>
+            </a:extLst>
+          </p:cNvPr>
+          <p:cNvGraphicFramePr>
+            <a:graphicFrameLocks noGrp="1"/>
+          </p:cNvGraphicFramePr>
+          <p:nvPr>
+            <p:extLst>
+              <p:ext uri="{D42A27DB-BD31-4B8C-83A1-F6EECF244321}">
+                <p14:modId xmlns:p14="http://schemas.microsoft.com/office/powerpoint/2010/main" val="442590962"/>
+              </p:ext>
+            </p:extLst>
+          </p:nvPr>
+        </p:nvGraphicFramePr>
+        <p:xfrm>
+          <a:off x="3957637" y="981075"/>
+          <a:ext cx="4276725" cy="4895850"/>
+        </p:xfrm>
+        <a:graphic>
+          <a:graphicData uri="http://schemas.openxmlformats.org/drawingml/2006/diagram">
+            <dgm:relIds xmlns:dgm="http://schemas.openxmlformats.org/drawingml/2006/diagram" xmlns:r="http://schemas.openxmlformats.org/officeDocument/2006/relationships" r:dm="rId2" r:lo="rId3" r:qs="rId4" r:cs="rId5"/>
+          </a:graphicData>
+        </a:graphic>
+      </p:graphicFrame>
+    </p:spTree>
+    <p:extLst>
+      <p:ext uri="{BB962C8B-B14F-4D97-AF65-F5344CB8AC3E}">
+        <p14:creationId xmlns:p14="http://schemas.microsoft.com/office/powerpoint/2010/main" val="3568212931"/>
+      </p:ext>
+    </p:extLst>
+  </p:cSld>
+  <p:clrMapOvr>
+    <a:masterClrMapping/>
+  </p:clrMapOvr>
+</p:sld>
+</file>
+
 <file path=ppt/slides/slide2.xml><?xml version="1.0" encoding="utf-8"?>
 <p:sld xmlns:a="http://schemas.openxmlformats.org/drawingml/2006/main" xmlns:r="http://schemas.openxmlformats.org/officeDocument/2006/relationships" xmlns:p="http://schemas.openxmlformats.org/presentationml/2006/main">
   <p:cSld>
@@ -38961,7 +43140,7 @@
             <p:ph idx="1"/>
             <p:extLst>
               <p:ext uri="{D42A27DB-BD31-4B8C-83A1-F6EECF244321}">
-                <p14:modId xmlns:p14="http://schemas.microsoft.com/office/powerpoint/2010/main" val="896052913"/>
+                <p14:modId xmlns:p14="http://schemas.microsoft.com/office/powerpoint/2010/main" val="385412431"/>
               </p:ext>
             </p:extLst>
           </p:nvPr>
@@ -39336,7 +43515,7 @@
             <p:ph idx="1"/>
             <p:extLst>
               <p:ext uri="{D42A27DB-BD31-4B8C-83A1-F6EECF244321}">
-                <p14:modId xmlns:p14="http://schemas.microsoft.com/office/powerpoint/2010/main" val="3355875535"/>
+                <p14:modId xmlns:p14="http://schemas.microsoft.com/office/powerpoint/2010/main" val="3049412664"/>
               </p:ext>
             </p:extLst>
           </p:nvPr>

--- a/scratch.pptx
+++ b/scratch.pptx
@@ -12116,7 +12116,10 @@
             <a:rPr lang="de-DE" dirty="0" err="1"/>
             <a:t>Component</a:t>
           </a:r>
-          <a:endParaRPr lang="de-DE" dirty="0"/>
+          <a:r>
+            <a:rPr lang="de-DE" dirty="0"/>
+            <a:t> 1</a:t>
+          </a:r>
         </a:p>
       </dgm:t>
     </dgm:pt>
@@ -12296,7 +12299,7 @@
         <a:p>
           <a:r>
             <a:rPr lang="de-DE" dirty="0"/>
-            <a:t>Tag</a:t>
+            <a:t>Tag 1</a:t>
           </a:r>
         </a:p>
       </dgm:t>
@@ -24461,7 +24464,7 @@
           </a:pPr>
           <a:r>
             <a:rPr lang="de-DE" sz="1200" kern="1200" dirty="0"/>
-            <a:t>Tag</a:t>
+            <a:t>Tag 1</a:t>
           </a:r>
         </a:p>
       </dsp:txBody>
@@ -24893,7 +24896,10 @@
             <a:rPr lang="de-DE" sz="1200" kern="1200" dirty="0" err="1"/>
             <a:t>Component</a:t>
           </a:r>
-          <a:endParaRPr lang="de-DE" sz="1200" kern="1200" dirty="0"/>
+          <a:r>
+            <a:rPr lang="de-DE" sz="1200" kern="1200" dirty="0"/>
+            <a:t> 1</a:t>
+          </a:r>
         </a:p>
       </dsp:txBody>
       <dsp:txXfrm>
@@ -43515,7 +43521,7 @@
             <p:ph idx="1"/>
             <p:extLst>
               <p:ext uri="{D42A27DB-BD31-4B8C-83A1-F6EECF244321}">
-                <p14:modId xmlns:p14="http://schemas.microsoft.com/office/powerpoint/2010/main" val="3049412664"/>
+                <p14:modId xmlns:p14="http://schemas.microsoft.com/office/powerpoint/2010/main" val="1491486838"/>
               </p:ext>
             </p:extLst>
           </p:nvPr>
